--- a/Specification/hirojiren_model_file_advanced.pptx
+++ b/Specification/hirojiren_model_file_advanced.pptx
@@ -6,18 +6,19 @@
     <p:sldMasterId id="2147483653" r:id="rId2"/>
   </p:sldMasterIdLst>
   <p:notesMasterIdLst>
-    <p:notesMasterId r:id="rId9"/>
+    <p:notesMasterId r:id="rId10"/>
   </p:notesMasterIdLst>
   <p:handoutMasterIdLst>
-    <p:handoutMasterId r:id="rId10"/>
+    <p:handoutMasterId r:id="rId11"/>
   </p:handoutMasterIdLst>
   <p:sldIdLst>
     <p:sldId id="258" r:id="rId3"/>
-    <p:sldId id="268" r:id="rId4"/>
-    <p:sldId id="269" r:id="rId5"/>
-    <p:sldId id="271" r:id="rId6"/>
-    <p:sldId id="272" r:id="rId7"/>
-    <p:sldId id="270" r:id="rId8"/>
+    <p:sldId id="273" r:id="rId4"/>
+    <p:sldId id="268" r:id="rId5"/>
+    <p:sldId id="269" r:id="rId6"/>
+    <p:sldId id="271" r:id="rId7"/>
+    <p:sldId id="272" r:id="rId8"/>
+    <p:sldId id="270" r:id="rId9"/>
   </p:sldIdLst>
   <p:sldSz cx="12801600" cy="9601200" type="A3"/>
   <p:notesSz cx="14597063" cy="21107400"/>
@@ -156,6 +157,7 @@
         </p14:section>
         <p14:section name="モデル図ページ（アドバンストクラス）" id="{46087027-09ED-4232-B7C0-C8FBFF40BA2A}">
           <p14:sldIdLst>
+            <p14:sldId id="273"/>
             <p14:sldId id="268"/>
             <p14:sldId id="269"/>
             <p14:sldId id="271"/>
@@ -4651,64 +4653,307 @@
       </p:grpSpPr>
       <p:sp>
         <p:nvSpPr>
-          <p:cNvPr id="5" name="タイトル 4">
+          <p:cNvPr id="4" name="正方形/長方形 3">
             <a:extLst>
               <a:ext uri="{FF2B5EF4-FFF2-40B4-BE49-F238E27FC236}">
-                <a16:creationId xmlns:a16="http://schemas.microsoft.com/office/drawing/2014/main" id="{99E97F26-ED30-4870-B29B-88DD2A395D18}"/>
+                <a16:creationId xmlns:a16="http://schemas.microsoft.com/office/drawing/2014/main" id="{FD76F276-8A63-174B-8450-D2E68742711F}"/>
               </a:ext>
             </a:extLst>
           </p:cNvPr>
-          <p:cNvSpPr>
-            <a:spLocks noGrp="1"/>
-          </p:cNvSpPr>
-          <p:nvPr>
-            <p:ph type="title"/>
-          </p:nvPr>
+          <p:cNvSpPr/>
+          <p:nvPr/>
         </p:nvSpPr>
-        <p:spPr/>
+        <p:spPr>
+          <a:xfrm>
+            <a:off x="352128" y="2208312"/>
+            <a:ext cx="5616624" cy="2016224"/>
+          </a:xfrm>
+          <a:prstGeom prst="rect">
+            <a:avLst/>
+          </a:prstGeom>
+          <a:solidFill>
+            <a:schemeClr val="bg1"/>
+          </a:solidFill>
+          <a:ln>
+            <a:solidFill>
+              <a:schemeClr val="tx1"/>
+            </a:solidFill>
+          </a:ln>
+        </p:spPr>
+        <p:style>
+          <a:lnRef idx="2">
+            <a:schemeClr val="accent1">
+              <a:shade val="50000"/>
+            </a:schemeClr>
+          </a:lnRef>
+          <a:fillRef idx="1">
+            <a:schemeClr val="accent1"/>
+          </a:fillRef>
+          <a:effectRef idx="0">
+            <a:schemeClr val="accent1"/>
+          </a:effectRef>
+          <a:fontRef idx="minor">
+            <a:schemeClr val="lt1"/>
+          </a:fontRef>
+        </p:style>
         <p:txBody>
-          <a:bodyPr/>
+          <a:bodyPr rtlCol="0" anchor="t" anchorCtr="0"/>
           <a:lstStyle/>
           <a:p>
             <a:r>
-              <a:rPr kumimoji="1" lang="ja-JP" altLang="en-US" dirty="0"/>
-              <a:t>要求モデル</a:t>
-            </a:r>
+              <a:rPr lang="ja-JP" altLang="en-US">
+                <a:solidFill>
+                  <a:schemeClr val="tx1"/>
+                </a:solidFill>
+              </a:rPr>
+              <a:t>・モデルの構成では、何をしたかではなく、何を得たのかを書くと内容がわかる構 成になる。例えば目標達成のための要件は何か、抽出した課題は何か、ブロ ックの移動順序や経路の算出方法としてどのような方法をとったのか、設計の方 針の重要なポイントは何か、構造と振舞いの着目すべき箇所はどこか、どのよ な制御戦略をとったのか、などを書く。</a:t>
+            </a:r>
+          </a:p>
+          <a:p>
+            <a:endParaRPr kumimoji="1" lang="ja-JP" altLang="en-US"/>
           </a:p>
         </p:txBody>
       </p:sp>
       <p:sp>
         <p:nvSpPr>
-          <p:cNvPr id="7" name="コンテンツ プレースホルダー 6">
+          <p:cNvPr id="5" name="正方形/長方形 4">
             <a:extLst>
               <a:ext uri="{FF2B5EF4-FFF2-40B4-BE49-F238E27FC236}">
-                <a16:creationId xmlns:a16="http://schemas.microsoft.com/office/drawing/2014/main" id="{43A1BEA2-AA1D-441C-972E-6D458196DA19}"/>
+                <a16:creationId xmlns:a16="http://schemas.microsoft.com/office/drawing/2014/main" id="{66622E1C-032D-3B4F-8DC2-F5DEEACE46A3}"/>
               </a:ext>
             </a:extLst>
           </p:cNvPr>
-          <p:cNvSpPr>
-            <a:spLocks noGrp="1"/>
-          </p:cNvSpPr>
-          <p:nvPr>
-            <p:ph idx="1"/>
-          </p:nvPr>
+          <p:cNvSpPr/>
+          <p:nvPr/>
         </p:nvSpPr>
-        <p:spPr/>
+        <p:spPr>
+          <a:xfrm>
+            <a:off x="424136" y="4440560"/>
+            <a:ext cx="5616624" cy="504056"/>
+          </a:xfrm>
+          <a:prstGeom prst="rect">
+            <a:avLst/>
+          </a:prstGeom>
+          <a:solidFill>
+            <a:schemeClr val="bg1"/>
+          </a:solidFill>
+          <a:ln>
+            <a:solidFill>
+              <a:schemeClr val="tx1"/>
+            </a:solidFill>
+          </a:ln>
+        </p:spPr>
+        <p:style>
+          <a:lnRef idx="2">
+            <a:schemeClr val="accent1">
+              <a:shade val="50000"/>
+            </a:schemeClr>
+          </a:lnRef>
+          <a:fillRef idx="1">
+            <a:schemeClr val="accent1"/>
+          </a:fillRef>
+          <a:effectRef idx="0">
+            <a:schemeClr val="accent1"/>
+          </a:effectRef>
+          <a:fontRef idx="minor">
+            <a:schemeClr val="lt1"/>
+          </a:fontRef>
+        </p:style>
         <p:txBody>
-          <a:bodyPr/>
+          <a:bodyPr rtlCol="0" anchor="t" anchorCtr="0"/>
           <a:lstStyle/>
           <a:p>
             <a:r>
-              <a:rPr kumimoji="1" lang="ja-JP" altLang="en-US" dirty="0"/>
-              <a:t>ここに要求のモデルを書く</a:t>
-            </a:r>
+              <a:rPr lang="ja-JP" altLang="en-US">
+                <a:solidFill>
+                  <a:schemeClr val="tx1"/>
+                </a:solidFill>
+              </a:rPr>
+              <a:t>・抽出した要求に対して妥当性を示す。</a:t>
+            </a:r>
+          </a:p>
+          <a:p>
+            <a:endParaRPr kumimoji="1" lang="ja-JP" altLang="en-US">
+              <a:solidFill>
+                <a:schemeClr val="tx1"/>
+              </a:solidFill>
+            </a:endParaRPr>
           </a:p>
         </p:txBody>
       </p:sp>
+      <p:sp>
+        <p:nvSpPr>
+          <p:cNvPr id="6" name="正方形/長方形 5">
+            <a:extLst>
+              <a:ext uri="{FF2B5EF4-FFF2-40B4-BE49-F238E27FC236}">
+                <a16:creationId xmlns:a16="http://schemas.microsoft.com/office/drawing/2014/main" id="{67F00533-14A5-DB47-BE1A-8DB727E2D87C}"/>
+              </a:ext>
+            </a:extLst>
+          </p:cNvPr>
+          <p:cNvSpPr/>
+          <p:nvPr/>
+        </p:nvSpPr>
+        <p:spPr>
+          <a:xfrm>
+            <a:off x="568152" y="840160"/>
+            <a:ext cx="5616624" cy="504056"/>
+          </a:xfrm>
+          <a:prstGeom prst="rect">
+            <a:avLst/>
+          </a:prstGeom>
+          <a:solidFill>
+            <a:schemeClr val="accent4">
+              <a:lumMod val="20000"/>
+              <a:lumOff val="80000"/>
+            </a:schemeClr>
+          </a:solidFill>
+          <a:ln>
+            <a:solidFill>
+              <a:schemeClr val="tx1"/>
+            </a:solidFill>
+          </a:ln>
+        </p:spPr>
+        <p:style>
+          <a:lnRef idx="2">
+            <a:schemeClr val="accent1">
+              <a:shade val="50000"/>
+            </a:schemeClr>
+          </a:lnRef>
+          <a:fillRef idx="1">
+            <a:schemeClr val="accent1"/>
+          </a:fillRef>
+          <a:effectRef idx="0">
+            <a:schemeClr val="accent1"/>
+          </a:effectRef>
+          <a:fontRef idx="minor">
+            <a:schemeClr val="lt1"/>
+          </a:fontRef>
+        </p:style>
+        <p:txBody>
+          <a:bodyPr rtlCol="0" anchor="ctr" anchorCtr="0"/>
+          <a:lstStyle/>
+          <a:p>
+            <a:pPr algn="ctr"/>
+            <a:r>
+              <a:rPr lang="ja-JP" altLang="en-US" b="1">
+                <a:solidFill>
+                  <a:schemeClr val="tx1"/>
+                </a:solidFill>
+              </a:rPr>
+              <a:t>課題の有効な解き方を示すモデルになっているか</a:t>
+            </a:r>
+            <a:endParaRPr kumimoji="1" lang="ja-JP" altLang="en-US" b="1">
+              <a:solidFill>
+                <a:schemeClr val="tx1"/>
+              </a:solidFill>
+            </a:endParaRPr>
+          </a:p>
+        </p:txBody>
+      </p:sp>
+      <p:sp>
+        <p:nvSpPr>
+          <p:cNvPr id="7" name="正方形/長方形 6">
+            <a:extLst>
+              <a:ext uri="{FF2B5EF4-FFF2-40B4-BE49-F238E27FC236}">
+                <a16:creationId xmlns:a16="http://schemas.microsoft.com/office/drawing/2014/main" id="{28747E7D-A8F9-7C4F-9F9C-4B6AB8082BE4}"/>
+              </a:ext>
+            </a:extLst>
+          </p:cNvPr>
+          <p:cNvSpPr/>
+          <p:nvPr/>
+        </p:nvSpPr>
+        <p:spPr>
+          <a:xfrm>
+            <a:off x="6904856" y="1776264"/>
+            <a:ext cx="3600400" cy="504056"/>
+          </a:xfrm>
+          <a:prstGeom prst="rect">
+            <a:avLst/>
+          </a:prstGeom>
+          <a:solidFill>
+            <a:schemeClr val="accent4">
+              <a:lumMod val="20000"/>
+              <a:lumOff val="80000"/>
+            </a:schemeClr>
+          </a:solidFill>
+          <a:ln>
+            <a:solidFill>
+              <a:schemeClr val="tx1"/>
+            </a:solidFill>
+          </a:ln>
+        </p:spPr>
+        <p:style>
+          <a:lnRef idx="2">
+            <a:schemeClr val="accent1">
+              <a:shade val="50000"/>
+            </a:schemeClr>
+          </a:lnRef>
+          <a:fillRef idx="1">
+            <a:schemeClr val="accent1"/>
+          </a:fillRef>
+          <a:effectRef idx="0">
+            <a:schemeClr val="accent1"/>
+          </a:effectRef>
+          <a:fontRef idx="minor">
+            <a:schemeClr val="lt1"/>
+          </a:fontRef>
+        </p:style>
+        <p:txBody>
+          <a:bodyPr rtlCol="0" anchor="ctr" anchorCtr="0"/>
+          <a:lstStyle/>
+          <a:p>
+            <a:pPr algn="ctr"/>
+            <a:r>
+              <a:rPr kumimoji="1" lang="ja-JP" altLang="en-US" b="1">
+                <a:solidFill>
+                  <a:schemeClr val="tx1"/>
+                </a:solidFill>
+              </a:rPr>
+              <a:t>画像処理を活用しているか</a:t>
+            </a:r>
+          </a:p>
+        </p:txBody>
+      </p:sp>
+      <p:pic>
+        <p:nvPicPr>
+          <p:cNvPr id="9" name="図 8">
+            <a:extLst>
+              <a:ext uri="{FF2B5EF4-FFF2-40B4-BE49-F238E27FC236}">
+                <a16:creationId xmlns:a16="http://schemas.microsoft.com/office/drawing/2014/main" id="{E6A5D4D2-048D-AB44-9A71-CB0ACD021824}"/>
+              </a:ext>
+            </a:extLst>
+          </p:cNvPr>
+          <p:cNvPicPr>
+            <a:picLocks noChangeAspect="1"/>
+          </p:cNvPicPr>
+          <p:nvPr/>
+        </p:nvPicPr>
+        <p:blipFill>
+          <a:blip r:embed="rId2">
+            <a:extLst>
+              <a:ext uri="{28A0092B-C50C-407E-A947-70E740481C1C}">
+                <a14:useLocalDpi xmlns:a14="http://schemas.microsoft.com/office/drawing/2010/main" val="0"/>
+              </a:ext>
+            </a:extLst>
+          </a:blip>
+          <a:stretch>
+            <a:fillRect/>
+          </a:stretch>
+        </p:blipFill>
+        <p:spPr>
+          <a:xfrm>
+            <a:off x="4528592" y="5085833"/>
+            <a:ext cx="7834536" cy="4433724"/>
+          </a:xfrm>
+          <a:prstGeom prst="rect">
+            <a:avLst/>
+          </a:prstGeom>
+        </p:spPr>
+      </p:pic>
     </p:spTree>
     <p:extLst>
       <p:ext uri="{BB962C8B-B14F-4D97-AF65-F5344CB8AC3E}">
-        <p14:creationId xmlns:p14="http://schemas.microsoft.com/office/powerpoint/2010/main" val="1808364849"/>
+        <p14:creationId xmlns:p14="http://schemas.microsoft.com/office/powerpoint/2010/main" val="157841675"/>
       </p:ext>
     </p:extLst>
   </p:cSld>
@@ -4737,10 +4982,10 @@
       </p:grpSpPr>
       <p:sp>
         <p:nvSpPr>
-          <p:cNvPr id="2" name="タイトル 1">
+          <p:cNvPr id="5" name="タイトル 4">
             <a:extLst>
               <a:ext uri="{FF2B5EF4-FFF2-40B4-BE49-F238E27FC236}">
-                <a16:creationId xmlns:a16="http://schemas.microsoft.com/office/drawing/2014/main" id="{E6440250-F656-44C9-902A-E623DA03BB80}"/>
+                <a16:creationId xmlns:a16="http://schemas.microsoft.com/office/drawing/2014/main" id="{99E97F26-ED30-4870-B29B-88DD2A395D18}"/>
               </a:ext>
             </a:extLst>
           </p:cNvPr>
@@ -4757,22 +5002,18 @@
           <a:lstStyle/>
           <a:p>
             <a:r>
-              <a:rPr lang="ja-JP" altLang="en-US" dirty="0"/>
-              <a:t>分析</a:t>
-            </a:r>
-            <a:r>
               <a:rPr kumimoji="1" lang="ja-JP" altLang="en-US" dirty="0"/>
-              <a:t>モデル</a:t>
+              <a:t>要求モデル</a:t>
             </a:r>
           </a:p>
         </p:txBody>
       </p:sp>
       <p:sp>
         <p:nvSpPr>
-          <p:cNvPr id="6" name="コンテンツ プレースホルダー 5">
+          <p:cNvPr id="7" name="コンテンツ プレースホルダー 6">
             <a:extLst>
               <a:ext uri="{FF2B5EF4-FFF2-40B4-BE49-F238E27FC236}">
-                <a16:creationId xmlns:a16="http://schemas.microsoft.com/office/drawing/2014/main" id="{26FAAD07-F302-42C1-85D9-C09DAB46A420}"/>
+                <a16:creationId xmlns:a16="http://schemas.microsoft.com/office/drawing/2014/main" id="{43A1BEA2-AA1D-441C-972E-6D458196DA19}"/>
               </a:ext>
             </a:extLst>
           </p:cNvPr>
@@ -4790,20 +5031,123 @@
           <a:p>
             <a:r>
               <a:rPr kumimoji="1" lang="ja-JP" altLang="en-US" dirty="0"/>
-              <a:t>ここに分析の</a:t>
-            </a:r>
-            <a:r>
-              <a:rPr lang="ja-JP" altLang="en-US" dirty="0"/>
-              <a:t>モデルを書く</a:t>
-            </a:r>
-            <a:endParaRPr kumimoji="1" lang="en-US" altLang="ja-JP" dirty="0"/>
+              <a:t>ここに要求のモデルを書く</a:t>
+            </a:r>
           </a:p>
         </p:txBody>
       </p:sp>
+      <p:pic>
+        <p:nvPicPr>
+          <p:cNvPr id="9" name="図 8">
+            <a:extLst>
+              <a:ext uri="{FF2B5EF4-FFF2-40B4-BE49-F238E27FC236}">
+                <a16:creationId xmlns:a16="http://schemas.microsoft.com/office/drawing/2014/main" id="{8A38697B-A4D1-BE49-8CD6-DDCDEF3F7F5C}"/>
+              </a:ext>
+            </a:extLst>
+          </p:cNvPr>
+          <p:cNvPicPr>
+            <a:picLocks noChangeAspect="1"/>
+          </p:cNvPicPr>
+          <p:nvPr/>
+        </p:nvPicPr>
+        <p:blipFill>
+          <a:blip r:embed="rId2">
+            <a:extLst>
+              <a:ext uri="{28A0092B-C50C-407E-A947-70E740481C1C}">
+                <a14:useLocalDpi xmlns:a14="http://schemas.microsoft.com/office/drawing/2010/main" val="0"/>
+              </a:ext>
+            </a:extLst>
+          </a:blip>
+          <a:stretch>
+            <a:fillRect/>
+          </a:stretch>
+        </p:blipFill>
+        <p:spPr>
+          <a:xfrm>
+            <a:off x="654050" y="1992288"/>
+            <a:ext cx="11493500" cy="2019300"/>
+          </a:xfrm>
+          <a:prstGeom prst="rect">
+            <a:avLst/>
+          </a:prstGeom>
+        </p:spPr>
+      </p:pic>
+      <p:pic>
+        <p:nvPicPr>
+          <p:cNvPr id="11" name="図 10">
+            <a:extLst>
+              <a:ext uri="{FF2B5EF4-FFF2-40B4-BE49-F238E27FC236}">
+                <a16:creationId xmlns:a16="http://schemas.microsoft.com/office/drawing/2014/main" id="{EF5F6C50-A3BA-384D-898B-6E0659AAB45D}"/>
+              </a:ext>
+            </a:extLst>
+          </p:cNvPr>
+          <p:cNvPicPr>
+            <a:picLocks noChangeAspect="1"/>
+          </p:cNvPicPr>
+          <p:nvPr/>
+        </p:nvPicPr>
+        <p:blipFill>
+          <a:blip r:embed="rId3">
+            <a:extLst>
+              <a:ext uri="{28A0092B-C50C-407E-A947-70E740481C1C}">
+                <a14:useLocalDpi xmlns:a14="http://schemas.microsoft.com/office/drawing/2010/main" val="0"/>
+              </a:ext>
+            </a:extLst>
+          </a:blip>
+          <a:stretch>
+            <a:fillRect/>
+          </a:stretch>
+        </p:blipFill>
+        <p:spPr>
+          <a:xfrm>
+            <a:off x="1206500" y="3968750"/>
+            <a:ext cx="10388600" cy="1663700"/>
+          </a:xfrm>
+          <a:prstGeom prst="rect">
+            <a:avLst/>
+          </a:prstGeom>
+        </p:spPr>
+      </p:pic>
+      <p:pic>
+        <p:nvPicPr>
+          <p:cNvPr id="13" name="図 12">
+            <a:extLst>
+              <a:ext uri="{FF2B5EF4-FFF2-40B4-BE49-F238E27FC236}">
+                <a16:creationId xmlns:a16="http://schemas.microsoft.com/office/drawing/2014/main" id="{19E5FDC0-1C12-C84B-A89C-32B528A96C06}"/>
+              </a:ext>
+            </a:extLst>
+          </p:cNvPr>
+          <p:cNvPicPr>
+            <a:picLocks noChangeAspect="1"/>
+          </p:cNvPicPr>
+          <p:nvPr/>
+        </p:nvPicPr>
+        <p:blipFill>
+          <a:blip r:embed="rId4">
+            <a:extLst>
+              <a:ext uri="{28A0092B-C50C-407E-A947-70E740481C1C}">
+                <a14:useLocalDpi xmlns:a14="http://schemas.microsoft.com/office/drawing/2010/main" val="0"/>
+              </a:ext>
+            </a:extLst>
+          </a:blip>
+          <a:stretch>
+            <a:fillRect/>
+          </a:stretch>
+        </p:blipFill>
+        <p:spPr>
+          <a:xfrm>
+            <a:off x="1072208" y="6024736"/>
+            <a:ext cx="6794996" cy="3375673"/>
+          </a:xfrm>
+          <a:prstGeom prst="rect">
+            <a:avLst/>
+          </a:prstGeom>
+        </p:spPr>
+      </p:pic>
     </p:spTree>
     <p:extLst>
       <p:ext uri="{BB962C8B-B14F-4D97-AF65-F5344CB8AC3E}">
-        <p14:creationId xmlns:p14="http://schemas.microsoft.com/office/powerpoint/2010/main" val="3115111520"/>
+        <p14:creationId xmlns:p14="http://schemas.microsoft.com/office/powerpoint/2010/main" val="1808364849"/>
       </p:ext>
     </p:extLst>
   </p:cSld>
@@ -4857,13 +5201,8 @@
             </a:r>
             <a:r>
               <a:rPr kumimoji="1" lang="ja-JP" altLang="en-US" dirty="0"/>
-              <a:t>モデルまたは</a:t>
-            </a:r>
-            <a:r>
-              <a:rPr lang="ja-JP" altLang="en-US" dirty="0"/>
-              <a:t>設計モデル</a:t>
-            </a:r>
-            <a:endParaRPr kumimoji="1" lang="ja-JP" altLang="en-US" dirty="0"/>
+              <a:t>モデル</a:t>
+            </a:r>
           </a:p>
         </p:txBody>
       </p:sp>
@@ -4894,24 +5233,152 @@
             </a:r>
             <a:r>
               <a:rPr lang="ja-JP" altLang="en-US" dirty="0"/>
-              <a:t>モデルまたは設計のモデルを書く</a:t>
-            </a:r>
-            <a:endParaRPr lang="en-US" altLang="ja-JP" dirty="0"/>
-          </a:p>
-          <a:p>
-            <a:pPr lvl="1"/>
-            <a:r>
-              <a:rPr lang="ja-JP" altLang="en-US" dirty="0"/>
-              <a:t>このページは、分析と設計のどちらかに使うことも、分析と設計の両方に使うこともできる</a:t>
+              <a:t>モデルを書く</a:t>
             </a:r>
             <a:endParaRPr kumimoji="1" lang="en-US" altLang="ja-JP" dirty="0"/>
           </a:p>
         </p:txBody>
       </p:sp>
+      <p:sp>
+        <p:nvSpPr>
+          <p:cNvPr id="4" name="正方形/長方形 3">
+            <a:extLst>
+              <a:ext uri="{FF2B5EF4-FFF2-40B4-BE49-F238E27FC236}">
+                <a16:creationId xmlns:a16="http://schemas.microsoft.com/office/drawing/2014/main" id="{E0CC81E8-34DC-B24C-86ED-5CAC9E65E2B7}"/>
+              </a:ext>
+            </a:extLst>
+          </p:cNvPr>
+          <p:cNvSpPr/>
+          <p:nvPr/>
+        </p:nvSpPr>
+        <p:spPr>
+          <a:xfrm>
+            <a:off x="3808512" y="4152528"/>
+            <a:ext cx="3600400" cy="504056"/>
+          </a:xfrm>
+          <a:prstGeom prst="rect">
+            <a:avLst/>
+          </a:prstGeom>
+          <a:solidFill>
+            <a:schemeClr val="accent4">
+              <a:lumMod val="20000"/>
+              <a:lumOff val="80000"/>
+            </a:schemeClr>
+          </a:solidFill>
+          <a:ln>
+            <a:solidFill>
+              <a:schemeClr val="tx1"/>
+            </a:solidFill>
+          </a:ln>
+        </p:spPr>
+        <p:style>
+          <a:lnRef idx="2">
+            <a:schemeClr val="accent1">
+              <a:shade val="50000"/>
+            </a:schemeClr>
+          </a:lnRef>
+          <a:fillRef idx="1">
+            <a:schemeClr val="accent1"/>
+          </a:fillRef>
+          <a:effectRef idx="0">
+            <a:schemeClr val="accent1"/>
+          </a:effectRef>
+          <a:fontRef idx="minor">
+            <a:schemeClr val="lt1"/>
+          </a:fontRef>
+        </p:style>
+        <p:txBody>
+          <a:bodyPr rtlCol="0" anchor="ctr" anchorCtr="0"/>
+          <a:lstStyle/>
+          <a:p>
+            <a:pPr algn="ctr"/>
+            <a:r>
+              <a:rPr kumimoji="1" lang="ja-JP" altLang="en-US" b="1">
+                <a:solidFill>
+                  <a:schemeClr val="tx1"/>
+                </a:solidFill>
+              </a:rPr>
+              <a:t>ブロックビンゴゲームエリア</a:t>
+            </a:r>
+          </a:p>
+        </p:txBody>
+      </p:sp>
+      <p:pic>
+        <p:nvPicPr>
+          <p:cNvPr id="5" name="図 4">
+            <a:extLst>
+              <a:ext uri="{FF2B5EF4-FFF2-40B4-BE49-F238E27FC236}">
+                <a16:creationId xmlns:a16="http://schemas.microsoft.com/office/drawing/2014/main" id="{F92D5C46-433A-F441-8049-FE7F464C2B2E}"/>
+              </a:ext>
+            </a:extLst>
+          </p:cNvPr>
+          <p:cNvPicPr>
+            <a:picLocks noChangeAspect="1"/>
+          </p:cNvPicPr>
+          <p:nvPr/>
+        </p:nvPicPr>
+        <p:blipFill>
+          <a:blip r:embed="rId2">
+            <a:extLst>
+              <a:ext uri="{28A0092B-C50C-407E-A947-70E740481C1C}">
+                <a14:useLocalDpi xmlns:a14="http://schemas.microsoft.com/office/drawing/2010/main" val="0"/>
+              </a:ext>
+            </a:extLst>
+          </a:blip>
+          <a:stretch>
+            <a:fillRect/>
+          </a:stretch>
+        </p:blipFill>
+        <p:spPr>
+          <a:xfrm>
+            <a:off x="2008312" y="2064296"/>
+            <a:ext cx="11531600" cy="1168400"/>
+          </a:xfrm>
+          <a:prstGeom prst="rect">
+            <a:avLst/>
+          </a:prstGeom>
+        </p:spPr>
+      </p:pic>
+      <p:pic>
+        <p:nvPicPr>
+          <p:cNvPr id="8" name="図 7">
+            <a:extLst>
+              <a:ext uri="{FF2B5EF4-FFF2-40B4-BE49-F238E27FC236}">
+                <a16:creationId xmlns:a16="http://schemas.microsoft.com/office/drawing/2014/main" id="{9B1CB5E3-CA15-1240-972F-837554C71DD7}"/>
+              </a:ext>
+            </a:extLst>
+          </p:cNvPr>
+          <p:cNvPicPr>
+            <a:picLocks noChangeAspect="1"/>
+          </p:cNvPicPr>
+          <p:nvPr/>
+        </p:nvPicPr>
+        <p:blipFill>
+          <a:blip r:embed="rId3">
+            <a:extLst>
+              <a:ext uri="{28A0092B-C50C-407E-A947-70E740481C1C}">
+                <a14:useLocalDpi xmlns:a14="http://schemas.microsoft.com/office/drawing/2010/main" val="0"/>
+              </a:ext>
+            </a:extLst>
+          </a:blip>
+          <a:stretch>
+            <a:fillRect/>
+          </a:stretch>
+        </p:blipFill>
+        <p:spPr>
+          <a:xfrm>
+            <a:off x="533400" y="5219424"/>
+            <a:ext cx="6011416" cy="3994599"/>
+          </a:xfrm>
+          <a:prstGeom prst="rect">
+            <a:avLst/>
+          </a:prstGeom>
+        </p:spPr>
+      </p:pic>
     </p:spTree>
     <p:extLst>
       <p:ext uri="{BB962C8B-B14F-4D97-AF65-F5344CB8AC3E}">
-        <p14:creationId xmlns:p14="http://schemas.microsoft.com/office/powerpoint/2010/main" val="3593560833"/>
+        <p14:creationId xmlns:p14="http://schemas.microsoft.com/office/powerpoint/2010/main" val="3115111520"/>
       </p:ext>
     </p:extLst>
   </p:cSld>
@@ -4961,6 +5428,14 @@
           <a:p>
             <a:r>
               <a:rPr lang="ja-JP" altLang="en-US" dirty="0"/>
+              <a:t>分析</a:t>
+            </a:r>
+            <a:r>
+              <a:rPr kumimoji="1" lang="ja-JP" altLang="en-US" dirty="0"/>
+              <a:t>モデルまたは</a:t>
+            </a:r>
+            <a:r>
+              <a:rPr lang="ja-JP" altLang="en-US" dirty="0"/>
               <a:t>設計モデル</a:t>
             </a:r>
             <a:endParaRPr kumimoji="1" lang="ja-JP" altLang="en-US" dirty="0"/>
@@ -4990,6 +5465,106 @@
           <a:p>
             <a:r>
               <a:rPr kumimoji="1" lang="ja-JP" altLang="en-US" dirty="0"/>
+              <a:t>ここに分析の</a:t>
+            </a:r>
+            <a:r>
+              <a:rPr lang="ja-JP" altLang="en-US" dirty="0"/>
+              <a:t>モデルまたは設計のモデルを書く</a:t>
+            </a:r>
+            <a:endParaRPr lang="en-US" altLang="ja-JP" dirty="0"/>
+          </a:p>
+          <a:p>
+            <a:pPr lvl="1"/>
+            <a:r>
+              <a:rPr lang="ja-JP" altLang="en-US" dirty="0"/>
+              <a:t>このページは、分析と設計のどちらかに使うことも、分析と設計の両方に使うこともできる</a:t>
+            </a:r>
+            <a:endParaRPr kumimoji="1" lang="en-US" altLang="ja-JP" dirty="0"/>
+          </a:p>
+        </p:txBody>
+      </p:sp>
+    </p:spTree>
+    <p:extLst>
+      <p:ext uri="{BB962C8B-B14F-4D97-AF65-F5344CB8AC3E}">
+        <p14:creationId xmlns:p14="http://schemas.microsoft.com/office/powerpoint/2010/main" val="3593560833"/>
+      </p:ext>
+    </p:extLst>
+  </p:cSld>
+  <p:clrMapOvr>
+    <a:masterClrMapping/>
+  </p:clrMapOvr>
+</p:sld>
+</file>
+
+<file path=ppt/slides/slide6.xml><?xml version="1.0" encoding="utf-8"?>
+<p:sld xmlns:a="http://schemas.openxmlformats.org/drawingml/2006/main" xmlns:r="http://schemas.openxmlformats.org/officeDocument/2006/relationships" xmlns:p="http://schemas.openxmlformats.org/presentationml/2006/main">
+  <p:cSld>
+    <p:spTree>
+      <p:nvGrpSpPr>
+        <p:cNvPr id="1" name=""/>
+        <p:cNvGrpSpPr/>
+        <p:nvPr/>
+      </p:nvGrpSpPr>
+      <p:grpSpPr>
+        <a:xfrm>
+          <a:off x="0" y="0"/>
+          <a:ext cx="0" cy="0"/>
+          <a:chOff x="0" y="0"/>
+          <a:chExt cx="0" cy="0"/>
+        </a:xfrm>
+      </p:grpSpPr>
+      <p:sp>
+        <p:nvSpPr>
+          <p:cNvPr id="2" name="タイトル 1">
+            <a:extLst>
+              <a:ext uri="{FF2B5EF4-FFF2-40B4-BE49-F238E27FC236}">
+                <a16:creationId xmlns:a16="http://schemas.microsoft.com/office/drawing/2014/main" id="{E6440250-F656-44C9-902A-E623DA03BB80}"/>
+              </a:ext>
+            </a:extLst>
+          </p:cNvPr>
+          <p:cNvSpPr>
+            <a:spLocks noGrp="1"/>
+          </p:cNvSpPr>
+          <p:nvPr>
+            <p:ph type="title"/>
+          </p:nvPr>
+        </p:nvSpPr>
+        <p:spPr/>
+        <p:txBody>
+          <a:bodyPr/>
+          <a:lstStyle/>
+          <a:p>
+            <a:r>
+              <a:rPr lang="ja-JP" altLang="en-US" dirty="0"/>
+              <a:t>設計モデル</a:t>
+            </a:r>
+            <a:endParaRPr kumimoji="1" lang="ja-JP" altLang="en-US" dirty="0"/>
+          </a:p>
+        </p:txBody>
+      </p:sp>
+      <p:sp>
+        <p:nvSpPr>
+          <p:cNvPr id="6" name="コンテンツ プレースホルダー 5">
+            <a:extLst>
+              <a:ext uri="{FF2B5EF4-FFF2-40B4-BE49-F238E27FC236}">
+                <a16:creationId xmlns:a16="http://schemas.microsoft.com/office/drawing/2014/main" id="{26FAAD07-F302-42C1-85D9-C09DAB46A420}"/>
+              </a:ext>
+            </a:extLst>
+          </p:cNvPr>
+          <p:cNvSpPr>
+            <a:spLocks noGrp="1"/>
+          </p:cNvSpPr>
+          <p:nvPr>
+            <p:ph idx="1"/>
+          </p:nvPr>
+        </p:nvSpPr>
+        <p:spPr/>
+        <p:txBody>
+          <a:bodyPr/>
+          <a:lstStyle/>
+          <a:p>
+            <a:r>
+              <a:rPr kumimoji="1" lang="ja-JP" altLang="en-US" dirty="0"/>
               <a:t>ここに</a:t>
             </a:r>
             <a:r>
@@ -5000,6 +5575,42 @@
           </a:p>
         </p:txBody>
       </p:sp>
+      <p:pic>
+        <p:nvPicPr>
+          <p:cNvPr id="4" name="図 3">
+            <a:extLst>
+              <a:ext uri="{FF2B5EF4-FFF2-40B4-BE49-F238E27FC236}">
+                <a16:creationId xmlns:a16="http://schemas.microsoft.com/office/drawing/2014/main" id="{37BC52CD-ED30-9043-888B-9BDA2F47AEE1}"/>
+              </a:ext>
+            </a:extLst>
+          </p:cNvPr>
+          <p:cNvPicPr>
+            <a:picLocks noChangeAspect="1"/>
+          </p:cNvPicPr>
+          <p:nvPr/>
+        </p:nvPicPr>
+        <p:blipFill>
+          <a:blip r:embed="rId2">
+            <a:extLst>
+              <a:ext uri="{28A0092B-C50C-407E-A947-70E740481C1C}">
+                <a14:useLocalDpi xmlns:a14="http://schemas.microsoft.com/office/drawing/2010/main" val="0"/>
+              </a:ext>
+            </a:extLst>
+          </a:blip>
+          <a:stretch>
+            <a:fillRect/>
+          </a:stretch>
+        </p:blipFill>
+        <p:spPr>
+          <a:xfrm>
+            <a:off x="654050" y="4210050"/>
+            <a:ext cx="11493500" cy="1181100"/>
+          </a:xfrm>
+          <a:prstGeom prst="rect">
+            <a:avLst/>
+          </a:prstGeom>
+        </p:spPr>
+      </p:pic>
     </p:spTree>
     <p:extLst>
       <p:ext uri="{BB962C8B-B14F-4D97-AF65-F5344CB8AC3E}">
@@ -5013,7 +5624,7 @@
 </p:sld>
 </file>
 
-<file path=ppt/slides/slide6.xml><?xml version="1.0" encoding="utf-8"?>
+<file path=ppt/slides/slide7.xml><?xml version="1.0" encoding="utf-8"?>
 <p:sld xmlns:a="http://schemas.openxmlformats.org/drawingml/2006/main" xmlns:r="http://schemas.openxmlformats.org/officeDocument/2006/relationships" xmlns:p="http://schemas.openxmlformats.org/presentationml/2006/main">
   <p:cSld>
     <p:spTree>
@@ -5094,6 +5705,42 @@
           </a:p>
         </p:txBody>
       </p:sp>
+      <p:pic>
+        <p:nvPicPr>
+          <p:cNvPr id="4" name="図 3">
+            <a:extLst>
+              <a:ext uri="{FF2B5EF4-FFF2-40B4-BE49-F238E27FC236}">
+                <a16:creationId xmlns:a16="http://schemas.microsoft.com/office/drawing/2014/main" id="{BDB4E4C0-F86E-4849-8FA5-47AC040E7A27}"/>
+              </a:ext>
+            </a:extLst>
+          </p:cNvPr>
+          <p:cNvPicPr>
+            <a:picLocks noChangeAspect="1"/>
+          </p:cNvPicPr>
+          <p:nvPr/>
+        </p:nvPicPr>
+        <p:blipFill>
+          <a:blip r:embed="rId2">
+            <a:extLst>
+              <a:ext uri="{28A0092B-C50C-407E-A947-70E740481C1C}">
+                <a14:useLocalDpi xmlns:a14="http://schemas.microsoft.com/office/drawing/2010/main" val="0"/>
+              </a:ext>
+            </a:extLst>
+          </a:blip>
+          <a:stretch>
+            <a:fillRect/>
+          </a:stretch>
+        </p:blipFill>
+        <p:spPr>
+          <a:xfrm>
+            <a:off x="654050" y="4146550"/>
+            <a:ext cx="11493500" cy="1308100"/>
+          </a:xfrm>
+          <a:prstGeom prst="rect">
+            <a:avLst/>
+          </a:prstGeom>
+        </p:spPr>
+      </p:pic>
     </p:spTree>
     <p:extLst>
       <p:ext uri="{BB962C8B-B14F-4D97-AF65-F5344CB8AC3E}">

--- a/Specification/hirojiren_model_file_advanced.pptx
+++ b/Specification/hirojiren_model_file_advanced.pptx
@@ -4864,7 +4864,7 @@
         </p:nvSpPr>
         <p:spPr>
           <a:xfrm>
-            <a:off x="6904856" y="1776264"/>
+            <a:off x="7192888" y="1992288"/>
             <a:ext cx="3600400" cy="504056"/>
           </a:xfrm>
           <a:prstGeom prst="rect">

--- a/Specification/hirojiren_model_file_advanced.pptx
+++ b/Specification/hirojiren_model_file_advanced.pptx
@@ -6,10 +6,10 @@
     <p:sldMasterId id="2147483653" r:id="rId2"/>
   </p:sldMasterIdLst>
   <p:notesMasterIdLst>
-    <p:notesMasterId r:id="rId10"/>
+    <p:notesMasterId r:id="rId9"/>
   </p:notesMasterIdLst>
   <p:handoutMasterIdLst>
-    <p:handoutMasterId r:id="rId11"/>
+    <p:handoutMasterId r:id="rId10"/>
   </p:handoutMasterIdLst>
   <p:sldIdLst>
     <p:sldId id="258" r:id="rId3"/>
@@ -17,8 +17,7 @@
     <p:sldId id="337" r:id="rId5"/>
     <p:sldId id="283" r:id="rId6"/>
     <p:sldId id="338" r:id="rId7"/>
-    <p:sldId id="339" r:id="rId8"/>
-    <p:sldId id="275" r:id="rId9"/>
+    <p:sldId id="275" r:id="rId8"/>
   </p:sldIdLst>
   <p:sldSz cx="12801600" cy="9601200" type="A3"/>
   <p:notesSz cx="14597063" cy="21107400"/>
@@ -161,7 +160,6 @@
             <p14:sldId id="337"/>
             <p14:sldId id="283"/>
             <p14:sldId id="338"/>
-            <p14:sldId id="339"/>
             <p14:sldId id="275"/>
           </p14:sldIdLst>
         </p14:section>
@@ -25586,1897 +25584,6 @@
           <a:chExt cx="0" cy="0"/>
         </a:xfrm>
       </p:grpSpPr>
-      <p:grpSp>
-        <p:nvGrpSpPr>
-          <p:cNvPr id="112" name="グループ化 111">
-            <a:extLst>
-              <a:ext uri="{FF2B5EF4-FFF2-40B4-BE49-F238E27FC236}">
-                <a16:creationId xmlns:a16="http://schemas.microsoft.com/office/drawing/2014/main" id="{335587AE-2CE0-A146-9EDF-AC5A43B3B092}"/>
-              </a:ext>
-            </a:extLst>
-          </p:cNvPr>
-          <p:cNvGrpSpPr/>
-          <p:nvPr/>
-        </p:nvGrpSpPr>
-        <p:grpSpPr>
-          <a:xfrm>
-            <a:off x="623239" y="688708"/>
-            <a:ext cx="2730192" cy="2700562"/>
-            <a:chOff x="623239" y="688708"/>
-            <a:chExt cx="2730192" cy="2700562"/>
-          </a:xfrm>
-        </p:grpSpPr>
-        <p:sp>
-          <p:nvSpPr>
-            <p:cNvPr id="30" name="円/楕円 29">
-              <a:extLst>
-                <a:ext uri="{FF2B5EF4-FFF2-40B4-BE49-F238E27FC236}">
-                  <a16:creationId xmlns:a16="http://schemas.microsoft.com/office/drawing/2014/main" id="{5E42C6B8-6BAD-9D46-8020-4E5CD176AF79}"/>
-                </a:ext>
-              </a:extLst>
-            </p:cNvPr>
-            <p:cNvSpPr/>
-            <p:nvPr/>
-          </p:nvSpPr>
-          <p:spPr>
-            <a:xfrm>
-              <a:off x="1842301" y="1103528"/>
-              <a:ext cx="262437" cy="262437"/>
-            </a:xfrm>
-            <a:prstGeom prst="ellipse">
-              <a:avLst/>
-            </a:prstGeom>
-            <a:solidFill>
-              <a:schemeClr val="accent6"/>
-            </a:solidFill>
-            <a:ln w="12700">
-              <a:solidFill>
-                <a:schemeClr val="bg1">
-                  <a:lumMod val="65000"/>
-                </a:schemeClr>
-              </a:solidFill>
-            </a:ln>
-          </p:spPr>
-          <p:style>
-            <a:lnRef idx="2">
-              <a:schemeClr val="accent1">
-                <a:shade val="50000"/>
-              </a:schemeClr>
-            </a:lnRef>
-            <a:fillRef idx="1">
-              <a:schemeClr val="accent1"/>
-            </a:fillRef>
-            <a:effectRef idx="0">
-              <a:schemeClr val="accent1"/>
-            </a:effectRef>
-            <a:fontRef idx="minor">
-              <a:schemeClr val="lt1"/>
-            </a:fontRef>
-          </p:style>
-          <p:txBody>
-            <a:bodyPr rtlCol="0" anchor="ctr" anchorCtr="0"/>
-            <a:lstStyle/>
-            <a:p>
-              <a:pPr algn="ctr"/>
-              <a:r>
-                <a:rPr lang="en-US" altLang="ja-JP" sz="1000" dirty="0">
-                  <a:solidFill>
-                    <a:schemeClr val="tx1"/>
-                  </a:solidFill>
-                  <a:latin typeface="+mn-ea"/>
-                </a:rPr>
-                <a:t>5</a:t>
-              </a:r>
-              <a:endParaRPr kumimoji="1" lang="ja-JP" altLang="en-US" sz="1000" dirty="0" err="1">
-                <a:solidFill>
-                  <a:schemeClr val="tx1"/>
-                </a:solidFill>
-                <a:latin typeface="+mn-ea"/>
-              </a:endParaRPr>
-            </a:p>
-          </p:txBody>
-        </p:sp>
-        <p:sp>
-          <p:nvSpPr>
-            <p:cNvPr id="31" name="円/楕円 30">
-              <a:extLst>
-                <a:ext uri="{FF2B5EF4-FFF2-40B4-BE49-F238E27FC236}">
-                  <a16:creationId xmlns:a16="http://schemas.microsoft.com/office/drawing/2014/main" id="{0A44E3BB-06AB-6F48-8053-6A53F2CF438E}"/>
-                </a:ext>
-              </a:extLst>
-            </p:cNvPr>
-            <p:cNvSpPr/>
-            <p:nvPr/>
-          </p:nvSpPr>
-          <p:spPr>
-            <a:xfrm>
-              <a:off x="1842301" y="2728944"/>
-              <a:ext cx="262437" cy="262437"/>
-            </a:xfrm>
-            <a:prstGeom prst="ellipse">
-              <a:avLst/>
-            </a:prstGeom>
-            <a:solidFill>
-              <a:srgbClr val="FF0000"/>
-            </a:solidFill>
-            <a:ln w="12700">
-              <a:solidFill>
-                <a:schemeClr val="tx1"/>
-              </a:solidFill>
-            </a:ln>
-          </p:spPr>
-          <p:style>
-            <a:lnRef idx="2">
-              <a:schemeClr val="accent1">
-                <a:shade val="50000"/>
-              </a:schemeClr>
-            </a:lnRef>
-            <a:fillRef idx="1">
-              <a:schemeClr val="accent1"/>
-            </a:fillRef>
-            <a:effectRef idx="0">
-              <a:schemeClr val="accent1"/>
-            </a:effectRef>
-            <a:fontRef idx="minor">
-              <a:schemeClr val="lt1"/>
-            </a:fontRef>
-          </p:style>
-          <p:txBody>
-            <a:bodyPr rtlCol="0" anchor="ctr" anchorCtr="0"/>
-            <a:lstStyle/>
-            <a:p>
-              <a:pPr algn="ctr"/>
-              <a:r>
-                <a:rPr kumimoji="1" lang="en-US" altLang="ja-JP" sz="1000" dirty="0">
-                  <a:solidFill>
-                    <a:schemeClr val="tx1"/>
-                  </a:solidFill>
-                  <a:latin typeface="+mn-ea"/>
-                </a:rPr>
-                <a:t>18</a:t>
-              </a:r>
-              <a:endParaRPr kumimoji="1" lang="ja-JP" altLang="en-US" sz="1000" dirty="0" err="1">
-                <a:solidFill>
-                  <a:schemeClr val="tx1"/>
-                </a:solidFill>
-                <a:latin typeface="+mn-ea"/>
-              </a:endParaRPr>
-            </a:p>
-          </p:txBody>
-        </p:sp>
-        <p:sp>
-          <p:nvSpPr>
-            <p:cNvPr id="81" name="円/楕円 80">
-              <a:extLst>
-                <a:ext uri="{FF2B5EF4-FFF2-40B4-BE49-F238E27FC236}">
-                  <a16:creationId xmlns:a16="http://schemas.microsoft.com/office/drawing/2014/main" id="{39CCBFC3-F048-3243-9702-6ABB8E646D90}"/>
-                </a:ext>
-              </a:extLst>
-            </p:cNvPr>
-            <p:cNvSpPr/>
-            <p:nvPr/>
-          </p:nvSpPr>
-          <p:spPr>
-            <a:xfrm>
-              <a:off x="1435947" y="688708"/>
-              <a:ext cx="262437" cy="262437"/>
-            </a:xfrm>
-            <a:prstGeom prst="ellipse">
-              <a:avLst/>
-            </a:prstGeom>
-            <a:solidFill>
-              <a:schemeClr val="bg1"/>
-            </a:solidFill>
-            <a:ln w="12700">
-              <a:solidFill>
-                <a:schemeClr val="bg1">
-                  <a:lumMod val="65000"/>
-                </a:schemeClr>
-              </a:solidFill>
-            </a:ln>
-          </p:spPr>
-          <p:style>
-            <a:lnRef idx="2">
-              <a:schemeClr val="accent1">
-                <a:shade val="50000"/>
-              </a:schemeClr>
-            </a:lnRef>
-            <a:fillRef idx="1">
-              <a:schemeClr val="accent1"/>
-            </a:fillRef>
-            <a:effectRef idx="0">
-              <a:schemeClr val="accent1"/>
-            </a:effectRef>
-            <a:fontRef idx="minor">
-              <a:schemeClr val="lt1"/>
-            </a:fontRef>
-          </p:style>
-          <p:txBody>
-            <a:bodyPr rtlCol="0" anchor="ctr" anchorCtr="0"/>
-            <a:lstStyle/>
-            <a:p>
-              <a:pPr algn="ctr"/>
-              <a:r>
-                <a:rPr kumimoji="1" lang="en-US" altLang="ja-JP" sz="1000" dirty="0">
-                  <a:solidFill>
-                    <a:schemeClr val="tx1"/>
-                  </a:solidFill>
-                  <a:latin typeface="+mn-ea"/>
-                </a:rPr>
-                <a:t>1</a:t>
-              </a:r>
-              <a:endParaRPr kumimoji="1" lang="ja-JP" altLang="en-US" sz="1000" dirty="0" err="1">
-                <a:solidFill>
-                  <a:schemeClr val="tx1"/>
-                </a:solidFill>
-                <a:latin typeface="+mn-ea"/>
-              </a:endParaRPr>
-            </a:p>
-          </p:txBody>
-        </p:sp>
-        <p:sp>
-          <p:nvSpPr>
-            <p:cNvPr id="82" name="円/楕円 81">
-              <a:extLst>
-                <a:ext uri="{FF2B5EF4-FFF2-40B4-BE49-F238E27FC236}">
-                  <a16:creationId xmlns:a16="http://schemas.microsoft.com/office/drawing/2014/main" id="{D9325A96-1241-A042-8702-AD5125619B5B}"/>
-                </a:ext>
-              </a:extLst>
-            </p:cNvPr>
-            <p:cNvSpPr/>
-            <p:nvPr/>
-          </p:nvSpPr>
-          <p:spPr>
-            <a:xfrm>
-              <a:off x="1029593" y="1103528"/>
-              <a:ext cx="262437" cy="262437"/>
-            </a:xfrm>
-            <a:prstGeom prst="ellipse">
-              <a:avLst/>
-            </a:prstGeom>
-            <a:solidFill>
-              <a:srgbClr val="FFFF00"/>
-            </a:solidFill>
-            <a:ln w="12700">
-              <a:solidFill>
-                <a:schemeClr val="bg1">
-                  <a:lumMod val="65000"/>
-                </a:schemeClr>
-              </a:solidFill>
-            </a:ln>
-          </p:spPr>
-          <p:style>
-            <a:lnRef idx="2">
-              <a:schemeClr val="accent1">
-                <a:shade val="50000"/>
-              </a:schemeClr>
-            </a:lnRef>
-            <a:fillRef idx="1">
-              <a:schemeClr val="accent1"/>
-            </a:fillRef>
-            <a:effectRef idx="0">
-              <a:schemeClr val="accent1"/>
-            </a:effectRef>
-            <a:fontRef idx="minor">
-              <a:schemeClr val="lt1"/>
-            </a:fontRef>
-          </p:style>
-          <p:txBody>
-            <a:bodyPr rtlCol="0" anchor="ctr" anchorCtr="0"/>
-            <a:lstStyle/>
-            <a:p>
-              <a:pPr algn="ctr"/>
-              <a:r>
-                <a:rPr lang="en-US" altLang="ja-JP" sz="1000" dirty="0">
-                  <a:solidFill>
-                    <a:schemeClr val="tx1"/>
-                  </a:solidFill>
-                  <a:latin typeface="+mn-ea"/>
-                </a:rPr>
-                <a:t>4</a:t>
-              </a:r>
-              <a:endParaRPr kumimoji="1" lang="ja-JP" altLang="en-US" sz="1000" dirty="0" err="1">
-                <a:solidFill>
-                  <a:schemeClr val="tx1"/>
-                </a:solidFill>
-                <a:latin typeface="+mn-ea"/>
-              </a:endParaRPr>
-            </a:p>
-          </p:txBody>
-        </p:sp>
-        <p:sp>
-          <p:nvSpPr>
-            <p:cNvPr id="83" name="円/楕円 82">
-              <a:extLst>
-                <a:ext uri="{FF2B5EF4-FFF2-40B4-BE49-F238E27FC236}">
-                  <a16:creationId xmlns:a16="http://schemas.microsoft.com/office/drawing/2014/main" id="{D96BCA27-E4C6-2C4B-8B4A-D43721B1B30B}"/>
-                </a:ext>
-              </a:extLst>
-            </p:cNvPr>
-            <p:cNvSpPr/>
-            <p:nvPr/>
-          </p:nvSpPr>
-          <p:spPr>
-            <a:xfrm>
-              <a:off x="623239" y="1509882"/>
-              <a:ext cx="262437" cy="262437"/>
-            </a:xfrm>
-            <a:prstGeom prst="ellipse">
-              <a:avLst/>
-            </a:prstGeom>
-            <a:solidFill>
-              <a:schemeClr val="bg1"/>
-            </a:solidFill>
-            <a:ln w="12700">
-              <a:solidFill>
-                <a:schemeClr val="bg1">
-                  <a:lumMod val="65000"/>
-                </a:schemeClr>
-              </a:solidFill>
-            </a:ln>
-          </p:spPr>
-          <p:style>
-            <a:lnRef idx="2">
-              <a:schemeClr val="accent1">
-                <a:shade val="50000"/>
-              </a:schemeClr>
-            </a:lnRef>
-            <a:fillRef idx="1">
-              <a:schemeClr val="accent1"/>
-            </a:fillRef>
-            <a:effectRef idx="0">
-              <a:schemeClr val="accent1"/>
-            </a:effectRef>
-            <a:fontRef idx="minor">
-              <a:schemeClr val="lt1"/>
-            </a:fontRef>
-          </p:style>
-          <p:txBody>
-            <a:bodyPr rtlCol="0" anchor="ctr" anchorCtr="0"/>
-            <a:lstStyle/>
-            <a:p>
-              <a:pPr algn="ctr"/>
-              <a:r>
-                <a:rPr kumimoji="1" lang="en-US" altLang="ja-JP" sz="1000" dirty="0">
-                  <a:solidFill>
-                    <a:schemeClr val="tx1"/>
-                  </a:solidFill>
-                  <a:latin typeface="+mn-ea"/>
-                </a:rPr>
-                <a:t>7</a:t>
-              </a:r>
-              <a:endParaRPr kumimoji="1" lang="ja-JP" altLang="en-US" sz="1000" dirty="0" err="1">
-                <a:solidFill>
-                  <a:schemeClr val="tx1"/>
-                </a:solidFill>
-                <a:latin typeface="+mn-ea"/>
-              </a:endParaRPr>
-            </a:p>
-          </p:txBody>
-        </p:sp>
-        <p:sp>
-          <p:nvSpPr>
-            <p:cNvPr id="85" name="円/楕円 84">
-              <a:extLst>
-                <a:ext uri="{FF2B5EF4-FFF2-40B4-BE49-F238E27FC236}">
-                  <a16:creationId xmlns:a16="http://schemas.microsoft.com/office/drawing/2014/main" id="{76765D84-4B93-224B-BD7C-C66AB861208C}"/>
-                </a:ext>
-              </a:extLst>
-            </p:cNvPr>
-            <p:cNvSpPr/>
-            <p:nvPr/>
-          </p:nvSpPr>
-          <p:spPr>
-            <a:xfrm>
-              <a:off x="623239" y="2314125"/>
-              <a:ext cx="262437" cy="262437"/>
-            </a:xfrm>
-            <a:prstGeom prst="ellipse">
-              <a:avLst/>
-            </a:prstGeom>
-            <a:solidFill>
-              <a:schemeClr val="bg1"/>
-            </a:solidFill>
-            <a:ln w="12700">
-              <a:solidFill>
-                <a:srgbClr val="FF0000"/>
-              </a:solidFill>
-            </a:ln>
-          </p:spPr>
-          <p:style>
-            <a:lnRef idx="2">
-              <a:schemeClr val="accent1">
-                <a:shade val="50000"/>
-              </a:schemeClr>
-            </a:lnRef>
-            <a:fillRef idx="1">
-              <a:schemeClr val="accent1"/>
-            </a:fillRef>
-            <a:effectRef idx="0">
-              <a:schemeClr val="accent1"/>
-            </a:effectRef>
-            <a:fontRef idx="minor">
-              <a:schemeClr val="lt1"/>
-            </a:fontRef>
-          </p:style>
-          <p:txBody>
-            <a:bodyPr rtlCol="0" anchor="ctr" anchorCtr="0"/>
-            <a:lstStyle/>
-            <a:p>
-              <a:pPr algn="ctr"/>
-              <a:r>
-                <a:rPr kumimoji="1" lang="en-US" altLang="ja-JP" sz="1000" dirty="0">
-                  <a:solidFill>
-                    <a:schemeClr val="tx1"/>
-                  </a:solidFill>
-                  <a:latin typeface="+mn-ea"/>
-                </a:rPr>
-                <a:t>13</a:t>
-              </a:r>
-              <a:endParaRPr kumimoji="1" lang="ja-JP" altLang="en-US" sz="1000" dirty="0" err="1">
-                <a:solidFill>
-                  <a:schemeClr val="tx1"/>
-                </a:solidFill>
-                <a:latin typeface="+mn-ea"/>
-              </a:endParaRPr>
-            </a:p>
-          </p:txBody>
-        </p:sp>
-        <p:sp>
-          <p:nvSpPr>
-            <p:cNvPr id="86" name="円/楕円 85">
-              <a:extLst>
-                <a:ext uri="{FF2B5EF4-FFF2-40B4-BE49-F238E27FC236}">
-                  <a16:creationId xmlns:a16="http://schemas.microsoft.com/office/drawing/2014/main" id="{A61E3ED4-D08D-004D-A521-571CDBC64495}"/>
-                </a:ext>
-              </a:extLst>
-            </p:cNvPr>
-            <p:cNvSpPr/>
-            <p:nvPr/>
-          </p:nvSpPr>
-          <p:spPr>
-            <a:xfrm>
-              <a:off x="1435947" y="2314125"/>
-              <a:ext cx="262437" cy="262437"/>
-            </a:xfrm>
-            <a:prstGeom prst="ellipse">
-              <a:avLst/>
-            </a:prstGeom>
-            <a:solidFill>
-              <a:schemeClr val="bg1"/>
-            </a:solidFill>
-            <a:ln w="12700">
-              <a:solidFill>
-                <a:schemeClr val="bg1">
-                  <a:lumMod val="65000"/>
-                </a:schemeClr>
-              </a:solidFill>
-            </a:ln>
-          </p:spPr>
-          <p:style>
-            <a:lnRef idx="2">
-              <a:schemeClr val="accent1">
-                <a:shade val="50000"/>
-              </a:schemeClr>
-            </a:lnRef>
-            <a:fillRef idx="1">
-              <a:schemeClr val="accent1"/>
-            </a:fillRef>
-            <a:effectRef idx="0">
-              <a:schemeClr val="accent1"/>
-            </a:effectRef>
-            <a:fontRef idx="minor">
-              <a:schemeClr val="lt1"/>
-            </a:fontRef>
-          </p:style>
-          <p:txBody>
-            <a:bodyPr rtlCol="0" anchor="ctr" anchorCtr="0"/>
-            <a:lstStyle/>
-            <a:p>
-              <a:pPr algn="ctr"/>
-              <a:r>
-                <a:rPr kumimoji="1" lang="en-US" altLang="ja-JP" sz="1000" dirty="0">
-                  <a:solidFill>
-                    <a:schemeClr val="tx1"/>
-                  </a:solidFill>
-                  <a:latin typeface="+mn-ea"/>
-                </a:rPr>
-                <a:t>14</a:t>
-              </a:r>
-              <a:endParaRPr kumimoji="1" lang="ja-JP" altLang="en-US" sz="1000" dirty="0" err="1">
-                <a:solidFill>
-                  <a:schemeClr val="tx1"/>
-                </a:solidFill>
-                <a:latin typeface="+mn-ea"/>
-              </a:endParaRPr>
-            </a:p>
-          </p:txBody>
-        </p:sp>
-        <p:sp>
-          <p:nvSpPr>
-            <p:cNvPr id="87" name="円/楕円 86">
-              <a:extLst>
-                <a:ext uri="{FF2B5EF4-FFF2-40B4-BE49-F238E27FC236}">
-                  <a16:creationId xmlns:a16="http://schemas.microsoft.com/office/drawing/2014/main" id="{7C75EE2E-4896-6F4E-8004-2B887F97C889}"/>
-                </a:ext>
-              </a:extLst>
-            </p:cNvPr>
-            <p:cNvSpPr/>
-            <p:nvPr/>
-          </p:nvSpPr>
-          <p:spPr>
-            <a:xfrm>
-              <a:off x="623239" y="3126833"/>
-              <a:ext cx="262437" cy="262437"/>
-            </a:xfrm>
-            <a:prstGeom prst="ellipse">
-              <a:avLst/>
-            </a:prstGeom>
-            <a:solidFill>
-              <a:schemeClr val="bg1"/>
-            </a:solidFill>
-            <a:ln w="12700">
-              <a:solidFill>
-                <a:schemeClr val="bg1">
-                  <a:lumMod val="65000"/>
-                </a:schemeClr>
-              </a:solidFill>
-            </a:ln>
-          </p:spPr>
-          <p:style>
-            <a:lnRef idx="2">
-              <a:schemeClr val="accent1">
-                <a:shade val="50000"/>
-              </a:schemeClr>
-            </a:lnRef>
-            <a:fillRef idx="1">
-              <a:schemeClr val="accent1"/>
-            </a:fillRef>
-            <a:effectRef idx="0">
-              <a:schemeClr val="accent1"/>
-            </a:effectRef>
-            <a:fontRef idx="minor">
-              <a:schemeClr val="lt1"/>
-            </a:fontRef>
-          </p:style>
-          <p:txBody>
-            <a:bodyPr rtlCol="0" anchor="ctr" anchorCtr="0"/>
-            <a:lstStyle/>
-            <a:p>
-              <a:pPr algn="ctr"/>
-              <a:r>
-                <a:rPr kumimoji="1" lang="en-US" altLang="ja-JP" sz="1000" dirty="0">
-                  <a:solidFill>
-                    <a:schemeClr val="tx1"/>
-                  </a:solidFill>
-                  <a:latin typeface="+mn-ea"/>
-                </a:rPr>
-                <a:t>20</a:t>
-              </a:r>
-              <a:endParaRPr kumimoji="1" lang="ja-JP" altLang="en-US" sz="1000" dirty="0" err="1">
-                <a:solidFill>
-                  <a:schemeClr val="tx1"/>
-                </a:solidFill>
-                <a:latin typeface="+mn-ea"/>
-              </a:endParaRPr>
-            </a:p>
-          </p:txBody>
-        </p:sp>
-        <p:sp>
-          <p:nvSpPr>
-            <p:cNvPr id="89" name="円/楕円 88">
-              <a:extLst>
-                <a:ext uri="{FF2B5EF4-FFF2-40B4-BE49-F238E27FC236}">
-                  <a16:creationId xmlns:a16="http://schemas.microsoft.com/office/drawing/2014/main" id="{6BA5CE20-CD50-CE49-A603-45C520225286}"/>
-                </a:ext>
-              </a:extLst>
-            </p:cNvPr>
-            <p:cNvSpPr/>
-            <p:nvPr/>
-          </p:nvSpPr>
-          <p:spPr>
-            <a:xfrm>
-              <a:off x="1029593" y="1916236"/>
-              <a:ext cx="262437" cy="262437"/>
-            </a:xfrm>
-            <a:prstGeom prst="ellipse">
-              <a:avLst/>
-            </a:prstGeom>
-            <a:solidFill>
-              <a:schemeClr val="accent5"/>
-            </a:solidFill>
-            <a:ln w="12700">
-              <a:solidFill>
-                <a:schemeClr val="bg1">
-                  <a:lumMod val="65000"/>
-                </a:schemeClr>
-              </a:solidFill>
-            </a:ln>
-          </p:spPr>
-          <p:style>
-            <a:lnRef idx="2">
-              <a:schemeClr val="accent1">
-                <a:shade val="50000"/>
-              </a:schemeClr>
-            </a:lnRef>
-            <a:fillRef idx="1">
-              <a:schemeClr val="accent1"/>
-            </a:fillRef>
-            <a:effectRef idx="0">
-              <a:schemeClr val="accent1"/>
-            </a:effectRef>
-            <a:fontRef idx="minor">
-              <a:schemeClr val="lt1"/>
-            </a:fontRef>
-          </p:style>
-          <p:txBody>
-            <a:bodyPr rtlCol="0" anchor="ctr" anchorCtr="0"/>
-            <a:lstStyle/>
-            <a:p>
-              <a:pPr algn="ctr"/>
-              <a:r>
-                <a:rPr kumimoji="1" lang="en-US" altLang="ja-JP" sz="1000" dirty="0">
-                  <a:solidFill>
-                    <a:schemeClr val="tx1"/>
-                  </a:solidFill>
-                  <a:latin typeface="+mn-ea"/>
-                </a:rPr>
-                <a:t>11</a:t>
-              </a:r>
-              <a:endParaRPr kumimoji="1" lang="ja-JP" altLang="en-US" sz="1000" dirty="0" err="1">
-                <a:solidFill>
-                  <a:schemeClr val="tx1"/>
-                </a:solidFill>
-                <a:latin typeface="+mn-ea"/>
-              </a:endParaRPr>
-            </a:p>
-          </p:txBody>
-        </p:sp>
-        <p:cxnSp>
-          <p:nvCxnSpPr>
-            <p:cNvPr id="91" name="直線コネクタ 90">
-              <a:extLst>
-                <a:ext uri="{FF2B5EF4-FFF2-40B4-BE49-F238E27FC236}">
-                  <a16:creationId xmlns:a16="http://schemas.microsoft.com/office/drawing/2014/main" id="{346D38FB-9C64-964B-A92B-EE00D777933C}"/>
-                </a:ext>
-              </a:extLst>
-            </p:cNvPr>
-            <p:cNvCxnSpPr/>
-            <p:nvPr/>
-          </p:nvCxnSpPr>
-          <p:spPr>
-            <a:xfrm flipV="1">
-              <a:off x="754457" y="1772319"/>
-              <a:ext cx="0" cy="541806"/>
-            </a:xfrm>
-            <a:prstGeom prst="line">
-              <a:avLst/>
-            </a:prstGeom>
-            <a:ln w="12700">
-              <a:solidFill>
-                <a:schemeClr val="bg1">
-                  <a:lumMod val="65000"/>
-                </a:schemeClr>
-              </a:solidFill>
-            </a:ln>
-          </p:spPr>
-          <p:style>
-            <a:lnRef idx="1">
-              <a:schemeClr val="accent1"/>
-            </a:lnRef>
-            <a:fillRef idx="0">
-              <a:schemeClr val="accent1"/>
-            </a:fillRef>
-            <a:effectRef idx="0">
-              <a:schemeClr val="accent1"/>
-            </a:effectRef>
-            <a:fontRef idx="minor">
-              <a:schemeClr val="tx1"/>
-            </a:fontRef>
-          </p:style>
-        </p:cxnSp>
-        <p:cxnSp>
-          <p:nvCxnSpPr>
-            <p:cNvPr id="95" name="直線コネクタ 94">
-              <a:extLst>
-                <a:ext uri="{FF2B5EF4-FFF2-40B4-BE49-F238E27FC236}">
-                  <a16:creationId xmlns:a16="http://schemas.microsoft.com/office/drawing/2014/main" id="{20E4CE03-BFB6-A642-A139-67B3BECBDA61}"/>
-                </a:ext>
-              </a:extLst>
-            </p:cNvPr>
-            <p:cNvCxnSpPr>
-              <a:cxnSpLocks/>
-              <a:stCxn id="82" idx="7"/>
-              <a:endCxn id="81" idx="3"/>
-            </p:cNvCxnSpPr>
-            <p:nvPr/>
-          </p:nvCxnSpPr>
-          <p:spPr>
-            <a:xfrm flipV="1">
-              <a:off x="1253597" y="912712"/>
-              <a:ext cx="220783" cy="229249"/>
-            </a:xfrm>
-            <a:prstGeom prst="line">
-              <a:avLst/>
-            </a:prstGeom>
-            <a:ln w="12700">
-              <a:solidFill>
-                <a:schemeClr val="bg1">
-                  <a:lumMod val="65000"/>
-                </a:schemeClr>
-              </a:solidFill>
-            </a:ln>
-          </p:spPr>
-          <p:style>
-            <a:lnRef idx="1">
-              <a:schemeClr val="accent1"/>
-            </a:lnRef>
-            <a:fillRef idx="0">
-              <a:schemeClr val="accent1"/>
-            </a:fillRef>
-            <a:effectRef idx="0">
-              <a:schemeClr val="accent1"/>
-            </a:effectRef>
-            <a:fontRef idx="minor">
-              <a:schemeClr val="tx1"/>
-            </a:fontRef>
-          </p:style>
-        </p:cxnSp>
-        <p:cxnSp>
-          <p:nvCxnSpPr>
-            <p:cNvPr id="96" name="直線コネクタ 95">
-              <a:extLst>
-                <a:ext uri="{FF2B5EF4-FFF2-40B4-BE49-F238E27FC236}">
-                  <a16:creationId xmlns:a16="http://schemas.microsoft.com/office/drawing/2014/main" id="{96EEB6D5-E725-984A-8DB3-EE37928C60DF}"/>
-                </a:ext>
-              </a:extLst>
-            </p:cNvPr>
-            <p:cNvCxnSpPr>
-              <a:cxnSpLocks/>
-              <a:stCxn id="83" idx="7"/>
-              <a:endCxn id="82" idx="3"/>
-            </p:cNvCxnSpPr>
-            <p:nvPr/>
-          </p:nvCxnSpPr>
-          <p:spPr>
-            <a:xfrm flipV="1">
-              <a:off x="847243" y="1327532"/>
-              <a:ext cx="220783" cy="220783"/>
-            </a:xfrm>
-            <a:prstGeom prst="line">
-              <a:avLst/>
-            </a:prstGeom>
-            <a:ln w="12700">
-              <a:solidFill>
-                <a:schemeClr val="bg1">
-                  <a:lumMod val="65000"/>
-                </a:schemeClr>
-              </a:solidFill>
-            </a:ln>
-          </p:spPr>
-          <p:style>
-            <a:lnRef idx="1">
-              <a:schemeClr val="accent1"/>
-            </a:lnRef>
-            <a:fillRef idx="0">
-              <a:schemeClr val="accent1"/>
-            </a:fillRef>
-            <a:effectRef idx="0">
-              <a:schemeClr val="accent1"/>
-            </a:effectRef>
-            <a:fontRef idx="minor">
-              <a:schemeClr val="tx1"/>
-            </a:fontRef>
-          </p:style>
-        </p:cxnSp>
-        <p:cxnSp>
-          <p:nvCxnSpPr>
-            <p:cNvPr id="98" name="直線コネクタ 97">
-              <a:extLst>
-                <a:ext uri="{FF2B5EF4-FFF2-40B4-BE49-F238E27FC236}">
-                  <a16:creationId xmlns:a16="http://schemas.microsoft.com/office/drawing/2014/main" id="{C0A4EBB8-21AE-2544-AD84-28A9B4358167}"/>
-                </a:ext>
-              </a:extLst>
-            </p:cNvPr>
-            <p:cNvCxnSpPr>
-              <a:cxnSpLocks/>
-              <a:stCxn id="87" idx="0"/>
-              <a:endCxn id="85" idx="4"/>
-            </p:cNvCxnSpPr>
-            <p:nvPr/>
-          </p:nvCxnSpPr>
-          <p:spPr>
-            <a:xfrm flipV="1">
-              <a:off x="754457" y="2576562"/>
-              <a:ext cx="0" cy="550271"/>
-            </a:xfrm>
-            <a:prstGeom prst="line">
-              <a:avLst/>
-            </a:prstGeom>
-            <a:ln w="12700">
-              <a:solidFill>
-                <a:schemeClr val="bg1">
-                  <a:lumMod val="65000"/>
-                </a:schemeClr>
-              </a:solidFill>
-            </a:ln>
-          </p:spPr>
-          <p:style>
-            <a:lnRef idx="1">
-              <a:schemeClr val="accent1"/>
-            </a:lnRef>
-            <a:fillRef idx="0">
-              <a:schemeClr val="accent1"/>
-            </a:fillRef>
-            <a:effectRef idx="0">
-              <a:schemeClr val="accent1"/>
-            </a:effectRef>
-            <a:fontRef idx="minor">
-              <a:schemeClr val="tx1"/>
-            </a:fontRef>
-          </p:style>
-        </p:cxnSp>
-        <p:cxnSp>
-          <p:nvCxnSpPr>
-            <p:cNvPr id="99" name="直線コネクタ 98">
-              <a:extLst>
-                <a:ext uri="{FF2B5EF4-FFF2-40B4-BE49-F238E27FC236}">
-                  <a16:creationId xmlns:a16="http://schemas.microsoft.com/office/drawing/2014/main" id="{5A5E4445-130B-E34E-A39B-6391C76F4E74}"/>
-                </a:ext>
-              </a:extLst>
-            </p:cNvPr>
-            <p:cNvCxnSpPr>
-              <a:cxnSpLocks/>
-              <a:stCxn id="85" idx="7"/>
-              <a:endCxn id="89" idx="3"/>
-            </p:cNvCxnSpPr>
-            <p:nvPr/>
-          </p:nvCxnSpPr>
-          <p:spPr>
-            <a:xfrm flipV="1">
-              <a:off x="847243" y="2140240"/>
-              <a:ext cx="220783" cy="212317"/>
-            </a:xfrm>
-            <a:prstGeom prst="line">
-              <a:avLst/>
-            </a:prstGeom>
-            <a:ln w="12700">
-              <a:solidFill>
-                <a:schemeClr val="bg1">
-                  <a:lumMod val="65000"/>
-                </a:schemeClr>
-              </a:solidFill>
-            </a:ln>
-          </p:spPr>
-          <p:style>
-            <a:lnRef idx="1">
-              <a:schemeClr val="accent1"/>
-            </a:lnRef>
-            <a:fillRef idx="0">
-              <a:schemeClr val="accent1"/>
-            </a:fillRef>
-            <a:effectRef idx="0">
-              <a:schemeClr val="accent1"/>
-            </a:effectRef>
-            <a:fontRef idx="minor">
-              <a:schemeClr val="tx1"/>
-            </a:fontRef>
-          </p:style>
-        </p:cxnSp>
-        <p:cxnSp>
-          <p:nvCxnSpPr>
-            <p:cNvPr id="101" name="直線コネクタ 100">
-              <a:extLst>
-                <a:ext uri="{FF2B5EF4-FFF2-40B4-BE49-F238E27FC236}">
-                  <a16:creationId xmlns:a16="http://schemas.microsoft.com/office/drawing/2014/main" id="{0816455E-84AE-B447-8D70-E9516D09E15D}"/>
-                </a:ext>
-              </a:extLst>
-            </p:cNvPr>
-            <p:cNvCxnSpPr>
-              <a:cxnSpLocks/>
-              <a:stCxn id="89" idx="1"/>
-              <a:endCxn id="83" idx="5"/>
-            </p:cNvCxnSpPr>
-            <p:nvPr/>
-          </p:nvCxnSpPr>
-          <p:spPr>
-            <a:xfrm flipH="1" flipV="1">
-              <a:off x="847243" y="1733886"/>
-              <a:ext cx="220783" cy="220783"/>
-            </a:xfrm>
-            <a:prstGeom prst="line">
-              <a:avLst/>
-            </a:prstGeom>
-            <a:ln w="12700">
-              <a:solidFill>
-                <a:schemeClr val="bg1">
-                  <a:lumMod val="65000"/>
-                </a:schemeClr>
-              </a:solidFill>
-            </a:ln>
-          </p:spPr>
-          <p:style>
-            <a:lnRef idx="1">
-              <a:schemeClr val="accent1"/>
-            </a:lnRef>
-            <a:fillRef idx="0">
-              <a:schemeClr val="accent1"/>
-            </a:fillRef>
-            <a:effectRef idx="0">
-              <a:schemeClr val="accent1"/>
-            </a:effectRef>
-            <a:fontRef idx="minor">
-              <a:schemeClr val="tx1"/>
-            </a:fontRef>
-          </p:style>
-        </p:cxnSp>
-        <p:cxnSp>
-          <p:nvCxnSpPr>
-            <p:cNvPr id="104" name="直線コネクタ 103">
-              <a:extLst>
-                <a:ext uri="{FF2B5EF4-FFF2-40B4-BE49-F238E27FC236}">
-                  <a16:creationId xmlns:a16="http://schemas.microsoft.com/office/drawing/2014/main" id="{048B93D8-BCBB-F44F-9AC9-CF4AC608C533}"/>
-                </a:ext>
-              </a:extLst>
-            </p:cNvPr>
-            <p:cNvCxnSpPr>
-              <a:cxnSpLocks/>
-              <a:stCxn id="85" idx="6"/>
-              <a:endCxn id="86" idx="2"/>
-            </p:cNvCxnSpPr>
-            <p:nvPr/>
-          </p:nvCxnSpPr>
-          <p:spPr>
-            <a:xfrm>
-              <a:off x="885676" y="2445343"/>
-              <a:ext cx="550271" cy="0"/>
-            </a:xfrm>
-            <a:prstGeom prst="line">
-              <a:avLst/>
-            </a:prstGeom>
-            <a:ln w="12700">
-              <a:solidFill>
-                <a:schemeClr val="bg1">
-                  <a:lumMod val="65000"/>
-                </a:schemeClr>
-              </a:solidFill>
-            </a:ln>
-          </p:spPr>
-          <p:style>
-            <a:lnRef idx="1">
-              <a:schemeClr val="accent1"/>
-            </a:lnRef>
-            <a:fillRef idx="0">
-              <a:schemeClr val="accent1"/>
-            </a:fillRef>
-            <a:effectRef idx="0">
-              <a:schemeClr val="accent1"/>
-            </a:effectRef>
-            <a:fontRef idx="minor">
-              <a:schemeClr val="tx1"/>
-            </a:fontRef>
-          </p:style>
-        </p:cxnSp>
-        <p:cxnSp>
-          <p:nvCxnSpPr>
-            <p:cNvPr id="109" name="直線コネクタ 108">
-              <a:extLst>
-                <a:ext uri="{FF2B5EF4-FFF2-40B4-BE49-F238E27FC236}">
-                  <a16:creationId xmlns:a16="http://schemas.microsoft.com/office/drawing/2014/main" id="{69385F5D-B572-3F4E-A5E3-5391DC765DB0}"/>
-                </a:ext>
-              </a:extLst>
-            </p:cNvPr>
-            <p:cNvCxnSpPr>
-              <a:cxnSpLocks/>
-              <a:stCxn id="86" idx="1"/>
-              <a:endCxn id="89" idx="5"/>
-            </p:cNvCxnSpPr>
-            <p:nvPr/>
-          </p:nvCxnSpPr>
-          <p:spPr>
-            <a:xfrm flipH="1" flipV="1">
-              <a:off x="1253597" y="2140240"/>
-              <a:ext cx="220783" cy="212317"/>
-            </a:xfrm>
-            <a:prstGeom prst="line">
-              <a:avLst/>
-            </a:prstGeom>
-            <a:ln w="12700">
-              <a:solidFill>
-                <a:schemeClr val="bg1">
-                  <a:lumMod val="65000"/>
-                </a:schemeClr>
-              </a:solidFill>
-            </a:ln>
-          </p:spPr>
-          <p:style>
-            <a:lnRef idx="1">
-              <a:schemeClr val="accent1"/>
-            </a:lnRef>
-            <a:fillRef idx="0">
-              <a:schemeClr val="accent1"/>
-            </a:fillRef>
-            <a:effectRef idx="0">
-              <a:schemeClr val="accent1"/>
-            </a:effectRef>
-            <a:fontRef idx="minor">
-              <a:schemeClr val="tx1"/>
-            </a:fontRef>
-          </p:style>
-        </p:cxnSp>
-        <p:sp>
-          <p:nvSpPr>
-            <p:cNvPr id="49" name="円/楕円 48">
-              <a:extLst>
-                <a:ext uri="{FF2B5EF4-FFF2-40B4-BE49-F238E27FC236}">
-                  <a16:creationId xmlns:a16="http://schemas.microsoft.com/office/drawing/2014/main" id="{A4B647F1-B559-1549-8793-5A7A281748A8}"/>
-                </a:ext>
-              </a:extLst>
-            </p:cNvPr>
-            <p:cNvSpPr/>
-            <p:nvPr/>
-          </p:nvSpPr>
-          <p:spPr>
-            <a:xfrm>
-              <a:off x="3090994" y="688708"/>
-              <a:ext cx="262437" cy="262437"/>
-            </a:xfrm>
-            <a:prstGeom prst="ellipse">
-              <a:avLst/>
-            </a:prstGeom>
-            <a:solidFill>
-              <a:schemeClr val="bg1"/>
-            </a:solidFill>
-            <a:ln w="12700">
-              <a:solidFill>
-                <a:schemeClr val="bg1">
-                  <a:lumMod val="65000"/>
-                </a:schemeClr>
-              </a:solidFill>
-            </a:ln>
-          </p:spPr>
-          <p:style>
-            <a:lnRef idx="2">
-              <a:schemeClr val="accent1">
-                <a:shade val="50000"/>
-              </a:schemeClr>
-            </a:lnRef>
-            <a:fillRef idx="1">
-              <a:schemeClr val="accent1"/>
-            </a:fillRef>
-            <a:effectRef idx="0">
-              <a:schemeClr val="accent1"/>
-            </a:effectRef>
-            <a:fontRef idx="minor">
-              <a:schemeClr val="lt1"/>
-            </a:fontRef>
-          </p:style>
-          <p:txBody>
-            <a:bodyPr rtlCol="0" anchor="ctr" anchorCtr="0"/>
-            <a:lstStyle/>
-            <a:p>
-              <a:pPr algn="ctr"/>
-              <a:r>
-                <a:rPr kumimoji="1" lang="en-US" altLang="ja-JP" sz="1000" dirty="0">
-                  <a:solidFill>
-                    <a:schemeClr val="tx1"/>
-                  </a:solidFill>
-                  <a:latin typeface="+mn-ea"/>
-                </a:rPr>
-                <a:t>3</a:t>
-              </a:r>
-              <a:endParaRPr kumimoji="1" lang="ja-JP" altLang="en-US" sz="1000" dirty="0" err="1">
-                <a:solidFill>
-                  <a:schemeClr val="tx1"/>
-                </a:solidFill>
-                <a:latin typeface="+mn-ea"/>
-              </a:endParaRPr>
-            </a:p>
-          </p:txBody>
-        </p:sp>
-        <p:sp>
-          <p:nvSpPr>
-            <p:cNvPr id="50" name="円/楕円 49">
-              <a:extLst>
-                <a:ext uri="{FF2B5EF4-FFF2-40B4-BE49-F238E27FC236}">
-                  <a16:creationId xmlns:a16="http://schemas.microsoft.com/office/drawing/2014/main" id="{30726A4C-AF7F-E246-9465-F7AF35C2A496}"/>
-                </a:ext>
-              </a:extLst>
-            </p:cNvPr>
-            <p:cNvSpPr/>
-            <p:nvPr/>
-          </p:nvSpPr>
-          <p:spPr>
-            <a:xfrm>
-              <a:off x="2684640" y="1103528"/>
-              <a:ext cx="262437" cy="262437"/>
-            </a:xfrm>
-            <a:prstGeom prst="ellipse">
-              <a:avLst/>
-            </a:prstGeom>
-            <a:solidFill>
-              <a:srgbClr val="FF0000"/>
-            </a:solidFill>
-            <a:ln w="12700">
-              <a:solidFill>
-                <a:schemeClr val="tx1"/>
-              </a:solidFill>
-              <a:prstDash val="sysDash"/>
-            </a:ln>
-          </p:spPr>
-          <p:style>
-            <a:lnRef idx="2">
-              <a:schemeClr val="accent1">
-                <a:shade val="50000"/>
-              </a:schemeClr>
-            </a:lnRef>
-            <a:fillRef idx="1">
-              <a:schemeClr val="accent1"/>
-            </a:fillRef>
-            <a:effectRef idx="0">
-              <a:schemeClr val="accent1"/>
-            </a:effectRef>
-            <a:fontRef idx="minor">
-              <a:schemeClr val="lt1"/>
-            </a:fontRef>
-          </p:style>
-          <p:txBody>
-            <a:bodyPr rtlCol="0" anchor="ctr" anchorCtr="0"/>
-            <a:lstStyle/>
-            <a:p>
-              <a:pPr algn="ctr"/>
-              <a:r>
-                <a:rPr kumimoji="1" lang="en-US" altLang="ja-JP" sz="1000" dirty="0">
-                  <a:solidFill>
-                    <a:schemeClr val="tx1"/>
-                  </a:solidFill>
-                  <a:latin typeface="+mn-ea"/>
-                </a:rPr>
-                <a:t>6</a:t>
-              </a:r>
-              <a:endParaRPr kumimoji="1" lang="ja-JP" altLang="en-US" sz="1000" dirty="0" err="1">
-                <a:solidFill>
-                  <a:schemeClr val="tx1"/>
-                </a:solidFill>
-                <a:latin typeface="+mn-ea"/>
-              </a:endParaRPr>
-            </a:p>
-          </p:txBody>
-        </p:sp>
-        <p:sp>
-          <p:nvSpPr>
-            <p:cNvPr id="51" name="円/楕円 50">
-              <a:extLst>
-                <a:ext uri="{FF2B5EF4-FFF2-40B4-BE49-F238E27FC236}">
-                  <a16:creationId xmlns:a16="http://schemas.microsoft.com/office/drawing/2014/main" id="{FBC8074C-6C60-8840-9708-FDCE64F32087}"/>
-                </a:ext>
-              </a:extLst>
-            </p:cNvPr>
-            <p:cNvSpPr/>
-            <p:nvPr/>
-          </p:nvSpPr>
-          <p:spPr>
-            <a:xfrm>
-              <a:off x="2278286" y="1509882"/>
-              <a:ext cx="262437" cy="262437"/>
-            </a:xfrm>
-            <a:prstGeom prst="ellipse">
-              <a:avLst/>
-            </a:prstGeom>
-            <a:solidFill>
-              <a:schemeClr val="bg1"/>
-            </a:solidFill>
-            <a:ln w="12700">
-              <a:solidFill>
-                <a:schemeClr val="bg1">
-                  <a:lumMod val="65000"/>
-                </a:schemeClr>
-              </a:solidFill>
-            </a:ln>
-          </p:spPr>
-          <p:style>
-            <a:lnRef idx="2">
-              <a:schemeClr val="accent1">
-                <a:shade val="50000"/>
-              </a:schemeClr>
-            </a:lnRef>
-            <a:fillRef idx="1">
-              <a:schemeClr val="accent1"/>
-            </a:fillRef>
-            <a:effectRef idx="0">
-              <a:schemeClr val="accent1"/>
-            </a:effectRef>
-            <a:fontRef idx="minor">
-              <a:schemeClr val="lt1"/>
-            </a:fontRef>
-          </p:style>
-          <p:txBody>
-            <a:bodyPr rtlCol="0" anchor="ctr" anchorCtr="0"/>
-            <a:lstStyle/>
-            <a:p>
-              <a:pPr algn="ctr"/>
-              <a:r>
-                <a:rPr kumimoji="1" lang="en-US" altLang="ja-JP" sz="1000" dirty="0">
-                  <a:solidFill>
-                    <a:schemeClr val="tx1"/>
-                  </a:solidFill>
-                  <a:latin typeface="+mn-ea"/>
-                </a:rPr>
-                <a:t>9</a:t>
-              </a:r>
-              <a:endParaRPr kumimoji="1" lang="ja-JP" altLang="en-US" sz="1000" dirty="0" err="1">
-                <a:solidFill>
-                  <a:schemeClr val="tx1"/>
-                </a:solidFill>
-                <a:latin typeface="+mn-ea"/>
-              </a:endParaRPr>
-            </a:p>
-          </p:txBody>
-        </p:sp>
-        <p:sp>
-          <p:nvSpPr>
-            <p:cNvPr id="54" name="円/楕円 53">
-              <a:extLst>
-                <a:ext uri="{FF2B5EF4-FFF2-40B4-BE49-F238E27FC236}">
-                  <a16:creationId xmlns:a16="http://schemas.microsoft.com/office/drawing/2014/main" id="{4DE78F4F-A450-404F-AAD0-1F5018C4C48A}"/>
-                </a:ext>
-              </a:extLst>
-            </p:cNvPr>
-            <p:cNvSpPr/>
-            <p:nvPr/>
-          </p:nvSpPr>
-          <p:spPr>
-            <a:xfrm>
-              <a:off x="3090994" y="2314125"/>
-              <a:ext cx="262437" cy="262437"/>
-            </a:xfrm>
-            <a:prstGeom prst="ellipse">
-              <a:avLst/>
-            </a:prstGeom>
-            <a:solidFill>
-              <a:schemeClr val="bg1"/>
-            </a:solidFill>
-            <a:ln w="12700">
-              <a:solidFill>
-                <a:schemeClr val="bg1">
-                  <a:lumMod val="65000"/>
-                </a:schemeClr>
-              </a:solidFill>
-            </a:ln>
-          </p:spPr>
-          <p:style>
-            <a:lnRef idx="2">
-              <a:schemeClr val="accent1">
-                <a:shade val="50000"/>
-              </a:schemeClr>
-            </a:lnRef>
-            <a:fillRef idx="1">
-              <a:schemeClr val="accent1"/>
-            </a:fillRef>
-            <a:effectRef idx="0">
-              <a:schemeClr val="accent1"/>
-            </a:effectRef>
-            <a:fontRef idx="minor">
-              <a:schemeClr val="lt1"/>
-            </a:fontRef>
-          </p:style>
-          <p:txBody>
-            <a:bodyPr rtlCol="0" anchor="ctr" anchorCtr="0"/>
-            <a:lstStyle/>
-            <a:p>
-              <a:pPr algn="ctr"/>
-              <a:r>
-                <a:rPr kumimoji="1" lang="en-US" altLang="ja-JP" sz="1000" dirty="0">
-                  <a:solidFill>
-                    <a:schemeClr val="tx1"/>
-                  </a:solidFill>
-                  <a:latin typeface="+mn-ea"/>
-                </a:rPr>
-                <a:t>16</a:t>
-              </a:r>
-              <a:endParaRPr kumimoji="1" lang="ja-JP" altLang="en-US" sz="1000" dirty="0" err="1">
-                <a:solidFill>
-                  <a:schemeClr val="tx1"/>
-                </a:solidFill>
-                <a:latin typeface="+mn-ea"/>
-              </a:endParaRPr>
-            </a:p>
-          </p:txBody>
-        </p:sp>
-        <p:sp>
-          <p:nvSpPr>
-            <p:cNvPr id="55" name="円/楕円 54">
-              <a:extLst>
-                <a:ext uri="{FF2B5EF4-FFF2-40B4-BE49-F238E27FC236}">
-                  <a16:creationId xmlns:a16="http://schemas.microsoft.com/office/drawing/2014/main" id="{A8ECB4EC-EAD7-2944-941E-919FAB33E133}"/>
-                </a:ext>
-              </a:extLst>
-            </p:cNvPr>
-            <p:cNvSpPr/>
-            <p:nvPr/>
-          </p:nvSpPr>
-          <p:spPr>
-            <a:xfrm>
-              <a:off x="2278286" y="3126833"/>
-              <a:ext cx="262437" cy="262437"/>
-            </a:xfrm>
-            <a:prstGeom prst="ellipse">
-              <a:avLst/>
-            </a:prstGeom>
-            <a:solidFill>
-              <a:schemeClr val="bg1"/>
-            </a:solidFill>
-            <a:ln w="12700">
-              <a:solidFill>
-                <a:schemeClr val="bg1">
-                  <a:lumMod val="65000"/>
-                </a:schemeClr>
-              </a:solidFill>
-            </a:ln>
-          </p:spPr>
-          <p:style>
-            <a:lnRef idx="2">
-              <a:schemeClr val="accent1">
-                <a:shade val="50000"/>
-              </a:schemeClr>
-            </a:lnRef>
-            <a:fillRef idx="1">
-              <a:schemeClr val="accent1"/>
-            </a:fillRef>
-            <a:effectRef idx="0">
-              <a:schemeClr val="accent1"/>
-            </a:effectRef>
-            <a:fontRef idx="minor">
-              <a:schemeClr val="lt1"/>
-            </a:fontRef>
-          </p:style>
-          <p:txBody>
-            <a:bodyPr rtlCol="0" anchor="ctr" anchorCtr="0"/>
-            <a:lstStyle/>
-            <a:p>
-              <a:pPr algn="ctr"/>
-              <a:r>
-                <a:rPr kumimoji="1" lang="en-US" altLang="ja-JP" sz="1000" dirty="0">
-                  <a:solidFill>
-                    <a:schemeClr val="tx1"/>
-                  </a:solidFill>
-                  <a:latin typeface="+mn-ea"/>
-                </a:rPr>
-                <a:t>22</a:t>
-              </a:r>
-              <a:endParaRPr kumimoji="1" lang="ja-JP" altLang="en-US" sz="1000" dirty="0" err="1">
-                <a:solidFill>
-                  <a:schemeClr val="tx1"/>
-                </a:solidFill>
-                <a:latin typeface="+mn-ea"/>
-              </a:endParaRPr>
-            </a:p>
-          </p:txBody>
-        </p:sp>
-        <p:sp>
-          <p:nvSpPr>
-            <p:cNvPr id="58" name="円/楕円 57">
-              <a:extLst>
-                <a:ext uri="{FF2B5EF4-FFF2-40B4-BE49-F238E27FC236}">
-                  <a16:creationId xmlns:a16="http://schemas.microsoft.com/office/drawing/2014/main" id="{60DB4D53-75E3-AA4F-9F2F-7895EFD28268}"/>
-                </a:ext>
-              </a:extLst>
-            </p:cNvPr>
-            <p:cNvSpPr/>
-            <p:nvPr/>
-          </p:nvSpPr>
-          <p:spPr>
-            <a:xfrm>
-              <a:off x="2684640" y="2728944"/>
-              <a:ext cx="262437" cy="262437"/>
-            </a:xfrm>
-            <a:prstGeom prst="ellipse">
-              <a:avLst/>
-            </a:prstGeom>
-            <a:solidFill>
-              <a:schemeClr val="accent5"/>
-            </a:solidFill>
-            <a:ln w="12700">
-              <a:solidFill>
-                <a:schemeClr val="bg1">
-                  <a:lumMod val="65000"/>
-                </a:schemeClr>
-              </a:solidFill>
-            </a:ln>
-          </p:spPr>
-          <p:style>
-            <a:lnRef idx="2">
-              <a:schemeClr val="accent1">
-                <a:shade val="50000"/>
-              </a:schemeClr>
-            </a:lnRef>
-            <a:fillRef idx="1">
-              <a:schemeClr val="accent1"/>
-            </a:fillRef>
-            <a:effectRef idx="0">
-              <a:schemeClr val="accent1"/>
-            </a:effectRef>
-            <a:fontRef idx="minor">
-              <a:schemeClr val="lt1"/>
-            </a:fontRef>
-          </p:style>
-          <p:txBody>
-            <a:bodyPr rtlCol="0" anchor="ctr" anchorCtr="0"/>
-            <a:lstStyle/>
-            <a:p>
-              <a:pPr algn="ctr"/>
-              <a:r>
-                <a:rPr kumimoji="1" lang="en-US" altLang="ja-JP" sz="1000" dirty="0">
-                  <a:solidFill>
-                    <a:schemeClr val="tx1"/>
-                  </a:solidFill>
-                  <a:latin typeface="+mn-ea"/>
-                </a:rPr>
-                <a:t>19</a:t>
-              </a:r>
-              <a:endParaRPr kumimoji="1" lang="ja-JP" altLang="en-US" sz="1000" dirty="0" err="1">
-                <a:solidFill>
-                  <a:schemeClr val="tx1"/>
-                </a:solidFill>
-                <a:latin typeface="+mn-ea"/>
-              </a:endParaRPr>
-            </a:p>
-          </p:txBody>
-        </p:sp>
-        <p:cxnSp>
-          <p:nvCxnSpPr>
-            <p:cNvPr id="63" name="直線コネクタ 62">
-              <a:extLst>
-                <a:ext uri="{FF2B5EF4-FFF2-40B4-BE49-F238E27FC236}">
-                  <a16:creationId xmlns:a16="http://schemas.microsoft.com/office/drawing/2014/main" id="{6FD3C34C-C091-4E43-93EC-E799477C9801}"/>
-                </a:ext>
-              </a:extLst>
-            </p:cNvPr>
-            <p:cNvCxnSpPr>
-              <a:cxnSpLocks/>
-              <a:stCxn id="50" idx="7"/>
-              <a:endCxn id="49" idx="3"/>
-            </p:cNvCxnSpPr>
-            <p:nvPr/>
-          </p:nvCxnSpPr>
-          <p:spPr>
-            <a:xfrm flipV="1">
-              <a:off x="2908644" y="912712"/>
-              <a:ext cx="220783" cy="229249"/>
-            </a:xfrm>
-            <a:prstGeom prst="line">
-              <a:avLst/>
-            </a:prstGeom>
-            <a:ln w="12700">
-              <a:solidFill>
-                <a:schemeClr val="bg1">
-                  <a:lumMod val="65000"/>
-                </a:schemeClr>
-              </a:solidFill>
-            </a:ln>
-          </p:spPr>
-          <p:style>
-            <a:lnRef idx="1">
-              <a:schemeClr val="accent1"/>
-            </a:lnRef>
-            <a:fillRef idx="0">
-              <a:schemeClr val="accent1"/>
-            </a:fillRef>
-            <a:effectRef idx="0">
-              <a:schemeClr val="accent1"/>
-            </a:effectRef>
-            <a:fontRef idx="minor">
-              <a:schemeClr val="tx1"/>
-            </a:fontRef>
-          </p:style>
-        </p:cxnSp>
-        <p:cxnSp>
-          <p:nvCxnSpPr>
-            <p:cNvPr id="64" name="直線コネクタ 63">
-              <a:extLst>
-                <a:ext uri="{FF2B5EF4-FFF2-40B4-BE49-F238E27FC236}">
-                  <a16:creationId xmlns:a16="http://schemas.microsoft.com/office/drawing/2014/main" id="{8FBF0187-431B-0846-8863-B0477E878359}"/>
-                </a:ext>
-              </a:extLst>
-            </p:cNvPr>
-            <p:cNvCxnSpPr>
-              <a:cxnSpLocks/>
-              <a:stCxn id="51" idx="7"/>
-              <a:endCxn id="50" idx="3"/>
-            </p:cNvCxnSpPr>
-            <p:nvPr/>
-          </p:nvCxnSpPr>
-          <p:spPr>
-            <a:xfrm flipV="1">
-              <a:off x="2502290" y="1327532"/>
-              <a:ext cx="220783" cy="220783"/>
-            </a:xfrm>
-            <a:prstGeom prst="line">
-              <a:avLst/>
-            </a:prstGeom>
-            <a:ln w="12700">
-              <a:solidFill>
-                <a:schemeClr val="bg1">
-                  <a:lumMod val="65000"/>
-                </a:schemeClr>
-              </a:solidFill>
-            </a:ln>
-          </p:spPr>
-          <p:style>
-            <a:lnRef idx="1">
-              <a:schemeClr val="accent1"/>
-            </a:lnRef>
-            <a:fillRef idx="0">
-              <a:schemeClr val="accent1"/>
-            </a:fillRef>
-            <a:effectRef idx="0">
-              <a:schemeClr val="accent1"/>
-            </a:effectRef>
-            <a:fontRef idx="minor">
-              <a:schemeClr val="tx1"/>
-            </a:fontRef>
-          </p:style>
-        </p:cxnSp>
-        <p:cxnSp>
-          <p:nvCxnSpPr>
-            <p:cNvPr id="71" name="直線コネクタ 70">
-              <a:extLst>
-                <a:ext uri="{FF2B5EF4-FFF2-40B4-BE49-F238E27FC236}">
-                  <a16:creationId xmlns:a16="http://schemas.microsoft.com/office/drawing/2014/main" id="{67CC3B32-7EEE-4640-99FC-63ED6371EA70}"/>
-                </a:ext>
-              </a:extLst>
-            </p:cNvPr>
-            <p:cNvCxnSpPr>
-              <a:cxnSpLocks/>
-              <a:stCxn id="55" idx="7"/>
-              <a:endCxn id="58" idx="3"/>
-            </p:cNvCxnSpPr>
-            <p:nvPr/>
-          </p:nvCxnSpPr>
-          <p:spPr>
-            <a:xfrm flipV="1">
-              <a:off x="2502290" y="2952949"/>
-              <a:ext cx="220783" cy="212317"/>
-            </a:xfrm>
-            <a:prstGeom prst="line">
-              <a:avLst/>
-            </a:prstGeom>
-            <a:ln w="12700">
-              <a:solidFill>
-                <a:schemeClr val="bg1">
-                  <a:lumMod val="65000"/>
-                </a:schemeClr>
-              </a:solidFill>
-            </a:ln>
-          </p:spPr>
-          <p:style>
-            <a:lnRef idx="1">
-              <a:schemeClr val="accent1"/>
-            </a:lnRef>
-            <a:fillRef idx="0">
-              <a:schemeClr val="accent1"/>
-            </a:fillRef>
-            <a:effectRef idx="0">
-              <a:schemeClr val="accent1"/>
-            </a:effectRef>
-            <a:fontRef idx="minor">
-              <a:schemeClr val="tx1"/>
-            </a:fontRef>
-          </p:style>
-        </p:cxnSp>
-        <p:cxnSp>
-          <p:nvCxnSpPr>
-            <p:cNvPr id="75" name="直線コネクタ 74">
-              <a:extLst>
-                <a:ext uri="{FF2B5EF4-FFF2-40B4-BE49-F238E27FC236}">
-                  <a16:creationId xmlns:a16="http://schemas.microsoft.com/office/drawing/2014/main" id="{F7263250-EE1A-014F-9F7E-6FA9558A4EA9}"/>
-                </a:ext>
-              </a:extLst>
-            </p:cNvPr>
-            <p:cNvCxnSpPr>
-              <a:cxnSpLocks/>
-              <a:stCxn id="58" idx="7"/>
-              <a:endCxn id="54" idx="3"/>
-            </p:cNvCxnSpPr>
-            <p:nvPr/>
-          </p:nvCxnSpPr>
-          <p:spPr>
-            <a:xfrm flipV="1">
-              <a:off x="2908644" y="2538129"/>
-              <a:ext cx="220783" cy="229249"/>
-            </a:xfrm>
-            <a:prstGeom prst="line">
-              <a:avLst/>
-            </a:prstGeom>
-            <a:ln w="12700">
-              <a:solidFill>
-                <a:schemeClr val="bg1">
-                  <a:lumMod val="65000"/>
-                </a:schemeClr>
-              </a:solidFill>
-            </a:ln>
-          </p:spPr>
-          <p:style>
-            <a:lnRef idx="1">
-              <a:schemeClr val="accent1"/>
-            </a:lnRef>
-            <a:fillRef idx="0">
-              <a:schemeClr val="accent1"/>
-            </a:fillRef>
-            <a:effectRef idx="0">
-              <a:schemeClr val="accent1"/>
-            </a:effectRef>
-            <a:fontRef idx="minor">
-              <a:schemeClr val="tx1"/>
-            </a:fontRef>
-          </p:style>
-        </p:cxnSp>
-        <p:cxnSp>
-          <p:nvCxnSpPr>
-            <p:cNvPr id="35" name="直線コネクタ 34">
-              <a:extLst>
-                <a:ext uri="{FF2B5EF4-FFF2-40B4-BE49-F238E27FC236}">
-                  <a16:creationId xmlns:a16="http://schemas.microsoft.com/office/drawing/2014/main" id="{009B86C1-9DB3-C742-9D78-4B6E65C6DDD6}"/>
-                </a:ext>
-              </a:extLst>
-            </p:cNvPr>
-            <p:cNvCxnSpPr>
-              <a:cxnSpLocks/>
-              <a:stCxn id="81" idx="5"/>
-              <a:endCxn id="30" idx="1"/>
-            </p:cNvCxnSpPr>
-            <p:nvPr/>
-          </p:nvCxnSpPr>
-          <p:spPr>
-            <a:xfrm>
-              <a:off x="1659951" y="912712"/>
-              <a:ext cx="220783" cy="229249"/>
-            </a:xfrm>
-            <a:prstGeom prst="line">
-              <a:avLst/>
-            </a:prstGeom>
-            <a:ln w="12700">
-              <a:solidFill>
-                <a:schemeClr val="bg1">
-                  <a:lumMod val="65000"/>
-                </a:schemeClr>
-              </a:solidFill>
-            </a:ln>
-          </p:spPr>
-          <p:style>
-            <a:lnRef idx="1">
-              <a:schemeClr val="accent1"/>
-            </a:lnRef>
-            <a:fillRef idx="0">
-              <a:schemeClr val="accent1"/>
-            </a:fillRef>
-            <a:effectRef idx="0">
-              <a:schemeClr val="accent1"/>
-            </a:effectRef>
-            <a:fontRef idx="minor">
-              <a:schemeClr val="tx1"/>
-            </a:fontRef>
-          </p:style>
-        </p:cxnSp>
-        <p:cxnSp>
-          <p:nvCxnSpPr>
-            <p:cNvPr id="38" name="直線コネクタ 37">
-              <a:extLst>
-                <a:ext uri="{FF2B5EF4-FFF2-40B4-BE49-F238E27FC236}">
-                  <a16:creationId xmlns:a16="http://schemas.microsoft.com/office/drawing/2014/main" id="{DCE85559-5118-BC44-9325-6C00E235E631}"/>
-                </a:ext>
-              </a:extLst>
-            </p:cNvPr>
-            <p:cNvCxnSpPr>
-              <a:cxnSpLocks/>
-              <a:stCxn id="30" idx="5"/>
-              <a:endCxn id="51" idx="1"/>
-            </p:cNvCxnSpPr>
-            <p:nvPr/>
-          </p:nvCxnSpPr>
-          <p:spPr>
-            <a:xfrm>
-              <a:off x="2066306" y="1327532"/>
-              <a:ext cx="250413" cy="220783"/>
-            </a:xfrm>
-            <a:prstGeom prst="line">
-              <a:avLst/>
-            </a:prstGeom>
-            <a:ln w="12700">
-              <a:solidFill>
-                <a:schemeClr val="bg1">
-                  <a:lumMod val="65000"/>
-                </a:schemeClr>
-              </a:solidFill>
-            </a:ln>
-          </p:spPr>
-          <p:style>
-            <a:lnRef idx="1">
-              <a:schemeClr val="accent1"/>
-            </a:lnRef>
-            <a:fillRef idx="0">
-              <a:schemeClr val="accent1"/>
-            </a:fillRef>
-            <a:effectRef idx="0">
-              <a:schemeClr val="accent1"/>
-            </a:effectRef>
-            <a:fontRef idx="minor">
-              <a:schemeClr val="tx1"/>
-            </a:fontRef>
-          </p:style>
-        </p:cxnSp>
-        <p:cxnSp>
-          <p:nvCxnSpPr>
-            <p:cNvPr id="42" name="直線コネクタ 41">
-              <a:extLst>
-                <a:ext uri="{FF2B5EF4-FFF2-40B4-BE49-F238E27FC236}">
-                  <a16:creationId xmlns:a16="http://schemas.microsoft.com/office/drawing/2014/main" id="{86E5C7DF-FEC7-CC4A-8610-AD5C7A01BF33}"/>
-                </a:ext>
-              </a:extLst>
-            </p:cNvPr>
-            <p:cNvCxnSpPr>
-              <a:cxnSpLocks/>
-              <a:stCxn id="51" idx="3"/>
-              <a:endCxn id="86" idx="7"/>
-            </p:cNvCxnSpPr>
-            <p:nvPr/>
-          </p:nvCxnSpPr>
-          <p:spPr>
-            <a:xfrm flipH="1">
-              <a:off x="1659951" y="1733886"/>
-              <a:ext cx="656767" cy="618671"/>
-            </a:xfrm>
-            <a:prstGeom prst="line">
-              <a:avLst/>
-            </a:prstGeom>
-            <a:ln w="12700">
-              <a:solidFill>
-                <a:schemeClr val="bg1">
-                  <a:lumMod val="65000"/>
-                </a:schemeClr>
-              </a:solidFill>
-            </a:ln>
-          </p:spPr>
-          <p:style>
-            <a:lnRef idx="1">
-              <a:schemeClr val="accent1"/>
-            </a:lnRef>
-            <a:fillRef idx="0">
-              <a:schemeClr val="accent1"/>
-            </a:fillRef>
-            <a:effectRef idx="0">
-              <a:schemeClr val="accent1"/>
-            </a:effectRef>
-            <a:fontRef idx="minor">
-              <a:schemeClr val="tx1"/>
-            </a:fontRef>
-          </p:style>
-        </p:cxnSp>
-        <p:cxnSp>
-          <p:nvCxnSpPr>
-            <p:cNvPr id="43" name="直線コネクタ 42">
-              <a:extLst>
-                <a:ext uri="{FF2B5EF4-FFF2-40B4-BE49-F238E27FC236}">
-                  <a16:creationId xmlns:a16="http://schemas.microsoft.com/office/drawing/2014/main" id="{765902C3-45AB-DC46-9BA8-5F6373856ADA}"/>
-                </a:ext>
-              </a:extLst>
-            </p:cNvPr>
-            <p:cNvCxnSpPr>
-              <a:cxnSpLocks/>
-              <a:stCxn id="31" idx="1"/>
-              <a:endCxn id="86" idx="5"/>
-            </p:cNvCxnSpPr>
-            <p:nvPr/>
-          </p:nvCxnSpPr>
-          <p:spPr>
-            <a:xfrm flipH="1" flipV="1">
-              <a:off x="1659951" y="2538129"/>
-              <a:ext cx="220783" cy="229249"/>
-            </a:xfrm>
-            <a:prstGeom prst="line">
-              <a:avLst/>
-            </a:prstGeom>
-            <a:ln w="12700">
-              <a:solidFill>
-                <a:schemeClr val="bg1">
-                  <a:lumMod val="65000"/>
-                </a:schemeClr>
-              </a:solidFill>
-            </a:ln>
-          </p:spPr>
-          <p:style>
-            <a:lnRef idx="1">
-              <a:schemeClr val="accent1"/>
-            </a:lnRef>
-            <a:fillRef idx="0">
-              <a:schemeClr val="accent1"/>
-            </a:fillRef>
-            <a:effectRef idx="0">
-              <a:schemeClr val="accent1"/>
-            </a:effectRef>
-            <a:fontRef idx="minor">
-              <a:schemeClr val="tx1"/>
-            </a:fontRef>
-          </p:style>
-        </p:cxnSp>
-        <p:cxnSp>
-          <p:nvCxnSpPr>
-            <p:cNvPr id="46" name="直線コネクタ 45">
-              <a:extLst>
-                <a:ext uri="{FF2B5EF4-FFF2-40B4-BE49-F238E27FC236}">
-                  <a16:creationId xmlns:a16="http://schemas.microsoft.com/office/drawing/2014/main" id="{FA280132-4966-664A-9047-54DE17A22518}"/>
-                </a:ext>
-              </a:extLst>
-            </p:cNvPr>
-            <p:cNvCxnSpPr>
-              <a:cxnSpLocks/>
-              <a:stCxn id="31" idx="5"/>
-              <a:endCxn id="55" idx="1"/>
-            </p:cNvCxnSpPr>
-            <p:nvPr/>
-          </p:nvCxnSpPr>
-          <p:spPr>
-            <a:xfrm>
-              <a:off x="2066306" y="2952949"/>
-              <a:ext cx="250413" cy="212317"/>
-            </a:xfrm>
-            <a:prstGeom prst="line">
-              <a:avLst/>
-            </a:prstGeom>
-            <a:ln w="12700">
-              <a:solidFill>
-                <a:schemeClr val="bg1">
-                  <a:lumMod val="65000"/>
-                </a:schemeClr>
-              </a:solidFill>
-            </a:ln>
-          </p:spPr>
-          <p:style>
-            <a:lnRef idx="1">
-              <a:schemeClr val="accent1"/>
-            </a:lnRef>
-            <a:fillRef idx="0">
-              <a:schemeClr val="accent1"/>
-            </a:fillRef>
-            <a:effectRef idx="0">
-              <a:schemeClr val="accent1"/>
-            </a:effectRef>
-            <a:fontRef idx="minor">
-              <a:schemeClr val="tx1"/>
-            </a:fontRef>
-          </p:style>
-        </p:cxnSp>
-      </p:grpSp>
-    </p:spTree>
-    <p:extLst>
-      <p:ext uri="{BB962C8B-B14F-4D97-AF65-F5344CB8AC3E}">
-        <p14:creationId xmlns:p14="http://schemas.microsoft.com/office/powerpoint/2010/main" val="3891052899"/>
-      </p:ext>
-    </p:extLst>
-  </p:cSld>
-  <p:clrMapOvr>
-    <a:masterClrMapping/>
-  </p:clrMapOvr>
-</p:sld>
-</file>
-
-<file path=ppt/slides/slide7.xml><?xml version="1.0" encoding="utf-8"?>
-<p:sld xmlns:a="http://schemas.openxmlformats.org/drawingml/2006/main" xmlns:r="http://schemas.openxmlformats.org/officeDocument/2006/relationships" xmlns:p="http://schemas.openxmlformats.org/presentationml/2006/main">
-  <p:cSld>
-    <p:spTree>
-      <p:nvGrpSpPr>
-        <p:cNvPr id="1" name=""/>
-        <p:cNvGrpSpPr/>
-        <p:nvPr/>
-      </p:nvGrpSpPr>
-      <p:grpSpPr>
-        <a:xfrm>
-          <a:off x="0" y="0"/>
-          <a:ext cx="0" cy="0"/>
-          <a:chOff x="0" y="0"/>
-          <a:chExt cx="0" cy="0"/>
-        </a:xfrm>
-      </p:grpSpPr>
       <p:sp>
         <p:nvSpPr>
           <p:cNvPr id="4" name="正方形/長方形 3">

--- a/Specification/hirojiren_model_file_advanced.pptx
+++ b/Specification/hirojiren_model_file_advanced.pptx
@@ -6,10 +6,10 @@
     <p:sldMasterId id="2147483653" r:id="rId2"/>
   </p:sldMasterIdLst>
   <p:notesMasterIdLst>
-    <p:notesMasterId r:id="rId9"/>
+    <p:notesMasterId r:id="rId10"/>
   </p:notesMasterIdLst>
   <p:handoutMasterIdLst>
-    <p:handoutMasterId r:id="rId10"/>
+    <p:handoutMasterId r:id="rId11"/>
   </p:handoutMasterIdLst>
   <p:sldIdLst>
     <p:sldId id="258" r:id="rId3"/>
@@ -18,6 +18,7 @@
     <p:sldId id="283" r:id="rId6"/>
     <p:sldId id="338" r:id="rId7"/>
     <p:sldId id="275" r:id="rId8"/>
+    <p:sldId id="339" r:id="rId9"/>
   </p:sldIdLst>
   <p:sldSz cx="12801600" cy="9601200" type="A3"/>
   <p:notesSz cx="14597063" cy="21107400"/>
@@ -161,6 +162,7 @@
             <p14:sldId id="283"/>
             <p14:sldId id="338"/>
             <p14:sldId id="275"/>
+            <p14:sldId id="339"/>
           </p14:sldIdLst>
         </p14:section>
       </p14:sectionLst>
@@ -25584,6 +25586,7048 @@
           <a:chExt cx="0" cy="0"/>
         </a:xfrm>
       </p:grpSpPr>
+      <p:grpSp>
+        <p:nvGrpSpPr>
+          <p:cNvPr id="127" name="グループ化 126">
+            <a:extLst>
+              <a:ext uri="{FF2B5EF4-FFF2-40B4-BE49-F238E27FC236}">
+                <a16:creationId xmlns:a16="http://schemas.microsoft.com/office/drawing/2014/main" id="{ABFA1321-9D77-F94E-A00E-3447B13F3CD1}"/>
+              </a:ext>
+            </a:extLst>
+          </p:cNvPr>
+          <p:cNvGrpSpPr/>
+          <p:nvPr/>
+        </p:nvGrpSpPr>
+        <p:grpSpPr>
+          <a:xfrm>
+            <a:off x="12190868" y="1122458"/>
+            <a:ext cx="459413" cy="966110"/>
+            <a:chOff x="9422905" y="2878213"/>
+            <a:chExt cx="1523323" cy="1523323"/>
+          </a:xfrm>
+        </p:grpSpPr>
+        <p:cxnSp>
+          <p:nvCxnSpPr>
+            <p:cNvPr id="124" name="直線矢印コネクタ 123">
+              <a:extLst>
+                <a:ext uri="{FF2B5EF4-FFF2-40B4-BE49-F238E27FC236}">
+                  <a16:creationId xmlns:a16="http://schemas.microsoft.com/office/drawing/2014/main" id="{DE04B51F-0BC1-4D4A-9CED-567F9FDD5542}"/>
+                </a:ext>
+              </a:extLst>
+            </p:cNvPr>
+            <p:cNvCxnSpPr>
+              <a:cxnSpLocks/>
+            </p:cNvCxnSpPr>
+            <p:nvPr/>
+          </p:nvCxnSpPr>
+          <p:spPr>
+            <a:xfrm>
+              <a:off x="9422905" y="2878213"/>
+              <a:ext cx="1523323" cy="0"/>
+            </a:xfrm>
+            <a:prstGeom prst="straightConnector1">
+              <a:avLst/>
+            </a:prstGeom>
+            <a:ln w="38100">
+              <a:solidFill>
+                <a:schemeClr val="tx1">
+                  <a:lumMod val="50000"/>
+                  <a:lumOff val="50000"/>
+                </a:schemeClr>
+              </a:solidFill>
+              <a:headEnd type="none" w="med" len="med"/>
+              <a:tailEnd type="none" w="med" len="med"/>
+            </a:ln>
+          </p:spPr>
+          <p:style>
+            <a:lnRef idx="1">
+              <a:schemeClr val="accent1"/>
+            </a:lnRef>
+            <a:fillRef idx="0">
+              <a:schemeClr val="accent1"/>
+            </a:fillRef>
+            <a:effectRef idx="0">
+              <a:schemeClr val="accent1"/>
+            </a:effectRef>
+            <a:fontRef idx="minor">
+              <a:schemeClr val="tx1"/>
+            </a:fontRef>
+          </p:style>
+        </p:cxnSp>
+        <p:cxnSp>
+          <p:nvCxnSpPr>
+            <p:cNvPr id="126" name="直線矢印コネクタ 125">
+              <a:extLst>
+                <a:ext uri="{FF2B5EF4-FFF2-40B4-BE49-F238E27FC236}">
+                  <a16:creationId xmlns:a16="http://schemas.microsoft.com/office/drawing/2014/main" id="{291B8C45-30F0-F34B-974A-24660592B08A}"/>
+                </a:ext>
+              </a:extLst>
+            </p:cNvPr>
+            <p:cNvCxnSpPr>
+              <a:cxnSpLocks/>
+            </p:cNvCxnSpPr>
+            <p:nvPr/>
+          </p:nvCxnSpPr>
+          <p:spPr>
+            <a:xfrm rot="5400000">
+              <a:off x="10184566" y="3639875"/>
+              <a:ext cx="1523323" cy="0"/>
+            </a:xfrm>
+            <a:prstGeom prst="straightConnector1">
+              <a:avLst/>
+            </a:prstGeom>
+            <a:ln w="38100">
+              <a:solidFill>
+                <a:schemeClr val="tx1">
+                  <a:lumMod val="50000"/>
+                  <a:lumOff val="50000"/>
+                </a:schemeClr>
+              </a:solidFill>
+              <a:headEnd type="none" w="med" len="med"/>
+              <a:tailEnd type="none" w="med" len="med"/>
+            </a:ln>
+          </p:spPr>
+          <p:style>
+            <a:lnRef idx="1">
+              <a:schemeClr val="accent1"/>
+            </a:lnRef>
+            <a:fillRef idx="0">
+              <a:schemeClr val="accent1"/>
+            </a:fillRef>
+            <a:effectRef idx="0">
+              <a:schemeClr val="accent1"/>
+            </a:effectRef>
+            <a:fontRef idx="minor">
+              <a:schemeClr val="tx1"/>
+            </a:fontRef>
+          </p:style>
+        </p:cxnSp>
+      </p:grpSp>
+      <p:sp>
+        <p:nvSpPr>
+          <p:cNvPr id="21" name="正方形/長方形 20">
+            <a:extLst>
+              <a:ext uri="{FF2B5EF4-FFF2-40B4-BE49-F238E27FC236}">
+                <a16:creationId xmlns:a16="http://schemas.microsoft.com/office/drawing/2014/main" id="{9660FBEC-A770-7243-92F4-817A4FBF3F1A}"/>
+              </a:ext>
+            </a:extLst>
+          </p:cNvPr>
+          <p:cNvSpPr/>
+          <p:nvPr/>
+        </p:nvSpPr>
+        <p:spPr>
+          <a:xfrm>
+            <a:off x="11479586" y="667165"/>
+            <a:ext cx="914485" cy="914485"/>
+          </a:xfrm>
+          <a:prstGeom prst="rect">
+            <a:avLst/>
+          </a:prstGeom>
+          <a:pattFill prst="lgGrid">
+            <a:fgClr>
+              <a:schemeClr val="tx1">
+                <a:lumMod val="50000"/>
+                <a:lumOff val="50000"/>
+              </a:schemeClr>
+            </a:fgClr>
+            <a:bgClr>
+              <a:schemeClr val="bg1"/>
+            </a:bgClr>
+          </a:pattFill>
+          <a:ln w="19050">
+            <a:solidFill>
+              <a:schemeClr val="tx1">
+                <a:lumMod val="50000"/>
+                <a:lumOff val="50000"/>
+              </a:schemeClr>
+            </a:solidFill>
+          </a:ln>
+        </p:spPr>
+        <p:style>
+          <a:lnRef idx="2">
+            <a:schemeClr val="accent1">
+              <a:shade val="50000"/>
+            </a:schemeClr>
+          </a:lnRef>
+          <a:fillRef idx="1">
+            <a:schemeClr val="accent1"/>
+          </a:fillRef>
+          <a:effectRef idx="0">
+            <a:schemeClr val="accent1"/>
+          </a:effectRef>
+          <a:fontRef idx="minor">
+            <a:schemeClr val="lt1"/>
+          </a:fontRef>
+        </p:style>
+        <p:txBody>
+          <a:bodyPr rtlCol="0" anchor="ctr"/>
+          <a:lstStyle/>
+          <a:p>
+            <a:pPr algn="ctr"/>
+            <a:endParaRPr kumimoji="1" lang="ja-JP" altLang="en-US"/>
+          </a:p>
+        </p:txBody>
+      </p:sp>
+      <p:sp>
+        <p:nvSpPr>
+          <p:cNvPr id="6" name="正方形/長方形 5">
+            <a:extLst>
+              <a:ext uri="{FF2B5EF4-FFF2-40B4-BE49-F238E27FC236}">
+                <a16:creationId xmlns:a16="http://schemas.microsoft.com/office/drawing/2014/main" id="{DB7F3BD7-C44E-7642-9B5A-85C1940E1ADB}"/>
+              </a:ext>
+            </a:extLst>
+          </p:cNvPr>
+          <p:cNvSpPr/>
+          <p:nvPr/>
+        </p:nvSpPr>
+        <p:spPr>
+          <a:xfrm>
+            <a:off x="0" y="-4686"/>
+            <a:ext cx="1625600" cy="448235"/>
+          </a:xfrm>
+          <a:prstGeom prst="rect">
+            <a:avLst/>
+          </a:prstGeom>
+          <a:solidFill>
+            <a:schemeClr val="accent1">
+              <a:lumMod val="20000"/>
+              <a:lumOff val="80000"/>
+            </a:schemeClr>
+          </a:solidFill>
+          <a:ln>
+            <a:noFill/>
+          </a:ln>
+        </p:spPr>
+        <p:style>
+          <a:lnRef idx="2">
+            <a:schemeClr val="accent1">
+              <a:shade val="50000"/>
+            </a:schemeClr>
+          </a:lnRef>
+          <a:fillRef idx="1">
+            <a:schemeClr val="accent1"/>
+          </a:fillRef>
+          <a:effectRef idx="0">
+            <a:schemeClr val="accent1"/>
+          </a:effectRef>
+          <a:fontRef idx="minor">
+            <a:schemeClr val="lt1"/>
+          </a:fontRef>
+        </p:style>
+        <p:txBody>
+          <a:bodyPr rtlCol="0" anchor="ctr"/>
+          <a:lstStyle/>
+          <a:p>
+            <a:r>
+              <a:rPr lang="en-US" altLang="ja-JP" b="1" dirty="0">
+                <a:solidFill>
+                  <a:schemeClr val="tx1"/>
+                </a:solidFill>
+              </a:rPr>
+              <a:t>4.</a:t>
+            </a:r>
+            <a:r>
+              <a:rPr lang="ja-JP" altLang="en-US" b="1">
+                <a:solidFill>
+                  <a:schemeClr val="tx1"/>
+                </a:solidFill>
+              </a:rPr>
+              <a:t>制御モデル</a:t>
+            </a:r>
+          </a:p>
+        </p:txBody>
+      </p:sp>
+      <p:sp>
+        <p:nvSpPr>
+          <p:cNvPr id="8" name="正方形/長方形 7">
+            <a:extLst>
+              <a:ext uri="{FF2B5EF4-FFF2-40B4-BE49-F238E27FC236}">
+                <a16:creationId xmlns:a16="http://schemas.microsoft.com/office/drawing/2014/main" id="{5B2A26BF-287F-674A-83AC-39A6219664F1}"/>
+              </a:ext>
+            </a:extLst>
+          </p:cNvPr>
+          <p:cNvSpPr/>
+          <p:nvPr/>
+        </p:nvSpPr>
+        <p:spPr>
+          <a:xfrm>
+            <a:off x="577155" y="7589453"/>
+            <a:ext cx="2570672" cy="230969"/>
+          </a:xfrm>
+          <a:prstGeom prst="rect">
+            <a:avLst/>
+          </a:prstGeom>
+          <a:solidFill>
+            <a:schemeClr val="bg1">
+              <a:lumMod val="75000"/>
+            </a:schemeClr>
+          </a:solidFill>
+          <a:ln>
+            <a:noFill/>
+          </a:ln>
+        </p:spPr>
+        <p:style>
+          <a:lnRef idx="2">
+            <a:schemeClr val="accent1">
+              <a:shade val="50000"/>
+            </a:schemeClr>
+          </a:lnRef>
+          <a:fillRef idx="1">
+            <a:schemeClr val="accent1"/>
+          </a:fillRef>
+          <a:effectRef idx="0">
+            <a:schemeClr val="accent1"/>
+          </a:effectRef>
+          <a:fontRef idx="minor">
+            <a:schemeClr val="lt1"/>
+          </a:fontRef>
+        </p:style>
+        <p:txBody>
+          <a:bodyPr rtlCol="0" anchor="ctr"/>
+          <a:lstStyle/>
+          <a:p>
+            <a:r>
+              <a:rPr lang="en-US" altLang="ja-JP" sz="1400" b="1" dirty="0">
+                <a:solidFill>
+                  <a:schemeClr val="tx1"/>
+                </a:solidFill>
+                <a:latin typeface="+mj-ea"/>
+                <a:ea typeface="+mj-ea"/>
+              </a:rPr>
+              <a:t>4.2</a:t>
+            </a:r>
+            <a:r>
+              <a:rPr lang="ja-JP" altLang="en-US" sz="1400" b="1">
+                <a:solidFill>
+                  <a:schemeClr val="tx1"/>
+                </a:solidFill>
+                <a:latin typeface="+mj-ea"/>
+                <a:ea typeface="+mj-ea"/>
+              </a:rPr>
+              <a:t>ブロックビンゴの要素技術</a:t>
+            </a:r>
+          </a:p>
+        </p:txBody>
+      </p:sp>
+      <p:sp>
+        <p:nvSpPr>
+          <p:cNvPr id="10" name="角丸四角形 9">
+            <a:extLst>
+              <a:ext uri="{FF2B5EF4-FFF2-40B4-BE49-F238E27FC236}">
+                <a16:creationId xmlns:a16="http://schemas.microsoft.com/office/drawing/2014/main" id="{EE3B402F-FB73-5744-BD9B-C9BA94E54FC7}"/>
+              </a:ext>
+            </a:extLst>
+          </p:cNvPr>
+          <p:cNvSpPr/>
+          <p:nvPr/>
+        </p:nvSpPr>
+        <p:spPr>
+          <a:xfrm>
+            <a:off x="14352244" y="644962"/>
+            <a:ext cx="6400800" cy="3465741"/>
+          </a:xfrm>
+          <a:prstGeom prst="roundRect">
+            <a:avLst>
+              <a:gd name="adj" fmla="val 6879"/>
+            </a:avLst>
+          </a:prstGeom>
+          <a:noFill/>
+          <a:ln w="38100">
+            <a:solidFill>
+              <a:srgbClr val="FF0000"/>
+            </a:solidFill>
+            <a:prstDash val="sysDash"/>
+          </a:ln>
+        </p:spPr>
+        <p:style>
+          <a:lnRef idx="2">
+            <a:schemeClr val="accent1">
+              <a:shade val="50000"/>
+            </a:schemeClr>
+          </a:lnRef>
+          <a:fillRef idx="1">
+            <a:schemeClr val="accent1"/>
+          </a:fillRef>
+          <a:effectRef idx="0">
+            <a:schemeClr val="accent1"/>
+          </a:effectRef>
+          <a:fontRef idx="minor">
+            <a:schemeClr val="lt1"/>
+          </a:fontRef>
+        </p:style>
+        <p:txBody>
+          <a:bodyPr rtlCol="0" anchor="t" anchorCtr="0"/>
+          <a:lstStyle/>
+          <a:p>
+            <a:r>
+              <a:rPr lang="ja-JP" altLang="en-US">
+                <a:solidFill>
+                  <a:schemeClr val="tx1"/>
+                </a:solidFill>
+              </a:rPr>
+              <a:t>制御技術①</a:t>
+            </a:r>
+            <a:endParaRPr lang="en-US" altLang="ja-JP" dirty="0">
+              <a:solidFill>
+                <a:schemeClr val="tx1"/>
+              </a:solidFill>
+            </a:endParaRPr>
+          </a:p>
+          <a:p>
+            <a:r>
+              <a:rPr lang="ja-JP" altLang="en-US">
+                <a:solidFill>
+                  <a:schemeClr val="tx1"/>
+                </a:solidFill>
+              </a:rPr>
+              <a:t>①</a:t>
+            </a:r>
+            <a:r>
+              <a:rPr lang="en-US" altLang="ja-JP" dirty="0">
+                <a:solidFill>
+                  <a:schemeClr val="tx1"/>
+                </a:solidFill>
+              </a:rPr>
+              <a:t>-1. </a:t>
+            </a:r>
+            <a:r>
+              <a:rPr lang="ja-JP" altLang="en-US">
+                <a:solidFill>
+                  <a:schemeClr val="tx1"/>
+                </a:solidFill>
+              </a:rPr>
+              <a:t>制御戦略</a:t>
+            </a:r>
+            <a:endParaRPr lang="en-US" altLang="ja-JP" dirty="0">
+              <a:solidFill>
+                <a:schemeClr val="tx1"/>
+              </a:solidFill>
+            </a:endParaRPr>
+          </a:p>
+          <a:p>
+            <a:r>
+              <a:rPr lang="ja-JP" altLang="en-US">
+                <a:solidFill>
+                  <a:schemeClr val="tx1"/>
+                </a:solidFill>
+              </a:rPr>
+              <a:t>①</a:t>
+            </a:r>
+            <a:r>
+              <a:rPr lang="en-US" altLang="ja-JP" dirty="0">
+                <a:solidFill>
+                  <a:schemeClr val="tx1"/>
+                </a:solidFill>
+              </a:rPr>
+              <a:t>-2</a:t>
+            </a:r>
+            <a:r>
+              <a:rPr lang="ja-JP" altLang="en-US">
+                <a:solidFill>
+                  <a:schemeClr val="tx1"/>
+                </a:solidFill>
+              </a:rPr>
+              <a:t>で定義した要素技術を使ってどのように選択した機能を実現するか</a:t>
+            </a:r>
+            <a:endParaRPr lang="en-US" altLang="ja-JP" dirty="0">
+              <a:solidFill>
+                <a:schemeClr val="tx1"/>
+              </a:solidFill>
+            </a:endParaRPr>
+          </a:p>
+          <a:p>
+            <a:endParaRPr lang="en-US" altLang="ja-JP" dirty="0">
+              <a:solidFill>
+                <a:schemeClr val="tx1"/>
+              </a:solidFill>
+            </a:endParaRPr>
+          </a:p>
+          <a:p>
+            <a:endParaRPr lang="en-US" altLang="ja-JP" dirty="0">
+              <a:solidFill>
+                <a:schemeClr val="tx1"/>
+              </a:solidFill>
+            </a:endParaRPr>
+          </a:p>
+          <a:p>
+            <a:endParaRPr lang="en-US" altLang="ja-JP" dirty="0">
+              <a:solidFill>
+                <a:schemeClr val="tx1"/>
+              </a:solidFill>
+            </a:endParaRPr>
+          </a:p>
+          <a:p>
+            <a:endParaRPr lang="en-US" altLang="ja-JP" dirty="0">
+              <a:solidFill>
+                <a:schemeClr val="tx1"/>
+              </a:solidFill>
+            </a:endParaRPr>
+          </a:p>
+          <a:p>
+            <a:endParaRPr lang="en-US" altLang="ja-JP" dirty="0">
+              <a:solidFill>
+                <a:schemeClr val="tx1"/>
+              </a:solidFill>
+            </a:endParaRPr>
+          </a:p>
+          <a:p>
+            <a:endParaRPr lang="en-US" altLang="ja-JP" dirty="0">
+              <a:solidFill>
+                <a:schemeClr val="tx1"/>
+              </a:solidFill>
+            </a:endParaRPr>
+          </a:p>
+          <a:p>
+            <a:endParaRPr lang="en-US" altLang="ja-JP" dirty="0">
+              <a:solidFill>
+                <a:schemeClr val="tx1"/>
+              </a:solidFill>
+            </a:endParaRPr>
+          </a:p>
+          <a:p>
+            <a:endParaRPr lang="en-US" altLang="ja-JP" dirty="0">
+              <a:solidFill>
+                <a:schemeClr val="tx1"/>
+              </a:solidFill>
+            </a:endParaRPr>
+          </a:p>
+          <a:p>
+            <a:endParaRPr lang="en-US" altLang="ja-JP" dirty="0">
+              <a:solidFill>
+                <a:schemeClr val="tx1"/>
+              </a:solidFill>
+            </a:endParaRPr>
+          </a:p>
+          <a:p>
+            <a:endParaRPr lang="en-US" altLang="ja-JP" dirty="0">
+              <a:solidFill>
+                <a:schemeClr val="tx1"/>
+              </a:solidFill>
+            </a:endParaRPr>
+          </a:p>
+          <a:p>
+            <a:endParaRPr lang="en-US" altLang="ja-JP" dirty="0">
+              <a:solidFill>
+                <a:schemeClr val="tx1"/>
+              </a:solidFill>
+            </a:endParaRPr>
+          </a:p>
+          <a:p>
+            <a:endParaRPr lang="en-US" altLang="ja-JP" dirty="0">
+              <a:solidFill>
+                <a:schemeClr val="tx1"/>
+              </a:solidFill>
+            </a:endParaRPr>
+          </a:p>
+          <a:p>
+            <a:endParaRPr lang="en-US" altLang="ja-JP" dirty="0">
+              <a:solidFill>
+                <a:schemeClr val="tx1"/>
+              </a:solidFill>
+            </a:endParaRPr>
+          </a:p>
+          <a:p>
+            <a:r>
+              <a:rPr lang="ja-JP" altLang="en-US">
+                <a:solidFill>
+                  <a:schemeClr val="tx1"/>
+                </a:solidFill>
+              </a:rPr>
+              <a:t>①</a:t>
+            </a:r>
+            <a:r>
+              <a:rPr lang="en-US" altLang="ja-JP" dirty="0">
+                <a:solidFill>
+                  <a:schemeClr val="tx1"/>
+                </a:solidFill>
+              </a:rPr>
+              <a:t>-2.</a:t>
+            </a:r>
+            <a:r>
+              <a:rPr lang="ja-JP" altLang="en-US">
+                <a:solidFill>
+                  <a:schemeClr val="tx1"/>
+                </a:solidFill>
+              </a:rPr>
+              <a:t>要素技術</a:t>
+            </a:r>
+            <a:endParaRPr lang="en-US" altLang="ja-JP" dirty="0">
+              <a:solidFill>
+                <a:schemeClr val="tx1"/>
+              </a:solidFill>
+            </a:endParaRPr>
+          </a:p>
+          <a:p>
+            <a:r>
+              <a:rPr lang="ja-JP" altLang="en-US">
+                <a:solidFill>
+                  <a:schemeClr val="tx1"/>
+                </a:solidFill>
+              </a:rPr>
+              <a:t>・機能実現する上での課題は何か？</a:t>
+            </a:r>
+            <a:endParaRPr lang="en-US" altLang="ja-JP" dirty="0">
+              <a:solidFill>
+                <a:schemeClr val="tx1"/>
+              </a:solidFill>
+            </a:endParaRPr>
+          </a:p>
+          <a:p>
+            <a:r>
+              <a:rPr lang="ja-JP" altLang="en-US">
+                <a:solidFill>
+                  <a:schemeClr val="tx1"/>
+                </a:solidFill>
+              </a:rPr>
+              <a:t>・どのような対策を実施したか？</a:t>
+            </a:r>
+            <a:endParaRPr lang="en-US" altLang="ja-JP" dirty="0">
+              <a:solidFill>
+                <a:schemeClr val="tx1"/>
+              </a:solidFill>
+            </a:endParaRPr>
+          </a:p>
+          <a:p>
+            <a:r>
+              <a:rPr lang="ja-JP" altLang="en-US">
+                <a:solidFill>
+                  <a:schemeClr val="tx1"/>
+                </a:solidFill>
+              </a:rPr>
+              <a:t>・どのような条件・範囲で使うのか？</a:t>
+            </a:r>
+            <a:endParaRPr lang="en-US" altLang="ja-JP" dirty="0">
+              <a:solidFill>
+                <a:schemeClr val="tx1"/>
+              </a:solidFill>
+            </a:endParaRPr>
+          </a:p>
+          <a:p>
+            <a:r>
+              <a:rPr lang="ja-JP" altLang="en-US">
+                <a:solidFill>
+                  <a:schemeClr val="tx1"/>
+                </a:solidFill>
+              </a:rPr>
+              <a:t>・性能・信頼性・安全性など機能の実現性に対して効果があるか？</a:t>
+            </a:r>
+            <a:endParaRPr lang="en-US" altLang="ja-JP" dirty="0">
+              <a:solidFill>
+                <a:schemeClr val="tx1"/>
+              </a:solidFill>
+            </a:endParaRPr>
+          </a:p>
+        </p:txBody>
+      </p:sp>
+      <p:sp>
+        <p:nvSpPr>
+          <p:cNvPr id="11" name="正方形/長方形 10">
+            <a:extLst>
+              <a:ext uri="{FF2B5EF4-FFF2-40B4-BE49-F238E27FC236}">
+                <a16:creationId xmlns:a16="http://schemas.microsoft.com/office/drawing/2014/main" id="{AEBE346C-A373-0646-9782-5E815671B57D}"/>
+              </a:ext>
+            </a:extLst>
+          </p:cNvPr>
+          <p:cNvSpPr/>
+          <p:nvPr/>
+        </p:nvSpPr>
+        <p:spPr>
+          <a:xfrm>
+            <a:off x="46180" y="4442848"/>
+            <a:ext cx="2570672" cy="230969"/>
+          </a:xfrm>
+          <a:prstGeom prst="rect">
+            <a:avLst/>
+          </a:prstGeom>
+          <a:solidFill>
+            <a:schemeClr val="bg1">
+              <a:lumMod val="75000"/>
+            </a:schemeClr>
+          </a:solidFill>
+          <a:ln>
+            <a:noFill/>
+          </a:ln>
+        </p:spPr>
+        <p:style>
+          <a:lnRef idx="2">
+            <a:schemeClr val="accent1">
+              <a:shade val="50000"/>
+            </a:schemeClr>
+          </a:lnRef>
+          <a:fillRef idx="1">
+            <a:schemeClr val="accent1"/>
+          </a:fillRef>
+          <a:effectRef idx="0">
+            <a:schemeClr val="accent1"/>
+          </a:effectRef>
+          <a:fontRef idx="minor">
+            <a:schemeClr val="lt1"/>
+          </a:fontRef>
+        </p:style>
+        <p:txBody>
+          <a:bodyPr rtlCol="0" anchor="ctr"/>
+          <a:lstStyle/>
+          <a:p>
+            <a:r>
+              <a:rPr lang="en-US" altLang="ja-JP" sz="1400" b="1" dirty="0">
+                <a:solidFill>
+                  <a:schemeClr val="tx1"/>
+                </a:solidFill>
+                <a:latin typeface="+mj-ea"/>
+                <a:ea typeface="+mj-ea"/>
+              </a:rPr>
+              <a:t>4.2.1</a:t>
+            </a:r>
+            <a:r>
+              <a:rPr lang="ja-JP" altLang="en-US" sz="1400" b="1">
+                <a:solidFill>
+                  <a:schemeClr val="tx1"/>
+                </a:solidFill>
+                <a:latin typeface="+mj-ea"/>
+                <a:ea typeface="+mj-ea"/>
+              </a:rPr>
+              <a:t>画像処理</a:t>
+            </a:r>
+          </a:p>
+        </p:txBody>
+      </p:sp>
+      <p:sp>
+        <p:nvSpPr>
+          <p:cNvPr id="12" name="正方形/長方形 11">
+            <a:extLst>
+              <a:ext uri="{FF2B5EF4-FFF2-40B4-BE49-F238E27FC236}">
+                <a16:creationId xmlns:a16="http://schemas.microsoft.com/office/drawing/2014/main" id="{D9B56B1C-C8E2-4740-9CB0-4879A1EFC54C}"/>
+              </a:ext>
+            </a:extLst>
+          </p:cNvPr>
+          <p:cNvSpPr/>
+          <p:nvPr/>
+        </p:nvSpPr>
+        <p:spPr>
+          <a:xfrm>
+            <a:off x="0" y="1515718"/>
+            <a:ext cx="6284838" cy="559877"/>
+          </a:xfrm>
+          <a:prstGeom prst="rect">
+            <a:avLst/>
+          </a:prstGeom>
+          <a:noFill/>
+          <a:ln>
+            <a:noFill/>
+          </a:ln>
+        </p:spPr>
+        <p:style>
+          <a:lnRef idx="2">
+            <a:schemeClr val="accent1">
+              <a:shade val="50000"/>
+            </a:schemeClr>
+          </a:lnRef>
+          <a:fillRef idx="1">
+            <a:schemeClr val="accent1"/>
+          </a:fillRef>
+          <a:effectRef idx="0">
+            <a:schemeClr val="accent1"/>
+          </a:effectRef>
+          <a:fontRef idx="minor">
+            <a:schemeClr val="lt1"/>
+          </a:fontRef>
+        </p:style>
+        <p:txBody>
+          <a:bodyPr rtlCol="0" anchor="t" anchorCtr="0"/>
+          <a:lstStyle/>
+          <a:p>
+            <a:r>
+              <a:rPr lang="ja-JP" altLang="en-US" sz="1100">
+                <a:solidFill>
+                  <a:schemeClr val="tx1"/>
+                </a:solidFill>
+                <a:latin typeface="+mn-ea"/>
+              </a:rPr>
+              <a:t>下記のテーブルにブロックビンゴのクリアに求められる上位機機能と</a:t>
+            </a:r>
+            <a:r>
+              <a:rPr lang="en-US" altLang="ja-JP" sz="1100" dirty="0">
+                <a:solidFill>
+                  <a:schemeClr val="tx1"/>
+                </a:solidFill>
+                <a:latin typeface="+mn-ea"/>
+              </a:rPr>
+              <a:t>1</a:t>
+            </a:r>
+            <a:r>
+              <a:rPr lang="ja-JP" altLang="en-US" sz="1100">
+                <a:solidFill>
+                  <a:schemeClr val="tx1"/>
+                </a:solidFill>
+                <a:latin typeface="+mn-ea"/>
+              </a:rPr>
+              <a:t>次機能、そして機能を実現するための要素技術を示す。</a:t>
+            </a:r>
+            <a:r>
+              <a:rPr lang="en-US" altLang="ja-JP" sz="1100" dirty="0">
+                <a:solidFill>
+                  <a:schemeClr val="tx1"/>
+                </a:solidFill>
+                <a:latin typeface="+mn-ea"/>
+              </a:rPr>
+              <a:t> *1:CNN </a:t>
+            </a:r>
+            <a:r>
+              <a:rPr lang="ja-JP" altLang="en-US" sz="1100">
+                <a:solidFill>
+                  <a:schemeClr val="tx1"/>
+                </a:solidFill>
+                <a:latin typeface="+mn-ea"/>
+              </a:rPr>
+              <a:t>畳み込みニューラルネットワーク</a:t>
+            </a:r>
+          </a:p>
+        </p:txBody>
+      </p:sp>
+      <p:graphicFrame>
+        <p:nvGraphicFramePr>
+          <p:cNvPr id="2" name="表 1">
+            <a:extLst>
+              <a:ext uri="{FF2B5EF4-FFF2-40B4-BE49-F238E27FC236}">
+                <a16:creationId xmlns:a16="http://schemas.microsoft.com/office/drawing/2014/main" id="{BB72425F-4FC0-0D43-9321-FE98FF4A1D2F}"/>
+              </a:ext>
+            </a:extLst>
+          </p:cNvPr>
+          <p:cNvGraphicFramePr>
+            <a:graphicFrameLocks noGrp="1"/>
+          </p:cNvGraphicFramePr>
+          <p:nvPr>
+            <p:extLst>
+              <p:ext uri="{D42A27DB-BD31-4B8C-83A1-F6EECF244321}">
+                <p14:modId xmlns:p14="http://schemas.microsoft.com/office/powerpoint/2010/main" val="3427770230"/>
+              </p:ext>
+            </p:extLst>
+          </p:nvPr>
+        </p:nvGraphicFramePr>
+        <p:xfrm>
+          <a:off x="78420" y="1983967"/>
+          <a:ext cx="6107380" cy="2352040"/>
+        </p:xfrm>
+        <a:graphic>
+          <a:graphicData uri="http://schemas.openxmlformats.org/drawingml/2006/table">
+            <a:tbl>
+              <a:tblPr firstRow="1" bandRow="1">
+                <a:tableStyleId>{5940675A-B579-460E-94D1-54222C63F5DA}</a:tableStyleId>
+              </a:tblPr>
+              <a:tblGrid>
+                <a:gridCol w="1743393">
+                  <a:extLst>
+                    <a:ext uri="{9D8B030D-6E8A-4147-A177-3AD203B41FA5}">
+                      <a16:colId xmlns:a16="http://schemas.microsoft.com/office/drawing/2014/main" val="3681952398"/>
+                    </a:ext>
+                  </a:extLst>
+                </a:gridCol>
+                <a:gridCol w="2124393">
+                  <a:extLst>
+                    <a:ext uri="{9D8B030D-6E8A-4147-A177-3AD203B41FA5}">
+                      <a16:colId xmlns:a16="http://schemas.microsoft.com/office/drawing/2014/main" val="1841933643"/>
+                    </a:ext>
+                  </a:extLst>
+                </a:gridCol>
+                <a:gridCol w="2239594">
+                  <a:extLst>
+                    <a:ext uri="{9D8B030D-6E8A-4147-A177-3AD203B41FA5}">
+                      <a16:colId xmlns:a16="http://schemas.microsoft.com/office/drawing/2014/main" val="4067507676"/>
+                    </a:ext>
+                  </a:extLst>
+                </a:gridCol>
+              </a:tblGrid>
+              <a:tr h="370840">
+                <a:tc>
+                  <a:txBody>
+                    <a:bodyPr/>
+                    <a:lstStyle/>
+                    <a:p>
+                      <a:pPr algn="ctr"/>
+                      <a:r>
+                        <a:rPr kumimoji="1" lang="ja-JP" altLang="en-US" sz="1000"/>
+                        <a:t>上位機能</a:t>
+                      </a:r>
+                    </a:p>
+                  </a:txBody>
+                  <a:tcPr anchor="ctr"/>
+                </a:tc>
+                <a:tc>
+                  <a:txBody>
+                    <a:bodyPr/>
+                    <a:lstStyle/>
+                    <a:p>
+                      <a:pPr algn="ctr"/>
+                      <a:r>
+                        <a:rPr kumimoji="1" lang="en-US" altLang="ja-JP" sz="1000" dirty="0"/>
+                        <a:t>1</a:t>
+                      </a:r>
+                      <a:r>
+                        <a:rPr kumimoji="1" lang="ja-JP" altLang="en-US" sz="1000"/>
+                        <a:t>次機能</a:t>
+                      </a:r>
+                    </a:p>
+                  </a:txBody>
+                  <a:tcPr anchor="ctr"/>
+                </a:tc>
+                <a:tc>
+                  <a:txBody>
+                    <a:bodyPr/>
+                    <a:lstStyle/>
+                    <a:p>
+                      <a:pPr algn="ctr"/>
+                      <a:r>
+                        <a:rPr kumimoji="1" lang="ja-JP" altLang="en-US" sz="1000"/>
+                        <a:t>要素技術</a:t>
+                      </a:r>
+                    </a:p>
+                  </a:txBody>
+                  <a:tcPr anchor="ctr"/>
+                </a:tc>
+                <a:extLst>
+                  <a:ext uri="{0D108BD9-81ED-4DB2-BD59-A6C34878D82A}">
+                    <a16:rowId xmlns:a16="http://schemas.microsoft.com/office/drawing/2014/main" val="4186965444"/>
+                  </a:ext>
+                </a:extLst>
+              </a:tr>
+              <a:tr h="370840">
+                <a:tc>
+                  <a:txBody>
+                    <a:bodyPr/>
+                    <a:lstStyle/>
+                    <a:p>
+                      <a:r>
+                        <a:rPr kumimoji="1" lang="ja-JP" altLang="en-US" sz="1000"/>
+                        <a:t>ボーナスサークルの推定</a:t>
+                      </a:r>
+                    </a:p>
+                  </a:txBody>
+                  <a:tcPr anchor="ctr"/>
+                </a:tc>
+                <a:tc>
+                  <a:txBody>
+                    <a:bodyPr/>
+                    <a:lstStyle/>
+                    <a:p>
+                      <a:r>
+                        <a:rPr kumimoji="1" lang="ja-JP" altLang="en-US" sz="1000"/>
+                        <a:t>画像から数字を推定</a:t>
+                      </a:r>
+                    </a:p>
+                  </a:txBody>
+                  <a:tcPr anchor="ctr"/>
+                </a:tc>
+                <a:tc>
+                  <a:txBody>
+                    <a:bodyPr/>
+                    <a:lstStyle/>
+                    <a:p>
+                      <a:r>
+                        <a:rPr kumimoji="1" lang="ja-JP" altLang="en-US" sz="1000"/>
+                        <a:t>①画像処理</a:t>
+                      </a:r>
+                      <a:endParaRPr kumimoji="1" lang="en-US" altLang="ja-JP" sz="1000" dirty="0"/>
+                    </a:p>
+                    <a:p>
+                      <a:r>
+                        <a:rPr kumimoji="1" lang="ja-JP" altLang="en-US" sz="1000"/>
+                        <a:t>②</a:t>
+                      </a:r>
+                      <a:r>
+                        <a:rPr kumimoji="1" lang="en-US" altLang="ja-JP" sz="1000" dirty="0"/>
+                        <a:t>CNN (*1)</a:t>
+                      </a:r>
+                      <a:endParaRPr kumimoji="1" lang="ja-JP" altLang="en-US" sz="1000"/>
+                    </a:p>
+                  </a:txBody>
+                  <a:tcPr anchor="ctr"/>
+                </a:tc>
+                <a:extLst>
+                  <a:ext uri="{0D108BD9-81ED-4DB2-BD59-A6C34878D82A}">
+                    <a16:rowId xmlns:a16="http://schemas.microsoft.com/office/drawing/2014/main" val="4093091344"/>
+                  </a:ext>
+                </a:extLst>
+              </a:tr>
+              <a:tr h="370840">
+                <a:tc>
+                  <a:txBody>
+                    <a:bodyPr/>
+                    <a:lstStyle/>
+                    <a:p>
+                      <a:r>
+                        <a:rPr kumimoji="1" lang="ja-JP" altLang="en-US" sz="1000"/>
+                        <a:t>ブロックが置かれた</a:t>
+                      </a:r>
+                      <a:endParaRPr kumimoji="1" lang="en-US" altLang="ja-JP" sz="1000" dirty="0"/>
+                    </a:p>
+                    <a:p>
+                      <a:r>
+                        <a:rPr kumimoji="1" lang="ja-JP" altLang="en-US" sz="1000"/>
+                        <a:t>ブロック・サークルの推定</a:t>
+                      </a:r>
+                    </a:p>
+                  </a:txBody>
+                  <a:tcPr anchor="ctr"/>
+                </a:tc>
+                <a:tc>
+                  <a:txBody>
+                    <a:bodyPr/>
+                    <a:lstStyle/>
+                    <a:p>
+                      <a:r>
+                        <a:rPr kumimoji="1" lang="ja-JP" altLang="en-US" sz="1000"/>
+                        <a:t>画像からブロック・サークル内の</a:t>
+                      </a:r>
+                      <a:endParaRPr kumimoji="1" lang="en-US" altLang="ja-JP" sz="1000" dirty="0"/>
+                    </a:p>
+                    <a:p>
+                      <a:r>
+                        <a:rPr kumimoji="1" lang="ja-JP" altLang="en-US" sz="1000"/>
+                        <a:t>ブロックの有無と色の推定</a:t>
+                      </a:r>
+                    </a:p>
+                  </a:txBody>
+                  <a:tcPr anchor="ctr"/>
+                </a:tc>
+                <a:tc>
+                  <a:txBody>
+                    <a:bodyPr/>
+                    <a:lstStyle/>
+                    <a:p>
+                      <a:pPr marL="0" marR="0" lvl="0" indent="0" algn="l" defTabSz="914400" rtl="0" eaLnBrk="1" fontAlgn="auto" latinLnBrk="0" hangingPunct="1">
+                        <a:lnSpc>
+                          <a:spcPct val="100000"/>
+                        </a:lnSpc>
+                        <a:spcBef>
+                          <a:spcPts val="0"/>
+                        </a:spcBef>
+                        <a:spcAft>
+                          <a:spcPts val="0"/>
+                        </a:spcAft>
+                        <a:buClrTx/>
+                        <a:buSzTx/>
+                        <a:buFontTx/>
+                        <a:buNone/>
+                        <a:tabLst/>
+                        <a:defRPr/>
+                      </a:pPr>
+                      <a:r>
+                        <a:rPr kumimoji="1" lang="ja-JP" altLang="en-US" sz="1000"/>
+                        <a:t>①画像処理</a:t>
+                      </a:r>
+                      <a:endParaRPr kumimoji="1" lang="en-US" altLang="ja-JP" sz="1000" dirty="0"/>
+                    </a:p>
+                    <a:p>
+                      <a:pPr marL="0" marR="0" lvl="0" indent="0" algn="l" defTabSz="914400" rtl="0" eaLnBrk="1" fontAlgn="auto" latinLnBrk="0" hangingPunct="1">
+                        <a:lnSpc>
+                          <a:spcPct val="100000"/>
+                        </a:lnSpc>
+                        <a:spcBef>
+                          <a:spcPts val="0"/>
+                        </a:spcBef>
+                        <a:spcAft>
+                          <a:spcPts val="0"/>
+                        </a:spcAft>
+                        <a:buClrTx/>
+                        <a:buSzTx/>
+                        <a:buFontTx/>
+                        <a:buNone/>
+                        <a:tabLst/>
+                        <a:defRPr/>
+                      </a:pPr>
+                      <a:r>
+                        <a:rPr kumimoji="1" lang="ja-JP" altLang="en-US" sz="1000"/>
+                        <a:t>②</a:t>
+                      </a:r>
+                      <a:r>
+                        <a:rPr kumimoji="1" lang="en-US" altLang="ja-JP" sz="1000" dirty="0"/>
+                        <a:t>CNN</a:t>
+                      </a:r>
+                      <a:endParaRPr kumimoji="1" lang="ja-JP" altLang="en-US" sz="1000"/>
+                    </a:p>
+                  </a:txBody>
+                  <a:tcPr anchor="ctr"/>
+                </a:tc>
+                <a:extLst>
+                  <a:ext uri="{0D108BD9-81ED-4DB2-BD59-A6C34878D82A}">
+                    <a16:rowId xmlns:a16="http://schemas.microsoft.com/office/drawing/2014/main" val="3707605024"/>
+                  </a:ext>
+                </a:extLst>
+              </a:tr>
+              <a:tr h="370840">
+                <a:tc>
+                  <a:txBody>
+                    <a:bodyPr/>
+                    <a:lstStyle/>
+                    <a:p>
+                      <a:r>
+                        <a:rPr kumimoji="1" lang="ja-JP" altLang="en-US" sz="1000"/>
+                        <a:t>交差サークルの</a:t>
+                      </a:r>
+                      <a:endParaRPr kumimoji="1" lang="en-US" altLang="ja-JP" sz="1000" dirty="0"/>
+                    </a:p>
+                    <a:p>
+                      <a:r>
+                        <a:rPr kumimoji="1" lang="ja-JP" altLang="en-US" sz="1000"/>
+                        <a:t>ブロックの色の推定</a:t>
+                      </a:r>
+                    </a:p>
+                  </a:txBody>
+                  <a:tcPr anchor="ctr"/>
+                </a:tc>
+                <a:tc>
+                  <a:txBody>
+                    <a:bodyPr/>
+                    <a:lstStyle/>
+                    <a:p>
+                      <a:r>
+                        <a:rPr kumimoji="1" lang="ja-JP" altLang="en-US" sz="1000"/>
+                        <a:t>画像からブロック色を推定する</a:t>
+                      </a:r>
+                    </a:p>
+                  </a:txBody>
+                  <a:tcPr anchor="ctr"/>
+                </a:tc>
+                <a:tc>
+                  <a:txBody>
+                    <a:bodyPr/>
+                    <a:lstStyle/>
+                    <a:p>
+                      <a:pPr marL="0" marR="0" lvl="0" indent="0" algn="l" defTabSz="914400" rtl="0" eaLnBrk="1" fontAlgn="auto" latinLnBrk="0" hangingPunct="1">
+                        <a:lnSpc>
+                          <a:spcPct val="100000"/>
+                        </a:lnSpc>
+                        <a:spcBef>
+                          <a:spcPts val="0"/>
+                        </a:spcBef>
+                        <a:spcAft>
+                          <a:spcPts val="0"/>
+                        </a:spcAft>
+                        <a:buClrTx/>
+                        <a:buSzTx/>
+                        <a:buFontTx/>
+                        <a:buNone/>
+                        <a:tabLst/>
+                        <a:defRPr/>
+                      </a:pPr>
+                      <a:r>
+                        <a:rPr kumimoji="1" lang="ja-JP" altLang="en-US" sz="1000"/>
+                        <a:t>①画像処理</a:t>
+                      </a:r>
+                      <a:endParaRPr kumimoji="1" lang="en-US" altLang="ja-JP" sz="1000" dirty="0"/>
+                    </a:p>
+                    <a:p>
+                      <a:pPr marL="0" marR="0" lvl="0" indent="0" algn="l" defTabSz="914400" rtl="0" eaLnBrk="1" fontAlgn="auto" latinLnBrk="0" hangingPunct="1">
+                        <a:lnSpc>
+                          <a:spcPct val="100000"/>
+                        </a:lnSpc>
+                        <a:spcBef>
+                          <a:spcPts val="0"/>
+                        </a:spcBef>
+                        <a:spcAft>
+                          <a:spcPts val="0"/>
+                        </a:spcAft>
+                        <a:buClrTx/>
+                        <a:buSzTx/>
+                        <a:buFontTx/>
+                        <a:buNone/>
+                        <a:tabLst/>
+                        <a:defRPr/>
+                      </a:pPr>
+                      <a:r>
+                        <a:rPr kumimoji="1" lang="ja-JP" altLang="en-US" sz="1000"/>
+                        <a:t>②</a:t>
+                      </a:r>
+                      <a:r>
+                        <a:rPr kumimoji="1" lang="en-US" altLang="ja-JP" sz="1000" dirty="0"/>
+                        <a:t>CNN</a:t>
+                      </a:r>
+                      <a:endParaRPr kumimoji="1" lang="ja-JP" altLang="en-US" sz="1000"/>
+                    </a:p>
+                  </a:txBody>
+                  <a:tcPr anchor="ctr"/>
+                </a:tc>
+                <a:extLst>
+                  <a:ext uri="{0D108BD9-81ED-4DB2-BD59-A6C34878D82A}">
+                    <a16:rowId xmlns:a16="http://schemas.microsoft.com/office/drawing/2014/main" val="401611751"/>
+                  </a:ext>
+                </a:extLst>
+              </a:tr>
+              <a:tr h="370840">
+                <a:tc>
+                  <a:txBody>
+                    <a:bodyPr/>
+                    <a:lstStyle/>
+                    <a:p>
+                      <a:r>
+                        <a:rPr kumimoji="1" lang="ja-JP" altLang="en-US" sz="1000"/>
+                        <a:t>ブロック運搬経路の探索</a:t>
+                      </a:r>
+                    </a:p>
+                  </a:txBody>
+                  <a:tcPr anchor="ctr"/>
+                </a:tc>
+                <a:tc>
+                  <a:txBody>
+                    <a:bodyPr/>
+                    <a:lstStyle/>
+                    <a:p>
+                      <a:r>
+                        <a:rPr kumimoji="1" lang="ja-JP" altLang="en-US" sz="1000"/>
+                        <a:t>運搬先までの最短経路を探索する</a:t>
+                      </a:r>
+                    </a:p>
+                  </a:txBody>
+                  <a:tcPr anchor="ctr"/>
+                </a:tc>
+                <a:tc>
+                  <a:txBody>
+                    <a:bodyPr/>
+                    <a:lstStyle/>
+                    <a:p>
+                      <a:r>
+                        <a:rPr kumimoji="1" lang="ja-JP" altLang="en-US" sz="1000"/>
+                        <a:t>③データ構造</a:t>
+                      </a:r>
+                      <a:endParaRPr kumimoji="1" lang="en-US" altLang="ja-JP" sz="1000" dirty="0"/>
+                    </a:p>
+                    <a:p>
+                      <a:r>
+                        <a:rPr kumimoji="1" lang="ja-JP" altLang="en-US" sz="1000"/>
+                        <a:t>④探索問題</a:t>
+                      </a:r>
+                      <a:r>
+                        <a:rPr kumimoji="1" lang="en-US" altLang="ja-JP" sz="1000" dirty="0"/>
+                        <a:t>(A*</a:t>
+                      </a:r>
+                      <a:r>
+                        <a:rPr kumimoji="1" lang="ja-JP" altLang="en-US" sz="1000"/>
+                        <a:t>探索</a:t>
+                      </a:r>
+                      <a:r>
+                        <a:rPr kumimoji="1" lang="en-US" altLang="ja-JP" sz="1000" dirty="0"/>
+                        <a:t>)</a:t>
+                      </a:r>
+                      <a:endParaRPr kumimoji="1" lang="ja-JP" altLang="en-US" sz="1000"/>
+                    </a:p>
+                  </a:txBody>
+                  <a:tcPr anchor="ctr"/>
+                </a:tc>
+                <a:extLst>
+                  <a:ext uri="{0D108BD9-81ED-4DB2-BD59-A6C34878D82A}">
+                    <a16:rowId xmlns:a16="http://schemas.microsoft.com/office/drawing/2014/main" val="3221741994"/>
+                  </a:ext>
+                </a:extLst>
+              </a:tr>
+              <a:tr h="370840">
+                <a:tc>
+                  <a:txBody>
+                    <a:bodyPr/>
+                    <a:lstStyle/>
+                    <a:p>
+                      <a:r>
+                        <a:rPr kumimoji="1" lang="ja-JP" altLang="en-US" sz="1000"/>
+                        <a:t>ブロック運搬</a:t>
+                      </a:r>
+                    </a:p>
+                  </a:txBody>
+                  <a:tcPr anchor="ctr"/>
+                </a:tc>
+                <a:tc>
+                  <a:txBody>
+                    <a:bodyPr/>
+                    <a:lstStyle/>
+                    <a:p>
+                      <a:r>
+                        <a:rPr kumimoji="1" lang="ja-JP" altLang="en-US" sz="1000"/>
+                        <a:t>目的の位置まで移動する</a:t>
+                      </a:r>
+                    </a:p>
+                  </a:txBody>
+                  <a:tcPr anchor="ctr"/>
+                </a:tc>
+                <a:tc>
+                  <a:txBody>
+                    <a:bodyPr/>
+                    <a:lstStyle/>
+                    <a:p>
+                      <a:r>
+                        <a:rPr kumimoji="1" lang="ja-JP" altLang="en-US" sz="1000"/>
+                        <a:t>⑤自己位置推定</a:t>
+                      </a:r>
+                      <a:endParaRPr kumimoji="1" lang="en-US" altLang="ja-JP" sz="1000" dirty="0"/>
+                    </a:p>
+                    <a:p>
+                      <a:r>
+                        <a:rPr kumimoji="1" lang="ja-JP" altLang="en-US" sz="1000"/>
+                        <a:t>⑥ロボット制御</a:t>
+                      </a:r>
+                    </a:p>
+                  </a:txBody>
+                  <a:tcPr anchor="ctr"/>
+                </a:tc>
+                <a:extLst>
+                  <a:ext uri="{0D108BD9-81ED-4DB2-BD59-A6C34878D82A}">
+                    <a16:rowId xmlns:a16="http://schemas.microsoft.com/office/drawing/2014/main" val="3268391370"/>
+                  </a:ext>
+                </a:extLst>
+              </a:tr>
+            </a:tbl>
+          </a:graphicData>
+        </a:graphic>
+      </p:graphicFrame>
+      <p:sp>
+        <p:nvSpPr>
+          <p:cNvPr id="9" name="正方形/長方形 8">
+            <a:extLst>
+              <a:ext uri="{FF2B5EF4-FFF2-40B4-BE49-F238E27FC236}">
+                <a16:creationId xmlns:a16="http://schemas.microsoft.com/office/drawing/2014/main" id="{059DF41F-A446-F645-86CA-8A6D4F670FDA}"/>
+              </a:ext>
+            </a:extLst>
+          </p:cNvPr>
+          <p:cNvSpPr/>
+          <p:nvPr/>
+        </p:nvSpPr>
+        <p:spPr>
+          <a:xfrm>
+            <a:off x="78420" y="6046444"/>
+            <a:ext cx="3258381" cy="172110"/>
+          </a:xfrm>
+          <a:prstGeom prst="rect">
+            <a:avLst/>
+          </a:prstGeom>
+          <a:solidFill>
+            <a:schemeClr val="bg1">
+              <a:lumMod val="75000"/>
+            </a:schemeClr>
+          </a:solidFill>
+          <a:ln>
+            <a:noFill/>
+          </a:ln>
+        </p:spPr>
+        <p:style>
+          <a:lnRef idx="2">
+            <a:schemeClr val="accent1">
+              <a:shade val="50000"/>
+            </a:schemeClr>
+          </a:lnRef>
+          <a:fillRef idx="1">
+            <a:schemeClr val="accent1"/>
+          </a:fillRef>
+          <a:effectRef idx="0">
+            <a:schemeClr val="accent1"/>
+          </a:effectRef>
+          <a:fontRef idx="minor">
+            <a:schemeClr val="lt1"/>
+          </a:fontRef>
+        </p:style>
+        <p:txBody>
+          <a:bodyPr rtlCol="0" anchor="ctr"/>
+          <a:lstStyle/>
+          <a:p>
+            <a:r>
+              <a:rPr lang="en-US" altLang="ja-JP" sz="1400" b="1" dirty="0">
+                <a:solidFill>
+                  <a:schemeClr val="tx1"/>
+                </a:solidFill>
+                <a:latin typeface="+mj-ea"/>
+                <a:ea typeface="+mj-ea"/>
+              </a:rPr>
+              <a:t>4.2.2</a:t>
+            </a:r>
+            <a:r>
+              <a:rPr lang="ja-JP" altLang="en-US" sz="1400" b="1">
+                <a:solidFill>
+                  <a:schemeClr val="tx1"/>
+                </a:solidFill>
+                <a:latin typeface="+mj-ea"/>
+                <a:ea typeface="+mj-ea"/>
+              </a:rPr>
+              <a:t>畳み込みニューラルネットワーク</a:t>
+            </a:r>
+          </a:p>
+        </p:txBody>
+      </p:sp>
+      <p:sp>
+        <p:nvSpPr>
+          <p:cNvPr id="14" name="正方形/長方形 13">
+            <a:extLst>
+              <a:ext uri="{FF2B5EF4-FFF2-40B4-BE49-F238E27FC236}">
+                <a16:creationId xmlns:a16="http://schemas.microsoft.com/office/drawing/2014/main" id="{B8F8EDB8-0905-D449-B2A1-5E596D53B953}"/>
+              </a:ext>
+            </a:extLst>
+          </p:cNvPr>
+          <p:cNvSpPr/>
+          <p:nvPr/>
+        </p:nvSpPr>
+        <p:spPr>
+          <a:xfrm>
+            <a:off x="1537052" y="237205"/>
+            <a:ext cx="3639128" cy="195981"/>
+          </a:xfrm>
+          <a:prstGeom prst="rect">
+            <a:avLst/>
+          </a:prstGeom>
+          <a:noFill/>
+          <a:ln>
+            <a:noFill/>
+          </a:ln>
+        </p:spPr>
+        <p:style>
+          <a:lnRef idx="2">
+            <a:schemeClr val="accent1">
+              <a:shade val="50000"/>
+            </a:schemeClr>
+          </a:lnRef>
+          <a:fillRef idx="1">
+            <a:schemeClr val="accent1"/>
+          </a:fillRef>
+          <a:effectRef idx="0">
+            <a:schemeClr val="accent1"/>
+          </a:effectRef>
+          <a:fontRef idx="minor">
+            <a:schemeClr val="lt1"/>
+          </a:fontRef>
+        </p:style>
+        <p:txBody>
+          <a:bodyPr rtlCol="0" anchor="t" anchorCtr="0"/>
+          <a:lstStyle/>
+          <a:p>
+            <a:r>
+              <a:rPr lang="ja-JP" altLang="en-US" sz="1100">
+                <a:solidFill>
+                  <a:schemeClr val="tx1"/>
+                </a:solidFill>
+                <a:latin typeface="+mn-ea"/>
+              </a:rPr>
+              <a:t>制御の戦略の前にブロックビンゴの戦略を紹介する。</a:t>
+            </a:r>
+          </a:p>
+        </p:txBody>
+      </p:sp>
+      <p:sp>
+        <p:nvSpPr>
+          <p:cNvPr id="16" name="正方形/長方形 15">
+            <a:extLst>
+              <a:ext uri="{FF2B5EF4-FFF2-40B4-BE49-F238E27FC236}">
+                <a16:creationId xmlns:a16="http://schemas.microsoft.com/office/drawing/2014/main" id="{3C695043-EAF6-AA4E-B001-F28EF3498F20}"/>
+              </a:ext>
+            </a:extLst>
+          </p:cNvPr>
+          <p:cNvSpPr/>
+          <p:nvPr/>
+        </p:nvSpPr>
+        <p:spPr>
+          <a:xfrm>
+            <a:off x="46180" y="494047"/>
+            <a:ext cx="1625600" cy="230969"/>
+          </a:xfrm>
+          <a:prstGeom prst="rect">
+            <a:avLst/>
+          </a:prstGeom>
+          <a:solidFill>
+            <a:schemeClr val="bg1">
+              <a:lumMod val="75000"/>
+            </a:schemeClr>
+          </a:solidFill>
+          <a:ln>
+            <a:noFill/>
+          </a:ln>
+        </p:spPr>
+        <p:style>
+          <a:lnRef idx="2">
+            <a:schemeClr val="accent1">
+              <a:shade val="50000"/>
+            </a:schemeClr>
+          </a:lnRef>
+          <a:fillRef idx="1">
+            <a:schemeClr val="accent1"/>
+          </a:fillRef>
+          <a:effectRef idx="0">
+            <a:schemeClr val="accent1"/>
+          </a:effectRef>
+          <a:fontRef idx="minor">
+            <a:schemeClr val="lt1"/>
+          </a:fontRef>
+        </p:style>
+        <p:txBody>
+          <a:bodyPr rtlCol="0" anchor="ctr"/>
+          <a:lstStyle/>
+          <a:p>
+            <a:r>
+              <a:rPr lang="en-US" altLang="ja-JP" sz="1400" b="1" dirty="0">
+                <a:solidFill>
+                  <a:schemeClr val="tx1"/>
+                </a:solidFill>
+                <a:latin typeface="+mj-ea"/>
+                <a:ea typeface="+mj-ea"/>
+              </a:rPr>
+              <a:t>4.1.1</a:t>
+            </a:r>
+            <a:r>
+              <a:rPr lang="ja-JP" altLang="en-US" sz="1400" b="1">
+                <a:solidFill>
+                  <a:schemeClr val="tx1"/>
+                </a:solidFill>
+                <a:latin typeface="+mj-ea"/>
+                <a:ea typeface="+mj-ea"/>
+              </a:rPr>
+              <a:t>ゲーム戦略</a:t>
+            </a:r>
+          </a:p>
+        </p:txBody>
+      </p:sp>
+      <p:sp>
+        <p:nvSpPr>
+          <p:cNvPr id="17" name="正方形/長方形 16">
+            <a:extLst>
+              <a:ext uri="{FF2B5EF4-FFF2-40B4-BE49-F238E27FC236}">
+                <a16:creationId xmlns:a16="http://schemas.microsoft.com/office/drawing/2014/main" id="{0A91E9D7-C146-AE49-BE1A-D04664D8A495}"/>
+              </a:ext>
+            </a:extLst>
+          </p:cNvPr>
+          <p:cNvSpPr/>
+          <p:nvPr/>
+        </p:nvSpPr>
+        <p:spPr>
+          <a:xfrm>
+            <a:off x="-1" y="721462"/>
+            <a:ext cx="6400799" cy="538129"/>
+          </a:xfrm>
+          <a:prstGeom prst="rect">
+            <a:avLst/>
+          </a:prstGeom>
+          <a:noFill/>
+          <a:ln>
+            <a:noFill/>
+          </a:ln>
+        </p:spPr>
+        <p:style>
+          <a:lnRef idx="2">
+            <a:schemeClr val="accent1">
+              <a:shade val="50000"/>
+            </a:schemeClr>
+          </a:lnRef>
+          <a:fillRef idx="1">
+            <a:schemeClr val="accent1"/>
+          </a:fillRef>
+          <a:effectRef idx="0">
+            <a:schemeClr val="accent1"/>
+          </a:effectRef>
+          <a:fontRef idx="minor">
+            <a:schemeClr val="lt1"/>
+          </a:fontRef>
+        </p:style>
+        <p:txBody>
+          <a:bodyPr rtlCol="0" anchor="t" anchorCtr="0"/>
+          <a:lstStyle/>
+          <a:p>
+            <a:r>
+              <a:rPr lang="ja-JP" altLang="en-US" sz="1100">
+                <a:solidFill>
+                  <a:schemeClr val="tx1"/>
+                </a:solidFill>
+                <a:latin typeface="+mn-ea"/>
+              </a:rPr>
+              <a:t>分析モデルでは「フルビンゴのみを狙う」という指針を定義した。一つずつビンゴを成立させるような並べ方はせず、近くのブロックからブロック・サークルに運搬し、最終的にフルビンゴが成立する並べ方をゲーム戦略として選んだ。</a:t>
+            </a:r>
+          </a:p>
+        </p:txBody>
+      </p:sp>
+      <p:sp>
+        <p:nvSpPr>
+          <p:cNvPr id="18" name="正方形/長方形 17">
+            <a:extLst>
+              <a:ext uri="{FF2B5EF4-FFF2-40B4-BE49-F238E27FC236}">
+                <a16:creationId xmlns:a16="http://schemas.microsoft.com/office/drawing/2014/main" id="{E6E79B03-52D3-C244-9290-FC96BFB99073}"/>
+              </a:ext>
+            </a:extLst>
+          </p:cNvPr>
+          <p:cNvSpPr/>
+          <p:nvPr/>
+        </p:nvSpPr>
+        <p:spPr>
+          <a:xfrm>
+            <a:off x="46180" y="1284749"/>
+            <a:ext cx="1625600" cy="230969"/>
+          </a:xfrm>
+          <a:prstGeom prst="rect">
+            <a:avLst/>
+          </a:prstGeom>
+          <a:solidFill>
+            <a:schemeClr val="bg1">
+              <a:lumMod val="75000"/>
+            </a:schemeClr>
+          </a:solidFill>
+          <a:ln>
+            <a:noFill/>
+          </a:ln>
+        </p:spPr>
+        <p:style>
+          <a:lnRef idx="2">
+            <a:schemeClr val="accent1">
+              <a:shade val="50000"/>
+            </a:schemeClr>
+          </a:lnRef>
+          <a:fillRef idx="1">
+            <a:schemeClr val="accent1"/>
+          </a:fillRef>
+          <a:effectRef idx="0">
+            <a:schemeClr val="accent1"/>
+          </a:effectRef>
+          <a:fontRef idx="minor">
+            <a:schemeClr val="lt1"/>
+          </a:fontRef>
+        </p:style>
+        <p:txBody>
+          <a:bodyPr rtlCol="0" anchor="ctr"/>
+          <a:lstStyle/>
+          <a:p>
+            <a:r>
+              <a:rPr lang="en-US" altLang="ja-JP" sz="1400" b="1" dirty="0">
+                <a:solidFill>
+                  <a:schemeClr val="tx1"/>
+                </a:solidFill>
+                <a:latin typeface="+mj-ea"/>
+                <a:ea typeface="+mj-ea"/>
+              </a:rPr>
+              <a:t>4.1.2</a:t>
+            </a:r>
+            <a:r>
+              <a:rPr lang="ja-JP" altLang="en-US" sz="1400" b="1">
+                <a:solidFill>
+                  <a:schemeClr val="tx1"/>
+                </a:solidFill>
+                <a:latin typeface="+mj-ea"/>
+                <a:ea typeface="+mj-ea"/>
+              </a:rPr>
+              <a:t>制御戦略</a:t>
+            </a:r>
+          </a:p>
+        </p:txBody>
+      </p:sp>
+      <p:sp>
+        <p:nvSpPr>
+          <p:cNvPr id="19" name="正方形/長方形 18">
+            <a:extLst>
+              <a:ext uri="{FF2B5EF4-FFF2-40B4-BE49-F238E27FC236}">
+                <a16:creationId xmlns:a16="http://schemas.microsoft.com/office/drawing/2014/main" id="{B1064A47-825B-8844-9121-B6E67EC4BB9E}"/>
+              </a:ext>
+            </a:extLst>
+          </p:cNvPr>
+          <p:cNvSpPr/>
+          <p:nvPr/>
+        </p:nvSpPr>
+        <p:spPr>
+          <a:xfrm>
+            <a:off x="0" y="4685766"/>
+            <a:ext cx="6284838" cy="559877"/>
+          </a:xfrm>
+          <a:prstGeom prst="rect">
+            <a:avLst/>
+          </a:prstGeom>
+          <a:noFill/>
+          <a:ln>
+            <a:noFill/>
+          </a:ln>
+        </p:spPr>
+        <p:style>
+          <a:lnRef idx="2">
+            <a:schemeClr val="accent1">
+              <a:shade val="50000"/>
+            </a:schemeClr>
+          </a:lnRef>
+          <a:fillRef idx="1">
+            <a:schemeClr val="accent1"/>
+          </a:fillRef>
+          <a:effectRef idx="0">
+            <a:schemeClr val="accent1"/>
+          </a:effectRef>
+          <a:fontRef idx="minor">
+            <a:schemeClr val="lt1"/>
+          </a:fontRef>
+        </p:style>
+        <p:txBody>
+          <a:bodyPr rtlCol="0" anchor="t" anchorCtr="0"/>
+          <a:lstStyle/>
+          <a:p>
+            <a:r>
+              <a:rPr lang="ja-JP" altLang="en-US" sz="1100">
+                <a:solidFill>
+                  <a:schemeClr val="tx1"/>
+                </a:solidFill>
+                <a:latin typeface="+mn-ea"/>
+              </a:rPr>
+              <a:t>カメラシステムから取り込んだ画像を数字の推定、ブロックの有無と色の推定に用いている畳み込みニューラルネットワークに入力に適した</a:t>
+            </a:r>
+            <a:r>
+              <a:rPr lang="en-US" altLang="ja-JP" sz="1100" dirty="0">
+                <a:solidFill>
+                  <a:schemeClr val="tx1"/>
+                </a:solidFill>
+                <a:latin typeface="+mn-ea"/>
+              </a:rPr>
+              <a:t>(28x28</a:t>
+            </a:r>
+            <a:r>
+              <a:rPr lang="ja-JP" altLang="en-US" sz="1100">
+                <a:solidFill>
+                  <a:schemeClr val="tx1"/>
+                </a:solidFill>
+                <a:latin typeface="+mn-ea"/>
+              </a:rPr>
+              <a:t>ピクセル</a:t>
+            </a:r>
+            <a:r>
+              <a:rPr lang="en-US" altLang="ja-JP" sz="1100" dirty="0">
+                <a:solidFill>
+                  <a:schemeClr val="tx1"/>
+                </a:solidFill>
+                <a:latin typeface="+mn-ea"/>
+              </a:rPr>
+              <a:t>)</a:t>
+            </a:r>
+            <a:r>
+              <a:rPr lang="ja-JP" altLang="en-US" sz="1100">
+                <a:solidFill>
+                  <a:schemeClr val="tx1"/>
+                </a:solidFill>
+                <a:latin typeface="+mn-ea"/>
+              </a:rPr>
+              <a:t>の画像に処理を行う。</a:t>
+            </a:r>
+          </a:p>
+        </p:txBody>
+      </p:sp>
+      <p:pic>
+        <p:nvPicPr>
+          <p:cNvPr id="4" name="図 3">
+            <a:extLst>
+              <a:ext uri="{FF2B5EF4-FFF2-40B4-BE49-F238E27FC236}">
+                <a16:creationId xmlns:a16="http://schemas.microsoft.com/office/drawing/2014/main" id="{53B05542-2D76-2748-9AF5-1984384049EE}"/>
+              </a:ext>
+            </a:extLst>
+          </p:cNvPr>
+          <p:cNvPicPr>
+            <a:picLocks noChangeAspect="1"/>
+          </p:cNvPicPr>
+          <p:nvPr/>
+        </p:nvPicPr>
+        <p:blipFill>
+          <a:blip r:embed="rId2">
+            <a:extLst>
+              <a:ext uri="{28A0092B-C50C-407E-A947-70E740481C1C}">
+                <a14:useLocalDpi xmlns:a14="http://schemas.microsoft.com/office/drawing/2010/main" val="0"/>
+              </a:ext>
+            </a:extLst>
+          </a:blip>
+          <a:stretch>
+            <a:fillRect/>
+          </a:stretch>
+        </p:blipFill>
+        <p:spPr>
+          <a:xfrm>
+            <a:off x="6708397" y="392926"/>
+            <a:ext cx="2500132" cy="1406324"/>
+          </a:xfrm>
+          <a:prstGeom prst="rect">
+            <a:avLst/>
+          </a:prstGeom>
+          <a:ln w="38100">
+            <a:solidFill>
+              <a:schemeClr val="tx1">
+                <a:lumMod val="50000"/>
+                <a:lumOff val="50000"/>
+              </a:schemeClr>
+            </a:solidFill>
+          </a:ln>
+        </p:spPr>
+      </p:pic>
+      <p:sp>
+        <p:nvSpPr>
+          <p:cNvPr id="20" name="正方形/長方形 19">
+            <a:extLst>
+              <a:ext uri="{FF2B5EF4-FFF2-40B4-BE49-F238E27FC236}">
+                <a16:creationId xmlns:a16="http://schemas.microsoft.com/office/drawing/2014/main" id="{AB0C4A3F-5BB3-3643-BD89-5B02E2091F37}"/>
+              </a:ext>
+            </a:extLst>
+          </p:cNvPr>
+          <p:cNvSpPr/>
+          <p:nvPr/>
+        </p:nvSpPr>
+        <p:spPr>
+          <a:xfrm>
+            <a:off x="8833990" y="-29931"/>
+            <a:ext cx="4215253" cy="225939"/>
+          </a:xfrm>
+          <a:prstGeom prst="rect">
+            <a:avLst/>
+          </a:prstGeom>
+          <a:noFill/>
+          <a:ln>
+            <a:noFill/>
+          </a:ln>
+        </p:spPr>
+        <p:style>
+          <a:lnRef idx="2">
+            <a:schemeClr val="accent1">
+              <a:shade val="50000"/>
+            </a:schemeClr>
+          </a:lnRef>
+          <a:fillRef idx="1">
+            <a:schemeClr val="accent1"/>
+          </a:fillRef>
+          <a:effectRef idx="0">
+            <a:schemeClr val="accent1"/>
+          </a:effectRef>
+          <a:fontRef idx="minor">
+            <a:schemeClr val="lt1"/>
+          </a:fontRef>
+        </p:style>
+        <p:txBody>
+          <a:bodyPr rtlCol="0" anchor="t" anchorCtr="0"/>
+          <a:lstStyle/>
+          <a:p>
+            <a:r>
+              <a:rPr lang="ja-JP" altLang="en-US" sz="1100">
+                <a:solidFill>
+                  <a:schemeClr val="tx1"/>
+                </a:solidFill>
+                <a:latin typeface="+mn-ea"/>
+              </a:rPr>
+              <a:t>ボーナスサークル推定のための機能フローと要素技術を示す</a:t>
+            </a:r>
+          </a:p>
+        </p:txBody>
+      </p:sp>
+      <p:pic>
+        <p:nvPicPr>
+          <p:cNvPr id="7" name="図 6">
+            <a:extLst>
+              <a:ext uri="{FF2B5EF4-FFF2-40B4-BE49-F238E27FC236}">
+                <a16:creationId xmlns:a16="http://schemas.microsoft.com/office/drawing/2014/main" id="{E62C7FD5-826F-E14C-8B15-C248C3128F00}"/>
+              </a:ext>
+            </a:extLst>
+          </p:cNvPr>
+          <p:cNvPicPr>
+            <a:picLocks noChangeAspect="1"/>
+          </p:cNvPicPr>
+          <p:nvPr/>
+        </p:nvPicPr>
+        <p:blipFill rotWithShape="1">
+          <a:blip r:embed="rId3">
+            <a:extLst>
+              <a:ext uri="{BEBA8EAE-BF5A-486C-A8C5-ECC9F3942E4B}">
+                <a14:imgProps xmlns:a14="http://schemas.microsoft.com/office/drawing/2010/main">
+                  <a14:imgLayer r:embed="rId4">
+                    <a14:imgEffect>
+                      <a14:backgroundRemoval t="60464" b="82639" l="11731" r="24283">
+                        <a14:backgroundMark x1="17422" y1="76528" x2="17422" y2="76528"/>
+                        <a14:backgroundMark x1="17578" y1="65694" x2="17578" y2="65694"/>
+                        <a14:backgroundMark x1="22344" y1="62639" x2="22344" y2="62639"/>
+                      </a14:backgroundRemoval>
+                    </a14:imgEffect>
+                  </a14:imgLayer>
+                </a14:imgProps>
+              </a:ext>
+              <a:ext uri="{28A0092B-C50C-407E-A947-70E740481C1C}">
+                <a14:useLocalDpi xmlns:a14="http://schemas.microsoft.com/office/drawing/2010/main" val="0"/>
+              </a:ext>
+            </a:extLst>
+          </a:blip>
+          <a:srcRect l="10162" t="57692" r="74148" b="14589"/>
+          <a:stretch/>
+        </p:blipFill>
+        <p:spPr>
+          <a:xfrm>
+            <a:off x="11483512" y="668994"/>
+            <a:ext cx="906632" cy="910827"/>
+          </a:xfrm>
+          <a:prstGeom prst="rect">
+            <a:avLst/>
+          </a:prstGeom>
+        </p:spPr>
+      </p:pic>
+      <p:sp>
+        <p:nvSpPr>
+          <p:cNvPr id="24" name="角丸四角形 23">
+            <a:extLst>
+              <a:ext uri="{FF2B5EF4-FFF2-40B4-BE49-F238E27FC236}">
+                <a16:creationId xmlns:a16="http://schemas.microsoft.com/office/drawing/2014/main" id="{6E949549-A8FF-AA42-9B7E-065C0689C9C4}"/>
+              </a:ext>
+            </a:extLst>
+          </p:cNvPr>
+          <p:cNvSpPr/>
+          <p:nvPr/>
+        </p:nvSpPr>
+        <p:spPr>
+          <a:xfrm>
+            <a:off x="9484176" y="380029"/>
+            <a:ext cx="1608440" cy="1488757"/>
+          </a:xfrm>
+          <a:prstGeom prst="roundRect">
+            <a:avLst>
+              <a:gd name="adj" fmla="val 5577"/>
+            </a:avLst>
+          </a:prstGeom>
+          <a:solidFill>
+            <a:schemeClr val="bg1"/>
+          </a:solidFill>
+          <a:ln w="19050">
+            <a:solidFill>
+              <a:schemeClr val="tx1">
+                <a:lumMod val="50000"/>
+                <a:lumOff val="50000"/>
+              </a:schemeClr>
+            </a:solidFill>
+          </a:ln>
+        </p:spPr>
+        <p:style>
+          <a:lnRef idx="2">
+            <a:schemeClr val="accent1">
+              <a:shade val="50000"/>
+            </a:schemeClr>
+          </a:lnRef>
+          <a:fillRef idx="1">
+            <a:schemeClr val="accent1"/>
+          </a:fillRef>
+          <a:effectRef idx="0">
+            <a:schemeClr val="accent1"/>
+          </a:effectRef>
+          <a:fontRef idx="minor">
+            <a:schemeClr val="lt1"/>
+          </a:fontRef>
+        </p:style>
+        <p:txBody>
+          <a:bodyPr rtlCol="0" anchor="t" anchorCtr="0"/>
+          <a:lstStyle/>
+          <a:p>
+            <a:pPr algn="ctr"/>
+            <a:r>
+              <a:rPr kumimoji="1" lang="ja-JP" altLang="en-US" sz="1400">
+                <a:solidFill>
+                  <a:schemeClr val="tx1"/>
+                </a:solidFill>
+                <a:latin typeface="+mn-ea"/>
+              </a:rPr>
+              <a:t>①画像処理</a:t>
+            </a:r>
+            <a:endParaRPr kumimoji="1" lang="en-US" altLang="ja-JP" sz="1400" dirty="0">
+              <a:solidFill>
+                <a:schemeClr val="tx1"/>
+              </a:solidFill>
+              <a:latin typeface="+mn-ea"/>
+            </a:endParaRPr>
+          </a:p>
+          <a:p>
+            <a:r>
+              <a:rPr lang="ja-JP" altLang="en-US" sz="1200">
+                <a:solidFill>
+                  <a:schemeClr val="tx1"/>
+                </a:solidFill>
+                <a:latin typeface="+mn-ea"/>
+              </a:rPr>
+              <a:t>・クリッピング</a:t>
+            </a:r>
+            <a:endParaRPr lang="en-US" altLang="ja-JP" sz="1200" dirty="0">
+              <a:solidFill>
+                <a:schemeClr val="tx1"/>
+              </a:solidFill>
+              <a:latin typeface="+mn-ea"/>
+            </a:endParaRPr>
+          </a:p>
+          <a:p>
+            <a:r>
+              <a:rPr lang="ja-JP" altLang="en-US" sz="1200">
+                <a:solidFill>
+                  <a:schemeClr val="tx1"/>
+                </a:solidFill>
+                <a:latin typeface="+mn-ea"/>
+              </a:rPr>
+              <a:t>・台形補正</a:t>
+            </a:r>
+            <a:endParaRPr lang="en-US" altLang="ja-JP" sz="1200" dirty="0">
+              <a:solidFill>
+                <a:schemeClr val="tx1"/>
+              </a:solidFill>
+              <a:latin typeface="+mn-ea"/>
+            </a:endParaRPr>
+          </a:p>
+          <a:p>
+            <a:r>
+              <a:rPr lang="ja-JP" altLang="en-US" sz="1200">
+                <a:solidFill>
+                  <a:schemeClr val="tx1"/>
+                </a:solidFill>
+                <a:latin typeface="+mn-ea"/>
+              </a:rPr>
+              <a:t>・グレイスケール</a:t>
+            </a:r>
+            <a:endParaRPr lang="en-US" altLang="ja-JP" sz="1200" dirty="0">
+              <a:solidFill>
+                <a:schemeClr val="tx1"/>
+              </a:solidFill>
+              <a:latin typeface="+mn-ea"/>
+            </a:endParaRPr>
+          </a:p>
+          <a:p>
+            <a:r>
+              <a:rPr lang="ja-JP" altLang="en-US" sz="1200">
+                <a:solidFill>
+                  <a:schemeClr val="tx1"/>
+                </a:solidFill>
+                <a:latin typeface="+mn-ea"/>
+              </a:rPr>
+              <a:t>・正規化</a:t>
+            </a:r>
+            <a:endParaRPr lang="en-US" altLang="ja-JP" sz="1200" dirty="0">
+              <a:solidFill>
+                <a:schemeClr val="tx1"/>
+              </a:solidFill>
+              <a:latin typeface="+mn-ea"/>
+            </a:endParaRPr>
+          </a:p>
+          <a:p>
+            <a:pPr algn="ctr"/>
+            <a:endParaRPr kumimoji="1" lang="ja-JP" altLang="en-US" sz="1400">
+              <a:solidFill>
+                <a:schemeClr val="tx1"/>
+              </a:solidFill>
+              <a:latin typeface="+mn-ea"/>
+            </a:endParaRPr>
+          </a:p>
+        </p:txBody>
+      </p:sp>
+      <p:cxnSp>
+        <p:nvCxnSpPr>
+          <p:cNvPr id="26" name="直線矢印コネクタ 25">
+            <a:extLst>
+              <a:ext uri="{FF2B5EF4-FFF2-40B4-BE49-F238E27FC236}">
+                <a16:creationId xmlns:a16="http://schemas.microsoft.com/office/drawing/2014/main" id="{13CC8054-5DF4-5E4E-8418-D2A1C24D401C}"/>
+              </a:ext>
+            </a:extLst>
+          </p:cNvPr>
+          <p:cNvCxnSpPr>
+            <a:cxnSpLocks/>
+          </p:cNvCxnSpPr>
+          <p:nvPr/>
+        </p:nvCxnSpPr>
+        <p:spPr>
+          <a:xfrm>
+            <a:off x="9234842" y="1122458"/>
+            <a:ext cx="227856" cy="0"/>
+          </a:xfrm>
+          <a:prstGeom prst="straightConnector1">
+            <a:avLst/>
+          </a:prstGeom>
+          <a:ln w="38100">
+            <a:solidFill>
+              <a:schemeClr val="tx1">
+                <a:lumMod val="50000"/>
+                <a:lumOff val="50000"/>
+              </a:schemeClr>
+            </a:solidFill>
+            <a:tailEnd type="triangle"/>
+          </a:ln>
+        </p:spPr>
+        <p:style>
+          <a:lnRef idx="1">
+            <a:schemeClr val="accent1"/>
+          </a:lnRef>
+          <a:fillRef idx="0">
+            <a:schemeClr val="accent1"/>
+          </a:fillRef>
+          <a:effectRef idx="0">
+            <a:schemeClr val="accent1"/>
+          </a:effectRef>
+          <a:fontRef idx="minor">
+            <a:schemeClr val="tx1"/>
+          </a:fontRef>
+        </p:style>
+      </p:cxnSp>
+      <p:sp>
+        <p:nvSpPr>
+          <p:cNvPr id="28" name="正方形/長方形 27">
+            <a:extLst>
+              <a:ext uri="{FF2B5EF4-FFF2-40B4-BE49-F238E27FC236}">
+                <a16:creationId xmlns:a16="http://schemas.microsoft.com/office/drawing/2014/main" id="{E1F9AFFA-72AE-1E42-9C8B-C3B34605AF20}"/>
+              </a:ext>
+            </a:extLst>
+          </p:cNvPr>
+          <p:cNvSpPr/>
+          <p:nvPr/>
+        </p:nvSpPr>
+        <p:spPr>
+          <a:xfrm>
+            <a:off x="11311505" y="214285"/>
+            <a:ext cx="1202363" cy="430677"/>
+          </a:xfrm>
+          <a:prstGeom prst="rect">
+            <a:avLst/>
+          </a:prstGeom>
+          <a:noFill/>
+          <a:ln>
+            <a:noFill/>
+          </a:ln>
+        </p:spPr>
+        <p:style>
+          <a:lnRef idx="2">
+            <a:schemeClr val="accent1">
+              <a:shade val="50000"/>
+            </a:schemeClr>
+          </a:lnRef>
+          <a:fillRef idx="1">
+            <a:schemeClr val="accent1"/>
+          </a:fillRef>
+          <a:effectRef idx="0">
+            <a:schemeClr val="accent1"/>
+          </a:effectRef>
+          <a:fontRef idx="minor">
+            <a:schemeClr val="lt1"/>
+          </a:fontRef>
+        </p:style>
+        <p:txBody>
+          <a:bodyPr rtlCol="0" anchor="t" anchorCtr="0"/>
+          <a:lstStyle/>
+          <a:p>
+            <a:r>
+              <a:rPr lang="en-US" altLang="ja-JP" sz="1100" dirty="0">
+                <a:solidFill>
+                  <a:schemeClr val="tx1"/>
+                </a:solidFill>
+                <a:latin typeface="+mn-ea"/>
+              </a:rPr>
+              <a:t>28x28</a:t>
+            </a:r>
+            <a:r>
+              <a:rPr lang="ja-JP" altLang="en-US" sz="1100">
+                <a:solidFill>
+                  <a:schemeClr val="tx1"/>
+                </a:solidFill>
+                <a:latin typeface="+mn-ea"/>
+              </a:rPr>
+              <a:t>ピクセル</a:t>
+            </a:r>
+            <a:endParaRPr lang="en-US" altLang="ja-JP" sz="1100" dirty="0">
+              <a:solidFill>
+                <a:schemeClr val="tx1"/>
+              </a:solidFill>
+              <a:latin typeface="+mn-ea"/>
+            </a:endParaRPr>
+          </a:p>
+          <a:p>
+            <a:r>
+              <a:rPr lang="ja-JP" altLang="en-US" sz="1100">
+                <a:solidFill>
+                  <a:schemeClr val="tx1"/>
+                </a:solidFill>
+                <a:latin typeface="+mn-ea"/>
+              </a:rPr>
+              <a:t>グレイスケール</a:t>
+            </a:r>
+          </a:p>
+        </p:txBody>
+      </p:sp>
+      <p:cxnSp>
+        <p:nvCxnSpPr>
+          <p:cNvPr id="29" name="直線矢印コネクタ 28">
+            <a:extLst>
+              <a:ext uri="{FF2B5EF4-FFF2-40B4-BE49-F238E27FC236}">
+                <a16:creationId xmlns:a16="http://schemas.microsoft.com/office/drawing/2014/main" id="{9664191E-6FEF-B342-AEF1-C3948363D7B7}"/>
+              </a:ext>
+            </a:extLst>
+          </p:cNvPr>
+          <p:cNvCxnSpPr>
+            <a:cxnSpLocks/>
+          </p:cNvCxnSpPr>
+          <p:nvPr/>
+        </p:nvCxnSpPr>
+        <p:spPr>
+          <a:xfrm>
+            <a:off x="11114093" y="1124408"/>
+            <a:ext cx="267038" cy="1949"/>
+          </a:xfrm>
+          <a:prstGeom prst="straightConnector1">
+            <a:avLst/>
+          </a:prstGeom>
+          <a:ln w="38100">
+            <a:solidFill>
+              <a:schemeClr val="tx1">
+                <a:lumMod val="50000"/>
+                <a:lumOff val="50000"/>
+              </a:schemeClr>
+            </a:solidFill>
+            <a:tailEnd type="triangle"/>
+          </a:ln>
+        </p:spPr>
+        <p:style>
+          <a:lnRef idx="1">
+            <a:schemeClr val="accent1"/>
+          </a:lnRef>
+          <a:fillRef idx="0">
+            <a:schemeClr val="accent1"/>
+          </a:fillRef>
+          <a:effectRef idx="0">
+            <a:schemeClr val="accent1"/>
+          </a:effectRef>
+          <a:fontRef idx="minor">
+            <a:schemeClr val="tx1"/>
+          </a:fontRef>
+        </p:style>
+      </p:cxnSp>
+      <p:sp>
+        <p:nvSpPr>
+          <p:cNvPr id="119" name="正方形/長方形 118">
+            <a:extLst>
+              <a:ext uri="{FF2B5EF4-FFF2-40B4-BE49-F238E27FC236}">
+                <a16:creationId xmlns:a16="http://schemas.microsoft.com/office/drawing/2014/main" id="{7D899450-6A88-7D45-A81C-4BC553BCF552}"/>
+              </a:ext>
+            </a:extLst>
+          </p:cNvPr>
+          <p:cNvSpPr/>
+          <p:nvPr/>
+        </p:nvSpPr>
+        <p:spPr>
+          <a:xfrm>
+            <a:off x="7039683" y="2640616"/>
+            <a:ext cx="154615" cy="1536171"/>
+          </a:xfrm>
+          <a:prstGeom prst="rect">
+            <a:avLst/>
+          </a:prstGeom>
+          <a:pattFill prst="ltHorz">
+            <a:fgClr>
+              <a:schemeClr val="tx1">
+                <a:lumMod val="50000"/>
+                <a:lumOff val="50000"/>
+              </a:schemeClr>
+            </a:fgClr>
+            <a:bgClr>
+              <a:schemeClr val="bg1"/>
+            </a:bgClr>
+          </a:pattFill>
+          <a:ln w="19050">
+            <a:solidFill>
+              <a:schemeClr val="tx1">
+                <a:lumMod val="50000"/>
+                <a:lumOff val="50000"/>
+              </a:schemeClr>
+            </a:solidFill>
+          </a:ln>
+        </p:spPr>
+        <p:style>
+          <a:lnRef idx="2">
+            <a:schemeClr val="accent1">
+              <a:shade val="50000"/>
+            </a:schemeClr>
+          </a:lnRef>
+          <a:fillRef idx="1">
+            <a:schemeClr val="accent1"/>
+          </a:fillRef>
+          <a:effectRef idx="0">
+            <a:schemeClr val="accent1"/>
+          </a:effectRef>
+          <a:fontRef idx="minor">
+            <a:schemeClr val="lt1"/>
+          </a:fontRef>
+        </p:style>
+        <p:txBody>
+          <a:bodyPr rtlCol="0" anchor="ctr"/>
+          <a:lstStyle/>
+          <a:p>
+            <a:pPr algn="ctr"/>
+            <a:endParaRPr kumimoji="1" lang="ja-JP" altLang="en-US"/>
+          </a:p>
+        </p:txBody>
+      </p:sp>
+      <p:sp>
+        <p:nvSpPr>
+          <p:cNvPr id="122" name="正方形/長方形 121">
+            <a:extLst>
+              <a:ext uri="{FF2B5EF4-FFF2-40B4-BE49-F238E27FC236}">
+                <a16:creationId xmlns:a16="http://schemas.microsoft.com/office/drawing/2014/main" id="{800EB287-D5D4-9349-8850-BAE734C807C5}"/>
+              </a:ext>
+            </a:extLst>
+          </p:cNvPr>
+          <p:cNvSpPr/>
+          <p:nvPr/>
+        </p:nvSpPr>
+        <p:spPr>
+          <a:xfrm>
+            <a:off x="6413652" y="2285504"/>
+            <a:ext cx="1202363" cy="188639"/>
+          </a:xfrm>
+          <a:prstGeom prst="rect">
+            <a:avLst/>
+          </a:prstGeom>
+          <a:noFill/>
+          <a:ln>
+            <a:noFill/>
+          </a:ln>
+        </p:spPr>
+        <p:style>
+          <a:lnRef idx="2">
+            <a:schemeClr val="accent1">
+              <a:shade val="50000"/>
+            </a:schemeClr>
+          </a:lnRef>
+          <a:fillRef idx="1">
+            <a:schemeClr val="accent1"/>
+          </a:fillRef>
+          <a:effectRef idx="0">
+            <a:schemeClr val="accent1"/>
+          </a:effectRef>
+          <a:fontRef idx="minor">
+            <a:schemeClr val="lt1"/>
+          </a:fontRef>
+        </p:style>
+        <p:txBody>
+          <a:bodyPr rtlCol="0" anchor="t" anchorCtr="0"/>
+          <a:lstStyle/>
+          <a:p>
+            <a:r>
+              <a:rPr lang="en-US" altLang="ja-JP" sz="1100" dirty="0">
+                <a:solidFill>
+                  <a:schemeClr val="tx1"/>
+                </a:solidFill>
+                <a:latin typeface="+mn-ea"/>
+              </a:rPr>
+              <a:t>784x1</a:t>
+            </a:r>
+            <a:r>
+              <a:rPr lang="ja-JP" altLang="en-US" sz="1100">
+                <a:solidFill>
+                  <a:schemeClr val="tx1"/>
+                </a:solidFill>
+                <a:latin typeface="+mn-ea"/>
+              </a:rPr>
+              <a:t>ベクトル</a:t>
+            </a:r>
+          </a:p>
+        </p:txBody>
+      </p:sp>
+      <p:cxnSp>
+        <p:nvCxnSpPr>
+          <p:cNvPr id="123" name="直線矢印コネクタ 122">
+            <a:extLst>
+              <a:ext uri="{FF2B5EF4-FFF2-40B4-BE49-F238E27FC236}">
+                <a16:creationId xmlns:a16="http://schemas.microsoft.com/office/drawing/2014/main" id="{2B2E42B2-9672-4041-A5FC-D8EC22FC160E}"/>
+              </a:ext>
+            </a:extLst>
+          </p:cNvPr>
+          <p:cNvCxnSpPr>
+            <a:cxnSpLocks/>
+            <a:endCxn id="119" idx="1"/>
+          </p:cNvCxnSpPr>
+          <p:nvPr/>
+        </p:nvCxnSpPr>
+        <p:spPr>
+          <a:xfrm>
+            <a:off x="6400797" y="3408702"/>
+            <a:ext cx="638886" cy="0"/>
+          </a:xfrm>
+          <a:prstGeom prst="straightConnector1">
+            <a:avLst/>
+          </a:prstGeom>
+          <a:ln w="38100">
+            <a:solidFill>
+              <a:schemeClr val="tx1">
+                <a:lumMod val="50000"/>
+                <a:lumOff val="50000"/>
+              </a:schemeClr>
+            </a:solidFill>
+            <a:tailEnd type="triangle"/>
+          </a:ln>
+        </p:spPr>
+        <p:style>
+          <a:lnRef idx="1">
+            <a:schemeClr val="accent1"/>
+          </a:lnRef>
+          <a:fillRef idx="0">
+            <a:schemeClr val="accent1"/>
+          </a:fillRef>
+          <a:effectRef idx="0">
+            <a:schemeClr val="accent1"/>
+          </a:effectRef>
+          <a:fontRef idx="minor">
+            <a:schemeClr val="tx1"/>
+          </a:fontRef>
+        </p:style>
+      </p:cxnSp>
+      <p:grpSp>
+        <p:nvGrpSpPr>
+          <p:cNvPr id="130" name="グループ化 129">
+            <a:extLst>
+              <a:ext uri="{FF2B5EF4-FFF2-40B4-BE49-F238E27FC236}">
+                <a16:creationId xmlns:a16="http://schemas.microsoft.com/office/drawing/2014/main" id="{94527C43-6C82-584C-BBAA-4005FBB91630}"/>
+              </a:ext>
+            </a:extLst>
+          </p:cNvPr>
+          <p:cNvGrpSpPr/>
+          <p:nvPr/>
+        </p:nvGrpSpPr>
+        <p:grpSpPr>
+          <a:xfrm flipH="1">
+            <a:off x="6400797" y="2088568"/>
+            <a:ext cx="6249479" cy="1343530"/>
+            <a:chOff x="9422905" y="2878213"/>
+            <a:chExt cx="1523323" cy="1523323"/>
+          </a:xfrm>
+        </p:grpSpPr>
+        <p:cxnSp>
+          <p:nvCxnSpPr>
+            <p:cNvPr id="131" name="直線矢印コネクタ 130">
+              <a:extLst>
+                <a:ext uri="{FF2B5EF4-FFF2-40B4-BE49-F238E27FC236}">
+                  <a16:creationId xmlns:a16="http://schemas.microsoft.com/office/drawing/2014/main" id="{4A14FFBD-90BC-AE47-B4A7-F78340C8C9CF}"/>
+                </a:ext>
+              </a:extLst>
+            </p:cNvPr>
+            <p:cNvCxnSpPr>
+              <a:cxnSpLocks/>
+            </p:cNvCxnSpPr>
+            <p:nvPr/>
+          </p:nvCxnSpPr>
+          <p:spPr>
+            <a:xfrm>
+              <a:off x="9422905" y="2878213"/>
+              <a:ext cx="1523323" cy="0"/>
+            </a:xfrm>
+            <a:prstGeom prst="straightConnector1">
+              <a:avLst/>
+            </a:prstGeom>
+            <a:ln w="38100">
+              <a:solidFill>
+                <a:schemeClr val="tx1">
+                  <a:lumMod val="50000"/>
+                  <a:lumOff val="50000"/>
+                </a:schemeClr>
+              </a:solidFill>
+              <a:headEnd type="none" w="med" len="med"/>
+              <a:tailEnd type="none" w="med" len="med"/>
+            </a:ln>
+          </p:spPr>
+          <p:style>
+            <a:lnRef idx="1">
+              <a:schemeClr val="accent1"/>
+            </a:lnRef>
+            <a:fillRef idx="0">
+              <a:schemeClr val="accent1"/>
+            </a:fillRef>
+            <a:effectRef idx="0">
+              <a:schemeClr val="accent1"/>
+            </a:effectRef>
+            <a:fontRef idx="minor">
+              <a:schemeClr val="tx1"/>
+            </a:fontRef>
+          </p:style>
+        </p:cxnSp>
+        <p:cxnSp>
+          <p:nvCxnSpPr>
+            <p:cNvPr id="132" name="直線矢印コネクタ 131">
+              <a:extLst>
+                <a:ext uri="{FF2B5EF4-FFF2-40B4-BE49-F238E27FC236}">
+                  <a16:creationId xmlns:a16="http://schemas.microsoft.com/office/drawing/2014/main" id="{9307C56C-46FD-9146-B5FD-683BF79055FD}"/>
+                </a:ext>
+              </a:extLst>
+            </p:cNvPr>
+            <p:cNvCxnSpPr>
+              <a:cxnSpLocks/>
+            </p:cNvCxnSpPr>
+            <p:nvPr/>
+          </p:nvCxnSpPr>
+          <p:spPr>
+            <a:xfrm rot="5400000">
+              <a:off x="10184566" y="3639875"/>
+              <a:ext cx="1523323" cy="0"/>
+            </a:xfrm>
+            <a:prstGeom prst="straightConnector1">
+              <a:avLst/>
+            </a:prstGeom>
+            <a:ln w="38100">
+              <a:solidFill>
+                <a:schemeClr val="tx1">
+                  <a:lumMod val="50000"/>
+                  <a:lumOff val="50000"/>
+                </a:schemeClr>
+              </a:solidFill>
+              <a:headEnd type="none" w="med" len="med"/>
+              <a:tailEnd type="none" w="med" len="med"/>
+            </a:ln>
+          </p:spPr>
+          <p:style>
+            <a:lnRef idx="1">
+              <a:schemeClr val="accent1"/>
+            </a:lnRef>
+            <a:fillRef idx="0">
+              <a:schemeClr val="accent1"/>
+            </a:fillRef>
+            <a:effectRef idx="0">
+              <a:schemeClr val="accent1"/>
+            </a:effectRef>
+            <a:fontRef idx="minor">
+              <a:schemeClr val="tx1"/>
+            </a:fontRef>
+          </p:style>
+        </p:cxnSp>
+      </p:grpSp>
+      <p:grpSp>
+        <p:nvGrpSpPr>
+          <p:cNvPr id="43" name="グループ化 42">
+            <a:extLst>
+              <a:ext uri="{FF2B5EF4-FFF2-40B4-BE49-F238E27FC236}">
+                <a16:creationId xmlns:a16="http://schemas.microsoft.com/office/drawing/2014/main" id="{566F1E70-B692-D943-B857-919F5C629981}"/>
+              </a:ext>
+            </a:extLst>
+          </p:cNvPr>
+          <p:cNvGrpSpPr/>
+          <p:nvPr/>
+        </p:nvGrpSpPr>
+        <p:grpSpPr>
+          <a:xfrm>
+            <a:off x="6658517" y="2334487"/>
+            <a:ext cx="4067102" cy="2160240"/>
+            <a:chOff x="6658517" y="2710054"/>
+            <a:chExt cx="4067102" cy="2160240"/>
+          </a:xfrm>
+        </p:grpSpPr>
+        <p:grpSp>
+          <p:nvGrpSpPr>
+            <p:cNvPr id="47" name="グループ化 46">
+              <a:extLst>
+                <a:ext uri="{FF2B5EF4-FFF2-40B4-BE49-F238E27FC236}">
+                  <a16:creationId xmlns:a16="http://schemas.microsoft.com/office/drawing/2014/main" id="{1B3E9F9C-C93D-EB44-9FCE-D545292C33DB}"/>
+                </a:ext>
+              </a:extLst>
+            </p:cNvPr>
+            <p:cNvGrpSpPr/>
+            <p:nvPr/>
+          </p:nvGrpSpPr>
+          <p:grpSpPr>
+            <a:xfrm>
+              <a:off x="7616015" y="3022089"/>
+              <a:ext cx="288032" cy="1536171"/>
+              <a:chOff x="1127448" y="980728"/>
+              <a:chExt cx="432048" cy="2304256"/>
+            </a:xfrm>
+          </p:grpSpPr>
+          <p:sp>
+            <p:nvSpPr>
+              <p:cNvPr id="107" name="円/楕円 106">
+                <a:extLst>
+                  <a:ext uri="{FF2B5EF4-FFF2-40B4-BE49-F238E27FC236}">
+                    <a16:creationId xmlns:a16="http://schemas.microsoft.com/office/drawing/2014/main" id="{08AF50C1-126A-4847-9F80-A3D0E9E2C8C5}"/>
+                  </a:ext>
+                </a:extLst>
+              </p:cNvPr>
+              <p:cNvSpPr/>
+              <p:nvPr/>
+            </p:nvSpPr>
+            <p:spPr>
+              <a:xfrm>
+                <a:off x="1127448" y="980728"/>
+                <a:ext cx="432048" cy="432048"/>
+              </a:xfrm>
+              <a:prstGeom prst="ellipse">
+                <a:avLst/>
+              </a:prstGeom>
+              <a:solidFill>
+                <a:schemeClr val="accent5">
+                  <a:lumMod val="20000"/>
+                  <a:lumOff val="80000"/>
+                </a:schemeClr>
+              </a:solidFill>
+              <a:ln w="19050">
+                <a:solidFill>
+                  <a:schemeClr val="tx1">
+                    <a:lumMod val="50000"/>
+                    <a:lumOff val="50000"/>
+                  </a:schemeClr>
+                </a:solidFill>
+              </a:ln>
+            </p:spPr>
+            <p:style>
+              <a:lnRef idx="2">
+                <a:schemeClr val="accent1">
+                  <a:shade val="50000"/>
+                </a:schemeClr>
+              </a:lnRef>
+              <a:fillRef idx="1">
+                <a:schemeClr val="accent1"/>
+              </a:fillRef>
+              <a:effectRef idx="0">
+                <a:schemeClr val="accent1"/>
+              </a:effectRef>
+              <a:fontRef idx="minor">
+                <a:schemeClr val="lt1"/>
+              </a:fontRef>
+            </p:style>
+            <p:txBody>
+              <a:bodyPr rtlCol="0" anchor="t" anchorCtr="0"/>
+              <a:lstStyle/>
+              <a:p>
+                <a:pPr algn="ctr"/>
+                <a:endParaRPr kumimoji="1" lang="ja-JP" altLang="en-US" sz="1100" dirty="0" err="1">
+                  <a:solidFill>
+                    <a:schemeClr val="tx1"/>
+                  </a:solidFill>
+                </a:endParaRPr>
+              </a:p>
+            </p:txBody>
+          </p:sp>
+          <p:sp>
+            <p:nvSpPr>
+              <p:cNvPr id="108" name="円/楕円 107">
+                <a:extLst>
+                  <a:ext uri="{FF2B5EF4-FFF2-40B4-BE49-F238E27FC236}">
+                    <a16:creationId xmlns:a16="http://schemas.microsoft.com/office/drawing/2014/main" id="{82FDCA29-2A22-F541-8AF4-2AB1DDE85A1D}"/>
+                  </a:ext>
+                </a:extLst>
+              </p:cNvPr>
+              <p:cNvSpPr/>
+              <p:nvPr/>
+            </p:nvSpPr>
+            <p:spPr>
+              <a:xfrm>
+                <a:off x="1127448" y="1700808"/>
+                <a:ext cx="432048" cy="432048"/>
+              </a:xfrm>
+              <a:prstGeom prst="ellipse">
+                <a:avLst/>
+              </a:prstGeom>
+              <a:solidFill>
+                <a:schemeClr val="accent5">
+                  <a:lumMod val="20000"/>
+                  <a:lumOff val="80000"/>
+                </a:schemeClr>
+              </a:solidFill>
+              <a:ln w="19050">
+                <a:solidFill>
+                  <a:schemeClr val="tx1">
+                    <a:lumMod val="50000"/>
+                    <a:lumOff val="50000"/>
+                  </a:schemeClr>
+                </a:solidFill>
+              </a:ln>
+            </p:spPr>
+            <p:style>
+              <a:lnRef idx="2">
+                <a:schemeClr val="accent1">
+                  <a:shade val="50000"/>
+                </a:schemeClr>
+              </a:lnRef>
+              <a:fillRef idx="1">
+                <a:schemeClr val="accent1"/>
+              </a:fillRef>
+              <a:effectRef idx="0">
+                <a:schemeClr val="accent1"/>
+              </a:effectRef>
+              <a:fontRef idx="minor">
+                <a:schemeClr val="lt1"/>
+              </a:fontRef>
+            </p:style>
+            <p:txBody>
+              <a:bodyPr rtlCol="0" anchor="t" anchorCtr="0"/>
+              <a:lstStyle/>
+              <a:p>
+                <a:pPr algn="ctr"/>
+                <a:endParaRPr kumimoji="1" lang="ja-JP" altLang="en-US" sz="1100" dirty="0" err="1">
+                  <a:solidFill>
+                    <a:schemeClr val="tx1"/>
+                  </a:solidFill>
+                </a:endParaRPr>
+              </a:p>
+            </p:txBody>
+          </p:sp>
+          <p:sp>
+            <p:nvSpPr>
+              <p:cNvPr id="109" name="円/楕円 108">
+                <a:extLst>
+                  <a:ext uri="{FF2B5EF4-FFF2-40B4-BE49-F238E27FC236}">
+                    <a16:creationId xmlns:a16="http://schemas.microsoft.com/office/drawing/2014/main" id="{AB07780B-023A-3144-A425-81F91DAF189B}"/>
+                  </a:ext>
+                </a:extLst>
+              </p:cNvPr>
+              <p:cNvSpPr/>
+              <p:nvPr/>
+            </p:nvSpPr>
+            <p:spPr>
+              <a:xfrm>
+                <a:off x="1127448" y="2852936"/>
+                <a:ext cx="432048" cy="432048"/>
+              </a:xfrm>
+              <a:prstGeom prst="ellipse">
+                <a:avLst/>
+              </a:prstGeom>
+              <a:solidFill>
+                <a:schemeClr val="accent5">
+                  <a:lumMod val="20000"/>
+                  <a:lumOff val="80000"/>
+                </a:schemeClr>
+              </a:solidFill>
+              <a:ln w="19050">
+                <a:solidFill>
+                  <a:schemeClr val="tx1">
+                    <a:lumMod val="50000"/>
+                    <a:lumOff val="50000"/>
+                  </a:schemeClr>
+                </a:solidFill>
+              </a:ln>
+            </p:spPr>
+            <p:style>
+              <a:lnRef idx="2">
+                <a:schemeClr val="accent1">
+                  <a:shade val="50000"/>
+                </a:schemeClr>
+              </a:lnRef>
+              <a:fillRef idx="1">
+                <a:schemeClr val="accent1"/>
+              </a:fillRef>
+              <a:effectRef idx="0">
+                <a:schemeClr val="accent1"/>
+              </a:effectRef>
+              <a:fontRef idx="minor">
+                <a:schemeClr val="lt1"/>
+              </a:fontRef>
+            </p:style>
+            <p:txBody>
+              <a:bodyPr rtlCol="0" anchor="t" anchorCtr="0"/>
+              <a:lstStyle/>
+              <a:p>
+                <a:pPr algn="ctr"/>
+                <a:endParaRPr kumimoji="1" lang="ja-JP" altLang="en-US" sz="1100" dirty="0" err="1">
+                  <a:solidFill>
+                    <a:schemeClr val="tx1"/>
+                  </a:solidFill>
+                </a:endParaRPr>
+              </a:p>
+            </p:txBody>
+          </p:sp>
+          <p:cxnSp>
+            <p:nvCxnSpPr>
+              <p:cNvPr id="110" name="直線コネクタ 109">
+                <a:extLst>
+                  <a:ext uri="{FF2B5EF4-FFF2-40B4-BE49-F238E27FC236}">
+                    <a16:creationId xmlns:a16="http://schemas.microsoft.com/office/drawing/2014/main" id="{A3E5FB30-5259-AC49-A6F5-3D5F224D9707}"/>
+                  </a:ext>
+                </a:extLst>
+              </p:cNvPr>
+              <p:cNvCxnSpPr>
+                <a:cxnSpLocks/>
+              </p:cNvCxnSpPr>
+              <p:nvPr/>
+            </p:nvCxnSpPr>
+            <p:spPr>
+              <a:xfrm>
+                <a:off x="1343472" y="2276872"/>
+                <a:ext cx="0" cy="432048"/>
+              </a:xfrm>
+              <a:prstGeom prst="line">
+                <a:avLst/>
+              </a:prstGeom>
+              <a:ln w="19050">
+                <a:solidFill>
+                  <a:schemeClr val="tx1">
+                    <a:lumMod val="50000"/>
+                    <a:lumOff val="50000"/>
+                  </a:schemeClr>
+                </a:solidFill>
+                <a:prstDash val="sysDash"/>
+              </a:ln>
+            </p:spPr>
+            <p:style>
+              <a:lnRef idx="1">
+                <a:schemeClr val="accent1"/>
+              </a:lnRef>
+              <a:fillRef idx="0">
+                <a:schemeClr val="accent1"/>
+              </a:fillRef>
+              <a:effectRef idx="0">
+                <a:schemeClr val="accent1"/>
+              </a:effectRef>
+              <a:fontRef idx="minor">
+                <a:schemeClr val="tx1"/>
+              </a:fontRef>
+            </p:style>
+          </p:cxnSp>
+        </p:grpSp>
+        <p:sp>
+          <p:nvSpPr>
+            <p:cNvPr id="52" name="角丸四角形 51">
+              <a:extLst>
+                <a:ext uri="{FF2B5EF4-FFF2-40B4-BE49-F238E27FC236}">
+                  <a16:creationId xmlns:a16="http://schemas.microsoft.com/office/drawing/2014/main" id="{A1816A2C-8336-D646-AA94-FDB2F4BA97BB}"/>
+                </a:ext>
+              </a:extLst>
+            </p:cNvPr>
+            <p:cNvSpPr/>
+            <p:nvPr/>
+          </p:nvSpPr>
+          <p:spPr>
+            <a:xfrm>
+              <a:off x="6658517" y="2902075"/>
+              <a:ext cx="1328284" cy="1776197"/>
+            </a:xfrm>
+            <a:prstGeom prst="roundRect">
+              <a:avLst/>
+            </a:prstGeom>
+            <a:noFill/>
+            <a:ln w="19050">
+              <a:solidFill>
+                <a:schemeClr val="bg1">
+                  <a:lumMod val="50000"/>
+                </a:schemeClr>
+              </a:solidFill>
+              <a:prstDash val="sysDot"/>
+            </a:ln>
+          </p:spPr>
+          <p:style>
+            <a:lnRef idx="2">
+              <a:schemeClr val="accent1">
+                <a:shade val="50000"/>
+              </a:schemeClr>
+            </a:lnRef>
+            <a:fillRef idx="1">
+              <a:schemeClr val="accent1"/>
+            </a:fillRef>
+            <a:effectRef idx="0">
+              <a:schemeClr val="accent1"/>
+            </a:effectRef>
+            <a:fontRef idx="minor">
+              <a:schemeClr val="lt1"/>
+            </a:fontRef>
+          </p:style>
+          <p:txBody>
+            <a:bodyPr rtlCol="0" anchor="t" anchorCtr="0"/>
+            <a:lstStyle/>
+            <a:p>
+              <a:pPr algn="ctr"/>
+              <a:endParaRPr kumimoji="1" lang="ja-JP" altLang="en-US" sz="1100" dirty="0" err="1">
+                <a:solidFill>
+                  <a:schemeClr val="tx1"/>
+                </a:solidFill>
+              </a:endParaRPr>
+            </a:p>
+          </p:txBody>
+        </p:sp>
+        <p:sp>
+          <p:nvSpPr>
+            <p:cNvPr id="53" name="正方形/長方形 52">
+              <a:extLst>
+                <a:ext uri="{FF2B5EF4-FFF2-40B4-BE49-F238E27FC236}">
+                  <a16:creationId xmlns:a16="http://schemas.microsoft.com/office/drawing/2014/main" id="{58E122D6-D18E-FC4B-B9DC-E0B146304D2F}"/>
+                </a:ext>
+              </a:extLst>
+            </p:cNvPr>
+            <p:cNvSpPr/>
+            <p:nvPr/>
+          </p:nvSpPr>
+          <p:spPr>
+            <a:xfrm>
+              <a:off x="7222596" y="2715960"/>
+              <a:ext cx="1082635" cy="170078"/>
+            </a:xfrm>
+            <a:prstGeom prst="rect">
+              <a:avLst/>
+            </a:prstGeom>
+            <a:noFill/>
+            <a:ln w="12700">
+              <a:noFill/>
+            </a:ln>
+          </p:spPr>
+          <p:style>
+            <a:lnRef idx="2">
+              <a:schemeClr val="accent1">
+                <a:shade val="50000"/>
+              </a:schemeClr>
+            </a:lnRef>
+            <a:fillRef idx="1">
+              <a:schemeClr val="accent1"/>
+            </a:fillRef>
+            <a:effectRef idx="0">
+              <a:schemeClr val="accent1"/>
+            </a:effectRef>
+            <a:fontRef idx="minor">
+              <a:schemeClr val="lt1"/>
+            </a:fontRef>
+          </p:style>
+          <p:txBody>
+            <a:bodyPr rtlCol="0" anchor="ctr" anchorCtr="0"/>
+            <a:lstStyle/>
+            <a:p>
+              <a:pPr algn="ctr"/>
+              <a:r>
+                <a:rPr kumimoji="1" lang="ja-JP" altLang="en-US" sz="1100">
+                  <a:solidFill>
+                    <a:schemeClr val="tx1"/>
+                  </a:solidFill>
+                </a:rPr>
+                <a:t>入力層</a:t>
+              </a:r>
+              <a:endParaRPr kumimoji="1" lang="ja-JP" altLang="en-US" sz="1100" dirty="0" err="1">
+                <a:solidFill>
+                  <a:schemeClr val="tx1"/>
+                </a:solidFill>
+              </a:endParaRPr>
+            </a:p>
+          </p:txBody>
+        </p:sp>
+        <p:sp>
+          <p:nvSpPr>
+            <p:cNvPr id="54" name="正方形/長方形 53">
+              <a:extLst>
+                <a:ext uri="{FF2B5EF4-FFF2-40B4-BE49-F238E27FC236}">
+                  <a16:creationId xmlns:a16="http://schemas.microsoft.com/office/drawing/2014/main" id="{A524DFCA-A9F2-9644-9B0A-BD886E685B70}"/>
+                </a:ext>
+              </a:extLst>
+            </p:cNvPr>
+            <p:cNvSpPr/>
+            <p:nvPr/>
+          </p:nvSpPr>
+          <p:spPr>
+            <a:xfrm>
+              <a:off x="7222596" y="4700216"/>
+              <a:ext cx="1082635" cy="170078"/>
+            </a:xfrm>
+            <a:prstGeom prst="rect">
+              <a:avLst/>
+            </a:prstGeom>
+            <a:noFill/>
+            <a:ln w="12700">
+              <a:noFill/>
+            </a:ln>
+          </p:spPr>
+          <p:style>
+            <a:lnRef idx="2">
+              <a:schemeClr val="accent1">
+                <a:shade val="50000"/>
+              </a:schemeClr>
+            </a:lnRef>
+            <a:fillRef idx="1">
+              <a:schemeClr val="accent1"/>
+            </a:fillRef>
+            <a:effectRef idx="0">
+              <a:schemeClr val="accent1"/>
+            </a:effectRef>
+            <a:fontRef idx="minor">
+              <a:schemeClr val="lt1"/>
+            </a:fontRef>
+          </p:style>
+          <p:txBody>
+            <a:bodyPr rtlCol="0" anchor="ctr" anchorCtr="0"/>
+            <a:lstStyle/>
+            <a:p>
+              <a:pPr algn="ctr"/>
+              <a:r>
+                <a:rPr kumimoji="1" lang="en-US" altLang="ja-JP" sz="1100" dirty="0">
+                  <a:solidFill>
+                    <a:schemeClr val="tx1"/>
+                  </a:solidFill>
+                </a:rPr>
+                <a:t>784</a:t>
+              </a:r>
+              <a:r>
+                <a:rPr kumimoji="1" lang="ja-JP" altLang="en-US" sz="1100">
+                  <a:solidFill>
+                    <a:schemeClr val="tx1"/>
+                  </a:solidFill>
+                </a:rPr>
+                <a:t>ノード</a:t>
+              </a:r>
+              <a:endParaRPr kumimoji="1" lang="ja-JP" altLang="en-US" sz="1100" dirty="0" err="1">
+                <a:solidFill>
+                  <a:schemeClr val="tx1"/>
+                </a:solidFill>
+              </a:endParaRPr>
+            </a:p>
+          </p:txBody>
+        </p:sp>
+        <p:grpSp>
+          <p:nvGrpSpPr>
+            <p:cNvPr id="55" name="グループ化 54">
+              <a:extLst>
+                <a:ext uri="{FF2B5EF4-FFF2-40B4-BE49-F238E27FC236}">
+                  <a16:creationId xmlns:a16="http://schemas.microsoft.com/office/drawing/2014/main" id="{97EC29A4-BF90-8C43-A0A5-CCC20AED4940}"/>
+                </a:ext>
+              </a:extLst>
+            </p:cNvPr>
+            <p:cNvGrpSpPr/>
+            <p:nvPr/>
+          </p:nvGrpSpPr>
+          <p:grpSpPr>
+            <a:xfrm>
+              <a:off x="8453593" y="3016183"/>
+              <a:ext cx="288032" cy="1536171"/>
+              <a:chOff x="1127448" y="980728"/>
+              <a:chExt cx="432048" cy="2304256"/>
+            </a:xfrm>
+          </p:grpSpPr>
+          <p:sp>
+            <p:nvSpPr>
+              <p:cNvPr id="103" name="円/楕円 102">
+                <a:extLst>
+                  <a:ext uri="{FF2B5EF4-FFF2-40B4-BE49-F238E27FC236}">
+                    <a16:creationId xmlns:a16="http://schemas.microsoft.com/office/drawing/2014/main" id="{ECAB17C9-730E-4C4F-9A07-0472F38AE76F}"/>
+                  </a:ext>
+                </a:extLst>
+              </p:cNvPr>
+              <p:cNvSpPr/>
+              <p:nvPr/>
+            </p:nvSpPr>
+            <p:spPr>
+              <a:xfrm>
+                <a:off x="1127448" y="980728"/>
+                <a:ext cx="432048" cy="432048"/>
+              </a:xfrm>
+              <a:prstGeom prst="ellipse">
+                <a:avLst/>
+              </a:prstGeom>
+              <a:solidFill>
+                <a:schemeClr val="accent6">
+                  <a:lumMod val="20000"/>
+                  <a:lumOff val="80000"/>
+                </a:schemeClr>
+              </a:solidFill>
+              <a:ln w="19050">
+                <a:solidFill>
+                  <a:schemeClr val="tx1">
+                    <a:lumMod val="50000"/>
+                    <a:lumOff val="50000"/>
+                  </a:schemeClr>
+                </a:solidFill>
+              </a:ln>
+            </p:spPr>
+            <p:style>
+              <a:lnRef idx="2">
+                <a:schemeClr val="accent1">
+                  <a:shade val="50000"/>
+                </a:schemeClr>
+              </a:lnRef>
+              <a:fillRef idx="1">
+                <a:schemeClr val="accent1"/>
+              </a:fillRef>
+              <a:effectRef idx="0">
+                <a:schemeClr val="accent1"/>
+              </a:effectRef>
+              <a:fontRef idx="minor">
+                <a:schemeClr val="lt1"/>
+              </a:fontRef>
+            </p:style>
+            <p:txBody>
+              <a:bodyPr rtlCol="0" anchor="t" anchorCtr="0"/>
+              <a:lstStyle/>
+              <a:p>
+                <a:pPr algn="ctr"/>
+                <a:endParaRPr kumimoji="1" lang="ja-JP" altLang="en-US" sz="1100" dirty="0" err="1">
+                  <a:solidFill>
+                    <a:schemeClr val="tx1"/>
+                  </a:solidFill>
+                </a:endParaRPr>
+              </a:p>
+            </p:txBody>
+          </p:sp>
+          <p:sp>
+            <p:nvSpPr>
+              <p:cNvPr id="104" name="円/楕円 103">
+                <a:extLst>
+                  <a:ext uri="{FF2B5EF4-FFF2-40B4-BE49-F238E27FC236}">
+                    <a16:creationId xmlns:a16="http://schemas.microsoft.com/office/drawing/2014/main" id="{45134BED-EFAF-A440-9808-B9D041AA823C}"/>
+                  </a:ext>
+                </a:extLst>
+              </p:cNvPr>
+              <p:cNvSpPr/>
+              <p:nvPr/>
+            </p:nvSpPr>
+            <p:spPr>
+              <a:xfrm>
+                <a:off x="1127448" y="1700808"/>
+                <a:ext cx="432048" cy="432048"/>
+              </a:xfrm>
+              <a:prstGeom prst="ellipse">
+                <a:avLst/>
+              </a:prstGeom>
+              <a:solidFill>
+                <a:schemeClr val="accent6">
+                  <a:lumMod val="20000"/>
+                  <a:lumOff val="80000"/>
+                </a:schemeClr>
+              </a:solidFill>
+              <a:ln w="19050">
+                <a:solidFill>
+                  <a:schemeClr val="tx1">
+                    <a:lumMod val="50000"/>
+                    <a:lumOff val="50000"/>
+                  </a:schemeClr>
+                </a:solidFill>
+              </a:ln>
+            </p:spPr>
+            <p:style>
+              <a:lnRef idx="2">
+                <a:schemeClr val="accent1">
+                  <a:shade val="50000"/>
+                </a:schemeClr>
+              </a:lnRef>
+              <a:fillRef idx="1">
+                <a:schemeClr val="accent1"/>
+              </a:fillRef>
+              <a:effectRef idx="0">
+                <a:schemeClr val="accent1"/>
+              </a:effectRef>
+              <a:fontRef idx="minor">
+                <a:schemeClr val="lt1"/>
+              </a:fontRef>
+            </p:style>
+            <p:txBody>
+              <a:bodyPr rtlCol="0" anchor="t" anchorCtr="0"/>
+              <a:lstStyle/>
+              <a:p>
+                <a:pPr algn="ctr"/>
+                <a:endParaRPr kumimoji="1" lang="ja-JP" altLang="en-US" sz="1100" dirty="0" err="1">
+                  <a:solidFill>
+                    <a:schemeClr val="tx1"/>
+                  </a:solidFill>
+                </a:endParaRPr>
+              </a:p>
+            </p:txBody>
+          </p:sp>
+          <p:sp>
+            <p:nvSpPr>
+              <p:cNvPr id="105" name="円/楕円 104">
+                <a:extLst>
+                  <a:ext uri="{FF2B5EF4-FFF2-40B4-BE49-F238E27FC236}">
+                    <a16:creationId xmlns:a16="http://schemas.microsoft.com/office/drawing/2014/main" id="{1614F197-0600-1746-BF8C-29FF4734A7BC}"/>
+                  </a:ext>
+                </a:extLst>
+              </p:cNvPr>
+              <p:cNvSpPr/>
+              <p:nvPr/>
+            </p:nvSpPr>
+            <p:spPr>
+              <a:xfrm>
+                <a:off x="1127448" y="2852936"/>
+                <a:ext cx="432048" cy="432048"/>
+              </a:xfrm>
+              <a:prstGeom prst="ellipse">
+                <a:avLst/>
+              </a:prstGeom>
+              <a:solidFill>
+                <a:schemeClr val="accent6">
+                  <a:lumMod val="20000"/>
+                  <a:lumOff val="80000"/>
+                </a:schemeClr>
+              </a:solidFill>
+              <a:ln w="19050">
+                <a:solidFill>
+                  <a:schemeClr val="tx1">
+                    <a:lumMod val="50000"/>
+                    <a:lumOff val="50000"/>
+                  </a:schemeClr>
+                </a:solidFill>
+              </a:ln>
+            </p:spPr>
+            <p:style>
+              <a:lnRef idx="2">
+                <a:schemeClr val="accent1">
+                  <a:shade val="50000"/>
+                </a:schemeClr>
+              </a:lnRef>
+              <a:fillRef idx="1">
+                <a:schemeClr val="accent1"/>
+              </a:fillRef>
+              <a:effectRef idx="0">
+                <a:schemeClr val="accent1"/>
+              </a:effectRef>
+              <a:fontRef idx="minor">
+                <a:schemeClr val="lt1"/>
+              </a:fontRef>
+            </p:style>
+            <p:txBody>
+              <a:bodyPr rtlCol="0" anchor="t" anchorCtr="0"/>
+              <a:lstStyle/>
+              <a:p>
+                <a:pPr algn="ctr"/>
+                <a:endParaRPr kumimoji="1" lang="ja-JP" altLang="en-US" sz="1100" dirty="0" err="1">
+                  <a:solidFill>
+                    <a:schemeClr val="tx1"/>
+                  </a:solidFill>
+                </a:endParaRPr>
+              </a:p>
+            </p:txBody>
+          </p:sp>
+          <p:cxnSp>
+            <p:nvCxnSpPr>
+              <p:cNvPr id="106" name="直線コネクタ 105">
+                <a:extLst>
+                  <a:ext uri="{FF2B5EF4-FFF2-40B4-BE49-F238E27FC236}">
+                    <a16:creationId xmlns:a16="http://schemas.microsoft.com/office/drawing/2014/main" id="{5A9CCB5B-14D5-7F48-AC6D-0C0FB0A7FC17}"/>
+                  </a:ext>
+                </a:extLst>
+              </p:cNvPr>
+              <p:cNvCxnSpPr>
+                <a:cxnSpLocks/>
+              </p:cNvCxnSpPr>
+              <p:nvPr/>
+            </p:nvCxnSpPr>
+            <p:spPr>
+              <a:xfrm>
+                <a:off x="1343472" y="2276872"/>
+                <a:ext cx="0" cy="432048"/>
+              </a:xfrm>
+              <a:prstGeom prst="line">
+                <a:avLst/>
+              </a:prstGeom>
+              <a:ln w="19050">
+                <a:solidFill>
+                  <a:schemeClr val="tx1">
+                    <a:lumMod val="50000"/>
+                    <a:lumOff val="50000"/>
+                  </a:schemeClr>
+                </a:solidFill>
+                <a:prstDash val="sysDash"/>
+              </a:ln>
+            </p:spPr>
+            <p:style>
+              <a:lnRef idx="1">
+                <a:schemeClr val="accent1"/>
+              </a:lnRef>
+              <a:fillRef idx="0">
+                <a:schemeClr val="accent1"/>
+              </a:fillRef>
+              <a:effectRef idx="0">
+                <a:schemeClr val="accent1"/>
+              </a:effectRef>
+              <a:fontRef idx="minor">
+                <a:schemeClr val="tx1"/>
+              </a:fontRef>
+            </p:style>
+          </p:cxnSp>
+        </p:grpSp>
+        <p:sp>
+          <p:nvSpPr>
+            <p:cNvPr id="56" name="角丸四角形 55">
+              <a:extLst>
+                <a:ext uri="{FF2B5EF4-FFF2-40B4-BE49-F238E27FC236}">
+                  <a16:creationId xmlns:a16="http://schemas.microsoft.com/office/drawing/2014/main" id="{7AF2DF6D-3544-644A-B4DB-F5974CA84A4B}"/>
+                </a:ext>
+              </a:extLst>
+            </p:cNvPr>
+            <p:cNvSpPr/>
+            <p:nvPr/>
+          </p:nvSpPr>
+          <p:spPr>
+            <a:xfrm>
+              <a:off x="8357583" y="2896169"/>
+              <a:ext cx="480053" cy="1776197"/>
+            </a:xfrm>
+            <a:prstGeom prst="roundRect">
+              <a:avLst/>
+            </a:prstGeom>
+            <a:noFill/>
+            <a:ln w="19050">
+              <a:solidFill>
+                <a:schemeClr val="bg1">
+                  <a:lumMod val="50000"/>
+                </a:schemeClr>
+              </a:solidFill>
+              <a:prstDash val="sysDot"/>
+            </a:ln>
+          </p:spPr>
+          <p:style>
+            <a:lnRef idx="2">
+              <a:schemeClr val="accent1">
+                <a:shade val="50000"/>
+              </a:schemeClr>
+            </a:lnRef>
+            <a:fillRef idx="1">
+              <a:schemeClr val="accent1"/>
+            </a:fillRef>
+            <a:effectRef idx="0">
+              <a:schemeClr val="accent1"/>
+            </a:effectRef>
+            <a:fontRef idx="minor">
+              <a:schemeClr val="lt1"/>
+            </a:fontRef>
+          </p:style>
+          <p:txBody>
+            <a:bodyPr rtlCol="0" anchor="t" anchorCtr="0"/>
+            <a:lstStyle/>
+            <a:p>
+              <a:pPr algn="ctr"/>
+              <a:endParaRPr kumimoji="1" lang="ja-JP" altLang="en-US" sz="1100" dirty="0" err="1">
+                <a:solidFill>
+                  <a:schemeClr val="tx1"/>
+                </a:solidFill>
+              </a:endParaRPr>
+            </a:p>
+          </p:txBody>
+        </p:sp>
+        <p:sp>
+          <p:nvSpPr>
+            <p:cNvPr id="57" name="正方形/長方形 56">
+              <a:extLst>
+                <a:ext uri="{FF2B5EF4-FFF2-40B4-BE49-F238E27FC236}">
+                  <a16:creationId xmlns:a16="http://schemas.microsoft.com/office/drawing/2014/main" id="{6CDB3E78-06CB-1343-A3E8-141B41DF2EAD}"/>
+                </a:ext>
+              </a:extLst>
+            </p:cNvPr>
+            <p:cNvSpPr/>
+            <p:nvPr/>
+          </p:nvSpPr>
+          <p:spPr>
+            <a:xfrm>
+              <a:off x="8056292" y="2710054"/>
+              <a:ext cx="1082635" cy="170078"/>
+            </a:xfrm>
+            <a:prstGeom prst="rect">
+              <a:avLst/>
+            </a:prstGeom>
+            <a:noFill/>
+            <a:ln w="12700">
+              <a:noFill/>
+            </a:ln>
+          </p:spPr>
+          <p:style>
+            <a:lnRef idx="2">
+              <a:schemeClr val="accent1">
+                <a:shade val="50000"/>
+              </a:schemeClr>
+            </a:lnRef>
+            <a:fillRef idx="1">
+              <a:schemeClr val="accent1"/>
+            </a:fillRef>
+            <a:effectRef idx="0">
+              <a:schemeClr val="accent1"/>
+            </a:effectRef>
+            <a:fontRef idx="minor">
+              <a:schemeClr val="lt1"/>
+            </a:fontRef>
+          </p:style>
+          <p:txBody>
+            <a:bodyPr rtlCol="0" anchor="ctr" anchorCtr="0"/>
+            <a:lstStyle/>
+            <a:p>
+              <a:pPr algn="ctr"/>
+              <a:r>
+                <a:rPr lang="ja-JP" altLang="en-US" sz="1100">
+                  <a:solidFill>
+                    <a:schemeClr val="tx1"/>
+                  </a:solidFill>
+                </a:rPr>
+                <a:t>隠れ層</a:t>
+              </a:r>
+              <a:endParaRPr kumimoji="1" lang="ja-JP" altLang="en-US" sz="1100" dirty="0" err="1">
+                <a:solidFill>
+                  <a:schemeClr val="tx1"/>
+                </a:solidFill>
+              </a:endParaRPr>
+            </a:p>
+          </p:txBody>
+        </p:sp>
+        <p:sp>
+          <p:nvSpPr>
+            <p:cNvPr id="58" name="正方形/長方形 57">
+              <a:extLst>
+                <a:ext uri="{FF2B5EF4-FFF2-40B4-BE49-F238E27FC236}">
+                  <a16:creationId xmlns:a16="http://schemas.microsoft.com/office/drawing/2014/main" id="{19AEE029-3DA0-F24F-8C91-68DFD2591C26}"/>
+                </a:ext>
+              </a:extLst>
+            </p:cNvPr>
+            <p:cNvSpPr/>
+            <p:nvPr/>
+          </p:nvSpPr>
+          <p:spPr>
+            <a:xfrm>
+              <a:off x="8056292" y="4694310"/>
+              <a:ext cx="1082635" cy="170078"/>
+            </a:xfrm>
+            <a:prstGeom prst="rect">
+              <a:avLst/>
+            </a:prstGeom>
+            <a:noFill/>
+            <a:ln w="12700">
+              <a:noFill/>
+            </a:ln>
+          </p:spPr>
+          <p:style>
+            <a:lnRef idx="2">
+              <a:schemeClr val="accent1">
+                <a:shade val="50000"/>
+              </a:schemeClr>
+            </a:lnRef>
+            <a:fillRef idx="1">
+              <a:schemeClr val="accent1"/>
+            </a:fillRef>
+            <a:effectRef idx="0">
+              <a:schemeClr val="accent1"/>
+            </a:effectRef>
+            <a:fontRef idx="minor">
+              <a:schemeClr val="lt1"/>
+            </a:fontRef>
+          </p:style>
+          <p:txBody>
+            <a:bodyPr rtlCol="0" anchor="ctr" anchorCtr="0"/>
+            <a:lstStyle/>
+            <a:p>
+              <a:pPr algn="ctr"/>
+              <a:r>
+                <a:rPr lang="en-US" altLang="ja-JP" sz="1100" dirty="0">
+                  <a:solidFill>
+                    <a:schemeClr val="tx1"/>
+                  </a:solidFill>
+                </a:rPr>
+                <a:t>512</a:t>
+              </a:r>
+              <a:r>
+                <a:rPr kumimoji="1" lang="ja-JP" altLang="en-US" sz="1100">
+                  <a:solidFill>
+                    <a:schemeClr val="tx1"/>
+                  </a:solidFill>
+                </a:rPr>
+                <a:t>ノード</a:t>
+              </a:r>
+              <a:endParaRPr kumimoji="1" lang="ja-JP" altLang="en-US" sz="1100" dirty="0" err="1">
+                <a:solidFill>
+                  <a:schemeClr val="tx1"/>
+                </a:solidFill>
+              </a:endParaRPr>
+            </a:p>
+          </p:txBody>
+        </p:sp>
+        <p:grpSp>
+          <p:nvGrpSpPr>
+            <p:cNvPr id="59" name="グループ化 58">
+              <a:extLst>
+                <a:ext uri="{FF2B5EF4-FFF2-40B4-BE49-F238E27FC236}">
+                  <a16:creationId xmlns:a16="http://schemas.microsoft.com/office/drawing/2014/main" id="{B294102E-45B8-7749-A942-AB94E2202F9B}"/>
+                </a:ext>
+              </a:extLst>
+            </p:cNvPr>
+            <p:cNvGrpSpPr/>
+            <p:nvPr/>
+          </p:nvGrpSpPr>
+          <p:grpSpPr>
+            <a:xfrm>
+              <a:off x="9248197" y="3022089"/>
+              <a:ext cx="288032" cy="1536171"/>
+              <a:chOff x="1127448" y="980728"/>
+              <a:chExt cx="432048" cy="2304256"/>
+            </a:xfrm>
+          </p:grpSpPr>
+          <p:sp>
+            <p:nvSpPr>
+              <p:cNvPr id="99" name="円/楕円 98">
+                <a:extLst>
+                  <a:ext uri="{FF2B5EF4-FFF2-40B4-BE49-F238E27FC236}">
+                    <a16:creationId xmlns:a16="http://schemas.microsoft.com/office/drawing/2014/main" id="{EAA8876F-C4C5-A442-95B6-B172FE8AEC06}"/>
+                  </a:ext>
+                </a:extLst>
+              </p:cNvPr>
+              <p:cNvSpPr/>
+              <p:nvPr/>
+            </p:nvSpPr>
+            <p:spPr>
+              <a:xfrm>
+                <a:off x="1127448" y="980728"/>
+                <a:ext cx="432048" cy="432048"/>
+              </a:xfrm>
+              <a:prstGeom prst="ellipse">
+                <a:avLst/>
+              </a:prstGeom>
+              <a:solidFill>
+                <a:schemeClr val="accent6">
+                  <a:lumMod val="20000"/>
+                  <a:lumOff val="80000"/>
+                </a:schemeClr>
+              </a:solidFill>
+              <a:ln w="19050">
+                <a:solidFill>
+                  <a:schemeClr val="tx1">
+                    <a:lumMod val="50000"/>
+                    <a:lumOff val="50000"/>
+                  </a:schemeClr>
+                </a:solidFill>
+              </a:ln>
+            </p:spPr>
+            <p:style>
+              <a:lnRef idx="2">
+                <a:schemeClr val="accent1">
+                  <a:shade val="50000"/>
+                </a:schemeClr>
+              </a:lnRef>
+              <a:fillRef idx="1">
+                <a:schemeClr val="accent1"/>
+              </a:fillRef>
+              <a:effectRef idx="0">
+                <a:schemeClr val="accent1"/>
+              </a:effectRef>
+              <a:fontRef idx="minor">
+                <a:schemeClr val="lt1"/>
+              </a:fontRef>
+            </p:style>
+            <p:txBody>
+              <a:bodyPr rtlCol="0" anchor="t" anchorCtr="0"/>
+              <a:lstStyle/>
+              <a:p>
+                <a:pPr algn="ctr"/>
+                <a:endParaRPr kumimoji="1" lang="ja-JP" altLang="en-US" sz="1100" dirty="0" err="1">
+                  <a:solidFill>
+                    <a:schemeClr val="tx1"/>
+                  </a:solidFill>
+                </a:endParaRPr>
+              </a:p>
+            </p:txBody>
+          </p:sp>
+          <p:sp>
+            <p:nvSpPr>
+              <p:cNvPr id="100" name="円/楕円 99">
+                <a:extLst>
+                  <a:ext uri="{FF2B5EF4-FFF2-40B4-BE49-F238E27FC236}">
+                    <a16:creationId xmlns:a16="http://schemas.microsoft.com/office/drawing/2014/main" id="{DA13F0A1-B9C1-584C-B874-22ED16A85BF8}"/>
+                  </a:ext>
+                </a:extLst>
+              </p:cNvPr>
+              <p:cNvSpPr/>
+              <p:nvPr/>
+            </p:nvSpPr>
+            <p:spPr>
+              <a:xfrm>
+                <a:off x="1127448" y="1700808"/>
+                <a:ext cx="432048" cy="432048"/>
+              </a:xfrm>
+              <a:prstGeom prst="ellipse">
+                <a:avLst/>
+              </a:prstGeom>
+              <a:solidFill>
+                <a:schemeClr val="accent6">
+                  <a:lumMod val="20000"/>
+                  <a:lumOff val="80000"/>
+                </a:schemeClr>
+              </a:solidFill>
+              <a:ln w="19050">
+                <a:solidFill>
+                  <a:schemeClr val="tx1">
+                    <a:lumMod val="50000"/>
+                    <a:lumOff val="50000"/>
+                  </a:schemeClr>
+                </a:solidFill>
+              </a:ln>
+            </p:spPr>
+            <p:style>
+              <a:lnRef idx="2">
+                <a:schemeClr val="accent1">
+                  <a:shade val="50000"/>
+                </a:schemeClr>
+              </a:lnRef>
+              <a:fillRef idx="1">
+                <a:schemeClr val="accent1"/>
+              </a:fillRef>
+              <a:effectRef idx="0">
+                <a:schemeClr val="accent1"/>
+              </a:effectRef>
+              <a:fontRef idx="minor">
+                <a:schemeClr val="lt1"/>
+              </a:fontRef>
+            </p:style>
+            <p:txBody>
+              <a:bodyPr rtlCol="0" anchor="t" anchorCtr="0"/>
+              <a:lstStyle/>
+              <a:p>
+                <a:pPr algn="ctr"/>
+                <a:endParaRPr kumimoji="1" lang="ja-JP" altLang="en-US" sz="1100" dirty="0" err="1">
+                  <a:solidFill>
+                    <a:schemeClr val="tx1"/>
+                  </a:solidFill>
+                </a:endParaRPr>
+              </a:p>
+            </p:txBody>
+          </p:sp>
+          <p:sp>
+            <p:nvSpPr>
+              <p:cNvPr id="101" name="円/楕円 100">
+                <a:extLst>
+                  <a:ext uri="{FF2B5EF4-FFF2-40B4-BE49-F238E27FC236}">
+                    <a16:creationId xmlns:a16="http://schemas.microsoft.com/office/drawing/2014/main" id="{FB6E9707-0344-F74B-AE01-5041E15F594A}"/>
+                  </a:ext>
+                </a:extLst>
+              </p:cNvPr>
+              <p:cNvSpPr/>
+              <p:nvPr/>
+            </p:nvSpPr>
+            <p:spPr>
+              <a:xfrm>
+                <a:off x="1127448" y="2852936"/>
+                <a:ext cx="432048" cy="432048"/>
+              </a:xfrm>
+              <a:prstGeom prst="ellipse">
+                <a:avLst/>
+              </a:prstGeom>
+              <a:solidFill>
+                <a:schemeClr val="accent6">
+                  <a:lumMod val="20000"/>
+                  <a:lumOff val="80000"/>
+                </a:schemeClr>
+              </a:solidFill>
+              <a:ln w="19050">
+                <a:solidFill>
+                  <a:schemeClr val="tx1">
+                    <a:lumMod val="50000"/>
+                    <a:lumOff val="50000"/>
+                  </a:schemeClr>
+                </a:solidFill>
+              </a:ln>
+            </p:spPr>
+            <p:style>
+              <a:lnRef idx="2">
+                <a:schemeClr val="accent1">
+                  <a:shade val="50000"/>
+                </a:schemeClr>
+              </a:lnRef>
+              <a:fillRef idx="1">
+                <a:schemeClr val="accent1"/>
+              </a:fillRef>
+              <a:effectRef idx="0">
+                <a:schemeClr val="accent1"/>
+              </a:effectRef>
+              <a:fontRef idx="minor">
+                <a:schemeClr val="lt1"/>
+              </a:fontRef>
+            </p:style>
+            <p:txBody>
+              <a:bodyPr rtlCol="0" anchor="t" anchorCtr="0"/>
+              <a:lstStyle/>
+              <a:p>
+                <a:pPr algn="ctr"/>
+                <a:endParaRPr kumimoji="1" lang="ja-JP" altLang="en-US" sz="1100" dirty="0" err="1">
+                  <a:solidFill>
+                    <a:schemeClr val="tx1"/>
+                  </a:solidFill>
+                </a:endParaRPr>
+              </a:p>
+            </p:txBody>
+          </p:sp>
+          <p:cxnSp>
+            <p:nvCxnSpPr>
+              <p:cNvPr id="102" name="直線コネクタ 101">
+                <a:extLst>
+                  <a:ext uri="{FF2B5EF4-FFF2-40B4-BE49-F238E27FC236}">
+                    <a16:creationId xmlns:a16="http://schemas.microsoft.com/office/drawing/2014/main" id="{D47F8029-670F-A84F-B297-DEBE753B15AF}"/>
+                  </a:ext>
+                </a:extLst>
+              </p:cNvPr>
+              <p:cNvCxnSpPr>
+                <a:cxnSpLocks/>
+              </p:cNvCxnSpPr>
+              <p:nvPr/>
+            </p:nvCxnSpPr>
+            <p:spPr>
+              <a:xfrm>
+                <a:off x="1343472" y="2276872"/>
+                <a:ext cx="0" cy="432048"/>
+              </a:xfrm>
+              <a:prstGeom prst="line">
+                <a:avLst/>
+              </a:prstGeom>
+              <a:ln w="19050">
+                <a:solidFill>
+                  <a:schemeClr val="tx1">
+                    <a:lumMod val="50000"/>
+                    <a:lumOff val="50000"/>
+                  </a:schemeClr>
+                </a:solidFill>
+                <a:prstDash val="sysDash"/>
+              </a:ln>
+            </p:spPr>
+            <p:style>
+              <a:lnRef idx="1">
+                <a:schemeClr val="accent1"/>
+              </a:lnRef>
+              <a:fillRef idx="0">
+                <a:schemeClr val="accent1"/>
+              </a:fillRef>
+              <a:effectRef idx="0">
+                <a:schemeClr val="accent1"/>
+              </a:effectRef>
+              <a:fontRef idx="minor">
+                <a:schemeClr val="tx1"/>
+              </a:fontRef>
+            </p:style>
+          </p:cxnSp>
+        </p:grpSp>
+        <p:sp>
+          <p:nvSpPr>
+            <p:cNvPr id="60" name="角丸四角形 59">
+              <a:extLst>
+                <a:ext uri="{FF2B5EF4-FFF2-40B4-BE49-F238E27FC236}">
+                  <a16:creationId xmlns:a16="http://schemas.microsoft.com/office/drawing/2014/main" id="{2EA8A079-56F2-4C48-ACFF-8B337969BC47}"/>
+                </a:ext>
+              </a:extLst>
+            </p:cNvPr>
+            <p:cNvSpPr/>
+            <p:nvPr/>
+          </p:nvSpPr>
+          <p:spPr>
+            <a:xfrm>
+              <a:off x="9152187" y="2902075"/>
+              <a:ext cx="480053" cy="1776197"/>
+            </a:xfrm>
+            <a:prstGeom prst="roundRect">
+              <a:avLst/>
+            </a:prstGeom>
+            <a:noFill/>
+            <a:ln w="19050">
+              <a:solidFill>
+                <a:schemeClr val="bg1">
+                  <a:lumMod val="50000"/>
+                </a:schemeClr>
+              </a:solidFill>
+              <a:prstDash val="sysDot"/>
+            </a:ln>
+          </p:spPr>
+          <p:style>
+            <a:lnRef idx="2">
+              <a:schemeClr val="accent1">
+                <a:shade val="50000"/>
+              </a:schemeClr>
+            </a:lnRef>
+            <a:fillRef idx="1">
+              <a:schemeClr val="accent1"/>
+            </a:fillRef>
+            <a:effectRef idx="0">
+              <a:schemeClr val="accent1"/>
+            </a:effectRef>
+            <a:fontRef idx="minor">
+              <a:schemeClr val="lt1"/>
+            </a:fontRef>
+          </p:style>
+          <p:txBody>
+            <a:bodyPr rtlCol="0" anchor="t" anchorCtr="0"/>
+            <a:lstStyle/>
+            <a:p>
+              <a:pPr algn="ctr"/>
+              <a:endParaRPr kumimoji="1" lang="ja-JP" altLang="en-US" sz="1100" dirty="0" err="1">
+                <a:solidFill>
+                  <a:schemeClr val="tx1"/>
+                </a:solidFill>
+              </a:endParaRPr>
+            </a:p>
+          </p:txBody>
+        </p:sp>
+        <p:sp>
+          <p:nvSpPr>
+            <p:cNvPr id="61" name="正方形/長方形 60">
+              <a:extLst>
+                <a:ext uri="{FF2B5EF4-FFF2-40B4-BE49-F238E27FC236}">
+                  <a16:creationId xmlns:a16="http://schemas.microsoft.com/office/drawing/2014/main" id="{3896DD99-AD44-FF4E-85B1-97929F083FEA}"/>
+                </a:ext>
+              </a:extLst>
+            </p:cNvPr>
+            <p:cNvSpPr/>
+            <p:nvPr/>
+          </p:nvSpPr>
+          <p:spPr>
+            <a:xfrm>
+              <a:off x="8850896" y="2715960"/>
+              <a:ext cx="1082635" cy="170078"/>
+            </a:xfrm>
+            <a:prstGeom prst="rect">
+              <a:avLst/>
+            </a:prstGeom>
+            <a:noFill/>
+            <a:ln w="12700">
+              <a:noFill/>
+            </a:ln>
+          </p:spPr>
+          <p:style>
+            <a:lnRef idx="2">
+              <a:schemeClr val="accent1">
+                <a:shade val="50000"/>
+              </a:schemeClr>
+            </a:lnRef>
+            <a:fillRef idx="1">
+              <a:schemeClr val="accent1"/>
+            </a:fillRef>
+            <a:effectRef idx="0">
+              <a:schemeClr val="accent1"/>
+            </a:effectRef>
+            <a:fontRef idx="minor">
+              <a:schemeClr val="lt1"/>
+            </a:fontRef>
+          </p:style>
+          <p:txBody>
+            <a:bodyPr rtlCol="0" anchor="ctr" anchorCtr="0"/>
+            <a:lstStyle/>
+            <a:p>
+              <a:pPr algn="ctr"/>
+              <a:r>
+                <a:rPr kumimoji="1" lang="ja-JP" altLang="en-US" sz="1100">
+                  <a:solidFill>
+                    <a:schemeClr val="tx1"/>
+                  </a:solidFill>
+                </a:rPr>
+                <a:t>隠れ層</a:t>
+              </a:r>
+              <a:endParaRPr kumimoji="1" lang="ja-JP" altLang="en-US" sz="1100" dirty="0" err="1">
+                <a:solidFill>
+                  <a:schemeClr val="tx1"/>
+                </a:solidFill>
+              </a:endParaRPr>
+            </a:p>
+          </p:txBody>
+        </p:sp>
+        <p:sp>
+          <p:nvSpPr>
+            <p:cNvPr id="62" name="正方形/長方形 61">
+              <a:extLst>
+                <a:ext uri="{FF2B5EF4-FFF2-40B4-BE49-F238E27FC236}">
+                  <a16:creationId xmlns:a16="http://schemas.microsoft.com/office/drawing/2014/main" id="{1F63FAB0-1C79-314F-A547-6CD10ECAA4E6}"/>
+                </a:ext>
+              </a:extLst>
+            </p:cNvPr>
+            <p:cNvSpPr/>
+            <p:nvPr/>
+          </p:nvSpPr>
+          <p:spPr>
+            <a:xfrm>
+              <a:off x="8850896" y="4700216"/>
+              <a:ext cx="1082635" cy="170078"/>
+            </a:xfrm>
+            <a:prstGeom prst="rect">
+              <a:avLst/>
+            </a:prstGeom>
+            <a:noFill/>
+            <a:ln w="12700">
+              <a:noFill/>
+            </a:ln>
+          </p:spPr>
+          <p:style>
+            <a:lnRef idx="2">
+              <a:schemeClr val="accent1">
+                <a:shade val="50000"/>
+              </a:schemeClr>
+            </a:lnRef>
+            <a:fillRef idx="1">
+              <a:schemeClr val="accent1"/>
+            </a:fillRef>
+            <a:effectRef idx="0">
+              <a:schemeClr val="accent1"/>
+            </a:effectRef>
+            <a:fontRef idx="minor">
+              <a:schemeClr val="lt1"/>
+            </a:fontRef>
+          </p:style>
+          <p:txBody>
+            <a:bodyPr rtlCol="0" anchor="ctr" anchorCtr="0"/>
+            <a:lstStyle/>
+            <a:p>
+              <a:pPr algn="ctr"/>
+              <a:r>
+                <a:rPr lang="en-US" altLang="ja-JP" sz="1100" dirty="0">
+                  <a:solidFill>
+                    <a:schemeClr val="tx1"/>
+                  </a:solidFill>
+                </a:rPr>
+                <a:t>512</a:t>
+              </a:r>
+              <a:r>
+                <a:rPr kumimoji="1" lang="ja-JP" altLang="en-US" sz="1100">
+                  <a:solidFill>
+                    <a:schemeClr val="tx1"/>
+                  </a:solidFill>
+                </a:rPr>
+                <a:t>ノード</a:t>
+              </a:r>
+              <a:endParaRPr kumimoji="1" lang="ja-JP" altLang="en-US" sz="1100" dirty="0" err="1">
+                <a:solidFill>
+                  <a:schemeClr val="tx1"/>
+                </a:solidFill>
+              </a:endParaRPr>
+            </a:p>
+          </p:txBody>
+        </p:sp>
+        <p:grpSp>
+          <p:nvGrpSpPr>
+            <p:cNvPr id="63" name="グループ化 62">
+              <a:extLst>
+                <a:ext uri="{FF2B5EF4-FFF2-40B4-BE49-F238E27FC236}">
+                  <a16:creationId xmlns:a16="http://schemas.microsoft.com/office/drawing/2014/main" id="{C1E67F95-1A06-6D48-852C-93B2E2344E5A}"/>
+                </a:ext>
+              </a:extLst>
+            </p:cNvPr>
+            <p:cNvGrpSpPr/>
+            <p:nvPr/>
+          </p:nvGrpSpPr>
+          <p:grpSpPr>
+            <a:xfrm>
+              <a:off x="10040285" y="3016183"/>
+              <a:ext cx="288032" cy="1536171"/>
+              <a:chOff x="1127448" y="980728"/>
+              <a:chExt cx="432048" cy="2304256"/>
+            </a:xfrm>
+          </p:grpSpPr>
+          <p:sp>
+            <p:nvSpPr>
+              <p:cNvPr id="95" name="円/楕円 94">
+                <a:extLst>
+                  <a:ext uri="{FF2B5EF4-FFF2-40B4-BE49-F238E27FC236}">
+                    <a16:creationId xmlns:a16="http://schemas.microsoft.com/office/drawing/2014/main" id="{801A3580-FC9E-2440-97BC-1EB1BBBAE70D}"/>
+                  </a:ext>
+                </a:extLst>
+              </p:cNvPr>
+              <p:cNvSpPr/>
+              <p:nvPr/>
+            </p:nvSpPr>
+            <p:spPr>
+              <a:xfrm>
+                <a:off x="1127448" y="980728"/>
+                <a:ext cx="432048" cy="432048"/>
+              </a:xfrm>
+              <a:prstGeom prst="ellipse">
+                <a:avLst/>
+              </a:prstGeom>
+              <a:solidFill>
+                <a:srgbClr val="FFE1E5"/>
+              </a:solidFill>
+              <a:ln w="19050">
+                <a:solidFill>
+                  <a:schemeClr val="tx1">
+                    <a:lumMod val="50000"/>
+                    <a:lumOff val="50000"/>
+                  </a:schemeClr>
+                </a:solidFill>
+              </a:ln>
+            </p:spPr>
+            <p:style>
+              <a:lnRef idx="2">
+                <a:schemeClr val="accent1">
+                  <a:shade val="50000"/>
+                </a:schemeClr>
+              </a:lnRef>
+              <a:fillRef idx="1">
+                <a:schemeClr val="accent1"/>
+              </a:fillRef>
+              <a:effectRef idx="0">
+                <a:schemeClr val="accent1"/>
+              </a:effectRef>
+              <a:fontRef idx="minor">
+                <a:schemeClr val="lt1"/>
+              </a:fontRef>
+            </p:style>
+            <p:txBody>
+              <a:bodyPr rtlCol="0" anchor="t" anchorCtr="0"/>
+              <a:lstStyle/>
+              <a:p>
+                <a:pPr algn="ctr"/>
+                <a:endParaRPr kumimoji="1" lang="ja-JP" altLang="en-US" sz="1100" dirty="0" err="1">
+                  <a:solidFill>
+                    <a:schemeClr val="tx1"/>
+                  </a:solidFill>
+                </a:endParaRPr>
+              </a:p>
+            </p:txBody>
+          </p:sp>
+          <p:sp>
+            <p:nvSpPr>
+              <p:cNvPr id="96" name="円/楕円 95">
+                <a:extLst>
+                  <a:ext uri="{FF2B5EF4-FFF2-40B4-BE49-F238E27FC236}">
+                    <a16:creationId xmlns:a16="http://schemas.microsoft.com/office/drawing/2014/main" id="{0D22EBEB-0C11-DB4A-AFA8-EF2877D8CEBB}"/>
+                  </a:ext>
+                </a:extLst>
+              </p:cNvPr>
+              <p:cNvSpPr/>
+              <p:nvPr/>
+            </p:nvSpPr>
+            <p:spPr>
+              <a:xfrm>
+                <a:off x="1127448" y="1700808"/>
+                <a:ext cx="432048" cy="432048"/>
+              </a:xfrm>
+              <a:prstGeom prst="ellipse">
+                <a:avLst/>
+              </a:prstGeom>
+              <a:solidFill>
+                <a:srgbClr val="FFE1E5"/>
+              </a:solidFill>
+              <a:ln w="19050">
+                <a:solidFill>
+                  <a:schemeClr val="tx1">
+                    <a:lumMod val="50000"/>
+                    <a:lumOff val="50000"/>
+                  </a:schemeClr>
+                </a:solidFill>
+              </a:ln>
+            </p:spPr>
+            <p:style>
+              <a:lnRef idx="2">
+                <a:schemeClr val="accent1">
+                  <a:shade val="50000"/>
+                </a:schemeClr>
+              </a:lnRef>
+              <a:fillRef idx="1">
+                <a:schemeClr val="accent1"/>
+              </a:fillRef>
+              <a:effectRef idx="0">
+                <a:schemeClr val="accent1"/>
+              </a:effectRef>
+              <a:fontRef idx="minor">
+                <a:schemeClr val="lt1"/>
+              </a:fontRef>
+            </p:style>
+            <p:txBody>
+              <a:bodyPr rtlCol="0" anchor="t" anchorCtr="0"/>
+              <a:lstStyle/>
+              <a:p>
+                <a:pPr algn="ctr"/>
+                <a:endParaRPr kumimoji="1" lang="ja-JP" altLang="en-US" sz="1100" dirty="0" err="1">
+                  <a:solidFill>
+                    <a:schemeClr val="tx1"/>
+                  </a:solidFill>
+                </a:endParaRPr>
+              </a:p>
+            </p:txBody>
+          </p:sp>
+          <p:sp>
+            <p:nvSpPr>
+              <p:cNvPr id="97" name="円/楕円 96">
+                <a:extLst>
+                  <a:ext uri="{FF2B5EF4-FFF2-40B4-BE49-F238E27FC236}">
+                    <a16:creationId xmlns:a16="http://schemas.microsoft.com/office/drawing/2014/main" id="{1E0A9AF1-3D9A-8A4D-A731-E43B22743FA8}"/>
+                  </a:ext>
+                </a:extLst>
+              </p:cNvPr>
+              <p:cNvSpPr/>
+              <p:nvPr/>
+            </p:nvSpPr>
+            <p:spPr>
+              <a:xfrm>
+                <a:off x="1127448" y="2852936"/>
+                <a:ext cx="432048" cy="432048"/>
+              </a:xfrm>
+              <a:prstGeom prst="ellipse">
+                <a:avLst/>
+              </a:prstGeom>
+              <a:solidFill>
+                <a:srgbClr val="FFE1E5"/>
+              </a:solidFill>
+              <a:ln w="19050">
+                <a:solidFill>
+                  <a:schemeClr val="tx1">
+                    <a:lumMod val="50000"/>
+                    <a:lumOff val="50000"/>
+                  </a:schemeClr>
+                </a:solidFill>
+              </a:ln>
+            </p:spPr>
+            <p:style>
+              <a:lnRef idx="2">
+                <a:schemeClr val="accent1">
+                  <a:shade val="50000"/>
+                </a:schemeClr>
+              </a:lnRef>
+              <a:fillRef idx="1">
+                <a:schemeClr val="accent1"/>
+              </a:fillRef>
+              <a:effectRef idx="0">
+                <a:schemeClr val="accent1"/>
+              </a:effectRef>
+              <a:fontRef idx="minor">
+                <a:schemeClr val="lt1"/>
+              </a:fontRef>
+            </p:style>
+            <p:txBody>
+              <a:bodyPr rtlCol="0" anchor="t" anchorCtr="0"/>
+              <a:lstStyle/>
+              <a:p>
+                <a:pPr algn="ctr"/>
+                <a:endParaRPr kumimoji="1" lang="ja-JP" altLang="en-US" sz="1100" dirty="0" err="1">
+                  <a:solidFill>
+                    <a:schemeClr val="tx1"/>
+                  </a:solidFill>
+                </a:endParaRPr>
+              </a:p>
+            </p:txBody>
+          </p:sp>
+          <p:cxnSp>
+            <p:nvCxnSpPr>
+              <p:cNvPr id="98" name="直線コネクタ 97">
+                <a:extLst>
+                  <a:ext uri="{FF2B5EF4-FFF2-40B4-BE49-F238E27FC236}">
+                    <a16:creationId xmlns:a16="http://schemas.microsoft.com/office/drawing/2014/main" id="{65C3E2D9-1F26-E54E-9CFB-A895BC00812E}"/>
+                  </a:ext>
+                </a:extLst>
+              </p:cNvPr>
+              <p:cNvCxnSpPr>
+                <a:cxnSpLocks/>
+              </p:cNvCxnSpPr>
+              <p:nvPr/>
+            </p:nvCxnSpPr>
+            <p:spPr>
+              <a:xfrm>
+                <a:off x="1343472" y="2276872"/>
+                <a:ext cx="0" cy="432048"/>
+              </a:xfrm>
+              <a:prstGeom prst="line">
+                <a:avLst/>
+              </a:prstGeom>
+              <a:ln w="19050">
+                <a:solidFill>
+                  <a:schemeClr val="tx1">
+                    <a:lumMod val="50000"/>
+                    <a:lumOff val="50000"/>
+                  </a:schemeClr>
+                </a:solidFill>
+                <a:prstDash val="sysDash"/>
+              </a:ln>
+            </p:spPr>
+            <p:style>
+              <a:lnRef idx="1">
+                <a:schemeClr val="accent1"/>
+              </a:lnRef>
+              <a:fillRef idx="0">
+                <a:schemeClr val="accent1"/>
+              </a:fillRef>
+              <a:effectRef idx="0">
+                <a:schemeClr val="accent1"/>
+              </a:effectRef>
+              <a:fontRef idx="minor">
+                <a:schemeClr val="tx1"/>
+              </a:fontRef>
+            </p:style>
+          </p:cxnSp>
+        </p:grpSp>
+        <p:sp>
+          <p:nvSpPr>
+            <p:cNvPr id="64" name="角丸四角形 63">
+              <a:extLst>
+                <a:ext uri="{FF2B5EF4-FFF2-40B4-BE49-F238E27FC236}">
+                  <a16:creationId xmlns:a16="http://schemas.microsoft.com/office/drawing/2014/main" id="{E25BDBE5-C41D-3544-913A-127B4D0EF934}"/>
+                </a:ext>
+              </a:extLst>
+            </p:cNvPr>
+            <p:cNvSpPr/>
+            <p:nvPr/>
+          </p:nvSpPr>
+          <p:spPr>
+            <a:xfrm>
+              <a:off x="9944275" y="2896169"/>
+              <a:ext cx="480053" cy="1776197"/>
+            </a:xfrm>
+            <a:prstGeom prst="roundRect">
+              <a:avLst/>
+            </a:prstGeom>
+            <a:noFill/>
+            <a:ln w="19050">
+              <a:solidFill>
+                <a:schemeClr val="bg1">
+                  <a:lumMod val="50000"/>
+                </a:schemeClr>
+              </a:solidFill>
+              <a:prstDash val="sysDot"/>
+            </a:ln>
+          </p:spPr>
+          <p:style>
+            <a:lnRef idx="2">
+              <a:schemeClr val="accent1">
+                <a:shade val="50000"/>
+              </a:schemeClr>
+            </a:lnRef>
+            <a:fillRef idx="1">
+              <a:schemeClr val="accent1"/>
+            </a:fillRef>
+            <a:effectRef idx="0">
+              <a:schemeClr val="accent1"/>
+            </a:effectRef>
+            <a:fontRef idx="minor">
+              <a:schemeClr val="lt1"/>
+            </a:fontRef>
+          </p:style>
+          <p:txBody>
+            <a:bodyPr rtlCol="0" anchor="t" anchorCtr="0"/>
+            <a:lstStyle/>
+            <a:p>
+              <a:pPr algn="ctr"/>
+              <a:endParaRPr kumimoji="1" lang="ja-JP" altLang="en-US" sz="1100" dirty="0" err="1">
+                <a:solidFill>
+                  <a:schemeClr val="tx1"/>
+                </a:solidFill>
+              </a:endParaRPr>
+            </a:p>
+          </p:txBody>
+        </p:sp>
+        <p:sp>
+          <p:nvSpPr>
+            <p:cNvPr id="65" name="正方形/長方形 64">
+              <a:extLst>
+                <a:ext uri="{FF2B5EF4-FFF2-40B4-BE49-F238E27FC236}">
+                  <a16:creationId xmlns:a16="http://schemas.microsoft.com/office/drawing/2014/main" id="{0F81974C-51C3-DB41-9E9F-A8C30890AF82}"/>
+                </a:ext>
+              </a:extLst>
+            </p:cNvPr>
+            <p:cNvSpPr/>
+            <p:nvPr/>
+          </p:nvSpPr>
+          <p:spPr>
+            <a:xfrm>
+              <a:off x="9642984" y="2710054"/>
+              <a:ext cx="1082635" cy="170078"/>
+            </a:xfrm>
+            <a:prstGeom prst="rect">
+              <a:avLst/>
+            </a:prstGeom>
+            <a:noFill/>
+            <a:ln w="12700">
+              <a:noFill/>
+            </a:ln>
+          </p:spPr>
+          <p:style>
+            <a:lnRef idx="2">
+              <a:schemeClr val="accent1">
+                <a:shade val="50000"/>
+              </a:schemeClr>
+            </a:lnRef>
+            <a:fillRef idx="1">
+              <a:schemeClr val="accent1"/>
+            </a:fillRef>
+            <a:effectRef idx="0">
+              <a:schemeClr val="accent1"/>
+            </a:effectRef>
+            <a:fontRef idx="minor">
+              <a:schemeClr val="lt1"/>
+            </a:fontRef>
+          </p:style>
+          <p:txBody>
+            <a:bodyPr rtlCol="0" anchor="ctr" anchorCtr="0"/>
+            <a:lstStyle/>
+            <a:p>
+              <a:pPr algn="ctr"/>
+              <a:r>
+                <a:rPr kumimoji="1" lang="ja-JP" altLang="en-US" sz="1100">
+                  <a:solidFill>
+                    <a:schemeClr val="tx1"/>
+                  </a:solidFill>
+                </a:rPr>
+                <a:t>出力層</a:t>
+              </a:r>
+              <a:endParaRPr kumimoji="1" lang="ja-JP" altLang="en-US" sz="1100" dirty="0" err="1">
+                <a:solidFill>
+                  <a:schemeClr val="tx1"/>
+                </a:solidFill>
+              </a:endParaRPr>
+            </a:p>
+          </p:txBody>
+        </p:sp>
+        <p:sp>
+          <p:nvSpPr>
+            <p:cNvPr id="66" name="正方形/長方形 65">
+              <a:extLst>
+                <a:ext uri="{FF2B5EF4-FFF2-40B4-BE49-F238E27FC236}">
+                  <a16:creationId xmlns:a16="http://schemas.microsoft.com/office/drawing/2014/main" id="{0A48D5B0-E58A-DD46-9652-BB9C4E7C0F91}"/>
+                </a:ext>
+              </a:extLst>
+            </p:cNvPr>
+            <p:cNvSpPr/>
+            <p:nvPr/>
+          </p:nvSpPr>
+          <p:spPr>
+            <a:xfrm>
+              <a:off x="9642984" y="4694310"/>
+              <a:ext cx="1082635" cy="170078"/>
+            </a:xfrm>
+            <a:prstGeom prst="rect">
+              <a:avLst/>
+            </a:prstGeom>
+            <a:noFill/>
+            <a:ln w="12700">
+              <a:noFill/>
+            </a:ln>
+          </p:spPr>
+          <p:style>
+            <a:lnRef idx="2">
+              <a:schemeClr val="accent1">
+                <a:shade val="50000"/>
+              </a:schemeClr>
+            </a:lnRef>
+            <a:fillRef idx="1">
+              <a:schemeClr val="accent1"/>
+            </a:fillRef>
+            <a:effectRef idx="0">
+              <a:schemeClr val="accent1"/>
+            </a:effectRef>
+            <a:fontRef idx="minor">
+              <a:schemeClr val="lt1"/>
+            </a:fontRef>
+          </p:style>
+          <p:txBody>
+            <a:bodyPr rtlCol="0" anchor="ctr" anchorCtr="0"/>
+            <a:lstStyle/>
+            <a:p>
+              <a:pPr algn="ctr"/>
+              <a:r>
+                <a:rPr lang="en-US" altLang="ja-JP" sz="1100" dirty="0">
+                  <a:solidFill>
+                    <a:schemeClr val="tx1"/>
+                  </a:solidFill>
+                </a:rPr>
+                <a:t>10</a:t>
+              </a:r>
+              <a:r>
+                <a:rPr kumimoji="1" lang="ja-JP" altLang="en-US" sz="1100">
+                  <a:solidFill>
+                    <a:schemeClr val="tx1"/>
+                  </a:solidFill>
+                </a:rPr>
+                <a:t>ノード</a:t>
+              </a:r>
+              <a:endParaRPr kumimoji="1" lang="ja-JP" altLang="en-US" sz="1100" dirty="0" err="1">
+                <a:solidFill>
+                  <a:schemeClr val="tx1"/>
+                </a:solidFill>
+              </a:endParaRPr>
+            </a:p>
+          </p:txBody>
+        </p:sp>
+        <p:cxnSp>
+          <p:nvCxnSpPr>
+            <p:cNvPr id="67" name="直線矢印コネクタ 66">
+              <a:extLst>
+                <a:ext uri="{FF2B5EF4-FFF2-40B4-BE49-F238E27FC236}">
+                  <a16:creationId xmlns:a16="http://schemas.microsoft.com/office/drawing/2014/main" id="{CC3EAB85-88FC-6042-A0E0-BAB0DD2A3755}"/>
+                </a:ext>
+              </a:extLst>
+            </p:cNvPr>
+            <p:cNvCxnSpPr>
+              <a:stCxn id="107" idx="6"/>
+              <a:endCxn id="103" idx="2"/>
+            </p:cNvCxnSpPr>
+            <p:nvPr/>
+          </p:nvCxnSpPr>
+          <p:spPr>
+            <a:xfrm flipV="1">
+              <a:off x="7904047" y="3160199"/>
+              <a:ext cx="549546" cy="5906"/>
+            </a:xfrm>
+            <a:prstGeom prst="straightConnector1">
+              <a:avLst/>
+            </a:prstGeom>
+            <a:ln w="19050">
+              <a:solidFill>
+                <a:schemeClr val="tx1">
+                  <a:lumMod val="50000"/>
+                  <a:lumOff val="50000"/>
+                </a:schemeClr>
+              </a:solidFill>
+              <a:tailEnd type="triangle"/>
+            </a:ln>
+          </p:spPr>
+          <p:style>
+            <a:lnRef idx="1">
+              <a:schemeClr val="accent1"/>
+            </a:lnRef>
+            <a:fillRef idx="0">
+              <a:schemeClr val="accent1"/>
+            </a:fillRef>
+            <a:effectRef idx="0">
+              <a:schemeClr val="accent1"/>
+            </a:effectRef>
+            <a:fontRef idx="minor">
+              <a:schemeClr val="tx1"/>
+            </a:fontRef>
+          </p:style>
+        </p:cxnSp>
+        <p:cxnSp>
+          <p:nvCxnSpPr>
+            <p:cNvPr id="68" name="直線矢印コネクタ 67">
+              <a:extLst>
+                <a:ext uri="{FF2B5EF4-FFF2-40B4-BE49-F238E27FC236}">
+                  <a16:creationId xmlns:a16="http://schemas.microsoft.com/office/drawing/2014/main" id="{D6D80298-AD33-E24F-AB6C-7FBD9A74F399}"/>
+                </a:ext>
+              </a:extLst>
+            </p:cNvPr>
+            <p:cNvCxnSpPr>
+              <a:cxnSpLocks/>
+              <a:stCxn id="107" idx="6"/>
+              <a:endCxn id="104" idx="2"/>
+            </p:cNvCxnSpPr>
+            <p:nvPr/>
+          </p:nvCxnSpPr>
+          <p:spPr>
+            <a:xfrm>
+              <a:off x="7904047" y="3166105"/>
+              <a:ext cx="549546" cy="474147"/>
+            </a:xfrm>
+            <a:prstGeom prst="straightConnector1">
+              <a:avLst/>
+            </a:prstGeom>
+            <a:ln w="19050">
+              <a:solidFill>
+                <a:schemeClr val="tx1">
+                  <a:lumMod val="50000"/>
+                  <a:lumOff val="50000"/>
+                </a:schemeClr>
+              </a:solidFill>
+              <a:tailEnd type="triangle"/>
+            </a:ln>
+          </p:spPr>
+          <p:style>
+            <a:lnRef idx="1">
+              <a:schemeClr val="accent1"/>
+            </a:lnRef>
+            <a:fillRef idx="0">
+              <a:schemeClr val="accent1"/>
+            </a:fillRef>
+            <a:effectRef idx="0">
+              <a:schemeClr val="accent1"/>
+            </a:effectRef>
+            <a:fontRef idx="minor">
+              <a:schemeClr val="tx1"/>
+            </a:fontRef>
+          </p:style>
+        </p:cxnSp>
+        <p:cxnSp>
+          <p:nvCxnSpPr>
+            <p:cNvPr id="69" name="直線矢印コネクタ 68">
+              <a:extLst>
+                <a:ext uri="{FF2B5EF4-FFF2-40B4-BE49-F238E27FC236}">
+                  <a16:creationId xmlns:a16="http://schemas.microsoft.com/office/drawing/2014/main" id="{B7D2394A-AD21-1C4E-8AEA-0D903EEBB234}"/>
+                </a:ext>
+              </a:extLst>
+            </p:cNvPr>
+            <p:cNvCxnSpPr>
+              <a:cxnSpLocks/>
+              <a:stCxn id="107" idx="6"/>
+              <a:endCxn id="105" idx="2"/>
+            </p:cNvCxnSpPr>
+            <p:nvPr/>
+          </p:nvCxnSpPr>
+          <p:spPr>
+            <a:xfrm>
+              <a:off x="7904047" y="3166105"/>
+              <a:ext cx="549546" cy="1242233"/>
+            </a:xfrm>
+            <a:prstGeom prst="straightConnector1">
+              <a:avLst/>
+            </a:prstGeom>
+            <a:ln w="19050">
+              <a:solidFill>
+                <a:schemeClr val="tx1">
+                  <a:lumMod val="50000"/>
+                  <a:lumOff val="50000"/>
+                </a:schemeClr>
+              </a:solidFill>
+              <a:tailEnd type="triangle"/>
+            </a:ln>
+          </p:spPr>
+          <p:style>
+            <a:lnRef idx="1">
+              <a:schemeClr val="accent1"/>
+            </a:lnRef>
+            <a:fillRef idx="0">
+              <a:schemeClr val="accent1"/>
+            </a:fillRef>
+            <a:effectRef idx="0">
+              <a:schemeClr val="accent1"/>
+            </a:effectRef>
+            <a:fontRef idx="minor">
+              <a:schemeClr val="tx1"/>
+            </a:fontRef>
+          </p:style>
+        </p:cxnSp>
+        <p:cxnSp>
+          <p:nvCxnSpPr>
+            <p:cNvPr id="70" name="直線矢印コネクタ 69">
+              <a:extLst>
+                <a:ext uri="{FF2B5EF4-FFF2-40B4-BE49-F238E27FC236}">
+                  <a16:creationId xmlns:a16="http://schemas.microsoft.com/office/drawing/2014/main" id="{AC44BF46-3544-4840-BC24-8DE776C9BAA7}"/>
+                </a:ext>
+              </a:extLst>
+            </p:cNvPr>
+            <p:cNvCxnSpPr>
+              <a:cxnSpLocks/>
+              <a:stCxn id="108" idx="6"/>
+              <a:endCxn id="103" idx="2"/>
+            </p:cNvCxnSpPr>
+            <p:nvPr/>
+          </p:nvCxnSpPr>
+          <p:spPr>
+            <a:xfrm flipV="1">
+              <a:off x="7904047" y="3160199"/>
+              <a:ext cx="549546" cy="485959"/>
+            </a:xfrm>
+            <a:prstGeom prst="straightConnector1">
+              <a:avLst/>
+            </a:prstGeom>
+            <a:ln w="19050">
+              <a:solidFill>
+                <a:schemeClr val="tx1">
+                  <a:lumMod val="50000"/>
+                  <a:lumOff val="50000"/>
+                </a:schemeClr>
+              </a:solidFill>
+              <a:tailEnd type="triangle"/>
+            </a:ln>
+          </p:spPr>
+          <p:style>
+            <a:lnRef idx="1">
+              <a:schemeClr val="accent1"/>
+            </a:lnRef>
+            <a:fillRef idx="0">
+              <a:schemeClr val="accent1"/>
+            </a:fillRef>
+            <a:effectRef idx="0">
+              <a:schemeClr val="accent1"/>
+            </a:effectRef>
+            <a:fontRef idx="minor">
+              <a:schemeClr val="tx1"/>
+            </a:fontRef>
+          </p:style>
+        </p:cxnSp>
+        <p:cxnSp>
+          <p:nvCxnSpPr>
+            <p:cNvPr id="71" name="直線矢印コネクタ 70">
+              <a:extLst>
+                <a:ext uri="{FF2B5EF4-FFF2-40B4-BE49-F238E27FC236}">
+                  <a16:creationId xmlns:a16="http://schemas.microsoft.com/office/drawing/2014/main" id="{DD509B3A-D201-D346-8879-C16C27A7F498}"/>
+                </a:ext>
+              </a:extLst>
+            </p:cNvPr>
+            <p:cNvCxnSpPr>
+              <a:cxnSpLocks/>
+              <a:stCxn id="108" idx="6"/>
+              <a:endCxn id="104" idx="2"/>
+            </p:cNvCxnSpPr>
+            <p:nvPr/>
+          </p:nvCxnSpPr>
+          <p:spPr>
+            <a:xfrm flipV="1">
+              <a:off x="7904047" y="3640252"/>
+              <a:ext cx="549546" cy="5906"/>
+            </a:xfrm>
+            <a:prstGeom prst="straightConnector1">
+              <a:avLst/>
+            </a:prstGeom>
+            <a:ln w="19050">
+              <a:solidFill>
+                <a:schemeClr val="tx1">
+                  <a:lumMod val="50000"/>
+                  <a:lumOff val="50000"/>
+                </a:schemeClr>
+              </a:solidFill>
+              <a:tailEnd type="triangle"/>
+            </a:ln>
+          </p:spPr>
+          <p:style>
+            <a:lnRef idx="1">
+              <a:schemeClr val="accent1"/>
+            </a:lnRef>
+            <a:fillRef idx="0">
+              <a:schemeClr val="accent1"/>
+            </a:fillRef>
+            <a:effectRef idx="0">
+              <a:schemeClr val="accent1"/>
+            </a:effectRef>
+            <a:fontRef idx="minor">
+              <a:schemeClr val="tx1"/>
+            </a:fontRef>
+          </p:style>
+        </p:cxnSp>
+        <p:cxnSp>
+          <p:nvCxnSpPr>
+            <p:cNvPr id="72" name="直線矢印コネクタ 71">
+              <a:extLst>
+                <a:ext uri="{FF2B5EF4-FFF2-40B4-BE49-F238E27FC236}">
+                  <a16:creationId xmlns:a16="http://schemas.microsoft.com/office/drawing/2014/main" id="{8005C936-0563-E042-B5D9-060F37A6875A}"/>
+                </a:ext>
+              </a:extLst>
+            </p:cNvPr>
+            <p:cNvCxnSpPr>
+              <a:cxnSpLocks/>
+              <a:stCxn id="108" idx="6"/>
+              <a:endCxn id="105" idx="2"/>
+            </p:cNvCxnSpPr>
+            <p:nvPr/>
+          </p:nvCxnSpPr>
+          <p:spPr>
+            <a:xfrm>
+              <a:off x="7904047" y="3646158"/>
+              <a:ext cx="549546" cy="762180"/>
+            </a:xfrm>
+            <a:prstGeom prst="straightConnector1">
+              <a:avLst/>
+            </a:prstGeom>
+            <a:ln w="19050">
+              <a:solidFill>
+                <a:schemeClr val="tx1">
+                  <a:lumMod val="50000"/>
+                  <a:lumOff val="50000"/>
+                </a:schemeClr>
+              </a:solidFill>
+              <a:tailEnd type="triangle"/>
+            </a:ln>
+          </p:spPr>
+          <p:style>
+            <a:lnRef idx="1">
+              <a:schemeClr val="accent1"/>
+            </a:lnRef>
+            <a:fillRef idx="0">
+              <a:schemeClr val="accent1"/>
+            </a:fillRef>
+            <a:effectRef idx="0">
+              <a:schemeClr val="accent1"/>
+            </a:effectRef>
+            <a:fontRef idx="minor">
+              <a:schemeClr val="tx1"/>
+            </a:fontRef>
+          </p:style>
+        </p:cxnSp>
+        <p:cxnSp>
+          <p:nvCxnSpPr>
+            <p:cNvPr id="73" name="直線矢印コネクタ 72">
+              <a:extLst>
+                <a:ext uri="{FF2B5EF4-FFF2-40B4-BE49-F238E27FC236}">
+                  <a16:creationId xmlns:a16="http://schemas.microsoft.com/office/drawing/2014/main" id="{ADD11092-FE37-C349-877F-F44DDA3F4491}"/>
+                </a:ext>
+              </a:extLst>
+            </p:cNvPr>
+            <p:cNvCxnSpPr>
+              <a:cxnSpLocks/>
+              <a:stCxn id="109" idx="6"/>
+              <a:endCxn id="103" idx="2"/>
+            </p:cNvCxnSpPr>
+            <p:nvPr/>
+          </p:nvCxnSpPr>
+          <p:spPr>
+            <a:xfrm flipV="1">
+              <a:off x="7904047" y="3160199"/>
+              <a:ext cx="549546" cy="1254045"/>
+            </a:xfrm>
+            <a:prstGeom prst="straightConnector1">
+              <a:avLst/>
+            </a:prstGeom>
+            <a:ln w="19050">
+              <a:solidFill>
+                <a:schemeClr val="tx1">
+                  <a:lumMod val="50000"/>
+                  <a:lumOff val="50000"/>
+                </a:schemeClr>
+              </a:solidFill>
+              <a:tailEnd type="triangle"/>
+            </a:ln>
+          </p:spPr>
+          <p:style>
+            <a:lnRef idx="1">
+              <a:schemeClr val="accent1"/>
+            </a:lnRef>
+            <a:fillRef idx="0">
+              <a:schemeClr val="accent1"/>
+            </a:fillRef>
+            <a:effectRef idx="0">
+              <a:schemeClr val="accent1"/>
+            </a:effectRef>
+            <a:fontRef idx="minor">
+              <a:schemeClr val="tx1"/>
+            </a:fontRef>
+          </p:style>
+        </p:cxnSp>
+        <p:cxnSp>
+          <p:nvCxnSpPr>
+            <p:cNvPr id="74" name="直線矢印コネクタ 73">
+              <a:extLst>
+                <a:ext uri="{FF2B5EF4-FFF2-40B4-BE49-F238E27FC236}">
+                  <a16:creationId xmlns:a16="http://schemas.microsoft.com/office/drawing/2014/main" id="{A02D6BD9-EEEF-9E40-88A6-2F7849694165}"/>
+                </a:ext>
+              </a:extLst>
+            </p:cNvPr>
+            <p:cNvCxnSpPr>
+              <a:cxnSpLocks/>
+              <a:stCxn id="109" idx="6"/>
+              <a:endCxn id="104" idx="2"/>
+            </p:cNvCxnSpPr>
+            <p:nvPr/>
+          </p:nvCxnSpPr>
+          <p:spPr>
+            <a:xfrm flipV="1">
+              <a:off x="7904047" y="3640252"/>
+              <a:ext cx="549546" cy="773992"/>
+            </a:xfrm>
+            <a:prstGeom prst="straightConnector1">
+              <a:avLst/>
+            </a:prstGeom>
+            <a:ln w="19050">
+              <a:solidFill>
+                <a:schemeClr val="tx1">
+                  <a:lumMod val="50000"/>
+                  <a:lumOff val="50000"/>
+                </a:schemeClr>
+              </a:solidFill>
+              <a:tailEnd type="triangle"/>
+            </a:ln>
+          </p:spPr>
+          <p:style>
+            <a:lnRef idx="1">
+              <a:schemeClr val="accent1"/>
+            </a:lnRef>
+            <a:fillRef idx="0">
+              <a:schemeClr val="accent1"/>
+            </a:fillRef>
+            <a:effectRef idx="0">
+              <a:schemeClr val="accent1"/>
+            </a:effectRef>
+            <a:fontRef idx="minor">
+              <a:schemeClr val="tx1"/>
+            </a:fontRef>
+          </p:style>
+        </p:cxnSp>
+        <p:cxnSp>
+          <p:nvCxnSpPr>
+            <p:cNvPr id="75" name="直線矢印コネクタ 74">
+              <a:extLst>
+                <a:ext uri="{FF2B5EF4-FFF2-40B4-BE49-F238E27FC236}">
+                  <a16:creationId xmlns:a16="http://schemas.microsoft.com/office/drawing/2014/main" id="{E05EEB83-CB49-4543-8981-3B2542286E54}"/>
+                </a:ext>
+              </a:extLst>
+            </p:cNvPr>
+            <p:cNvCxnSpPr>
+              <a:cxnSpLocks/>
+              <a:stCxn id="109" idx="6"/>
+              <a:endCxn id="105" idx="2"/>
+            </p:cNvCxnSpPr>
+            <p:nvPr/>
+          </p:nvCxnSpPr>
+          <p:spPr>
+            <a:xfrm flipV="1">
+              <a:off x="7904047" y="4408338"/>
+              <a:ext cx="549546" cy="5906"/>
+            </a:xfrm>
+            <a:prstGeom prst="straightConnector1">
+              <a:avLst/>
+            </a:prstGeom>
+            <a:ln w="19050">
+              <a:solidFill>
+                <a:schemeClr val="tx1">
+                  <a:lumMod val="50000"/>
+                  <a:lumOff val="50000"/>
+                </a:schemeClr>
+              </a:solidFill>
+              <a:tailEnd type="triangle"/>
+            </a:ln>
+          </p:spPr>
+          <p:style>
+            <a:lnRef idx="1">
+              <a:schemeClr val="accent1"/>
+            </a:lnRef>
+            <a:fillRef idx="0">
+              <a:schemeClr val="accent1"/>
+            </a:fillRef>
+            <a:effectRef idx="0">
+              <a:schemeClr val="accent1"/>
+            </a:effectRef>
+            <a:fontRef idx="minor">
+              <a:schemeClr val="tx1"/>
+            </a:fontRef>
+          </p:style>
+        </p:cxnSp>
+        <p:cxnSp>
+          <p:nvCxnSpPr>
+            <p:cNvPr id="76" name="直線矢印コネクタ 75">
+              <a:extLst>
+                <a:ext uri="{FF2B5EF4-FFF2-40B4-BE49-F238E27FC236}">
+                  <a16:creationId xmlns:a16="http://schemas.microsoft.com/office/drawing/2014/main" id="{73941E33-A218-5B4B-BA36-E4AC7EC535F8}"/>
+                </a:ext>
+              </a:extLst>
+            </p:cNvPr>
+            <p:cNvCxnSpPr>
+              <a:cxnSpLocks/>
+              <a:stCxn id="105" idx="6"/>
+              <a:endCxn id="101" idx="2"/>
+            </p:cNvCxnSpPr>
+            <p:nvPr/>
+          </p:nvCxnSpPr>
+          <p:spPr>
+            <a:xfrm>
+              <a:off x="8741625" y="4408338"/>
+              <a:ext cx="506572" cy="5906"/>
+            </a:xfrm>
+            <a:prstGeom prst="straightConnector1">
+              <a:avLst/>
+            </a:prstGeom>
+            <a:ln w="19050">
+              <a:solidFill>
+                <a:schemeClr val="tx1">
+                  <a:lumMod val="50000"/>
+                  <a:lumOff val="50000"/>
+                </a:schemeClr>
+              </a:solidFill>
+              <a:tailEnd type="triangle"/>
+            </a:ln>
+          </p:spPr>
+          <p:style>
+            <a:lnRef idx="1">
+              <a:schemeClr val="accent1"/>
+            </a:lnRef>
+            <a:fillRef idx="0">
+              <a:schemeClr val="accent1"/>
+            </a:fillRef>
+            <a:effectRef idx="0">
+              <a:schemeClr val="accent1"/>
+            </a:effectRef>
+            <a:fontRef idx="minor">
+              <a:schemeClr val="tx1"/>
+            </a:fontRef>
+          </p:style>
+        </p:cxnSp>
+        <p:cxnSp>
+          <p:nvCxnSpPr>
+            <p:cNvPr id="77" name="直線矢印コネクタ 76">
+              <a:extLst>
+                <a:ext uri="{FF2B5EF4-FFF2-40B4-BE49-F238E27FC236}">
+                  <a16:creationId xmlns:a16="http://schemas.microsoft.com/office/drawing/2014/main" id="{2591BA11-EEA0-524D-934D-AE848301668D}"/>
+                </a:ext>
+              </a:extLst>
+            </p:cNvPr>
+            <p:cNvCxnSpPr>
+              <a:cxnSpLocks/>
+              <a:stCxn id="105" idx="6"/>
+              <a:endCxn id="100" idx="2"/>
+            </p:cNvCxnSpPr>
+            <p:nvPr/>
+          </p:nvCxnSpPr>
+          <p:spPr>
+            <a:xfrm flipV="1">
+              <a:off x="8741625" y="3646158"/>
+              <a:ext cx="506572" cy="762180"/>
+            </a:xfrm>
+            <a:prstGeom prst="straightConnector1">
+              <a:avLst/>
+            </a:prstGeom>
+            <a:ln w="19050">
+              <a:solidFill>
+                <a:schemeClr val="tx1">
+                  <a:lumMod val="50000"/>
+                  <a:lumOff val="50000"/>
+                </a:schemeClr>
+              </a:solidFill>
+              <a:tailEnd type="triangle"/>
+            </a:ln>
+          </p:spPr>
+          <p:style>
+            <a:lnRef idx="1">
+              <a:schemeClr val="accent1"/>
+            </a:lnRef>
+            <a:fillRef idx="0">
+              <a:schemeClr val="accent1"/>
+            </a:fillRef>
+            <a:effectRef idx="0">
+              <a:schemeClr val="accent1"/>
+            </a:effectRef>
+            <a:fontRef idx="minor">
+              <a:schemeClr val="tx1"/>
+            </a:fontRef>
+          </p:style>
+        </p:cxnSp>
+        <p:cxnSp>
+          <p:nvCxnSpPr>
+            <p:cNvPr id="78" name="直線矢印コネクタ 77">
+              <a:extLst>
+                <a:ext uri="{FF2B5EF4-FFF2-40B4-BE49-F238E27FC236}">
+                  <a16:creationId xmlns:a16="http://schemas.microsoft.com/office/drawing/2014/main" id="{623B8441-18AA-7544-A1AE-3C1004F2E510}"/>
+                </a:ext>
+              </a:extLst>
+            </p:cNvPr>
+            <p:cNvCxnSpPr>
+              <a:cxnSpLocks/>
+              <a:stCxn id="105" idx="6"/>
+              <a:endCxn id="99" idx="2"/>
+            </p:cNvCxnSpPr>
+            <p:nvPr/>
+          </p:nvCxnSpPr>
+          <p:spPr>
+            <a:xfrm flipV="1">
+              <a:off x="8741625" y="3166105"/>
+              <a:ext cx="506572" cy="1242233"/>
+            </a:xfrm>
+            <a:prstGeom prst="straightConnector1">
+              <a:avLst/>
+            </a:prstGeom>
+            <a:ln w="19050">
+              <a:solidFill>
+                <a:schemeClr val="tx1">
+                  <a:lumMod val="50000"/>
+                  <a:lumOff val="50000"/>
+                </a:schemeClr>
+              </a:solidFill>
+              <a:tailEnd type="triangle"/>
+            </a:ln>
+          </p:spPr>
+          <p:style>
+            <a:lnRef idx="1">
+              <a:schemeClr val="accent1"/>
+            </a:lnRef>
+            <a:fillRef idx="0">
+              <a:schemeClr val="accent1"/>
+            </a:fillRef>
+            <a:effectRef idx="0">
+              <a:schemeClr val="accent1"/>
+            </a:effectRef>
+            <a:fontRef idx="minor">
+              <a:schemeClr val="tx1"/>
+            </a:fontRef>
+          </p:style>
+        </p:cxnSp>
+        <p:cxnSp>
+          <p:nvCxnSpPr>
+            <p:cNvPr id="79" name="直線矢印コネクタ 78">
+              <a:extLst>
+                <a:ext uri="{FF2B5EF4-FFF2-40B4-BE49-F238E27FC236}">
+                  <a16:creationId xmlns:a16="http://schemas.microsoft.com/office/drawing/2014/main" id="{F7BC277E-D989-6347-B330-403DD814943C}"/>
+                </a:ext>
+              </a:extLst>
+            </p:cNvPr>
+            <p:cNvCxnSpPr>
+              <a:cxnSpLocks/>
+              <a:stCxn id="104" idx="6"/>
+              <a:endCxn id="99" idx="2"/>
+            </p:cNvCxnSpPr>
+            <p:nvPr/>
+          </p:nvCxnSpPr>
+          <p:spPr>
+            <a:xfrm flipV="1">
+              <a:off x="8741625" y="3166105"/>
+              <a:ext cx="506572" cy="474147"/>
+            </a:xfrm>
+            <a:prstGeom prst="straightConnector1">
+              <a:avLst/>
+            </a:prstGeom>
+            <a:ln w="19050">
+              <a:solidFill>
+                <a:schemeClr val="tx1">
+                  <a:lumMod val="50000"/>
+                  <a:lumOff val="50000"/>
+                </a:schemeClr>
+              </a:solidFill>
+              <a:tailEnd type="triangle"/>
+            </a:ln>
+          </p:spPr>
+          <p:style>
+            <a:lnRef idx="1">
+              <a:schemeClr val="accent1"/>
+            </a:lnRef>
+            <a:fillRef idx="0">
+              <a:schemeClr val="accent1"/>
+            </a:fillRef>
+            <a:effectRef idx="0">
+              <a:schemeClr val="accent1"/>
+            </a:effectRef>
+            <a:fontRef idx="minor">
+              <a:schemeClr val="tx1"/>
+            </a:fontRef>
+          </p:style>
+        </p:cxnSp>
+        <p:cxnSp>
+          <p:nvCxnSpPr>
+            <p:cNvPr id="80" name="直線矢印コネクタ 79">
+              <a:extLst>
+                <a:ext uri="{FF2B5EF4-FFF2-40B4-BE49-F238E27FC236}">
+                  <a16:creationId xmlns:a16="http://schemas.microsoft.com/office/drawing/2014/main" id="{F1D7A655-F4C0-354F-8DAA-6AD8027467C5}"/>
+                </a:ext>
+              </a:extLst>
+            </p:cNvPr>
+            <p:cNvCxnSpPr>
+              <a:cxnSpLocks/>
+              <a:stCxn id="104" idx="6"/>
+              <a:endCxn id="100" idx="2"/>
+            </p:cNvCxnSpPr>
+            <p:nvPr/>
+          </p:nvCxnSpPr>
+          <p:spPr>
+            <a:xfrm>
+              <a:off x="8741625" y="3640252"/>
+              <a:ext cx="506572" cy="5906"/>
+            </a:xfrm>
+            <a:prstGeom prst="straightConnector1">
+              <a:avLst/>
+            </a:prstGeom>
+            <a:ln w="19050">
+              <a:solidFill>
+                <a:schemeClr val="tx1">
+                  <a:lumMod val="50000"/>
+                  <a:lumOff val="50000"/>
+                </a:schemeClr>
+              </a:solidFill>
+              <a:tailEnd type="triangle"/>
+            </a:ln>
+          </p:spPr>
+          <p:style>
+            <a:lnRef idx="1">
+              <a:schemeClr val="accent1"/>
+            </a:lnRef>
+            <a:fillRef idx="0">
+              <a:schemeClr val="accent1"/>
+            </a:fillRef>
+            <a:effectRef idx="0">
+              <a:schemeClr val="accent1"/>
+            </a:effectRef>
+            <a:fontRef idx="minor">
+              <a:schemeClr val="tx1"/>
+            </a:fontRef>
+          </p:style>
+        </p:cxnSp>
+        <p:cxnSp>
+          <p:nvCxnSpPr>
+            <p:cNvPr id="81" name="直線矢印コネクタ 80">
+              <a:extLst>
+                <a:ext uri="{FF2B5EF4-FFF2-40B4-BE49-F238E27FC236}">
+                  <a16:creationId xmlns:a16="http://schemas.microsoft.com/office/drawing/2014/main" id="{D543FCEB-84D3-4E44-A1FC-5030ACEBA772}"/>
+                </a:ext>
+              </a:extLst>
+            </p:cNvPr>
+            <p:cNvCxnSpPr>
+              <a:cxnSpLocks/>
+              <a:stCxn id="104" idx="6"/>
+              <a:endCxn id="101" idx="2"/>
+            </p:cNvCxnSpPr>
+            <p:nvPr/>
+          </p:nvCxnSpPr>
+          <p:spPr>
+            <a:xfrm>
+              <a:off x="8741625" y="3640252"/>
+              <a:ext cx="506572" cy="773992"/>
+            </a:xfrm>
+            <a:prstGeom prst="straightConnector1">
+              <a:avLst/>
+            </a:prstGeom>
+            <a:ln w="19050">
+              <a:solidFill>
+                <a:schemeClr val="tx1">
+                  <a:lumMod val="50000"/>
+                  <a:lumOff val="50000"/>
+                </a:schemeClr>
+              </a:solidFill>
+              <a:tailEnd type="triangle"/>
+            </a:ln>
+          </p:spPr>
+          <p:style>
+            <a:lnRef idx="1">
+              <a:schemeClr val="accent1"/>
+            </a:lnRef>
+            <a:fillRef idx="0">
+              <a:schemeClr val="accent1"/>
+            </a:fillRef>
+            <a:effectRef idx="0">
+              <a:schemeClr val="accent1"/>
+            </a:effectRef>
+            <a:fontRef idx="minor">
+              <a:schemeClr val="tx1"/>
+            </a:fontRef>
+          </p:style>
+        </p:cxnSp>
+        <p:cxnSp>
+          <p:nvCxnSpPr>
+            <p:cNvPr id="82" name="直線矢印コネクタ 81">
+              <a:extLst>
+                <a:ext uri="{FF2B5EF4-FFF2-40B4-BE49-F238E27FC236}">
+                  <a16:creationId xmlns:a16="http://schemas.microsoft.com/office/drawing/2014/main" id="{D7ABC353-40C2-E240-A569-DB1CC10372F4}"/>
+                </a:ext>
+              </a:extLst>
+            </p:cNvPr>
+            <p:cNvCxnSpPr>
+              <a:cxnSpLocks/>
+              <a:stCxn id="103" idx="6"/>
+              <a:endCxn id="99" idx="2"/>
+            </p:cNvCxnSpPr>
+            <p:nvPr/>
+          </p:nvCxnSpPr>
+          <p:spPr>
+            <a:xfrm>
+              <a:off x="8741625" y="3160199"/>
+              <a:ext cx="506572" cy="5906"/>
+            </a:xfrm>
+            <a:prstGeom prst="straightConnector1">
+              <a:avLst/>
+            </a:prstGeom>
+            <a:ln w="19050">
+              <a:solidFill>
+                <a:schemeClr val="tx1">
+                  <a:lumMod val="50000"/>
+                  <a:lumOff val="50000"/>
+                </a:schemeClr>
+              </a:solidFill>
+              <a:tailEnd type="triangle"/>
+            </a:ln>
+          </p:spPr>
+          <p:style>
+            <a:lnRef idx="1">
+              <a:schemeClr val="accent1"/>
+            </a:lnRef>
+            <a:fillRef idx="0">
+              <a:schemeClr val="accent1"/>
+            </a:fillRef>
+            <a:effectRef idx="0">
+              <a:schemeClr val="accent1"/>
+            </a:effectRef>
+            <a:fontRef idx="minor">
+              <a:schemeClr val="tx1"/>
+            </a:fontRef>
+          </p:style>
+        </p:cxnSp>
+        <p:cxnSp>
+          <p:nvCxnSpPr>
+            <p:cNvPr id="83" name="直線矢印コネクタ 82">
+              <a:extLst>
+                <a:ext uri="{FF2B5EF4-FFF2-40B4-BE49-F238E27FC236}">
+                  <a16:creationId xmlns:a16="http://schemas.microsoft.com/office/drawing/2014/main" id="{6836C1DC-9791-9749-B891-B1FB1EBA928E}"/>
+                </a:ext>
+              </a:extLst>
+            </p:cNvPr>
+            <p:cNvCxnSpPr>
+              <a:cxnSpLocks/>
+              <a:stCxn id="103" idx="6"/>
+              <a:endCxn id="100" idx="2"/>
+            </p:cNvCxnSpPr>
+            <p:nvPr/>
+          </p:nvCxnSpPr>
+          <p:spPr>
+            <a:xfrm>
+              <a:off x="8741625" y="3160199"/>
+              <a:ext cx="506572" cy="485959"/>
+            </a:xfrm>
+            <a:prstGeom prst="straightConnector1">
+              <a:avLst/>
+            </a:prstGeom>
+            <a:ln w="19050">
+              <a:solidFill>
+                <a:schemeClr val="tx1">
+                  <a:lumMod val="50000"/>
+                  <a:lumOff val="50000"/>
+                </a:schemeClr>
+              </a:solidFill>
+              <a:tailEnd type="triangle"/>
+            </a:ln>
+          </p:spPr>
+          <p:style>
+            <a:lnRef idx="1">
+              <a:schemeClr val="accent1"/>
+            </a:lnRef>
+            <a:fillRef idx="0">
+              <a:schemeClr val="accent1"/>
+            </a:fillRef>
+            <a:effectRef idx="0">
+              <a:schemeClr val="accent1"/>
+            </a:effectRef>
+            <a:fontRef idx="minor">
+              <a:schemeClr val="tx1"/>
+            </a:fontRef>
+          </p:style>
+        </p:cxnSp>
+        <p:cxnSp>
+          <p:nvCxnSpPr>
+            <p:cNvPr id="84" name="直線矢印コネクタ 83">
+              <a:extLst>
+                <a:ext uri="{FF2B5EF4-FFF2-40B4-BE49-F238E27FC236}">
+                  <a16:creationId xmlns:a16="http://schemas.microsoft.com/office/drawing/2014/main" id="{E70A3863-6985-694E-A611-CA7A92A5C0B8}"/>
+                </a:ext>
+              </a:extLst>
+            </p:cNvPr>
+            <p:cNvCxnSpPr>
+              <a:cxnSpLocks/>
+              <a:stCxn id="103" idx="6"/>
+              <a:endCxn id="101" idx="2"/>
+            </p:cNvCxnSpPr>
+            <p:nvPr/>
+          </p:nvCxnSpPr>
+          <p:spPr>
+            <a:xfrm>
+              <a:off x="8741625" y="3160199"/>
+              <a:ext cx="506572" cy="1254045"/>
+            </a:xfrm>
+            <a:prstGeom prst="straightConnector1">
+              <a:avLst/>
+            </a:prstGeom>
+            <a:ln w="19050">
+              <a:solidFill>
+                <a:schemeClr val="tx1">
+                  <a:lumMod val="50000"/>
+                  <a:lumOff val="50000"/>
+                </a:schemeClr>
+              </a:solidFill>
+              <a:tailEnd type="triangle"/>
+            </a:ln>
+          </p:spPr>
+          <p:style>
+            <a:lnRef idx="1">
+              <a:schemeClr val="accent1"/>
+            </a:lnRef>
+            <a:fillRef idx="0">
+              <a:schemeClr val="accent1"/>
+            </a:fillRef>
+            <a:effectRef idx="0">
+              <a:schemeClr val="accent1"/>
+            </a:effectRef>
+            <a:fontRef idx="minor">
+              <a:schemeClr val="tx1"/>
+            </a:fontRef>
+          </p:style>
+        </p:cxnSp>
+        <p:grpSp>
+          <p:nvGrpSpPr>
+            <p:cNvPr id="85" name="グループ化 84">
+              <a:extLst>
+                <a:ext uri="{FF2B5EF4-FFF2-40B4-BE49-F238E27FC236}">
+                  <a16:creationId xmlns:a16="http://schemas.microsoft.com/office/drawing/2014/main" id="{EE2DE842-D042-894B-B2A7-3CDCBAD5600F}"/>
+                </a:ext>
+              </a:extLst>
+            </p:cNvPr>
+            <p:cNvGrpSpPr/>
+            <p:nvPr/>
+          </p:nvGrpSpPr>
+          <p:grpSpPr>
+            <a:xfrm>
+              <a:off x="9549488" y="3160199"/>
+              <a:ext cx="523029" cy="1254045"/>
+              <a:chOff x="3266200" y="998825"/>
+              <a:chExt cx="933589" cy="1254045"/>
+            </a:xfrm>
+          </p:grpSpPr>
+          <p:cxnSp>
+            <p:nvCxnSpPr>
+              <p:cNvPr id="86" name="直線矢印コネクタ 85">
+                <a:extLst>
+                  <a:ext uri="{FF2B5EF4-FFF2-40B4-BE49-F238E27FC236}">
+                    <a16:creationId xmlns:a16="http://schemas.microsoft.com/office/drawing/2014/main" id="{6CC4ACE5-17C5-C149-B7F0-A6928E7FC245}"/>
+                  </a:ext>
+                </a:extLst>
+              </p:cNvPr>
+              <p:cNvCxnSpPr/>
+              <p:nvPr/>
+            </p:nvCxnSpPr>
+            <p:spPr>
+              <a:xfrm flipV="1">
+                <a:off x="3266200" y="998825"/>
+                <a:ext cx="933589" cy="5906"/>
+              </a:xfrm>
+              <a:prstGeom prst="straightConnector1">
+                <a:avLst/>
+              </a:prstGeom>
+              <a:ln w="19050">
+                <a:solidFill>
+                  <a:schemeClr val="tx1">
+                    <a:lumMod val="50000"/>
+                    <a:lumOff val="50000"/>
+                  </a:schemeClr>
+                </a:solidFill>
+                <a:tailEnd type="triangle"/>
+              </a:ln>
+            </p:spPr>
+            <p:style>
+              <a:lnRef idx="1">
+                <a:schemeClr val="accent1"/>
+              </a:lnRef>
+              <a:fillRef idx="0">
+                <a:schemeClr val="accent1"/>
+              </a:fillRef>
+              <a:effectRef idx="0">
+                <a:schemeClr val="accent1"/>
+              </a:effectRef>
+              <a:fontRef idx="minor">
+                <a:schemeClr val="tx1"/>
+              </a:fontRef>
+            </p:style>
+          </p:cxnSp>
+          <p:cxnSp>
+            <p:nvCxnSpPr>
+              <p:cNvPr id="87" name="直線矢印コネクタ 86">
+                <a:extLst>
+                  <a:ext uri="{FF2B5EF4-FFF2-40B4-BE49-F238E27FC236}">
+                    <a16:creationId xmlns:a16="http://schemas.microsoft.com/office/drawing/2014/main" id="{44385D95-D5BC-B94C-9581-010241307710}"/>
+                  </a:ext>
+                </a:extLst>
+              </p:cNvPr>
+              <p:cNvCxnSpPr>
+                <a:cxnSpLocks/>
+              </p:cNvCxnSpPr>
+              <p:nvPr/>
+            </p:nvCxnSpPr>
+            <p:spPr>
+              <a:xfrm>
+                <a:off x="3266200" y="1004731"/>
+                <a:ext cx="933589" cy="474147"/>
+              </a:xfrm>
+              <a:prstGeom prst="straightConnector1">
+                <a:avLst/>
+              </a:prstGeom>
+              <a:ln w="19050">
+                <a:solidFill>
+                  <a:schemeClr val="tx1">
+                    <a:lumMod val="50000"/>
+                    <a:lumOff val="50000"/>
+                  </a:schemeClr>
+                </a:solidFill>
+                <a:tailEnd type="triangle"/>
+              </a:ln>
+            </p:spPr>
+            <p:style>
+              <a:lnRef idx="1">
+                <a:schemeClr val="accent1"/>
+              </a:lnRef>
+              <a:fillRef idx="0">
+                <a:schemeClr val="accent1"/>
+              </a:fillRef>
+              <a:effectRef idx="0">
+                <a:schemeClr val="accent1"/>
+              </a:effectRef>
+              <a:fontRef idx="minor">
+                <a:schemeClr val="tx1"/>
+              </a:fontRef>
+            </p:style>
+          </p:cxnSp>
+          <p:cxnSp>
+            <p:nvCxnSpPr>
+              <p:cNvPr id="88" name="直線矢印コネクタ 87">
+                <a:extLst>
+                  <a:ext uri="{FF2B5EF4-FFF2-40B4-BE49-F238E27FC236}">
+                    <a16:creationId xmlns:a16="http://schemas.microsoft.com/office/drawing/2014/main" id="{18C5DDCE-F941-3E42-87AD-44C1A84DFF8E}"/>
+                  </a:ext>
+                </a:extLst>
+              </p:cNvPr>
+              <p:cNvCxnSpPr>
+                <a:cxnSpLocks/>
+              </p:cNvCxnSpPr>
+              <p:nvPr/>
+            </p:nvCxnSpPr>
+            <p:spPr>
+              <a:xfrm>
+                <a:off x="3266200" y="1004731"/>
+                <a:ext cx="933589" cy="1242233"/>
+              </a:xfrm>
+              <a:prstGeom prst="straightConnector1">
+                <a:avLst/>
+              </a:prstGeom>
+              <a:ln w="19050">
+                <a:solidFill>
+                  <a:schemeClr val="tx1">
+                    <a:lumMod val="50000"/>
+                    <a:lumOff val="50000"/>
+                  </a:schemeClr>
+                </a:solidFill>
+                <a:tailEnd type="triangle"/>
+              </a:ln>
+            </p:spPr>
+            <p:style>
+              <a:lnRef idx="1">
+                <a:schemeClr val="accent1"/>
+              </a:lnRef>
+              <a:fillRef idx="0">
+                <a:schemeClr val="accent1"/>
+              </a:fillRef>
+              <a:effectRef idx="0">
+                <a:schemeClr val="accent1"/>
+              </a:effectRef>
+              <a:fontRef idx="minor">
+                <a:schemeClr val="tx1"/>
+              </a:fontRef>
+            </p:style>
+          </p:cxnSp>
+          <p:cxnSp>
+            <p:nvCxnSpPr>
+              <p:cNvPr id="89" name="直線矢印コネクタ 88">
+                <a:extLst>
+                  <a:ext uri="{FF2B5EF4-FFF2-40B4-BE49-F238E27FC236}">
+                    <a16:creationId xmlns:a16="http://schemas.microsoft.com/office/drawing/2014/main" id="{D893BF25-92F9-7747-8C0A-0E40D0566AC0}"/>
+                  </a:ext>
+                </a:extLst>
+              </p:cNvPr>
+              <p:cNvCxnSpPr>
+                <a:cxnSpLocks/>
+              </p:cNvCxnSpPr>
+              <p:nvPr/>
+            </p:nvCxnSpPr>
+            <p:spPr>
+              <a:xfrm flipV="1">
+                <a:off x="3266200" y="998825"/>
+                <a:ext cx="933589" cy="485959"/>
+              </a:xfrm>
+              <a:prstGeom prst="straightConnector1">
+                <a:avLst/>
+              </a:prstGeom>
+              <a:ln w="19050">
+                <a:solidFill>
+                  <a:schemeClr val="tx1">
+                    <a:lumMod val="50000"/>
+                    <a:lumOff val="50000"/>
+                  </a:schemeClr>
+                </a:solidFill>
+                <a:tailEnd type="triangle"/>
+              </a:ln>
+            </p:spPr>
+            <p:style>
+              <a:lnRef idx="1">
+                <a:schemeClr val="accent1"/>
+              </a:lnRef>
+              <a:fillRef idx="0">
+                <a:schemeClr val="accent1"/>
+              </a:fillRef>
+              <a:effectRef idx="0">
+                <a:schemeClr val="accent1"/>
+              </a:effectRef>
+              <a:fontRef idx="minor">
+                <a:schemeClr val="tx1"/>
+              </a:fontRef>
+            </p:style>
+          </p:cxnSp>
+          <p:cxnSp>
+            <p:nvCxnSpPr>
+              <p:cNvPr id="90" name="直線矢印コネクタ 89">
+                <a:extLst>
+                  <a:ext uri="{FF2B5EF4-FFF2-40B4-BE49-F238E27FC236}">
+                    <a16:creationId xmlns:a16="http://schemas.microsoft.com/office/drawing/2014/main" id="{E8C551AD-A0AF-5F49-9FCF-575A11532976}"/>
+                  </a:ext>
+                </a:extLst>
+              </p:cNvPr>
+              <p:cNvCxnSpPr>
+                <a:cxnSpLocks/>
+              </p:cNvCxnSpPr>
+              <p:nvPr/>
+            </p:nvCxnSpPr>
+            <p:spPr>
+              <a:xfrm flipV="1">
+                <a:off x="3266200" y="1478878"/>
+                <a:ext cx="933589" cy="5906"/>
+              </a:xfrm>
+              <a:prstGeom prst="straightConnector1">
+                <a:avLst/>
+              </a:prstGeom>
+              <a:ln w="19050">
+                <a:solidFill>
+                  <a:schemeClr val="tx1">
+                    <a:lumMod val="50000"/>
+                    <a:lumOff val="50000"/>
+                  </a:schemeClr>
+                </a:solidFill>
+                <a:tailEnd type="triangle"/>
+              </a:ln>
+            </p:spPr>
+            <p:style>
+              <a:lnRef idx="1">
+                <a:schemeClr val="accent1"/>
+              </a:lnRef>
+              <a:fillRef idx="0">
+                <a:schemeClr val="accent1"/>
+              </a:fillRef>
+              <a:effectRef idx="0">
+                <a:schemeClr val="accent1"/>
+              </a:effectRef>
+              <a:fontRef idx="minor">
+                <a:schemeClr val="tx1"/>
+              </a:fontRef>
+            </p:style>
+          </p:cxnSp>
+          <p:cxnSp>
+            <p:nvCxnSpPr>
+              <p:cNvPr id="91" name="直線矢印コネクタ 90">
+                <a:extLst>
+                  <a:ext uri="{FF2B5EF4-FFF2-40B4-BE49-F238E27FC236}">
+                    <a16:creationId xmlns:a16="http://schemas.microsoft.com/office/drawing/2014/main" id="{EAF9A103-DE6B-334D-B829-4B0D9AC830E2}"/>
+                  </a:ext>
+                </a:extLst>
+              </p:cNvPr>
+              <p:cNvCxnSpPr>
+                <a:cxnSpLocks/>
+              </p:cNvCxnSpPr>
+              <p:nvPr/>
+            </p:nvCxnSpPr>
+            <p:spPr>
+              <a:xfrm>
+                <a:off x="3266200" y="1484784"/>
+                <a:ext cx="933589" cy="762179"/>
+              </a:xfrm>
+              <a:prstGeom prst="straightConnector1">
+                <a:avLst/>
+              </a:prstGeom>
+              <a:ln w="19050">
+                <a:solidFill>
+                  <a:schemeClr val="tx1">
+                    <a:lumMod val="50000"/>
+                    <a:lumOff val="50000"/>
+                  </a:schemeClr>
+                </a:solidFill>
+                <a:tailEnd type="triangle"/>
+              </a:ln>
+            </p:spPr>
+            <p:style>
+              <a:lnRef idx="1">
+                <a:schemeClr val="accent1"/>
+              </a:lnRef>
+              <a:fillRef idx="0">
+                <a:schemeClr val="accent1"/>
+              </a:fillRef>
+              <a:effectRef idx="0">
+                <a:schemeClr val="accent1"/>
+              </a:effectRef>
+              <a:fontRef idx="minor">
+                <a:schemeClr val="tx1"/>
+              </a:fontRef>
+            </p:style>
+          </p:cxnSp>
+          <p:cxnSp>
+            <p:nvCxnSpPr>
+              <p:cNvPr id="92" name="直線矢印コネクタ 91">
+                <a:extLst>
+                  <a:ext uri="{FF2B5EF4-FFF2-40B4-BE49-F238E27FC236}">
+                    <a16:creationId xmlns:a16="http://schemas.microsoft.com/office/drawing/2014/main" id="{790157FB-F550-7048-B8C8-27CBC8056A44}"/>
+                  </a:ext>
+                </a:extLst>
+              </p:cNvPr>
+              <p:cNvCxnSpPr>
+                <a:cxnSpLocks/>
+              </p:cNvCxnSpPr>
+              <p:nvPr/>
+            </p:nvCxnSpPr>
+            <p:spPr>
+              <a:xfrm flipV="1">
+                <a:off x="3266200" y="998825"/>
+                <a:ext cx="933589" cy="1254045"/>
+              </a:xfrm>
+              <a:prstGeom prst="straightConnector1">
+                <a:avLst/>
+              </a:prstGeom>
+              <a:ln w="19050">
+                <a:solidFill>
+                  <a:schemeClr val="tx1">
+                    <a:lumMod val="50000"/>
+                    <a:lumOff val="50000"/>
+                  </a:schemeClr>
+                </a:solidFill>
+                <a:tailEnd type="triangle"/>
+              </a:ln>
+            </p:spPr>
+            <p:style>
+              <a:lnRef idx="1">
+                <a:schemeClr val="accent1"/>
+              </a:lnRef>
+              <a:fillRef idx="0">
+                <a:schemeClr val="accent1"/>
+              </a:fillRef>
+              <a:effectRef idx="0">
+                <a:schemeClr val="accent1"/>
+              </a:effectRef>
+              <a:fontRef idx="minor">
+                <a:schemeClr val="tx1"/>
+              </a:fontRef>
+            </p:style>
+          </p:cxnSp>
+          <p:cxnSp>
+            <p:nvCxnSpPr>
+              <p:cNvPr id="93" name="直線矢印コネクタ 92">
+                <a:extLst>
+                  <a:ext uri="{FF2B5EF4-FFF2-40B4-BE49-F238E27FC236}">
+                    <a16:creationId xmlns:a16="http://schemas.microsoft.com/office/drawing/2014/main" id="{61A7614F-D9FF-2741-86AB-88D84588122F}"/>
+                  </a:ext>
+                </a:extLst>
+              </p:cNvPr>
+              <p:cNvCxnSpPr>
+                <a:cxnSpLocks/>
+              </p:cNvCxnSpPr>
+              <p:nvPr/>
+            </p:nvCxnSpPr>
+            <p:spPr>
+              <a:xfrm flipV="1">
+                <a:off x="3266200" y="1478878"/>
+                <a:ext cx="933589" cy="773991"/>
+              </a:xfrm>
+              <a:prstGeom prst="straightConnector1">
+                <a:avLst/>
+              </a:prstGeom>
+              <a:ln w="19050">
+                <a:solidFill>
+                  <a:schemeClr val="tx1">
+                    <a:lumMod val="50000"/>
+                    <a:lumOff val="50000"/>
+                  </a:schemeClr>
+                </a:solidFill>
+                <a:tailEnd type="triangle"/>
+              </a:ln>
+            </p:spPr>
+            <p:style>
+              <a:lnRef idx="1">
+                <a:schemeClr val="accent1"/>
+              </a:lnRef>
+              <a:fillRef idx="0">
+                <a:schemeClr val="accent1"/>
+              </a:fillRef>
+              <a:effectRef idx="0">
+                <a:schemeClr val="accent1"/>
+              </a:effectRef>
+              <a:fontRef idx="minor">
+                <a:schemeClr val="tx1"/>
+              </a:fontRef>
+            </p:style>
+          </p:cxnSp>
+          <p:cxnSp>
+            <p:nvCxnSpPr>
+              <p:cNvPr id="94" name="直線矢印コネクタ 93">
+                <a:extLst>
+                  <a:ext uri="{FF2B5EF4-FFF2-40B4-BE49-F238E27FC236}">
+                    <a16:creationId xmlns:a16="http://schemas.microsoft.com/office/drawing/2014/main" id="{00734343-DE1E-9F45-91C0-0A3E9BF162EC}"/>
+                  </a:ext>
+                </a:extLst>
+              </p:cNvPr>
+              <p:cNvCxnSpPr>
+                <a:cxnSpLocks/>
+              </p:cNvCxnSpPr>
+              <p:nvPr/>
+            </p:nvCxnSpPr>
+            <p:spPr>
+              <a:xfrm flipV="1">
+                <a:off x="3266200" y="2246963"/>
+                <a:ext cx="933589" cy="5906"/>
+              </a:xfrm>
+              <a:prstGeom prst="straightConnector1">
+                <a:avLst/>
+              </a:prstGeom>
+              <a:ln w="19050">
+                <a:solidFill>
+                  <a:schemeClr val="tx1">
+                    <a:lumMod val="50000"/>
+                    <a:lumOff val="50000"/>
+                  </a:schemeClr>
+                </a:solidFill>
+                <a:tailEnd type="triangle"/>
+              </a:ln>
+            </p:spPr>
+            <p:style>
+              <a:lnRef idx="1">
+                <a:schemeClr val="accent1"/>
+              </a:lnRef>
+              <a:fillRef idx="0">
+                <a:schemeClr val="accent1"/>
+              </a:fillRef>
+              <a:effectRef idx="0">
+                <a:schemeClr val="accent1"/>
+              </a:effectRef>
+              <a:fontRef idx="minor">
+                <a:schemeClr val="tx1"/>
+              </a:fontRef>
+            </p:style>
+          </p:cxnSp>
+        </p:grpSp>
+      </p:grpSp>
+      <p:cxnSp>
+        <p:nvCxnSpPr>
+          <p:cNvPr id="112" name="直線矢印コネクタ 111">
+            <a:extLst>
+              <a:ext uri="{FF2B5EF4-FFF2-40B4-BE49-F238E27FC236}">
+                <a16:creationId xmlns:a16="http://schemas.microsoft.com/office/drawing/2014/main" id="{166E6D8A-3BD1-974A-B2DE-770DF99C9BD2}"/>
+              </a:ext>
+            </a:extLst>
+          </p:cNvPr>
+          <p:cNvCxnSpPr>
+            <a:cxnSpLocks/>
+          </p:cNvCxnSpPr>
+          <p:nvPr/>
+        </p:nvCxnSpPr>
+        <p:spPr>
+          <a:xfrm>
+            <a:off x="7241024" y="3407669"/>
+            <a:ext cx="324056" cy="0"/>
+          </a:xfrm>
+          <a:prstGeom prst="straightConnector1">
+            <a:avLst/>
+          </a:prstGeom>
+          <a:ln w="38100">
+            <a:solidFill>
+              <a:schemeClr val="tx1">
+                <a:lumMod val="50000"/>
+                <a:lumOff val="50000"/>
+              </a:schemeClr>
+            </a:solidFill>
+            <a:tailEnd type="triangle"/>
+          </a:ln>
+        </p:spPr>
+        <p:style>
+          <a:lnRef idx="1">
+            <a:schemeClr val="accent1"/>
+          </a:lnRef>
+          <a:fillRef idx="0">
+            <a:schemeClr val="accent1"/>
+          </a:fillRef>
+          <a:effectRef idx="0">
+            <a:schemeClr val="accent1"/>
+          </a:effectRef>
+          <a:fontRef idx="minor">
+            <a:schemeClr val="tx1"/>
+          </a:fontRef>
+        </p:style>
+      </p:cxnSp>
+      <p:graphicFrame>
+        <p:nvGraphicFramePr>
+          <p:cNvPr id="22" name="表 21">
+            <a:extLst>
+              <a:ext uri="{FF2B5EF4-FFF2-40B4-BE49-F238E27FC236}">
+                <a16:creationId xmlns:a16="http://schemas.microsoft.com/office/drawing/2014/main" id="{08DCF442-D8E8-2B47-B967-F0CC9D47D135}"/>
+              </a:ext>
+            </a:extLst>
+          </p:cNvPr>
+          <p:cNvGraphicFramePr>
+            <a:graphicFrameLocks noGrp="1"/>
+          </p:cNvGraphicFramePr>
+          <p:nvPr>
+            <p:extLst>
+              <p:ext uri="{D42A27DB-BD31-4B8C-83A1-F6EECF244321}">
+                <p14:modId xmlns:p14="http://schemas.microsoft.com/office/powerpoint/2010/main" val="1881719500"/>
+              </p:ext>
+            </p:extLst>
+          </p:nvPr>
+        </p:nvGraphicFramePr>
+        <p:xfrm>
+          <a:off x="11389674" y="2318009"/>
+          <a:ext cx="1387416" cy="2179320"/>
+        </p:xfrm>
+        <a:graphic>
+          <a:graphicData uri="http://schemas.openxmlformats.org/drawingml/2006/table">
+            <a:tbl>
+              <a:tblPr firstRow="1" bandRow="1">
+                <a:tableStyleId>{5940675A-B579-460E-94D1-54222C63F5DA}</a:tableStyleId>
+              </a:tblPr>
+              <a:tblGrid>
+                <a:gridCol w="386080">
+                  <a:extLst>
+                    <a:ext uri="{9D8B030D-6E8A-4147-A177-3AD203B41FA5}">
+                      <a16:colId xmlns:a16="http://schemas.microsoft.com/office/drawing/2014/main" val="877489729"/>
+                    </a:ext>
+                  </a:extLst>
+                </a:gridCol>
+                <a:gridCol w="1001336">
+                  <a:extLst>
+                    <a:ext uri="{9D8B030D-6E8A-4147-A177-3AD203B41FA5}">
+                      <a16:colId xmlns:a16="http://schemas.microsoft.com/office/drawing/2014/main" val="3808426105"/>
+                    </a:ext>
+                  </a:extLst>
+                </a:gridCol>
+              </a:tblGrid>
+              <a:tr h="137029">
+                <a:tc>
+                  <a:txBody>
+                    <a:bodyPr/>
+                    <a:lstStyle/>
+                    <a:p>
+                      <a:pPr algn="ctr"/>
+                      <a:r>
+                        <a:rPr kumimoji="1" lang="ja-JP" altLang="en-US" sz="700">
+                          <a:solidFill>
+                            <a:schemeClr val="tx1"/>
+                          </a:solidFill>
+                        </a:rPr>
+                        <a:t>数字</a:t>
+                      </a:r>
+                    </a:p>
+                  </a:txBody>
+                  <a:tcPr/>
+                </a:tc>
+                <a:tc>
+                  <a:txBody>
+                    <a:bodyPr/>
+                    <a:lstStyle/>
+                    <a:p>
+                      <a:pPr algn="ctr"/>
+                      <a:r>
+                        <a:rPr kumimoji="1" lang="ja-JP" altLang="en-US" sz="700"/>
+                        <a:t>エンコード</a:t>
+                      </a:r>
+                      <a:endParaRPr kumimoji="1" lang="ja-JP" altLang="en-US" sz="700">
+                        <a:solidFill>
+                          <a:schemeClr val="tx1"/>
+                        </a:solidFill>
+                      </a:endParaRPr>
+                    </a:p>
+                  </a:txBody>
+                  <a:tcPr/>
+                </a:tc>
+                <a:extLst>
+                  <a:ext uri="{0D108BD9-81ED-4DB2-BD59-A6C34878D82A}">
+                    <a16:rowId xmlns:a16="http://schemas.microsoft.com/office/drawing/2014/main" val="4178298634"/>
+                  </a:ext>
+                </a:extLst>
+              </a:tr>
+              <a:tr h="137029">
+                <a:tc>
+                  <a:txBody>
+                    <a:bodyPr/>
+                    <a:lstStyle/>
+                    <a:p>
+                      <a:pPr algn="ctr"/>
+                      <a:r>
+                        <a:rPr kumimoji="1" lang="en-US" altLang="ja-JP" sz="700" dirty="0"/>
+                        <a:t>0</a:t>
+                      </a:r>
+                      <a:endParaRPr kumimoji="1" lang="ja-JP" altLang="en-US" sz="700"/>
+                    </a:p>
+                  </a:txBody>
+                  <a:tcPr/>
+                </a:tc>
+                <a:tc>
+                  <a:txBody>
+                    <a:bodyPr/>
+                    <a:lstStyle/>
+                    <a:p>
+                      <a:r>
+                        <a:rPr kumimoji="1" lang="en-US" altLang="ja-JP" sz="700" dirty="0"/>
+                        <a:t>1,0,0,0,0,0,0,0,0,0</a:t>
+                      </a:r>
+                      <a:endParaRPr kumimoji="1" lang="ja-JP" altLang="en-US" sz="700"/>
+                    </a:p>
+                  </a:txBody>
+                  <a:tcPr/>
+                </a:tc>
+                <a:extLst>
+                  <a:ext uri="{0D108BD9-81ED-4DB2-BD59-A6C34878D82A}">
+                    <a16:rowId xmlns:a16="http://schemas.microsoft.com/office/drawing/2014/main" val="2170429799"/>
+                  </a:ext>
+                </a:extLst>
+              </a:tr>
+              <a:tr h="137029">
+                <a:tc>
+                  <a:txBody>
+                    <a:bodyPr/>
+                    <a:lstStyle/>
+                    <a:p>
+                      <a:pPr algn="ctr"/>
+                      <a:r>
+                        <a:rPr kumimoji="1" lang="en-US" altLang="ja-JP" sz="700" dirty="0"/>
+                        <a:t>1</a:t>
+                      </a:r>
+                      <a:endParaRPr kumimoji="1" lang="ja-JP" altLang="en-US" sz="700"/>
+                    </a:p>
+                  </a:txBody>
+                  <a:tcPr/>
+                </a:tc>
+                <a:tc>
+                  <a:txBody>
+                    <a:bodyPr/>
+                    <a:lstStyle/>
+                    <a:p>
+                      <a:r>
+                        <a:rPr kumimoji="1" lang="en-US" altLang="ja-JP" sz="700" b="0" i="0" u="none" strike="noStrike" kern="1200" cap="none" spc="0" normalizeH="0" baseline="0" noProof="0" dirty="0">
+                          <a:ln>
+                            <a:noFill/>
+                          </a:ln>
+                          <a:solidFill>
+                            <a:prstClr val="black"/>
+                          </a:solidFill>
+                          <a:effectLst/>
+                          <a:uLnTx/>
+                          <a:uFillTx/>
+                          <a:latin typeface="游ゴシック"/>
+                          <a:ea typeface="游ゴシック" panose="020B0400000000000000" pitchFamily="34" charset="-128"/>
+                          <a:cs typeface="+mn-cs"/>
+                        </a:rPr>
+                        <a:t>0,1,0,0,0,0,0,0,0,0</a:t>
+                      </a:r>
+                      <a:endParaRPr kumimoji="1" lang="ja-JP" altLang="en-US" sz="700"/>
+                    </a:p>
+                  </a:txBody>
+                  <a:tcPr/>
+                </a:tc>
+                <a:extLst>
+                  <a:ext uri="{0D108BD9-81ED-4DB2-BD59-A6C34878D82A}">
+                    <a16:rowId xmlns:a16="http://schemas.microsoft.com/office/drawing/2014/main" val="403255387"/>
+                  </a:ext>
+                </a:extLst>
+              </a:tr>
+              <a:tr h="137029">
+                <a:tc>
+                  <a:txBody>
+                    <a:bodyPr/>
+                    <a:lstStyle/>
+                    <a:p>
+                      <a:pPr algn="ctr"/>
+                      <a:r>
+                        <a:rPr kumimoji="1" lang="en-US" altLang="ja-JP" sz="700" dirty="0"/>
+                        <a:t>2</a:t>
+                      </a:r>
+                      <a:endParaRPr kumimoji="1" lang="ja-JP" altLang="en-US" sz="700"/>
+                    </a:p>
+                  </a:txBody>
+                  <a:tcPr/>
+                </a:tc>
+                <a:tc>
+                  <a:txBody>
+                    <a:bodyPr/>
+                    <a:lstStyle/>
+                    <a:p>
+                      <a:r>
+                        <a:rPr kumimoji="1" lang="en-US" altLang="ja-JP" sz="700" b="0" i="0" u="none" strike="noStrike" kern="1200" cap="none" spc="0" normalizeH="0" baseline="0" noProof="0" dirty="0">
+                          <a:ln>
+                            <a:noFill/>
+                          </a:ln>
+                          <a:solidFill>
+                            <a:prstClr val="black"/>
+                          </a:solidFill>
+                          <a:effectLst/>
+                          <a:uLnTx/>
+                          <a:uFillTx/>
+                          <a:latin typeface="游ゴシック"/>
+                          <a:ea typeface="游ゴシック" panose="020B0400000000000000" pitchFamily="34" charset="-128"/>
+                          <a:cs typeface="+mn-cs"/>
+                        </a:rPr>
+                        <a:t>0,0,1,0,0,0,0,0,0,0</a:t>
+                      </a:r>
+                      <a:endParaRPr kumimoji="1" lang="ja-JP" altLang="en-US" sz="700"/>
+                    </a:p>
+                  </a:txBody>
+                  <a:tcPr/>
+                </a:tc>
+                <a:extLst>
+                  <a:ext uri="{0D108BD9-81ED-4DB2-BD59-A6C34878D82A}">
+                    <a16:rowId xmlns:a16="http://schemas.microsoft.com/office/drawing/2014/main" val="616471869"/>
+                  </a:ext>
+                </a:extLst>
+              </a:tr>
+              <a:tr h="137029">
+                <a:tc>
+                  <a:txBody>
+                    <a:bodyPr/>
+                    <a:lstStyle/>
+                    <a:p>
+                      <a:pPr algn="ctr"/>
+                      <a:r>
+                        <a:rPr kumimoji="1" lang="en-US" altLang="ja-JP" sz="700" dirty="0"/>
+                        <a:t>3</a:t>
+                      </a:r>
+                      <a:endParaRPr kumimoji="1" lang="ja-JP" altLang="en-US" sz="700"/>
+                    </a:p>
+                  </a:txBody>
+                  <a:tcPr/>
+                </a:tc>
+                <a:tc>
+                  <a:txBody>
+                    <a:bodyPr/>
+                    <a:lstStyle/>
+                    <a:p>
+                      <a:r>
+                        <a:rPr kumimoji="1" lang="en-US" altLang="ja-JP" sz="700" b="0" i="0" u="none" strike="noStrike" kern="1200" cap="none" spc="0" normalizeH="0" baseline="0" noProof="0" dirty="0">
+                          <a:ln>
+                            <a:noFill/>
+                          </a:ln>
+                          <a:solidFill>
+                            <a:prstClr val="black"/>
+                          </a:solidFill>
+                          <a:effectLst/>
+                          <a:uLnTx/>
+                          <a:uFillTx/>
+                          <a:latin typeface="游ゴシック"/>
+                          <a:ea typeface="游ゴシック" panose="020B0400000000000000" pitchFamily="34" charset="-128"/>
+                          <a:cs typeface="+mn-cs"/>
+                        </a:rPr>
+                        <a:t>0,0,0,1,0,0,0,0,0,0</a:t>
+                      </a:r>
+                      <a:endParaRPr kumimoji="1" lang="ja-JP" altLang="en-US" sz="700"/>
+                    </a:p>
+                  </a:txBody>
+                  <a:tcPr/>
+                </a:tc>
+                <a:extLst>
+                  <a:ext uri="{0D108BD9-81ED-4DB2-BD59-A6C34878D82A}">
+                    <a16:rowId xmlns:a16="http://schemas.microsoft.com/office/drawing/2014/main" val="3458162443"/>
+                  </a:ext>
+                </a:extLst>
+              </a:tr>
+              <a:tr h="137029">
+                <a:tc>
+                  <a:txBody>
+                    <a:bodyPr/>
+                    <a:lstStyle/>
+                    <a:p>
+                      <a:pPr algn="ctr"/>
+                      <a:r>
+                        <a:rPr kumimoji="1" lang="en-US" altLang="ja-JP" sz="700" dirty="0"/>
+                        <a:t>4</a:t>
+                      </a:r>
+                      <a:endParaRPr kumimoji="1" lang="ja-JP" altLang="en-US" sz="700"/>
+                    </a:p>
+                  </a:txBody>
+                  <a:tcPr/>
+                </a:tc>
+                <a:tc>
+                  <a:txBody>
+                    <a:bodyPr/>
+                    <a:lstStyle/>
+                    <a:p>
+                      <a:r>
+                        <a:rPr kumimoji="1" lang="en-US" altLang="ja-JP" sz="700" b="0" i="0" u="none" strike="noStrike" kern="1200" cap="none" spc="0" normalizeH="0" baseline="0" noProof="0" dirty="0">
+                          <a:ln>
+                            <a:noFill/>
+                          </a:ln>
+                          <a:solidFill>
+                            <a:prstClr val="black"/>
+                          </a:solidFill>
+                          <a:effectLst/>
+                          <a:uLnTx/>
+                          <a:uFillTx/>
+                          <a:latin typeface="游ゴシック"/>
+                          <a:ea typeface="游ゴシック" panose="020B0400000000000000" pitchFamily="34" charset="-128"/>
+                          <a:cs typeface="+mn-cs"/>
+                        </a:rPr>
+                        <a:t>0,0,0,0,1,0,0,0,0,0</a:t>
+                      </a:r>
+                      <a:endParaRPr kumimoji="1" lang="ja-JP" altLang="en-US" sz="700"/>
+                    </a:p>
+                  </a:txBody>
+                  <a:tcPr/>
+                </a:tc>
+                <a:extLst>
+                  <a:ext uri="{0D108BD9-81ED-4DB2-BD59-A6C34878D82A}">
+                    <a16:rowId xmlns:a16="http://schemas.microsoft.com/office/drawing/2014/main" val="2353141011"/>
+                  </a:ext>
+                </a:extLst>
+              </a:tr>
+              <a:tr h="137029">
+                <a:tc>
+                  <a:txBody>
+                    <a:bodyPr/>
+                    <a:lstStyle/>
+                    <a:p>
+                      <a:pPr algn="ctr"/>
+                      <a:r>
+                        <a:rPr kumimoji="1" lang="en-US" altLang="ja-JP" sz="700" dirty="0"/>
+                        <a:t>5</a:t>
+                      </a:r>
+                      <a:endParaRPr kumimoji="1" lang="ja-JP" altLang="en-US" sz="700"/>
+                    </a:p>
+                  </a:txBody>
+                  <a:tcPr/>
+                </a:tc>
+                <a:tc>
+                  <a:txBody>
+                    <a:bodyPr/>
+                    <a:lstStyle/>
+                    <a:p>
+                      <a:r>
+                        <a:rPr kumimoji="1" lang="en-US" altLang="ja-JP" sz="700" b="0" i="0" u="none" strike="noStrike" kern="1200" cap="none" spc="0" normalizeH="0" baseline="0" noProof="0" dirty="0">
+                          <a:ln>
+                            <a:noFill/>
+                          </a:ln>
+                          <a:solidFill>
+                            <a:prstClr val="black"/>
+                          </a:solidFill>
+                          <a:effectLst/>
+                          <a:uLnTx/>
+                          <a:uFillTx/>
+                          <a:latin typeface="游ゴシック"/>
+                          <a:ea typeface="游ゴシック" panose="020B0400000000000000" pitchFamily="34" charset="-128"/>
+                          <a:cs typeface="+mn-cs"/>
+                        </a:rPr>
+                        <a:t>0,0,0,0,0,1,0,0,0,0</a:t>
+                      </a:r>
+                      <a:endParaRPr kumimoji="1" lang="ja-JP" altLang="en-US" sz="700"/>
+                    </a:p>
+                  </a:txBody>
+                  <a:tcPr/>
+                </a:tc>
+                <a:extLst>
+                  <a:ext uri="{0D108BD9-81ED-4DB2-BD59-A6C34878D82A}">
+                    <a16:rowId xmlns:a16="http://schemas.microsoft.com/office/drawing/2014/main" val="4025371334"/>
+                  </a:ext>
+                </a:extLst>
+              </a:tr>
+              <a:tr h="137029">
+                <a:tc>
+                  <a:txBody>
+                    <a:bodyPr/>
+                    <a:lstStyle/>
+                    <a:p>
+                      <a:pPr algn="ctr"/>
+                      <a:r>
+                        <a:rPr kumimoji="1" lang="en-US" altLang="ja-JP" sz="700" dirty="0"/>
+                        <a:t>6</a:t>
+                      </a:r>
+                      <a:endParaRPr kumimoji="1" lang="ja-JP" altLang="en-US" sz="700"/>
+                    </a:p>
+                  </a:txBody>
+                  <a:tcPr/>
+                </a:tc>
+                <a:tc>
+                  <a:txBody>
+                    <a:bodyPr/>
+                    <a:lstStyle/>
+                    <a:p>
+                      <a:r>
+                        <a:rPr kumimoji="1" lang="en-US" altLang="ja-JP" sz="700" b="0" i="0" u="none" strike="noStrike" kern="1200" cap="none" spc="0" normalizeH="0" baseline="0" noProof="0" dirty="0">
+                          <a:ln>
+                            <a:noFill/>
+                          </a:ln>
+                          <a:solidFill>
+                            <a:prstClr val="black"/>
+                          </a:solidFill>
+                          <a:effectLst/>
+                          <a:uLnTx/>
+                          <a:uFillTx/>
+                          <a:latin typeface="游ゴシック"/>
+                          <a:ea typeface="游ゴシック" panose="020B0400000000000000" pitchFamily="34" charset="-128"/>
+                          <a:cs typeface="+mn-cs"/>
+                        </a:rPr>
+                        <a:t>0,0,0,0,0,0,1,0,0,0</a:t>
+                      </a:r>
+                      <a:endParaRPr kumimoji="1" lang="ja-JP" altLang="en-US" sz="700"/>
+                    </a:p>
+                  </a:txBody>
+                  <a:tcPr/>
+                </a:tc>
+                <a:extLst>
+                  <a:ext uri="{0D108BD9-81ED-4DB2-BD59-A6C34878D82A}">
+                    <a16:rowId xmlns:a16="http://schemas.microsoft.com/office/drawing/2014/main" val="3551546417"/>
+                  </a:ext>
+                </a:extLst>
+              </a:tr>
+              <a:tr h="137029">
+                <a:tc>
+                  <a:txBody>
+                    <a:bodyPr/>
+                    <a:lstStyle/>
+                    <a:p>
+                      <a:pPr marL="0" marR="0" lvl="0" indent="0" algn="ctr" defTabSz="914400" rtl="0" eaLnBrk="1" fontAlgn="auto" latinLnBrk="0" hangingPunct="1">
+                        <a:lnSpc>
+                          <a:spcPct val="100000"/>
+                        </a:lnSpc>
+                        <a:spcBef>
+                          <a:spcPts val="0"/>
+                        </a:spcBef>
+                        <a:spcAft>
+                          <a:spcPts val="0"/>
+                        </a:spcAft>
+                        <a:buClrTx/>
+                        <a:buSzTx/>
+                        <a:buFontTx/>
+                        <a:buNone/>
+                        <a:tabLst/>
+                        <a:defRPr/>
+                      </a:pPr>
+                      <a:r>
+                        <a:rPr kumimoji="1" lang="en-US" altLang="ja-JP" sz="700" dirty="0"/>
+                        <a:t>7</a:t>
+                      </a:r>
+                      <a:endParaRPr kumimoji="1" lang="ja-JP" altLang="en-US" sz="700"/>
+                    </a:p>
+                  </a:txBody>
+                  <a:tcPr/>
+                </a:tc>
+                <a:tc>
+                  <a:txBody>
+                    <a:bodyPr/>
+                    <a:lstStyle/>
+                    <a:p>
+                      <a:pPr marL="0" marR="0" lvl="0" indent="0" algn="l" defTabSz="914400" rtl="0" eaLnBrk="1" fontAlgn="auto" latinLnBrk="0" hangingPunct="1">
+                        <a:lnSpc>
+                          <a:spcPct val="100000"/>
+                        </a:lnSpc>
+                        <a:spcBef>
+                          <a:spcPts val="0"/>
+                        </a:spcBef>
+                        <a:spcAft>
+                          <a:spcPts val="0"/>
+                        </a:spcAft>
+                        <a:buClrTx/>
+                        <a:buSzTx/>
+                        <a:buFontTx/>
+                        <a:buNone/>
+                        <a:tabLst/>
+                        <a:defRPr/>
+                      </a:pPr>
+                      <a:r>
+                        <a:rPr kumimoji="1" lang="en-US" altLang="ja-JP" sz="700" b="0" i="0" u="none" strike="noStrike" kern="1200" cap="none" spc="0" normalizeH="0" baseline="0" noProof="0" dirty="0">
+                          <a:ln>
+                            <a:noFill/>
+                          </a:ln>
+                          <a:solidFill>
+                            <a:prstClr val="black"/>
+                          </a:solidFill>
+                          <a:effectLst/>
+                          <a:uLnTx/>
+                          <a:uFillTx/>
+                          <a:latin typeface="游ゴシック"/>
+                          <a:ea typeface="游ゴシック" panose="020B0400000000000000" pitchFamily="34" charset="-128"/>
+                          <a:cs typeface="+mn-cs"/>
+                        </a:rPr>
+                        <a:t>0,0,0,0,0,0,0,1,0,0</a:t>
+                      </a:r>
+                      <a:endParaRPr kumimoji="1" lang="ja-JP" altLang="en-US" sz="700"/>
+                    </a:p>
+                  </a:txBody>
+                  <a:tcPr/>
+                </a:tc>
+                <a:extLst>
+                  <a:ext uri="{0D108BD9-81ED-4DB2-BD59-A6C34878D82A}">
+                    <a16:rowId xmlns:a16="http://schemas.microsoft.com/office/drawing/2014/main" val="3965830501"/>
+                  </a:ext>
+                </a:extLst>
+              </a:tr>
+              <a:tr h="137029">
+                <a:tc>
+                  <a:txBody>
+                    <a:bodyPr/>
+                    <a:lstStyle/>
+                    <a:p>
+                      <a:pPr marL="0" marR="0" lvl="0" indent="0" algn="ctr" defTabSz="914400" rtl="0" eaLnBrk="1" fontAlgn="auto" latinLnBrk="0" hangingPunct="1">
+                        <a:lnSpc>
+                          <a:spcPct val="100000"/>
+                        </a:lnSpc>
+                        <a:spcBef>
+                          <a:spcPts val="0"/>
+                        </a:spcBef>
+                        <a:spcAft>
+                          <a:spcPts val="0"/>
+                        </a:spcAft>
+                        <a:buClrTx/>
+                        <a:buSzTx/>
+                        <a:buFontTx/>
+                        <a:buNone/>
+                        <a:tabLst/>
+                        <a:defRPr/>
+                      </a:pPr>
+                      <a:r>
+                        <a:rPr kumimoji="1" lang="en-US" altLang="ja-JP" sz="700" dirty="0"/>
+                        <a:t>8</a:t>
+                      </a:r>
+                      <a:endParaRPr kumimoji="1" lang="ja-JP" altLang="en-US" sz="700"/>
+                    </a:p>
+                  </a:txBody>
+                  <a:tcPr>
+                    <a:solidFill>
+                      <a:schemeClr val="accent4">
+                        <a:lumMod val="20000"/>
+                        <a:lumOff val="80000"/>
+                      </a:schemeClr>
+                    </a:solidFill>
+                  </a:tcPr>
+                </a:tc>
+                <a:tc>
+                  <a:txBody>
+                    <a:bodyPr/>
+                    <a:lstStyle/>
+                    <a:p>
+                      <a:pPr marL="0" marR="0" lvl="0" indent="0" algn="l" defTabSz="914400" rtl="0" eaLnBrk="1" fontAlgn="auto" latinLnBrk="0" hangingPunct="1">
+                        <a:lnSpc>
+                          <a:spcPct val="100000"/>
+                        </a:lnSpc>
+                        <a:spcBef>
+                          <a:spcPts val="0"/>
+                        </a:spcBef>
+                        <a:spcAft>
+                          <a:spcPts val="0"/>
+                        </a:spcAft>
+                        <a:buClrTx/>
+                        <a:buSzTx/>
+                        <a:buFontTx/>
+                        <a:buNone/>
+                        <a:tabLst/>
+                        <a:defRPr/>
+                      </a:pPr>
+                      <a:r>
+                        <a:rPr kumimoji="1" lang="en-US" altLang="ja-JP" sz="700" b="0" i="0" u="none" strike="noStrike" kern="1200" cap="none" spc="0" normalizeH="0" baseline="0" noProof="0" dirty="0">
+                          <a:ln>
+                            <a:noFill/>
+                          </a:ln>
+                          <a:solidFill>
+                            <a:prstClr val="black"/>
+                          </a:solidFill>
+                          <a:effectLst/>
+                          <a:uLnTx/>
+                          <a:uFillTx/>
+                          <a:latin typeface="游ゴシック"/>
+                          <a:ea typeface="游ゴシック" panose="020B0400000000000000" pitchFamily="34" charset="-128"/>
+                          <a:cs typeface="+mn-cs"/>
+                        </a:rPr>
+                        <a:t>0,0,0,0,0,0,0,0,</a:t>
+                      </a:r>
+                      <a:r>
+                        <a:rPr kumimoji="1" lang="en-US" altLang="ja-JP" sz="700" b="0" i="0" u="none" strike="noStrike" kern="1200" cap="none" spc="0" normalizeH="0" baseline="0" noProof="0" dirty="0">
+                          <a:ln>
+                            <a:noFill/>
+                          </a:ln>
+                          <a:solidFill>
+                            <a:srgbClr val="FF0000"/>
+                          </a:solidFill>
+                          <a:effectLst/>
+                          <a:uLnTx/>
+                          <a:uFillTx/>
+                          <a:latin typeface="游ゴシック"/>
+                          <a:ea typeface="游ゴシック" panose="020B0400000000000000" pitchFamily="34" charset="-128"/>
+                          <a:cs typeface="+mn-cs"/>
+                        </a:rPr>
+                        <a:t>1</a:t>
+                      </a:r>
+                      <a:r>
+                        <a:rPr kumimoji="1" lang="en-US" altLang="ja-JP" sz="700" b="0" i="0" u="none" strike="noStrike" kern="1200" cap="none" spc="0" normalizeH="0" baseline="0" noProof="0" dirty="0">
+                          <a:ln>
+                            <a:noFill/>
+                          </a:ln>
+                          <a:solidFill>
+                            <a:prstClr val="black"/>
+                          </a:solidFill>
+                          <a:effectLst/>
+                          <a:uLnTx/>
+                          <a:uFillTx/>
+                          <a:latin typeface="游ゴシック"/>
+                          <a:ea typeface="游ゴシック" panose="020B0400000000000000" pitchFamily="34" charset="-128"/>
+                          <a:cs typeface="+mn-cs"/>
+                        </a:rPr>
+                        <a:t>,0</a:t>
+                      </a:r>
+                      <a:endParaRPr kumimoji="1" lang="ja-JP" altLang="en-US" sz="700"/>
+                    </a:p>
+                  </a:txBody>
+                  <a:tcPr>
+                    <a:solidFill>
+                      <a:schemeClr val="accent4">
+                        <a:lumMod val="20000"/>
+                        <a:lumOff val="80000"/>
+                      </a:schemeClr>
+                    </a:solidFill>
+                  </a:tcPr>
+                </a:tc>
+                <a:extLst>
+                  <a:ext uri="{0D108BD9-81ED-4DB2-BD59-A6C34878D82A}">
+                    <a16:rowId xmlns:a16="http://schemas.microsoft.com/office/drawing/2014/main" val="4203484590"/>
+                  </a:ext>
+                </a:extLst>
+              </a:tr>
+              <a:tr h="137029">
+                <a:tc>
+                  <a:txBody>
+                    <a:bodyPr/>
+                    <a:lstStyle/>
+                    <a:p>
+                      <a:pPr marL="0" marR="0" lvl="0" indent="0" algn="ctr" defTabSz="914400" rtl="0" eaLnBrk="1" fontAlgn="auto" latinLnBrk="0" hangingPunct="1">
+                        <a:lnSpc>
+                          <a:spcPct val="100000"/>
+                        </a:lnSpc>
+                        <a:spcBef>
+                          <a:spcPts val="0"/>
+                        </a:spcBef>
+                        <a:spcAft>
+                          <a:spcPts val="0"/>
+                        </a:spcAft>
+                        <a:buClrTx/>
+                        <a:buSzTx/>
+                        <a:buFontTx/>
+                        <a:buNone/>
+                        <a:tabLst/>
+                        <a:defRPr/>
+                      </a:pPr>
+                      <a:r>
+                        <a:rPr kumimoji="1" lang="en-US" altLang="ja-JP" sz="700" dirty="0"/>
+                        <a:t>9</a:t>
+                      </a:r>
+                      <a:endParaRPr kumimoji="1" lang="ja-JP" altLang="en-US" sz="700"/>
+                    </a:p>
+                  </a:txBody>
+                  <a:tcPr>
+                    <a:solidFill>
+                      <a:schemeClr val="tx1">
+                        <a:lumMod val="50000"/>
+                        <a:lumOff val="50000"/>
+                      </a:schemeClr>
+                    </a:solidFill>
+                  </a:tcPr>
+                </a:tc>
+                <a:tc>
+                  <a:txBody>
+                    <a:bodyPr/>
+                    <a:lstStyle/>
+                    <a:p>
+                      <a:pPr marL="0" marR="0" lvl="0" indent="0" algn="l" defTabSz="914400" rtl="0" eaLnBrk="1" fontAlgn="auto" latinLnBrk="0" hangingPunct="1">
+                        <a:lnSpc>
+                          <a:spcPct val="100000"/>
+                        </a:lnSpc>
+                        <a:spcBef>
+                          <a:spcPts val="0"/>
+                        </a:spcBef>
+                        <a:spcAft>
+                          <a:spcPts val="0"/>
+                        </a:spcAft>
+                        <a:buClrTx/>
+                        <a:buSzTx/>
+                        <a:buFontTx/>
+                        <a:buNone/>
+                        <a:tabLst/>
+                        <a:defRPr/>
+                      </a:pPr>
+                      <a:r>
+                        <a:rPr kumimoji="1" lang="en-US" altLang="ja-JP" sz="700" b="0" i="0" u="none" strike="noStrike" kern="1200" cap="none" spc="0" normalizeH="0" baseline="0" noProof="0" dirty="0">
+                          <a:ln>
+                            <a:noFill/>
+                          </a:ln>
+                          <a:solidFill>
+                            <a:prstClr val="black"/>
+                          </a:solidFill>
+                          <a:effectLst/>
+                          <a:uLnTx/>
+                          <a:uFillTx/>
+                          <a:latin typeface="游ゴシック"/>
+                          <a:ea typeface="游ゴシック" panose="020B0400000000000000" pitchFamily="34" charset="-128"/>
+                          <a:cs typeface="+mn-cs"/>
+                        </a:rPr>
+                        <a:t>0,0,0,0,0,0,0,0,0,1</a:t>
+                      </a:r>
+                      <a:endParaRPr kumimoji="1" lang="ja-JP" altLang="en-US" sz="700"/>
+                    </a:p>
+                  </a:txBody>
+                  <a:tcPr>
+                    <a:solidFill>
+                      <a:schemeClr val="tx1">
+                        <a:lumMod val="50000"/>
+                        <a:lumOff val="50000"/>
+                      </a:schemeClr>
+                    </a:solidFill>
+                  </a:tcPr>
+                </a:tc>
+                <a:extLst>
+                  <a:ext uri="{0D108BD9-81ED-4DB2-BD59-A6C34878D82A}">
+                    <a16:rowId xmlns:a16="http://schemas.microsoft.com/office/drawing/2014/main" val="2161261910"/>
+                  </a:ext>
+                </a:extLst>
+              </a:tr>
+            </a:tbl>
+          </a:graphicData>
+        </a:graphic>
+      </p:graphicFrame>
+      <p:sp>
+        <p:nvSpPr>
+          <p:cNvPr id="115" name="正方形/長方形 114">
+            <a:extLst>
+              <a:ext uri="{FF2B5EF4-FFF2-40B4-BE49-F238E27FC236}">
+                <a16:creationId xmlns:a16="http://schemas.microsoft.com/office/drawing/2014/main" id="{F3A8E45D-A2A3-3C47-BC16-FB99ED961250}"/>
+              </a:ext>
+            </a:extLst>
+          </p:cNvPr>
+          <p:cNvSpPr/>
+          <p:nvPr/>
+        </p:nvSpPr>
+        <p:spPr>
+          <a:xfrm>
+            <a:off x="10597889" y="2464467"/>
+            <a:ext cx="504057" cy="1886404"/>
+          </a:xfrm>
+          <a:prstGeom prst="rect">
+            <a:avLst/>
+          </a:prstGeom>
+          <a:noFill/>
+          <a:ln>
+            <a:noFill/>
+          </a:ln>
+        </p:spPr>
+        <p:style>
+          <a:lnRef idx="2">
+            <a:schemeClr val="accent1">
+              <a:shade val="50000"/>
+            </a:schemeClr>
+          </a:lnRef>
+          <a:fillRef idx="1">
+            <a:schemeClr val="accent1"/>
+          </a:fillRef>
+          <a:effectRef idx="0">
+            <a:schemeClr val="accent1"/>
+          </a:effectRef>
+          <a:fontRef idx="minor">
+            <a:schemeClr val="lt1"/>
+          </a:fontRef>
+        </p:style>
+        <p:txBody>
+          <a:bodyPr rtlCol="0" anchor="t" anchorCtr="0"/>
+          <a:lstStyle/>
+          <a:p>
+            <a:r>
+              <a:rPr lang="en-US" altLang="ja-JP" sz="1100" dirty="0">
+                <a:solidFill>
+                  <a:schemeClr val="tx1"/>
+                </a:solidFill>
+                <a:latin typeface="+mn-ea"/>
+              </a:rPr>
+              <a:t>0.11</a:t>
+            </a:r>
+          </a:p>
+          <a:p>
+            <a:r>
+              <a:rPr lang="en-US" altLang="ja-JP" sz="1100" dirty="0">
+                <a:solidFill>
+                  <a:schemeClr val="tx1"/>
+                </a:solidFill>
+                <a:latin typeface="+mn-ea"/>
+              </a:rPr>
+              <a:t>0.03</a:t>
+            </a:r>
+          </a:p>
+          <a:p>
+            <a:r>
+              <a:rPr lang="en-US" altLang="ja-JP" sz="1100" dirty="0">
+                <a:solidFill>
+                  <a:schemeClr val="tx1"/>
+                </a:solidFill>
+                <a:latin typeface="+mn-ea"/>
+              </a:rPr>
+              <a:t>0.08</a:t>
+            </a:r>
+          </a:p>
+          <a:p>
+            <a:r>
+              <a:rPr lang="en-US" altLang="ja-JP" sz="1100" dirty="0">
+                <a:solidFill>
+                  <a:schemeClr val="tx1"/>
+                </a:solidFill>
+                <a:latin typeface="+mn-ea"/>
+              </a:rPr>
+              <a:t>0.06</a:t>
+            </a:r>
+          </a:p>
+          <a:p>
+            <a:r>
+              <a:rPr lang="en-US" altLang="ja-JP" sz="1100" dirty="0">
+                <a:solidFill>
+                  <a:schemeClr val="tx1"/>
+                </a:solidFill>
+                <a:latin typeface="+mn-ea"/>
+              </a:rPr>
+              <a:t>0.03</a:t>
+            </a:r>
+          </a:p>
+          <a:p>
+            <a:r>
+              <a:rPr lang="en-US" altLang="ja-JP" sz="1100" dirty="0">
+                <a:solidFill>
+                  <a:schemeClr val="tx1"/>
+                </a:solidFill>
+                <a:latin typeface="+mn-ea"/>
+              </a:rPr>
+              <a:t>0.01</a:t>
+            </a:r>
+          </a:p>
+          <a:p>
+            <a:r>
+              <a:rPr lang="en-US" altLang="ja-JP" sz="1100" dirty="0">
+                <a:solidFill>
+                  <a:schemeClr val="tx1"/>
+                </a:solidFill>
+                <a:latin typeface="+mn-ea"/>
+              </a:rPr>
+              <a:t>0.13</a:t>
+            </a:r>
+          </a:p>
+          <a:p>
+            <a:r>
+              <a:rPr lang="en-US" altLang="ja-JP" sz="1100" dirty="0">
+                <a:solidFill>
+                  <a:schemeClr val="tx1"/>
+                </a:solidFill>
+                <a:latin typeface="+mn-ea"/>
+              </a:rPr>
+              <a:t>0.06</a:t>
+            </a:r>
+          </a:p>
+          <a:p>
+            <a:r>
+              <a:rPr lang="en-US" altLang="ja-JP" sz="1100" dirty="0">
+                <a:solidFill>
+                  <a:srgbClr val="FF0000"/>
+                </a:solidFill>
+                <a:latin typeface="+mn-ea"/>
+              </a:rPr>
+              <a:t>0.98</a:t>
+            </a:r>
+          </a:p>
+          <a:p>
+            <a:r>
+              <a:rPr lang="en-US" altLang="ja-JP" sz="1100" dirty="0">
+                <a:solidFill>
+                  <a:schemeClr val="tx1"/>
+                </a:solidFill>
+                <a:latin typeface="+mn-ea"/>
+              </a:rPr>
+              <a:t>0.10</a:t>
+            </a:r>
+            <a:endParaRPr lang="ja-JP" altLang="en-US" sz="1100">
+              <a:solidFill>
+                <a:schemeClr val="tx1"/>
+              </a:solidFill>
+              <a:latin typeface="+mn-ea"/>
+            </a:endParaRPr>
+          </a:p>
+        </p:txBody>
+      </p:sp>
+      <p:cxnSp>
+        <p:nvCxnSpPr>
+          <p:cNvPr id="116" name="直線矢印コネクタ 115">
+            <a:extLst>
+              <a:ext uri="{FF2B5EF4-FFF2-40B4-BE49-F238E27FC236}">
+                <a16:creationId xmlns:a16="http://schemas.microsoft.com/office/drawing/2014/main" id="{DB59FB1C-BE02-174D-8037-4778B55583C3}"/>
+              </a:ext>
+            </a:extLst>
+          </p:cNvPr>
+          <p:cNvCxnSpPr>
+            <a:cxnSpLocks/>
+          </p:cNvCxnSpPr>
+          <p:nvPr/>
+        </p:nvCxnSpPr>
+        <p:spPr>
+          <a:xfrm>
+            <a:off x="10291997" y="3407669"/>
+            <a:ext cx="324056" cy="0"/>
+          </a:xfrm>
+          <a:prstGeom prst="straightConnector1">
+            <a:avLst/>
+          </a:prstGeom>
+          <a:ln w="38100">
+            <a:solidFill>
+              <a:schemeClr val="tx1">
+                <a:lumMod val="50000"/>
+                <a:lumOff val="50000"/>
+              </a:schemeClr>
+            </a:solidFill>
+            <a:tailEnd type="triangle"/>
+          </a:ln>
+        </p:spPr>
+        <p:style>
+          <a:lnRef idx="1">
+            <a:schemeClr val="accent1"/>
+          </a:lnRef>
+          <a:fillRef idx="0">
+            <a:schemeClr val="accent1"/>
+          </a:fillRef>
+          <a:effectRef idx="0">
+            <a:schemeClr val="accent1"/>
+          </a:effectRef>
+          <a:fontRef idx="minor">
+            <a:schemeClr val="tx1"/>
+          </a:fontRef>
+        </p:style>
+      </p:cxnSp>
+      <p:cxnSp>
+        <p:nvCxnSpPr>
+          <p:cNvPr id="117" name="直線矢印コネクタ 116">
+            <a:extLst>
+              <a:ext uri="{FF2B5EF4-FFF2-40B4-BE49-F238E27FC236}">
+                <a16:creationId xmlns:a16="http://schemas.microsoft.com/office/drawing/2014/main" id="{F495B161-754D-6844-9910-963C387F9D2F}"/>
+              </a:ext>
+            </a:extLst>
+          </p:cNvPr>
+          <p:cNvCxnSpPr>
+            <a:cxnSpLocks/>
+          </p:cNvCxnSpPr>
+          <p:nvPr/>
+        </p:nvCxnSpPr>
+        <p:spPr>
+          <a:xfrm>
+            <a:off x="11083782" y="3407669"/>
+            <a:ext cx="324056" cy="0"/>
+          </a:xfrm>
+          <a:prstGeom prst="straightConnector1">
+            <a:avLst/>
+          </a:prstGeom>
+          <a:ln w="38100">
+            <a:solidFill>
+              <a:schemeClr val="tx1">
+                <a:lumMod val="50000"/>
+                <a:lumOff val="50000"/>
+              </a:schemeClr>
+            </a:solidFill>
+            <a:tailEnd type="triangle"/>
+          </a:ln>
+        </p:spPr>
+        <p:style>
+          <a:lnRef idx="1">
+            <a:schemeClr val="accent1"/>
+          </a:lnRef>
+          <a:fillRef idx="0">
+            <a:schemeClr val="accent1"/>
+          </a:fillRef>
+          <a:effectRef idx="0">
+            <a:schemeClr val="accent1"/>
+          </a:effectRef>
+          <a:fontRef idx="minor">
+            <a:schemeClr val="tx1"/>
+          </a:fontRef>
+        </p:style>
+      </p:cxnSp>
+      <p:sp>
+        <p:nvSpPr>
+          <p:cNvPr id="121" name="正方形/長方形 120">
+            <a:extLst>
+              <a:ext uri="{FF2B5EF4-FFF2-40B4-BE49-F238E27FC236}">
+                <a16:creationId xmlns:a16="http://schemas.microsoft.com/office/drawing/2014/main" id="{D172F0A4-6714-994E-AB25-455D1F379426}"/>
+              </a:ext>
+            </a:extLst>
+          </p:cNvPr>
+          <p:cNvSpPr/>
+          <p:nvPr/>
+        </p:nvSpPr>
+        <p:spPr>
+          <a:xfrm>
+            <a:off x="11311505" y="4507206"/>
+            <a:ext cx="1465585" cy="443379"/>
+          </a:xfrm>
+          <a:prstGeom prst="rect">
+            <a:avLst/>
+          </a:prstGeom>
+          <a:noFill/>
+          <a:ln>
+            <a:noFill/>
+          </a:ln>
+        </p:spPr>
+        <p:style>
+          <a:lnRef idx="2">
+            <a:schemeClr val="accent1">
+              <a:shade val="50000"/>
+            </a:schemeClr>
+          </a:lnRef>
+          <a:fillRef idx="1">
+            <a:schemeClr val="accent1"/>
+          </a:fillRef>
+          <a:effectRef idx="0">
+            <a:schemeClr val="accent1"/>
+          </a:effectRef>
+          <a:fontRef idx="minor">
+            <a:schemeClr val="lt1"/>
+          </a:fontRef>
+        </p:style>
+        <p:txBody>
+          <a:bodyPr rtlCol="0" anchor="t" anchorCtr="0"/>
+          <a:lstStyle/>
+          <a:p>
+            <a:r>
+              <a:rPr lang="ja-JP" altLang="en-US" sz="1100">
+                <a:solidFill>
+                  <a:schemeClr val="tx1"/>
+                </a:solidFill>
+                <a:latin typeface="+mn-ea"/>
+              </a:rPr>
+              <a:t>ボーナスサークルは</a:t>
+            </a:r>
+            <a:r>
+              <a:rPr lang="en-US" altLang="ja-JP" sz="1100" dirty="0">
+                <a:solidFill>
+                  <a:schemeClr val="tx1"/>
+                </a:solidFill>
+                <a:latin typeface="+mn-ea"/>
+              </a:rPr>
+              <a:t>8</a:t>
+            </a:r>
+            <a:r>
+              <a:rPr lang="ja-JP" altLang="en-US" sz="1100">
+                <a:solidFill>
+                  <a:schemeClr val="tx1"/>
+                </a:solidFill>
+                <a:latin typeface="+mn-ea"/>
+              </a:rPr>
+              <a:t>と推定する</a:t>
+            </a:r>
+          </a:p>
+        </p:txBody>
+      </p:sp>
+      <p:sp>
+        <p:nvSpPr>
+          <p:cNvPr id="125" name="角丸四角形 124">
+            <a:extLst>
+              <a:ext uri="{FF2B5EF4-FFF2-40B4-BE49-F238E27FC236}">
+                <a16:creationId xmlns:a16="http://schemas.microsoft.com/office/drawing/2014/main" id="{8CDE1F32-0133-5B42-9F16-AD9519237D1B}"/>
+              </a:ext>
+            </a:extLst>
+          </p:cNvPr>
+          <p:cNvSpPr/>
+          <p:nvPr/>
+        </p:nvSpPr>
+        <p:spPr>
+          <a:xfrm>
+            <a:off x="6487091" y="2159971"/>
+            <a:ext cx="4711952" cy="2790614"/>
+          </a:xfrm>
+          <a:prstGeom prst="roundRect">
+            <a:avLst>
+              <a:gd name="adj" fmla="val 5577"/>
+            </a:avLst>
+          </a:prstGeom>
+          <a:noFill/>
+          <a:ln w="19050">
+            <a:solidFill>
+              <a:schemeClr val="tx1">
+                <a:lumMod val="50000"/>
+                <a:lumOff val="50000"/>
+              </a:schemeClr>
+            </a:solidFill>
+          </a:ln>
+        </p:spPr>
+        <p:style>
+          <a:lnRef idx="2">
+            <a:schemeClr val="accent1">
+              <a:shade val="50000"/>
+            </a:schemeClr>
+          </a:lnRef>
+          <a:fillRef idx="1">
+            <a:schemeClr val="accent1"/>
+          </a:fillRef>
+          <a:effectRef idx="0">
+            <a:schemeClr val="accent1"/>
+          </a:effectRef>
+          <a:fontRef idx="minor">
+            <a:schemeClr val="lt1"/>
+          </a:fontRef>
+        </p:style>
+        <p:txBody>
+          <a:bodyPr rtlCol="0" anchor="b" anchorCtr="0"/>
+          <a:lstStyle/>
+          <a:p>
+            <a:pPr algn="ctr"/>
+            <a:r>
+              <a:rPr kumimoji="1" lang="ja-JP" altLang="en-US" sz="1400">
+                <a:solidFill>
+                  <a:schemeClr val="tx1"/>
+                </a:solidFill>
+                <a:latin typeface="+mn-ea"/>
+              </a:rPr>
+              <a:t>②数字の推定　・</a:t>
+            </a:r>
+            <a:r>
+              <a:rPr kumimoji="1" lang="en-US" altLang="ja-JP" sz="1400" dirty="0">
+                <a:solidFill>
+                  <a:schemeClr val="tx1"/>
+                </a:solidFill>
+                <a:latin typeface="+mn-ea"/>
+              </a:rPr>
+              <a:t>CNN(Tensor Flow, </a:t>
+            </a:r>
+            <a:r>
+              <a:rPr kumimoji="1" lang="en-US" altLang="ja-JP" sz="1400" dirty="0" err="1">
+                <a:solidFill>
+                  <a:schemeClr val="tx1"/>
+                </a:solidFill>
+                <a:latin typeface="+mn-ea"/>
+              </a:rPr>
+              <a:t>Keras</a:t>
+            </a:r>
+            <a:r>
+              <a:rPr kumimoji="1" lang="en-US" altLang="ja-JP" sz="1400" dirty="0">
+                <a:solidFill>
+                  <a:schemeClr val="tx1"/>
+                </a:solidFill>
+                <a:latin typeface="+mn-ea"/>
+              </a:rPr>
+              <a:t>)</a:t>
+            </a:r>
+            <a:endParaRPr kumimoji="1" lang="ja-JP" altLang="en-US" sz="1400">
+              <a:solidFill>
+                <a:schemeClr val="tx1"/>
+              </a:solidFill>
+              <a:latin typeface="+mn-ea"/>
+            </a:endParaRPr>
+          </a:p>
+        </p:txBody>
+      </p:sp>
+      <p:pic>
+        <p:nvPicPr>
+          <p:cNvPr id="31" name="図 30">
+            <a:extLst>
+              <a:ext uri="{FF2B5EF4-FFF2-40B4-BE49-F238E27FC236}">
+                <a16:creationId xmlns:a16="http://schemas.microsoft.com/office/drawing/2014/main" id="{244C9BCE-7B70-4748-975A-F9ED6288B09D}"/>
+              </a:ext>
+            </a:extLst>
+          </p:cNvPr>
+          <p:cNvPicPr>
+            <a:picLocks noChangeAspect="1"/>
+          </p:cNvPicPr>
+          <p:nvPr/>
+        </p:nvPicPr>
+        <p:blipFill>
+          <a:blip r:embed="rId5">
+            <a:extLst>
+              <a:ext uri="{28A0092B-C50C-407E-A947-70E740481C1C}">
+                <a14:useLocalDpi xmlns:a14="http://schemas.microsoft.com/office/drawing/2010/main" val="0"/>
+              </a:ext>
+            </a:extLst>
+          </a:blip>
+          <a:stretch>
+            <a:fillRect/>
+          </a:stretch>
+        </p:blipFill>
+        <p:spPr>
+          <a:xfrm>
+            <a:off x="6478277" y="6029305"/>
+            <a:ext cx="5321300" cy="1689100"/>
+          </a:xfrm>
+          <a:prstGeom prst="rect">
+            <a:avLst/>
+          </a:prstGeom>
+        </p:spPr>
+      </p:pic>
+      <p:sp>
+        <p:nvSpPr>
+          <p:cNvPr id="15" name="正方形/長方形 14">
+            <a:extLst>
+              <a:ext uri="{FF2B5EF4-FFF2-40B4-BE49-F238E27FC236}">
+                <a16:creationId xmlns:a16="http://schemas.microsoft.com/office/drawing/2014/main" id="{40DC5537-A798-874F-8689-6755E0D8071E}"/>
+              </a:ext>
+            </a:extLst>
+          </p:cNvPr>
+          <p:cNvSpPr/>
+          <p:nvPr/>
+        </p:nvSpPr>
+        <p:spPr>
+          <a:xfrm>
+            <a:off x="1630894" y="-4686"/>
+            <a:ext cx="2385135" cy="230969"/>
+          </a:xfrm>
+          <a:prstGeom prst="rect">
+            <a:avLst/>
+          </a:prstGeom>
+          <a:solidFill>
+            <a:schemeClr val="bg1">
+              <a:lumMod val="75000"/>
+            </a:schemeClr>
+          </a:solidFill>
+          <a:ln>
+            <a:noFill/>
+          </a:ln>
+        </p:spPr>
+        <p:style>
+          <a:lnRef idx="2">
+            <a:schemeClr val="accent1">
+              <a:shade val="50000"/>
+            </a:schemeClr>
+          </a:lnRef>
+          <a:fillRef idx="1">
+            <a:schemeClr val="accent1"/>
+          </a:fillRef>
+          <a:effectRef idx="0">
+            <a:schemeClr val="accent1"/>
+          </a:effectRef>
+          <a:fontRef idx="minor">
+            <a:schemeClr val="lt1"/>
+          </a:fontRef>
+        </p:style>
+        <p:txBody>
+          <a:bodyPr rtlCol="0" anchor="ctr"/>
+          <a:lstStyle/>
+          <a:p>
+            <a:r>
+              <a:rPr lang="en-US" altLang="ja-JP" sz="1400" b="1" dirty="0">
+                <a:solidFill>
+                  <a:schemeClr val="tx1"/>
+                </a:solidFill>
+                <a:latin typeface="+mj-ea"/>
+                <a:ea typeface="+mj-ea"/>
+              </a:rPr>
+              <a:t>4.1</a:t>
+            </a:r>
+            <a:r>
+              <a:rPr lang="ja-JP" altLang="en-US" sz="1400" b="1">
+                <a:solidFill>
+                  <a:schemeClr val="tx1"/>
+                </a:solidFill>
+                <a:latin typeface="+mj-ea"/>
+                <a:ea typeface="+mj-ea"/>
+              </a:rPr>
+              <a:t>制御戦略</a:t>
+            </a:r>
+          </a:p>
+        </p:txBody>
+      </p:sp>
+      <p:sp>
+        <p:nvSpPr>
+          <p:cNvPr id="128" name="正方形/長方形 127">
+            <a:extLst>
+              <a:ext uri="{FF2B5EF4-FFF2-40B4-BE49-F238E27FC236}">
+                <a16:creationId xmlns:a16="http://schemas.microsoft.com/office/drawing/2014/main" id="{0882E599-AF9B-6F49-9C01-62B00D064E18}"/>
+              </a:ext>
+            </a:extLst>
+          </p:cNvPr>
+          <p:cNvSpPr/>
+          <p:nvPr/>
+        </p:nvSpPr>
+        <p:spPr>
+          <a:xfrm>
+            <a:off x="6398399" y="-4686"/>
+            <a:ext cx="2385135" cy="230969"/>
+          </a:xfrm>
+          <a:prstGeom prst="rect">
+            <a:avLst/>
+          </a:prstGeom>
+          <a:solidFill>
+            <a:schemeClr val="bg1">
+              <a:lumMod val="75000"/>
+            </a:schemeClr>
+          </a:solidFill>
+          <a:ln>
+            <a:noFill/>
+          </a:ln>
+        </p:spPr>
+        <p:style>
+          <a:lnRef idx="2">
+            <a:schemeClr val="accent1">
+              <a:shade val="50000"/>
+            </a:schemeClr>
+          </a:lnRef>
+          <a:fillRef idx="1">
+            <a:schemeClr val="accent1"/>
+          </a:fillRef>
+          <a:effectRef idx="0">
+            <a:schemeClr val="accent1"/>
+          </a:effectRef>
+          <a:fontRef idx="minor">
+            <a:schemeClr val="lt1"/>
+          </a:fontRef>
+        </p:style>
+        <p:txBody>
+          <a:bodyPr rtlCol="0" anchor="ctr"/>
+          <a:lstStyle/>
+          <a:p>
+            <a:r>
+              <a:rPr lang="en-US" altLang="ja-JP" sz="1400" b="1" dirty="0">
+                <a:solidFill>
+                  <a:schemeClr val="tx1"/>
+                </a:solidFill>
+                <a:latin typeface="+mj-ea"/>
+                <a:ea typeface="+mj-ea"/>
+              </a:rPr>
+              <a:t>4.2</a:t>
+            </a:r>
+            <a:r>
+              <a:rPr lang="ja-JP" altLang="en-US" sz="1400" b="1">
+                <a:solidFill>
+                  <a:schemeClr val="tx1"/>
+                </a:solidFill>
+                <a:latin typeface="+mj-ea"/>
+                <a:ea typeface="+mj-ea"/>
+              </a:rPr>
+              <a:t>要素技術</a:t>
+            </a:r>
+          </a:p>
+        </p:txBody>
+      </p:sp>
+    </p:spTree>
+    <p:extLst>
+      <p:ext uri="{BB962C8B-B14F-4D97-AF65-F5344CB8AC3E}">
+        <p14:creationId xmlns:p14="http://schemas.microsoft.com/office/powerpoint/2010/main" val="1541667333"/>
+      </p:ext>
+    </p:extLst>
+  </p:cSld>
+  <p:clrMapOvr>
+    <a:masterClrMapping/>
+  </p:clrMapOvr>
+</p:sld>
+</file>
+
+<file path=ppt/slides/slide7.xml><?xml version="1.0" encoding="utf-8"?>
+<p:sld xmlns:a="http://schemas.openxmlformats.org/drawingml/2006/main" xmlns:r="http://schemas.openxmlformats.org/officeDocument/2006/relationships" xmlns:p="http://schemas.openxmlformats.org/presentationml/2006/main">
+  <p:cSld>
+    <p:spTree>
+      <p:nvGrpSpPr>
+        <p:cNvPr id="1" name=""/>
+        <p:cNvGrpSpPr/>
+        <p:nvPr/>
+      </p:nvGrpSpPr>
+      <p:grpSpPr>
+        <a:xfrm>
+          <a:off x="0" y="0"/>
+          <a:ext cx="0" cy="0"/>
+          <a:chOff x="0" y="0"/>
+          <a:chExt cx="0" cy="0"/>
+        </a:xfrm>
+      </p:grpSpPr>
       <p:sp>
         <p:nvSpPr>
           <p:cNvPr id="4" name="正方形/長方形 3">
@@ -25664,8 +32708,8 @@
         </p:nvSpPr>
         <p:spPr>
           <a:xfrm>
-            <a:off x="0" y="480120"/>
-            <a:ext cx="6400800" cy="9001000"/>
+            <a:off x="0" y="1535502"/>
+            <a:ext cx="6400800" cy="7945618"/>
           </a:xfrm>
           <a:prstGeom prst="roundRect">
             <a:avLst>
@@ -26220,7 +33264,7 @@
     </p:spTree>
     <p:extLst>
       <p:ext uri="{BB962C8B-B14F-4D97-AF65-F5344CB8AC3E}">
-        <p14:creationId xmlns:p14="http://schemas.microsoft.com/office/powerpoint/2010/main" val="1541667333"/>
+        <p14:creationId xmlns:p14="http://schemas.microsoft.com/office/powerpoint/2010/main" val="3104918347"/>
       </p:ext>
     </p:extLst>
   </p:cSld>

--- a/Specification/hirojiren_model_file_advanced.pptx
+++ b/Specification/hirojiren_model_file_advanced.pptx
@@ -6,10 +6,10 @@
     <p:sldMasterId id="2147483653" r:id="rId2"/>
   </p:sldMasterIdLst>
   <p:notesMasterIdLst>
-    <p:notesMasterId r:id="rId10"/>
+    <p:notesMasterId r:id="rId9"/>
   </p:notesMasterIdLst>
   <p:handoutMasterIdLst>
-    <p:handoutMasterId r:id="rId11"/>
+    <p:handoutMasterId r:id="rId10"/>
   </p:handoutMasterIdLst>
   <p:sldIdLst>
     <p:sldId id="258" r:id="rId3"/>
@@ -18,7 +18,6 @@
     <p:sldId id="283" r:id="rId6"/>
     <p:sldId id="338" r:id="rId7"/>
     <p:sldId id="275" r:id="rId8"/>
-    <p:sldId id="339" r:id="rId9"/>
   </p:sldIdLst>
   <p:sldSz cx="12801600" cy="9601200" type="A3"/>
   <p:notesSz cx="14597063" cy="21107400"/>
@@ -162,14 +161,13 @@
             <p14:sldId id="283"/>
             <p14:sldId id="338"/>
             <p14:sldId id="275"/>
-            <p14:sldId id="339"/>
           </p14:sldIdLst>
         </p14:section>
       </p14:sectionLst>
     </p:ext>
     <p:ext uri="{EFAFB233-063F-42B5-8137-9DF3F51BA10A}">
       <p15:sldGuideLst xmlns:p15="http://schemas.microsoft.com/office/powerpoint/2012/main">
-        <p15:guide id="1" orient="horz" pos="3296" userDrawn="1">
+        <p15:guide id="1" orient="horz" pos="3319" userDrawn="1">
           <p15:clr>
             <a:srgbClr val="A4A3A4"/>
           </p15:clr>
@@ -2616,7 +2614,7 @@
               <a:rPr lang="en-US" altLang="ja-JP" sz="2400" dirty="0">
                 <a:latin typeface="ＭＳ Ｐゴシック" panose="020B0600070205080204" pitchFamily="34" charset="-128"/>
               </a:rPr>
-              <a:t>XXX</a:t>
+              <a:t>250</a:t>
             </a:r>
             <a:endParaRPr lang="ja-JP" altLang="en-US" sz="2400" dirty="0">
               <a:latin typeface="ＭＳ Ｐゴシック" panose="020B0600070205080204" pitchFamily="34" charset="-128"/>
@@ -2782,10 +2780,10 @@
           <a:p>
             <a:pPr eaLnBrk="1" hangingPunct="1"/>
             <a:r>
-              <a:rPr lang="en-US" altLang="ja-JP" sz="2400" dirty="0">
+              <a:rPr lang="ja-JP" altLang="en-US" sz="2400">
                 <a:latin typeface="ＭＳ Ｐゴシック" panose="020B0600070205080204" pitchFamily="34" charset="-128"/>
               </a:rPr>
-              <a:t>XXXXXXXXXXXXXXXX</a:t>
+              <a:t>ひろしま自動車産学官連携推進会議</a:t>
             </a:r>
             <a:endParaRPr lang="ja-JP" altLang="en-US" sz="2400" dirty="0">
               <a:latin typeface="ＭＳ Ｐゴシック" panose="020B0600070205080204" pitchFamily="34" charset="-128"/>
@@ -2951,10 +2949,10 @@
           <a:p>
             <a:pPr eaLnBrk="1" hangingPunct="1"/>
             <a:r>
-              <a:rPr lang="en-US" altLang="ja-JP" sz="2400" dirty="0">
+              <a:rPr lang="ja-JP" altLang="en-US" sz="2400">
                 <a:latin typeface="ＭＳ Ｐゴシック" panose="020B0600070205080204" pitchFamily="34" charset="-128"/>
               </a:rPr>
-              <a:t>XXXXXX</a:t>
+              <a:t>中四国</a:t>
             </a:r>
             <a:endParaRPr lang="ja-JP" altLang="en-US" sz="2400" dirty="0"/>
           </a:p>
@@ -3118,10 +3116,10 @@
           <a:p>
             <a:pPr eaLnBrk="1" hangingPunct="1"/>
             <a:r>
-              <a:rPr lang="en-US" altLang="ja-JP" sz="2400" dirty="0">
+              <a:rPr lang="ja-JP" altLang="en-US" sz="2400">
                 <a:latin typeface="ＭＳ Ｐゴシック" panose="020B0600070205080204" pitchFamily="34" charset="-128"/>
               </a:rPr>
-              <a:t>XXXXXXXXX</a:t>
+              <a:t>広島県広島市</a:t>
             </a:r>
             <a:endParaRPr lang="ja-JP" altLang="en-US" sz="2400" dirty="0"/>
           </a:p>
@@ -3285,14 +3283,14 @@
           <a:p>
             <a:pPr eaLnBrk="1" hangingPunct="1"/>
             <a:r>
-              <a:rPr lang="en-US" altLang="ja-JP" sz="2400" dirty="0">
+              <a:rPr lang="ja-JP" altLang="en-US" sz="2400">
                 <a:solidFill>
                   <a:prstClr val="black"/>
                 </a:solidFill>
                 <a:latin typeface="HG丸ｺﾞｼｯｸM-PRO" panose="020F0600000000000000" pitchFamily="50" charset="-128"/>
                 <a:ea typeface="HG丸ｺﾞｼｯｸM-PRO" panose="020F0600000000000000" pitchFamily="50" charset="-128"/>
               </a:rPr>
-              <a:t>XXXXXXXXXX</a:t>
+              <a:t>チームひろじれん</a:t>
             </a:r>
             <a:endParaRPr lang="en-US" altLang="ja-JP" sz="3600" dirty="0"/>
           </a:p>
@@ -3474,27 +3472,520 @@
             </a:endParaRPr>
           </a:p>
           <a:p>
-            <a:pPr marL="342900" indent="-342900" defTabSz="914400" eaLnBrk="1" hangingPunct="1">
+            <a:pPr marL="0" lvl="0" indent="0" defTabSz="914400" eaLnBrk="1" hangingPunct="1">
               <a:lnSpc>
                 <a:spcPct val="80000"/>
               </a:lnSpc>
               <a:spcBef>
                 <a:spcPts val="600"/>
               </a:spcBef>
-              <a:buFont typeface="+mj-lt"/>
-              <a:buAutoNum type="arabicPeriod"/>
             </a:pPr>
             <a:r>
-              <a:rPr lang="ja-JP" altLang="en-US" dirty="0">
+              <a:rPr lang="en-US" altLang="ja-JP" u="sng" dirty="0">
                 <a:solidFill>
                   <a:prstClr val="black"/>
                 </a:solidFill>
                 <a:latin typeface="HG丸ｺﾞｼｯｸM-PRO" panose="020F0600000000000000" pitchFamily="50" charset="-128"/>
                 <a:ea typeface="HG丸ｺﾞｼｯｸM-PRO" panose="020F0600000000000000" pitchFamily="50" charset="-128"/>
               </a:rPr>
-              <a:t>要求分析</a:t>
+              <a:t>1.</a:t>
+            </a:r>
+            <a:r>
+              <a:rPr lang="ja-JP" altLang="en-US" u="sng">
+                <a:solidFill>
+                  <a:prstClr val="black"/>
+                </a:solidFill>
+                <a:latin typeface="HG丸ｺﾞｼｯｸM-PRO" panose="020F0600000000000000" pitchFamily="50" charset="-128"/>
+                <a:ea typeface="HG丸ｺﾞｼｯｸM-PRO" panose="020F0600000000000000" pitchFamily="50" charset="-128"/>
+              </a:rPr>
+              <a:t>要求モデル</a:t>
+            </a:r>
+            <a:endParaRPr lang="en-US" altLang="ja-JP" u="sng" dirty="0">
+              <a:solidFill>
+                <a:prstClr val="black"/>
+              </a:solidFill>
+              <a:latin typeface="HG丸ｺﾞｼｯｸM-PRO" panose="020F0600000000000000" pitchFamily="50" charset="-128"/>
+              <a:ea typeface="HG丸ｺﾞｼｯｸM-PRO" panose="020F0600000000000000" pitchFamily="50" charset="-128"/>
+            </a:endParaRPr>
+          </a:p>
+          <a:p>
+            <a:pPr marL="285750" lvl="0" indent="-285750" defTabSz="914400" eaLnBrk="1" hangingPunct="1">
+              <a:lnSpc>
+                <a:spcPct val="80000"/>
+              </a:lnSpc>
+              <a:spcBef>
+                <a:spcPts val="600"/>
+              </a:spcBef>
+              <a:buFont typeface="Arial" panose="020B0604020202020204" pitchFamily="34" charset="0"/>
+              <a:buChar char="•"/>
+            </a:pPr>
+            <a:r>
+              <a:rPr lang="en-US" altLang="ja-JP" dirty="0" err="1">
+                <a:solidFill>
+                  <a:prstClr val="black"/>
+                </a:solidFill>
+                <a:latin typeface="HG丸ｺﾞｼｯｸM-PRO" panose="020F0600000000000000" pitchFamily="50" charset="-128"/>
+                <a:ea typeface="HG丸ｺﾞｼｯｸM-PRO" panose="020F0600000000000000" pitchFamily="50" charset="-128"/>
+              </a:rPr>
+              <a:t>SysML</a:t>
+            </a:r>
+            <a:r>
+              <a:rPr lang="ja-JP" altLang="en-US">
+                <a:solidFill>
+                  <a:prstClr val="black"/>
+                </a:solidFill>
+                <a:latin typeface="HG丸ｺﾞｼｯｸM-PRO" panose="020F0600000000000000" pitchFamily="50" charset="-128"/>
+                <a:ea typeface="HG丸ｺﾞｼｯｸM-PRO" panose="020F0600000000000000" pitchFamily="50" charset="-128"/>
+              </a:rPr>
+              <a:t>の要求図、ユースケース図、機能フロー図を用いて要求分析を行った。</a:t>
             </a:r>
             <a:endParaRPr lang="en-US" altLang="ja-JP" dirty="0">
+              <a:solidFill>
+                <a:prstClr val="black"/>
+              </a:solidFill>
+              <a:latin typeface="HG丸ｺﾞｼｯｸM-PRO" panose="020F0600000000000000" pitchFamily="50" charset="-128"/>
+              <a:ea typeface="HG丸ｺﾞｼｯｸM-PRO" panose="020F0600000000000000" pitchFamily="50" charset="-128"/>
+            </a:endParaRPr>
+          </a:p>
+          <a:p>
+            <a:pPr marL="285750" lvl="0" indent="-285750" defTabSz="914400" eaLnBrk="1" hangingPunct="1">
+              <a:lnSpc>
+                <a:spcPct val="80000"/>
+              </a:lnSpc>
+              <a:spcBef>
+                <a:spcPts val="600"/>
+              </a:spcBef>
+              <a:buFont typeface="Arial" panose="020B0604020202020204" pitchFamily="34" charset="0"/>
+              <a:buChar char="•"/>
+            </a:pPr>
+            <a:r>
+              <a:rPr lang="ja-JP" altLang="en-US">
+                <a:solidFill>
+                  <a:prstClr val="black"/>
+                </a:solidFill>
+                <a:latin typeface="HG丸ｺﾞｼｯｸM-PRO" panose="020F0600000000000000" pitchFamily="50" charset="-128"/>
+                <a:ea typeface="HG丸ｺﾞｼｯｸM-PRO" panose="020F0600000000000000" pitchFamily="50" charset="-128"/>
+              </a:rPr>
+              <a:t>システムの目的をプロジェクトの目的と目標から導出している。</a:t>
+            </a:r>
+            <a:endParaRPr lang="en-US" altLang="ja-JP" dirty="0">
+              <a:solidFill>
+                <a:prstClr val="black"/>
+              </a:solidFill>
+              <a:latin typeface="HG丸ｺﾞｼｯｸM-PRO" panose="020F0600000000000000" pitchFamily="50" charset="-128"/>
+              <a:ea typeface="HG丸ｺﾞｼｯｸM-PRO" panose="020F0600000000000000" pitchFamily="50" charset="-128"/>
+            </a:endParaRPr>
+          </a:p>
+          <a:p>
+            <a:pPr marL="285750" lvl="0" indent="-285750" defTabSz="914400" eaLnBrk="1" hangingPunct="1">
+              <a:lnSpc>
+                <a:spcPct val="80000"/>
+              </a:lnSpc>
+              <a:spcBef>
+                <a:spcPts val="600"/>
+              </a:spcBef>
+              <a:buFont typeface="Arial" panose="020B0604020202020204" pitchFamily="34" charset="0"/>
+              <a:buChar char="•"/>
+            </a:pPr>
+            <a:r>
+              <a:rPr lang="ja-JP" altLang="en-US">
+                <a:solidFill>
+                  <a:prstClr val="black"/>
+                </a:solidFill>
+                <a:latin typeface="HG丸ｺﾞｼｯｸM-PRO" panose="020F0600000000000000" pitchFamily="50" charset="-128"/>
+                <a:ea typeface="HG丸ｺﾞｼｯｸM-PRO" panose="020F0600000000000000" pitchFamily="50" charset="-128"/>
+              </a:rPr>
+              <a:t>活動のコンセプトである「シンプルに設計する」と「単純化」を要求図の中に示している。</a:t>
+            </a:r>
+            <a:endParaRPr lang="en-US" altLang="ja-JP" dirty="0">
+              <a:solidFill>
+                <a:prstClr val="black"/>
+              </a:solidFill>
+              <a:latin typeface="HG丸ｺﾞｼｯｸM-PRO" panose="020F0600000000000000" pitchFamily="50" charset="-128"/>
+              <a:ea typeface="HG丸ｺﾞｼｯｸM-PRO" panose="020F0600000000000000" pitchFamily="50" charset="-128"/>
+            </a:endParaRPr>
+          </a:p>
+          <a:p>
+            <a:pPr marL="285750" lvl="0" indent="-285750" defTabSz="914400" eaLnBrk="1" hangingPunct="1">
+              <a:lnSpc>
+                <a:spcPct val="80000"/>
+              </a:lnSpc>
+              <a:spcBef>
+                <a:spcPts val="600"/>
+              </a:spcBef>
+              <a:buFont typeface="Arial" panose="020B0604020202020204" pitchFamily="34" charset="0"/>
+              <a:buChar char="•"/>
+            </a:pPr>
+            <a:endParaRPr lang="en-US" altLang="ja-JP" u="sng" dirty="0">
+              <a:solidFill>
+                <a:prstClr val="black"/>
+              </a:solidFill>
+              <a:latin typeface="HG丸ｺﾞｼｯｸM-PRO" panose="020F0600000000000000" pitchFamily="50" charset="-128"/>
+              <a:ea typeface="HG丸ｺﾞｼｯｸM-PRO" panose="020F0600000000000000" pitchFamily="50" charset="-128"/>
+            </a:endParaRPr>
+          </a:p>
+          <a:p>
+            <a:pPr marL="0" lvl="0" indent="0" defTabSz="914400" eaLnBrk="1" hangingPunct="1">
+              <a:lnSpc>
+                <a:spcPct val="80000"/>
+              </a:lnSpc>
+              <a:spcBef>
+                <a:spcPts val="600"/>
+              </a:spcBef>
+            </a:pPr>
+            <a:r>
+              <a:rPr lang="en-US" altLang="ja-JP" u="sng" dirty="0">
+                <a:solidFill>
+                  <a:prstClr val="black"/>
+                </a:solidFill>
+                <a:latin typeface="HG丸ｺﾞｼｯｸM-PRO" panose="020F0600000000000000" pitchFamily="50" charset="-128"/>
+                <a:ea typeface="HG丸ｺﾞｼｯｸM-PRO" panose="020F0600000000000000" pitchFamily="50" charset="-128"/>
+              </a:rPr>
+              <a:t>2.</a:t>
+            </a:r>
+            <a:r>
+              <a:rPr lang="ja-JP" altLang="en-US" u="sng">
+                <a:solidFill>
+                  <a:prstClr val="black"/>
+                </a:solidFill>
+                <a:latin typeface="HG丸ｺﾞｼｯｸM-PRO" panose="020F0600000000000000" pitchFamily="50" charset="-128"/>
+                <a:ea typeface="HG丸ｺﾞｼｯｸM-PRO" panose="020F0600000000000000" pitchFamily="50" charset="-128"/>
+              </a:rPr>
+              <a:t>分析モデル</a:t>
+            </a:r>
+            <a:endParaRPr lang="en-US" altLang="ja-JP" u="sng" dirty="0">
+              <a:solidFill>
+                <a:prstClr val="black"/>
+              </a:solidFill>
+              <a:latin typeface="HG丸ｺﾞｼｯｸM-PRO" panose="020F0600000000000000" pitchFamily="50" charset="-128"/>
+              <a:ea typeface="HG丸ｺﾞｼｯｸM-PRO" panose="020F0600000000000000" pitchFamily="50" charset="-128"/>
+            </a:endParaRPr>
+          </a:p>
+          <a:p>
+            <a:pPr marL="342900" lvl="0" indent="-342900" defTabSz="914400" eaLnBrk="1" hangingPunct="1">
+              <a:lnSpc>
+                <a:spcPct val="80000"/>
+              </a:lnSpc>
+              <a:spcBef>
+                <a:spcPts val="600"/>
+              </a:spcBef>
+              <a:buFont typeface="Arial" panose="020B0604020202020204" pitchFamily="34" charset="0"/>
+              <a:buChar char="•"/>
+            </a:pPr>
+            <a:r>
+              <a:rPr lang="en-US" altLang="ja-JP" dirty="0" err="1">
+                <a:solidFill>
+                  <a:prstClr val="black"/>
+                </a:solidFill>
+                <a:latin typeface="HG丸ｺﾞｼｯｸM-PRO" panose="020F0600000000000000" pitchFamily="50" charset="-128"/>
+                <a:ea typeface="HG丸ｺﾞｼｯｸM-PRO" panose="020F0600000000000000" pitchFamily="50" charset="-128"/>
+              </a:rPr>
+              <a:t>SysML</a:t>
+            </a:r>
+            <a:r>
+              <a:rPr lang="ja-JP" altLang="en-US">
+                <a:solidFill>
+                  <a:prstClr val="black"/>
+                </a:solidFill>
+                <a:latin typeface="HG丸ｺﾞｼｯｸM-PRO" panose="020F0600000000000000" pitchFamily="50" charset="-128"/>
+                <a:ea typeface="HG丸ｺﾞｼｯｸM-PRO" panose="020F0600000000000000" pitchFamily="50" charset="-128"/>
+              </a:rPr>
+              <a:t>のブロック図、状態遷移図、シーケンス図を用いて分析モデルを記述している。</a:t>
+            </a:r>
+            <a:endParaRPr lang="en-US" altLang="ja-JP" dirty="0">
+              <a:solidFill>
+                <a:prstClr val="black"/>
+              </a:solidFill>
+              <a:latin typeface="HG丸ｺﾞｼｯｸM-PRO" panose="020F0600000000000000" pitchFamily="50" charset="-128"/>
+              <a:ea typeface="HG丸ｺﾞｼｯｸM-PRO" panose="020F0600000000000000" pitchFamily="50" charset="-128"/>
+            </a:endParaRPr>
+          </a:p>
+          <a:p>
+            <a:pPr marL="342900" lvl="0" indent="-342900" defTabSz="914400" eaLnBrk="1" hangingPunct="1">
+              <a:lnSpc>
+                <a:spcPct val="80000"/>
+              </a:lnSpc>
+              <a:spcBef>
+                <a:spcPts val="600"/>
+              </a:spcBef>
+              <a:buFont typeface="Arial" panose="020B0604020202020204" pitchFamily="34" charset="0"/>
+              <a:buChar char="•"/>
+            </a:pPr>
+            <a:r>
+              <a:rPr lang="ja-JP" altLang="en-US">
+                <a:solidFill>
+                  <a:prstClr val="black"/>
+                </a:solidFill>
+                <a:latin typeface="HG丸ｺﾞｼｯｸM-PRO" panose="020F0600000000000000" pitchFamily="50" charset="-128"/>
+                <a:ea typeface="HG丸ｺﾞｼｯｸM-PRO" panose="020F0600000000000000" pitchFamily="50" charset="-128"/>
+              </a:rPr>
+              <a:t>状態遷移図を用いて動作定義の表現を試みた。</a:t>
+            </a:r>
+            <a:endParaRPr lang="en-US" altLang="ja-JP" dirty="0">
+              <a:solidFill>
+                <a:prstClr val="black"/>
+              </a:solidFill>
+              <a:latin typeface="HG丸ｺﾞｼｯｸM-PRO" panose="020F0600000000000000" pitchFamily="50" charset="-128"/>
+              <a:ea typeface="HG丸ｺﾞｼｯｸM-PRO" panose="020F0600000000000000" pitchFamily="50" charset="-128"/>
+            </a:endParaRPr>
+          </a:p>
+          <a:p>
+            <a:pPr marL="342900" lvl="0" indent="-342900" defTabSz="914400" eaLnBrk="1" hangingPunct="1">
+              <a:lnSpc>
+                <a:spcPct val="80000"/>
+              </a:lnSpc>
+              <a:spcBef>
+                <a:spcPts val="600"/>
+              </a:spcBef>
+              <a:buFont typeface="Arial" panose="020B0604020202020204" pitchFamily="34" charset="0"/>
+              <a:buChar char="•"/>
+            </a:pPr>
+            <a:r>
+              <a:rPr lang="ja-JP" altLang="en-US">
+                <a:solidFill>
+                  <a:prstClr val="black"/>
+                </a:solidFill>
+                <a:latin typeface="HG丸ｺﾞｼｯｸM-PRO" panose="020F0600000000000000" pitchFamily="50" charset="-128"/>
+                <a:ea typeface="HG丸ｺﾞｼｯｸM-PRO" panose="020F0600000000000000" pitchFamily="50" charset="-128"/>
+              </a:rPr>
+              <a:t>解法の指針は活動のコンセプト「シンプルに設計する」から導いた。</a:t>
+            </a:r>
+            <a:endParaRPr lang="en-US" altLang="ja-JP" dirty="0">
+              <a:solidFill>
+                <a:prstClr val="black"/>
+              </a:solidFill>
+              <a:latin typeface="HG丸ｺﾞｼｯｸM-PRO" panose="020F0600000000000000" pitchFamily="50" charset="-128"/>
+              <a:ea typeface="HG丸ｺﾞｼｯｸM-PRO" panose="020F0600000000000000" pitchFamily="50" charset="-128"/>
+            </a:endParaRPr>
+          </a:p>
+          <a:p>
+            <a:pPr marL="0" lvl="0" indent="0" defTabSz="914400" eaLnBrk="1" hangingPunct="1">
+              <a:lnSpc>
+                <a:spcPct val="80000"/>
+              </a:lnSpc>
+              <a:spcBef>
+                <a:spcPts val="600"/>
+              </a:spcBef>
+            </a:pPr>
+            <a:r>
+              <a:rPr lang="en-US" altLang="ja-JP" u="sng" dirty="0">
+                <a:solidFill>
+                  <a:prstClr val="black"/>
+                </a:solidFill>
+                <a:latin typeface="HG丸ｺﾞｼｯｸM-PRO" panose="020F0600000000000000" pitchFamily="50" charset="-128"/>
+                <a:ea typeface="HG丸ｺﾞｼｯｸM-PRO" panose="020F0600000000000000" pitchFamily="50" charset="-128"/>
+              </a:rPr>
+              <a:t>3.</a:t>
+            </a:r>
+            <a:r>
+              <a:rPr lang="ja-JP" altLang="en-US" u="sng">
+                <a:solidFill>
+                  <a:prstClr val="black"/>
+                </a:solidFill>
+                <a:latin typeface="HG丸ｺﾞｼｯｸM-PRO" panose="020F0600000000000000" pitchFamily="50" charset="-128"/>
+                <a:ea typeface="HG丸ｺﾞｼｯｸM-PRO" panose="020F0600000000000000" pitchFamily="50" charset="-128"/>
+              </a:rPr>
+              <a:t>設計モデル</a:t>
+            </a:r>
+            <a:endParaRPr lang="en-US" altLang="ja-JP" u="sng" dirty="0">
+              <a:solidFill>
+                <a:prstClr val="black"/>
+              </a:solidFill>
+              <a:latin typeface="HG丸ｺﾞｼｯｸM-PRO" panose="020F0600000000000000" pitchFamily="50" charset="-128"/>
+              <a:ea typeface="HG丸ｺﾞｼｯｸM-PRO" panose="020F0600000000000000" pitchFamily="50" charset="-128"/>
+            </a:endParaRPr>
+          </a:p>
+          <a:p>
+            <a:pPr marL="342900" lvl="0" indent="-342900" defTabSz="914400" eaLnBrk="1" hangingPunct="1">
+              <a:lnSpc>
+                <a:spcPct val="80000"/>
+              </a:lnSpc>
+              <a:spcBef>
+                <a:spcPts val="600"/>
+              </a:spcBef>
+              <a:buFont typeface="Arial" panose="020B0604020202020204" pitchFamily="34" charset="0"/>
+              <a:buChar char="•"/>
+            </a:pPr>
+            <a:r>
+              <a:rPr lang="ja-JP" altLang="en-US">
+                <a:solidFill>
+                  <a:prstClr val="black"/>
+                </a:solidFill>
+                <a:latin typeface="HG丸ｺﾞｼｯｸM-PRO" panose="020F0600000000000000" pitchFamily="50" charset="-128"/>
+                <a:ea typeface="HG丸ｺﾞｼｯｸM-PRO" panose="020F0600000000000000" pitchFamily="50" charset="-128"/>
+              </a:rPr>
+              <a:t>構造モデルは</a:t>
+            </a:r>
+            <a:r>
+              <a:rPr lang="en-US" altLang="ja-JP" dirty="0" err="1">
+                <a:solidFill>
+                  <a:prstClr val="black"/>
+                </a:solidFill>
+                <a:latin typeface="HG丸ｺﾞｼｯｸM-PRO" panose="020F0600000000000000" pitchFamily="50" charset="-128"/>
+                <a:ea typeface="HG丸ｺﾞｼｯｸM-PRO" panose="020F0600000000000000" pitchFamily="50" charset="-128"/>
+              </a:rPr>
+              <a:t>SysML</a:t>
+            </a:r>
+            <a:r>
+              <a:rPr lang="ja-JP" altLang="en-US">
+                <a:solidFill>
+                  <a:prstClr val="black"/>
+                </a:solidFill>
+                <a:latin typeface="HG丸ｺﾞｼｯｸM-PRO" panose="020F0600000000000000" pitchFamily="50" charset="-128"/>
+                <a:ea typeface="HG丸ｺﾞｼｯｸM-PRO" panose="020F0600000000000000" pitchFamily="50" charset="-128"/>
+              </a:rPr>
+              <a:t>のブロック図、振る舞いはシーケンス図で記述している。</a:t>
+            </a:r>
+            <a:endParaRPr lang="en-US" altLang="ja-JP" dirty="0">
+              <a:solidFill>
+                <a:prstClr val="black"/>
+              </a:solidFill>
+              <a:latin typeface="HG丸ｺﾞｼｯｸM-PRO" panose="020F0600000000000000" pitchFamily="50" charset="-128"/>
+              <a:ea typeface="HG丸ｺﾞｼｯｸM-PRO" panose="020F0600000000000000" pitchFamily="50" charset="-128"/>
+            </a:endParaRPr>
+          </a:p>
+          <a:p>
+            <a:pPr marL="342900" lvl="0" indent="-342900" defTabSz="914400" eaLnBrk="1" hangingPunct="1">
+              <a:lnSpc>
+                <a:spcPct val="80000"/>
+              </a:lnSpc>
+              <a:spcBef>
+                <a:spcPts val="600"/>
+              </a:spcBef>
+              <a:buFont typeface="Arial" panose="020B0604020202020204" pitchFamily="34" charset="0"/>
+              <a:buChar char="•"/>
+            </a:pPr>
+            <a:r>
+              <a:rPr lang="ja-JP" altLang="en-US">
+                <a:solidFill>
+                  <a:prstClr val="black"/>
+                </a:solidFill>
+                <a:latin typeface="HG丸ｺﾞｼｯｸM-PRO" panose="020F0600000000000000" pitchFamily="50" charset="-128"/>
+                <a:ea typeface="HG丸ｺﾞｼｯｸM-PRO" panose="020F0600000000000000" pitchFamily="50" charset="-128"/>
+              </a:rPr>
+              <a:t>振る舞いモデルはブロック運搬の経路探索を中心に記述している。</a:t>
+            </a:r>
+            <a:endParaRPr lang="en-US" altLang="ja-JP" dirty="0">
+              <a:solidFill>
+                <a:prstClr val="black"/>
+              </a:solidFill>
+              <a:latin typeface="HG丸ｺﾞｼｯｸM-PRO" panose="020F0600000000000000" pitchFamily="50" charset="-128"/>
+              <a:ea typeface="HG丸ｺﾞｼｯｸM-PRO" panose="020F0600000000000000" pitchFamily="50" charset="-128"/>
+            </a:endParaRPr>
+          </a:p>
+          <a:p>
+            <a:pPr marL="0" lvl="0" indent="0" defTabSz="914400" eaLnBrk="1" hangingPunct="1">
+              <a:lnSpc>
+                <a:spcPct val="80000"/>
+              </a:lnSpc>
+              <a:spcBef>
+                <a:spcPts val="600"/>
+              </a:spcBef>
+            </a:pPr>
+            <a:endParaRPr lang="en-US" altLang="ja-JP" u="sng" dirty="0">
+              <a:solidFill>
+                <a:prstClr val="black"/>
+              </a:solidFill>
+              <a:latin typeface="HG丸ｺﾞｼｯｸM-PRO" panose="020F0600000000000000" pitchFamily="50" charset="-128"/>
+              <a:ea typeface="HG丸ｺﾞｼｯｸM-PRO" panose="020F0600000000000000" pitchFamily="50" charset="-128"/>
+            </a:endParaRPr>
+          </a:p>
+          <a:p>
+            <a:pPr marL="0" lvl="0" indent="0" defTabSz="914400" eaLnBrk="1" hangingPunct="1">
+              <a:lnSpc>
+                <a:spcPct val="80000"/>
+              </a:lnSpc>
+              <a:spcBef>
+                <a:spcPts val="600"/>
+              </a:spcBef>
+            </a:pPr>
+            <a:r>
+              <a:rPr lang="en-US" altLang="ja-JP" u="sng" dirty="0">
+                <a:solidFill>
+                  <a:prstClr val="black"/>
+                </a:solidFill>
+                <a:latin typeface="HG丸ｺﾞｼｯｸM-PRO" panose="020F0600000000000000" pitchFamily="50" charset="-128"/>
+                <a:ea typeface="HG丸ｺﾞｼｯｸM-PRO" panose="020F0600000000000000" pitchFamily="50" charset="-128"/>
+              </a:rPr>
+              <a:t>4.</a:t>
+            </a:r>
+            <a:r>
+              <a:rPr lang="ja-JP" altLang="en-US" u="sng">
+                <a:solidFill>
+                  <a:prstClr val="black"/>
+                </a:solidFill>
+                <a:latin typeface="HG丸ｺﾞｼｯｸM-PRO" panose="020F0600000000000000" pitchFamily="50" charset="-128"/>
+                <a:ea typeface="HG丸ｺﾞｼｯｸM-PRO" panose="020F0600000000000000" pitchFamily="50" charset="-128"/>
+              </a:rPr>
+              <a:t>制御モデル</a:t>
+            </a:r>
+            <a:endParaRPr lang="en-US" altLang="ja-JP" u="sng" dirty="0">
+              <a:solidFill>
+                <a:prstClr val="black"/>
+              </a:solidFill>
+              <a:latin typeface="HG丸ｺﾞｼｯｸM-PRO" panose="020F0600000000000000" pitchFamily="50" charset="-128"/>
+              <a:ea typeface="HG丸ｺﾞｼｯｸM-PRO" panose="020F0600000000000000" pitchFamily="50" charset="-128"/>
+            </a:endParaRPr>
+          </a:p>
+          <a:p>
+            <a:pPr marL="285750" lvl="0" indent="-285750" defTabSz="914400" eaLnBrk="1" hangingPunct="1">
+              <a:lnSpc>
+                <a:spcPct val="80000"/>
+              </a:lnSpc>
+              <a:spcBef>
+                <a:spcPts val="600"/>
+              </a:spcBef>
+              <a:buFont typeface="Arial" panose="020B0604020202020204" pitchFamily="34" charset="0"/>
+              <a:buChar char="•"/>
+            </a:pPr>
+            <a:r>
+              <a:rPr lang="ja-JP" altLang="en-US">
+                <a:solidFill>
+                  <a:prstClr val="black"/>
+                </a:solidFill>
+                <a:latin typeface="HG丸ｺﾞｼｯｸM-PRO" panose="020F0600000000000000" pitchFamily="50" charset="-128"/>
+                <a:ea typeface="HG丸ｺﾞｼｯｸM-PRO" panose="020F0600000000000000" pitchFamily="50" charset="-128"/>
+              </a:rPr>
+              <a:t>重点テーマである「画像処理」と「</a:t>
+            </a:r>
+            <a:r>
+              <a:rPr lang="en-US" altLang="ja-JP" dirty="0">
+                <a:solidFill>
+                  <a:prstClr val="black"/>
+                </a:solidFill>
+                <a:latin typeface="HG丸ｺﾞｼｯｸM-PRO" panose="020F0600000000000000" pitchFamily="50" charset="-128"/>
+                <a:ea typeface="HG丸ｺﾞｼｯｸM-PRO" panose="020F0600000000000000" pitchFamily="50" charset="-128"/>
+              </a:rPr>
+              <a:t>AI</a:t>
+            </a:r>
+            <a:r>
+              <a:rPr lang="ja-JP" altLang="en-US">
+                <a:solidFill>
+                  <a:prstClr val="black"/>
+                </a:solidFill>
+                <a:latin typeface="HG丸ｺﾞｼｯｸM-PRO" panose="020F0600000000000000" pitchFamily="50" charset="-128"/>
+                <a:ea typeface="HG丸ｺﾞｼｯｸM-PRO" panose="020F0600000000000000" pitchFamily="50" charset="-128"/>
+              </a:rPr>
+              <a:t>の活用」を中心に記述している</a:t>
+            </a:r>
+            <a:endParaRPr lang="en-US" altLang="ja-JP" dirty="0">
+              <a:solidFill>
+                <a:prstClr val="black"/>
+              </a:solidFill>
+              <a:latin typeface="HG丸ｺﾞｼｯｸM-PRO" panose="020F0600000000000000" pitchFamily="50" charset="-128"/>
+              <a:ea typeface="HG丸ｺﾞｼｯｸM-PRO" panose="020F0600000000000000" pitchFamily="50" charset="-128"/>
+            </a:endParaRPr>
+          </a:p>
+          <a:p>
+            <a:pPr marL="0" lvl="0" indent="0" defTabSz="914400" eaLnBrk="1" hangingPunct="1">
+              <a:lnSpc>
+                <a:spcPct val="80000"/>
+              </a:lnSpc>
+              <a:spcBef>
+                <a:spcPts val="600"/>
+              </a:spcBef>
+            </a:pPr>
+            <a:endParaRPr lang="en-US" altLang="ja-JP" u="sng" dirty="0">
               <a:solidFill>
                 <a:prstClr val="black"/>
               </a:solidFill>
@@ -3513,174 +4004,10 @@
               <a:buFont typeface="Arial" panose="020B0604020202020204" pitchFamily="34" charset="0"/>
               <a:buChar char="•"/>
             </a:pPr>
-            <a:r>
-              <a:rPr lang="ja-JP" altLang="en-US" dirty="0">
-                <a:latin typeface="HG丸ｺﾞｼｯｸM-PRO" panose="020F0600000000000000" pitchFamily="50" charset="-128"/>
-                <a:ea typeface="HG丸ｺﾞｼｯｸM-PRO" panose="020F0600000000000000" pitchFamily="50" charset="-128"/>
-              </a:rPr>
-              <a:t>ダミーテキストダミーテキストダミーテキストダミーテキストダミーテキストダミーテキストダミーテキストダミーテキスト</a:t>
-            </a:r>
-          </a:p>
-          <a:p>
-            <a:pPr marL="196850" indent="-196850" eaLnBrk="1" hangingPunct="1">
-              <a:lnSpc>
-                <a:spcPct val="80000"/>
-              </a:lnSpc>
-              <a:spcBef>
-                <a:spcPts val="600"/>
-              </a:spcBef>
-              <a:buFont typeface="Arial" panose="020B0604020202020204" pitchFamily="34" charset="0"/>
-              <a:buChar char="•"/>
-            </a:pPr>
-            <a:r>
-              <a:rPr lang="ja-JP" altLang="en-US" dirty="0">
-                <a:latin typeface="HG丸ｺﾞｼｯｸM-PRO" panose="020F0600000000000000" pitchFamily="50" charset="-128"/>
-                <a:ea typeface="HG丸ｺﾞｼｯｸM-PRO" panose="020F0600000000000000" pitchFamily="50" charset="-128"/>
-              </a:rPr>
-              <a:t>ダミーテキストダミーテキスト</a:t>
-            </a:r>
-          </a:p>
-          <a:p>
-            <a:pPr marL="196850" indent="-196850" eaLnBrk="1" hangingPunct="1">
-              <a:lnSpc>
-                <a:spcPct val="80000"/>
-              </a:lnSpc>
-              <a:spcBef>
-                <a:spcPts val="600"/>
-              </a:spcBef>
-              <a:buFont typeface="Arial" panose="020B0604020202020204" pitchFamily="34" charset="0"/>
-              <a:buChar char="•"/>
-            </a:pPr>
-            <a:r>
-              <a:rPr lang="ja-JP" altLang="en-US" dirty="0">
-                <a:latin typeface="HG丸ｺﾞｼｯｸM-PRO" panose="020F0600000000000000" pitchFamily="50" charset="-128"/>
-                <a:ea typeface="HG丸ｺﾞｼｯｸM-PRO" panose="020F0600000000000000" pitchFamily="50" charset="-128"/>
-              </a:rPr>
-              <a:t>ダミーテキストダミーテキスト</a:t>
-            </a:r>
-          </a:p>
-          <a:p>
-            <a:pPr marL="342900" indent="-342900" defTabSz="914400" eaLnBrk="1" hangingPunct="1">
-              <a:lnSpc>
-                <a:spcPct val="80000"/>
-              </a:lnSpc>
-              <a:spcBef>
-                <a:spcPts val="600"/>
-              </a:spcBef>
-              <a:buFont typeface="+mj-lt"/>
-              <a:buAutoNum type="arabicPeriod" startAt="2"/>
-            </a:pPr>
-            <a:r>
-              <a:rPr lang="ja-JP" altLang="en-US" dirty="0">
-                <a:solidFill>
-                  <a:prstClr val="black"/>
-                </a:solidFill>
-                <a:latin typeface="HG丸ｺﾞｼｯｸM-PRO" panose="020F0600000000000000" pitchFamily="50" charset="-128"/>
-                <a:ea typeface="HG丸ｺﾞｼｯｸM-PRO" panose="020F0600000000000000" pitchFamily="50" charset="-128"/>
-              </a:rPr>
-              <a:t>分析モデル</a:t>
-            </a:r>
-            <a:endParaRPr lang="en-US" altLang="ja-JP" dirty="0">
-              <a:solidFill>
-                <a:prstClr val="black"/>
-              </a:solidFill>
-              <a:latin typeface="HG丸ｺﾞｼｯｸM-PRO" panose="020F0600000000000000" pitchFamily="50" charset="-128"/>
-              <a:ea typeface="HG丸ｺﾞｼｯｸM-PRO" panose="020F0600000000000000" pitchFamily="50" charset="-128"/>
-            </a:endParaRPr>
-          </a:p>
-          <a:p>
-            <a:pPr marL="196850" indent="-196850" eaLnBrk="1" hangingPunct="1">
-              <a:lnSpc>
-                <a:spcPct val="80000"/>
-              </a:lnSpc>
-              <a:spcBef>
-                <a:spcPts val="600"/>
-              </a:spcBef>
-              <a:buFont typeface="Arial" panose="020B0604020202020204" pitchFamily="34" charset="0"/>
-              <a:buChar char="•"/>
-            </a:pPr>
-            <a:r>
-              <a:rPr lang="ja-JP" altLang="en-US" dirty="0">
-                <a:latin typeface="HG丸ｺﾞｼｯｸM-PRO" panose="020F0600000000000000" pitchFamily="50" charset="-128"/>
-                <a:ea typeface="HG丸ｺﾞｼｯｸM-PRO" panose="020F0600000000000000" pitchFamily="50" charset="-128"/>
-              </a:rPr>
-              <a:t>ダミーテキストダミーテキストダミーテキストダミーテキストダミーテキストダミーテキストダミーテキストダミーテキスト</a:t>
-            </a:r>
-          </a:p>
-          <a:p>
-            <a:pPr marL="196850" indent="-196850" eaLnBrk="1" hangingPunct="1">
-              <a:lnSpc>
-                <a:spcPct val="80000"/>
-              </a:lnSpc>
-              <a:spcBef>
-                <a:spcPts val="600"/>
-              </a:spcBef>
-              <a:buFont typeface="Arial" panose="020B0604020202020204" pitchFamily="34" charset="0"/>
-              <a:buChar char="•"/>
-            </a:pPr>
-            <a:r>
-              <a:rPr lang="ja-JP" altLang="en-US" dirty="0">
-                <a:latin typeface="HG丸ｺﾞｼｯｸM-PRO" panose="020F0600000000000000" pitchFamily="50" charset="-128"/>
-                <a:ea typeface="HG丸ｺﾞｼｯｸM-PRO" panose="020F0600000000000000" pitchFamily="50" charset="-128"/>
-              </a:rPr>
-              <a:t>ダミーテキストダミーテキスト</a:t>
-            </a:r>
-          </a:p>
-          <a:p>
-            <a:pPr marL="196850" indent="-196850" eaLnBrk="1" hangingPunct="1">
-              <a:lnSpc>
-                <a:spcPct val="80000"/>
-              </a:lnSpc>
-              <a:spcBef>
-                <a:spcPts val="600"/>
-              </a:spcBef>
-              <a:buFont typeface="Arial" panose="020B0604020202020204" pitchFamily="34" charset="0"/>
-              <a:buChar char="•"/>
-            </a:pPr>
-            <a:r>
-              <a:rPr lang="ja-JP" altLang="en-US" dirty="0">
-                <a:latin typeface="HG丸ｺﾞｼｯｸM-PRO" panose="020F0600000000000000" pitchFamily="50" charset="-128"/>
-                <a:ea typeface="HG丸ｺﾞｼｯｸM-PRO" panose="020F0600000000000000" pitchFamily="50" charset="-128"/>
-              </a:rPr>
-              <a:t>ダミーテキストダミーテキスト</a:t>
-            </a:r>
             <a:endParaRPr lang="en-US" altLang="ja-JP" dirty="0">
               <a:latin typeface="HG丸ｺﾞｼｯｸM-PRO" panose="020F0600000000000000" pitchFamily="50" charset="-128"/>
               <a:ea typeface="HG丸ｺﾞｼｯｸM-PRO" panose="020F0600000000000000" pitchFamily="50" charset="-128"/>
             </a:endParaRPr>
-          </a:p>
-          <a:p>
-            <a:pPr marL="196850" indent="-196850" eaLnBrk="1" hangingPunct="1">
-              <a:lnSpc>
-                <a:spcPct val="80000"/>
-              </a:lnSpc>
-              <a:spcBef>
-                <a:spcPts val="600"/>
-              </a:spcBef>
-              <a:buFont typeface="Arial" panose="020B0604020202020204" pitchFamily="34" charset="0"/>
-              <a:buChar char="•"/>
-            </a:pPr>
-            <a:r>
-              <a:rPr lang="ja-JP" altLang="en-US" dirty="0">
-                <a:latin typeface="HG丸ｺﾞｼｯｸM-PRO" panose="020F0600000000000000" pitchFamily="50" charset="-128"/>
-                <a:ea typeface="HG丸ｺﾞｼｯｸM-PRO" panose="020F0600000000000000" pitchFamily="50" charset="-128"/>
-              </a:rPr>
-              <a:t>（文字サイズは</a:t>
-            </a:r>
-            <a:r>
-              <a:rPr lang="en-US" altLang="ja-JP" dirty="0">
-                <a:latin typeface="HG丸ｺﾞｼｯｸM-PRO" panose="020F0600000000000000" pitchFamily="50" charset="-128"/>
-                <a:ea typeface="HG丸ｺﾞｼｯｸM-PRO" panose="020F0600000000000000" pitchFamily="50" charset="-128"/>
-              </a:rPr>
-              <a:t>16</a:t>
-            </a:r>
-            <a:r>
-              <a:rPr lang="ja-JP" altLang="en-US" dirty="0">
-                <a:latin typeface="HG丸ｺﾞｼｯｸM-PRO" panose="020F0600000000000000" pitchFamily="50" charset="-128"/>
-                <a:ea typeface="HG丸ｺﾞｼｯｸM-PRO" panose="020F0600000000000000" pitchFamily="50" charset="-128"/>
-              </a:rPr>
-              <a:t>ポイント以上）</a:t>
-            </a:r>
           </a:p>
           <a:p>
             <a:pPr marL="196850" indent="-196850" eaLnBrk="1" hangingPunct="1">
@@ -3837,423 +4164,6 @@
       </p:sp>
       <p:sp>
         <p:nvSpPr>
-          <p:cNvPr id="6" name="吹き出し: 四角形 5">
-            <a:extLst>
-              <a:ext uri="{FF2B5EF4-FFF2-40B4-BE49-F238E27FC236}">
-                <a16:creationId xmlns:a16="http://schemas.microsoft.com/office/drawing/2014/main" id="{B6AB1D8E-EFB7-4B4C-85D5-45369CF4A8D5}"/>
-              </a:ext>
-            </a:extLst>
-          </p:cNvPr>
-          <p:cNvSpPr/>
-          <p:nvPr/>
-        </p:nvSpPr>
-        <p:spPr>
-          <a:xfrm>
-            <a:off x="8714095" y="2490957"/>
-            <a:ext cx="3794720" cy="1096888"/>
-          </a:xfrm>
-          <a:prstGeom prst="wedgeRectCallout">
-            <a:avLst>
-              <a:gd name="adj1" fmla="val -77216"/>
-              <a:gd name="adj2" fmla="val -202300"/>
-            </a:avLst>
-          </a:prstGeom>
-          <a:solidFill>
-            <a:schemeClr val="accent4">
-              <a:lumMod val="20000"/>
-              <a:lumOff val="80000"/>
-            </a:schemeClr>
-          </a:solidFill>
-        </p:spPr>
-        <p:style>
-          <a:lnRef idx="2">
-            <a:schemeClr val="accent1">
-              <a:shade val="50000"/>
-            </a:schemeClr>
-          </a:lnRef>
-          <a:fillRef idx="1">
-            <a:schemeClr val="accent1"/>
-          </a:fillRef>
-          <a:effectRef idx="0">
-            <a:schemeClr val="accent1"/>
-          </a:effectRef>
-          <a:fontRef idx="minor">
-            <a:schemeClr val="lt1"/>
-          </a:fontRef>
-        </p:style>
-        <p:txBody>
-          <a:bodyPr rtlCol="0" anchor="ctr"/>
-          <a:lstStyle/>
-          <a:p>
-            <a:pPr eaLnBrk="1" hangingPunct="1"/>
-            <a:r>
-              <a:rPr lang="ja-JP" altLang="en-US" dirty="0">
-                <a:solidFill>
-                  <a:srgbClr val="0070C0"/>
-                </a:solidFill>
-              </a:rPr>
-              <a:t>注：北海道、東北、北関東、東京、</a:t>
-            </a:r>
-            <a:br>
-              <a:rPr lang="ja-JP" altLang="en-US" dirty="0">
-                <a:solidFill>
-                  <a:srgbClr val="0070C0"/>
-                </a:solidFill>
-              </a:rPr>
-            </a:br>
-            <a:r>
-              <a:rPr lang="ja-JP" altLang="en-US" dirty="0">
-                <a:solidFill>
-                  <a:srgbClr val="0070C0"/>
-                </a:solidFill>
-              </a:rPr>
-              <a:t>南関東、東海、北陸、関西、中四国、</a:t>
-            </a:r>
-          </a:p>
-          <a:p>
-            <a:pPr eaLnBrk="1" hangingPunct="1"/>
-            <a:r>
-              <a:rPr lang="ja-JP" altLang="en-US" dirty="0">
-                <a:solidFill>
-                  <a:srgbClr val="0070C0"/>
-                </a:solidFill>
-              </a:rPr>
-              <a:t>九州北、九州南、沖縄のいずれか</a:t>
-            </a:r>
-          </a:p>
-          <a:p>
-            <a:pPr algn="ctr"/>
-            <a:endParaRPr lang="ja-JP" altLang="en-US" dirty="0">
-              <a:solidFill>
-                <a:srgbClr val="0070C0"/>
-              </a:solidFill>
-            </a:endParaRPr>
-          </a:p>
-        </p:txBody>
-      </p:sp>
-      <p:sp>
-        <p:nvSpPr>
-          <p:cNvPr id="19" name="吹き出し: 四角形 18">
-            <a:extLst>
-              <a:ext uri="{FF2B5EF4-FFF2-40B4-BE49-F238E27FC236}">
-                <a16:creationId xmlns:a16="http://schemas.microsoft.com/office/drawing/2014/main" id="{7052E665-B879-48C3-8043-EA2E46118074}"/>
-              </a:ext>
-            </a:extLst>
-          </p:cNvPr>
-          <p:cNvSpPr/>
-          <p:nvPr/>
-        </p:nvSpPr>
-        <p:spPr>
-          <a:xfrm>
-            <a:off x="9929192" y="1569952"/>
-            <a:ext cx="2600672" cy="792088"/>
-          </a:xfrm>
-          <a:prstGeom prst="wedgeRectCallout">
-            <a:avLst>
-              <a:gd name="adj1" fmla="val -36460"/>
-              <a:gd name="adj2" fmla="val -143484"/>
-            </a:avLst>
-          </a:prstGeom>
-          <a:solidFill>
-            <a:schemeClr val="accent4">
-              <a:lumMod val="20000"/>
-              <a:lumOff val="80000"/>
-            </a:schemeClr>
-          </a:solidFill>
-        </p:spPr>
-        <p:style>
-          <a:lnRef idx="2">
-            <a:schemeClr val="accent1">
-              <a:shade val="50000"/>
-            </a:schemeClr>
-          </a:lnRef>
-          <a:fillRef idx="1">
-            <a:schemeClr val="accent1"/>
-          </a:fillRef>
-          <a:effectRef idx="0">
-            <a:schemeClr val="accent1"/>
-          </a:effectRef>
-          <a:fontRef idx="minor">
-            <a:schemeClr val="lt1"/>
-          </a:fontRef>
-        </p:style>
-        <p:txBody>
-          <a:bodyPr rtlCol="0" anchor="ctr"/>
-          <a:lstStyle/>
-          <a:p>
-            <a:pPr eaLnBrk="1" hangingPunct="1"/>
-            <a:r>
-              <a:rPr lang="ja-JP" altLang="en-US" dirty="0">
-                <a:solidFill>
-                  <a:srgbClr val="0070C0"/>
-                </a:solidFill>
-              </a:rPr>
-              <a:t>注：公開されている地域、</a:t>
-            </a:r>
-          </a:p>
-          <a:p>
-            <a:pPr eaLnBrk="1" hangingPunct="1"/>
-            <a:r>
-              <a:rPr lang="ja-JP" altLang="en-US" dirty="0">
-                <a:solidFill>
-                  <a:srgbClr val="0070C0"/>
-                </a:solidFill>
-              </a:rPr>
-              <a:t>例）「東京都中央区」等</a:t>
-            </a:r>
-          </a:p>
-        </p:txBody>
-      </p:sp>
-      <p:sp>
-        <p:nvSpPr>
-          <p:cNvPr id="20" name="吹き出し: 四角形 19">
-            <a:extLst>
-              <a:ext uri="{FF2B5EF4-FFF2-40B4-BE49-F238E27FC236}">
-                <a16:creationId xmlns:a16="http://schemas.microsoft.com/office/drawing/2014/main" id="{6F06F687-E105-4E40-9EA8-A139ED0DCF58}"/>
-              </a:ext>
-            </a:extLst>
-          </p:cNvPr>
-          <p:cNvSpPr/>
-          <p:nvPr/>
-        </p:nvSpPr>
-        <p:spPr>
-          <a:xfrm>
-            <a:off x="8733428" y="3694819"/>
-            <a:ext cx="3794720" cy="792088"/>
-          </a:xfrm>
-          <a:prstGeom prst="wedgeRectCallout">
-            <a:avLst>
-              <a:gd name="adj1" fmla="val -105881"/>
-              <a:gd name="adj2" fmla="val -305707"/>
-            </a:avLst>
-          </a:prstGeom>
-          <a:solidFill>
-            <a:schemeClr val="accent4">
-              <a:lumMod val="20000"/>
-              <a:lumOff val="80000"/>
-            </a:schemeClr>
-          </a:solidFill>
-        </p:spPr>
-        <p:style>
-          <a:lnRef idx="2">
-            <a:schemeClr val="accent1">
-              <a:shade val="50000"/>
-            </a:schemeClr>
-          </a:lnRef>
-          <a:fillRef idx="1">
-            <a:schemeClr val="accent1"/>
-          </a:fillRef>
-          <a:effectRef idx="0">
-            <a:schemeClr val="accent1"/>
-          </a:effectRef>
-          <a:fontRef idx="minor">
-            <a:schemeClr val="lt1"/>
-          </a:fontRef>
-        </p:style>
-        <p:txBody>
-          <a:bodyPr rtlCol="0" anchor="ctr"/>
-          <a:lstStyle/>
-          <a:p>
-            <a:pPr eaLnBrk="1" hangingPunct="1"/>
-            <a:r>
-              <a:rPr lang="ja-JP" altLang="en-US" dirty="0">
-                <a:solidFill>
-                  <a:srgbClr val="0070C0"/>
-                </a:solidFill>
-              </a:rPr>
-              <a:t>注：公開されている所属名を記載、個人参加の場合は”個人”を記載</a:t>
-            </a:r>
-          </a:p>
-        </p:txBody>
-      </p:sp>
-      <p:sp>
-        <p:nvSpPr>
-          <p:cNvPr id="16" name="吹き出し: 四角形 15">
-            <a:extLst>
-              <a:ext uri="{FF2B5EF4-FFF2-40B4-BE49-F238E27FC236}">
-                <a16:creationId xmlns:a16="http://schemas.microsoft.com/office/drawing/2014/main" id="{E12CA54B-B385-4F66-81F3-7EBDCD912BFD}"/>
-              </a:ext>
-            </a:extLst>
-          </p:cNvPr>
-          <p:cNvSpPr/>
-          <p:nvPr/>
-        </p:nvSpPr>
-        <p:spPr>
-          <a:xfrm>
-            <a:off x="8562082" y="6438546"/>
-            <a:ext cx="2879278" cy="792088"/>
-          </a:xfrm>
-          <a:prstGeom prst="wedgeRectCallout">
-            <a:avLst>
-              <a:gd name="adj1" fmla="val -77127"/>
-              <a:gd name="adj2" fmla="val 206505"/>
-            </a:avLst>
-          </a:prstGeom>
-          <a:solidFill>
-            <a:schemeClr val="accent4">
-              <a:lumMod val="20000"/>
-              <a:lumOff val="80000"/>
-            </a:schemeClr>
-          </a:solidFill>
-        </p:spPr>
-        <p:style>
-          <a:lnRef idx="2">
-            <a:schemeClr val="accent1">
-              <a:shade val="50000"/>
-            </a:schemeClr>
-          </a:lnRef>
-          <a:fillRef idx="1">
-            <a:schemeClr val="accent1"/>
-          </a:fillRef>
-          <a:effectRef idx="0">
-            <a:schemeClr val="accent1"/>
-          </a:effectRef>
-          <a:fontRef idx="minor">
-            <a:schemeClr val="lt1"/>
-          </a:fontRef>
-        </p:style>
-        <p:txBody>
-          <a:bodyPr rtlCol="0" anchor="ctr"/>
-          <a:lstStyle/>
-          <a:p>
-            <a:pPr eaLnBrk="1" hangingPunct="1"/>
-            <a:r>
-              <a:rPr lang="ja-JP" altLang="en-US" dirty="0">
-                <a:solidFill>
-                  <a:srgbClr val="0070C0"/>
-                </a:solidFill>
-              </a:rPr>
-              <a:t>提出時には消してください</a:t>
-            </a:r>
-          </a:p>
-        </p:txBody>
-      </p:sp>
-      <p:sp>
-        <p:nvSpPr>
-          <p:cNvPr id="17" name="吹き出し: 四角形 16">
-            <a:extLst>
-              <a:ext uri="{FF2B5EF4-FFF2-40B4-BE49-F238E27FC236}">
-                <a16:creationId xmlns:a16="http://schemas.microsoft.com/office/drawing/2014/main" id="{86757885-A218-4B8A-BEA8-4A623B751178}"/>
-              </a:ext>
-            </a:extLst>
-          </p:cNvPr>
-          <p:cNvSpPr/>
-          <p:nvPr/>
-        </p:nvSpPr>
-        <p:spPr>
-          <a:xfrm>
-            <a:off x="8562082" y="6396403"/>
-            <a:ext cx="2879278" cy="792088"/>
-          </a:xfrm>
-          <a:prstGeom prst="wedgeRectCallout">
-            <a:avLst>
-              <a:gd name="adj1" fmla="val -243656"/>
-              <a:gd name="adj2" fmla="val 237548"/>
-            </a:avLst>
-          </a:prstGeom>
-          <a:solidFill>
-            <a:schemeClr val="accent4">
-              <a:lumMod val="20000"/>
-              <a:lumOff val="80000"/>
-            </a:schemeClr>
-          </a:solidFill>
-        </p:spPr>
-        <p:style>
-          <a:lnRef idx="2">
-            <a:schemeClr val="accent1">
-              <a:shade val="50000"/>
-            </a:schemeClr>
-          </a:lnRef>
-          <a:fillRef idx="1">
-            <a:schemeClr val="accent1"/>
-          </a:fillRef>
-          <a:effectRef idx="0">
-            <a:schemeClr val="accent1"/>
-          </a:effectRef>
-          <a:fontRef idx="minor">
-            <a:schemeClr val="lt1"/>
-          </a:fontRef>
-        </p:style>
-        <p:txBody>
-          <a:bodyPr rtlCol="0" anchor="ctr"/>
-          <a:lstStyle/>
-          <a:p>
-            <a:pPr eaLnBrk="1" hangingPunct="1"/>
-            <a:r>
-              <a:rPr lang="ja-JP" altLang="en-US" dirty="0">
-                <a:solidFill>
-                  <a:srgbClr val="0070C0"/>
-                </a:solidFill>
-              </a:rPr>
-              <a:t>提出時には消してください</a:t>
-            </a:r>
-          </a:p>
-        </p:txBody>
-      </p:sp>
-      <p:sp>
-        <p:nvSpPr>
-          <p:cNvPr id="18" name="吹き出し: 四角形 17">
-            <a:extLst>
-              <a:ext uri="{FF2B5EF4-FFF2-40B4-BE49-F238E27FC236}">
-                <a16:creationId xmlns:a16="http://schemas.microsoft.com/office/drawing/2014/main" id="{B1A66799-1054-423B-9A84-217A539D8FBA}"/>
-              </a:ext>
-            </a:extLst>
-          </p:cNvPr>
-          <p:cNvSpPr/>
-          <p:nvPr/>
-        </p:nvSpPr>
-        <p:spPr>
-          <a:xfrm>
-            <a:off x="8562082" y="6374275"/>
-            <a:ext cx="2879278" cy="792088"/>
-          </a:xfrm>
-          <a:prstGeom prst="wedgeRectCallout">
-            <a:avLst>
-              <a:gd name="adj1" fmla="val -138970"/>
-              <a:gd name="adj2" fmla="val -214700"/>
-            </a:avLst>
-          </a:prstGeom>
-          <a:solidFill>
-            <a:schemeClr val="accent4">
-              <a:lumMod val="20000"/>
-              <a:lumOff val="80000"/>
-            </a:schemeClr>
-          </a:solidFill>
-        </p:spPr>
-        <p:style>
-          <a:lnRef idx="2">
-            <a:schemeClr val="accent1">
-              <a:shade val="50000"/>
-            </a:schemeClr>
-          </a:lnRef>
-          <a:fillRef idx="1">
-            <a:schemeClr val="accent1"/>
-          </a:fillRef>
-          <a:effectRef idx="0">
-            <a:schemeClr val="accent1"/>
-          </a:effectRef>
-          <a:fontRef idx="minor">
-            <a:schemeClr val="lt1"/>
-          </a:fontRef>
-        </p:style>
-        <p:txBody>
-          <a:bodyPr rtlCol="0" anchor="ctr"/>
-          <a:lstStyle/>
-          <a:p>
-            <a:pPr eaLnBrk="1" hangingPunct="1"/>
-            <a:r>
-              <a:rPr lang="ja-JP" altLang="en-US" dirty="0">
-                <a:solidFill>
-                  <a:srgbClr val="0070C0"/>
-                </a:solidFill>
-              </a:rPr>
-              <a:t>提出時には消してください</a:t>
-            </a:r>
-          </a:p>
-        </p:txBody>
-      </p:sp>
-      <p:sp>
-        <p:nvSpPr>
           <p:cNvPr id="21" name="Rectangle 3">
             <a:extLst>
               <a:ext uri="{FF2B5EF4-FFF2-40B4-BE49-F238E27FC236}">
@@ -4422,62 +4332,224 @@
           <a:p>
             <a:pPr marL="0" indent="0"/>
             <a:r>
-              <a:rPr lang="ja-JP" altLang="en-US" dirty="0">
+              <a:rPr lang="en-US" altLang="ja-JP" b="1" dirty="0">
                 <a:latin typeface="HG丸ｺﾞｼｯｸM-PRO" panose="020F0600000000000000" pitchFamily="50" charset="-128"/>
                 <a:ea typeface="HG丸ｺﾞｼｯｸM-PRO" panose="020F0600000000000000" pitchFamily="50" charset="-128"/>
               </a:rPr>
-              <a:t>ダミーテキストダミーテキストダミーテキストダミーテキスト</a:t>
+              <a:t>【</a:t>
+            </a:r>
+            <a:r>
+              <a:rPr lang="ja-JP" altLang="en-US" b="1">
+                <a:latin typeface="HG丸ｺﾞｼｯｸM-PRO" panose="020F0600000000000000" pitchFamily="50" charset="-128"/>
+                <a:ea typeface="HG丸ｺﾞｼｯｸM-PRO" panose="020F0600000000000000" pitchFamily="50" charset="-128"/>
+              </a:rPr>
+              <a:t>チームの活動目標</a:t>
+            </a:r>
+            <a:r>
+              <a:rPr lang="en-US" altLang="ja-JP" b="1" dirty="0">
+                <a:latin typeface="HG丸ｺﾞｼｯｸM-PRO" panose="020F0600000000000000" pitchFamily="50" charset="-128"/>
+                <a:ea typeface="HG丸ｺﾞｼｯｸM-PRO" panose="020F0600000000000000" pitchFamily="50" charset="-128"/>
+              </a:rPr>
+              <a:t>】</a:t>
             </a:r>
           </a:p>
           <a:p>
-            <a:pPr marL="0" indent="0"/>
+            <a:pPr marL="196850" indent="-196850" eaLnBrk="1" hangingPunct="1">
+              <a:lnSpc>
+                <a:spcPct val="80000"/>
+              </a:lnSpc>
+              <a:spcBef>
+                <a:spcPts val="600"/>
+              </a:spcBef>
+              <a:buFont typeface="Arial" panose="020B0604020202020204" pitchFamily="34" charset="0"/>
+              <a:buChar char="•"/>
+            </a:pPr>
             <a:r>
-              <a:rPr lang="ja-JP" altLang="en-US" dirty="0">
+              <a:rPr lang="ja-JP" altLang="en-US">
                 <a:latin typeface="HG丸ｺﾞｼｯｸM-PRO" panose="020F0600000000000000" pitchFamily="50" charset="-128"/>
                 <a:ea typeface="HG丸ｺﾞｼｯｸM-PRO" panose="020F0600000000000000" pitchFamily="50" charset="-128"/>
               </a:rPr>
-              <a:t>ダミーテキストダミーテキスト</a:t>
+              <a:t>ロボコン活動を通じて、</a:t>
+            </a:r>
+            <a:r>
+              <a:rPr lang="en-US" altLang="ja-JP" dirty="0">
+                <a:latin typeface="HG丸ｺﾞｼｯｸM-PRO" panose="020F0600000000000000" pitchFamily="50" charset="-128"/>
+                <a:ea typeface="HG丸ｺﾞｼｯｸM-PRO" panose="020F0600000000000000" pitchFamily="50" charset="-128"/>
+              </a:rPr>
+              <a:t>MBD</a:t>
+            </a:r>
+            <a:r>
+              <a:rPr lang="ja-JP" altLang="en-US">
+                <a:latin typeface="HG丸ｺﾞｼｯｸM-PRO" panose="020F0600000000000000" pitchFamily="50" charset="-128"/>
+                <a:ea typeface="HG丸ｺﾞｼｯｸM-PRO" panose="020F0600000000000000" pitchFamily="50" charset="-128"/>
+              </a:rPr>
+              <a:t>設計技術の習得を目指す。</a:t>
+            </a:r>
+            <a:endParaRPr lang="en-US" altLang="ja-JP" dirty="0">
+              <a:latin typeface="HG丸ｺﾞｼｯｸM-PRO" panose="020F0600000000000000" pitchFamily="50" charset="-128"/>
+              <a:ea typeface="HG丸ｺﾞｼｯｸM-PRO" panose="020F0600000000000000" pitchFamily="50" charset="-128"/>
+            </a:endParaRPr>
+          </a:p>
+          <a:p>
+            <a:pPr marL="196850" indent="-196850" eaLnBrk="1" hangingPunct="1">
+              <a:lnSpc>
+                <a:spcPct val="80000"/>
+              </a:lnSpc>
+              <a:spcBef>
+                <a:spcPts val="600"/>
+              </a:spcBef>
+              <a:buFont typeface="Arial" panose="020B0604020202020204" pitchFamily="34" charset="0"/>
+              <a:buChar char="•"/>
+            </a:pPr>
+            <a:r>
+              <a:rPr lang="ja-JP" altLang="en-US">
+                <a:latin typeface="HG丸ｺﾞｼｯｸM-PRO" panose="020F0600000000000000" pitchFamily="50" charset="-128"/>
+                <a:ea typeface="HG丸ｺﾞｼｯｸM-PRO" panose="020F0600000000000000" pitchFamily="50" charset="-128"/>
+              </a:rPr>
+              <a:t>これまで学んできた制御則を実機に実装する。</a:t>
+            </a:r>
+            <a:endParaRPr lang="en-US" altLang="ja-JP" dirty="0">
+              <a:latin typeface="HG丸ｺﾞｼｯｸM-PRO" panose="020F0600000000000000" pitchFamily="50" charset="-128"/>
+              <a:ea typeface="HG丸ｺﾞｼｯｸM-PRO" panose="020F0600000000000000" pitchFamily="50" charset="-128"/>
+            </a:endParaRPr>
+          </a:p>
+          <a:p>
+            <a:pPr marL="196850" indent="-196850" eaLnBrk="1" hangingPunct="1">
+              <a:lnSpc>
+                <a:spcPct val="80000"/>
+              </a:lnSpc>
+              <a:spcBef>
+                <a:spcPts val="600"/>
+              </a:spcBef>
+              <a:buFont typeface="Arial" panose="020B0604020202020204" pitchFamily="34" charset="0"/>
+              <a:buChar char="•"/>
+            </a:pPr>
+            <a:endParaRPr lang="en-US" altLang="ja-JP" dirty="0">
+              <a:latin typeface="HG丸ｺﾞｼｯｸM-PRO" panose="020F0600000000000000" pitchFamily="50" charset="-128"/>
+              <a:ea typeface="HG丸ｺﾞｼｯｸM-PRO" panose="020F0600000000000000" pitchFamily="50" charset="-128"/>
+            </a:endParaRPr>
+          </a:p>
+          <a:p>
+            <a:pPr marL="196850" indent="-196850" eaLnBrk="1" hangingPunct="1">
+              <a:lnSpc>
+                <a:spcPct val="80000"/>
+              </a:lnSpc>
+              <a:spcBef>
+                <a:spcPts val="600"/>
+              </a:spcBef>
+            </a:pPr>
+            <a:r>
+              <a:rPr lang="en-US" altLang="ja-JP" b="1" dirty="0">
+                <a:latin typeface="HG丸ｺﾞｼｯｸM-PRO" panose="020F0600000000000000" pitchFamily="50" charset="-128"/>
+                <a:ea typeface="HG丸ｺﾞｼｯｸM-PRO" panose="020F0600000000000000" pitchFamily="50" charset="-128"/>
+              </a:rPr>
+              <a:t>【</a:t>
+            </a:r>
+            <a:r>
+              <a:rPr lang="ja-JP" altLang="en-US" b="1">
+                <a:latin typeface="HG丸ｺﾞｼｯｸM-PRO" panose="020F0600000000000000" pitchFamily="50" charset="-128"/>
+                <a:ea typeface="HG丸ｺﾞｼｯｸM-PRO" panose="020F0600000000000000" pitchFamily="50" charset="-128"/>
+              </a:rPr>
+              <a:t>設計目標</a:t>
+            </a:r>
+            <a:r>
+              <a:rPr lang="en-US" altLang="ja-JP" b="1" dirty="0">
+                <a:latin typeface="HG丸ｺﾞｼｯｸM-PRO" panose="020F0600000000000000" pitchFamily="50" charset="-128"/>
+                <a:ea typeface="HG丸ｺﾞｼｯｸM-PRO" panose="020F0600000000000000" pitchFamily="50" charset="-128"/>
+              </a:rPr>
+              <a:t>】</a:t>
             </a:r>
           </a:p>
           <a:p>
-            <a:pPr marL="0" indent="0"/>
+            <a:pPr marL="196850" indent="-196850" eaLnBrk="1" hangingPunct="1">
+              <a:lnSpc>
+                <a:spcPct val="80000"/>
+              </a:lnSpc>
+              <a:spcBef>
+                <a:spcPts val="600"/>
+              </a:spcBef>
+              <a:buFont typeface="Arial" panose="020B0604020202020204" pitchFamily="34" charset="0"/>
+              <a:buChar char="•"/>
+            </a:pPr>
             <a:r>
-              <a:rPr lang="ja-JP" altLang="en-US" dirty="0">
+              <a:rPr lang="ja-JP" altLang="en-US">
                 <a:latin typeface="HG丸ｺﾞｼｯｸM-PRO" panose="020F0600000000000000" pitchFamily="50" charset="-128"/>
                 <a:ea typeface="HG丸ｺﾞｼｯｸM-PRO" panose="020F0600000000000000" pitchFamily="50" charset="-128"/>
               </a:rPr>
-              <a:t>ダミーテキスト</a:t>
+              <a:t>シンプルに設計する。</a:t>
+            </a:r>
+            <a:endParaRPr lang="en-US" altLang="ja-JP" dirty="0">
+              <a:latin typeface="HG丸ｺﾞｼｯｸM-PRO" panose="020F0600000000000000" pitchFamily="50" charset="-128"/>
+              <a:ea typeface="HG丸ｺﾞｼｯｸM-PRO" panose="020F0600000000000000" pitchFamily="50" charset="-128"/>
+            </a:endParaRPr>
+          </a:p>
+          <a:p>
+            <a:pPr marL="0" indent="0" eaLnBrk="1" hangingPunct="1">
+              <a:lnSpc>
+                <a:spcPct val="80000"/>
+              </a:lnSpc>
+              <a:spcBef>
+                <a:spcPts val="600"/>
+              </a:spcBef>
+            </a:pPr>
+            <a:endParaRPr lang="en-US" altLang="ja-JP" dirty="0">
+              <a:latin typeface="HG丸ｺﾞｼｯｸM-PRO" panose="020F0600000000000000" pitchFamily="50" charset="-128"/>
+              <a:ea typeface="HG丸ｺﾞｼｯｸM-PRO" panose="020F0600000000000000" pitchFamily="50" charset="-128"/>
+            </a:endParaRPr>
+          </a:p>
+          <a:p>
+            <a:pPr eaLnBrk="1" hangingPunct="1">
+              <a:lnSpc>
+                <a:spcPct val="80000"/>
+              </a:lnSpc>
+              <a:spcBef>
+                <a:spcPct val="20000"/>
+              </a:spcBef>
+            </a:pPr>
+            <a:r>
+              <a:rPr lang="en-US" altLang="ja-JP" b="1" dirty="0">
+                <a:latin typeface="HG丸ｺﾞｼｯｸM-PRO" panose="020F0600000000000000" pitchFamily="50" charset="-128"/>
+                <a:ea typeface="HG丸ｺﾞｼｯｸM-PRO" panose="020F0600000000000000" pitchFamily="50" charset="-128"/>
+              </a:rPr>
+              <a:t>【</a:t>
+            </a:r>
+            <a:r>
+              <a:rPr lang="ja-JP" altLang="en-US" b="1">
+                <a:latin typeface="HG丸ｺﾞｼｯｸM-PRO" panose="020F0600000000000000" pitchFamily="50" charset="-128"/>
+                <a:ea typeface="HG丸ｺﾞｼｯｸM-PRO" panose="020F0600000000000000" pitchFamily="50" charset="-128"/>
+              </a:rPr>
+              <a:t>チームメンバと意気込み</a:t>
+            </a:r>
+            <a:r>
+              <a:rPr lang="en-US" altLang="ja-JP" b="1" dirty="0">
+                <a:latin typeface="HG丸ｺﾞｼｯｸM-PRO" panose="020F0600000000000000" pitchFamily="50" charset="-128"/>
+                <a:ea typeface="HG丸ｺﾞｼｯｸM-PRO" panose="020F0600000000000000" pitchFamily="50" charset="-128"/>
+              </a:rPr>
+              <a:t>】</a:t>
             </a:r>
           </a:p>
           <a:p>
-            <a:pPr marL="0" indent="0"/>
+            <a:pPr marL="196850" indent="-196850" eaLnBrk="1" hangingPunct="1">
+              <a:lnSpc>
+                <a:spcPct val="80000"/>
+              </a:lnSpc>
+              <a:spcBef>
+                <a:spcPts val="600"/>
+              </a:spcBef>
+              <a:buFont typeface="Arial" panose="020B0604020202020204" pitchFamily="34" charset="0"/>
+              <a:buChar char="•"/>
+            </a:pPr>
             <a:r>
-              <a:rPr lang="ja-JP" altLang="en-US" dirty="0">
+              <a:rPr lang="ja-JP" altLang="en-US">
                 <a:latin typeface="HG丸ｺﾞｼｯｸM-PRO" panose="020F0600000000000000" pitchFamily="50" charset="-128"/>
                 <a:ea typeface="HG丸ｺﾞｼｯｸM-PRO" panose="020F0600000000000000" pitchFamily="50" charset="-128"/>
               </a:rPr>
-              <a:t>ダミーテキスト</a:t>
+              <a:t>難所をクリアして「完走」を目指します。</a:t>
             </a:r>
-          </a:p>
-          <a:p>
-            <a:pPr marL="0" indent="0"/>
-            <a:r>
-              <a:rPr lang="ja-JP" altLang="en-US" dirty="0">
-                <a:latin typeface="HG丸ｺﾞｼｯｸM-PRO" panose="020F0600000000000000" pitchFamily="50" charset="-128"/>
-                <a:ea typeface="HG丸ｺﾞｼｯｸM-PRO" panose="020F0600000000000000" pitchFamily="50" charset="-128"/>
-              </a:rPr>
-              <a:t>ダミーテキスト</a:t>
-            </a:r>
-          </a:p>
-          <a:p>
-            <a:pPr marL="0" indent="0"/>
-            <a:r>
-              <a:rPr lang="ja-JP" altLang="en-US" dirty="0">
-                <a:latin typeface="HG丸ｺﾞｼｯｸM-PRO" panose="020F0600000000000000" pitchFamily="50" charset="-128"/>
-                <a:ea typeface="HG丸ｺﾞｼｯｸM-PRO" panose="020F0600000000000000" pitchFamily="50" charset="-128"/>
-              </a:rPr>
-              <a:t>ダミーテキスト</a:t>
-            </a:r>
+            <a:endParaRPr lang="en-US" altLang="ja-JP" dirty="0">
+              <a:latin typeface="HG丸ｺﾞｼｯｸM-PRO" panose="020F0600000000000000" pitchFamily="50" charset="-128"/>
+              <a:ea typeface="HG丸ｺﾞｼｯｸM-PRO" panose="020F0600000000000000" pitchFamily="50" charset="-128"/>
+            </a:endParaRPr>
           </a:p>
           <a:p>
             <a:pPr marL="0" indent="0"/>
@@ -4670,11 +4742,18 @@
               <a:buChar char="•"/>
             </a:pPr>
             <a:r>
-              <a:rPr lang="ja-JP" altLang="en-US" dirty="0">
+              <a:rPr lang="en-US" altLang="ja-JP" dirty="0" err="1">
                 <a:latin typeface="HG丸ｺﾞｼｯｸM-PRO" panose="020F0600000000000000" pitchFamily="50" charset="-128"/>
                 <a:ea typeface="HG丸ｺﾞｼｯｸM-PRO" panose="020F0600000000000000" pitchFamily="50" charset="-128"/>
               </a:rPr>
-              <a:t>ダミーテキストダミーテキストダミーテキストダミーテキストダミーテキストダミーテキストダミーテキストダミーテキスト</a:t>
+              <a:t>SysMLをつかってモデル記述を行う</a:t>
+            </a:r>
+            <a:r>
+              <a:rPr lang="en-US" altLang="ja-JP" dirty="0">
+                <a:latin typeface="HG丸ｺﾞｼｯｸM-PRO" panose="020F0600000000000000" pitchFamily="50" charset="-128"/>
+                <a:ea typeface="HG丸ｺﾞｼｯｸM-PRO" panose="020F0600000000000000" pitchFamily="50" charset="-128"/>
+              </a:rPr>
+              <a:t>。</a:t>
             </a:r>
           </a:p>
           <a:p>
@@ -4688,13 +4767,10 @@
               <a:buFont typeface="Arial" panose="020B0604020202020204" pitchFamily="34" charset="0"/>
               <a:buChar char="•"/>
             </a:pPr>
-            <a:r>
-              <a:rPr lang="ja-JP" altLang="en-US" dirty="0">
-                <a:latin typeface="HG丸ｺﾞｼｯｸM-PRO" panose="020F0600000000000000" pitchFamily="50" charset="-128"/>
-                <a:ea typeface="HG丸ｺﾞｼｯｸM-PRO" panose="020F0600000000000000" pitchFamily="50" charset="-128"/>
-              </a:rPr>
-              <a:t>ダミーテキストダミーテキスト</a:t>
-            </a:r>
+            <a:endParaRPr lang="en-US" altLang="ja-JP" dirty="0">
+              <a:latin typeface="HG丸ｺﾞｼｯｸM-PRO" panose="020F0600000000000000" pitchFamily="50" charset="-128"/>
+              <a:ea typeface="HG丸ｺﾞｼｯｸM-PRO" panose="020F0600000000000000" pitchFamily="50" charset="-128"/>
+            </a:endParaRPr>
           </a:p>
           <a:p>
             <a:pPr marL="196850" indent="-196850" eaLnBrk="1" hangingPunct="1">
@@ -4708,11 +4784,25 @@
               <a:buChar char="•"/>
             </a:pPr>
             <a:r>
-              <a:rPr lang="ja-JP" altLang="en-US" dirty="0">
+              <a:rPr lang="ja-JP" altLang="en-US">
                 <a:latin typeface="HG丸ｺﾞｼｯｸM-PRO" panose="020F0600000000000000" pitchFamily="50" charset="-128"/>
                 <a:ea typeface="HG丸ｺﾞｼｯｸM-PRO" panose="020F0600000000000000" pitchFamily="50" charset="-128"/>
               </a:rPr>
-              <a:t>ダミーテキストダミーテキスト</a:t>
+              <a:t>リザルトタイム「</a:t>
+            </a:r>
+            <a:r>
+              <a:rPr lang="en-US" altLang="ja-JP" dirty="0">
+                <a:latin typeface="HG丸ｺﾞｼｯｸM-PRO" panose="020F0600000000000000" pitchFamily="50" charset="-128"/>
+                <a:ea typeface="HG丸ｺﾞｼｯｸM-PRO" panose="020F0600000000000000" pitchFamily="50" charset="-128"/>
+              </a:rPr>
+              <a:t>20</a:t>
+            </a:r>
+            <a:r>
+              <a:rPr lang="ja-JP" altLang="en-US">
+                <a:latin typeface="HG丸ｺﾞｼｯｸM-PRO" panose="020F0600000000000000" pitchFamily="50" charset="-128"/>
+                <a:ea typeface="HG丸ｺﾞｼｯｸM-PRO" panose="020F0600000000000000" pitchFamily="50" charset="-128"/>
+              </a:rPr>
+              <a:t>秒以下」をシステム目標とし、それを実現するための要件を分析した。</a:t>
             </a:r>
             <a:endParaRPr lang="en-US" altLang="ja-JP" dirty="0">
               <a:latin typeface="HG丸ｺﾞｼｯｸM-PRO" panose="020F0600000000000000" pitchFamily="50" charset="-128"/>
@@ -4730,41 +4820,102 @@
               <a:buFont typeface="Arial" panose="020B0604020202020204" pitchFamily="34" charset="0"/>
               <a:buChar char="•"/>
             </a:pPr>
+            <a:endParaRPr lang="en-US" altLang="ja-JP" dirty="0">
+              <a:latin typeface="HG丸ｺﾞｼｯｸM-PRO" panose="020F0600000000000000" pitchFamily="50" charset="-128"/>
+              <a:ea typeface="HG丸ｺﾞｼｯｸM-PRO" panose="020F0600000000000000" pitchFamily="50" charset="-128"/>
+            </a:endParaRPr>
+          </a:p>
+          <a:p>
+            <a:pPr marL="196850" indent="-196850" eaLnBrk="1" hangingPunct="1">
+              <a:lnSpc>
+                <a:spcPct val="80000"/>
+              </a:lnSpc>
+              <a:spcBef>
+                <a:spcPts val="600"/>
+              </a:spcBef>
+              <a:buFont typeface="Arial" panose="020B0604020202020204" pitchFamily="34" charset="0"/>
+              <a:buChar char="•"/>
+            </a:pPr>
             <a:r>
-              <a:rPr lang="ja-JP" altLang="en-US" dirty="0">
+              <a:rPr lang="ja-JP" altLang="en-US">
                 <a:latin typeface="HG丸ｺﾞｼｯｸM-PRO" panose="020F0600000000000000" pitchFamily="50" charset="-128"/>
                 <a:ea typeface="HG丸ｺﾞｼｯｸM-PRO" panose="020F0600000000000000" pitchFamily="50" charset="-128"/>
               </a:rPr>
-              <a:t>（文字サイズは</a:t>
+              <a:t>機能実現では重点テーマである、画像処理と</a:t>
             </a:r>
             <a:r>
               <a:rPr lang="en-US" altLang="ja-JP" dirty="0">
                 <a:latin typeface="HG丸ｺﾞｼｯｸM-PRO" panose="020F0600000000000000" pitchFamily="50" charset="-128"/>
                 <a:ea typeface="HG丸ｺﾞｼｯｸM-PRO" panose="020F0600000000000000" pitchFamily="50" charset="-128"/>
               </a:rPr>
-              <a:t>16</a:t>
+              <a:t>AI</a:t>
             </a:r>
             <a:r>
-              <a:rPr lang="ja-JP" altLang="en-US" dirty="0">
+              <a:rPr lang="ja-JP" altLang="en-US">
                 <a:latin typeface="HG丸ｺﾞｼｯｸM-PRO" panose="020F0600000000000000" pitchFamily="50" charset="-128"/>
                 <a:ea typeface="HG丸ｺﾞｼｯｸM-PRO" panose="020F0600000000000000" pitchFamily="50" charset="-128"/>
               </a:rPr>
-              <a:t>ポイント以上、全角で</a:t>
+              <a:t>を有効的に活用した。</a:t>
             </a:r>
+            <a:endParaRPr lang="en-US" altLang="ja-JP" dirty="0">
+              <a:latin typeface="HG丸ｺﾞｼｯｸM-PRO" panose="020F0600000000000000" pitchFamily="50" charset="-128"/>
+              <a:ea typeface="HG丸ｺﾞｼｯｸM-PRO" panose="020F0600000000000000" pitchFamily="50" charset="-128"/>
+            </a:endParaRPr>
+          </a:p>
+          <a:p>
+            <a:pPr marL="196850" indent="-196850" eaLnBrk="1" hangingPunct="1">
+              <a:lnSpc>
+                <a:spcPct val="80000"/>
+              </a:lnSpc>
+              <a:spcBef>
+                <a:spcPts val="600"/>
+              </a:spcBef>
+              <a:buFont typeface="Arial" panose="020B0604020202020204" pitchFamily="34" charset="0"/>
+              <a:buChar char="•"/>
+            </a:pPr>
+            <a:endParaRPr lang="en-US" altLang="ja-JP" dirty="0">
+              <a:latin typeface="HG丸ｺﾞｼｯｸM-PRO" panose="020F0600000000000000" pitchFamily="50" charset="-128"/>
+              <a:ea typeface="HG丸ｺﾞｼｯｸM-PRO" panose="020F0600000000000000" pitchFamily="50" charset="-128"/>
+            </a:endParaRPr>
+          </a:p>
+          <a:p>
+            <a:pPr marL="196850" indent="-196850" eaLnBrk="1" hangingPunct="1">
+              <a:lnSpc>
+                <a:spcPct val="80000"/>
+              </a:lnSpc>
+              <a:spcBef>
+                <a:spcPts val="600"/>
+              </a:spcBef>
+              <a:buFont typeface="Arial" panose="020B0604020202020204" pitchFamily="34" charset="0"/>
+              <a:buChar char="•"/>
+            </a:pPr>
             <a:r>
-              <a:rPr lang="en-US" altLang="ja-JP" dirty="0">
+              <a:rPr lang="ja-JP" altLang="en-US">
                 <a:latin typeface="HG丸ｺﾞｼｯｸM-PRO" panose="020F0600000000000000" pitchFamily="50" charset="-128"/>
                 <a:ea typeface="HG丸ｺﾞｼｯｸM-PRO" panose="020F0600000000000000" pitchFamily="50" charset="-128"/>
               </a:rPr>
-              <a:t>300</a:t>
+              <a:t>分析モデル、設計モデルの振る舞いではブロック運搬の経路生成を中心に記述している。</a:t>
             </a:r>
-            <a:r>
-              <a:rPr lang="ja-JP" altLang="en-US" dirty="0">
-                <a:latin typeface="HG丸ｺﾞｼｯｸM-PRO" panose="020F0600000000000000" pitchFamily="50" charset="-128"/>
-                <a:ea typeface="HG丸ｺﾞｼｯｸM-PRO" panose="020F0600000000000000" pitchFamily="50" charset="-128"/>
-              </a:rPr>
-              <a:t>文字程度）</a:t>
-            </a:r>
+            <a:endParaRPr lang="en-US" altLang="ja-JP" dirty="0">
+              <a:latin typeface="HG丸ｺﾞｼｯｸM-PRO" panose="020F0600000000000000" pitchFamily="50" charset="-128"/>
+              <a:ea typeface="HG丸ｺﾞｼｯｸM-PRO" panose="020F0600000000000000" pitchFamily="50" charset="-128"/>
+            </a:endParaRPr>
+          </a:p>
+          <a:p>
+            <a:pPr marL="196850" indent="-196850" eaLnBrk="1" hangingPunct="1">
+              <a:lnSpc>
+                <a:spcPct val="80000"/>
+              </a:lnSpc>
+              <a:spcBef>
+                <a:spcPts val="600"/>
+              </a:spcBef>
+              <a:buFont typeface="Arial" panose="020B0604020202020204" pitchFamily="34" charset="0"/>
+              <a:buChar char="•"/>
+            </a:pPr>
+            <a:endParaRPr lang="en-US" altLang="ja-JP" dirty="0">
+              <a:latin typeface="HG丸ｺﾞｼｯｸM-PRO" panose="020F0600000000000000" pitchFamily="50" charset="-128"/>
+              <a:ea typeface="HG丸ｺﾞｼｯｸM-PRO" panose="020F0600000000000000" pitchFamily="50" charset="-128"/>
+            </a:endParaRPr>
           </a:p>
           <a:p>
             <a:pPr marL="0" indent="0" eaLnBrk="1" hangingPunct="1">
@@ -25839,78 +25990,6 @@
       </p:sp>
       <p:sp>
         <p:nvSpPr>
-          <p:cNvPr id="8" name="正方形/長方形 7">
-            <a:extLst>
-              <a:ext uri="{FF2B5EF4-FFF2-40B4-BE49-F238E27FC236}">
-                <a16:creationId xmlns:a16="http://schemas.microsoft.com/office/drawing/2014/main" id="{5B2A26BF-287F-674A-83AC-39A6219664F1}"/>
-              </a:ext>
-            </a:extLst>
-          </p:cNvPr>
-          <p:cNvSpPr/>
-          <p:nvPr/>
-        </p:nvSpPr>
-        <p:spPr>
-          <a:xfrm>
-            <a:off x="577155" y="7589453"/>
-            <a:ext cx="2570672" cy="230969"/>
-          </a:xfrm>
-          <a:prstGeom prst="rect">
-            <a:avLst/>
-          </a:prstGeom>
-          <a:solidFill>
-            <a:schemeClr val="bg1">
-              <a:lumMod val="75000"/>
-            </a:schemeClr>
-          </a:solidFill>
-          <a:ln>
-            <a:noFill/>
-          </a:ln>
-        </p:spPr>
-        <p:style>
-          <a:lnRef idx="2">
-            <a:schemeClr val="accent1">
-              <a:shade val="50000"/>
-            </a:schemeClr>
-          </a:lnRef>
-          <a:fillRef idx="1">
-            <a:schemeClr val="accent1"/>
-          </a:fillRef>
-          <a:effectRef idx="0">
-            <a:schemeClr val="accent1"/>
-          </a:effectRef>
-          <a:fontRef idx="minor">
-            <a:schemeClr val="lt1"/>
-          </a:fontRef>
-        </p:style>
-        <p:txBody>
-          <a:bodyPr rtlCol="0" anchor="ctr"/>
-          <a:lstStyle/>
-          <a:p>
-            <a:r>
-              <a:rPr lang="en-US" altLang="ja-JP" sz="1400" b="1" dirty="0">
-                <a:solidFill>
-                  <a:schemeClr val="tx1"/>
-                </a:solidFill>
-                <a:latin typeface="+mj-ea"/>
-                <a:ea typeface="+mj-ea"/>
-              </a:rPr>
-              <a:t>4.2</a:t>
-            </a:r>
-            <a:r>
-              <a:rPr lang="ja-JP" altLang="en-US" sz="1400" b="1">
-                <a:solidFill>
-                  <a:schemeClr val="tx1"/>
-                </a:solidFill>
-                <a:latin typeface="+mj-ea"/>
-                <a:ea typeface="+mj-ea"/>
-              </a:rPr>
-              <a:t>ブロックビンゴの要素技術</a:t>
-            </a:r>
-          </a:p>
-        </p:txBody>
-      </p:sp>
-      <p:sp>
-        <p:nvSpPr>
           <p:cNvPr id="10" name="角丸四角形 9">
             <a:extLst>
               <a:ext uri="{FF2B5EF4-FFF2-40B4-BE49-F238E27FC236}">
@@ -26233,15 +26312,16 @@
         </p:nvSpPr>
         <p:spPr>
           <a:xfrm>
-            <a:off x="46180" y="4442848"/>
+            <a:off x="46180" y="5290974"/>
             <a:ext cx="2570672" cy="230969"/>
           </a:xfrm>
           <a:prstGeom prst="rect">
             <a:avLst/>
           </a:prstGeom>
           <a:solidFill>
-            <a:schemeClr val="bg1">
-              <a:lumMod val="75000"/>
+            <a:schemeClr val="accent6">
+              <a:lumMod val="20000"/>
+              <a:lumOff val="80000"/>
             </a:schemeClr>
           </a:solidFill>
           <a:ln>
@@ -26305,7 +26385,7 @@
         </p:nvSpPr>
         <p:spPr>
           <a:xfrm>
-            <a:off x="0" y="1515718"/>
+            <a:off x="0" y="1979538"/>
             <a:ext cx="6284838" cy="559877"/>
           </a:xfrm>
           <a:prstGeom prst="rect">
@@ -26399,13 +26479,13 @@
           <p:nvPr>
             <p:extLst>
               <p:ext uri="{D42A27DB-BD31-4B8C-83A1-F6EECF244321}">
-                <p14:modId xmlns:p14="http://schemas.microsoft.com/office/powerpoint/2010/main" val="3427770230"/>
+                <p14:modId xmlns:p14="http://schemas.microsoft.com/office/powerpoint/2010/main" val="2015970636"/>
               </p:ext>
             </p:extLst>
           </p:nvPr>
         </p:nvGraphicFramePr>
         <p:xfrm>
-          <a:off x="78420" y="1983967"/>
+          <a:off x="65777" y="2578623"/>
           <a:ext cx="6107380" cy="2352040"/>
         </p:xfrm>
         <a:graphic>
@@ -26878,78 +26958,6 @@
       </p:graphicFrame>
       <p:sp>
         <p:nvSpPr>
-          <p:cNvPr id="9" name="正方形/長方形 8">
-            <a:extLst>
-              <a:ext uri="{FF2B5EF4-FFF2-40B4-BE49-F238E27FC236}">
-                <a16:creationId xmlns:a16="http://schemas.microsoft.com/office/drawing/2014/main" id="{059DF41F-A446-F645-86CA-8A6D4F670FDA}"/>
-              </a:ext>
-            </a:extLst>
-          </p:cNvPr>
-          <p:cNvSpPr/>
-          <p:nvPr/>
-        </p:nvSpPr>
-        <p:spPr>
-          <a:xfrm>
-            <a:off x="78420" y="6046444"/>
-            <a:ext cx="3258381" cy="172110"/>
-          </a:xfrm>
-          <a:prstGeom prst="rect">
-            <a:avLst/>
-          </a:prstGeom>
-          <a:solidFill>
-            <a:schemeClr val="bg1">
-              <a:lumMod val="75000"/>
-            </a:schemeClr>
-          </a:solidFill>
-          <a:ln>
-            <a:noFill/>
-          </a:ln>
-        </p:spPr>
-        <p:style>
-          <a:lnRef idx="2">
-            <a:schemeClr val="accent1">
-              <a:shade val="50000"/>
-            </a:schemeClr>
-          </a:lnRef>
-          <a:fillRef idx="1">
-            <a:schemeClr val="accent1"/>
-          </a:fillRef>
-          <a:effectRef idx="0">
-            <a:schemeClr val="accent1"/>
-          </a:effectRef>
-          <a:fontRef idx="minor">
-            <a:schemeClr val="lt1"/>
-          </a:fontRef>
-        </p:style>
-        <p:txBody>
-          <a:bodyPr rtlCol="0" anchor="ctr"/>
-          <a:lstStyle/>
-          <a:p>
-            <a:r>
-              <a:rPr lang="en-US" altLang="ja-JP" sz="1400" b="1" dirty="0">
-                <a:solidFill>
-                  <a:schemeClr val="tx1"/>
-                </a:solidFill>
-                <a:latin typeface="+mj-ea"/>
-                <a:ea typeface="+mj-ea"/>
-              </a:rPr>
-              <a:t>4.2.2</a:t>
-            </a:r>
-            <a:r>
-              <a:rPr lang="ja-JP" altLang="en-US" sz="1400" b="1">
-                <a:solidFill>
-                  <a:schemeClr val="tx1"/>
-                </a:solidFill>
-                <a:latin typeface="+mj-ea"/>
-                <a:ea typeface="+mj-ea"/>
-              </a:rPr>
-              <a:t>畳み込みニューラルネットワーク</a:t>
-            </a:r>
-          </a:p>
-        </p:txBody>
-      </p:sp>
-      <p:sp>
-        <p:nvSpPr>
           <p:cNvPr id="14" name="正方形/長方形 13">
             <a:extLst>
               <a:ext uri="{FF2B5EF4-FFF2-40B4-BE49-F238E27FC236}">
@@ -27019,15 +27027,16 @@
         </p:nvSpPr>
         <p:spPr>
           <a:xfrm>
-            <a:off x="46180" y="494047"/>
+            <a:off x="46180" y="679575"/>
             <a:ext cx="1625600" cy="230969"/>
           </a:xfrm>
           <a:prstGeom prst="rect">
             <a:avLst/>
           </a:prstGeom>
           <a:solidFill>
-            <a:schemeClr val="bg1">
-              <a:lumMod val="75000"/>
+            <a:schemeClr val="accent4">
+              <a:lumMod val="20000"/>
+              <a:lumOff val="80000"/>
             </a:schemeClr>
           </a:solidFill>
           <a:ln>
@@ -27091,7 +27100,7 @@
         </p:nvSpPr>
         <p:spPr>
           <a:xfrm>
-            <a:off x="-1" y="721462"/>
+            <a:off x="-1" y="906990"/>
             <a:ext cx="6400799" cy="538129"/>
           </a:xfrm>
           <a:prstGeom prst="rect">
@@ -27148,15 +27157,16 @@
         </p:nvSpPr>
         <p:spPr>
           <a:xfrm>
-            <a:off x="46180" y="1284749"/>
+            <a:off x="46180" y="1748569"/>
             <a:ext cx="1625600" cy="230969"/>
           </a:xfrm>
           <a:prstGeom prst="rect">
             <a:avLst/>
           </a:prstGeom>
           <a:solidFill>
-            <a:schemeClr val="bg1">
-              <a:lumMod val="75000"/>
+            <a:schemeClr val="accent4">
+              <a:lumMod val="20000"/>
+              <a:lumOff val="80000"/>
             </a:schemeClr>
           </a:solidFill>
           <a:ln>
@@ -27220,8 +27230,8 @@
         </p:nvSpPr>
         <p:spPr>
           <a:xfrm>
-            <a:off x="0" y="4685766"/>
-            <a:ext cx="6284838" cy="559877"/>
+            <a:off x="0" y="5573648"/>
+            <a:ext cx="6284838" cy="456341"/>
           </a:xfrm>
           <a:prstGeom prst="rect">
             <a:avLst/>
@@ -27527,7 +27537,7 @@
                 </a:solidFill>
                 <a:latin typeface="+mn-ea"/>
               </a:rPr>
-              <a:t>・クリッピング</a:t>
+              <a:t>・台形補正</a:t>
             </a:r>
             <a:endParaRPr lang="en-US" altLang="ja-JP" sz="1200" dirty="0">
               <a:solidFill>
@@ -27544,7 +27554,7 @@
                 </a:solidFill>
                 <a:latin typeface="+mn-ea"/>
               </a:rPr>
-              <a:t>・台形補正</a:t>
+              <a:t>・クリッピング</a:t>
             </a:r>
             <a:endParaRPr lang="en-US" altLang="ja-JP" sz="1200" dirty="0">
               <a:solidFill>
@@ -27588,8 +27598,34 @@
             </a:endParaRPr>
           </a:p>
           <a:p>
-            <a:pPr algn="ctr"/>
-            <a:endParaRPr kumimoji="1" lang="ja-JP" altLang="en-US" sz="1400">
+            <a:r>
+              <a:rPr lang="ja-JP" altLang="en-US" sz="1200">
+                <a:solidFill>
+                  <a:schemeClr val="tx1"/>
+                </a:solidFill>
+                <a:latin typeface="+mn-ea"/>
+              </a:rPr>
+              <a:t>・</a:t>
+            </a:r>
+            <a:r>
+              <a:rPr lang="en-US" altLang="ja-JP" sz="1200" dirty="0">
+                <a:solidFill>
+                  <a:schemeClr val="tx1"/>
+                </a:solidFill>
+                <a:latin typeface="+mn-ea"/>
+              </a:rPr>
+              <a:t>HSV</a:t>
+            </a:r>
+            <a:r>
+              <a:rPr lang="ja-JP" altLang="en-US" sz="1200">
+                <a:solidFill>
+                  <a:schemeClr val="tx1"/>
+                </a:solidFill>
+                <a:latin typeface="+mn-ea"/>
+              </a:rPr>
+              <a:t>変換</a:t>
+            </a:r>
+            <a:endParaRPr lang="en-US" altLang="ja-JP" sz="1200" dirty="0">
               <a:solidFill>
                 <a:schemeClr val="tx1"/>
               </a:solidFill>
@@ -32446,7 +32482,7 @@
         </p:blipFill>
         <p:spPr>
           <a:xfrm>
-            <a:off x="6478277" y="6029305"/>
+            <a:off x="6413652" y="7364542"/>
             <a:ext cx="5321300" cy="1689100"/>
           </a:xfrm>
           <a:prstGeom prst="rect">
@@ -32475,8 +32511,9 @@
             <a:avLst/>
           </a:prstGeom>
           <a:solidFill>
-            <a:schemeClr val="bg1">
-              <a:lumMod val="75000"/>
+            <a:schemeClr val="accent4">
+              <a:lumMod val="20000"/>
+              <a:lumOff val="80000"/>
             </a:schemeClr>
           </a:solidFill>
           <a:ln>
@@ -32547,109 +32584,7 @@
             <a:avLst/>
           </a:prstGeom>
           <a:solidFill>
-            <a:schemeClr val="bg1">
-              <a:lumMod val="75000"/>
-            </a:schemeClr>
-          </a:solidFill>
-          <a:ln>
-            <a:noFill/>
-          </a:ln>
-        </p:spPr>
-        <p:style>
-          <a:lnRef idx="2">
-            <a:schemeClr val="accent1">
-              <a:shade val="50000"/>
-            </a:schemeClr>
-          </a:lnRef>
-          <a:fillRef idx="1">
-            <a:schemeClr val="accent1"/>
-          </a:fillRef>
-          <a:effectRef idx="0">
-            <a:schemeClr val="accent1"/>
-          </a:effectRef>
-          <a:fontRef idx="minor">
-            <a:schemeClr val="lt1"/>
-          </a:fontRef>
-        </p:style>
-        <p:txBody>
-          <a:bodyPr rtlCol="0" anchor="ctr"/>
-          <a:lstStyle/>
-          <a:p>
-            <a:r>
-              <a:rPr lang="en-US" altLang="ja-JP" sz="1400" b="1" dirty="0">
-                <a:solidFill>
-                  <a:schemeClr val="tx1"/>
-                </a:solidFill>
-                <a:latin typeface="+mj-ea"/>
-                <a:ea typeface="+mj-ea"/>
-              </a:rPr>
-              <a:t>4.2</a:t>
-            </a:r>
-            <a:r>
-              <a:rPr lang="ja-JP" altLang="en-US" sz="1400" b="1">
-                <a:solidFill>
-                  <a:schemeClr val="tx1"/>
-                </a:solidFill>
-                <a:latin typeface="+mj-ea"/>
-                <a:ea typeface="+mj-ea"/>
-              </a:rPr>
-              <a:t>要素技術</a:t>
-            </a:r>
-          </a:p>
-        </p:txBody>
-      </p:sp>
-    </p:spTree>
-    <p:extLst>
-      <p:ext uri="{BB962C8B-B14F-4D97-AF65-F5344CB8AC3E}">
-        <p14:creationId xmlns:p14="http://schemas.microsoft.com/office/powerpoint/2010/main" val="1541667333"/>
-      </p:ext>
-    </p:extLst>
-  </p:cSld>
-  <p:clrMapOvr>
-    <a:masterClrMapping/>
-  </p:clrMapOvr>
-</p:sld>
-</file>
-
-<file path=ppt/slides/slide7.xml><?xml version="1.0" encoding="utf-8"?>
-<p:sld xmlns:a="http://schemas.openxmlformats.org/drawingml/2006/main" xmlns:r="http://schemas.openxmlformats.org/officeDocument/2006/relationships" xmlns:p="http://schemas.openxmlformats.org/presentationml/2006/main">
-  <p:cSld>
-    <p:spTree>
-      <p:nvGrpSpPr>
-        <p:cNvPr id="1" name=""/>
-        <p:cNvGrpSpPr/>
-        <p:nvPr/>
-      </p:nvGrpSpPr>
-      <p:grpSpPr>
-        <a:xfrm>
-          <a:off x="0" y="0"/>
-          <a:ext cx="0" cy="0"/>
-          <a:chOff x="0" y="0"/>
-          <a:chExt cx="0" cy="0"/>
-        </a:xfrm>
-      </p:grpSpPr>
-      <p:sp>
-        <p:nvSpPr>
-          <p:cNvPr id="4" name="正方形/長方形 3">
-            <a:extLst>
-              <a:ext uri="{FF2B5EF4-FFF2-40B4-BE49-F238E27FC236}">
-                <a16:creationId xmlns:a16="http://schemas.microsoft.com/office/drawing/2014/main" id="{805158CB-C805-6048-88C4-CADF3D4DD2E8}"/>
-              </a:ext>
-            </a:extLst>
-          </p:cNvPr>
-          <p:cNvSpPr/>
-          <p:nvPr/>
-        </p:nvSpPr>
-        <p:spPr>
-          <a:xfrm>
-            <a:off x="0" y="6815"/>
-            <a:ext cx="12801600" cy="473307"/>
-          </a:xfrm>
-          <a:prstGeom prst="rect">
-            <a:avLst/>
-          </a:prstGeom>
-          <a:solidFill>
-            <a:schemeClr val="accent5">
+            <a:schemeClr val="accent6">
               <a:lumMod val="20000"/>
               <a:lumOff val="80000"/>
             </a:schemeClr>
@@ -32679,27 +32614,121 @@
           <a:lstStyle/>
           <a:p>
             <a:r>
-              <a:rPr lang="ja-JP" altLang="en-US" sz="1800">
-                <a:solidFill>
-                  <a:schemeClr val="tx1"/>
-                </a:solidFill>
+              <a:rPr lang="en-US" altLang="ja-JP" sz="1400" b="1" dirty="0">
+                <a:solidFill>
+                  <a:schemeClr val="tx1"/>
+                </a:solidFill>
+                <a:latin typeface="+mj-ea"/>
+                <a:ea typeface="+mj-ea"/>
               </a:rPr>
-              <a:t>制御モデル</a:t>
+              <a:t>4.2</a:t>
             </a:r>
-            <a:endParaRPr lang="ja-JP" altLang="en-US">
-              <a:solidFill>
-                <a:schemeClr val="tx1"/>
-              </a:solidFill>
-            </a:endParaRPr>
+            <a:r>
+              <a:rPr lang="ja-JP" altLang="en-US" sz="1400" b="1">
+                <a:solidFill>
+                  <a:schemeClr val="tx1"/>
+                </a:solidFill>
+                <a:latin typeface="+mj-ea"/>
+                <a:ea typeface="+mj-ea"/>
+              </a:rPr>
+              <a:t>要素技術</a:t>
+            </a:r>
           </a:p>
         </p:txBody>
       </p:sp>
+      <p:pic>
+        <p:nvPicPr>
+          <p:cNvPr id="111" name="図 110">
+            <a:extLst>
+              <a:ext uri="{FF2B5EF4-FFF2-40B4-BE49-F238E27FC236}">
+                <a16:creationId xmlns:a16="http://schemas.microsoft.com/office/drawing/2014/main" id="{84218A16-F876-B745-96AA-F61E736F01AE}"/>
+              </a:ext>
+            </a:extLst>
+          </p:cNvPr>
+          <p:cNvPicPr>
+            <a:picLocks noChangeAspect="1"/>
+          </p:cNvPicPr>
+          <p:nvPr/>
+        </p:nvPicPr>
+        <p:blipFill>
+          <a:blip r:embed="rId2">
+            <a:extLst>
+              <a:ext uri="{28A0092B-C50C-407E-A947-70E740481C1C}">
+                <a14:useLocalDpi xmlns:a14="http://schemas.microsoft.com/office/drawing/2010/main" val="0"/>
+              </a:ext>
+            </a:extLst>
+          </a:blip>
+          <a:stretch>
+            <a:fillRect/>
+          </a:stretch>
+        </p:blipFill>
+        <p:spPr>
+          <a:xfrm>
+            <a:off x="89410" y="6429618"/>
+            <a:ext cx="1331280" cy="748845"/>
+          </a:xfrm>
+          <a:prstGeom prst="rect">
+            <a:avLst/>
+          </a:prstGeom>
+          <a:ln w="38100">
+            <a:solidFill>
+              <a:schemeClr val="tx1">
+                <a:lumMod val="50000"/>
+                <a:lumOff val="50000"/>
+              </a:schemeClr>
+            </a:solidFill>
+          </a:ln>
+        </p:spPr>
+      </p:pic>
+      <p:pic>
+        <p:nvPicPr>
+          <p:cNvPr id="5" name="図 4">
+            <a:extLst>
+              <a:ext uri="{FF2B5EF4-FFF2-40B4-BE49-F238E27FC236}">
+                <a16:creationId xmlns:a16="http://schemas.microsoft.com/office/drawing/2014/main" id="{9492AB5C-C5AC-094A-BD3E-B902B49E5F93}"/>
+              </a:ext>
+            </a:extLst>
+          </p:cNvPr>
+          <p:cNvPicPr>
+            <a:picLocks noChangeAspect="1"/>
+          </p:cNvPicPr>
+          <p:nvPr/>
+        </p:nvPicPr>
+        <p:blipFill rotWithShape="1">
+          <a:blip r:embed="rId6">
+            <a:extLst>
+              <a:ext uri="{28A0092B-C50C-407E-A947-70E740481C1C}">
+                <a14:useLocalDpi xmlns:a14="http://schemas.microsoft.com/office/drawing/2010/main" val="0"/>
+              </a:ext>
+            </a:extLst>
+          </a:blip>
+          <a:srcRect l="25617" t="52718" r="37582" b="3185"/>
+          <a:stretch/>
+        </p:blipFill>
+        <p:spPr>
+          <a:xfrm>
+            <a:off x="89410" y="7422847"/>
+            <a:ext cx="2762007" cy="1854254"/>
+          </a:xfrm>
+          <a:prstGeom prst="rect">
+            <a:avLst/>
+          </a:prstGeom>
+          <a:ln w="38100">
+            <a:solidFill>
+              <a:schemeClr val="tx1">
+                <a:lumMod val="50000"/>
+                <a:lumOff val="50000"/>
+              </a:schemeClr>
+            </a:solidFill>
+          </a:ln>
+        </p:spPr>
+      </p:pic>
       <p:sp>
         <p:nvSpPr>
-          <p:cNvPr id="5" name="角丸四角形 4">
+          <p:cNvPr id="118" name="正方形/長方形 117">
             <a:extLst>
               <a:ext uri="{FF2B5EF4-FFF2-40B4-BE49-F238E27FC236}">
-                <a16:creationId xmlns:a16="http://schemas.microsoft.com/office/drawing/2014/main" id="{8A1E88EF-EA92-FC41-8401-03792A6C0C6D}"/>
+                <a16:creationId xmlns:a16="http://schemas.microsoft.com/office/drawing/2014/main" id="{19600E8C-60EC-514C-AAAA-41CBAC4953CE}"/>
               </a:ext>
             </a:extLst>
           </p:cNvPr>
@@ -32708,13 +32737,1122 @@
         </p:nvSpPr>
         <p:spPr>
           <a:xfrm>
-            <a:off x="0" y="1535502"/>
-            <a:ext cx="6400800" cy="7945618"/>
+            <a:off x="46180" y="6056495"/>
+            <a:ext cx="1148415" cy="230969"/>
           </a:xfrm>
-          <a:prstGeom prst="roundRect">
-            <a:avLst>
-              <a:gd name="adj" fmla="val 6879"/>
-            </a:avLst>
+          <a:prstGeom prst="rect">
+            <a:avLst/>
+          </a:prstGeom>
+          <a:solidFill>
+            <a:schemeClr val="bg1">
+              <a:lumMod val="95000"/>
+            </a:schemeClr>
+          </a:solidFill>
+          <a:ln>
+            <a:noFill/>
+          </a:ln>
+        </p:spPr>
+        <p:style>
+          <a:lnRef idx="2">
+            <a:schemeClr val="accent1">
+              <a:shade val="50000"/>
+            </a:schemeClr>
+          </a:lnRef>
+          <a:fillRef idx="1">
+            <a:schemeClr val="accent1"/>
+          </a:fillRef>
+          <a:effectRef idx="0">
+            <a:schemeClr val="accent1"/>
+          </a:effectRef>
+          <a:fontRef idx="minor">
+            <a:schemeClr val="lt1"/>
+          </a:fontRef>
+        </p:style>
+        <p:txBody>
+          <a:bodyPr rtlCol="0" anchor="ctr"/>
+          <a:lstStyle/>
+          <a:p>
+            <a:r>
+              <a:rPr lang="ja-JP" altLang="en-US" sz="1400" b="1">
+                <a:solidFill>
+                  <a:schemeClr val="tx1"/>
+                </a:solidFill>
+                <a:latin typeface="+mj-ea"/>
+                <a:ea typeface="+mj-ea"/>
+              </a:rPr>
+              <a:t>■台形補正</a:t>
+            </a:r>
+          </a:p>
+        </p:txBody>
+      </p:sp>
+      <p:sp>
+        <p:nvSpPr>
+          <p:cNvPr id="120" name="正方形/長方形 119">
+            <a:extLst>
+              <a:ext uri="{FF2B5EF4-FFF2-40B4-BE49-F238E27FC236}">
+                <a16:creationId xmlns:a16="http://schemas.microsoft.com/office/drawing/2014/main" id="{6E3D4199-C635-EC4D-BE91-2190A1F4AA02}"/>
+              </a:ext>
+            </a:extLst>
+          </p:cNvPr>
+          <p:cNvSpPr/>
+          <p:nvPr/>
+        </p:nvSpPr>
+        <p:spPr>
+          <a:xfrm>
+            <a:off x="1537052" y="6026691"/>
+            <a:ext cx="1443093" cy="663219"/>
+          </a:xfrm>
+          <a:prstGeom prst="rect">
+            <a:avLst/>
+          </a:prstGeom>
+          <a:noFill/>
+          <a:ln>
+            <a:noFill/>
+          </a:ln>
+        </p:spPr>
+        <p:style>
+          <a:lnRef idx="2">
+            <a:schemeClr val="accent1">
+              <a:shade val="50000"/>
+            </a:schemeClr>
+          </a:lnRef>
+          <a:fillRef idx="1">
+            <a:schemeClr val="accent1"/>
+          </a:fillRef>
+          <a:effectRef idx="0">
+            <a:schemeClr val="accent1"/>
+          </a:effectRef>
+          <a:fontRef idx="minor">
+            <a:schemeClr val="lt1"/>
+          </a:fontRef>
+        </p:style>
+        <p:txBody>
+          <a:bodyPr rtlCol="0" anchor="t" anchorCtr="0"/>
+          <a:lstStyle/>
+          <a:p>
+            <a:r>
+              <a:rPr lang="ja-JP" altLang="en-US" sz="1100">
+                <a:solidFill>
+                  <a:schemeClr val="tx1"/>
+                </a:solidFill>
+                <a:latin typeface="+mn-ea"/>
+              </a:rPr>
+              <a:t>数字カード、ブロックサークルの領域をクリッピングしやすいように台形補正を行う。</a:t>
+            </a:r>
+          </a:p>
+        </p:txBody>
+      </p:sp>
+      <p:sp>
+        <p:nvSpPr>
+          <p:cNvPr id="13" name="円/楕円 12">
+            <a:extLst>
+              <a:ext uri="{FF2B5EF4-FFF2-40B4-BE49-F238E27FC236}">
+                <a16:creationId xmlns:a16="http://schemas.microsoft.com/office/drawing/2014/main" id="{477CD733-E1B1-9747-9479-419B43155D47}"/>
+              </a:ext>
+            </a:extLst>
+          </p:cNvPr>
+          <p:cNvSpPr/>
+          <p:nvPr/>
+        </p:nvSpPr>
+        <p:spPr>
+          <a:xfrm>
+            <a:off x="1136845" y="6883739"/>
+            <a:ext cx="136921" cy="136921"/>
+          </a:xfrm>
+          <a:prstGeom prst="ellipse">
+            <a:avLst/>
+          </a:prstGeom>
+          <a:solidFill>
+            <a:srgbClr val="FF0000"/>
+          </a:solidFill>
+          <a:ln>
+            <a:solidFill>
+              <a:schemeClr val="tx1">
+                <a:lumMod val="50000"/>
+                <a:lumOff val="50000"/>
+              </a:schemeClr>
+            </a:solidFill>
+          </a:ln>
+        </p:spPr>
+        <p:style>
+          <a:lnRef idx="2">
+            <a:schemeClr val="accent1">
+              <a:shade val="50000"/>
+            </a:schemeClr>
+          </a:lnRef>
+          <a:fillRef idx="1">
+            <a:schemeClr val="accent1"/>
+          </a:fillRef>
+          <a:effectRef idx="0">
+            <a:schemeClr val="accent1"/>
+          </a:effectRef>
+          <a:fontRef idx="minor">
+            <a:schemeClr val="lt1"/>
+          </a:fontRef>
+        </p:style>
+        <p:txBody>
+          <a:bodyPr rtlCol="0" anchor="ctr"/>
+          <a:lstStyle/>
+          <a:p>
+            <a:pPr algn="ctr"/>
+            <a:endParaRPr kumimoji="1" lang="ja-JP" altLang="en-US"/>
+          </a:p>
+        </p:txBody>
+      </p:sp>
+      <p:sp>
+        <p:nvSpPr>
+          <p:cNvPr id="133" name="円/楕円 132">
+            <a:extLst>
+              <a:ext uri="{FF2B5EF4-FFF2-40B4-BE49-F238E27FC236}">
+                <a16:creationId xmlns:a16="http://schemas.microsoft.com/office/drawing/2014/main" id="{2E9DD001-0C73-834A-B884-A8B9F97A7EC8}"/>
+              </a:ext>
+            </a:extLst>
+          </p:cNvPr>
+          <p:cNvSpPr/>
+          <p:nvPr/>
+        </p:nvSpPr>
+        <p:spPr>
+          <a:xfrm>
+            <a:off x="258465" y="6569434"/>
+            <a:ext cx="136921" cy="136921"/>
+          </a:xfrm>
+          <a:prstGeom prst="ellipse">
+            <a:avLst/>
+          </a:prstGeom>
+          <a:solidFill>
+            <a:srgbClr val="FF0000"/>
+          </a:solidFill>
+          <a:ln>
+            <a:solidFill>
+              <a:schemeClr val="tx1">
+                <a:lumMod val="50000"/>
+                <a:lumOff val="50000"/>
+              </a:schemeClr>
+            </a:solidFill>
+          </a:ln>
+        </p:spPr>
+        <p:style>
+          <a:lnRef idx="2">
+            <a:schemeClr val="accent1">
+              <a:shade val="50000"/>
+            </a:schemeClr>
+          </a:lnRef>
+          <a:fillRef idx="1">
+            <a:schemeClr val="accent1"/>
+          </a:fillRef>
+          <a:effectRef idx="0">
+            <a:schemeClr val="accent1"/>
+          </a:effectRef>
+          <a:fontRef idx="minor">
+            <a:schemeClr val="lt1"/>
+          </a:fontRef>
+        </p:style>
+        <p:txBody>
+          <a:bodyPr rtlCol="0" anchor="ctr"/>
+          <a:lstStyle/>
+          <a:p>
+            <a:pPr algn="ctr"/>
+            <a:endParaRPr kumimoji="1" lang="ja-JP" altLang="en-US"/>
+          </a:p>
+        </p:txBody>
+      </p:sp>
+      <p:sp>
+        <p:nvSpPr>
+          <p:cNvPr id="134" name="円/楕円 133">
+            <a:extLst>
+              <a:ext uri="{FF2B5EF4-FFF2-40B4-BE49-F238E27FC236}">
+                <a16:creationId xmlns:a16="http://schemas.microsoft.com/office/drawing/2014/main" id="{CB10E019-D87E-974F-839A-21B6649AC5E2}"/>
+              </a:ext>
+            </a:extLst>
+          </p:cNvPr>
+          <p:cNvSpPr/>
+          <p:nvPr/>
+        </p:nvSpPr>
+        <p:spPr>
+          <a:xfrm>
+            <a:off x="732769" y="6361156"/>
+            <a:ext cx="136921" cy="136921"/>
+          </a:xfrm>
+          <a:prstGeom prst="ellipse">
+            <a:avLst/>
+          </a:prstGeom>
+          <a:solidFill>
+            <a:srgbClr val="FF0000"/>
+          </a:solidFill>
+          <a:ln>
+            <a:solidFill>
+              <a:schemeClr val="tx1">
+                <a:lumMod val="50000"/>
+                <a:lumOff val="50000"/>
+              </a:schemeClr>
+            </a:solidFill>
+          </a:ln>
+        </p:spPr>
+        <p:style>
+          <a:lnRef idx="2">
+            <a:schemeClr val="accent1">
+              <a:shade val="50000"/>
+            </a:schemeClr>
+          </a:lnRef>
+          <a:fillRef idx="1">
+            <a:schemeClr val="accent1"/>
+          </a:fillRef>
+          <a:effectRef idx="0">
+            <a:schemeClr val="accent1"/>
+          </a:effectRef>
+          <a:fontRef idx="minor">
+            <a:schemeClr val="lt1"/>
+          </a:fontRef>
+        </p:style>
+        <p:txBody>
+          <a:bodyPr rtlCol="0" anchor="ctr"/>
+          <a:lstStyle/>
+          <a:p>
+            <a:pPr algn="ctr"/>
+            <a:endParaRPr kumimoji="1" lang="ja-JP" altLang="en-US"/>
+          </a:p>
+        </p:txBody>
+      </p:sp>
+      <p:sp>
+        <p:nvSpPr>
+          <p:cNvPr id="135" name="円/楕円 134">
+            <a:extLst>
+              <a:ext uri="{FF2B5EF4-FFF2-40B4-BE49-F238E27FC236}">
+                <a16:creationId xmlns:a16="http://schemas.microsoft.com/office/drawing/2014/main" id="{71B407BD-C30A-544B-8935-2E41CACD3E18}"/>
+              </a:ext>
+            </a:extLst>
+          </p:cNvPr>
+          <p:cNvSpPr/>
+          <p:nvPr/>
+        </p:nvSpPr>
+        <p:spPr>
+          <a:xfrm>
+            <a:off x="1267557" y="6496930"/>
+            <a:ext cx="136921" cy="136921"/>
+          </a:xfrm>
+          <a:prstGeom prst="ellipse">
+            <a:avLst/>
+          </a:prstGeom>
+          <a:solidFill>
+            <a:srgbClr val="FF0000"/>
+          </a:solidFill>
+          <a:ln>
+            <a:solidFill>
+              <a:schemeClr val="tx1">
+                <a:lumMod val="50000"/>
+                <a:lumOff val="50000"/>
+              </a:schemeClr>
+            </a:solidFill>
+          </a:ln>
+        </p:spPr>
+        <p:style>
+          <a:lnRef idx="2">
+            <a:schemeClr val="accent1">
+              <a:shade val="50000"/>
+            </a:schemeClr>
+          </a:lnRef>
+          <a:fillRef idx="1">
+            <a:schemeClr val="accent1"/>
+          </a:fillRef>
+          <a:effectRef idx="0">
+            <a:schemeClr val="accent1"/>
+          </a:effectRef>
+          <a:fontRef idx="minor">
+            <a:schemeClr val="lt1"/>
+          </a:fontRef>
+        </p:style>
+        <p:txBody>
+          <a:bodyPr rtlCol="0" anchor="ctr"/>
+          <a:lstStyle/>
+          <a:p>
+            <a:pPr algn="ctr"/>
+            <a:endParaRPr kumimoji="1" lang="ja-JP" altLang="en-US"/>
+          </a:p>
+        </p:txBody>
+      </p:sp>
+      <p:sp>
+        <p:nvSpPr>
+          <p:cNvPr id="136" name="円/楕円 135">
+            <a:extLst>
+              <a:ext uri="{FF2B5EF4-FFF2-40B4-BE49-F238E27FC236}">
+                <a16:creationId xmlns:a16="http://schemas.microsoft.com/office/drawing/2014/main" id="{EB7F251B-3E3B-A64E-974F-35708D55EAF8}"/>
+              </a:ext>
+            </a:extLst>
+          </p:cNvPr>
+          <p:cNvSpPr/>
+          <p:nvPr/>
+        </p:nvSpPr>
+        <p:spPr>
+          <a:xfrm>
+            <a:off x="808550" y="9032427"/>
+            <a:ext cx="136921" cy="136921"/>
+          </a:xfrm>
+          <a:prstGeom prst="ellipse">
+            <a:avLst/>
+          </a:prstGeom>
+          <a:solidFill>
+            <a:srgbClr val="FF0000"/>
+          </a:solidFill>
+          <a:ln>
+            <a:solidFill>
+              <a:schemeClr val="tx1">
+                <a:lumMod val="50000"/>
+                <a:lumOff val="50000"/>
+              </a:schemeClr>
+            </a:solidFill>
+          </a:ln>
+        </p:spPr>
+        <p:style>
+          <a:lnRef idx="2">
+            <a:schemeClr val="accent1">
+              <a:shade val="50000"/>
+            </a:schemeClr>
+          </a:lnRef>
+          <a:fillRef idx="1">
+            <a:schemeClr val="accent1"/>
+          </a:fillRef>
+          <a:effectRef idx="0">
+            <a:schemeClr val="accent1"/>
+          </a:effectRef>
+          <a:fontRef idx="minor">
+            <a:schemeClr val="lt1"/>
+          </a:fontRef>
+        </p:style>
+        <p:txBody>
+          <a:bodyPr rtlCol="0" anchor="ctr"/>
+          <a:lstStyle/>
+          <a:p>
+            <a:pPr algn="ctr"/>
+            <a:endParaRPr kumimoji="1" lang="ja-JP" altLang="en-US"/>
+          </a:p>
+        </p:txBody>
+      </p:sp>
+      <p:cxnSp>
+        <p:nvCxnSpPr>
+          <p:cNvPr id="25" name="直線矢印コネクタ 24">
+            <a:extLst>
+              <a:ext uri="{FF2B5EF4-FFF2-40B4-BE49-F238E27FC236}">
+                <a16:creationId xmlns:a16="http://schemas.microsoft.com/office/drawing/2014/main" id="{AA889374-17E6-A84E-8689-0C31F9358B0C}"/>
+              </a:ext>
+            </a:extLst>
+          </p:cNvPr>
+          <p:cNvCxnSpPr>
+            <a:stCxn id="13" idx="5"/>
+            <a:endCxn id="136" idx="2"/>
+          </p:cNvCxnSpPr>
+          <p:nvPr/>
+        </p:nvCxnSpPr>
+        <p:spPr>
+          <a:xfrm flipH="1">
+            <a:off x="808550" y="7000608"/>
+            <a:ext cx="445164" cy="2100280"/>
+          </a:xfrm>
+          <a:prstGeom prst="straightConnector1">
+            <a:avLst/>
+          </a:prstGeom>
+          <a:ln w="19050">
+            <a:solidFill>
+              <a:srgbClr val="FF0000"/>
+            </a:solidFill>
+            <a:tailEnd type="triangle"/>
+          </a:ln>
+        </p:spPr>
+        <p:style>
+          <a:lnRef idx="1">
+            <a:schemeClr val="accent1"/>
+          </a:lnRef>
+          <a:fillRef idx="0">
+            <a:schemeClr val="accent1"/>
+          </a:fillRef>
+          <a:effectRef idx="0">
+            <a:schemeClr val="accent1"/>
+          </a:effectRef>
+          <a:fontRef idx="minor">
+            <a:schemeClr val="tx1"/>
+          </a:fontRef>
+        </p:style>
+      </p:cxnSp>
+      <p:sp>
+        <p:nvSpPr>
+          <p:cNvPr id="137" name="円/楕円 136">
+            <a:extLst>
+              <a:ext uri="{FF2B5EF4-FFF2-40B4-BE49-F238E27FC236}">
+                <a16:creationId xmlns:a16="http://schemas.microsoft.com/office/drawing/2014/main" id="{B99B968A-8062-8643-B752-E3A0CF8B424B}"/>
+              </a:ext>
+            </a:extLst>
+          </p:cNvPr>
+          <p:cNvSpPr/>
+          <p:nvPr/>
+        </p:nvSpPr>
+        <p:spPr>
+          <a:xfrm>
+            <a:off x="2426624" y="9032427"/>
+            <a:ext cx="136921" cy="136921"/>
+          </a:xfrm>
+          <a:prstGeom prst="ellipse">
+            <a:avLst/>
+          </a:prstGeom>
+          <a:solidFill>
+            <a:srgbClr val="FF0000"/>
+          </a:solidFill>
+          <a:ln>
+            <a:solidFill>
+              <a:schemeClr val="tx1">
+                <a:lumMod val="50000"/>
+                <a:lumOff val="50000"/>
+              </a:schemeClr>
+            </a:solidFill>
+          </a:ln>
+        </p:spPr>
+        <p:style>
+          <a:lnRef idx="2">
+            <a:schemeClr val="accent1">
+              <a:shade val="50000"/>
+            </a:schemeClr>
+          </a:lnRef>
+          <a:fillRef idx="1">
+            <a:schemeClr val="accent1"/>
+          </a:fillRef>
+          <a:effectRef idx="0">
+            <a:schemeClr val="accent1"/>
+          </a:effectRef>
+          <a:fontRef idx="minor">
+            <a:schemeClr val="lt1"/>
+          </a:fontRef>
+        </p:style>
+        <p:txBody>
+          <a:bodyPr rtlCol="0" anchor="ctr"/>
+          <a:lstStyle/>
+          <a:p>
+            <a:pPr algn="ctr"/>
+            <a:endParaRPr kumimoji="1" lang="ja-JP" altLang="en-US"/>
+          </a:p>
+        </p:txBody>
+      </p:sp>
+      <p:cxnSp>
+        <p:nvCxnSpPr>
+          <p:cNvPr id="138" name="直線矢印コネクタ 137">
+            <a:extLst>
+              <a:ext uri="{FF2B5EF4-FFF2-40B4-BE49-F238E27FC236}">
+                <a16:creationId xmlns:a16="http://schemas.microsoft.com/office/drawing/2014/main" id="{76339928-BD94-B649-BA7E-9189E64CECA4}"/>
+              </a:ext>
+            </a:extLst>
+          </p:cNvPr>
+          <p:cNvCxnSpPr>
+            <a:cxnSpLocks/>
+            <a:stCxn id="135" idx="5"/>
+            <a:endCxn id="137" idx="1"/>
+          </p:cNvCxnSpPr>
+          <p:nvPr/>
+        </p:nvCxnSpPr>
+        <p:spPr>
+          <a:xfrm>
+            <a:off x="1384426" y="6613799"/>
+            <a:ext cx="1062250" cy="2438680"/>
+          </a:xfrm>
+          <a:prstGeom prst="straightConnector1">
+            <a:avLst/>
+          </a:prstGeom>
+          <a:ln w="19050">
+            <a:solidFill>
+              <a:srgbClr val="FF0000"/>
+            </a:solidFill>
+            <a:tailEnd type="triangle"/>
+          </a:ln>
+        </p:spPr>
+        <p:style>
+          <a:lnRef idx="1">
+            <a:schemeClr val="accent1"/>
+          </a:lnRef>
+          <a:fillRef idx="0">
+            <a:schemeClr val="accent1"/>
+          </a:fillRef>
+          <a:effectRef idx="0">
+            <a:schemeClr val="accent1"/>
+          </a:effectRef>
+          <a:fontRef idx="minor">
+            <a:schemeClr val="tx1"/>
+          </a:fontRef>
+        </p:style>
+      </p:cxnSp>
+      <p:cxnSp>
+        <p:nvCxnSpPr>
+          <p:cNvPr id="139" name="直線矢印コネクタ 138">
+            <a:extLst>
+              <a:ext uri="{FF2B5EF4-FFF2-40B4-BE49-F238E27FC236}">
+                <a16:creationId xmlns:a16="http://schemas.microsoft.com/office/drawing/2014/main" id="{F7DB4193-619E-E048-A198-986BB40831FF}"/>
+              </a:ext>
+            </a:extLst>
+          </p:cNvPr>
+          <p:cNvCxnSpPr>
+            <a:cxnSpLocks/>
+            <a:stCxn id="134" idx="6"/>
+            <a:endCxn id="140" idx="1"/>
+          </p:cNvCxnSpPr>
+          <p:nvPr/>
+        </p:nvCxnSpPr>
+        <p:spPr>
+          <a:xfrm>
+            <a:off x="869690" y="6429617"/>
+            <a:ext cx="1561693" cy="1249421"/>
+          </a:xfrm>
+          <a:prstGeom prst="straightConnector1">
+            <a:avLst/>
+          </a:prstGeom>
+          <a:ln w="19050">
+            <a:solidFill>
+              <a:srgbClr val="FF0000"/>
+            </a:solidFill>
+            <a:tailEnd type="triangle"/>
+          </a:ln>
+        </p:spPr>
+        <p:style>
+          <a:lnRef idx="1">
+            <a:schemeClr val="accent1"/>
+          </a:lnRef>
+          <a:fillRef idx="0">
+            <a:schemeClr val="accent1"/>
+          </a:fillRef>
+          <a:effectRef idx="0">
+            <a:schemeClr val="accent1"/>
+          </a:effectRef>
+          <a:fontRef idx="minor">
+            <a:schemeClr val="tx1"/>
+          </a:fontRef>
+        </p:style>
+      </p:cxnSp>
+      <p:sp>
+        <p:nvSpPr>
+          <p:cNvPr id="140" name="円/楕円 139">
+            <a:extLst>
+              <a:ext uri="{FF2B5EF4-FFF2-40B4-BE49-F238E27FC236}">
+                <a16:creationId xmlns:a16="http://schemas.microsoft.com/office/drawing/2014/main" id="{371E3531-5DF5-9C44-979B-BDA42461EC91}"/>
+              </a:ext>
+            </a:extLst>
+          </p:cNvPr>
+          <p:cNvSpPr/>
+          <p:nvPr/>
+        </p:nvSpPr>
+        <p:spPr>
+          <a:xfrm>
+            <a:off x="2411331" y="7658986"/>
+            <a:ext cx="136921" cy="136921"/>
+          </a:xfrm>
+          <a:prstGeom prst="ellipse">
+            <a:avLst/>
+          </a:prstGeom>
+          <a:solidFill>
+            <a:srgbClr val="FF0000"/>
+          </a:solidFill>
+          <a:ln>
+            <a:solidFill>
+              <a:schemeClr val="tx1">
+                <a:lumMod val="50000"/>
+                <a:lumOff val="50000"/>
+              </a:schemeClr>
+            </a:solidFill>
+          </a:ln>
+        </p:spPr>
+        <p:style>
+          <a:lnRef idx="2">
+            <a:schemeClr val="accent1">
+              <a:shade val="50000"/>
+            </a:schemeClr>
+          </a:lnRef>
+          <a:fillRef idx="1">
+            <a:schemeClr val="accent1"/>
+          </a:fillRef>
+          <a:effectRef idx="0">
+            <a:schemeClr val="accent1"/>
+          </a:effectRef>
+          <a:fontRef idx="minor">
+            <a:schemeClr val="lt1"/>
+          </a:fontRef>
+        </p:style>
+        <p:txBody>
+          <a:bodyPr rtlCol="0" anchor="ctr"/>
+          <a:lstStyle/>
+          <a:p>
+            <a:pPr algn="ctr"/>
+            <a:endParaRPr kumimoji="1" lang="ja-JP" altLang="en-US"/>
+          </a:p>
+        </p:txBody>
+      </p:sp>
+      <p:sp>
+        <p:nvSpPr>
+          <p:cNvPr id="141" name="円/楕円 140">
+            <a:extLst>
+              <a:ext uri="{FF2B5EF4-FFF2-40B4-BE49-F238E27FC236}">
+                <a16:creationId xmlns:a16="http://schemas.microsoft.com/office/drawing/2014/main" id="{33F4376E-DC28-5B44-8B33-EE40AE87099F}"/>
+              </a:ext>
+            </a:extLst>
+          </p:cNvPr>
+          <p:cNvSpPr/>
+          <p:nvPr/>
+        </p:nvSpPr>
+        <p:spPr>
+          <a:xfrm>
+            <a:off x="780688" y="7597345"/>
+            <a:ext cx="136921" cy="136921"/>
+          </a:xfrm>
+          <a:prstGeom prst="ellipse">
+            <a:avLst/>
+          </a:prstGeom>
+          <a:solidFill>
+            <a:srgbClr val="FF0000"/>
+          </a:solidFill>
+          <a:ln>
+            <a:solidFill>
+              <a:schemeClr val="tx1">
+                <a:lumMod val="50000"/>
+                <a:lumOff val="50000"/>
+              </a:schemeClr>
+            </a:solidFill>
+          </a:ln>
+        </p:spPr>
+        <p:style>
+          <a:lnRef idx="2">
+            <a:schemeClr val="accent1">
+              <a:shade val="50000"/>
+            </a:schemeClr>
+          </a:lnRef>
+          <a:fillRef idx="1">
+            <a:schemeClr val="accent1"/>
+          </a:fillRef>
+          <a:effectRef idx="0">
+            <a:schemeClr val="accent1"/>
+          </a:effectRef>
+          <a:fontRef idx="minor">
+            <a:schemeClr val="lt1"/>
+          </a:fontRef>
+        </p:style>
+        <p:txBody>
+          <a:bodyPr rtlCol="0" anchor="ctr"/>
+          <a:lstStyle/>
+          <a:p>
+            <a:pPr algn="ctr"/>
+            <a:endParaRPr kumimoji="1" lang="ja-JP" altLang="en-US"/>
+          </a:p>
+        </p:txBody>
+      </p:sp>
+      <p:cxnSp>
+        <p:nvCxnSpPr>
+          <p:cNvPr id="142" name="直線矢印コネクタ 141">
+            <a:extLst>
+              <a:ext uri="{FF2B5EF4-FFF2-40B4-BE49-F238E27FC236}">
+                <a16:creationId xmlns:a16="http://schemas.microsoft.com/office/drawing/2014/main" id="{4F1E617C-7059-1044-BCE5-5E26C4BEA3E1}"/>
+              </a:ext>
+            </a:extLst>
+          </p:cNvPr>
+          <p:cNvCxnSpPr>
+            <a:cxnSpLocks/>
+            <a:stCxn id="133" idx="6"/>
+            <a:endCxn id="141" idx="2"/>
+          </p:cNvCxnSpPr>
+          <p:nvPr/>
+        </p:nvCxnSpPr>
+        <p:spPr>
+          <a:xfrm>
+            <a:off x="395386" y="6637895"/>
+            <a:ext cx="385302" cy="1027911"/>
+          </a:xfrm>
+          <a:prstGeom prst="straightConnector1">
+            <a:avLst/>
+          </a:prstGeom>
+          <a:ln w="19050">
+            <a:solidFill>
+              <a:srgbClr val="FF0000"/>
+            </a:solidFill>
+            <a:tailEnd type="triangle"/>
+          </a:ln>
+        </p:spPr>
+        <p:style>
+          <a:lnRef idx="1">
+            <a:schemeClr val="accent1"/>
+          </a:lnRef>
+          <a:fillRef idx="0">
+            <a:schemeClr val="accent1"/>
+          </a:fillRef>
+          <a:effectRef idx="0">
+            <a:schemeClr val="accent1"/>
+          </a:effectRef>
+          <a:fontRef idx="minor">
+            <a:schemeClr val="tx1"/>
+          </a:fontRef>
+        </p:style>
+      </p:cxnSp>
+      <p:sp>
+        <p:nvSpPr>
+          <p:cNvPr id="143" name="正方形/長方形 142">
+            <a:extLst>
+              <a:ext uri="{FF2B5EF4-FFF2-40B4-BE49-F238E27FC236}">
+                <a16:creationId xmlns:a16="http://schemas.microsoft.com/office/drawing/2014/main" id="{7C563531-42D4-3543-853E-9F00A8E1033A}"/>
+              </a:ext>
+            </a:extLst>
+          </p:cNvPr>
+          <p:cNvSpPr/>
+          <p:nvPr/>
+        </p:nvSpPr>
+        <p:spPr>
+          <a:xfrm>
+            <a:off x="3014770" y="6073735"/>
+            <a:ext cx="1572622" cy="140965"/>
+          </a:xfrm>
+          <a:prstGeom prst="rect">
+            <a:avLst/>
+          </a:prstGeom>
+          <a:solidFill>
+            <a:schemeClr val="bg1">
+              <a:lumMod val="95000"/>
+            </a:schemeClr>
+          </a:solidFill>
+          <a:ln>
+            <a:noFill/>
+          </a:ln>
+        </p:spPr>
+        <p:style>
+          <a:lnRef idx="2">
+            <a:schemeClr val="accent1">
+              <a:shade val="50000"/>
+            </a:schemeClr>
+          </a:lnRef>
+          <a:fillRef idx="1">
+            <a:schemeClr val="accent1"/>
+          </a:fillRef>
+          <a:effectRef idx="0">
+            <a:schemeClr val="accent1"/>
+          </a:effectRef>
+          <a:fontRef idx="minor">
+            <a:schemeClr val="lt1"/>
+          </a:fontRef>
+        </p:style>
+        <p:txBody>
+          <a:bodyPr rtlCol="0" anchor="ctr"/>
+          <a:lstStyle/>
+          <a:p>
+            <a:r>
+              <a:rPr lang="ja-JP" altLang="en-US" sz="1400" b="1">
+                <a:solidFill>
+                  <a:schemeClr val="tx1"/>
+                </a:solidFill>
+                <a:latin typeface="+mj-ea"/>
+                <a:ea typeface="+mj-ea"/>
+              </a:rPr>
+              <a:t>■クリッピング</a:t>
+            </a:r>
+          </a:p>
+        </p:txBody>
+      </p:sp>
+      <p:sp>
+        <p:nvSpPr>
+          <p:cNvPr id="145" name="正方形/長方形 144">
+            <a:extLst>
+              <a:ext uri="{FF2B5EF4-FFF2-40B4-BE49-F238E27FC236}">
+                <a16:creationId xmlns:a16="http://schemas.microsoft.com/office/drawing/2014/main" id="{25554F52-5419-C94C-88B2-C5468F75643F}"/>
+              </a:ext>
+            </a:extLst>
+          </p:cNvPr>
+          <p:cNvSpPr/>
+          <p:nvPr/>
+        </p:nvSpPr>
+        <p:spPr>
+          <a:xfrm>
+            <a:off x="3065496" y="6227825"/>
+            <a:ext cx="2160972" cy="251972"/>
+          </a:xfrm>
+          <a:prstGeom prst="rect">
+            <a:avLst/>
+          </a:prstGeom>
+          <a:noFill/>
+          <a:ln>
+            <a:noFill/>
+          </a:ln>
+        </p:spPr>
+        <p:style>
+          <a:lnRef idx="2">
+            <a:schemeClr val="accent1">
+              <a:shade val="50000"/>
+            </a:schemeClr>
+          </a:lnRef>
+          <a:fillRef idx="1">
+            <a:schemeClr val="accent1"/>
+          </a:fillRef>
+          <a:effectRef idx="0">
+            <a:schemeClr val="accent1"/>
+          </a:effectRef>
+          <a:fontRef idx="minor">
+            <a:schemeClr val="lt1"/>
+          </a:fontRef>
+        </p:style>
+        <p:txBody>
+          <a:bodyPr rtlCol="0" anchor="t" anchorCtr="0"/>
+          <a:lstStyle/>
+          <a:p>
+            <a:r>
+              <a:rPr lang="ja-JP" altLang="en-US" sz="1100">
+                <a:solidFill>
+                  <a:schemeClr val="tx1"/>
+                </a:solidFill>
+                <a:latin typeface="+mn-ea"/>
+              </a:rPr>
+              <a:t>領域毎にクリッピングを行う。</a:t>
+            </a:r>
+          </a:p>
+        </p:txBody>
+      </p:sp>
+      <p:grpSp>
+        <p:nvGrpSpPr>
+          <p:cNvPr id="37" name="グループ化 36">
+            <a:extLst>
+              <a:ext uri="{FF2B5EF4-FFF2-40B4-BE49-F238E27FC236}">
+                <a16:creationId xmlns:a16="http://schemas.microsoft.com/office/drawing/2014/main" id="{D6091228-F2F2-5846-96CE-8E80B41E5252}"/>
+              </a:ext>
+            </a:extLst>
+          </p:cNvPr>
+          <p:cNvGrpSpPr/>
+          <p:nvPr/>
+        </p:nvGrpSpPr>
+        <p:grpSpPr>
+          <a:xfrm>
+            <a:off x="3137175" y="6594095"/>
+            <a:ext cx="1841155" cy="594363"/>
+            <a:chOff x="3091269" y="7542886"/>
+            <a:chExt cx="2832795" cy="914485"/>
+          </a:xfrm>
+        </p:grpSpPr>
+        <p:pic>
+          <p:nvPicPr>
+            <p:cNvPr id="144" name="図 143">
+              <a:extLst>
+                <a:ext uri="{FF2B5EF4-FFF2-40B4-BE49-F238E27FC236}">
+                  <a16:creationId xmlns:a16="http://schemas.microsoft.com/office/drawing/2014/main" id="{D2CA2CD0-6731-0A4E-849E-791E0C28B082}"/>
+                </a:ext>
+              </a:extLst>
+            </p:cNvPr>
+            <p:cNvPicPr>
+              <a:picLocks noChangeAspect="1"/>
+            </p:cNvPicPr>
+            <p:nvPr/>
+          </p:nvPicPr>
+          <p:blipFill rotWithShape="1">
+            <a:blip r:embed="rId6">
+              <a:extLst>
+                <a:ext uri="{28A0092B-C50C-407E-A947-70E740481C1C}">
+                  <a14:useLocalDpi xmlns:a14="http://schemas.microsoft.com/office/drawing/2010/main" val="0"/>
+                </a:ext>
+              </a:extLst>
+            </a:blip>
+            <a:srcRect l="26004" t="61724" r="67681" b="24354"/>
+            <a:stretch/>
+          </p:blipFill>
+          <p:spPr>
+            <a:xfrm>
+              <a:off x="3091269" y="7542886"/>
+              <a:ext cx="887327" cy="899040"/>
+            </a:xfrm>
+            <a:prstGeom prst="rect">
+              <a:avLst/>
+            </a:prstGeom>
+            <a:ln w="19050">
+              <a:solidFill>
+                <a:schemeClr val="accent1"/>
+              </a:solidFill>
+            </a:ln>
+          </p:spPr>
+        </p:pic>
+        <p:pic>
+          <p:nvPicPr>
+            <p:cNvPr id="147" name="図 146">
+              <a:extLst>
+                <a:ext uri="{FF2B5EF4-FFF2-40B4-BE49-F238E27FC236}">
+                  <a16:creationId xmlns:a16="http://schemas.microsoft.com/office/drawing/2014/main" id="{FA04CC0D-9B70-4B4D-A598-2210D915EF4D}"/>
+                </a:ext>
+              </a:extLst>
+            </p:cNvPr>
+            <p:cNvPicPr>
+              <a:picLocks noChangeAspect="1"/>
+            </p:cNvPicPr>
+            <p:nvPr/>
+          </p:nvPicPr>
+          <p:blipFill rotWithShape="1">
+            <a:blip r:embed="rId6">
+              <a:extLst>
+                <a:ext uri="{28A0092B-C50C-407E-A947-70E740481C1C}">
+                  <a14:useLocalDpi xmlns:a14="http://schemas.microsoft.com/office/drawing/2010/main" val="0"/>
+                </a:ext>
+              </a:extLst>
+            </a:blip>
+            <a:srcRect l="36273" t="58823" r="57158" b="31105"/>
+            <a:stretch/>
+          </p:blipFill>
+          <p:spPr>
+            <a:xfrm>
+              <a:off x="4057577" y="7542886"/>
+              <a:ext cx="900773" cy="880753"/>
+            </a:xfrm>
+            <a:prstGeom prst="rect">
+              <a:avLst/>
+            </a:prstGeom>
+            <a:ln w="19050">
+              <a:solidFill>
+                <a:schemeClr val="accent1"/>
+              </a:solidFill>
+            </a:ln>
+          </p:spPr>
+        </p:pic>
+        <p:pic>
+          <p:nvPicPr>
+            <p:cNvPr id="149" name="図 148">
+              <a:extLst>
+                <a:ext uri="{FF2B5EF4-FFF2-40B4-BE49-F238E27FC236}">
+                  <a16:creationId xmlns:a16="http://schemas.microsoft.com/office/drawing/2014/main" id="{B44A0FAD-BC66-E943-9061-92AFCAA8CB03}"/>
+                </a:ext>
+              </a:extLst>
+            </p:cNvPr>
+            <p:cNvPicPr>
+              <a:picLocks noChangeAspect="1"/>
+            </p:cNvPicPr>
+            <p:nvPr/>
+          </p:nvPicPr>
+          <p:blipFill rotWithShape="1">
+            <a:blip r:embed="rId6">
+              <a:extLst>
+                <a:ext uri="{28A0092B-C50C-407E-A947-70E740481C1C}">
+                  <a14:useLocalDpi xmlns:a14="http://schemas.microsoft.com/office/drawing/2010/main" val="0"/>
+                </a:ext>
+              </a:extLst>
+            </a:blip>
+            <a:srcRect l="33421" t="53461" r="60779" b="37802"/>
+            <a:stretch/>
+          </p:blipFill>
+          <p:spPr>
+            <a:xfrm>
+              <a:off x="5037331" y="7542886"/>
+              <a:ext cx="886733" cy="914485"/>
+            </a:xfrm>
+            <a:prstGeom prst="rect">
+              <a:avLst/>
+            </a:prstGeom>
+            <a:ln w="19050">
+              <a:solidFill>
+                <a:schemeClr val="accent1"/>
+              </a:solidFill>
+            </a:ln>
+          </p:spPr>
+        </p:pic>
+      </p:grpSp>
+      <p:sp>
+        <p:nvSpPr>
+          <p:cNvPr id="153" name="正方形/長方形 152">
+            <a:extLst>
+              <a:ext uri="{FF2B5EF4-FFF2-40B4-BE49-F238E27FC236}">
+                <a16:creationId xmlns:a16="http://schemas.microsoft.com/office/drawing/2014/main" id="{1E2CE632-184E-4C42-BF8D-929F42D8A66D}"/>
+              </a:ext>
+            </a:extLst>
+          </p:cNvPr>
+          <p:cNvSpPr/>
+          <p:nvPr/>
+        </p:nvSpPr>
+        <p:spPr>
+          <a:xfrm>
+            <a:off x="4093552" y="7651850"/>
+            <a:ext cx="2138277" cy="986625"/>
+          </a:xfrm>
+          <a:prstGeom prst="rect">
+            <a:avLst/>
+          </a:prstGeom>
+          <a:noFill/>
+          <a:ln>
+            <a:noFill/>
+          </a:ln>
+        </p:spPr>
+        <p:style>
+          <a:lnRef idx="2">
+            <a:schemeClr val="accent1">
+              <a:shade val="50000"/>
+            </a:schemeClr>
+          </a:lnRef>
+          <a:fillRef idx="1">
+            <a:schemeClr val="accent1"/>
+          </a:fillRef>
+          <a:effectRef idx="0">
+            <a:schemeClr val="accent1"/>
+          </a:effectRef>
+          <a:fontRef idx="minor">
+            <a:schemeClr val="lt1"/>
+          </a:fontRef>
+        </p:style>
+        <p:txBody>
+          <a:bodyPr rtlCol="0" anchor="t" anchorCtr="0"/>
+          <a:lstStyle/>
+          <a:p>
+            <a:r>
+              <a:rPr lang="ja-JP" altLang="en-US" sz="1100">
+                <a:solidFill>
+                  <a:schemeClr val="tx1"/>
+                </a:solidFill>
+                <a:latin typeface="+mn-ea"/>
+              </a:rPr>
+              <a:t>数字画像は、クリッピング後は</a:t>
+            </a:r>
+            <a:r>
+              <a:rPr lang="en-US" altLang="ja-JP" sz="1100" dirty="0">
+                <a:solidFill>
+                  <a:schemeClr val="tx1"/>
+                </a:solidFill>
+                <a:latin typeface="+mn-ea"/>
+              </a:rPr>
+              <a:t>CNN</a:t>
+            </a:r>
+            <a:r>
+              <a:rPr lang="ja-JP" altLang="en-US" sz="1100">
+                <a:solidFill>
+                  <a:schemeClr val="tx1"/>
+                </a:solidFill>
+                <a:latin typeface="+mn-ea"/>
+              </a:rPr>
+              <a:t>の入力に合わせて</a:t>
+            </a:r>
+            <a:r>
+              <a:rPr lang="en-US" altLang="ja-JP" sz="1100" dirty="0">
+                <a:solidFill>
+                  <a:schemeClr val="tx1"/>
+                </a:solidFill>
+                <a:latin typeface="+mn-ea"/>
+              </a:rPr>
+              <a:t>28x28</a:t>
+            </a:r>
+            <a:r>
+              <a:rPr lang="ja-JP" altLang="en-US" sz="1100">
+                <a:solidFill>
+                  <a:schemeClr val="tx1"/>
+                </a:solidFill>
+                <a:latin typeface="+mn-ea"/>
+              </a:rPr>
+              <a:t>の大きさにリサイズを行い、グレースケールに変換、正規化を行う。</a:t>
+            </a:r>
+          </a:p>
+        </p:txBody>
+      </p:sp>
+      <p:sp>
+        <p:nvSpPr>
+          <p:cNvPr id="42" name="正方形/長方形 41">
+            <a:extLst>
+              <a:ext uri="{FF2B5EF4-FFF2-40B4-BE49-F238E27FC236}">
+                <a16:creationId xmlns:a16="http://schemas.microsoft.com/office/drawing/2014/main" id="{A830D486-170B-7B4B-9AA8-45A505AD0FA1}"/>
+              </a:ext>
+            </a:extLst>
+          </p:cNvPr>
+          <p:cNvSpPr/>
+          <p:nvPr/>
+        </p:nvSpPr>
+        <p:spPr>
+          <a:xfrm>
+            <a:off x="89410" y="7734266"/>
+            <a:ext cx="555483" cy="703449"/>
+          </a:xfrm>
+          <a:prstGeom prst="rect">
+            <a:avLst/>
           </a:prstGeom>
           <a:noFill/>
           <a:ln w="38100">
@@ -32741,275 +33879,20 @@
           </a:fontRef>
         </p:style>
         <p:txBody>
-          <a:bodyPr rtlCol="0" anchor="t" anchorCtr="0"/>
+          <a:bodyPr rtlCol="0" anchor="ctr"/>
           <a:lstStyle/>
           <a:p>
-            <a:r>
-              <a:rPr lang="ja-JP" altLang="en-US">
-                <a:solidFill>
-                  <a:schemeClr val="tx1"/>
-                </a:solidFill>
-              </a:rPr>
-              <a:t>制御技術①</a:t>
-            </a:r>
-            <a:endParaRPr lang="en-US" altLang="ja-JP" dirty="0">
-              <a:solidFill>
-                <a:schemeClr val="tx1"/>
-              </a:solidFill>
-            </a:endParaRPr>
-          </a:p>
-          <a:p>
-            <a:r>
-              <a:rPr lang="ja-JP" altLang="en-US">
-                <a:solidFill>
-                  <a:schemeClr val="tx1"/>
-                </a:solidFill>
-              </a:rPr>
-              <a:t>①</a:t>
-            </a:r>
-            <a:r>
-              <a:rPr lang="en-US" altLang="ja-JP" dirty="0">
-                <a:solidFill>
-                  <a:schemeClr val="tx1"/>
-                </a:solidFill>
-              </a:rPr>
-              <a:t>-1. </a:t>
-            </a:r>
-            <a:r>
-              <a:rPr lang="ja-JP" altLang="en-US">
-                <a:solidFill>
-                  <a:schemeClr val="tx1"/>
-                </a:solidFill>
-              </a:rPr>
-              <a:t>制御戦略</a:t>
-            </a:r>
-            <a:endParaRPr lang="en-US" altLang="ja-JP" dirty="0">
-              <a:solidFill>
-                <a:schemeClr val="tx1"/>
-              </a:solidFill>
-            </a:endParaRPr>
-          </a:p>
-          <a:p>
-            <a:r>
-              <a:rPr lang="ja-JP" altLang="en-US">
-                <a:solidFill>
-                  <a:schemeClr val="tx1"/>
-                </a:solidFill>
-              </a:rPr>
-              <a:t>①</a:t>
-            </a:r>
-            <a:r>
-              <a:rPr lang="en-US" altLang="ja-JP" dirty="0">
-                <a:solidFill>
-                  <a:schemeClr val="tx1"/>
-                </a:solidFill>
-              </a:rPr>
-              <a:t>-2</a:t>
-            </a:r>
-            <a:r>
-              <a:rPr lang="ja-JP" altLang="en-US">
-                <a:solidFill>
-                  <a:schemeClr val="tx1"/>
-                </a:solidFill>
-              </a:rPr>
-              <a:t>で定義した要素技術を使ってどのように選択した機能を実現するか</a:t>
-            </a:r>
-            <a:endParaRPr lang="en-US" altLang="ja-JP" dirty="0">
-              <a:solidFill>
-                <a:schemeClr val="tx1"/>
-              </a:solidFill>
-            </a:endParaRPr>
-          </a:p>
-          <a:p>
-            <a:endParaRPr lang="en-US" altLang="ja-JP" dirty="0">
-              <a:solidFill>
-                <a:schemeClr val="tx1"/>
-              </a:solidFill>
-            </a:endParaRPr>
-          </a:p>
-          <a:p>
-            <a:endParaRPr lang="en-US" altLang="ja-JP" dirty="0">
-              <a:solidFill>
-                <a:schemeClr val="tx1"/>
-              </a:solidFill>
-            </a:endParaRPr>
-          </a:p>
-          <a:p>
-            <a:endParaRPr lang="en-US" altLang="ja-JP" dirty="0">
-              <a:solidFill>
-                <a:schemeClr val="tx1"/>
-              </a:solidFill>
-            </a:endParaRPr>
-          </a:p>
-          <a:p>
-            <a:endParaRPr lang="en-US" altLang="ja-JP" dirty="0">
-              <a:solidFill>
-                <a:schemeClr val="tx1"/>
-              </a:solidFill>
-            </a:endParaRPr>
-          </a:p>
-          <a:p>
-            <a:endParaRPr lang="en-US" altLang="ja-JP" dirty="0">
-              <a:solidFill>
-                <a:schemeClr val="tx1"/>
-              </a:solidFill>
-            </a:endParaRPr>
-          </a:p>
-          <a:p>
-            <a:endParaRPr lang="en-US" altLang="ja-JP" dirty="0">
-              <a:solidFill>
-                <a:schemeClr val="tx1"/>
-              </a:solidFill>
-            </a:endParaRPr>
-          </a:p>
-          <a:p>
-            <a:endParaRPr lang="en-US" altLang="ja-JP" dirty="0">
-              <a:solidFill>
-                <a:schemeClr val="tx1"/>
-              </a:solidFill>
-            </a:endParaRPr>
-          </a:p>
-          <a:p>
-            <a:endParaRPr lang="en-US" altLang="ja-JP" dirty="0">
-              <a:solidFill>
-                <a:schemeClr val="tx1"/>
-              </a:solidFill>
-            </a:endParaRPr>
-          </a:p>
-          <a:p>
-            <a:endParaRPr lang="en-US" altLang="ja-JP" dirty="0">
-              <a:solidFill>
-                <a:schemeClr val="tx1"/>
-              </a:solidFill>
-            </a:endParaRPr>
-          </a:p>
-          <a:p>
-            <a:endParaRPr lang="en-US" altLang="ja-JP" dirty="0">
-              <a:solidFill>
-                <a:schemeClr val="tx1"/>
-              </a:solidFill>
-            </a:endParaRPr>
-          </a:p>
-          <a:p>
-            <a:endParaRPr lang="en-US" altLang="ja-JP" dirty="0">
-              <a:solidFill>
-                <a:schemeClr val="tx1"/>
-              </a:solidFill>
-            </a:endParaRPr>
-          </a:p>
-          <a:p>
-            <a:endParaRPr lang="en-US" altLang="ja-JP" dirty="0">
-              <a:solidFill>
-                <a:schemeClr val="tx1"/>
-              </a:solidFill>
-            </a:endParaRPr>
-          </a:p>
-          <a:p>
-            <a:endParaRPr lang="en-US" altLang="ja-JP" dirty="0">
-              <a:solidFill>
-                <a:schemeClr val="tx1"/>
-              </a:solidFill>
-            </a:endParaRPr>
-          </a:p>
-          <a:p>
-            <a:r>
-              <a:rPr lang="ja-JP" altLang="en-US">
-                <a:solidFill>
-                  <a:schemeClr val="tx1"/>
-                </a:solidFill>
-              </a:rPr>
-              <a:t>①</a:t>
-            </a:r>
-            <a:r>
-              <a:rPr lang="en-US" altLang="ja-JP" dirty="0">
-                <a:solidFill>
-                  <a:schemeClr val="tx1"/>
-                </a:solidFill>
-              </a:rPr>
-              <a:t>-2.</a:t>
-            </a:r>
-            <a:r>
-              <a:rPr lang="ja-JP" altLang="en-US">
-                <a:solidFill>
-                  <a:schemeClr val="tx1"/>
-                </a:solidFill>
-              </a:rPr>
-              <a:t>要素技術</a:t>
-            </a:r>
-            <a:endParaRPr lang="en-US" altLang="ja-JP" dirty="0">
-              <a:solidFill>
-                <a:schemeClr val="tx1"/>
-              </a:solidFill>
-            </a:endParaRPr>
-          </a:p>
-          <a:p>
-            <a:r>
-              <a:rPr lang="ja-JP" altLang="en-US">
-                <a:solidFill>
-                  <a:schemeClr val="tx1"/>
-                </a:solidFill>
-              </a:rPr>
-              <a:t>・機能実現する上での課題は何か？</a:t>
-            </a:r>
-            <a:endParaRPr lang="en-US" altLang="ja-JP" dirty="0">
-              <a:solidFill>
-                <a:schemeClr val="tx1"/>
-              </a:solidFill>
-            </a:endParaRPr>
-          </a:p>
-          <a:p>
-            <a:r>
-              <a:rPr lang="ja-JP" altLang="en-US">
-                <a:solidFill>
-                  <a:schemeClr val="tx1"/>
-                </a:solidFill>
-              </a:rPr>
-              <a:t>・どのような対策を実施したか？</a:t>
-            </a:r>
-            <a:endParaRPr lang="en-US" altLang="ja-JP" dirty="0">
-              <a:solidFill>
-                <a:schemeClr val="tx1"/>
-              </a:solidFill>
-            </a:endParaRPr>
-          </a:p>
-          <a:p>
-            <a:r>
-              <a:rPr lang="ja-JP" altLang="en-US">
-                <a:solidFill>
-                  <a:schemeClr val="tx1"/>
-                </a:solidFill>
-              </a:rPr>
-              <a:t>・どのような条件・範囲で使うのか？</a:t>
-            </a:r>
-            <a:endParaRPr lang="en-US" altLang="ja-JP" dirty="0">
-              <a:solidFill>
-                <a:schemeClr val="tx1"/>
-              </a:solidFill>
-            </a:endParaRPr>
-          </a:p>
-          <a:p>
-            <a:r>
-              <a:rPr lang="ja-JP" altLang="en-US">
-                <a:solidFill>
-                  <a:schemeClr val="tx1"/>
-                </a:solidFill>
-              </a:rPr>
-              <a:t>・性能・信頼性・安全性など機能の実現性に対して効果があるか？</a:t>
-            </a:r>
-            <a:endParaRPr lang="en-US" altLang="ja-JP" dirty="0">
-              <a:solidFill>
-                <a:schemeClr val="tx1"/>
-              </a:solidFill>
-            </a:endParaRPr>
+            <a:pPr algn="ctr"/>
+            <a:endParaRPr kumimoji="1" lang="ja-JP" altLang="en-US"/>
           </a:p>
         </p:txBody>
       </p:sp>
       <p:sp>
         <p:nvSpPr>
-          <p:cNvPr id="7" name="角丸四角形 6">
+          <p:cNvPr id="154" name="正方形/長方形 153">
             <a:extLst>
               <a:ext uri="{FF2B5EF4-FFF2-40B4-BE49-F238E27FC236}">
-                <a16:creationId xmlns:a16="http://schemas.microsoft.com/office/drawing/2014/main" id="{3C785BB7-2CCF-1941-BD1F-DB99DAB12C7F}"/>
+                <a16:creationId xmlns:a16="http://schemas.microsoft.com/office/drawing/2014/main" id="{E9F1B918-7DAE-E843-A449-C7B43FE3F873}"/>
               </a:ext>
             </a:extLst>
           </p:cNvPr>
@@ -33018,20 +33901,15 @@
         </p:nvSpPr>
         <p:spPr>
           <a:xfrm>
-            <a:off x="6408135" y="565117"/>
-            <a:ext cx="6400800" cy="9001000"/>
+            <a:off x="-36882" y="8479450"/>
+            <a:ext cx="1163940" cy="251972"/>
           </a:xfrm>
-          <a:prstGeom prst="roundRect">
-            <a:avLst>
-              <a:gd name="adj" fmla="val 6879"/>
-            </a:avLst>
+          <a:prstGeom prst="rect">
+            <a:avLst/>
           </a:prstGeom>
           <a:noFill/>
-          <a:ln w="38100">
-            <a:solidFill>
-              <a:srgbClr val="FF0000"/>
-            </a:solidFill>
-            <a:prstDash val="sysDash"/>
+          <a:ln>
+            <a:noFill/>
           </a:ln>
         </p:spPr>
         <p:style>
@@ -33055,216 +33933,476 @@
           <a:lstStyle/>
           <a:p>
             <a:r>
-              <a:rPr lang="ja-JP" altLang="en-US">
-                <a:solidFill>
-                  <a:schemeClr val="tx1"/>
-                </a:solidFill>
+              <a:rPr lang="ja-JP" altLang="en-US" sz="1100">
+                <a:solidFill>
+                  <a:srgbClr val="FF0000"/>
+                </a:solidFill>
+                <a:latin typeface="+mn-ea"/>
               </a:rPr>
-              <a:t>制御技術②</a:t>
+              <a:t>クリッピング</a:t>
             </a:r>
-            <a:endParaRPr lang="en-US" altLang="ja-JP" dirty="0">
+          </a:p>
+        </p:txBody>
+      </p:sp>
+      <p:sp>
+        <p:nvSpPr>
+          <p:cNvPr id="155" name="正方形/長方形 154">
+            <a:extLst>
+              <a:ext uri="{FF2B5EF4-FFF2-40B4-BE49-F238E27FC236}">
+                <a16:creationId xmlns:a16="http://schemas.microsoft.com/office/drawing/2014/main" id="{C6A4AC5F-93F9-9240-A02D-4D81A05567F3}"/>
+              </a:ext>
+            </a:extLst>
+          </p:cNvPr>
+          <p:cNvSpPr/>
+          <p:nvPr/>
+        </p:nvSpPr>
+        <p:spPr>
+          <a:xfrm>
+            <a:off x="3100459" y="7657581"/>
+            <a:ext cx="914485" cy="914485"/>
+          </a:xfrm>
+          <a:prstGeom prst="rect">
+            <a:avLst/>
+          </a:prstGeom>
+          <a:pattFill prst="lgGrid">
+            <a:fgClr>
+              <a:schemeClr val="tx1">
+                <a:lumMod val="50000"/>
+                <a:lumOff val="50000"/>
+              </a:schemeClr>
+            </a:fgClr>
+            <a:bgClr>
+              <a:schemeClr val="bg1"/>
+            </a:bgClr>
+          </a:pattFill>
+          <a:ln w="19050">
+            <a:solidFill>
+              <a:schemeClr val="tx1">
+                <a:lumMod val="50000"/>
+                <a:lumOff val="50000"/>
+              </a:schemeClr>
+            </a:solidFill>
+          </a:ln>
+        </p:spPr>
+        <p:style>
+          <a:lnRef idx="2">
+            <a:schemeClr val="accent1">
+              <a:shade val="50000"/>
+            </a:schemeClr>
+          </a:lnRef>
+          <a:fillRef idx="1">
+            <a:schemeClr val="accent1"/>
+          </a:fillRef>
+          <a:effectRef idx="0">
+            <a:schemeClr val="accent1"/>
+          </a:effectRef>
+          <a:fontRef idx="minor">
+            <a:schemeClr val="lt1"/>
+          </a:fontRef>
+        </p:style>
+        <p:txBody>
+          <a:bodyPr rtlCol="0" anchor="ctr"/>
+          <a:lstStyle/>
+          <a:p>
+            <a:pPr algn="ctr"/>
+            <a:endParaRPr kumimoji="1" lang="ja-JP" altLang="en-US"/>
+          </a:p>
+        </p:txBody>
+      </p:sp>
+      <p:pic>
+        <p:nvPicPr>
+          <p:cNvPr id="156" name="図 155">
+            <a:extLst>
+              <a:ext uri="{FF2B5EF4-FFF2-40B4-BE49-F238E27FC236}">
+                <a16:creationId xmlns:a16="http://schemas.microsoft.com/office/drawing/2014/main" id="{6A1BF99A-BCD7-C549-88A5-55B964916F02}"/>
+              </a:ext>
+            </a:extLst>
+          </p:cNvPr>
+          <p:cNvPicPr>
+            <a:picLocks noChangeAspect="1"/>
+          </p:cNvPicPr>
+          <p:nvPr/>
+        </p:nvPicPr>
+        <p:blipFill rotWithShape="1">
+          <a:blip r:embed="rId3">
+            <a:extLst>
+              <a:ext uri="{BEBA8EAE-BF5A-486C-A8C5-ECC9F3942E4B}">
+                <a14:imgProps xmlns:a14="http://schemas.microsoft.com/office/drawing/2010/main">
+                  <a14:imgLayer r:embed="rId4">
+                    <a14:imgEffect>
+                      <a14:backgroundRemoval t="60464" b="82639" l="11731" r="24283">
+                        <a14:backgroundMark x1="17422" y1="76528" x2="17422" y2="76528"/>
+                        <a14:backgroundMark x1="17578" y1="65694" x2="17578" y2="65694"/>
+                        <a14:backgroundMark x1="22344" y1="62639" x2="22344" y2="62639"/>
+                      </a14:backgroundRemoval>
+                    </a14:imgEffect>
+                  </a14:imgLayer>
+                </a14:imgProps>
+              </a:ext>
+              <a:ext uri="{28A0092B-C50C-407E-A947-70E740481C1C}">
+                <a14:useLocalDpi xmlns:a14="http://schemas.microsoft.com/office/drawing/2010/main" val="0"/>
+              </a:ext>
+            </a:extLst>
+          </a:blip>
+          <a:srcRect l="10162" t="57692" r="74148" b="14589"/>
+          <a:stretch/>
+        </p:blipFill>
+        <p:spPr>
+          <a:xfrm>
+            <a:off x="3104385" y="7659410"/>
+            <a:ext cx="906632" cy="910827"/>
+          </a:xfrm>
+          <a:prstGeom prst="rect">
+            <a:avLst/>
+          </a:prstGeom>
+        </p:spPr>
+      </p:pic>
+      <p:sp>
+        <p:nvSpPr>
+          <p:cNvPr id="157" name="正方形/長方形 156">
+            <a:extLst>
+              <a:ext uri="{FF2B5EF4-FFF2-40B4-BE49-F238E27FC236}">
+                <a16:creationId xmlns:a16="http://schemas.microsoft.com/office/drawing/2014/main" id="{B4AF80CF-9EBE-2140-8519-9A0D41E11791}"/>
+              </a:ext>
+            </a:extLst>
+          </p:cNvPr>
+          <p:cNvSpPr/>
+          <p:nvPr/>
+        </p:nvSpPr>
+        <p:spPr>
+          <a:xfrm>
+            <a:off x="3014770" y="7409306"/>
+            <a:ext cx="1572622" cy="140965"/>
+          </a:xfrm>
+          <a:prstGeom prst="rect">
+            <a:avLst/>
+          </a:prstGeom>
+          <a:solidFill>
+            <a:schemeClr val="bg1">
+              <a:lumMod val="95000"/>
+            </a:schemeClr>
+          </a:solidFill>
+          <a:ln>
+            <a:noFill/>
+          </a:ln>
+        </p:spPr>
+        <p:style>
+          <a:lnRef idx="2">
+            <a:schemeClr val="accent1">
+              <a:shade val="50000"/>
+            </a:schemeClr>
+          </a:lnRef>
+          <a:fillRef idx="1">
+            <a:schemeClr val="accent1"/>
+          </a:fillRef>
+          <a:effectRef idx="0">
+            <a:schemeClr val="accent1"/>
+          </a:effectRef>
+          <a:fontRef idx="minor">
+            <a:schemeClr val="lt1"/>
+          </a:fontRef>
+        </p:style>
+        <p:txBody>
+          <a:bodyPr rtlCol="0" anchor="ctr"/>
+          <a:lstStyle/>
+          <a:p>
+            <a:r>
+              <a:rPr lang="ja-JP" altLang="en-US" sz="1400" b="1">
+                <a:solidFill>
+                  <a:schemeClr val="tx1"/>
+                </a:solidFill>
+                <a:latin typeface="+mj-ea"/>
+                <a:ea typeface="+mj-ea"/>
+              </a:rPr>
+              <a:t>■正規化</a:t>
+            </a:r>
+          </a:p>
+        </p:txBody>
+      </p:sp>
+      <p:sp>
+        <p:nvSpPr>
+          <p:cNvPr id="160" name="正方形/長方形 159">
+            <a:extLst>
+              <a:ext uri="{FF2B5EF4-FFF2-40B4-BE49-F238E27FC236}">
+                <a16:creationId xmlns:a16="http://schemas.microsoft.com/office/drawing/2014/main" id="{457DBB46-D5EE-1E4D-830C-E6943EB91D73}"/>
+              </a:ext>
+            </a:extLst>
+          </p:cNvPr>
+          <p:cNvSpPr/>
+          <p:nvPr/>
+        </p:nvSpPr>
+        <p:spPr>
+          <a:xfrm>
+            <a:off x="3046485" y="8600606"/>
+            <a:ext cx="3354315" cy="643856"/>
+          </a:xfrm>
+          <a:prstGeom prst="rect">
+            <a:avLst/>
+          </a:prstGeom>
+          <a:noFill/>
+          <a:ln>
+            <a:noFill/>
+          </a:ln>
+        </p:spPr>
+        <p:style>
+          <a:lnRef idx="2">
+            <a:schemeClr val="accent1">
+              <a:shade val="50000"/>
+            </a:schemeClr>
+          </a:lnRef>
+          <a:fillRef idx="1">
+            <a:schemeClr val="accent1"/>
+          </a:fillRef>
+          <a:effectRef idx="0">
+            <a:schemeClr val="accent1"/>
+          </a:effectRef>
+          <a:fontRef idx="minor">
+            <a:schemeClr val="lt1"/>
+          </a:fontRef>
+        </p:style>
+        <p:txBody>
+          <a:bodyPr rtlCol="0" anchor="t" anchorCtr="0"/>
+          <a:lstStyle/>
+          <a:p>
+            <a:r>
+              <a:rPr lang="ja-JP" altLang="en-US" sz="1100">
+                <a:solidFill>
+                  <a:schemeClr val="tx1"/>
+                </a:solidFill>
+                <a:latin typeface="+mn-ea"/>
+              </a:rPr>
+              <a:t>ブロック・サークル画像と交差サークル画像は、グレイスケール変換の代わりに</a:t>
+            </a:r>
+            <a:r>
+              <a:rPr lang="en-US" altLang="ja-JP" sz="1100" dirty="0">
+                <a:solidFill>
+                  <a:schemeClr val="tx1"/>
+                </a:solidFill>
+                <a:latin typeface="+mn-ea"/>
+              </a:rPr>
+              <a:t>RGB-HSV</a:t>
+            </a:r>
+            <a:r>
+              <a:rPr lang="ja-JP" altLang="en-US" sz="1100">
+                <a:solidFill>
+                  <a:schemeClr val="tx1"/>
+                </a:solidFill>
+                <a:latin typeface="+mn-ea"/>
+              </a:rPr>
+              <a:t>変換を行う。ブロック推定用</a:t>
+            </a:r>
+            <a:r>
+              <a:rPr lang="en-US" altLang="ja-JP" sz="1100" dirty="0">
+                <a:solidFill>
+                  <a:schemeClr val="tx1"/>
+                </a:solidFill>
+                <a:latin typeface="+mn-ea"/>
+              </a:rPr>
+              <a:t>CNN</a:t>
+            </a:r>
+            <a:r>
+              <a:rPr lang="ja-JP" altLang="en-US" sz="1100">
+                <a:solidFill>
+                  <a:schemeClr val="tx1"/>
+                </a:solidFill>
+                <a:latin typeface="+mn-ea"/>
+              </a:rPr>
+              <a:t>へは色相データを入力する。</a:t>
+            </a:r>
+          </a:p>
+        </p:txBody>
+      </p:sp>
+      <p:sp>
+        <p:nvSpPr>
+          <p:cNvPr id="161" name="正方形/長方形 160">
+            <a:extLst>
+              <a:ext uri="{FF2B5EF4-FFF2-40B4-BE49-F238E27FC236}">
+                <a16:creationId xmlns:a16="http://schemas.microsoft.com/office/drawing/2014/main" id="{77380A76-1BE7-484E-A52B-C5B4C6AE2CC4}"/>
+              </a:ext>
+            </a:extLst>
+          </p:cNvPr>
+          <p:cNvSpPr/>
+          <p:nvPr/>
+        </p:nvSpPr>
+        <p:spPr>
+          <a:xfrm>
+            <a:off x="4964783" y="6553094"/>
+            <a:ext cx="1448869" cy="711523"/>
+          </a:xfrm>
+          <a:prstGeom prst="rect">
+            <a:avLst/>
+          </a:prstGeom>
+          <a:noFill/>
+          <a:ln>
+            <a:noFill/>
+          </a:ln>
+        </p:spPr>
+        <p:style>
+          <a:lnRef idx="2">
+            <a:schemeClr val="accent1">
+              <a:shade val="50000"/>
+            </a:schemeClr>
+          </a:lnRef>
+          <a:fillRef idx="1">
+            <a:schemeClr val="accent1"/>
+          </a:fillRef>
+          <a:effectRef idx="0">
+            <a:schemeClr val="accent1"/>
+          </a:effectRef>
+          <a:fontRef idx="minor">
+            <a:schemeClr val="lt1"/>
+          </a:fontRef>
+        </p:style>
+        <p:txBody>
+          <a:bodyPr rtlCol="0" anchor="t" anchorCtr="0"/>
+          <a:lstStyle/>
+          <a:p>
+            <a:r>
+              <a:rPr lang="ja-JP" altLang="en-US" sz="1100">
+                <a:solidFill>
+                  <a:schemeClr val="tx1"/>
+                </a:solidFill>
+                <a:latin typeface="+mn-ea"/>
+              </a:rPr>
+              <a:t>左から数字画像、</a:t>
+            </a:r>
+            <a:endParaRPr lang="en-US" altLang="ja-JP" sz="1100" dirty="0">
               <a:solidFill>
                 <a:schemeClr val="tx1"/>
               </a:solidFill>
+              <a:latin typeface="+mn-ea"/>
             </a:endParaRPr>
           </a:p>
           <a:p>
             <a:r>
-              <a:rPr lang="ja-JP" altLang="en-US">
-                <a:solidFill>
-                  <a:schemeClr val="tx1"/>
-                </a:solidFill>
+              <a:rPr lang="ja-JP" altLang="en-US" sz="1100">
+                <a:solidFill>
+                  <a:schemeClr val="tx1"/>
+                </a:solidFill>
+                <a:latin typeface="+mn-ea"/>
               </a:rPr>
-              <a:t>②</a:t>
+              <a:t>ブロック・</a:t>
             </a:r>
-            <a:r>
-              <a:rPr lang="en-US" altLang="ja-JP" dirty="0">
-                <a:solidFill>
-                  <a:schemeClr val="tx1"/>
-                </a:solidFill>
-              </a:rPr>
-              <a:t>-1. </a:t>
-            </a:r>
-            <a:r>
-              <a:rPr lang="ja-JP" altLang="en-US">
-                <a:solidFill>
-                  <a:schemeClr val="tx1"/>
-                </a:solidFill>
-              </a:rPr>
-              <a:t>制御戦略</a:t>
-            </a:r>
-            <a:endParaRPr lang="en-US" altLang="ja-JP" dirty="0">
+            <a:endParaRPr lang="en-US" altLang="ja-JP" sz="1100" dirty="0">
               <a:solidFill>
                 <a:schemeClr val="tx1"/>
               </a:solidFill>
+              <a:latin typeface="+mn-ea"/>
             </a:endParaRPr>
           </a:p>
           <a:p>
             <a:r>
-              <a:rPr lang="ja-JP" altLang="en-US">
-                <a:solidFill>
-                  <a:schemeClr val="tx1"/>
-                </a:solidFill>
+              <a:rPr lang="ja-JP" altLang="en-US" sz="1100">
+                <a:solidFill>
+                  <a:schemeClr val="tx1"/>
+                </a:solidFill>
+                <a:latin typeface="+mn-ea"/>
               </a:rPr>
-              <a:t>②</a:t>
+              <a:t>サークル画像</a:t>
             </a:r>
-            <a:r>
-              <a:rPr lang="en-US" altLang="ja-JP" dirty="0">
-                <a:solidFill>
-                  <a:schemeClr val="tx1"/>
-                </a:solidFill>
-              </a:rPr>
-              <a:t>-2</a:t>
-            </a:r>
-            <a:r>
-              <a:rPr lang="ja-JP" altLang="en-US">
-                <a:solidFill>
-                  <a:schemeClr val="tx1"/>
-                </a:solidFill>
-              </a:rPr>
-              <a:t>で定義した要素技術を使ってどのように選択した機能を実現するか</a:t>
-            </a:r>
-            <a:endParaRPr lang="en-US" altLang="ja-JP" dirty="0">
+            <a:endParaRPr lang="en-US" altLang="ja-JP" sz="1100" dirty="0">
               <a:solidFill>
                 <a:schemeClr val="tx1"/>
               </a:solidFill>
-            </a:endParaRPr>
-          </a:p>
-          <a:p>
-            <a:endParaRPr lang="en-US" altLang="ja-JP" dirty="0">
-              <a:solidFill>
-                <a:schemeClr val="tx1"/>
-              </a:solidFill>
-            </a:endParaRPr>
-          </a:p>
-          <a:p>
-            <a:endParaRPr lang="en-US" altLang="ja-JP" dirty="0">
-              <a:solidFill>
-                <a:schemeClr val="tx1"/>
-              </a:solidFill>
-            </a:endParaRPr>
-          </a:p>
-          <a:p>
-            <a:endParaRPr lang="en-US" altLang="ja-JP" dirty="0">
-              <a:solidFill>
-                <a:schemeClr val="tx1"/>
-              </a:solidFill>
-            </a:endParaRPr>
-          </a:p>
-          <a:p>
-            <a:endParaRPr lang="en-US" altLang="ja-JP" dirty="0">
-              <a:solidFill>
-                <a:schemeClr val="tx1"/>
-              </a:solidFill>
-            </a:endParaRPr>
-          </a:p>
-          <a:p>
-            <a:endParaRPr lang="en-US" altLang="ja-JP" dirty="0">
-              <a:solidFill>
-                <a:schemeClr val="tx1"/>
-              </a:solidFill>
-            </a:endParaRPr>
-          </a:p>
-          <a:p>
-            <a:endParaRPr lang="en-US" altLang="ja-JP" dirty="0">
-              <a:solidFill>
-                <a:schemeClr val="tx1"/>
-              </a:solidFill>
-            </a:endParaRPr>
-          </a:p>
-          <a:p>
-            <a:endParaRPr lang="en-US" altLang="ja-JP" dirty="0">
-              <a:solidFill>
-                <a:schemeClr val="tx1"/>
-              </a:solidFill>
-            </a:endParaRPr>
-          </a:p>
-          <a:p>
-            <a:endParaRPr lang="en-US" altLang="ja-JP" dirty="0">
-              <a:solidFill>
-                <a:schemeClr val="tx1"/>
-              </a:solidFill>
-            </a:endParaRPr>
-          </a:p>
-          <a:p>
-            <a:endParaRPr lang="en-US" altLang="ja-JP" dirty="0">
-              <a:solidFill>
-                <a:schemeClr val="tx1"/>
-              </a:solidFill>
-            </a:endParaRPr>
-          </a:p>
-          <a:p>
-            <a:endParaRPr lang="en-US" altLang="ja-JP" dirty="0">
-              <a:solidFill>
-                <a:schemeClr val="tx1"/>
-              </a:solidFill>
-            </a:endParaRPr>
-          </a:p>
-          <a:p>
-            <a:endParaRPr lang="en-US" altLang="ja-JP" dirty="0">
-              <a:solidFill>
-                <a:schemeClr val="tx1"/>
-              </a:solidFill>
-            </a:endParaRPr>
-          </a:p>
-          <a:p>
-            <a:endParaRPr lang="en-US" altLang="ja-JP" dirty="0">
-              <a:solidFill>
-                <a:schemeClr val="tx1"/>
-              </a:solidFill>
-            </a:endParaRPr>
-          </a:p>
-          <a:p>
-            <a:endParaRPr lang="en-US" altLang="ja-JP" dirty="0">
-              <a:solidFill>
-                <a:schemeClr val="tx1"/>
-              </a:solidFill>
-            </a:endParaRPr>
-          </a:p>
-          <a:p>
-            <a:endParaRPr lang="en-US" altLang="ja-JP" dirty="0">
-              <a:solidFill>
-                <a:schemeClr val="tx1"/>
-              </a:solidFill>
+              <a:latin typeface="+mn-ea"/>
             </a:endParaRPr>
           </a:p>
           <a:p>
             <a:r>
-              <a:rPr lang="ja-JP" altLang="en-US">
-                <a:solidFill>
-                  <a:schemeClr val="tx1"/>
-                </a:solidFill>
+              <a:rPr lang="ja-JP" altLang="en-US" sz="1100">
+                <a:solidFill>
+                  <a:schemeClr val="tx1"/>
+                </a:solidFill>
+                <a:latin typeface="+mn-ea"/>
               </a:rPr>
-              <a:t>②</a:t>
+              <a:t>交差サークル画像</a:t>
             </a:r>
-            <a:r>
-              <a:rPr lang="en-US" altLang="ja-JP" dirty="0">
-                <a:solidFill>
-                  <a:schemeClr val="tx1"/>
-                </a:solidFill>
-              </a:rPr>
-              <a:t>-2.</a:t>
-            </a:r>
-            <a:r>
-              <a:rPr lang="ja-JP" altLang="en-US">
-                <a:solidFill>
-                  <a:schemeClr val="tx1"/>
-                </a:solidFill>
-              </a:rPr>
-              <a:t>要素技術</a:t>
-            </a:r>
-            <a:endParaRPr lang="en-US" altLang="ja-JP" dirty="0">
+            <a:endParaRPr lang="en-US" altLang="ja-JP" sz="1100" dirty="0">
               <a:solidFill>
                 <a:schemeClr val="tx1"/>
               </a:solidFill>
+              <a:latin typeface="+mn-ea"/>
             </a:endParaRPr>
+          </a:p>
+        </p:txBody>
+      </p:sp>
+      <p:sp>
+        <p:nvSpPr>
+          <p:cNvPr id="162" name="正方形/長方形 161">
+            <a:extLst>
+              <a:ext uri="{FF2B5EF4-FFF2-40B4-BE49-F238E27FC236}">
+                <a16:creationId xmlns:a16="http://schemas.microsoft.com/office/drawing/2014/main" id="{52B8D419-F61F-4C43-B3D2-58D3DCCF5430}"/>
+              </a:ext>
+            </a:extLst>
+          </p:cNvPr>
+          <p:cNvSpPr/>
+          <p:nvPr/>
+        </p:nvSpPr>
+        <p:spPr>
+          <a:xfrm>
+            <a:off x="6400800" y="5271138"/>
+            <a:ext cx="3231440" cy="230969"/>
+          </a:xfrm>
+          <a:prstGeom prst="rect">
+            <a:avLst/>
+          </a:prstGeom>
+          <a:solidFill>
+            <a:schemeClr val="accent6">
+              <a:lumMod val="20000"/>
+              <a:lumOff val="80000"/>
+            </a:schemeClr>
+          </a:solidFill>
+          <a:ln>
+            <a:noFill/>
+          </a:ln>
+        </p:spPr>
+        <p:style>
+          <a:lnRef idx="2">
+            <a:schemeClr val="accent1">
+              <a:shade val="50000"/>
+            </a:schemeClr>
+          </a:lnRef>
+          <a:fillRef idx="1">
+            <a:schemeClr val="accent1"/>
+          </a:fillRef>
+          <a:effectRef idx="0">
+            <a:schemeClr val="accent1"/>
+          </a:effectRef>
+          <a:fontRef idx="minor">
+            <a:schemeClr val="lt1"/>
+          </a:fontRef>
+        </p:style>
+        <p:txBody>
+          <a:bodyPr rtlCol="0" anchor="ctr"/>
+          <a:lstStyle/>
+          <a:p>
+            <a:r>
+              <a:rPr lang="en-US" altLang="ja-JP" sz="1400" b="1" dirty="0">
+                <a:solidFill>
+                  <a:schemeClr val="tx1"/>
+                </a:solidFill>
+                <a:latin typeface="+mj-ea"/>
+                <a:ea typeface="+mj-ea"/>
+              </a:rPr>
+              <a:t>4.2.2</a:t>
+            </a:r>
+            <a:r>
+              <a:rPr lang="ja-JP" altLang="en-US" sz="1400" b="1">
+                <a:solidFill>
+                  <a:schemeClr val="tx1"/>
+                </a:solidFill>
+                <a:latin typeface="+mj-ea"/>
+                <a:ea typeface="+mj-ea"/>
+              </a:rPr>
+              <a:t>畳み込みニューラルネットワーク</a:t>
+            </a:r>
           </a:p>
         </p:txBody>
       </p:sp>
     </p:spTree>
     <p:extLst>
       <p:ext uri="{BB962C8B-B14F-4D97-AF65-F5344CB8AC3E}">
-        <p14:creationId xmlns:p14="http://schemas.microsoft.com/office/powerpoint/2010/main" val="3104918347"/>
+        <p14:creationId xmlns:p14="http://schemas.microsoft.com/office/powerpoint/2010/main" val="1541667333"/>
       </p:ext>
     </p:extLst>
   </p:cSld>

--- a/Specification/hirojiren_model_file_advanced.pptx
+++ b/Specification/hirojiren_model_file_advanced.pptx
@@ -25990,316 +25990,6 @@
       </p:sp>
       <p:sp>
         <p:nvSpPr>
-          <p:cNvPr id="10" name="角丸四角形 9">
-            <a:extLst>
-              <a:ext uri="{FF2B5EF4-FFF2-40B4-BE49-F238E27FC236}">
-                <a16:creationId xmlns:a16="http://schemas.microsoft.com/office/drawing/2014/main" id="{EE3B402F-FB73-5744-BD9B-C9BA94E54FC7}"/>
-              </a:ext>
-            </a:extLst>
-          </p:cNvPr>
-          <p:cNvSpPr/>
-          <p:nvPr/>
-        </p:nvSpPr>
-        <p:spPr>
-          <a:xfrm>
-            <a:off x="14352244" y="644962"/>
-            <a:ext cx="6400800" cy="3465741"/>
-          </a:xfrm>
-          <a:prstGeom prst="roundRect">
-            <a:avLst>
-              <a:gd name="adj" fmla="val 6879"/>
-            </a:avLst>
-          </a:prstGeom>
-          <a:noFill/>
-          <a:ln w="38100">
-            <a:solidFill>
-              <a:srgbClr val="FF0000"/>
-            </a:solidFill>
-            <a:prstDash val="sysDash"/>
-          </a:ln>
-        </p:spPr>
-        <p:style>
-          <a:lnRef idx="2">
-            <a:schemeClr val="accent1">
-              <a:shade val="50000"/>
-            </a:schemeClr>
-          </a:lnRef>
-          <a:fillRef idx="1">
-            <a:schemeClr val="accent1"/>
-          </a:fillRef>
-          <a:effectRef idx="0">
-            <a:schemeClr val="accent1"/>
-          </a:effectRef>
-          <a:fontRef idx="minor">
-            <a:schemeClr val="lt1"/>
-          </a:fontRef>
-        </p:style>
-        <p:txBody>
-          <a:bodyPr rtlCol="0" anchor="t" anchorCtr="0"/>
-          <a:lstStyle/>
-          <a:p>
-            <a:r>
-              <a:rPr lang="ja-JP" altLang="en-US">
-                <a:solidFill>
-                  <a:schemeClr val="tx1"/>
-                </a:solidFill>
-              </a:rPr>
-              <a:t>制御技術①</a:t>
-            </a:r>
-            <a:endParaRPr lang="en-US" altLang="ja-JP" dirty="0">
-              <a:solidFill>
-                <a:schemeClr val="tx1"/>
-              </a:solidFill>
-            </a:endParaRPr>
-          </a:p>
-          <a:p>
-            <a:r>
-              <a:rPr lang="ja-JP" altLang="en-US">
-                <a:solidFill>
-                  <a:schemeClr val="tx1"/>
-                </a:solidFill>
-              </a:rPr>
-              <a:t>①</a:t>
-            </a:r>
-            <a:r>
-              <a:rPr lang="en-US" altLang="ja-JP" dirty="0">
-                <a:solidFill>
-                  <a:schemeClr val="tx1"/>
-                </a:solidFill>
-              </a:rPr>
-              <a:t>-1. </a:t>
-            </a:r>
-            <a:r>
-              <a:rPr lang="ja-JP" altLang="en-US">
-                <a:solidFill>
-                  <a:schemeClr val="tx1"/>
-                </a:solidFill>
-              </a:rPr>
-              <a:t>制御戦略</a:t>
-            </a:r>
-            <a:endParaRPr lang="en-US" altLang="ja-JP" dirty="0">
-              <a:solidFill>
-                <a:schemeClr val="tx1"/>
-              </a:solidFill>
-            </a:endParaRPr>
-          </a:p>
-          <a:p>
-            <a:r>
-              <a:rPr lang="ja-JP" altLang="en-US">
-                <a:solidFill>
-                  <a:schemeClr val="tx1"/>
-                </a:solidFill>
-              </a:rPr>
-              <a:t>①</a:t>
-            </a:r>
-            <a:r>
-              <a:rPr lang="en-US" altLang="ja-JP" dirty="0">
-                <a:solidFill>
-                  <a:schemeClr val="tx1"/>
-                </a:solidFill>
-              </a:rPr>
-              <a:t>-2</a:t>
-            </a:r>
-            <a:r>
-              <a:rPr lang="ja-JP" altLang="en-US">
-                <a:solidFill>
-                  <a:schemeClr val="tx1"/>
-                </a:solidFill>
-              </a:rPr>
-              <a:t>で定義した要素技術を使ってどのように選択した機能を実現するか</a:t>
-            </a:r>
-            <a:endParaRPr lang="en-US" altLang="ja-JP" dirty="0">
-              <a:solidFill>
-                <a:schemeClr val="tx1"/>
-              </a:solidFill>
-            </a:endParaRPr>
-          </a:p>
-          <a:p>
-            <a:endParaRPr lang="en-US" altLang="ja-JP" dirty="0">
-              <a:solidFill>
-                <a:schemeClr val="tx1"/>
-              </a:solidFill>
-            </a:endParaRPr>
-          </a:p>
-          <a:p>
-            <a:endParaRPr lang="en-US" altLang="ja-JP" dirty="0">
-              <a:solidFill>
-                <a:schemeClr val="tx1"/>
-              </a:solidFill>
-            </a:endParaRPr>
-          </a:p>
-          <a:p>
-            <a:endParaRPr lang="en-US" altLang="ja-JP" dirty="0">
-              <a:solidFill>
-                <a:schemeClr val="tx1"/>
-              </a:solidFill>
-            </a:endParaRPr>
-          </a:p>
-          <a:p>
-            <a:endParaRPr lang="en-US" altLang="ja-JP" dirty="0">
-              <a:solidFill>
-                <a:schemeClr val="tx1"/>
-              </a:solidFill>
-            </a:endParaRPr>
-          </a:p>
-          <a:p>
-            <a:endParaRPr lang="en-US" altLang="ja-JP" dirty="0">
-              <a:solidFill>
-                <a:schemeClr val="tx1"/>
-              </a:solidFill>
-            </a:endParaRPr>
-          </a:p>
-          <a:p>
-            <a:endParaRPr lang="en-US" altLang="ja-JP" dirty="0">
-              <a:solidFill>
-                <a:schemeClr val="tx1"/>
-              </a:solidFill>
-            </a:endParaRPr>
-          </a:p>
-          <a:p>
-            <a:endParaRPr lang="en-US" altLang="ja-JP" dirty="0">
-              <a:solidFill>
-                <a:schemeClr val="tx1"/>
-              </a:solidFill>
-            </a:endParaRPr>
-          </a:p>
-          <a:p>
-            <a:endParaRPr lang="en-US" altLang="ja-JP" dirty="0">
-              <a:solidFill>
-                <a:schemeClr val="tx1"/>
-              </a:solidFill>
-            </a:endParaRPr>
-          </a:p>
-          <a:p>
-            <a:endParaRPr lang="en-US" altLang="ja-JP" dirty="0">
-              <a:solidFill>
-                <a:schemeClr val="tx1"/>
-              </a:solidFill>
-            </a:endParaRPr>
-          </a:p>
-          <a:p>
-            <a:endParaRPr lang="en-US" altLang="ja-JP" dirty="0">
-              <a:solidFill>
-                <a:schemeClr val="tx1"/>
-              </a:solidFill>
-            </a:endParaRPr>
-          </a:p>
-          <a:p>
-            <a:endParaRPr lang="en-US" altLang="ja-JP" dirty="0">
-              <a:solidFill>
-                <a:schemeClr val="tx1"/>
-              </a:solidFill>
-            </a:endParaRPr>
-          </a:p>
-          <a:p>
-            <a:endParaRPr lang="en-US" altLang="ja-JP" dirty="0">
-              <a:solidFill>
-                <a:schemeClr val="tx1"/>
-              </a:solidFill>
-            </a:endParaRPr>
-          </a:p>
-          <a:p>
-            <a:endParaRPr lang="en-US" altLang="ja-JP" dirty="0">
-              <a:solidFill>
-                <a:schemeClr val="tx1"/>
-              </a:solidFill>
-            </a:endParaRPr>
-          </a:p>
-          <a:p>
-            <a:r>
-              <a:rPr lang="ja-JP" altLang="en-US">
-                <a:solidFill>
-                  <a:schemeClr val="tx1"/>
-                </a:solidFill>
-              </a:rPr>
-              <a:t>①</a:t>
-            </a:r>
-            <a:r>
-              <a:rPr lang="en-US" altLang="ja-JP" dirty="0">
-                <a:solidFill>
-                  <a:schemeClr val="tx1"/>
-                </a:solidFill>
-              </a:rPr>
-              <a:t>-2.</a:t>
-            </a:r>
-            <a:r>
-              <a:rPr lang="ja-JP" altLang="en-US">
-                <a:solidFill>
-                  <a:schemeClr val="tx1"/>
-                </a:solidFill>
-              </a:rPr>
-              <a:t>要素技術</a:t>
-            </a:r>
-            <a:endParaRPr lang="en-US" altLang="ja-JP" dirty="0">
-              <a:solidFill>
-                <a:schemeClr val="tx1"/>
-              </a:solidFill>
-            </a:endParaRPr>
-          </a:p>
-          <a:p>
-            <a:r>
-              <a:rPr lang="ja-JP" altLang="en-US">
-                <a:solidFill>
-                  <a:schemeClr val="tx1"/>
-                </a:solidFill>
-              </a:rPr>
-              <a:t>・機能実現する上での課題は何か？</a:t>
-            </a:r>
-            <a:endParaRPr lang="en-US" altLang="ja-JP" dirty="0">
-              <a:solidFill>
-                <a:schemeClr val="tx1"/>
-              </a:solidFill>
-            </a:endParaRPr>
-          </a:p>
-          <a:p>
-            <a:r>
-              <a:rPr lang="ja-JP" altLang="en-US">
-                <a:solidFill>
-                  <a:schemeClr val="tx1"/>
-                </a:solidFill>
-              </a:rPr>
-              <a:t>・どのような対策を実施したか？</a:t>
-            </a:r>
-            <a:endParaRPr lang="en-US" altLang="ja-JP" dirty="0">
-              <a:solidFill>
-                <a:schemeClr val="tx1"/>
-              </a:solidFill>
-            </a:endParaRPr>
-          </a:p>
-          <a:p>
-            <a:r>
-              <a:rPr lang="ja-JP" altLang="en-US">
-                <a:solidFill>
-                  <a:schemeClr val="tx1"/>
-                </a:solidFill>
-              </a:rPr>
-              <a:t>・どのような条件・範囲で使うのか？</a:t>
-            </a:r>
-            <a:endParaRPr lang="en-US" altLang="ja-JP" dirty="0">
-              <a:solidFill>
-                <a:schemeClr val="tx1"/>
-              </a:solidFill>
-            </a:endParaRPr>
-          </a:p>
-          <a:p>
-            <a:r>
-              <a:rPr lang="ja-JP" altLang="en-US">
-                <a:solidFill>
-                  <a:schemeClr val="tx1"/>
-                </a:solidFill>
-              </a:rPr>
-              <a:t>・性能・信頼性・安全性など機能の実現性に対して効果があるか？</a:t>
-            </a:r>
-            <a:endParaRPr lang="en-US" altLang="ja-JP" dirty="0">
-              <a:solidFill>
-                <a:schemeClr val="tx1"/>
-              </a:solidFill>
-            </a:endParaRPr>
-          </a:p>
-        </p:txBody>
-      </p:sp>
-      <p:sp>
-        <p:nvSpPr>
           <p:cNvPr id="11" name="正方形/長方形 10">
             <a:extLst>
               <a:ext uri="{FF2B5EF4-FFF2-40B4-BE49-F238E27FC236}">
@@ -26312,7 +26002,7 @@
         </p:nvSpPr>
         <p:spPr>
           <a:xfrm>
-            <a:off x="46180" y="5290974"/>
+            <a:off x="46180" y="5042928"/>
             <a:ext cx="2570672" cy="230969"/>
           </a:xfrm>
           <a:prstGeom prst="rect">
@@ -26385,7 +26075,7 @@
         </p:nvSpPr>
         <p:spPr>
           <a:xfrm>
-            <a:off x="0" y="1979538"/>
+            <a:off x="0" y="1550904"/>
             <a:ext cx="6284838" cy="559877"/>
           </a:xfrm>
           <a:prstGeom prst="rect">
@@ -26479,13 +26169,13 @@
           <p:nvPr>
             <p:extLst>
               <p:ext uri="{D42A27DB-BD31-4B8C-83A1-F6EECF244321}">
-                <p14:modId xmlns:p14="http://schemas.microsoft.com/office/powerpoint/2010/main" val="2015970636"/>
+                <p14:modId xmlns:p14="http://schemas.microsoft.com/office/powerpoint/2010/main" val="923787321"/>
               </p:ext>
             </p:extLst>
           </p:nvPr>
         </p:nvGraphicFramePr>
         <p:xfrm>
-          <a:off x="65777" y="2578623"/>
+          <a:off x="65777" y="2149989"/>
           <a:ext cx="6107380" cy="2352040"/>
         </p:xfrm>
         <a:graphic>
@@ -27027,7 +26717,7 @@
         </p:nvSpPr>
         <p:spPr>
           <a:xfrm>
-            <a:off x="46180" y="679575"/>
+            <a:off x="46180" y="465255"/>
             <a:ext cx="1625600" cy="230969"/>
           </a:xfrm>
           <a:prstGeom prst="rect">
@@ -27100,7 +26790,7 @@
         </p:nvSpPr>
         <p:spPr>
           <a:xfrm>
-            <a:off x="-1" y="906990"/>
+            <a:off x="-1" y="692670"/>
             <a:ext cx="6400799" cy="538129"/>
           </a:xfrm>
           <a:prstGeom prst="rect">
@@ -27157,7 +26847,7 @@
         </p:nvSpPr>
         <p:spPr>
           <a:xfrm>
-            <a:off x="46180" y="1748569"/>
+            <a:off x="46180" y="1319935"/>
             <a:ext cx="1625600" cy="230969"/>
           </a:xfrm>
           <a:prstGeom prst="rect">
@@ -27230,7 +26920,7 @@
         </p:nvSpPr>
         <p:spPr>
           <a:xfrm>
-            <a:off x="0" y="5573648"/>
+            <a:off x="0" y="5373617"/>
             <a:ext cx="6284838" cy="456341"/>
           </a:xfrm>
           <a:prstGeom prst="rect">
@@ -32482,7 +32172,7 @@
         </p:blipFill>
         <p:spPr>
           <a:xfrm>
-            <a:off x="6413652" y="7364542"/>
+            <a:off x="6478837" y="6390730"/>
             <a:ext cx="5321300" cy="1689100"/>
           </a:xfrm>
           <a:prstGeom prst="rect">
@@ -32664,7 +32354,7 @@
         </p:blipFill>
         <p:spPr>
           <a:xfrm>
-            <a:off x="89410" y="6429618"/>
+            <a:off x="89410" y="6229587"/>
             <a:ext cx="1331280" cy="748845"/>
           </a:xfrm>
           <a:prstGeom prst="rect">
@@ -32707,7 +32397,7 @@
         </p:blipFill>
         <p:spPr>
           <a:xfrm>
-            <a:off x="89410" y="7422847"/>
+            <a:off x="89410" y="7222816"/>
             <a:ext cx="2762007" cy="1854254"/>
           </a:xfrm>
           <a:prstGeom prst="rect">
@@ -32737,7 +32427,7 @@
         </p:nvSpPr>
         <p:spPr>
           <a:xfrm>
-            <a:off x="46180" y="6056495"/>
+            <a:off x="46180" y="5856464"/>
             <a:ext cx="1148415" cy="230969"/>
           </a:xfrm>
           <a:prstGeom prst="rect">
@@ -32799,7 +32489,7 @@
         </p:nvSpPr>
         <p:spPr>
           <a:xfrm>
-            <a:off x="1537052" y="6026691"/>
+            <a:off x="1537052" y="5826660"/>
             <a:ext cx="1443093" cy="663219"/>
           </a:xfrm>
           <a:prstGeom prst="rect">
@@ -32856,7 +32546,7 @@
         </p:nvSpPr>
         <p:spPr>
           <a:xfrm>
-            <a:off x="1136845" y="6883739"/>
+            <a:off x="1136845" y="6683708"/>
             <a:ext cx="136921" cy="136921"/>
           </a:xfrm>
           <a:prstGeom prst="ellipse">
@@ -32913,7 +32603,7 @@
         </p:nvSpPr>
         <p:spPr>
           <a:xfrm>
-            <a:off x="258465" y="6569434"/>
+            <a:off x="258465" y="6369403"/>
             <a:ext cx="136921" cy="136921"/>
           </a:xfrm>
           <a:prstGeom prst="ellipse">
@@ -32970,7 +32660,7 @@
         </p:nvSpPr>
         <p:spPr>
           <a:xfrm>
-            <a:off x="732769" y="6361156"/>
+            <a:off x="732769" y="6161125"/>
             <a:ext cx="136921" cy="136921"/>
           </a:xfrm>
           <a:prstGeom prst="ellipse">
@@ -33027,7 +32717,7 @@
         </p:nvSpPr>
         <p:spPr>
           <a:xfrm>
-            <a:off x="1267557" y="6496930"/>
+            <a:off x="1267557" y="6296899"/>
             <a:ext cx="136921" cy="136921"/>
           </a:xfrm>
           <a:prstGeom prst="ellipse">
@@ -33084,7 +32774,7 @@
         </p:nvSpPr>
         <p:spPr>
           <a:xfrm>
-            <a:off x="808550" y="9032427"/>
+            <a:off x="808550" y="8832396"/>
             <a:ext cx="136921" cy="136921"/>
           </a:xfrm>
           <a:prstGeom prst="ellipse">
@@ -33144,7 +32834,7 @@
         </p:nvCxnSpPr>
         <p:spPr>
           <a:xfrm flipH="1">
-            <a:off x="808550" y="7000608"/>
+            <a:off x="808550" y="6800577"/>
             <a:ext cx="445164" cy="2100280"/>
           </a:xfrm>
           <a:prstGeom prst="straightConnector1">
@@ -33186,7 +32876,7 @@
         </p:nvSpPr>
         <p:spPr>
           <a:xfrm>
-            <a:off x="2426624" y="9032427"/>
+            <a:off x="2426624" y="8832396"/>
             <a:ext cx="136921" cy="136921"/>
           </a:xfrm>
           <a:prstGeom prst="ellipse">
@@ -33247,7 +32937,7 @@
         </p:nvCxnSpPr>
         <p:spPr>
           <a:xfrm>
-            <a:off x="1384426" y="6613799"/>
+            <a:off x="1384426" y="6413768"/>
             <a:ext cx="1062250" cy="2438680"/>
           </a:xfrm>
           <a:prstGeom prst="straightConnector1">
@@ -33293,7 +32983,7 @@
         </p:nvCxnSpPr>
         <p:spPr>
           <a:xfrm>
-            <a:off x="869690" y="6429617"/>
+            <a:off x="869690" y="6229586"/>
             <a:ext cx="1561693" cy="1249421"/>
           </a:xfrm>
           <a:prstGeom prst="straightConnector1">
@@ -33335,7 +33025,7 @@
         </p:nvSpPr>
         <p:spPr>
           <a:xfrm>
-            <a:off x="2411331" y="7658986"/>
+            <a:off x="2411331" y="7458955"/>
             <a:ext cx="136921" cy="136921"/>
           </a:xfrm>
           <a:prstGeom prst="ellipse">
@@ -33392,7 +33082,7 @@
         </p:nvSpPr>
         <p:spPr>
           <a:xfrm>
-            <a:off x="780688" y="7597345"/>
+            <a:off x="780688" y="7397314"/>
             <a:ext cx="136921" cy="136921"/>
           </a:xfrm>
           <a:prstGeom prst="ellipse">
@@ -33453,7 +33143,7 @@
         </p:nvCxnSpPr>
         <p:spPr>
           <a:xfrm>
-            <a:off x="395386" y="6637895"/>
+            <a:off x="395386" y="6437864"/>
             <a:ext cx="385302" cy="1027911"/>
           </a:xfrm>
           <a:prstGeom prst="straightConnector1">
@@ -33495,7 +33185,7 @@
         </p:nvSpPr>
         <p:spPr>
           <a:xfrm>
-            <a:off x="3014770" y="6073735"/>
+            <a:off x="3014770" y="5873704"/>
             <a:ext cx="1572622" cy="140965"/>
           </a:xfrm>
           <a:prstGeom prst="rect">
@@ -33557,7 +33247,7 @@
         </p:nvSpPr>
         <p:spPr>
           <a:xfrm>
-            <a:off x="3065496" y="6227825"/>
+            <a:off x="3065496" y="6027794"/>
             <a:ext cx="2160972" cy="251972"/>
           </a:xfrm>
           <a:prstGeom prst="rect">
@@ -33614,7 +33304,7 @@
         </p:nvGrpSpPr>
         <p:grpSpPr>
           <a:xfrm>
-            <a:off x="3137175" y="6594095"/>
+            <a:off x="3137175" y="6394064"/>
             <a:ext cx="1841155" cy="594363"/>
             <a:chOff x="3091269" y="7542886"/>
             <a:chExt cx="2832795" cy="914485"/>
@@ -33755,7 +33445,7 @@
         </p:nvSpPr>
         <p:spPr>
           <a:xfrm>
-            <a:off x="4093552" y="7651850"/>
+            <a:off x="4093552" y="7360379"/>
             <a:ext cx="2138277" cy="986625"/>
           </a:xfrm>
           <a:prstGeom prst="rect">
@@ -33848,7 +33538,7 @@
         </p:nvSpPr>
         <p:spPr>
           <a:xfrm>
-            <a:off x="89410" y="7734266"/>
+            <a:off x="89410" y="7534235"/>
             <a:ext cx="555483" cy="703449"/>
           </a:xfrm>
           <a:prstGeom prst="rect">
@@ -33901,7 +33591,7 @@
         </p:nvSpPr>
         <p:spPr>
           <a:xfrm>
-            <a:off x="-36882" y="8479450"/>
+            <a:off x="-36882" y="8279419"/>
             <a:ext cx="1163940" cy="251972"/>
           </a:xfrm>
           <a:prstGeom prst="rect">
@@ -33958,7 +33648,7 @@
         </p:nvSpPr>
         <p:spPr>
           <a:xfrm>
-            <a:off x="3100459" y="7657581"/>
+            <a:off x="3100459" y="7457550"/>
             <a:ext cx="914485" cy="914485"/>
           </a:xfrm>
           <a:prstGeom prst="rect">
@@ -34049,7 +33739,7 @@
         </p:blipFill>
         <p:spPr>
           <a:xfrm>
-            <a:off x="3104385" y="7659410"/>
+            <a:off x="3104385" y="7453667"/>
             <a:ext cx="906632" cy="910827"/>
           </a:xfrm>
           <a:prstGeom prst="rect">
@@ -34071,7 +33761,7 @@
         </p:nvSpPr>
         <p:spPr>
           <a:xfrm>
-            <a:off x="3014770" y="7409306"/>
+            <a:off x="3014770" y="7203563"/>
             <a:ext cx="1572622" cy="140965"/>
           </a:xfrm>
           <a:prstGeom prst="rect">
@@ -34133,7 +33823,7 @@
         </p:nvSpPr>
         <p:spPr>
           <a:xfrm>
-            <a:off x="3046485" y="8600606"/>
+            <a:off x="3046485" y="8385335"/>
             <a:ext cx="3354315" cy="643856"/>
           </a:xfrm>
           <a:prstGeom prst="rect">
@@ -34226,7 +33916,7 @@
         </p:nvSpPr>
         <p:spPr>
           <a:xfrm>
-            <a:off x="4964783" y="6553094"/>
+            <a:off x="4964783" y="6353063"/>
             <a:ext cx="1448869" cy="711523"/>
           </a:xfrm>
           <a:prstGeom prst="rect">
@@ -34340,7 +34030,7 @@
         </p:nvSpPr>
         <p:spPr>
           <a:xfrm>
-            <a:off x="6400800" y="5271138"/>
+            <a:off x="6388100" y="5042928"/>
             <a:ext cx="3231440" cy="230969"/>
           </a:xfrm>
           <a:prstGeom prst="rect">
@@ -34399,6 +34089,591 @@
           </a:p>
         </p:txBody>
       </p:sp>
+      <p:sp>
+        <p:nvSpPr>
+          <p:cNvPr id="146" name="正方形/長方形 145">
+            <a:extLst>
+              <a:ext uri="{FF2B5EF4-FFF2-40B4-BE49-F238E27FC236}">
+                <a16:creationId xmlns:a16="http://schemas.microsoft.com/office/drawing/2014/main" id="{CCE85461-C6AB-9945-B103-C5A059C9FB40}"/>
+              </a:ext>
+            </a:extLst>
+          </p:cNvPr>
+          <p:cNvSpPr/>
+          <p:nvPr/>
+        </p:nvSpPr>
+        <p:spPr>
+          <a:xfrm>
+            <a:off x="6384681" y="5292273"/>
+            <a:ext cx="2254534" cy="245292"/>
+          </a:xfrm>
+          <a:prstGeom prst="rect">
+            <a:avLst/>
+          </a:prstGeom>
+          <a:solidFill>
+            <a:schemeClr val="bg1">
+              <a:lumMod val="95000"/>
+            </a:schemeClr>
+          </a:solidFill>
+          <a:ln>
+            <a:noFill/>
+          </a:ln>
+        </p:spPr>
+        <p:style>
+          <a:lnRef idx="2">
+            <a:schemeClr val="accent1">
+              <a:shade val="50000"/>
+            </a:schemeClr>
+          </a:lnRef>
+          <a:fillRef idx="1">
+            <a:schemeClr val="accent1"/>
+          </a:fillRef>
+          <a:effectRef idx="0">
+            <a:schemeClr val="accent1"/>
+          </a:effectRef>
+          <a:fontRef idx="minor">
+            <a:schemeClr val="lt1"/>
+          </a:fontRef>
+        </p:style>
+        <p:txBody>
+          <a:bodyPr rtlCol="0" anchor="ctr"/>
+          <a:lstStyle/>
+          <a:p>
+            <a:r>
+              <a:rPr lang="ja-JP" altLang="en-US" sz="1400" b="1">
+                <a:solidFill>
+                  <a:schemeClr val="tx1"/>
+                </a:solidFill>
+                <a:latin typeface="+mj-ea"/>
+                <a:ea typeface="+mj-ea"/>
+              </a:rPr>
+              <a:t>■</a:t>
+            </a:r>
+            <a:r>
+              <a:rPr lang="en-US" altLang="ja-JP" sz="1400" b="1" dirty="0">
+                <a:solidFill>
+                  <a:schemeClr val="tx1"/>
+                </a:solidFill>
+                <a:latin typeface="+mj-ea"/>
+                <a:ea typeface="+mj-ea"/>
+              </a:rPr>
+              <a:t>CNN</a:t>
+            </a:r>
+            <a:r>
+              <a:rPr lang="ja-JP" altLang="en-US" sz="1400" b="1">
+                <a:solidFill>
+                  <a:schemeClr val="tx1"/>
+                </a:solidFill>
+                <a:latin typeface="+mj-ea"/>
+                <a:ea typeface="+mj-ea"/>
+              </a:rPr>
+              <a:t>のアーキテクチャ</a:t>
+            </a:r>
+          </a:p>
+        </p:txBody>
+      </p:sp>
+      <p:sp>
+        <p:nvSpPr>
+          <p:cNvPr id="150" name="正方形/長方形 149">
+            <a:extLst>
+              <a:ext uri="{FF2B5EF4-FFF2-40B4-BE49-F238E27FC236}">
+                <a16:creationId xmlns:a16="http://schemas.microsoft.com/office/drawing/2014/main" id="{1029E88E-FA73-C541-8262-79B40EA6E623}"/>
+              </a:ext>
+            </a:extLst>
+          </p:cNvPr>
+          <p:cNvSpPr/>
+          <p:nvPr/>
+        </p:nvSpPr>
+        <p:spPr>
+          <a:xfrm>
+            <a:off x="6357488" y="5314912"/>
+            <a:ext cx="6431412" cy="1039989"/>
+          </a:xfrm>
+          <a:prstGeom prst="rect">
+            <a:avLst/>
+          </a:prstGeom>
+          <a:noFill/>
+          <a:ln>
+            <a:noFill/>
+          </a:ln>
+        </p:spPr>
+        <p:style>
+          <a:lnRef idx="2">
+            <a:schemeClr val="accent1">
+              <a:shade val="50000"/>
+            </a:schemeClr>
+          </a:lnRef>
+          <a:fillRef idx="1">
+            <a:schemeClr val="accent1"/>
+          </a:fillRef>
+          <a:effectRef idx="0">
+            <a:schemeClr val="accent1"/>
+          </a:effectRef>
+          <a:fontRef idx="minor">
+            <a:schemeClr val="lt1"/>
+          </a:fontRef>
+        </p:style>
+        <p:txBody>
+          <a:bodyPr rtlCol="0" anchor="t" anchorCtr="0"/>
+          <a:lstStyle/>
+          <a:p>
+            <a:r>
+              <a:rPr lang="ja-JP" altLang="en-US" sz="1100">
+                <a:solidFill>
+                  <a:schemeClr val="tx1"/>
+                </a:solidFill>
+                <a:latin typeface="+mn-ea"/>
+              </a:rPr>
+              <a:t>　　　　　　　　　　　　　　　　コンセプト「シンプルに設計する」に基づき、同じ</a:t>
+            </a:r>
+            <a:r>
+              <a:rPr lang="en-US" altLang="ja-JP" sz="1100" dirty="0">
+                <a:solidFill>
+                  <a:schemeClr val="tx1"/>
+                </a:solidFill>
+                <a:latin typeface="+mn-ea"/>
+              </a:rPr>
+              <a:t>CNN</a:t>
+            </a:r>
+            <a:r>
+              <a:rPr lang="ja-JP" altLang="en-US" sz="1100">
+                <a:solidFill>
+                  <a:schemeClr val="tx1"/>
+                </a:solidFill>
+                <a:latin typeface="+mn-ea"/>
+              </a:rPr>
+              <a:t>のアーキテクチャで数字の推定、ブロックの有無し推定、ブロックの色推定を行うこととし、それぞれの出力に応じて隠れそうの重み付けの学習を行った。</a:t>
+            </a:r>
+            <a:r>
+              <a:rPr lang="en-US" altLang="ja-JP" sz="1100" dirty="0">
+                <a:solidFill>
+                  <a:schemeClr val="tx1"/>
+                </a:solidFill>
+                <a:latin typeface="+mn-ea"/>
+              </a:rPr>
+              <a:t>CNN</a:t>
+            </a:r>
+            <a:r>
+              <a:rPr lang="ja-JP" altLang="en-US" sz="1100">
+                <a:solidFill>
+                  <a:schemeClr val="tx1"/>
+                </a:solidFill>
+                <a:latin typeface="+mn-ea"/>
+              </a:rPr>
+              <a:t>の概念図を上図に示す。入力は</a:t>
+            </a:r>
+            <a:r>
+              <a:rPr lang="en-US" altLang="ja-JP" sz="1100" dirty="0">
+                <a:solidFill>
+                  <a:schemeClr val="tx1"/>
+                </a:solidFill>
+                <a:latin typeface="+mn-ea"/>
+              </a:rPr>
+              <a:t>28x28</a:t>
+            </a:r>
+            <a:r>
+              <a:rPr lang="ja-JP" altLang="en-US" sz="1100">
+                <a:solidFill>
+                  <a:schemeClr val="tx1"/>
+                </a:solidFill>
+                <a:latin typeface="+mn-ea"/>
+              </a:rPr>
+              <a:t>ピクセルを</a:t>
+            </a:r>
+            <a:r>
+              <a:rPr lang="en-US" altLang="ja-JP" sz="1100" dirty="0">
+                <a:solidFill>
+                  <a:schemeClr val="tx1"/>
+                </a:solidFill>
+                <a:latin typeface="+mn-ea"/>
+              </a:rPr>
+              <a:t>784x1</a:t>
+            </a:r>
+            <a:r>
+              <a:rPr lang="ja-JP" altLang="en-US" sz="1100">
+                <a:solidFill>
+                  <a:schemeClr val="tx1"/>
+                </a:solidFill>
+                <a:latin typeface="+mn-ea"/>
+              </a:rPr>
+              <a:t>のベクトルに変換したデータ、出力は</a:t>
+            </a:r>
+            <a:r>
+              <a:rPr lang="en-US" altLang="ja-JP" sz="1100" dirty="0">
+                <a:solidFill>
+                  <a:schemeClr val="tx1"/>
+                </a:solidFill>
+                <a:latin typeface="+mn-ea"/>
+              </a:rPr>
+              <a:t>10</a:t>
+            </a:r>
+            <a:r>
+              <a:rPr lang="ja-JP" altLang="en-US" sz="1100">
+                <a:solidFill>
+                  <a:schemeClr val="tx1"/>
+                </a:solidFill>
+                <a:latin typeface="+mn-ea"/>
+              </a:rPr>
+              <a:t>ノードとした。</a:t>
+            </a:r>
+            <a:r>
+              <a:rPr lang="en-US" altLang="ja-JP" sz="1100" dirty="0">
+                <a:solidFill>
+                  <a:schemeClr val="tx1"/>
+                </a:solidFill>
+                <a:latin typeface="+mn-ea"/>
+              </a:rPr>
+              <a:t>CNN</a:t>
+            </a:r>
+            <a:r>
+              <a:rPr lang="ja-JP" altLang="en-US" sz="1100">
+                <a:solidFill>
+                  <a:schemeClr val="tx1"/>
+                </a:solidFill>
+                <a:latin typeface="+mn-ea"/>
+              </a:rPr>
+              <a:t>の実装は</a:t>
+            </a:r>
+            <a:r>
+              <a:rPr lang="en-US" altLang="ja-JP" sz="1100" dirty="0">
+                <a:solidFill>
+                  <a:schemeClr val="tx1"/>
+                </a:solidFill>
+                <a:latin typeface="+mn-ea"/>
+              </a:rPr>
+              <a:t>Python</a:t>
+            </a:r>
+            <a:r>
+              <a:rPr lang="ja-JP" altLang="en-US" sz="1100">
+                <a:solidFill>
+                  <a:schemeClr val="tx1"/>
+                </a:solidFill>
+                <a:latin typeface="+mn-ea"/>
+              </a:rPr>
+              <a:t>の</a:t>
+            </a:r>
+            <a:r>
+              <a:rPr lang="en-US" altLang="ja-JP" sz="1100" dirty="0" err="1">
+                <a:solidFill>
+                  <a:schemeClr val="tx1"/>
+                </a:solidFill>
+                <a:latin typeface="+mn-ea"/>
+              </a:rPr>
+              <a:t>Keras</a:t>
+            </a:r>
+            <a:r>
+              <a:rPr lang="ja-JP" altLang="en-US" sz="1100">
+                <a:solidFill>
+                  <a:schemeClr val="tx1"/>
+                </a:solidFill>
+                <a:latin typeface="+mn-ea"/>
+              </a:rPr>
+              <a:t>ライブラリを用いた。下記に</a:t>
+            </a:r>
+            <a:r>
+              <a:rPr lang="en-US" altLang="ja-JP" sz="1100" dirty="0" err="1">
+                <a:solidFill>
+                  <a:schemeClr val="tx1"/>
+                </a:solidFill>
+                <a:latin typeface="+mn-ea"/>
+              </a:rPr>
+              <a:t>Keras</a:t>
+            </a:r>
+            <a:r>
+              <a:rPr lang="en-US" altLang="ja-JP" sz="1100" dirty="0">
+                <a:solidFill>
+                  <a:schemeClr val="tx1"/>
+                </a:solidFill>
+                <a:latin typeface="+mn-ea"/>
+              </a:rPr>
+              <a:t> </a:t>
+            </a:r>
+            <a:r>
+              <a:rPr lang="ja-JP" altLang="en-US" sz="1100">
+                <a:solidFill>
+                  <a:schemeClr val="tx1"/>
+                </a:solidFill>
+                <a:latin typeface="+mn-ea"/>
+              </a:rPr>
+              <a:t>による</a:t>
+            </a:r>
+            <a:r>
+              <a:rPr lang="en-US" altLang="ja-JP" sz="1100" dirty="0">
+                <a:solidFill>
+                  <a:schemeClr val="tx1"/>
+                </a:solidFill>
+                <a:latin typeface="+mn-ea"/>
+              </a:rPr>
+              <a:t>CNN</a:t>
+            </a:r>
+            <a:r>
+              <a:rPr lang="ja-JP" altLang="en-US" sz="1100">
+                <a:solidFill>
+                  <a:schemeClr val="tx1"/>
+                </a:solidFill>
+                <a:latin typeface="+mn-ea"/>
+              </a:rPr>
+              <a:t>のモデルを示す。トレーニングによるオーバーフィッティングを防ぐためにドロップアウトレイラーを採用した。</a:t>
+            </a:r>
+            <a:endParaRPr lang="en-US" altLang="ja-JP" sz="1100" dirty="0">
+              <a:solidFill>
+                <a:schemeClr val="tx1"/>
+              </a:solidFill>
+              <a:latin typeface="+mn-ea"/>
+            </a:endParaRPr>
+          </a:p>
+        </p:txBody>
+      </p:sp>
+      <p:sp>
+        <p:nvSpPr>
+          <p:cNvPr id="151" name="正方形/長方形 150">
+            <a:extLst>
+              <a:ext uri="{FF2B5EF4-FFF2-40B4-BE49-F238E27FC236}">
+                <a16:creationId xmlns:a16="http://schemas.microsoft.com/office/drawing/2014/main" id="{10D87603-C7B8-EF40-BC3E-5F7F8D88E075}"/>
+              </a:ext>
+            </a:extLst>
+          </p:cNvPr>
+          <p:cNvSpPr/>
+          <p:nvPr/>
+        </p:nvSpPr>
+        <p:spPr>
+          <a:xfrm>
+            <a:off x="6335971" y="8120817"/>
+            <a:ext cx="2254534" cy="245292"/>
+          </a:xfrm>
+          <a:prstGeom prst="rect">
+            <a:avLst/>
+          </a:prstGeom>
+          <a:solidFill>
+            <a:schemeClr val="bg1">
+              <a:lumMod val="95000"/>
+            </a:schemeClr>
+          </a:solidFill>
+          <a:ln>
+            <a:noFill/>
+          </a:ln>
+        </p:spPr>
+        <p:style>
+          <a:lnRef idx="2">
+            <a:schemeClr val="accent1">
+              <a:shade val="50000"/>
+            </a:schemeClr>
+          </a:lnRef>
+          <a:fillRef idx="1">
+            <a:schemeClr val="accent1"/>
+          </a:fillRef>
+          <a:effectRef idx="0">
+            <a:schemeClr val="accent1"/>
+          </a:effectRef>
+          <a:fontRef idx="minor">
+            <a:schemeClr val="lt1"/>
+          </a:fontRef>
+        </p:style>
+        <p:txBody>
+          <a:bodyPr rtlCol="0" anchor="ctr"/>
+          <a:lstStyle/>
+          <a:p>
+            <a:r>
+              <a:rPr lang="ja-JP" altLang="en-US" sz="1400" b="1">
+                <a:solidFill>
+                  <a:schemeClr val="tx1"/>
+                </a:solidFill>
+                <a:latin typeface="+mj-ea"/>
+                <a:ea typeface="+mj-ea"/>
+              </a:rPr>
+              <a:t>■隠れ層のトレーニング</a:t>
+            </a:r>
+          </a:p>
+        </p:txBody>
+      </p:sp>
+      <p:sp>
+        <p:nvSpPr>
+          <p:cNvPr id="158" name="正方形/長方形 157">
+            <a:extLst>
+              <a:ext uri="{FF2B5EF4-FFF2-40B4-BE49-F238E27FC236}">
+                <a16:creationId xmlns:a16="http://schemas.microsoft.com/office/drawing/2014/main" id="{28C6E4E6-C25B-F549-B8A6-3B8FD146066D}"/>
+              </a:ext>
+            </a:extLst>
+          </p:cNvPr>
+          <p:cNvSpPr/>
+          <p:nvPr/>
+        </p:nvSpPr>
+        <p:spPr>
+          <a:xfrm>
+            <a:off x="6398399" y="8156653"/>
+            <a:ext cx="6431412" cy="663725"/>
+          </a:xfrm>
+          <a:prstGeom prst="rect">
+            <a:avLst/>
+          </a:prstGeom>
+          <a:noFill/>
+          <a:ln>
+            <a:noFill/>
+          </a:ln>
+        </p:spPr>
+        <p:style>
+          <a:lnRef idx="2">
+            <a:schemeClr val="accent1">
+              <a:shade val="50000"/>
+            </a:schemeClr>
+          </a:lnRef>
+          <a:fillRef idx="1">
+            <a:schemeClr val="accent1"/>
+          </a:fillRef>
+          <a:effectRef idx="0">
+            <a:schemeClr val="accent1"/>
+          </a:effectRef>
+          <a:fontRef idx="minor">
+            <a:schemeClr val="lt1"/>
+          </a:fontRef>
+        </p:style>
+        <p:txBody>
+          <a:bodyPr rtlCol="0" anchor="t" anchorCtr="0"/>
+          <a:lstStyle/>
+          <a:p>
+            <a:r>
+              <a:rPr lang="ja-JP" altLang="en-US" sz="1100">
+                <a:solidFill>
+                  <a:schemeClr val="tx1"/>
+                </a:solidFill>
+                <a:latin typeface="+mn-ea"/>
+              </a:rPr>
+              <a:t>　　　　　　　　　　　　　　　　設計工数を削除するために数字推定</a:t>
+            </a:r>
+            <a:r>
+              <a:rPr lang="en-US" altLang="ja-JP" sz="1100" dirty="0">
+                <a:solidFill>
+                  <a:schemeClr val="tx1"/>
+                </a:solidFill>
+                <a:latin typeface="+mn-ea"/>
+              </a:rPr>
+              <a:t>CNN</a:t>
+            </a:r>
+            <a:r>
+              <a:rPr lang="ja-JP" altLang="en-US" sz="1100">
+                <a:solidFill>
+                  <a:schemeClr val="tx1"/>
+                </a:solidFill>
+                <a:latin typeface="+mn-ea"/>
+              </a:rPr>
+              <a:t>の学習には画像データセットの</a:t>
+            </a:r>
+            <a:r>
+              <a:rPr lang="en-US" altLang="ja-JP" sz="1100" dirty="0">
+                <a:solidFill>
+                  <a:schemeClr val="tx1"/>
+                </a:solidFill>
+                <a:latin typeface="+mn-ea"/>
+              </a:rPr>
+              <a:t>MNIST</a:t>
+            </a:r>
+            <a:r>
+              <a:rPr lang="ja-JP" altLang="en-US" sz="1100">
+                <a:solidFill>
+                  <a:schemeClr val="tx1"/>
+                </a:solidFill>
+                <a:latin typeface="+mn-ea"/>
+              </a:rPr>
+              <a:t>を用いた。ブロックの色推定</a:t>
+            </a:r>
+            <a:r>
+              <a:rPr lang="en-US" altLang="ja-JP" sz="1100" dirty="0">
+                <a:solidFill>
+                  <a:schemeClr val="tx1"/>
+                </a:solidFill>
+                <a:latin typeface="+mn-ea"/>
+              </a:rPr>
+              <a:t>CNN </a:t>
+            </a:r>
+            <a:r>
+              <a:rPr lang="ja-JP" altLang="en-US" sz="1100">
+                <a:solidFill>
+                  <a:schemeClr val="tx1"/>
+                </a:solidFill>
+                <a:latin typeface="+mn-ea"/>
+              </a:rPr>
+              <a:t>の学習に使うトレイニング、バリデーション、テストデータはカメラシステムを用いて作成した。下記に数字推定</a:t>
+            </a:r>
+            <a:r>
+              <a:rPr lang="en-US" altLang="ja-JP" sz="1100" dirty="0">
+                <a:solidFill>
+                  <a:schemeClr val="tx1"/>
+                </a:solidFill>
+                <a:latin typeface="+mn-ea"/>
+              </a:rPr>
+              <a:t>CNN</a:t>
+            </a:r>
+            <a:r>
+              <a:rPr lang="ja-JP" altLang="en-US" sz="1100">
+                <a:solidFill>
+                  <a:schemeClr val="tx1"/>
+                </a:solidFill>
+                <a:latin typeface="+mn-ea"/>
+              </a:rPr>
+              <a:t>の学習結果を示す。学習の結果</a:t>
+            </a:r>
+            <a:r>
+              <a:rPr lang="en-US" altLang="ja-JP" sz="1100" dirty="0">
+                <a:solidFill>
+                  <a:schemeClr val="tx1"/>
+                </a:solidFill>
+                <a:latin typeface="+mn-ea"/>
+              </a:rPr>
+              <a:t> 97%</a:t>
+            </a:r>
+            <a:r>
+              <a:rPr lang="ja-JP" altLang="en-US" sz="1100">
+                <a:solidFill>
+                  <a:schemeClr val="tx1"/>
+                </a:solidFill>
+                <a:latin typeface="+mn-ea"/>
+              </a:rPr>
+              <a:t>以上の精度で数字を推定する事が出来た。</a:t>
+            </a:r>
+            <a:endParaRPr lang="en-US" altLang="ja-JP" sz="1100" dirty="0">
+              <a:solidFill>
+                <a:schemeClr val="tx1"/>
+              </a:solidFill>
+              <a:latin typeface="+mn-ea"/>
+            </a:endParaRPr>
+          </a:p>
+        </p:txBody>
+      </p:sp>
+      <p:pic>
+        <p:nvPicPr>
+          <p:cNvPr id="8" name="図 7">
+            <a:extLst>
+              <a:ext uri="{FF2B5EF4-FFF2-40B4-BE49-F238E27FC236}">
+                <a16:creationId xmlns:a16="http://schemas.microsoft.com/office/drawing/2014/main" id="{3F622EA4-E9C3-F144-BBAF-6E8F04AEBB07}"/>
+              </a:ext>
+            </a:extLst>
+          </p:cNvPr>
+          <p:cNvPicPr>
+            <a:picLocks noChangeAspect="1"/>
+          </p:cNvPicPr>
+          <p:nvPr/>
+        </p:nvPicPr>
+        <p:blipFill>
+          <a:blip r:embed="rId7">
+            <a:extLst>
+              <a:ext uri="{28A0092B-C50C-407E-A947-70E740481C1C}">
+                <a14:useLocalDpi xmlns:a14="http://schemas.microsoft.com/office/drawing/2010/main" val="0"/>
+              </a:ext>
+            </a:extLst>
+          </a:blip>
+          <a:stretch>
+            <a:fillRect/>
+          </a:stretch>
+        </p:blipFill>
+        <p:spPr>
+          <a:xfrm>
+            <a:off x="6423995" y="8910550"/>
+            <a:ext cx="4887510" cy="656616"/>
+          </a:xfrm>
+          <a:prstGeom prst="rect">
+            <a:avLst/>
+          </a:prstGeom>
+        </p:spPr>
+      </p:pic>
     </p:spTree>
     <p:extLst>
       <p:ext uri="{BB962C8B-B14F-4D97-AF65-F5344CB8AC3E}">

--- a/Specification/hirojiren_model_file_advanced.pptx
+++ b/Specification/hirojiren_model_file_advanced.pptx
@@ -3316,7 +3316,7 @@
               </a:rPr>
               <a:t>要求モデル</a:t>
             </a:r>
-            <a:endParaRPr lang="en-US" altLang="ja-JP" u="sng" dirty="0">
+            <a:endParaRPr lang="en-US" altLang="ja-JP" dirty="0">
               <a:solidFill>
                 <a:prstClr val="black"/>
               </a:solidFill>
@@ -3336,24 +3336,14 @@
               <a:buChar char="•"/>
             </a:pPr>
             <a:r>
-              <a:rPr lang="en-US" altLang="ja-JP" dirty="0" err="1">
+              <a:rPr lang="ja-JP" altLang="en-US">
                 <a:solidFill>
                   <a:prstClr val="black"/>
                 </a:solidFill>
                 <a:latin typeface="HG丸ｺﾞｼｯｸM-PRO" panose="020F0600000000000000" pitchFamily="50" charset="-128"/>
                 <a:ea typeface="HG丸ｺﾞｼｯｸM-PRO" panose="020F0600000000000000" pitchFamily="50" charset="-128"/>
               </a:rPr>
-              <a:t>SysML</a:t>
-            </a:r>
-            <a:r>
-              <a:rPr lang="ja-JP" altLang="en-US">
-                <a:solidFill>
-                  <a:prstClr val="black"/>
-                </a:solidFill>
-                <a:latin typeface="HG丸ｺﾞｼｯｸM-PRO" panose="020F0600000000000000" pitchFamily="50" charset="-128"/>
-                <a:ea typeface="HG丸ｺﾞｼｯｸM-PRO" panose="020F0600000000000000" pitchFamily="50" charset="-128"/>
-              </a:rPr>
-              <a:t>の要求図、ユースケース図、機能フロー図を用いて要求分析を行った。</a:t>
+              <a:t>要求図では、システムの機能は導出されていないがステークホルダー要求、プロジェクトのコンセプトも示している。</a:t>
             </a:r>
             <a:endParaRPr lang="en-US" altLang="ja-JP" dirty="0">
               <a:solidFill>
@@ -3382,7 +3372,7 @@
                 <a:latin typeface="HG丸ｺﾞｼｯｸM-PRO" panose="020F0600000000000000" pitchFamily="50" charset="-128"/>
                 <a:ea typeface="HG丸ｺﾞｼｯｸM-PRO" panose="020F0600000000000000" pitchFamily="50" charset="-128"/>
               </a:rPr>
-              <a:t>システムの目的をプロジェクトの目的と目標から導出している。</a:t>
+              <a:t>ユースケース図では、司令システムと走行体システムの振る舞いと周辺との関係を分析した。</a:t>
             </a:r>
             <a:endParaRPr lang="en-US" altLang="ja-JP" dirty="0">
               <a:solidFill>
@@ -3411,7 +3401,27 @@
                 <a:latin typeface="HG丸ｺﾞｼｯｸM-PRO" panose="020F0600000000000000" pitchFamily="50" charset="-128"/>
                 <a:ea typeface="HG丸ｺﾞｼｯｸM-PRO" panose="020F0600000000000000" pitchFamily="50" charset="-128"/>
               </a:rPr>
-              <a:t>活動のコンセプトである「シンプルに設計する」と「単純化」を要求図の中に示している。</a:t>
+              <a:t>機能フロー図を</a:t>
+            </a:r>
+            <a:r>
+              <a:rPr lang="en-US" altLang="ja-JP" dirty="0" err="1">
+                <a:solidFill>
+                  <a:prstClr val="black"/>
+                </a:solidFill>
+                <a:latin typeface="HG丸ｺﾞｼｯｸM-PRO" panose="020F0600000000000000" pitchFamily="50" charset="-128"/>
+                <a:ea typeface="HG丸ｺﾞｼｯｸM-PRO" panose="020F0600000000000000" pitchFamily="50" charset="-128"/>
+              </a:rPr>
+              <a:t>SysML</a:t>
+            </a:r>
+            <a:r>
+              <a:rPr lang="ja-JP" altLang="en-US">
+                <a:solidFill>
+                  <a:prstClr val="black"/>
+                </a:solidFill>
+                <a:latin typeface="HG丸ｺﾞｼｯｸM-PRO" panose="020F0600000000000000" pitchFamily="50" charset="-128"/>
+                <a:ea typeface="HG丸ｺﾞｼｯｸM-PRO" panose="020F0600000000000000" pitchFamily="50" charset="-128"/>
+              </a:rPr>
+              <a:t>のアクティビティ図で表現した。</a:t>
             </a:r>
             <a:endParaRPr lang="en-US" altLang="ja-JP" dirty="0">
               <a:solidFill>
@@ -3422,17 +3432,15 @@
             </a:endParaRPr>
           </a:p>
           <a:p>
-            <a:pPr marL="285750" lvl="0" indent="-285750" defTabSz="914400" eaLnBrk="1" hangingPunct="1">
+            <a:pPr marL="0" lvl="0" indent="0" defTabSz="914400" eaLnBrk="1" hangingPunct="1">
               <a:lnSpc>
                 <a:spcPct val="80000"/>
               </a:lnSpc>
               <a:spcBef>
                 <a:spcPts val="600"/>
               </a:spcBef>
-              <a:buFont typeface="Arial" panose="020B0604020202020204" pitchFamily="34" charset="0"/>
-              <a:buChar char="•"/>
             </a:pPr>
-            <a:endParaRPr lang="en-US" altLang="ja-JP" u="sng" dirty="0">
+            <a:endParaRPr lang="en-US" altLang="ja-JP" dirty="0">
               <a:solidFill>
                 <a:prstClr val="black"/>
               </a:solidFill>
@@ -3468,45 +3476,6 @@
                 <a:ea typeface="HG丸ｺﾞｼｯｸM-PRO" panose="020F0600000000000000" pitchFamily="50" charset="-128"/>
               </a:rPr>
               <a:t>分析モデル</a:t>
-            </a:r>
-            <a:endParaRPr lang="en-US" altLang="ja-JP" u="sng" dirty="0">
-              <a:solidFill>
-                <a:prstClr val="black"/>
-              </a:solidFill>
-              <a:latin typeface="HG丸ｺﾞｼｯｸM-PRO" panose="020F0600000000000000" pitchFamily="50" charset="-128"/>
-              <a:ea typeface="HG丸ｺﾞｼｯｸM-PRO" panose="020F0600000000000000" pitchFamily="50" charset="-128"/>
-            </a:endParaRPr>
-          </a:p>
-          <a:p>
-            <a:pPr marL="342900" lvl="0" indent="-342900" defTabSz="914400" eaLnBrk="1" hangingPunct="1">
-              <a:lnSpc>
-                <a:spcPct val="80000"/>
-              </a:lnSpc>
-              <a:spcBef>
-                <a:spcPts val="600"/>
-              </a:spcBef>
-              <a:buFont typeface="Arial" panose="020B0604020202020204" pitchFamily="34" charset="0"/>
-              <a:buChar char="•"/>
-            </a:pPr>
-            <a:r>
-              <a:rPr lang="en-US" altLang="ja-JP" dirty="0" err="1">
-                <a:solidFill>
-                  <a:prstClr val="black"/>
-                </a:solidFill>
-                <a:latin typeface="HG丸ｺﾞｼｯｸM-PRO" panose="020F0600000000000000" pitchFamily="50" charset="-128"/>
-                <a:ea typeface="HG丸ｺﾞｼｯｸM-PRO" panose="020F0600000000000000" pitchFamily="50" charset="-128"/>
-              </a:rPr>
-              <a:t>SysML</a:t>
-            </a:r>
-            <a:r>
-              <a:rPr lang="ja-JP" altLang="en-US">
-                <a:solidFill>
-                  <a:prstClr val="black"/>
-                </a:solidFill>
-                <a:latin typeface="HG丸ｺﾞｼｯｸM-PRO" panose="020F0600000000000000" pitchFamily="50" charset="-128"/>
-                <a:ea typeface="HG丸ｺﾞｼｯｸM-PRO" panose="020F0600000000000000" pitchFamily="50" charset="-128"/>
-              </a:rPr>
-              <a:t>のブロック図、状態遷移図、シーケンス図を用いて分析モデルを記述している。</a:t>
             </a:r>
             <a:endParaRPr lang="en-US" altLang="ja-JP" dirty="0">
               <a:solidFill>
@@ -3535,7 +3504,87 @@
                 <a:latin typeface="HG丸ｺﾞｼｯｸM-PRO" panose="020F0600000000000000" pitchFamily="50" charset="-128"/>
                 <a:ea typeface="HG丸ｺﾞｼｯｸM-PRO" panose="020F0600000000000000" pitchFamily="50" charset="-128"/>
               </a:rPr>
-              <a:t>状態遷移図を用いて動作定義の表現を試みた。</a:t>
+              <a:t>ゲームの要素定義では、実際に存在する要素</a:t>
+            </a:r>
+            <a:r>
+              <a:rPr lang="en-US" altLang="ja-JP" dirty="0">
+                <a:solidFill>
+                  <a:prstClr val="black"/>
+                </a:solidFill>
+                <a:latin typeface="HG丸ｺﾞｼｯｸM-PRO" panose="020F0600000000000000" pitchFamily="50" charset="-128"/>
+                <a:ea typeface="HG丸ｺﾞｼｯｸM-PRO" panose="020F0600000000000000" pitchFamily="50" charset="-128"/>
+              </a:rPr>
+              <a:t>(</a:t>
+            </a:r>
+            <a:r>
+              <a:rPr lang="ja-JP" altLang="en-US">
+                <a:solidFill>
+                  <a:prstClr val="black"/>
+                </a:solidFill>
+                <a:latin typeface="HG丸ｺﾞｼｯｸM-PRO" panose="020F0600000000000000" pitchFamily="50" charset="-128"/>
+                <a:ea typeface="HG丸ｺﾞｼｯｸM-PRO" panose="020F0600000000000000" pitchFamily="50" charset="-128"/>
+              </a:rPr>
+              <a:t>ブロックや、ライン</a:t>
+            </a:r>
+            <a:r>
+              <a:rPr lang="en-US" altLang="ja-JP" dirty="0">
+                <a:solidFill>
+                  <a:prstClr val="black"/>
+                </a:solidFill>
+                <a:latin typeface="HG丸ｺﾞｼｯｸM-PRO" panose="020F0600000000000000" pitchFamily="50" charset="-128"/>
+                <a:ea typeface="HG丸ｺﾞｼｯｸM-PRO" panose="020F0600000000000000" pitchFamily="50" charset="-128"/>
+              </a:rPr>
+              <a:t>)</a:t>
+            </a:r>
+            <a:r>
+              <a:rPr lang="ja-JP" altLang="en-US">
+                <a:solidFill>
+                  <a:prstClr val="black"/>
+                </a:solidFill>
+                <a:latin typeface="HG丸ｺﾞｼｯｸM-PRO" panose="020F0600000000000000" pitchFamily="50" charset="-128"/>
+                <a:ea typeface="HG丸ｺﾞｼｯｸM-PRO" panose="020F0600000000000000" pitchFamily="50" charset="-128"/>
+              </a:rPr>
+              <a:t>だけではなく、システムがゲームを解法するのに必要な要素</a:t>
+            </a:r>
+            <a:r>
+              <a:rPr lang="en-US" altLang="ja-JP" dirty="0">
+                <a:solidFill>
+                  <a:prstClr val="black"/>
+                </a:solidFill>
+                <a:latin typeface="HG丸ｺﾞｼｯｸM-PRO" panose="020F0600000000000000" pitchFamily="50" charset="-128"/>
+                <a:ea typeface="HG丸ｺﾞｼｯｸM-PRO" panose="020F0600000000000000" pitchFamily="50" charset="-128"/>
+              </a:rPr>
+              <a:t>(</a:t>
+            </a:r>
+            <a:r>
+              <a:rPr lang="ja-JP" altLang="en-US">
+                <a:solidFill>
+                  <a:prstClr val="black"/>
+                </a:solidFill>
+                <a:latin typeface="HG丸ｺﾞｼｯｸM-PRO" panose="020F0600000000000000" pitchFamily="50" charset="-128"/>
+                <a:ea typeface="HG丸ｺﾞｼｯｸM-PRO" panose="020F0600000000000000" pitchFamily="50" charset="-128"/>
+              </a:rPr>
+              <a:t>マップやノード</a:t>
+            </a:r>
+            <a:r>
+              <a:rPr lang="en-US" altLang="ja-JP" dirty="0">
+                <a:solidFill>
+                  <a:prstClr val="black"/>
+                </a:solidFill>
+                <a:latin typeface="HG丸ｺﾞｼｯｸM-PRO" panose="020F0600000000000000" pitchFamily="50" charset="-128"/>
+                <a:ea typeface="HG丸ｺﾞｼｯｸM-PRO" panose="020F0600000000000000" pitchFamily="50" charset="-128"/>
+              </a:rPr>
+              <a:t>)</a:t>
+            </a:r>
+            <a:r>
+              <a:rPr lang="ja-JP" altLang="en-US">
+                <a:solidFill>
+                  <a:prstClr val="black"/>
+                </a:solidFill>
+                <a:latin typeface="HG丸ｺﾞｼｯｸM-PRO" panose="020F0600000000000000" pitchFamily="50" charset="-128"/>
+                <a:ea typeface="HG丸ｺﾞｼｯｸM-PRO" panose="020F0600000000000000" pitchFamily="50" charset="-128"/>
+              </a:rPr>
+              <a:t>も定義した。</a:t>
             </a:r>
             <a:endParaRPr lang="en-US" altLang="ja-JP" dirty="0">
               <a:solidFill>
@@ -3564,8 +3613,83 @@
                 <a:latin typeface="HG丸ｺﾞｼｯｸM-PRO" panose="020F0600000000000000" pitchFamily="50" charset="-128"/>
                 <a:ea typeface="HG丸ｺﾞｼｯｸM-PRO" panose="020F0600000000000000" pitchFamily="50" charset="-128"/>
               </a:rPr>
-              <a:t>解法の指針は活動のコンセプト「シンプルに設計する」から導いた。</a:t>
+              <a:t>走行体の動作定義では、状態遷移図を用いて動作の分析を試みた。明確に動作を表現する事が出来た。</a:t>
             </a:r>
+            <a:endParaRPr lang="en-US" altLang="ja-JP" dirty="0">
+              <a:solidFill>
+                <a:prstClr val="black"/>
+              </a:solidFill>
+              <a:latin typeface="HG丸ｺﾞｼｯｸM-PRO" panose="020F0600000000000000" pitchFamily="50" charset="-128"/>
+              <a:ea typeface="HG丸ｺﾞｼｯｸM-PRO" panose="020F0600000000000000" pitchFamily="50" charset="-128"/>
+            </a:endParaRPr>
+          </a:p>
+          <a:p>
+            <a:pPr marL="342900" lvl="0" indent="-342900" defTabSz="914400" eaLnBrk="1" hangingPunct="1">
+              <a:lnSpc>
+                <a:spcPct val="80000"/>
+              </a:lnSpc>
+              <a:spcBef>
+                <a:spcPts val="600"/>
+              </a:spcBef>
+              <a:buFont typeface="Arial" panose="020B0604020202020204" pitchFamily="34" charset="0"/>
+              <a:buChar char="•"/>
+            </a:pPr>
+            <a:r>
+              <a:rPr lang="ja-JP" altLang="en-US">
+                <a:solidFill>
+                  <a:prstClr val="black"/>
+                </a:solidFill>
+                <a:latin typeface="HG丸ｺﾞｼｯｸM-PRO" panose="020F0600000000000000" pitchFamily="50" charset="-128"/>
+                <a:ea typeface="HG丸ｺﾞｼｯｸM-PRO" panose="020F0600000000000000" pitchFamily="50" charset="-128"/>
+              </a:rPr>
+              <a:t>指針はプロジェクトのコンセプトから導出し、ゲームの解法として有効性があるかを検証した。</a:t>
+            </a:r>
+            <a:endParaRPr lang="en-US" altLang="ja-JP" dirty="0">
+              <a:solidFill>
+                <a:prstClr val="black"/>
+              </a:solidFill>
+              <a:latin typeface="HG丸ｺﾞｼｯｸM-PRO" panose="020F0600000000000000" pitchFamily="50" charset="-128"/>
+              <a:ea typeface="HG丸ｺﾞｼｯｸM-PRO" panose="020F0600000000000000" pitchFamily="50" charset="-128"/>
+            </a:endParaRPr>
+          </a:p>
+          <a:p>
+            <a:pPr marL="342900" lvl="0" indent="-342900" defTabSz="914400" eaLnBrk="1" hangingPunct="1">
+              <a:lnSpc>
+                <a:spcPct val="80000"/>
+              </a:lnSpc>
+              <a:spcBef>
+                <a:spcPts val="600"/>
+              </a:spcBef>
+              <a:buFont typeface="Arial" panose="020B0604020202020204" pitchFamily="34" charset="0"/>
+              <a:buChar char="•"/>
+            </a:pPr>
+            <a:r>
+              <a:rPr lang="ja-JP" altLang="en-US">
+                <a:solidFill>
+                  <a:prstClr val="black"/>
+                </a:solidFill>
+                <a:latin typeface="HG丸ｺﾞｼｯｸM-PRO" panose="020F0600000000000000" pitchFamily="50" charset="-128"/>
+                <a:ea typeface="HG丸ｺﾞｼｯｸM-PRO" panose="020F0600000000000000" pitchFamily="50" charset="-128"/>
+              </a:rPr>
+              <a:t>解法は、ゲームの解法に必要な要素とそれぞれの振る舞いをシーケンス図で分析した。</a:t>
+            </a:r>
+            <a:endParaRPr lang="en-US" altLang="ja-JP" dirty="0">
+              <a:solidFill>
+                <a:prstClr val="black"/>
+              </a:solidFill>
+              <a:latin typeface="HG丸ｺﾞｼｯｸM-PRO" panose="020F0600000000000000" pitchFamily="50" charset="-128"/>
+              <a:ea typeface="HG丸ｺﾞｼｯｸM-PRO" panose="020F0600000000000000" pitchFamily="50" charset="-128"/>
+            </a:endParaRPr>
+          </a:p>
+          <a:p>
+            <a:pPr marL="0" lvl="0" indent="0" defTabSz="914400" eaLnBrk="1" hangingPunct="1">
+              <a:lnSpc>
+                <a:spcPct val="80000"/>
+              </a:lnSpc>
+              <a:spcBef>
+                <a:spcPts val="600"/>
+              </a:spcBef>
+            </a:pPr>
             <a:endParaRPr lang="en-US" altLang="ja-JP" dirty="0">
               <a:solidFill>
                 <a:prstClr val="black"/>
@@ -3630,7 +3754,7 @@
                 <a:latin typeface="HG丸ｺﾞｼｯｸM-PRO" panose="020F0600000000000000" pitchFamily="50" charset="-128"/>
                 <a:ea typeface="HG丸ｺﾞｼｯｸM-PRO" panose="020F0600000000000000" pitchFamily="50" charset="-128"/>
               </a:rPr>
-              <a:t>構造モデルは</a:t>
+              <a:t>構造モデルは、システム全体を</a:t>
             </a:r>
             <a:r>
               <a:rPr lang="en-US" altLang="ja-JP" dirty="0" err="1">
@@ -3650,7 +3774,7 @@
                 <a:latin typeface="HG丸ｺﾞｼｯｸM-PRO" panose="020F0600000000000000" pitchFamily="50" charset="-128"/>
                 <a:ea typeface="HG丸ｺﾞｼｯｸM-PRO" panose="020F0600000000000000" pitchFamily="50" charset="-128"/>
               </a:rPr>
-              <a:t>のブロック図、振る舞いはシーケンス図で記述している。</a:t>
+              <a:t>のブロック図で記述している。</a:t>
             </a:r>
             <a:endParaRPr lang="en-US" altLang="ja-JP" dirty="0">
               <a:solidFill>
@@ -3762,27 +3886,7 @@
                 <a:latin typeface="HG丸ｺﾞｼｯｸM-PRO" panose="020F0600000000000000" pitchFamily="50" charset="-128"/>
                 <a:ea typeface="HG丸ｺﾞｼｯｸM-PRO" panose="020F0600000000000000" pitchFamily="50" charset="-128"/>
               </a:rPr>
-              <a:t>重点テーマである「画像処理」と「</a:t>
-            </a:r>
-            <a:r>
-              <a:rPr lang="en-US" altLang="ja-JP" dirty="0">
-                <a:solidFill>
-                  <a:prstClr val="black"/>
-                </a:solidFill>
-                <a:latin typeface="HG丸ｺﾞｼｯｸM-PRO" panose="020F0600000000000000" pitchFamily="50" charset="-128"/>
-                <a:ea typeface="HG丸ｺﾞｼｯｸM-PRO" panose="020F0600000000000000" pitchFamily="50" charset="-128"/>
-              </a:rPr>
-              <a:t>AI</a:t>
-            </a:r>
-            <a:r>
-              <a:rPr lang="ja-JP" altLang="en-US">
-                <a:solidFill>
-                  <a:prstClr val="black"/>
-                </a:solidFill>
-                <a:latin typeface="HG丸ｺﾞｼｯｸM-PRO" panose="020F0600000000000000" pitchFamily="50" charset="-128"/>
-                <a:ea typeface="HG丸ｺﾞｼｯｸM-PRO" panose="020F0600000000000000" pitchFamily="50" charset="-128"/>
-              </a:rPr>
-              <a:t>の活用」を中心に記述している</a:t>
+              <a:t>制御戦略では、要求モデル、分析モデルで抽出した機能を実現するための要素技術を示している。</a:t>
             </a:r>
             <a:endParaRPr lang="en-US" altLang="ja-JP" dirty="0">
               <a:solidFill>
@@ -3793,14 +3897,26 @@
             </a:endParaRPr>
           </a:p>
           <a:p>
-            <a:pPr marL="0" indent="0" eaLnBrk="1" hangingPunct="1">
+            <a:pPr marL="285750" lvl="0" indent="-285750" defTabSz="914400" eaLnBrk="1" hangingPunct="1">
               <a:lnSpc>
                 <a:spcPct val="80000"/>
               </a:lnSpc>
               <a:spcBef>
                 <a:spcPts val="600"/>
               </a:spcBef>
+              <a:buFont typeface="Arial" panose="020B0604020202020204" pitchFamily="34" charset="0"/>
+              <a:buChar char="•"/>
             </a:pPr>
+            <a:r>
+              <a:rPr lang="ja-JP" altLang="en-US">
+                <a:solidFill>
+                  <a:prstClr val="black"/>
+                </a:solidFill>
+                <a:latin typeface="HG丸ｺﾞｼｯｸM-PRO" panose="020F0600000000000000" pitchFamily="50" charset="-128"/>
+                <a:ea typeface="HG丸ｺﾞｼｯｸM-PRO" panose="020F0600000000000000" pitchFamily="50" charset="-128"/>
+              </a:rPr>
+              <a:t>要素技術では、画像処理と畳み込みニューラルネットワークを中心に記述している。</a:t>
+            </a:r>
             <a:endParaRPr lang="ja-JP" altLang="en-US" dirty="0">
               <a:latin typeface="HG丸ｺﾞｼｯｸM-PRO" panose="020F0600000000000000" pitchFamily="50" charset="-128"/>
               <a:ea typeface="HG丸ｺﾞｼｯｸM-PRO" panose="020F0600000000000000" pitchFamily="50" charset="-128"/>
@@ -4388,31 +4504,26 @@
               <a:buChar char="•"/>
             </a:pPr>
             <a:r>
+              <a:rPr lang="ja-JP" altLang="en-US">
+                <a:latin typeface="HG丸ｺﾞｼｯｸM-PRO" panose="020F0600000000000000" pitchFamily="50" charset="-128"/>
+                <a:ea typeface="HG丸ｺﾞｼｯｸM-PRO" panose="020F0600000000000000" pitchFamily="50" charset="-128"/>
+              </a:rPr>
+              <a:t>モデリング言語は</a:t>
+            </a:r>
+            <a:r>
               <a:rPr lang="en-US" altLang="ja-JP" dirty="0" err="1">
                 <a:latin typeface="HG丸ｺﾞｼｯｸM-PRO" panose="020F0600000000000000" pitchFamily="50" charset="-128"/>
                 <a:ea typeface="HG丸ｺﾞｼｯｸM-PRO" panose="020F0600000000000000" pitchFamily="50" charset="-128"/>
               </a:rPr>
-              <a:t>SysMLをつかってモデル記述を行う</a:t>
+              <a:t>SysML</a:t>
             </a:r>
             <a:r>
-              <a:rPr lang="en-US" altLang="ja-JP" dirty="0">
+              <a:rPr lang="ja-JP" altLang="en-US">
                 <a:latin typeface="HG丸ｺﾞｼｯｸM-PRO" panose="020F0600000000000000" pitchFamily="50" charset="-128"/>
                 <a:ea typeface="HG丸ｺﾞｼｯｸM-PRO" panose="020F0600000000000000" pitchFamily="50" charset="-128"/>
               </a:rPr>
-              <a:t>。</a:t>
+              <a:t>を選択した。</a:t>
             </a:r>
-          </a:p>
-          <a:p>
-            <a:pPr marL="196850" indent="-196850" eaLnBrk="1" hangingPunct="1">
-              <a:lnSpc>
-                <a:spcPct val="80000"/>
-              </a:lnSpc>
-              <a:spcBef>
-                <a:spcPts val="600"/>
-              </a:spcBef>
-              <a:buFont typeface="Arial" panose="020B0604020202020204" pitchFamily="34" charset="0"/>
-              <a:buChar char="•"/>
-            </a:pPr>
             <a:endParaRPr lang="en-US" altLang="ja-JP" dirty="0">
               <a:latin typeface="HG丸ｺﾞｼｯｸM-PRO" panose="020F0600000000000000" pitchFamily="50" charset="-128"/>
               <a:ea typeface="HG丸ｺﾞｼｯｸM-PRO" panose="020F0600000000000000" pitchFamily="50" charset="-128"/>
@@ -4434,38 +4545,8 @@
                 <a:latin typeface="HG丸ｺﾞｼｯｸM-PRO" panose="020F0600000000000000" pitchFamily="50" charset="-128"/>
                 <a:ea typeface="HG丸ｺﾞｼｯｸM-PRO" panose="020F0600000000000000" pitchFamily="50" charset="-128"/>
               </a:rPr>
-              <a:t>リザルトタイム「</a:t>
+              <a:t>要求モデルでは、プロジェクトの目的から目標、システムの目的、目標まで導出した。システムは「司令システム」と「走行体システム」で構成し、それぞれの振る舞いを機能フロー図で記述している。</a:t>
             </a:r>
-            <a:r>
-              <a:rPr lang="en-US" altLang="ja-JP" dirty="0">
-                <a:latin typeface="HG丸ｺﾞｼｯｸM-PRO" panose="020F0600000000000000" pitchFamily="50" charset="-128"/>
-                <a:ea typeface="HG丸ｺﾞｼｯｸM-PRO" panose="020F0600000000000000" pitchFamily="50" charset="-128"/>
-              </a:rPr>
-              <a:t>20</a:t>
-            </a:r>
-            <a:r>
-              <a:rPr lang="ja-JP" altLang="en-US">
-                <a:latin typeface="HG丸ｺﾞｼｯｸM-PRO" panose="020F0600000000000000" pitchFamily="50" charset="-128"/>
-                <a:ea typeface="HG丸ｺﾞｼｯｸM-PRO" panose="020F0600000000000000" pitchFamily="50" charset="-128"/>
-              </a:rPr>
-              <a:t>秒以下」をシステム目標とし、それを実現するための要件を分析した。</a:t>
-            </a:r>
-            <a:endParaRPr lang="en-US" altLang="ja-JP" dirty="0">
-              <a:latin typeface="HG丸ｺﾞｼｯｸM-PRO" panose="020F0600000000000000" pitchFamily="50" charset="-128"/>
-              <a:ea typeface="HG丸ｺﾞｼｯｸM-PRO" panose="020F0600000000000000" pitchFamily="50" charset="-128"/>
-            </a:endParaRPr>
-          </a:p>
-          <a:p>
-            <a:pPr marL="196850" indent="-196850" eaLnBrk="1" hangingPunct="1">
-              <a:lnSpc>
-                <a:spcPct val="80000"/>
-              </a:lnSpc>
-              <a:spcBef>
-                <a:spcPts val="600"/>
-              </a:spcBef>
-              <a:buFont typeface="Arial" panose="020B0604020202020204" pitchFamily="34" charset="0"/>
-              <a:buChar char="•"/>
-            </a:pPr>
             <a:endParaRPr lang="en-US" altLang="ja-JP" dirty="0">
               <a:latin typeface="HG丸ｺﾞｼｯｸM-PRO" panose="020F0600000000000000" pitchFamily="50" charset="-128"/>
               <a:ea typeface="HG丸ｺﾞｼｯｸM-PRO" panose="020F0600000000000000" pitchFamily="50" charset="-128"/>
@@ -4487,38 +4568,8 @@
                 <a:latin typeface="HG丸ｺﾞｼｯｸM-PRO" panose="020F0600000000000000" pitchFamily="50" charset="-128"/>
                 <a:ea typeface="HG丸ｺﾞｼｯｸM-PRO" panose="020F0600000000000000" pitchFamily="50" charset="-128"/>
               </a:rPr>
-              <a:t>機能実現では重点テーマである、画像処理と</a:t>
+              <a:t>分析モデルでは、走行体からみたゲームの要素と司令システムから見たゲームの要素を分析した。解法の指針は、プロジェクトのコンセプト「シンプルに設計する」に基づいて決定した。</a:t>
             </a:r>
-            <a:r>
-              <a:rPr lang="en-US" altLang="ja-JP" dirty="0">
-                <a:latin typeface="HG丸ｺﾞｼｯｸM-PRO" panose="020F0600000000000000" pitchFamily="50" charset="-128"/>
-                <a:ea typeface="HG丸ｺﾞｼｯｸM-PRO" panose="020F0600000000000000" pitchFamily="50" charset="-128"/>
-              </a:rPr>
-              <a:t>AI</a:t>
-            </a:r>
-            <a:r>
-              <a:rPr lang="ja-JP" altLang="en-US">
-                <a:latin typeface="HG丸ｺﾞｼｯｸM-PRO" panose="020F0600000000000000" pitchFamily="50" charset="-128"/>
-                <a:ea typeface="HG丸ｺﾞｼｯｸM-PRO" panose="020F0600000000000000" pitchFamily="50" charset="-128"/>
-              </a:rPr>
-              <a:t>を有効的に活用した。</a:t>
-            </a:r>
-            <a:endParaRPr lang="en-US" altLang="ja-JP" dirty="0">
-              <a:latin typeface="HG丸ｺﾞｼｯｸM-PRO" panose="020F0600000000000000" pitchFamily="50" charset="-128"/>
-              <a:ea typeface="HG丸ｺﾞｼｯｸM-PRO" panose="020F0600000000000000" pitchFamily="50" charset="-128"/>
-            </a:endParaRPr>
-          </a:p>
-          <a:p>
-            <a:pPr marL="196850" indent="-196850" eaLnBrk="1" hangingPunct="1">
-              <a:lnSpc>
-                <a:spcPct val="80000"/>
-              </a:lnSpc>
-              <a:spcBef>
-                <a:spcPts val="600"/>
-              </a:spcBef>
-              <a:buFont typeface="Arial" panose="020B0604020202020204" pitchFamily="34" charset="0"/>
-              <a:buChar char="•"/>
-            </a:pPr>
             <a:endParaRPr lang="en-US" altLang="ja-JP" dirty="0">
               <a:latin typeface="HG丸ｺﾞｼｯｸM-PRO" panose="020F0600000000000000" pitchFamily="50" charset="-128"/>
               <a:ea typeface="HG丸ｺﾞｼｯｸM-PRO" panose="020F0600000000000000" pitchFamily="50" charset="-128"/>
@@ -4540,7 +4591,44 @@
                 <a:latin typeface="HG丸ｺﾞｼｯｸM-PRO" panose="020F0600000000000000" pitchFamily="50" charset="-128"/>
                 <a:ea typeface="HG丸ｺﾞｼｯｸM-PRO" panose="020F0600000000000000" pitchFamily="50" charset="-128"/>
               </a:rPr>
-              <a:t>分析モデル、設計モデルの振る舞いではブロック運搬の経路生成を中心に記述している。</a:t>
+              <a:t>設計モデルでは、プロジェクトのコンセプトとステークホルダーの要求から設計方針を決めた。構造モデルでは、要求モデル、分析モデルで導出した機能を「司令システム」と「走行体システム」に割り当てた。</a:t>
+            </a:r>
+            <a:endParaRPr lang="en-US" altLang="ja-JP" dirty="0">
+              <a:latin typeface="HG丸ｺﾞｼｯｸM-PRO" panose="020F0600000000000000" pitchFamily="50" charset="-128"/>
+              <a:ea typeface="HG丸ｺﾞｼｯｸM-PRO" panose="020F0600000000000000" pitchFamily="50" charset="-128"/>
+            </a:endParaRPr>
+          </a:p>
+          <a:p>
+            <a:pPr marL="196850" indent="-196850" eaLnBrk="1" hangingPunct="1">
+              <a:lnSpc>
+                <a:spcPct val="80000"/>
+              </a:lnSpc>
+              <a:spcBef>
+                <a:spcPts val="600"/>
+              </a:spcBef>
+              <a:buFont typeface="Arial" panose="020B0604020202020204" pitchFamily="34" charset="0"/>
+              <a:buChar char="•"/>
+            </a:pPr>
+            <a:r>
+              <a:rPr lang="ja-JP" altLang="en-US">
+                <a:latin typeface="HG丸ｺﾞｼｯｸM-PRO" panose="020F0600000000000000" pitchFamily="50" charset="-128"/>
+                <a:ea typeface="HG丸ｺﾞｼｯｸM-PRO" panose="020F0600000000000000" pitchFamily="50" charset="-128"/>
+              </a:rPr>
+              <a:t>制御モデルでは重点技術である、画像処理と</a:t>
+            </a:r>
+            <a:r>
+              <a:rPr lang="en-US" altLang="ja-JP" dirty="0">
+                <a:latin typeface="HG丸ｺﾞｼｯｸM-PRO" panose="020F0600000000000000" pitchFamily="50" charset="-128"/>
+                <a:ea typeface="HG丸ｺﾞｼｯｸM-PRO" panose="020F0600000000000000" pitchFamily="50" charset="-128"/>
+              </a:rPr>
+              <a:t>AI</a:t>
+            </a:r>
+            <a:r>
+              <a:rPr lang="ja-JP" altLang="en-US">
+                <a:latin typeface="HG丸ｺﾞｼｯｸM-PRO" panose="020F0600000000000000" pitchFamily="50" charset="-128"/>
+                <a:ea typeface="HG丸ｺﾞｼｯｸM-PRO" panose="020F0600000000000000" pitchFamily="50" charset="-128"/>
+              </a:rPr>
+              <a:t>を有効的に活用した制御戦略について述べた。</a:t>
             </a:r>
             <a:endParaRPr lang="en-US" altLang="ja-JP" dirty="0">
               <a:latin typeface="HG丸ｺﾞｼｯｸM-PRO" panose="020F0600000000000000" pitchFamily="50" charset="-128"/>

--- a/Specification/hirojiren_model_file_advanced.pptx
+++ b/Specification/hirojiren_model_file_advanced.pptx
@@ -167,7 +167,7 @@
     </p:ext>
     <p:ext uri="{EFAFB233-063F-42B5-8137-9DF3F51BA10A}">
       <p15:sldGuideLst xmlns:p15="http://schemas.microsoft.com/office/powerpoint/2012/main">
-        <p15:guide id="1" orient="horz" pos="3024">
+        <p15:guide id="1" orient="horz" pos="3478" userDrawn="1">
           <p15:clr>
             <a:srgbClr val="A4A3A4"/>
           </p15:clr>
@@ -3613,7 +3613,7 @@
                 <a:latin typeface="HG丸ｺﾞｼｯｸM-PRO" panose="020F0600000000000000" pitchFamily="50" charset="-128"/>
                 <a:ea typeface="HG丸ｺﾞｼｯｸM-PRO" panose="020F0600000000000000" pitchFamily="50" charset="-128"/>
               </a:rPr>
-              <a:t>走行体の動作定義では、状態遷移図を用いて動作の分析を試みた。明確に動作を表現する事が出来た。</a:t>
+              <a:t>走行体の動作定義では、状態遷移図を用いて動作の分析を試みた。その結果、明確に動作を表現する事が出来た。</a:t>
             </a:r>
             <a:endParaRPr lang="en-US" altLang="ja-JP" dirty="0">
               <a:solidFill>
@@ -4186,6 +4186,13 @@
               <a:buFont typeface="Arial" panose="020B0604020202020204" pitchFamily="34" charset="0"/>
               <a:buChar char="•"/>
             </a:pPr>
+            <a:r>
+              <a:rPr lang="ja-JP" altLang="en-US">
+                <a:latin typeface="HG丸ｺﾞｼｯｸM-PRO" panose="020F0600000000000000" pitchFamily="50" charset="-128"/>
+                <a:ea typeface="HG丸ｺﾞｼｯｸM-PRO" panose="020F0600000000000000" pitchFamily="50" charset="-128"/>
+              </a:rPr>
+              <a:t>リーン開発にチャレンジする。</a:t>
+            </a:r>
             <a:endParaRPr lang="en-US" altLang="ja-JP" dirty="0">
               <a:latin typeface="HG丸ｺﾞｼｯｸM-PRO" panose="020F0600000000000000" pitchFamily="50" charset="-128"/>
               <a:ea typeface="HG丸ｺﾞｼｯｸM-PRO" panose="020F0600000000000000" pitchFamily="50" charset="-128"/>
@@ -4568,7 +4575,7 @@
                 <a:latin typeface="HG丸ｺﾞｼｯｸM-PRO" panose="020F0600000000000000" pitchFamily="50" charset="-128"/>
                 <a:ea typeface="HG丸ｺﾞｼｯｸM-PRO" panose="020F0600000000000000" pitchFamily="50" charset="-128"/>
               </a:rPr>
-              <a:t>分析モデルでは、走行体からみたゲームの要素と司令システムから見たゲームの要素を分析した。解法の指針は、プロジェクトのコンセプト「シンプルに設計する」に基づいて決定した。</a:t>
+              <a:t>分析モデルでは、走行体から見たゲームの要素と司令システムから見たゲームの要素を分析した。解法の指針は、プロジェクトのコンセプト「シンプルに設計する」に基づいて決定した。</a:t>
             </a:r>
             <a:endParaRPr lang="en-US" altLang="ja-JP" dirty="0">
               <a:latin typeface="HG丸ｺﾞｼｯｸM-PRO" panose="020F0600000000000000" pitchFamily="50" charset="-128"/>
@@ -5227,7 +5234,7 @@
           </p:nvSpPr>
           <p:spPr>
             <a:xfrm>
-              <a:off x="4816624" y="5316477"/>
+              <a:off x="550892" y="5474064"/>
               <a:ext cx="479107" cy="304219"/>
             </a:xfrm>
             <a:prstGeom prst="rect">
@@ -5326,13 +5333,13 @@
                 <a:t>要求モデルを</a:t>
               </a:r>
               <a:r>
-                <a:rPr lang="en-US" altLang="ja-JP" sz="1100" dirty="0">
+                <a:rPr lang="en-US" altLang="ja-JP" sz="1100" dirty="0" err="1">
                   <a:solidFill>
                     <a:schemeClr val="tx1"/>
                   </a:solidFill>
                   <a:latin typeface="+mn-ea"/>
                 </a:rPr>
-                <a:t>SYSML</a:t>
+                <a:t>SysML</a:t>
               </a:r>
               <a:r>
                 <a:rPr lang="ja-JP" altLang="en-US" sz="1100">
@@ -5624,7 +5631,7 @@
           <p:spPr>
             <a:xfrm>
               <a:off x="2224336" y="7680920"/>
-              <a:ext cx="4079162" cy="400878"/>
+              <a:ext cx="4079162" cy="523920"/>
             </a:xfrm>
             <a:prstGeom prst="rect">
               <a:avLst/>
@@ -5697,7 +5704,7 @@
                   </a:solidFill>
                   <a:latin typeface="+mn-ea"/>
                 </a:rPr>
-                <a:t>と走行体システムで構成するコンセプトとし、それぞれの振る舞いを定義した。</a:t>
+                <a:t>と走行体システムで構成するアーキテクチャのコンセプトとし、それぞれの振る舞いを定義した。</a:t>
               </a:r>
             </a:p>
           </p:txBody>
@@ -5716,8 +5723,8 @@
           </p:nvSpPr>
           <p:spPr>
             <a:xfrm>
-              <a:off x="4096544" y="9391352"/>
-              <a:ext cx="2232248" cy="216024"/>
+              <a:off x="3232448" y="9391352"/>
+              <a:ext cx="3117764" cy="216024"/>
             </a:xfrm>
             <a:prstGeom prst="rect">
               <a:avLst/>
@@ -5763,12 +5770,96 @@
                   </a:solidFill>
                   <a:latin typeface="+mn-ea"/>
                 </a:rPr>
-                <a:t>ユースケース記述は割愛する</a:t>
+                <a:t>ミスユースケースとユースケース記述は割愛</a:t>
               </a:r>
             </a:p>
           </p:txBody>
         </p:sp>
       </p:grpSp>
+      <p:sp>
+        <p:nvSpPr>
+          <p:cNvPr id="24" name="正方形/長方形 23">
+            <a:extLst>
+              <a:ext uri="{FF2B5EF4-FFF2-40B4-BE49-F238E27FC236}">
+                <a16:creationId xmlns:a16="http://schemas.microsoft.com/office/drawing/2014/main" id="{C2194D51-E568-E040-AEFB-07932E84216B}"/>
+              </a:ext>
+            </a:extLst>
+          </p:cNvPr>
+          <p:cNvSpPr/>
+          <p:nvPr/>
+        </p:nvSpPr>
+        <p:spPr>
+          <a:xfrm>
+            <a:off x="5104656" y="6096744"/>
+            <a:ext cx="1080120" cy="720080"/>
+          </a:xfrm>
+          <a:prstGeom prst="rect">
+            <a:avLst/>
+          </a:prstGeom>
+          <a:noFill/>
+          <a:ln>
+            <a:noFill/>
+          </a:ln>
+        </p:spPr>
+        <p:style>
+          <a:lnRef idx="2">
+            <a:schemeClr val="accent1">
+              <a:shade val="50000"/>
+            </a:schemeClr>
+          </a:lnRef>
+          <a:fillRef idx="1">
+            <a:schemeClr val="accent1"/>
+          </a:fillRef>
+          <a:effectRef idx="0">
+            <a:schemeClr val="accent1"/>
+          </a:effectRef>
+          <a:fontRef idx="minor">
+            <a:schemeClr val="lt1"/>
+          </a:fontRef>
+        </p:style>
+        <p:txBody>
+          <a:bodyPr rtlCol="0" anchor="t" anchorCtr="0"/>
+          <a:lstStyle/>
+          <a:p>
+            <a:r>
+              <a:rPr lang="en-US" altLang="ja-JP" sz="1050" dirty="0">
+                <a:solidFill>
+                  <a:schemeClr val="tx1"/>
+                </a:solidFill>
+                <a:latin typeface="+mn-ea"/>
+              </a:rPr>
+              <a:t>※</a:t>
+            </a:r>
+            <a:r>
+              <a:rPr lang="ja-JP" altLang="en-US" sz="1050">
+                <a:solidFill>
+                  <a:schemeClr val="tx1"/>
+                </a:solidFill>
+                <a:latin typeface="+mn-ea"/>
+              </a:rPr>
+              <a:t>成功率</a:t>
+            </a:r>
+            <a:r>
+              <a:rPr lang="en-US" altLang="ja-JP" sz="1050" dirty="0">
+                <a:solidFill>
+                  <a:schemeClr val="tx1"/>
+                </a:solidFill>
+                <a:latin typeface="+mn-ea"/>
+              </a:rPr>
+              <a:t>100%</a:t>
+            </a:r>
+            <a:r>
+              <a:rPr lang="ja-JP" altLang="en-US" sz="1050">
+                <a:solidFill>
+                  <a:schemeClr val="tx1"/>
+                </a:solidFill>
+                <a:latin typeface="+mn-ea"/>
+              </a:rPr>
+              <a:t>を満たす要求の記述は割愛</a:t>
+            </a:r>
+          </a:p>
+        </p:txBody>
+      </p:sp>
     </p:spTree>
     <p:extLst>
       <p:ext uri="{BB962C8B-B14F-4D97-AF65-F5344CB8AC3E}">
@@ -5859,69 +5950,6 @@
       </p:pic>
       <p:sp>
         <p:nvSpPr>
-          <p:cNvPr id="10" name="正方形/長方形 9">
-            <a:extLst>
-              <a:ext uri="{FF2B5EF4-FFF2-40B4-BE49-F238E27FC236}">
-                <a16:creationId xmlns:a16="http://schemas.microsoft.com/office/drawing/2014/main" id="{3C7EEDFF-0EDE-144B-8CAC-8A5BA8322D56}"/>
-              </a:ext>
-            </a:extLst>
-          </p:cNvPr>
-          <p:cNvSpPr/>
-          <p:nvPr/>
-        </p:nvSpPr>
-        <p:spPr>
-          <a:xfrm>
-            <a:off x="7385827" y="-3648100"/>
-            <a:ext cx="1904813" cy="448235"/>
-          </a:xfrm>
-          <a:prstGeom prst="rect">
-            <a:avLst/>
-          </a:prstGeom>
-          <a:solidFill>
-            <a:schemeClr val="accent1">
-              <a:lumMod val="20000"/>
-              <a:lumOff val="80000"/>
-            </a:schemeClr>
-          </a:solidFill>
-          <a:ln>
-            <a:noFill/>
-          </a:ln>
-        </p:spPr>
-        <p:style>
-          <a:lnRef idx="2">
-            <a:schemeClr val="accent1">
-              <a:shade val="50000"/>
-            </a:schemeClr>
-          </a:lnRef>
-          <a:fillRef idx="1">
-            <a:schemeClr val="accent1"/>
-          </a:fillRef>
-          <a:effectRef idx="0">
-            <a:schemeClr val="accent1"/>
-          </a:effectRef>
-          <a:fontRef idx="minor">
-            <a:schemeClr val="lt1"/>
-          </a:fontRef>
-        </p:style>
-        <p:txBody>
-          <a:bodyPr rtlCol="0" anchor="ctr"/>
-          <a:lstStyle/>
-          <a:p>
-            <a:pPr algn="ctr"/>
-            <a:r>
-              <a:rPr lang="ja-JP" altLang="en-US" sz="2400" b="1">
-                <a:solidFill>
-                  <a:schemeClr val="tx1"/>
-                </a:solidFill>
-                <a:latin typeface="+mn-ea"/>
-              </a:rPr>
-              <a:t>分析モデル</a:t>
-            </a:r>
-          </a:p>
-        </p:txBody>
-      </p:sp>
-      <p:sp>
-        <p:nvSpPr>
           <p:cNvPr id="11" name="正方形/長方形 10">
             <a:extLst>
               <a:ext uri="{FF2B5EF4-FFF2-40B4-BE49-F238E27FC236}">
@@ -6226,7 +6254,7 @@
           <p:nvPr>
             <p:extLst>
               <p:ext uri="{D42A27DB-BD31-4B8C-83A1-F6EECF244321}">
-                <p14:modId xmlns:p14="http://schemas.microsoft.com/office/powerpoint/2010/main" val="295490860"/>
+                <p14:modId xmlns:p14="http://schemas.microsoft.com/office/powerpoint/2010/main" val="3986944681"/>
               </p:ext>
             </p:extLst>
           </p:nvPr>
@@ -6356,7 +6384,7 @@
                         <a:rPr kumimoji="1" lang="ja-JP" altLang="en-US" sz="1100">
                           <a:latin typeface="+mn-lt"/>
                         </a:rPr>
-                        <a:t>①</a:t>
+                        <a:t>⑥</a:t>
                       </a:r>
                     </a:p>
                   </a:txBody>
@@ -6430,7 +6458,7 @@
                         <a:rPr kumimoji="1" lang="ja-JP" altLang="en-US" sz="1100">
                           <a:latin typeface="+mn-lt"/>
                         </a:rPr>
-                        <a:t>②</a:t>
+                        <a:t>⑦</a:t>
                       </a:r>
                     </a:p>
                   </a:txBody>
@@ -6504,7 +6532,7 @@
                         <a:rPr kumimoji="1" lang="ja-JP" altLang="en-US" sz="1100">
                           <a:latin typeface="+mn-lt"/>
                         </a:rPr>
-                        <a:t>③</a:t>
+                        <a:t>⑧</a:t>
                       </a:r>
                     </a:p>
                   </a:txBody>
@@ -6590,7 +6618,7 @@
                         <a:rPr kumimoji="1" lang="ja-JP" altLang="en-US" sz="1100">
                           <a:latin typeface="+mn-lt"/>
                         </a:rPr>
-                        <a:t>④</a:t>
+                        <a:t>⑨</a:t>
                       </a:r>
                     </a:p>
                   </a:txBody>
@@ -6773,13 +6801,13 @@
               <a:t>ゲームの構成要素を</a:t>
             </a:r>
             <a:r>
-              <a:rPr lang="en-US" altLang="ja-JP" sz="1100" dirty="0">
+              <a:rPr lang="en-US" altLang="ja-JP" sz="1100" dirty="0" err="1">
                 <a:solidFill>
                   <a:schemeClr val="tx1"/>
                 </a:solidFill>
                 <a:latin typeface="+mn-ea"/>
               </a:rPr>
-              <a:t>SYSML</a:t>
+              <a:t>SysML</a:t>
             </a:r>
             <a:r>
               <a:rPr lang="ja-JP" altLang="en-US" sz="1100">
@@ -6807,8 +6835,8 @@
         </p:nvSpPr>
         <p:spPr>
           <a:xfrm>
-            <a:off x="2545904" y="2930666"/>
-            <a:ext cx="2740501" cy="396498"/>
+            <a:off x="2545904" y="2784376"/>
+            <a:ext cx="2740501" cy="579408"/>
           </a:xfrm>
           <a:prstGeom prst="rect">
             <a:avLst/>
@@ -6845,24 +6873,7 @@
                 </a:solidFill>
                 <a:latin typeface="+mn-ea"/>
               </a:rPr>
-              <a:t>①ブロックサークルと交差サークルは</a:t>
-            </a:r>
-            <a:endParaRPr lang="en-US" altLang="ja-JP" sz="1100" dirty="0">
-              <a:solidFill>
-                <a:schemeClr val="tx1"/>
-              </a:solidFill>
-              <a:latin typeface="+mn-ea"/>
-            </a:endParaRPr>
-          </a:p>
-          <a:p>
-            <a:r>
-              <a:rPr lang="ja-JP" altLang="en-US" sz="1100">
-                <a:solidFill>
-                  <a:schemeClr val="tx1"/>
-                </a:solidFill>
-                <a:latin typeface="+mn-ea"/>
-              </a:rPr>
-              <a:t>　司令システム内では　接点</a:t>
+              <a:t>①司令システム内ではブロックサークルと交差サークルは接点</a:t>
             </a:r>
             <a:r>
               <a:rPr lang="en-US" altLang="ja-JP" sz="1100" dirty="0">
@@ -6898,24 +6909,7 @@
                 </a:solidFill>
                 <a:latin typeface="+mn-ea"/>
               </a:rPr>
-              <a:t>と</a:t>
-            </a:r>
-            <a:endParaRPr lang="en-US" altLang="ja-JP" sz="1100" dirty="0">
-              <a:solidFill>
-                <a:schemeClr val="tx1"/>
-              </a:solidFill>
-              <a:latin typeface="+mn-ea"/>
-            </a:endParaRPr>
-          </a:p>
-          <a:p>
-            <a:r>
-              <a:rPr lang="ja-JP" altLang="en-US" sz="1100">
-                <a:solidFill>
-                  <a:schemeClr val="tx1"/>
-                </a:solidFill>
-                <a:latin typeface="+mn-ea"/>
-              </a:rPr>
-              <a:t>　して扱う。</a:t>
+              <a:t>として扱う。コースは司令システムの中では左図のように扱う。</a:t>
             </a:r>
           </a:p>
         </p:txBody>
@@ -11208,7 +11202,7 @@
         </p:nvGrpSpPr>
         <p:grpSpPr>
           <a:xfrm>
-            <a:off x="2706419" y="3545706"/>
+            <a:off x="2706419" y="3504456"/>
             <a:ext cx="1233132" cy="506312"/>
             <a:chOff x="2717523" y="3288432"/>
             <a:chExt cx="1233132" cy="506312"/>
@@ -11705,8 +11699,8 @@
         </p:nvSpPr>
         <p:spPr>
           <a:xfrm>
-            <a:off x="258301" y="3053566"/>
-            <a:ext cx="479107" cy="304219"/>
+            <a:off x="851969" y="4030026"/>
+            <a:ext cx="905943" cy="304219"/>
           </a:xfrm>
           <a:prstGeom prst="rect">
             <a:avLst/>
@@ -11744,7 +11738,25 @@
                 </a:solidFill>
                 <a:latin typeface="+mn-ea"/>
               </a:rPr>
-              <a:t>②</a:t>
+              <a:t>②仮想</a:t>
+            </a:r>
+            <a:endParaRPr lang="en-US" altLang="ja-JP" sz="1400" b="1" dirty="0">
+              <a:solidFill>
+                <a:srgbClr val="FF0000"/>
+              </a:solidFill>
+              <a:latin typeface="+mn-ea"/>
+            </a:endParaRPr>
+          </a:p>
+          <a:p>
+            <a:pPr algn="ctr"/>
+            <a:r>
+              <a:rPr lang="ja-JP" altLang="en-US" sz="1400" b="1">
+                <a:solidFill>
+                  <a:srgbClr val="FF0000"/>
+                </a:solidFill>
+                <a:latin typeface="+mn-ea"/>
+              </a:rPr>
+              <a:t>ライン</a:t>
             </a:r>
           </a:p>
         </p:txBody>
@@ -11763,8 +11775,8 @@
         </p:nvSpPr>
         <p:spPr>
           <a:xfrm>
-            <a:off x="2512368" y="4182544"/>
-            <a:ext cx="2772481" cy="604822"/>
+            <a:off x="2512368" y="4008512"/>
+            <a:ext cx="2772481" cy="792088"/>
           </a:xfrm>
           <a:prstGeom prst="rect">
             <a:avLst/>
@@ -11801,41 +11813,7 @@
                 </a:solidFill>
                 <a:latin typeface="+mn-ea"/>
               </a:rPr>
-              <a:t>②左図の実線と点線はノード間の接続を　</a:t>
-            </a:r>
-            <a:endParaRPr lang="en-US" altLang="ja-JP" sz="1100" dirty="0">
-              <a:solidFill>
-                <a:schemeClr val="tx1"/>
-              </a:solidFill>
-              <a:latin typeface="+mn-ea"/>
-            </a:endParaRPr>
-          </a:p>
-          <a:p>
-            <a:r>
-              <a:rPr lang="ja-JP" altLang="en-US" sz="1100">
-                <a:solidFill>
-                  <a:schemeClr val="tx1"/>
-                </a:solidFill>
-                <a:latin typeface="+mn-ea"/>
-              </a:rPr>
-              <a:t>　示す。実線は実コース上にラインが</a:t>
-            </a:r>
-            <a:endParaRPr lang="en-US" altLang="ja-JP" sz="1100" dirty="0">
-              <a:solidFill>
-                <a:schemeClr val="tx1"/>
-              </a:solidFill>
-              <a:latin typeface="+mn-ea"/>
-            </a:endParaRPr>
-          </a:p>
-          <a:p>
-            <a:r>
-              <a:rPr lang="ja-JP" altLang="en-US" sz="1100">
-                <a:solidFill>
-                  <a:schemeClr val="tx1"/>
-                </a:solidFill>
-                <a:latin typeface="+mn-ea"/>
-              </a:rPr>
-              <a:t>　存在し、点線はラインが存在しない。</a:t>
+              <a:t>②実コースでは、交差サークルとブロックサークルはラインで接続されていないが、司令システムの中では、左図の点線で示す通り、接続する事でブロックサークルまでの経路探索を可能にする。</a:t>
             </a:r>
           </a:p>
         </p:txBody>
@@ -11854,7 +11832,7 @@
         </p:nvGrpSpPr>
         <p:grpSpPr>
           <a:xfrm>
-            <a:off x="3808512" y="3545706"/>
+            <a:off x="3808512" y="3504456"/>
             <a:ext cx="1233132" cy="530580"/>
             <a:chOff x="4291413" y="3859510"/>
             <a:chExt cx="1233132" cy="530580"/>
@@ -12352,8 +12330,8 @@
         </p:nvSpPr>
         <p:spPr>
           <a:xfrm>
-            <a:off x="2512368" y="4830616"/>
-            <a:ext cx="2772481" cy="604822"/>
+            <a:off x="2512368" y="4915858"/>
+            <a:ext cx="2772481" cy="706846"/>
           </a:xfrm>
           <a:prstGeom prst="rect">
             <a:avLst/>
@@ -12390,7 +12368,7 @@
                 </a:solidFill>
                 <a:latin typeface="+mn-ea"/>
               </a:rPr>
-              <a:t>③司令システムはブロック運搬経路を</a:t>
+              <a:t>③司令システムはマップを用いてブロック運搬経路を探索する。マップはブロックが置かれていないノードの集合である。</a:t>
             </a:r>
             <a:endParaRPr lang="en-US" altLang="ja-JP" sz="1100" dirty="0">
               <a:solidFill>
@@ -12407,24 +12385,7 @@
                 </a:solidFill>
                 <a:latin typeface="+mn-ea"/>
               </a:rPr>
-              <a:t>　探索するためにマップを持つ。マップ</a:t>
-            </a:r>
-            <a:endParaRPr lang="en-US" altLang="ja-JP" sz="1100" dirty="0">
-              <a:solidFill>
-                <a:schemeClr val="tx1"/>
-              </a:solidFill>
-              <a:latin typeface="+mn-ea"/>
-            </a:endParaRPr>
-          </a:p>
-          <a:p>
-            <a:r>
-              <a:rPr lang="ja-JP" altLang="en-US" sz="1100">
-                <a:solidFill>
-                  <a:schemeClr val="tx1"/>
-                </a:solidFill>
-                <a:latin typeface="+mn-ea"/>
-              </a:rPr>
-              <a:t>　はブロックが無いノードの集合である。</a:t>
+              <a:t>右図にマップの例を示す。</a:t>
             </a:r>
           </a:p>
         </p:txBody>
@@ -12501,8 +12462,8 @@
         </p:nvSpPr>
         <p:spPr>
           <a:xfrm>
-            <a:off x="469343" y="1785449"/>
-            <a:ext cx="479107" cy="304219"/>
+            <a:off x="50869" y="2396909"/>
+            <a:ext cx="897581" cy="304219"/>
           </a:xfrm>
           <a:prstGeom prst="rect">
             <a:avLst/>
@@ -12540,7 +12501,7 @@
                 </a:solidFill>
                 <a:latin typeface="+mn-ea"/>
               </a:rPr>
-              <a:t>③</a:t>
+              <a:t>③マップ</a:t>
             </a:r>
           </a:p>
         </p:txBody>
@@ -12631,7 +12592,7 @@
         </p:nvSpPr>
         <p:spPr>
           <a:xfrm>
-            <a:off x="2008312" y="5622704"/>
+            <a:off x="1997145" y="5623541"/>
             <a:ext cx="3240360" cy="281474"/>
           </a:xfrm>
           <a:prstGeom prst="rect">
@@ -12792,7 +12753,7 @@
                 </a:solidFill>
                 <a:latin typeface="+mn-ea"/>
               </a:rPr>
-              <a:t>①プロジェクトのコンセプト「単純化する」からブロックを避けるなどの</a:t>
+              <a:t>④プロジェクトのコンセプト「単純化する」からブロックを避けるなどの</a:t>
             </a:r>
             <a:endParaRPr lang="en-US" altLang="ja-JP" sz="1100" dirty="0">
               <a:solidFill>
@@ -12826,7 +12787,7 @@
                 </a:solidFill>
                 <a:latin typeface="+mn-ea"/>
               </a:rPr>
-              <a:t>②単純化のため、コマンド受信（更新）と動作を繰り返す。</a:t>
+              <a:t>⑤単純化のため、コマンド受信（更新）と動作を繰り返す。</a:t>
             </a:r>
           </a:p>
         </p:txBody>
@@ -12957,6 +12918,2229 @@
                 <a:ea typeface="+mj-ea"/>
               </a:rPr>
               <a:t>分析モデル</a:t>
+            </a:r>
+          </a:p>
+        </p:txBody>
+      </p:sp>
+      <p:sp>
+        <p:nvSpPr>
+          <p:cNvPr id="132" name="正方形/長方形 131">
+            <a:extLst>
+              <a:ext uri="{FF2B5EF4-FFF2-40B4-BE49-F238E27FC236}">
+                <a16:creationId xmlns:a16="http://schemas.microsoft.com/office/drawing/2014/main" id="{22D4081E-E8EE-2746-AC8A-9AC8A7A62D25}"/>
+              </a:ext>
+            </a:extLst>
+          </p:cNvPr>
+          <p:cNvSpPr/>
+          <p:nvPr/>
+        </p:nvSpPr>
+        <p:spPr>
+          <a:xfrm>
+            <a:off x="-7912" y="2696181"/>
+            <a:ext cx="981900" cy="304219"/>
+          </a:xfrm>
+          <a:prstGeom prst="rect">
+            <a:avLst/>
+          </a:prstGeom>
+          <a:noFill/>
+          <a:ln>
+            <a:noFill/>
+          </a:ln>
+        </p:spPr>
+        <p:style>
+          <a:lnRef idx="2">
+            <a:schemeClr val="accent1">
+              <a:shade val="50000"/>
+            </a:schemeClr>
+          </a:lnRef>
+          <a:fillRef idx="1">
+            <a:schemeClr val="accent1"/>
+          </a:fillRef>
+          <a:effectRef idx="0">
+            <a:schemeClr val="accent1"/>
+          </a:effectRef>
+          <a:fontRef idx="minor">
+            <a:schemeClr val="lt1"/>
+          </a:fontRef>
+        </p:style>
+        <p:txBody>
+          <a:bodyPr rtlCol="0" anchor="ctr"/>
+          <a:lstStyle/>
+          <a:p>
+            <a:pPr algn="ctr"/>
+            <a:r>
+              <a:rPr lang="ja-JP" altLang="en-US" sz="1400" b="1">
+                <a:solidFill>
+                  <a:srgbClr val="FF0000"/>
+                </a:solidFill>
+                <a:latin typeface="+mn-ea"/>
+              </a:rPr>
+              <a:t>①ノード</a:t>
+            </a:r>
+          </a:p>
+        </p:txBody>
+      </p:sp>
+      <p:grpSp>
+        <p:nvGrpSpPr>
+          <p:cNvPr id="135" name="グループ化 134">
+            <a:extLst>
+              <a:ext uri="{FF2B5EF4-FFF2-40B4-BE49-F238E27FC236}">
+                <a16:creationId xmlns:a16="http://schemas.microsoft.com/office/drawing/2014/main" id="{A7458608-B345-494D-A6C8-0E4612F8EFDA}"/>
+              </a:ext>
+            </a:extLst>
+          </p:cNvPr>
+          <p:cNvGrpSpPr/>
+          <p:nvPr/>
+        </p:nvGrpSpPr>
+        <p:grpSpPr>
+          <a:xfrm>
+            <a:off x="10649272" y="2361194"/>
+            <a:ext cx="2026653" cy="1873349"/>
+            <a:chOff x="3773714" y="3751943"/>
+            <a:chExt cx="2334611" cy="2158012"/>
+          </a:xfrm>
+        </p:grpSpPr>
+        <p:sp>
+          <p:nvSpPr>
+            <p:cNvPr id="136" name="正方形/長方形 135">
+              <a:extLst>
+                <a:ext uri="{FF2B5EF4-FFF2-40B4-BE49-F238E27FC236}">
+                  <a16:creationId xmlns:a16="http://schemas.microsoft.com/office/drawing/2014/main" id="{4B7176C2-BD6F-954A-BFF6-68BF9C0C2E2D}"/>
+                </a:ext>
+              </a:extLst>
+            </p:cNvPr>
+            <p:cNvSpPr/>
+            <p:nvPr/>
+          </p:nvSpPr>
+          <p:spPr>
+            <a:xfrm>
+              <a:off x="3773714" y="3751943"/>
+              <a:ext cx="2334611" cy="2158012"/>
+            </a:xfrm>
+            <a:prstGeom prst="rect">
+              <a:avLst/>
+            </a:prstGeom>
+            <a:solidFill>
+              <a:schemeClr val="bg1"/>
+            </a:solidFill>
+            <a:ln w="19050">
+              <a:solidFill>
+                <a:schemeClr val="tx1">
+                  <a:lumMod val="50000"/>
+                  <a:lumOff val="50000"/>
+                </a:schemeClr>
+              </a:solidFill>
+            </a:ln>
+          </p:spPr>
+          <p:style>
+            <a:lnRef idx="2">
+              <a:schemeClr val="accent1">
+                <a:shade val="50000"/>
+              </a:schemeClr>
+            </a:lnRef>
+            <a:fillRef idx="1">
+              <a:schemeClr val="accent1"/>
+            </a:fillRef>
+            <a:effectRef idx="0">
+              <a:schemeClr val="accent1"/>
+            </a:effectRef>
+            <a:fontRef idx="minor">
+              <a:schemeClr val="lt1"/>
+            </a:fontRef>
+          </p:style>
+          <p:txBody>
+            <a:bodyPr rtlCol="0" anchor="ctr"/>
+            <a:lstStyle/>
+            <a:p>
+              <a:pPr algn="ctr"/>
+              <a:endParaRPr kumimoji="1" lang="ja-JP" altLang="en-US"/>
+            </a:p>
+          </p:txBody>
+        </p:sp>
+        <p:grpSp>
+          <p:nvGrpSpPr>
+            <p:cNvPr id="137" name="グループ化 136">
+              <a:extLst>
+                <a:ext uri="{FF2B5EF4-FFF2-40B4-BE49-F238E27FC236}">
+                  <a16:creationId xmlns:a16="http://schemas.microsoft.com/office/drawing/2014/main" id="{851C070D-5911-2740-94B2-9388BC182DFE}"/>
+                </a:ext>
+              </a:extLst>
+            </p:cNvPr>
+            <p:cNvGrpSpPr/>
+            <p:nvPr/>
+          </p:nvGrpSpPr>
+          <p:grpSpPr>
+            <a:xfrm>
+              <a:off x="3910154" y="3811272"/>
+              <a:ext cx="2061730" cy="2039355"/>
+              <a:chOff x="623239" y="688708"/>
+              <a:chExt cx="2730192" cy="2700562"/>
+            </a:xfrm>
+          </p:grpSpPr>
+          <p:sp>
+            <p:nvSpPr>
+              <p:cNvPr id="138" name="円/楕円 137">
+                <a:extLst>
+                  <a:ext uri="{FF2B5EF4-FFF2-40B4-BE49-F238E27FC236}">
+                    <a16:creationId xmlns:a16="http://schemas.microsoft.com/office/drawing/2014/main" id="{39909F6F-0AE7-4240-9A25-93F97E928A0F}"/>
+                  </a:ext>
+                </a:extLst>
+              </p:cNvPr>
+              <p:cNvSpPr/>
+              <p:nvPr/>
+            </p:nvSpPr>
+            <p:spPr>
+              <a:xfrm>
+                <a:off x="1842301" y="1103528"/>
+                <a:ext cx="262437" cy="262437"/>
+              </a:xfrm>
+              <a:prstGeom prst="ellipse">
+                <a:avLst/>
+              </a:prstGeom>
+              <a:solidFill>
+                <a:schemeClr val="accent6"/>
+              </a:solidFill>
+              <a:ln w="12700">
+                <a:solidFill>
+                  <a:schemeClr val="bg1">
+                    <a:lumMod val="65000"/>
+                  </a:schemeClr>
+                </a:solidFill>
+              </a:ln>
+            </p:spPr>
+            <p:style>
+              <a:lnRef idx="2">
+                <a:schemeClr val="accent1">
+                  <a:shade val="50000"/>
+                </a:schemeClr>
+              </a:lnRef>
+              <a:fillRef idx="1">
+                <a:schemeClr val="accent1"/>
+              </a:fillRef>
+              <a:effectRef idx="0">
+                <a:schemeClr val="accent1"/>
+              </a:effectRef>
+              <a:fontRef idx="minor">
+                <a:schemeClr val="lt1"/>
+              </a:fontRef>
+            </p:style>
+            <p:txBody>
+              <a:bodyPr rtlCol="0" anchor="ctr" anchorCtr="0"/>
+              <a:lstStyle/>
+              <a:p>
+                <a:pPr algn="ctr"/>
+                <a:r>
+                  <a:rPr lang="en-US" altLang="ja-JP" sz="1000" dirty="0">
+                    <a:solidFill>
+                      <a:schemeClr val="tx1"/>
+                    </a:solidFill>
+                    <a:latin typeface="+mn-ea"/>
+                  </a:rPr>
+                  <a:t>5</a:t>
+                </a:r>
+                <a:endParaRPr kumimoji="1" lang="ja-JP" altLang="en-US" sz="1000" dirty="0" err="1">
+                  <a:solidFill>
+                    <a:schemeClr val="tx1"/>
+                  </a:solidFill>
+                  <a:latin typeface="+mn-ea"/>
+                </a:endParaRPr>
+              </a:p>
+            </p:txBody>
+          </p:sp>
+          <p:sp>
+            <p:nvSpPr>
+              <p:cNvPr id="139" name="円/楕円 138">
+                <a:extLst>
+                  <a:ext uri="{FF2B5EF4-FFF2-40B4-BE49-F238E27FC236}">
+                    <a16:creationId xmlns:a16="http://schemas.microsoft.com/office/drawing/2014/main" id="{24881C12-34F8-1E41-A63B-D9518B8166F4}"/>
+                  </a:ext>
+                </a:extLst>
+              </p:cNvPr>
+              <p:cNvSpPr/>
+              <p:nvPr/>
+            </p:nvSpPr>
+            <p:spPr>
+              <a:xfrm>
+                <a:off x="1842301" y="2728944"/>
+                <a:ext cx="262437" cy="262437"/>
+              </a:xfrm>
+              <a:prstGeom prst="ellipse">
+                <a:avLst/>
+              </a:prstGeom>
+              <a:solidFill>
+                <a:srgbClr val="FF0000"/>
+              </a:solidFill>
+              <a:ln w="12700">
+                <a:solidFill>
+                  <a:schemeClr val="tx1"/>
+                </a:solidFill>
+              </a:ln>
+            </p:spPr>
+            <p:style>
+              <a:lnRef idx="2">
+                <a:schemeClr val="accent1">
+                  <a:shade val="50000"/>
+                </a:schemeClr>
+              </a:lnRef>
+              <a:fillRef idx="1">
+                <a:schemeClr val="accent1"/>
+              </a:fillRef>
+              <a:effectRef idx="0">
+                <a:schemeClr val="accent1"/>
+              </a:effectRef>
+              <a:fontRef idx="minor">
+                <a:schemeClr val="lt1"/>
+              </a:fontRef>
+            </p:style>
+            <p:txBody>
+              <a:bodyPr rtlCol="0" anchor="ctr" anchorCtr="0"/>
+              <a:lstStyle/>
+              <a:p>
+                <a:pPr algn="ctr"/>
+                <a:r>
+                  <a:rPr kumimoji="1" lang="en-US" altLang="ja-JP" sz="1000" dirty="0">
+                    <a:solidFill>
+                      <a:schemeClr val="tx1"/>
+                    </a:solidFill>
+                    <a:latin typeface="+mn-ea"/>
+                  </a:rPr>
+                  <a:t>18</a:t>
+                </a:r>
+                <a:endParaRPr kumimoji="1" lang="ja-JP" altLang="en-US" sz="1000" dirty="0" err="1">
+                  <a:solidFill>
+                    <a:schemeClr val="tx1"/>
+                  </a:solidFill>
+                  <a:latin typeface="+mn-ea"/>
+                </a:endParaRPr>
+              </a:p>
+            </p:txBody>
+          </p:sp>
+          <p:sp>
+            <p:nvSpPr>
+              <p:cNvPr id="140" name="円/楕円 139">
+                <a:extLst>
+                  <a:ext uri="{FF2B5EF4-FFF2-40B4-BE49-F238E27FC236}">
+                    <a16:creationId xmlns:a16="http://schemas.microsoft.com/office/drawing/2014/main" id="{4162FD9A-45E7-B84A-99A9-BBF190AC8981}"/>
+                  </a:ext>
+                </a:extLst>
+              </p:cNvPr>
+              <p:cNvSpPr/>
+              <p:nvPr/>
+            </p:nvSpPr>
+            <p:spPr>
+              <a:xfrm>
+                <a:off x="1435947" y="688708"/>
+                <a:ext cx="262437" cy="262437"/>
+              </a:xfrm>
+              <a:prstGeom prst="ellipse">
+                <a:avLst/>
+              </a:prstGeom>
+              <a:solidFill>
+                <a:schemeClr val="bg1"/>
+              </a:solidFill>
+              <a:ln w="12700">
+                <a:solidFill>
+                  <a:schemeClr val="bg1">
+                    <a:lumMod val="65000"/>
+                  </a:schemeClr>
+                </a:solidFill>
+              </a:ln>
+            </p:spPr>
+            <p:style>
+              <a:lnRef idx="2">
+                <a:schemeClr val="accent1">
+                  <a:shade val="50000"/>
+                </a:schemeClr>
+              </a:lnRef>
+              <a:fillRef idx="1">
+                <a:schemeClr val="accent1"/>
+              </a:fillRef>
+              <a:effectRef idx="0">
+                <a:schemeClr val="accent1"/>
+              </a:effectRef>
+              <a:fontRef idx="minor">
+                <a:schemeClr val="lt1"/>
+              </a:fontRef>
+            </p:style>
+            <p:txBody>
+              <a:bodyPr rtlCol="0" anchor="ctr" anchorCtr="0"/>
+              <a:lstStyle/>
+              <a:p>
+                <a:pPr algn="ctr"/>
+                <a:r>
+                  <a:rPr kumimoji="1" lang="en-US" altLang="ja-JP" sz="1000" dirty="0">
+                    <a:solidFill>
+                      <a:schemeClr val="tx1"/>
+                    </a:solidFill>
+                    <a:latin typeface="+mn-ea"/>
+                  </a:rPr>
+                  <a:t>1</a:t>
+                </a:r>
+                <a:endParaRPr kumimoji="1" lang="ja-JP" altLang="en-US" sz="1000" dirty="0" err="1">
+                  <a:solidFill>
+                    <a:schemeClr val="tx1"/>
+                  </a:solidFill>
+                  <a:latin typeface="+mn-ea"/>
+                </a:endParaRPr>
+              </a:p>
+            </p:txBody>
+          </p:sp>
+          <p:sp>
+            <p:nvSpPr>
+              <p:cNvPr id="141" name="円/楕円 140">
+                <a:extLst>
+                  <a:ext uri="{FF2B5EF4-FFF2-40B4-BE49-F238E27FC236}">
+                    <a16:creationId xmlns:a16="http://schemas.microsoft.com/office/drawing/2014/main" id="{17A8EF46-8BE5-B945-A6A4-0A73A127FB96}"/>
+                  </a:ext>
+                </a:extLst>
+              </p:cNvPr>
+              <p:cNvSpPr/>
+              <p:nvPr/>
+            </p:nvSpPr>
+            <p:spPr>
+              <a:xfrm>
+                <a:off x="1029593" y="1103528"/>
+                <a:ext cx="262437" cy="262437"/>
+              </a:xfrm>
+              <a:prstGeom prst="ellipse">
+                <a:avLst/>
+              </a:prstGeom>
+              <a:solidFill>
+                <a:srgbClr val="FFFF00"/>
+              </a:solidFill>
+              <a:ln w="12700">
+                <a:solidFill>
+                  <a:schemeClr val="bg1">
+                    <a:lumMod val="65000"/>
+                  </a:schemeClr>
+                </a:solidFill>
+              </a:ln>
+            </p:spPr>
+            <p:style>
+              <a:lnRef idx="2">
+                <a:schemeClr val="accent1">
+                  <a:shade val="50000"/>
+                </a:schemeClr>
+              </a:lnRef>
+              <a:fillRef idx="1">
+                <a:schemeClr val="accent1"/>
+              </a:fillRef>
+              <a:effectRef idx="0">
+                <a:schemeClr val="accent1"/>
+              </a:effectRef>
+              <a:fontRef idx="minor">
+                <a:schemeClr val="lt1"/>
+              </a:fontRef>
+            </p:style>
+            <p:txBody>
+              <a:bodyPr rtlCol="0" anchor="ctr" anchorCtr="0"/>
+              <a:lstStyle/>
+              <a:p>
+                <a:pPr algn="ctr"/>
+                <a:r>
+                  <a:rPr lang="en-US" altLang="ja-JP" sz="1000" dirty="0">
+                    <a:solidFill>
+                      <a:schemeClr val="tx1"/>
+                    </a:solidFill>
+                    <a:latin typeface="+mn-ea"/>
+                  </a:rPr>
+                  <a:t>4</a:t>
+                </a:r>
+                <a:endParaRPr kumimoji="1" lang="ja-JP" altLang="en-US" sz="1000" dirty="0" err="1">
+                  <a:solidFill>
+                    <a:schemeClr val="tx1"/>
+                  </a:solidFill>
+                  <a:latin typeface="+mn-ea"/>
+                </a:endParaRPr>
+              </a:p>
+            </p:txBody>
+          </p:sp>
+          <p:sp>
+            <p:nvSpPr>
+              <p:cNvPr id="142" name="円/楕円 141">
+                <a:extLst>
+                  <a:ext uri="{FF2B5EF4-FFF2-40B4-BE49-F238E27FC236}">
+                    <a16:creationId xmlns:a16="http://schemas.microsoft.com/office/drawing/2014/main" id="{240F139A-FC0B-6743-B7C9-173E2883FC37}"/>
+                  </a:ext>
+                </a:extLst>
+              </p:cNvPr>
+              <p:cNvSpPr/>
+              <p:nvPr/>
+            </p:nvSpPr>
+            <p:spPr>
+              <a:xfrm>
+                <a:off x="623239" y="1509882"/>
+                <a:ext cx="262437" cy="262437"/>
+              </a:xfrm>
+              <a:prstGeom prst="ellipse">
+                <a:avLst/>
+              </a:prstGeom>
+              <a:solidFill>
+                <a:schemeClr val="bg1"/>
+              </a:solidFill>
+              <a:ln w="12700">
+                <a:solidFill>
+                  <a:schemeClr val="bg1">
+                    <a:lumMod val="65000"/>
+                  </a:schemeClr>
+                </a:solidFill>
+              </a:ln>
+            </p:spPr>
+            <p:style>
+              <a:lnRef idx="2">
+                <a:schemeClr val="accent1">
+                  <a:shade val="50000"/>
+                </a:schemeClr>
+              </a:lnRef>
+              <a:fillRef idx="1">
+                <a:schemeClr val="accent1"/>
+              </a:fillRef>
+              <a:effectRef idx="0">
+                <a:schemeClr val="accent1"/>
+              </a:effectRef>
+              <a:fontRef idx="minor">
+                <a:schemeClr val="lt1"/>
+              </a:fontRef>
+            </p:style>
+            <p:txBody>
+              <a:bodyPr rtlCol="0" anchor="ctr" anchorCtr="0"/>
+              <a:lstStyle/>
+              <a:p>
+                <a:pPr algn="ctr"/>
+                <a:r>
+                  <a:rPr kumimoji="1" lang="en-US" altLang="ja-JP" sz="1000" dirty="0">
+                    <a:solidFill>
+                      <a:schemeClr val="tx1"/>
+                    </a:solidFill>
+                    <a:latin typeface="+mn-ea"/>
+                  </a:rPr>
+                  <a:t>7</a:t>
+                </a:r>
+                <a:endParaRPr kumimoji="1" lang="ja-JP" altLang="en-US" sz="1000" dirty="0" err="1">
+                  <a:solidFill>
+                    <a:schemeClr val="tx1"/>
+                  </a:solidFill>
+                  <a:latin typeface="+mn-ea"/>
+                </a:endParaRPr>
+              </a:p>
+            </p:txBody>
+          </p:sp>
+          <p:sp>
+            <p:nvSpPr>
+              <p:cNvPr id="143" name="円/楕円 142">
+                <a:extLst>
+                  <a:ext uri="{FF2B5EF4-FFF2-40B4-BE49-F238E27FC236}">
+                    <a16:creationId xmlns:a16="http://schemas.microsoft.com/office/drawing/2014/main" id="{644F73CB-F00D-9F49-917D-A886226F6F99}"/>
+                  </a:ext>
+                </a:extLst>
+              </p:cNvPr>
+              <p:cNvSpPr/>
+              <p:nvPr/>
+            </p:nvSpPr>
+            <p:spPr>
+              <a:xfrm>
+                <a:off x="623239" y="2314125"/>
+                <a:ext cx="262437" cy="262437"/>
+              </a:xfrm>
+              <a:prstGeom prst="ellipse">
+                <a:avLst/>
+              </a:prstGeom>
+              <a:solidFill>
+                <a:schemeClr val="bg1"/>
+              </a:solidFill>
+              <a:ln w="12700">
+                <a:solidFill>
+                  <a:srgbClr val="FF0000"/>
+                </a:solidFill>
+              </a:ln>
+            </p:spPr>
+            <p:style>
+              <a:lnRef idx="2">
+                <a:schemeClr val="accent1">
+                  <a:shade val="50000"/>
+                </a:schemeClr>
+              </a:lnRef>
+              <a:fillRef idx="1">
+                <a:schemeClr val="accent1"/>
+              </a:fillRef>
+              <a:effectRef idx="0">
+                <a:schemeClr val="accent1"/>
+              </a:effectRef>
+              <a:fontRef idx="minor">
+                <a:schemeClr val="lt1"/>
+              </a:fontRef>
+            </p:style>
+            <p:txBody>
+              <a:bodyPr rtlCol="0" anchor="ctr" anchorCtr="0"/>
+              <a:lstStyle/>
+              <a:p>
+                <a:pPr algn="ctr"/>
+                <a:r>
+                  <a:rPr kumimoji="1" lang="en-US" altLang="ja-JP" sz="1000" dirty="0">
+                    <a:solidFill>
+                      <a:schemeClr val="tx1"/>
+                    </a:solidFill>
+                    <a:latin typeface="+mn-ea"/>
+                  </a:rPr>
+                  <a:t>13</a:t>
+                </a:r>
+                <a:endParaRPr kumimoji="1" lang="ja-JP" altLang="en-US" sz="1000" dirty="0" err="1">
+                  <a:solidFill>
+                    <a:schemeClr val="tx1"/>
+                  </a:solidFill>
+                  <a:latin typeface="+mn-ea"/>
+                </a:endParaRPr>
+              </a:p>
+            </p:txBody>
+          </p:sp>
+          <p:sp>
+            <p:nvSpPr>
+              <p:cNvPr id="144" name="円/楕円 143">
+                <a:extLst>
+                  <a:ext uri="{FF2B5EF4-FFF2-40B4-BE49-F238E27FC236}">
+                    <a16:creationId xmlns:a16="http://schemas.microsoft.com/office/drawing/2014/main" id="{59548270-3E08-C44F-B79E-CE88F80E48E6}"/>
+                  </a:ext>
+                </a:extLst>
+              </p:cNvPr>
+              <p:cNvSpPr/>
+              <p:nvPr/>
+            </p:nvSpPr>
+            <p:spPr>
+              <a:xfrm>
+                <a:off x="1435947" y="2314125"/>
+                <a:ext cx="262437" cy="262437"/>
+              </a:xfrm>
+              <a:prstGeom prst="ellipse">
+                <a:avLst/>
+              </a:prstGeom>
+              <a:solidFill>
+                <a:schemeClr val="bg1"/>
+              </a:solidFill>
+              <a:ln w="12700">
+                <a:solidFill>
+                  <a:schemeClr val="bg1">
+                    <a:lumMod val="65000"/>
+                  </a:schemeClr>
+                </a:solidFill>
+              </a:ln>
+            </p:spPr>
+            <p:style>
+              <a:lnRef idx="2">
+                <a:schemeClr val="accent1">
+                  <a:shade val="50000"/>
+                </a:schemeClr>
+              </a:lnRef>
+              <a:fillRef idx="1">
+                <a:schemeClr val="accent1"/>
+              </a:fillRef>
+              <a:effectRef idx="0">
+                <a:schemeClr val="accent1"/>
+              </a:effectRef>
+              <a:fontRef idx="minor">
+                <a:schemeClr val="lt1"/>
+              </a:fontRef>
+            </p:style>
+            <p:txBody>
+              <a:bodyPr rtlCol="0" anchor="ctr" anchorCtr="0"/>
+              <a:lstStyle/>
+              <a:p>
+                <a:pPr algn="ctr"/>
+                <a:r>
+                  <a:rPr kumimoji="1" lang="en-US" altLang="ja-JP" sz="1000" dirty="0">
+                    <a:solidFill>
+                      <a:schemeClr val="tx1"/>
+                    </a:solidFill>
+                    <a:latin typeface="+mn-ea"/>
+                  </a:rPr>
+                  <a:t>14</a:t>
+                </a:r>
+                <a:endParaRPr kumimoji="1" lang="ja-JP" altLang="en-US" sz="1000" dirty="0" err="1">
+                  <a:solidFill>
+                    <a:schemeClr val="tx1"/>
+                  </a:solidFill>
+                  <a:latin typeface="+mn-ea"/>
+                </a:endParaRPr>
+              </a:p>
+            </p:txBody>
+          </p:sp>
+          <p:sp>
+            <p:nvSpPr>
+              <p:cNvPr id="145" name="円/楕円 144">
+                <a:extLst>
+                  <a:ext uri="{FF2B5EF4-FFF2-40B4-BE49-F238E27FC236}">
+                    <a16:creationId xmlns:a16="http://schemas.microsoft.com/office/drawing/2014/main" id="{0BF29248-2598-5C46-8D2B-6899345B6C07}"/>
+                  </a:ext>
+                </a:extLst>
+              </p:cNvPr>
+              <p:cNvSpPr/>
+              <p:nvPr/>
+            </p:nvSpPr>
+            <p:spPr>
+              <a:xfrm>
+                <a:off x="623239" y="3126833"/>
+                <a:ext cx="262437" cy="262437"/>
+              </a:xfrm>
+              <a:prstGeom prst="ellipse">
+                <a:avLst/>
+              </a:prstGeom>
+              <a:solidFill>
+                <a:schemeClr val="bg1"/>
+              </a:solidFill>
+              <a:ln w="12700">
+                <a:solidFill>
+                  <a:schemeClr val="bg1">
+                    <a:lumMod val="65000"/>
+                  </a:schemeClr>
+                </a:solidFill>
+              </a:ln>
+            </p:spPr>
+            <p:style>
+              <a:lnRef idx="2">
+                <a:schemeClr val="accent1">
+                  <a:shade val="50000"/>
+                </a:schemeClr>
+              </a:lnRef>
+              <a:fillRef idx="1">
+                <a:schemeClr val="accent1"/>
+              </a:fillRef>
+              <a:effectRef idx="0">
+                <a:schemeClr val="accent1"/>
+              </a:effectRef>
+              <a:fontRef idx="minor">
+                <a:schemeClr val="lt1"/>
+              </a:fontRef>
+            </p:style>
+            <p:txBody>
+              <a:bodyPr rtlCol="0" anchor="ctr" anchorCtr="0"/>
+              <a:lstStyle/>
+              <a:p>
+                <a:pPr algn="ctr"/>
+                <a:r>
+                  <a:rPr kumimoji="1" lang="en-US" altLang="ja-JP" sz="1000" dirty="0">
+                    <a:solidFill>
+                      <a:schemeClr val="tx1"/>
+                    </a:solidFill>
+                    <a:latin typeface="+mn-ea"/>
+                  </a:rPr>
+                  <a:t>20</a:t>
+                </a:r>
+                <a:endParaRPr kumimoji="1" lang="ja-JP" altLang="en-US" sz="1000" dirty="0" err="1">
+                  <a:solidFill>
+                    <a:schemeClr val="tx1"/>
+                  </a:solidFill>
+                  <a:latin typeface="+mn-ea"/>
+                </a:endParaRPr>
+              </a:p>
+            </p:txBody>
+          </p:sp>
+          <p:sp>
+            <p:nvSpPr>
+              <p:cNvPr id="146" name="円/楕円 145">
+                <a:extLst>
+                  <a:ext uri="{FF2B5EF4-FFF2-40B4-BE49-F238E27FC236}">
+                    <a16:creationId xmlns:a16="http://schemas.microsoft.com/office/drawing/2014/main" id="{DF450F39-D4D7-2E4E-9B16-A64530D84588}"/>
+                  </a:ext>
+                </a:extLst>
+              </p:cNvPr>
+              <p:cNvSpPr/>
+              <p:nvPr/>
+            </p:nvSpPr>
+            <p:spPr>
+              <a:xfrm>
+                <a:off x="1029593" y="1916236"/>
+                <a:ext cx="262437" cy="262437"/>
+              </a:xfrm>
+              <a:prstGeom prst="ellipse">
+                <a:avLst/>
+              </a:prstGeom>
+              <a:solidFill>
+                <a:schemeClr val="accent5"/>
+              </a:solidFill>
+              <a:ln w="12700">
+                <a:solidFill>
+                  <a:schemeClr val="bg1">
+                    <a:lumMod val="65000"/>
+                  </a:schemeClr>
+                </a:solidFill>
+              </a:ln>
+            </p:spPr>
+            <p:style>
+              <a:lnRef idx="2">
+                <a:schemeClr val="accent1">
+                  <a:shade val="50000"/>
+                </a:schemeClr>
+              </a:lnRef>
+              <a:fillRef idx="1">
+                <a:schemeClr val="accent1"/>
+              </a:fillRef>
+              <a:effectRef idx="0">
+                <a:schemeClr val="accent1"/>
+              </a:effectRef>
+              <a:fontRef idx="minor">
+                <a:schemeClr val="lt1"/>
+              </a:fontRef>
+            </p:style>
+            <p:txBody>
+              <a:bodyPr rtlCol="0" anchor="ctr" anchorCtr="0"/>
+              <a:lstStyle/>
+              <a:p>
+                <a:pPr algn="ctr"/>
+                <a:r>
+                  <a:rPr kumimoji="1" lang="en-US" altLang="ja-JP" sz="1000" dirty="0">
+                    <a:solidFill>
+                      <a:schemeClr val="tx1"/>
+                    </a:solidFill>
+                    <a:latin typeface="+mn-ea"/>
+                  </a:rPr>
+                  <a:t>11</a:t>
+                </a:r>
+                <a:endParaRPr kumimoji="1" lang="ja-JP" altLang="en-US" sz="1000" dirty="0" err="1">
+                  <a:solidFill>
+                    <a:schemeClr val="tx1"/>
+                  </a:solidFill>
+                  <a:latin typeface="+mn-ea"/>
+                </a:endParaRPr>
+              </a:p>
+            </p:txBody>
+          </p:sp>
+          <p:cxnSp>
+            <p:nvCxnSpPr>
+              <p:cNvPr id="147" name="直線コネクタ 146">
+                <a:extLst>
+                  <a:ext uri="{FF2B5EF4-FFF2-40B4-BE49-F238E27FC236}">
+                    <a16:creationId xmlns:a16="http://schemas.microsoft.com/office/drawing/2014/main" id="{E2A73542-6C48-3243-9710-A86A9B102F68}"/>
+                  </a:ext>
+                </a:extLst>
+              </p:cNvPr>
+              <p:cNvCxnSpPr/>
+              <p:nvPr/>
+            </p:nvCxnSpPr>
+            <p:spPr>
+              <a:xfrm flipV="1">
+                <a:off x="754457" y="1772319"/>
+                <a:ext cx="0" cy="541806"/>
+              </a:xfrm>
+              <a:prstGeom prst="line">
+                <a:avLst/>
+              </a:prstGeom>
+              <a:ln w="12700">
+                <a:solidFill>
+                  <a:schemeClr val="bg1">
+                    <a:lumMod val="65000"/>
+                  </a:schemeClr>
+                </a:solidFill>
+              </a:ln>
+            </p:spPr>
+            <p:style>
+              <a:lnRef idx="1">
+                <a:schemeClr val="accent1"/>
+              </a:lnRef>
+              <a:fillRef idx="0">
+                <a:schemeClr val="accent1"/>
+              </a:fillRef>
+              <a:effectRef idx="0">
+                <a:schemeClr val="accent1"/>
+              </a:effectRef>
+              <a:fontRef idx="minor">
+                <a:schemeClr val="tx1"/>
+              </a:fontRef>
+            </p:style>
+          </p:cxnSp>
+          <p:cxnSp>
+            <p:nvCxnSpPr>
+              <p:cNvPr id="148" name="直線コネクタ 147">
+                <a:extLst>
+                  <a:ext uri="{FF2B5EF4-FFF2-40B4-BE49-F238E27FC236}">
+                    <a16:creationId xmlns:a16="http://schemas.microsoft.com/office/drawing/2014/main" id="{22E7D9FA-13CD-F24F-BC33-AE43146457BF}"/>
+                  </a:ext>
+                </a:extLst>
+              </p:cNvPr>
+              <p:cNvCxnSpPr>
+                <a:cxnSpLocks/>
+                <a:stCxn id="141" idx="7"/>
+                <a:endCxn id="140" idx="3"/>
+              </p:cNvCxnSpPr>
+              <p:nvPr/>
+            </p:nvCxnSpPr>
+            <p:spPr>
+              <a:xfrm flipV="1">
+                <a:off x="1253597" y="912712"/>
+                <a:ext cx="220783" cy="229249"/>
+              </a:xfrm>
+              <a:prstGeom prst="line">
+                <a:avLst/>
+              </a:prstGeom>
+              <a:ln w="12700">
+                <a:solidFill>
+                  <a:schemeClr val="bg1">
+                    <a:lumMod val="65000"/>
+                  </a:schemeClr>
+                </a:solidFill>
+              </a:ln>
+            </p:spPr>
+            <p:style>
+              <a:lnRef idx="1">
+                <a:schemeClr val="accent1"/>
+              </a:lnRef>
+              <a:fillRef idx="0">
+                <a:schemeClr val="accent1"/>
+              </a:fillRef>
+              <a:effectRef idx="0">
+                <a:schemeClr val="accent1"/>
+              </a:effectRef>
+              <a:fontRef idx="minor">
+                <a:schemeClr val="tx1"/>
+              </a:fontRef>
+            </p:style>
+          </p:cxnSp>
+          <p:cxnSp>
+            <p:nvCxnSpPr>
+              <p:cNvPr id="149" name="直線コネクタ 148">
+                <a:extLst>
+                  <a:ext uri="{FF2B5EF4-FFF2-40B4-BE49-F238E27FC236}">
+                    <a16:creationId xmlns:a16="http://schemas.microsoft.com/office/drawing/2014/main" id="{8E995302-3E35-E744-8E93-8AC4B51AE182}"/>
+                  </a:ext>
+                </a:extLst>
+              </p:cNvPr>
+              <p:cNvCxnSpPr>
+                <a:cxnSpLocks/>
+                <a:stCxn id="142" idx="7"/>
+                <a:endCxn id="141" idx="3"/>
+              </p:cNvCxnSpPr>
+              <p:nvPr/>
+            </p:nvCxnSpPr>
+            <p:spPr>
+              <a:xfrm flipV="1">
+                <a:off x="847243" y="1327532"/>
+                <a:ext cx="220783" cy="220783"/>
+              </a:xfrm>
+              <a:prstGeom prst="line">
+                <a:avLst/>
+              </a:prstGeom>
+              <a:ln w="12700">
+                <a:solidFill>
+                  <a:schemeClr val="bg1">
+                    <a:lumMod val="65000"/>
+                  </a:schemeClr>
+                </a:solidFill>
+              </a:ln>
+            </p:spPr>
+            <p:style>
+              <a:lnRef idx="1">
+                <a:schemeClr val="accent1"/>
+              </a:lnRef>
+              <a:fillRef idx="0">
+                <a:schemeClr val="accent1"/>
+              </a:fillRef>
+              <a:effectRef idx="0">
+                <a:schemeClr val="accent1"/>
+              </a:effectRef>
+              <a:fontRef idx="minor">
+                <a:schemeClr val="tx1"/>
+              </a:fontRef>
+            </p:style>
+          </p:cxnSp>
+          <p:cxnSp>
+            <p:nvCxnSpPr>
+              <p:cNvPr id="150" name="直線コネクタ 149">
+                <a:extLst>
+                  <a:ext uri="{FF2B5EF4-FFF2-40B4-BE49-F238E27FC236}">
+                    <a16:creationId xmlns:a16="http://schemas.microsoft.com/office/drawing/2014/main" id="{C4A7AB6D-694D-3349-85BF-3E29B7ACBFE7}"/>
+                  </a:ext>
+                </a:extLst>
+              </p:cNvPr>
+              <p:cNvCxnSpPr>
+                <a:cxnSpLocks/>
+                <a:stCxn id="145" idx="0"/>
+                <a:endCxn id="143" idx="4"/>
+              </p:cNvCxnSpPr>
+              <p:nvPr/>
+            </p:nvCxnSpPr>
+            <p:spPr>
+              <a:xfrm flipV="1">
+                <a:off x="754457" y="2576562"/>
+                <a:ext cx="0" cy="550271"/>
+              </a:xfrm>
+              <a:prstGeom prst="line">
+                <a:avLst/>
+              </a:prstGeom>
+              <a:ln w="12700">
+                <a:solidFill>
+                  <a:schemeClr val="bg1">
+                    <a:lumMod val="65000"/>
+                  </a:schemeClr>
+                </a:solidFill>
+              </a:ln>
+            </p:spPr>
+            <p:style>
+              <a:lnRef idx="1">
+                <a:schemeClr val="accent1"/>
+              </a:lnRef>
+              <a:fillRef idx="0">
+                <a:schemeClr val="accent1"/>
+              </a:fillRef>
+              <a:effectRef idx="0">
+                <a:schemeClr val="accent1"/>
+              </a:effectRef>
+              <a:fontRef idx="minor">
+                <a:schemeClr val="tx1"/>
+              </a:fontRef>
+            </p:style>
+          </p:cxnSp>
+          <p:cxnSp>
+            <p:nvCxnSpPr>
+              <p:cNvPr id="151" name="直線コネクタ 150">
+                <a:extLst>
+                  <a:ext uri="{FF2B5EF4-FFF2-40B4-BE49-F238E27FC236}">
+                    <a16:creationId xmlns:a16="http://schemas.microsoft.com/office/drawing/2014/main" id="{92CA810A-BB38-E84A-8250-B85791B0C20E}"/>
+                  </a:ext>
+                </a:extLst>
+              </p:cNvPr>
+              <p:cNvCxnSpPr>
+                <a:cxnSpLocks/>
+                <a:stCxn id="143" idx="7"/>
+                <a:endCxn id="146" idx="3"/>
+              </p:cNvCxnSpPr>
+              <p:nvPr/>
+            </p:nvCxnSpPr>
+            <p:spPr>
+              <a:xfrm flipV="1">
+                <a:off x="847243" y="2140240"/>
+                <a:ext cx="220783" cy="212317"/>
+              </a:xfrm>
+              <a:prstGeom prst="line">
+                <a:avLst/>
+              </a:prstGeom>
+              <a:ln w="12700">
+                <a:solidFill>
+                  <a:schemeClr val="bg1">
+                    <a:lumMod val="65000"/>
+                  </a:schemeClr>
+                </a:solidFill>
+              </a:ln>
+            </p:spPr>
+            <p:style>
+              <a:lnRef idx="1">
+                <a:schemeClr val="accent1"/>
+              </a:lnRef>
+              <a:fillRef idx="0">
+                <a:schemeClr val="accent1"/>
+              </a:fillRef>
+              <a:effectRef idx="0">
+                <a:schemeClr val="accent1"/>
+              </a:effectRef>
+              <a:fontRef idx="minor">
+                <a:schemeClr val="tx1"/>
+              </a:fontRef>
+            </p:style>
+          </p:cxnSp>
+          <p:cxnSp>
+            <p:nvCxnSpPr>
+              <p:cNvPr id="152" name="直線コネクタ 151">
+                <a:extLst>
+                  <a:ext uri="{FF2B5EF4-FFF2-40B4-BE49-F238E27FC236}">
+                    <a16:creationId xmlns:a16="http://schemas.microsoft.com/office/drawing/2014/main" id="{0F54FD2A-FB24-8A4F-A0B0-B88C3A3C58E8}"/>
+                  </a:ext>
+                </a:extLst>
+              </p:cNvPr>
+              <p:cNvCxnSpPr>
+                <a:cxnSpLocks/>
+                <a:stCxn id="146" idx="1"/>
+                <a:endCxn id="142" idx="5"/>
+              </p:cNvCxnSpPr>
+              <p:nvPr/>
+            </p:nvCxnSpPr>
+            <p:spPr>
+              <a:xfrm flipH="1" flipV="1">
+                <a:off x="847243" y="1733886"/>
+                <a:ext cx="220783" cy="220783"/>
+              </a:xfrm>
+              <a:prstGeom prst="line">
+                <a:avLst/>
+              </a:prstGeom>
+              <a:ln w="12700">
+                <a:solidFill>
+                  <a:schemeClr val="bg1">
+                    <a:lumMod val="65000"/>
+                  </a:schemeClr>
+                </a:solidFill>
+              </a:ln>
+            </p:spPr>
+            <p:style>
+              <a:lnRef idx="1">
+                <a:schemeClr val="accent1"/>
+              </a:lnRef>
+              <a:fillRef idx="0">
+                <a:schemeClr val="accent1"/>
+              </a:fillRef>
+              <a:effectRef idx="0">
+                <a:schemeClr val="accent1"/>
+              </a:effectRef>
+              <a:fontRef idx="minor">
+                <a:schemeClr val="tx1"/>
+              </a:fontRef>
+            </p:style>
+          </p:cxnSp>
+          <p:cxnSp>
+            <p:nvCxnSpPr>
+              <p:cNvPr id="153" name="直線コネクタ 152">
+                <a:extLst>
+                  <a:ext uri="{FF2B5EF4-FFF2-40B4-BE49-F238E27FC236}">
+                    <a16:creationId xmlns:a16="http://schemas.microsoft.com/office/drawing/2014/main" id="{FE3CCBBE-E29E-2C44-B976-556DABE320C6}"/>
+                  </a:ext>
+                </a:extLst>
+              </p:cNvPr>
+              <p:cNvCxnSpPr>
+                <a:cxnSpLocks/>
+                <a:stCxn id="143" idx="6"/>
+                <a:endCxn id="144" idx="2"/>
+              </p:cNvCxnSpPr>
+              <p:nvPr/>
+            </p:nvCxnSpPr>
+            <p:spPr>
+              <a:xfrm>
+                <a:off x="885676" y="2445343"/>
+                <a:ext cx="550271" cy="0"/>
+              </a:xfrm>
+              <a:prstGeom prst="line">
+                <a:avLst/>
+              </a:prstGeom>
+              <a:ln w="12700">
+                <a:solidFill>
+                  <a:schemeClr val="bg1">
+                    <a:lumMod val="65000"/>
+                  </a:schemeClr>
+                </a:solidFill>
+              </a:ln>
+            </p:spPr>
+            <p:style>
+              <a:lnRef idx="1">
+                <a:schemeClr val="accent1"/>
+              </a:lnRef>
+              <a:fillRef idx="0">
+                <a:schemeClr val="accent1"/>
+              </a:fillRef>
+              <a:effectRef idx="0">
+                <a:schemeClr val="accent1"/>
+              </a:effectRef>
+              <a:fontRef idx="minor">
+                <a:schemeClr val="tx1"/>
+              </a:fontRef>
+            </p:style>
+          </p:cxnSp>
+          <p:cxnSp>
+            <p:nvCxnSpPr>
+              <p:cNvPr id="154" name="直線コネクタ 153">
+                <a:extLst>
+                  <a:ext uri="{FF2B5EF4-FFF2-40B4-BE49-F238E27FC236}">
+                    <a16:creationId xmlns:a16="http://schemas.microsoft.com/office/drawing/2014/main" id="{B2E45F06-5B7B-7D4A-AC61-48240EB89CDB}"/>
+                  </a:ext>
+                </a:extLst>
+              </p:cNvPr>
+              <p:cNvCxnSpPr>
+                <a:cxnSpLocks/>
+                <a:stCxn id="144" idx="1"/>
+                <a:endCxn id="146" idx="5"/>
+              </p:cNvCxnSpPr>
+              <p:nvPr/>
+            </p:nvCxnSpPr>
+            <p:spPr>
+              <a:xfrm flipH="1" flipV="1">
+                <a:off x="1253597" y="2140240"/>
+                <a:ext cx="220783" cy="212317"/>
+              </a:xfrm>
+              <a:prstGeom prst="line">
+                <a:avLst/>
+              </a:prstGeom>
+              <a:ln w="12700">
+                <a:solidFill>
+                  <a:schemeClr val="bg1">
+                    <a:lumMod val="65000"/>
+                  </a:schemeClr>
+                </a:solidFill>
+              </a:ln>
+            </p:spPr>
+            <p:style>
+              <a:lnRef idx="1">
+                <a:schemeClr val="accent1"/>
+              </a:lnRef>
+              <a:fillRef idx="0">
+                <a:schemeClr val="accent1"/>
+              </a:fillRef>
+              <a:effectRef idx="0">
+                <a:schemeClr val="accent1"/>
+              </a:effectRef>
+              <a:fontRef idx="minor">
+                <a:schemeClr val="tx1"/>
+              </a:fontRef>
+            </p:style>
+          </p:cxnSp>
+          <p:sp>
+            <p:nvSpPr>
+              <p:cNvPr id="155" name="円/楕円 154">
+                <a:extLst>
+                  <a:ext uri="{FF2B5EF4-FFF2-40B4-BE49-F238E27FC236}">
+                    <a16:creationId xmlns:a16="http://schemas.microsoft.com/office/drawing/2014/main" id="{3BCA8410-8088-BC4E-B5E0-CE9C82E52525}"/>
+                  </a:ext>
+                </a:extLst>
+              </p:cNvPr>
+              <p:cNvSpPr/>
+              <p:nvPr/>
+            </p:nvSpPr>
+            <p:spPr>
+              <a:xfrm>
+                <a:off x="3090994" y="688708"/>
+                <a:ext cx="262437" cy="262437"/>
+              </a:xfrm>
+              <a:prstGeom prst="ellipse">
+                <a:avLst/>
+              </a:prstGeom>
+              <a:solidFill>
+                <a:schemeClr val="bg1"/>
+              </a:solidFill>
+              <a:ln w="12700">
+                <a:solidFill>
+                  <a:schemeClr val="bg1">
+                    <a:lumMod val="65000"/>
+                  </a:schemeClr>
+                </a:solidFill>
+              </a:ln>
+            </p:spPr>
+            <p:style>
+              <a:lnRef idx="2">
+                <a:schemeClr val="accent1">
+                  <a:shade val="50000"/>
+                </a:schemeClr>
+              </a:lnRef>
+              <a:fillRef idx="1">
+                <a:schemeClr val="accent1"/>
+              </a:fillRef>
+              <a:effectRef idx="0">
+                <a:schemeClr val="accent1"/>
+              </a:effectRef>
+              <a:fontRef idx="minor">
+                <a:schemeClr val="lt1"/>
+              </a:fontRef>
+            </p:style>
+            <p:txBody>
+              <a:bodyPr rtlCol="0" anchor="ctr" anchorCtr="0"/>
+              <a:lstStyle/>
+              <a:p>
+                <a:pPr algn="ctr"/>
+                <a:r>
+                  <a:rPr kumimoji="1" lang="en-US" altLang="ja-JP" sz="1000" dirty="0">
+                    <a:solidFill>
+                      <a:schemeClr val="tx1"/>
+                    </a:solidFill>
+                    <a:latin typeface="+mn-ea"/>
+                  </a:rPr>
+                  <a:t>3</a:t>
+                </a:r>
+                <a:endParaRPr kumimoji="1" lang="ja-JP" altLang="en-US" sz="1000" dirty="0" err="1">
+                  <a:solidFill>
+                    <a:schemeClr val="tx1"/>
+                  </a:solidFill>
+                  <a:latin typeface="+mn-ea"/>
+                </a:endParaRPr>
+              </a:p>
+            </p:txBody>
+          </p:sp>
+          <p:sp>
+            <p:nvSpPr>
+              <p:cNvPr id="156" name="円/楕円 155">
+                <a:extLst>
+                  <a:ext uri="{FF2B5EF4-FFF2-40B4-BE49-F238E27FC236}">
+                    <a16:creationId xmlns:a16="http://schemas.microsoft.com/office/drawing/2014/main" id="{ADB599DC-962E-E94A-A38C-BA8029BF97D3}"/>
+                  </a:ext>
+                </a:extLst>
+              </p:cNvPr>
+              <p:cNvSpPr/>
+              <p:nvPr/>
+            </p:nvSpPr>
+            <p:spPr>
+              <a:xfrm>
+                <a:off x="2684640" y="1103528"/>
+                <a:ext cx="262437" cy="262437"/>
+              </a:xfrm>
+              <a:prstGeom prst="ellipse">
+                <a:avLst/>
+              </a:prstGeom>
+              <a:solidFill>
+                <a:srgbClr val="FF0000"/>
+              </a:solidFill>
+              <a:ln w="12700">
+                <a:solidFill>
+                  <a:schemeClr val="tx1"/>
+                </a:solidFill>
+                <a:prstDash val="sysDash"/>
+              </a:ln>
+            </p:spPr>
+            <p:style>
+              <a:lnRef idx="2">
+                <a:schemeClr val="accent1">
+                  <a:shade val="50000"/>
+                </a:schemeClr>
+              </a:lnRef>
+              <a:fillRef idx="1">
+                <a:schemeClr val="accent1"/>
+              </a:fillRef>
+              <a:effectRef idx="0">
+                <a:schemeClr val="accent1"/>
+              </a:effectRef>
+              <a:fontRef idx="minor">
+                <a:schemeClr val="lt1"/>
+              </a:fontRef>
+            </p:style>
+            <p:txBody>
+              <a:bodyPr rtlCol="0" anchor="ctr" anchorCtr="0"/>
+              <a:lstStyle/>
+              <a:p>
+                <a:pPr algn="ctr"/>
+                <a:r>
+                  <a:rPr kumimoji="1" lang="en-US" altLang="ja-JP" sz="1000" dirty="0">
+                    <a:solidFill>
+                      <a:schemeClr val="tx1"/>
+                    </a:solidFill>
+                    <a:latin typeface="+mn-ea"/>
+                  </a:rPr>
+                  <a:t>6</a:t>
+                </a:r>
+                <a:endParaRPr kumimoji="1" lang="ja-JP" altLang="en-US" sz="1000" dirty="0" err="1">
+                  <a:solidFill>
+                    <a:schemeClr val="tx1"/>
+                  </a:solidFill>
+                  <a:latin typeface="+mn-ea"/>
+                </a:endParaRPr>
+              </a:p>
+            </p:txBody>
+          </p:sp>
+          <p:sp>
+            <p:nvSpPr>
+              <p:cNvPr id="157" name="円/楕円 156">
+                <a:extLst>
+                  <a:ext uri="{FF2B5EF4-FFF2-40B4-BE49-F238E27FC236}">
+                    <a16:creationId xmlns:a16="http://schemas.microsoft.com/office/drawing/2014/main" id="{9F8A976B-D2E1-0A4C-B72F-E7189C6CF0A8}"/>
+                  </a:ext>
+                </a:extLst>
+              </p:cNvPr>
+              <p:cNvSpPr/>
+              <p:nvPr/>
+            </p:nvSpPr>
+            <p:spPr>
+              <a:xfrm>
+                <a:off x="2278286" y="1509882"/>
+                <a:ext cx="262437" cy="262437"/>
+              </a:xfrm>
+              <a:prstGeom prst="ellipse">
+                <a:avLst/>
+              </a:prstGeom>
+              <a:solidFill>
+                <a:schemeClr val="bg1"/>
+              </a:solidFill>
+              <a:ln w="12700">
+                <a:solidFill>
+                  <a:schemeClr val="bg1">
+                    <a:lumMod val="65000"/>
+                  </a:schemeClr>
+                </a:solidFill>
+              </a:ln>
+            </p:spPr>
+            <p:style>
+              <a:lnRef idx="2">
+                <a:schemeClr val="accent1">
+                  <a:shade val="50000"/>
+                </a:schemeClr>
+              </a:lnRef>
+              <a:fillRef idx="1">
+                <a:schemeClr val="accent1"/>
+              </a:fillRef>
+              <a:effectRef idx="0">
+                <a:schemeClr val="accent1"/>
+              </a:effectRef>
+              <a:fontRef idx="minor">
+                <a:schemeClr val="lt1"/>
+              </a:fontRef>
+            </p:style>
+            <p:txBody>
+              <a:bodyPr rtlCol="0" anchor="ctr" anchorCtr="0"/>
+              <a:lstStyle/>
+              <a:p>
+                <a:pPr algn="ctr"/>
+                <a:r>
+                  <a:rPr kumimoji="1" lang="en-US" altLang="ja-JP" sz="1000" dirty="0">
+                    <a:solidFill>
+                      <a:schemeClr val="tx1"/>
+                    </a:solidFill>
+                    <a:latin typeface="+mn-ea"/>
+                  </a:rPr>
+                  <a:t>9</a:t>
+                </a:r>
+                <a:endParaRPr kumimoji="1" lang="ja-JP" altLang="en-US" sz="1000" dirty="0" err="1">
+                  <a:solidFill>
+                    <a:schemeClr val="tx1"/>
+                  </a:solidFill>
+                  <a:latin typeface="+mn-ea"/>
+                </a:endParaRPr>
+              </a:p>
+            </p:txBody>
+          </p:sp>
+          <p:sp>
+            <p:nvSpPr>
+              <p:cNvPr id="158" name="円/楕円 157">
+                <a:extLst>
+                  <a:ext uri="{FF2B5EF4-FFF2-40B4-BE49-F238E27FC236}">
+                    <a16:creationId xmlns:a16="http://schemas.microsoft.com/office/drawing/2014/main" id="{7F2F7530-DD69-A842-A9FE-CF09E53FF871}"/>
+                  </a:ext>
+                </a:extLst>
+              </p:cNvPr>
+              <p:cNvSpPr/>
+              <p:nvPr/>
+            </p:nvSpPr>
+            <p:spPr>
+              <a:xfrm>
+                <a:off x="3090994" y="2314125"/>
+                <a:ext cx="262437" cy="262437"/>
+              </a:xfrm>
+              <a:prstGeom prst="ellipse">
+                <a:avLst/>
+              </a:prstGeom>
+              <a:solidFill>
+                <a:schemeClr val="bg1"/>
+              </a:solidFill>
+              <a:ln w="12700">
+                <a:solidFill>
+                  <a:schemeClr val="bg1">
+                    <a:lumMod val="65000"/>
+                  </a:schemeClr>
+                </a:solidFill>
+              </a:ln>
+            </p:spPr>
+            <p:style>
+              <a:lnRef idx="2">
+                <a:schemeClr val="accent1">
+                  <a:shade val="50000"/>
+                </a:schemeClr>
+              </a:lnRef>
+              <a:fillRef idx="1">
+                <a:schemeClr val="accent1"/>
+              </a:fillRef>
+              <a:effectRef idx="0">
+                <a:schemeClr val="accent1"/>
+              </a:effectRef>
+              <a:fontRef idx="minor">
+                <a:schemeClr val="lt1"/>
+              </a:fontRef>
+            </p:style>
+            <p:txBody>
+              <a:bodyPr rtlCol="0" anchor="ctr" anchorCtr="0"/>
+              <a:lstStyle/>
+              <a:p>
+                <a:pPr algn="ctr"/>
+                <a:r>
+                  <a:rPr kumimoji="1" lang="en-US" altLang="ja-JP" sz="1000" dirty="0">
+                    <a:solidFill>
+                      <a:schemeClr val="tx1"/>
+                    </a:solidFill>
+                    <a:latin typeface="+mn-ea"/>
+                  </a:rPr>
+                  <a:t>16</a:t>
+                </a:r>
+                <a:endParaRPr kumimoji="1" lang="ja-JP" altLang="en-US" sz="1000" dirty="0" err="1">
+                  <a:solidFill>
+                    <a:schemeClr val="tx1"/>
+                  </a:solidFill>
+                  <a:latin typeface="+mn-ea"/>
+                </a:endParaRPr>
+              </a:p>
+            </p:txBody>
+          </p:sp>
+          <p:sp>
+            <p:nvSpPr>
+              <p:cNvPr id="159" name="円/楕円 158">
+                <a:extLst>
+                  <a:ext uri="{FF2B5EF4-FFF2-40B4-BE49-F238E27FC236}">
+                    <a16:creationId xmlns:a16="http://schemas.microsoft.com/office/drawing/2014/main" id="{9DCEC105-BAB8-6742-A2D6-5DA9C1E9CF7B}"/>
+                  </a:ext>
+                </a:extLst>
+              </p:cNvPr>
+              <p:cNvSpPr/>
+              <p:nvPr/>
+            </p:nvSpPr>
+            <p:spPr>
+              <a:xfrm>
+                <a:off x="2278286" y="3126833"/>
+                <a:ext cx="262437" cy="262437"/>
+              </a:xfrm>
+              <a:prstGeom prst="ellipse">
+                <a:avLst/>
+              </a:prstGeom>
+              <a:solidFill>
+                <a:schemeClr val="bg1"/>
+              </a:solidFill>
+              <a:ln w="12700">
+                <a:solidFill>
+                  <a:schemeClr val="bg1">
+                    <a:lumMod val="65000"/>
+                  </a:schemeClr>
+                </a:solidFill>
+              </a:ln>
+            </p:spPr>
+            <p:style>
+              <a:lnRef idx="2">
+                <a:schemeClr val="accent1">
+                  <a:shade val="50000"/>
+                </a:schemeClr>
+              </a:lnRef>
+              <a:fillRef idx="1">
+                <a:schemeClr val="accent1"/>
+              </a:fillRef>
+              <a:effectRef idx="0">
+                <a:schemeClr val="accent1"/>
+              </a:effectRef>
+              <a:fontRef idx="minor">
+                <a:schemeClr val="lt1"/>
+              </a:fontRef>
+            </p:style>
+            <p:txBody>
+              <a:bodyPr rtlCol="0" anchor="ctr" anchorCtr="0"/>
+              <a:lstStyle/>
+              <a:p>
+                <a:pPr algn="ctr"/>
+                <a:r>
+                  <a:rPr kumimoji="1" lang="en-US" altLang="ja-JP" sz="1000" dirty="0">
+                    <a:solidFill>
+                      <a:schemeClr val="tx1"/>
+                    </a:solidFill>
+                    <a:latin typeface="+mn-ea"/>
+                  </a:rPr>
+                  <a:t>22</a:t>
+                </a:r>
+                <a:endParaRPr kumimoji="1" lang="ja-JP" altLang="en-US" sz="1000" dirty="0" err="1">
+                  <a:solidFill>
+                    <a:schemeClr val="tx1"/>
+                  </a:solidFill>
+                  <a:latin typeface="+mn-ea"/>
+                </a:endParaRPr>
+              </a:p>
+            </p:txBody>
+          </p:sp>
+          <p:sp>
+            <p:nvSpPr>
+              <p:cNvPr id="160" name="円/楕円 159">
+                <a:extLst>
+                  <a:ext uri="{FF2B5EF4-FFF2-40B4-BE49-F238E27FC236}">
+                    <a16:creationId xmlns:a16="http://schemas.microsoft.com/office/drawing/2014/main" id="{37268CEB-04B1-C547-AEF6-9D780B286F8B}"/>
+                  </a:ext>
+                </a:extLst>
+              </p:cNvPr>
+              <p:cNvSpPr/>
+              <p:nvPr/>
+            </p:nvSpPr>
+            <p:spPr>
+              <a:xfrm>
+                <a:off x="2684640" y="2728944"/>
+                <a:ext cx="262437" cy="262437"/>
+              </a:xfrm>
+              <a:prstGeom prst="ellipse">
+                <a:avLst/>
+              </a:prstGeom>
+              <a:solidFill>
+                <a:schemeClr val="accent5"/>
+              </a:solidFill>
+              <a:ln w="12700">
+                <a:solidFill>
+                  <a:schemeClr val="bg1">
+                    <a:lumMod val="65000"/>
+                  </a:schemeClr>
+                </a:solidFill>
+              </a:ln>
+            </p:spPr>
+            <p:style>
+              <a:lnRef idx="2">
+                <a:schemeClr val="accent1">
+                  <a:shade val="50000"/>
+                </a:schemeClr>
+              </a:lnRef>
+              <a:fillRef idx="1">
+                <a:schemeClr val="accent1"/>
+              </a:fillRef>
+              <a:effectRef idx="0">
+                <a:schemeClr val="accent1"/>
+              </a:effectRef>
+              <a:fontRef idx="minor">
+                <a:schemeClr val="lt1"/>
+              </a:fontRef>
+            </p:style>
+            <p:txBody>
+              <a:bodyPr rtlCol="0" anchor="ctr" anchorCtr="0"/>
+              <a:lstStyle/>
+              <a:p>
+                <a:pPr algn="ctr"/>
+                <a:r>
+                  <a:rPr kumimoji="1" lang="en-US" altLang="ja-JP" sz="1000" dirty="0">
+                    <a:solidFill>
+                      <a:schemeClr val="tx1"/>
+                    </a:solidFill>
+                    <a:latin typeface="+mn-ea"/>
+                  </a:rPr>
+                  <a:t>19</a:t>
+                </a:r>
+                <a:endParaRPr kumimoji="1" lang="ja-JP" altLang="en-US" sz="1000" dirty="0" err="1">
+                  <a:solidFill>
+                    <a:schemeClr val="tx1"/>
+                  </a:solidFill>
+                  <a:latin typeface="+mn-ea"/>
+                </a:endParaRPr>
+              </a:p>
+            </p:txBody>
+          </p:sp>
+          <p:cxnSp>
+            <p:nvCxnSpPr>
+              <p:cNvPr id="161" name="直線コネクタ 160">
+                <a:extLst>
+                  <a:ext uri="{FF2B5EF4-FFF2-40B4-BE49-F238E27FC236}">
+                    <a16:creationId xmlns:a16="http://schemas.microsoft.com/office/drawing/2014/main" id="{0FEE1AD2-7DA6-9545-B9C3-557BE731D867}"/>
+                  </a:ext>
+                </a:extLst>
+              </p:cNvPr>
+              <p:cNvCxnSpPr>
+                <a:cxnSpLocks/>
+                <a:stCxn id="156" idx="7"/>
+                <a:endCxn id="155" idx="3"/>
+              </p:cNvCxnSpPr>
+              <p:nvPr/>
+            </p:nvCxnSpPr>
+            <p:spPr>
+              <a:xfrm flipV="1">
+                <a:off x="2908644" y="912712"/>
+                <a:ext cx="220783" cy="229249"/>
+              </a:xfrm>
+              <a:prstGeom prst="line">
+                <a:avLst/>
+              </a:prstGeom>
+              <a:ln w="12700">
+                <a:solidFill>
+                  <a:schemeClr val="bg1">
+                    <a:lumMod val="65000"/>
+                  </a:schemeClr>
+                </a:solidFill>
+              </a:ln>
+            </p:spPr>
+            <p:style>
+              <a:lnRef idx="1">
+                <a:schemeClr val="accent1"/>
+              </a:lnRef>
+              <a:fillRef idx="0">
+                <a:schemeClr val="accent1"/>
+              </a:fillRef>
+              <a:effectRef idx="0">
+                <a:schemeClr val="accent1"/>
+              </a:effectRef>
+              <a:fontRef idx="minor">
+                <a:schemeClr val="tx1"/>
+              </a:fontRef>
+            </p:style>
+          </p:cxnSp>
+          <p:cxnSp>
+            <p:nvCxnSpPr>
+              <p:cNvPr id="162" name="直線コネクタ 161">
+                <a:extLst>
+                  <a:ext uri="{FF2B5EF4-FFF2-40B4-BE49-F238E27FC236}">
+                    <a16:creationId xmlns:a16="http://schemas.microsoft.com/office/drawing/2014/main" id="{AB038F0A-0367-C743-A961-504E325B39E5}"/>
+                  </a:ext>
+                </a:extLst>
+              </p:cNvPr>
+              <p:cNvCxnSpPr>
+                <a:cxnSpLocks/>
+                <a:stCxn id="157" idx="7"/>
+                <a:endCxn id="156" idx="3"/>
+              </p:cNvCxnSpPr>
+              <p:nvPr/>
+            </p:nvCxnSpPr>
+            <p:spPr>
+              <a:xfrm flipV="1">
+                <a:off x="2502290" y="1327532"/>
+                <a:ext cx="220783" cy="220783"/>
+              </a:xfrm>
+              <a:prstGeom prst="line">
+                <a:avLst/>
+              </a:prstGeom>
+              <a:ln w="12700">
+                <a:solidFill>
+                  <a:schemeClr val="bg1">
+                    <a:lumMod val="65000"/>
+                  </a:schemeClr>
+                </a:solidFill>
+              </a:ln>
+            </p:spPr>
+            <p:style>
+              <a:lnRef idx="1">
+                <a:schemeClr val="accent1"/>
+              </a:lnRef>
+              <a:fillRef idx="0">
+                <a:schemeClr val="accent1"/>
+              </a:fillRef>
+              <a:effectRef idx="0">
+                <a:schemeClr val="accent1"/>
+              </a:effectRef>
+              <a:fontRef idx="minor">
+                <a:schemeClr val="tx1"/>
+              </a:fontRef>
+            </p:style>
+          </p:cxnSp>
+          <p:cxnSp>
+            <p:nvCxnSpPr>
+              <p:cNvPr id="163" name="直線コネクタ 162">
+                <a:extLst>
+                  <a:ext uri="{FF2B5EF4-FFF2-40B4-BE49-F238E27FC236}">
+                    <a16:creationId xmlns:a16="http://schemas.microsoft.com/office/drawing/2014/main" id="{107C2BF9-CC53-0F42-A09B-B67870C0A3B3}"/>
+                  </a:ext>
+                </a:extLst>
+              </p:cNvPr>
+              <p:cNvCxnSpPr>
+                <a:cxnSpLocks/>
+                <a:stCxn id="159" idx="7"/>
+                <a:endCxn id="160" idx="3"/>
+              </p:cNvCxnSpPr>
+              <p:nvPr/>
+            </p:nvCxnSpPr>
+            <p:spPr>
+              <a:xfrm flipV="1">
+                <a:off x="2502290" y="2952949"/>
+                <a:ext cx="220783" cy="212317"/>
+              </a:xfrm>
+              <a:prstGeom prst="line">
+                <a:avLst/>
+              </a:prstGeom>
+              <a:ln w="12700">
+                <a:solidFill>
+                  <a:schemeClr val="bg1">
+                    <a:lumMod val="65000"/>
+                  </a:schemeClr>
+                </a:solidFill>
+              </a:ln>
+            </p:spPr>
+            <p:style>
+              <a:lnRef idx="1">
+                <a:schemeClr val="accent1"/>
+              </a:lnRef>
+              <a:fillRef idx="0">
+                <a:schemeClr val="accent1"/>
+              </a:fillRef>
+              <a:effectRef idx="0">
+                <a:schemeClr val="accent1"/>
+              </a:effectRef>
+              <a:fontRef idx="minor">
+                <a:schemeClr val="tx1"/>
+              </a:fontRef>
+            </p:style>
+          </p:cxnSp>
+          <p:cxnSp>
+            <p:nvCxnSpPr>
+              <p:cNvPr id="164" name="直線コネクタ 163">
+                <a:extLst>
+                  <a:ext uri="{FF2B5EF4-FFF2-40B4-BE49-F238E27FC236}">
+                    <a16:creationId xmlns:a16="http://schemas.microsoft.com/office/drawing/2014/main" id="{1A84FFD7-F0DA-9B4F-9761-864115CC0BD6}"/>
+                  </a:ext>
+                </a:extLst>
+              </p:cNvPr>
+              <p:cNvCxnSpPr>
+                <a:cxnSpLocks/>
+                <a:stCxn id="160" idx="7"/>
+                <a:endCxn id="158" idx="3"/>
+              </p:cNvCxnSpPr>
+              <p:nvPr/>
+            </p:nvCxnSpPr>
+            <p:spPr>
+              <a:xfrm flipV="1">
+                <a:off x="2908644" y="2538129"/>
+                <a:ext cx="220783" cy="229249"/>
+              </a:xfrm>
+              <a:prstGeom prst="line">
+                <a:avLst/>
+              </a:prstGeom>
+              <a:ln w="12700">
+                <a:solidFill>
+                  <a:schemeClr val="bg1">
+                    <a:lumMod val="65000"/>
+                  </a:schemeClr>
+                </a:solidFill>
+              </a:ln>
+            </p:spPr>
+            <p:style>
+              <a:lnRef idx="1">
+                <a:schemeClr val="accent1"/>
+              </a:lnRef>
+              <a:fillRef idx="0">
+                <a:schemeClr val="accent1"/>
+              </a:fillRef>
+              <a:effectRef idx="0">
+                <a:schemeClr val="accent1"/>
+              </a:effectRef>
+              <a:fontRef idx="minor">
+                <a:schemeClr val="tx1"/>
+              </a:fontRef>
+            </p:style>
+          </p:cxnSp>
+          <p:cxnSp>
+            <p:nvCxnSpPr>
+              <p:cNvPr id="165" name="直線コネクタ 164">
+                <a:extLst>
+                  <a:ext uri="{FF2B5EF4-FFF2-40B4-BE49-F238E27FC236}">
+                    <a16:creationId xmlns:a16="http://schemas.microsoft.com/office/drawing/2014/main" id="{83BF9A9E-02AA-534A-896C-AD15B64ED0C3}"/>
+                  </a:ext>
+                </a:extLst>
+              </p:cNvPr>
+              <p:cNvCxnSpPr>
+                <a:cxnSpLocks/>
+                <a:stCxn id="140" idx="5"/>
+                <a:endCxn id="138" idx="1"/>
+              </p:cNvCxnSpPr>
+              <p:nvPr/>
+            </p:nvCxnSpPr>
+            <p:spPr>
+              <a:xfrm>
+                <a:off x="1659951" y="912712"/>
+                <a:ext cx="220783" cy="229249"/>
+              </a:xfrm>
+              <a:prstGeom prst="line">
+                <a:avLst/>
+              </a:prstGeom>
+              <a:ln w="12700">
+                <a:solidFill>
+                  <a:schemeClr val="bg1">
+                    <a:lumMod val="65000"/>
+                  </a:schemeClr>
+                </a:solidFill>
+              </a:ln>
+            </p:spPr>
+            <p:style>
+              <a:lnRef idx="1">
+                <a:schemeClr val="accent1"/>
+              </a:lnRef>
+              <a:fillRef idx="0">
+                <a:schemeClr val="accent1"/>
+              </a:fillRef>
+              <a:effectRef idx="0">
+                <a:schemeClr val="accent1"/>
+              </a:effectRef>
+              <a:fontRef idx="minor">
+                <a:schemeClr val="tx1"/>
+              </a:fontRef>
+            </p:style>
+          </p:cxnSp>
+          <p:cxnSp>
+            <p:nvCxnSpPr>
+              <p:cNvPr id="166" name="直線コネクタ 165">
+                <a:extLst>
+                  <a:ext uri="{FF2B5EF4-FFF2-40B4-BE49-F238E27FC236}">
+                    <a16:creationId xmlns:a16="http://schemas.microsoft.com/office/drawing/2014/main" id="{BB8449C2-2FC1-B34E-86DB-92E3B91DD7DE}"/>
+                  </a:ext>
+                </a:extLst>
+              </p:cNvPr>
+              <p:cNvCxnSpPr>
+                <a:cxnSpLocks/>
+                <a:stCxn id="138" idx="5"/>
+                <a:endCxn id="157" idx="1"/>
+              </p:cNvCxnSpPr>
+              <p:nvPr/>
+            </p:nvCxnSpPr>
+            <p:spPr>
+              <a:xfrm>
+                <a:off x="2066306" y="1327532"/>
+                <a:ext cx="250413" cy="220783"/>
+              </a:xfrm>
+              <a:prstGeom prst="line">
+                <a:avLst/>
+              </a:prstGeom>
+              <a:ln w="12700">
+                <a:solidFill>
+                  <a:schemeClr val="bg1">
+                    <a:lumMod val="65000"/>
+                  </a:schemeClr>
+                </a:solidFill>
+              </a:ln>
+            </p:spPr>
+            <p:style>
+              <a:lnRef idx="1">
+                <a:schemeClr val="accent1"/>
+              </a:lnRef>
+              <a:fillRef idx="0">
+                <a:schemeClr val="accent1"/>
+              </a:fillRef>
+              <a:effectRef idx="0">
+                <a:schemeClr val="accent1"/>
+              </a:effectRef>
+              <a:fontRef idx="minor">
+                <a:schemeClr val="tx1"/>
+              </a:fontRef>
+            </p:style>
+          </p:cxnSp>
+          <p:cxnSp>
+            <p:nvCxnSpPr>
+              <p:cNvPr id="167" name="直線コネクタ 166">
+                <a:extLst>
+                  <a:ext uri="{FF2B5EF4-FFF2-40B4-BE49-F238E27FC236}">
+                    <a16:creationId xmlns:a16="http://schemas.microsoft.com/office/drawing/2014/main" id="{6517AFE8-541F-7D42-B140-BA771ED0A4F9}"/>
+                  </a:ext>
+                </a:extLst>
+              </p:cNvPr>
+              <p:cNvCxnSpPr>
+                <a:cxnSpLocks/>
+                <a:stCxn id="157" idx="3"/>
+                <a:endCxn id="144" idx="7"/>
+              </p:cNvCxnSpPr>
+              <p:nvPr/>
+            </p:nvCxnSpPr>
+            <p:spPr>
+              <a:xfrm flipH="1">
+                <a:off x="1659951" y="1733886"/>
+                <a:ext cx="656767" cy="618671"/>
+              </a:xfrm>
+              <a:prstGeom prst="line">
+                <a:avLst/>
+              </a:prstGeom>
+              <a:ln w="12700">
+                <a:solidFill>
+                  <a:schemeClr val="bg1">
+                    <a:lumMod val="65000"/>
+                  </a:schemeClr>
+                </a:solidFill>
+              </a:ln>
+            </p:spPr>
+            <p:style>
+              <a:lnRef idx="1">
+                <a:schemeClr val="accent1"/>
+              </a:lnRef>
+              <a:fillRef idx="0">
+                <a:schemeClr val="accent1"/>
+              </a:fillRef>
+              <a:effectRef idx="0">
+                <a:schemeClr val="accent1"/>
+              </a:effectRef>
+              <a:fontRef idx="minor">
+                <a:schemeClr val="tx1"/>
+              </a:fontRef>
+            </p:style>
+          </p:cxnSp>
+          <p:cxnSp>
+            <p:nvCxnSpPr>
+              <p:cNvPr id="168" name="直線コネクタ 167">
+                <a:extLst>
+                  <a:ext uri="{FF2B5EF4-FFF2-40B4-BE49-F238E27FC236}">
+                    <a16:creationId xmlns:a16="http://schemas.microsoft.com/office/drawing/2014/main" id="{C85C320C-81E3-0948-9B41-B6627C48D3ED}"/>
+                  </a:ext>
+                </a:extLst>
+              </p:cNvPr>
+              <p:cNvCxnSpPr>
+                <a:cxnSpLocks/>
+                <a:stCxn id="139" idx="1"/>
+                <a:endCxn id="144" idx="5"/>
+              </p:cNvCxnSpPr>
+              <p:nvPr/>
+            </p:nvCxnSpPr>
+            <p:spPr>
+              <a:xfrm flipH="1" flipV="1">
+                <a:off x="1659951" y="2538129"/>
+                <a:ext cx="220783" cy="229249"/>
+              </a:xfrm>
+              <a:prstGeom prst="line">
+                <a:avLst/>
+              </a:prstGeom>
+              <a:ln w="12700">
+                <a:solidFill>
+                  <a:schemeClr val="bg1">
+                    <a:lumMod val="65000"/>
+                  </a:schemeClr>
+                </a:solidFill>
+              </a:ln>
+            </p:spPr>
+            <p:style>
+              <a:lnRef idx="1">
+                <a:schemeClr val="accent1"/>
+              </a:lnRef>
+              <a:fillRef idx="0">
+                <a:schemeClr val="accent1"/>
+              </a:fillRef>
+              <a:effectRef idx="0">
+                <a:schemeClr val="accent1"/>
+              </a:effectRef>
+              <a:fontRef idx="minor">
+                <a:schemeClr val="tx1"/>
+              </a:fontRef>
+            </p:style>
+          </p:cxnSp>
+          <p:cxnSp>
+            <p:nvCxnSpPr>
+              <p:cNvPr id="169" name="直線コネクタ 168">
+                <a:extLst>
+                  <a:ext uri="{FF2B5EF4-FFF2-40B4-BE49-F238E27FC236}">
+                    <a16:creationId xmlns:a16="http://schemas.microsoft.com/office/drawing/2014/main" id="{C63DD202-5DEE-424C-9ACB-5A32DD18A12F}"/>
+                  </a:ext>
+                </a:extLst>
+              </p:cNvPr>
+              <p:cNvCxnSpPr>
+                <a:cxnSpLocks/>
+                <a:stCxn id="139" idx="5"/>
+                <a:endCxn id="159" idx="1"/>
+              </p:cNvCxnSpPr>
+              <p:nvPr/>
+            </p:nvCxnSpPr>
+            <p:spPr>
+              <a:xfrm>
+                <a:off x="2066306" y="2952949"/>
+                <a:ext cx="250413" cy="212317"/>
+              </a:xfrm>
+              <a:prstGeom prst="line">
+                <a:avLst/>
+              </a:prstGeom>
+              <a:ln w="12700">
+                <a:solidFill>
+                  <a:schemeClr val="bg1">
+                    <a:lumMod val="65000"/>
+                  </a:schemeClr>
+                </a:solidFill>
+              </a:ln>
+            </p:spPr>
+            <p:style>
+              <a:lnRef idx="1">
+                <a:schemeClr val="accent1"/>
+              </a:lnRef>
+              <a:fillRef idx="0">
+                <a:schemeClr val="accent1"/>
+              </a:fillRef>
+              <a:effectRef idx="0">
+                <a:schemeClr val="accent1"/>
+              </a:effectRef>
+              <a:fontRef idx="minor">
+                <a:schemeClr val="tx1"/>
+              </a:fontRef>
+            </p:style>
+          </p:cxnSp>
+        </p:grpSp>
+      </p:grpSp>
+      <p:sp>
+        <p:nvSpPr>
+          <p:cNvPr id="170" name="正方形/長方形 169">
+            <a:extLst>
+              <a:ext uri="{FF2B5EF4-FFF2-40B4-BE49-F238E27FC236}">
+                <a16:creationId xmlns:a16="http://schemas.microsoft.com/office/drawing/2014/main" id="{24752CBD-565E-9F43-BD98-DF4FAAEB3E4D}"/>
+              </a:ext>
+            </a:extLst>
+          </p:cNvPr>
+          <p:cNvSpPr/>
+          <p:nvPr/>
+        </p:nvSpPr>
+        <p:spPr>
+          <a:xfrm>
+            <a:off x="10585452" y="2401812"/>
+            <a:ext cx="805250" cy="239594"/>
+          </a:xfrm>
+          <a:prstGeom prst="rect">
+            <a:avLst/>
+          </a:prstGeom>
+          <a:noFill/>
+          <a:ln>
+            <a:noFill/>
+          </a:ln>
+        </p:spPr>
+        <p:style>
+          <a:lnRef idx="2">
+            <a:schemeClr val="accent1">
+              <a:shade val="50000"/>
+            </a:schemeClr>
+          </a:lnRef>
+          <a:fillRef idx="1">
+            <a:schemeClr val="accent1"/>
+          </a:fillRef>
+          <a:effectRef idx="0">
+            <a:schemeClr val="accent1"/>
+          </a:effectRef>
+          <a:fontRef idx="minor">
+            <a:schemeClr val="lt1"/>
+          </a:fontRef>
+        </p:style>
+        <p:txBody>
+          <a:bodyPr rtlCol="0" anchor="ctr"/>
+          <a:lstStyle/>
+          <a:p>
+            <a:pPr algn="ctr"/>
+            <a:r>
+              <a:rPr lang="ja-JP" altLang="en-US" sz="1400" b="1">
+                <a:solidFill>
+                  <a:schemeClr val="tx1"/>
+                </a:solidFill>
+                <a:latin typeface="+mj-ea"/>
+                <a:ea typeface="+mj-ea"/>
+              </a:rPr>
+              <a:t>マップ</a:t>
+            </a:r>
+          </a:p>
+        </p:txBody>
+      </p:sp>
+      <p:sp>
+        <p:nvSpPr>
+          <p:cNvPr id="171" name="正方形/長方形 170">
+            <a:extLst>
+              <a:ext uri="{FF2B5EF4-FFF2-40B4-BE49-F238E27FC236}">
+                <a16:creationId xmlns:a16="http://schemas.microsoft.com/office/drawing/2014/main" id="{3992587E-EA7D-3446-9A1C-F29B4C860995}"/>
+              </a:ext>
+            </a:extLst>
+          </p:cNvPr>
+          <p:cNvSpPr/>
+          <p:nvPr/>
+        </p:nvSpPr>
+        <p:spPr>
+          <a:xfrm>
+            <a:off x="10818673" y="6052968"/>
+            <a:ext cx="1873335" cy="399303"/>
+          </a:xfrm>
+          <a:prstGeom prst="rect">
+            <a:avLst/>
+          </a:prstGeom>
+          <a:noFill/>
+          <a:ln>
+            <a:noFill/>
+          </a:ln>
+        </p:spPr>
+        <p:style>
+          <a:lnRef idx="2">
+            <a:schemeClr val="accent1">
+              <a:shade val="50000"/>
+            </a:schemeClr>
+          </a:lnRef>
+          <a:fillRef idx="1">
+            <a:schemeClr val="accent1"/>
+          </a:fillRef>
+          <a:effectRef idx="0">
+            <a:schemeClr val="accent1"/>
+          </a:effectRef>
+          <a:fontRef idx="minor">
+            <a:schemeClr val="lt1"/>
+          </a:fontRef>
+        </p:style>
+        <p:txBody>
+          <a:bodyPr rtlCol="0" anchor="t" anchorCtr="0"/>
+          <a:lstStyle/>
+          <a:p>
+            <a:r>
+              <a:rPr lang="ja-JP" altLang="en-US" sz="1100" b="1">
+                <a:solidFill>
+                  <a:srgbClr val="FF0000"/>
+                </a:solidFill>
+                <a:latin typeface="+mn-ea"/>
+              </a:rPr>
+              <a:t>⑧</a:t>
+            </a:r>
+            <a:r>
+              <a:rPr lang="ja-JP" altLang="en-US" sz="1100">
+                <a:solidFill>
+                  <a:schemeClr val="tx1"/>
+                </a:solidFill>
+                <a:latin typeface="+mn-ea"/>
+              </a:rPr>
+              <a:t>ブロック毎に</a:t>
+            </a:r>
+            <a:r>
+              <a:rPr lang="en-US" altLang="ja-JP" sz="1100" dirty="0">
+                <a:solidFill>
+                  <a:schemeClr val="tx1"/>
+                </a:solidFill>
+                <a:latin typeface="+mn-ea"/>
+              </a:rPr>
+              <a:t>A*</a:t>
+            </a:r>
+            <a:r>
+              <a:rPr lang="ja-JP" altLang="en-US" sz="1100">
+                <a:solidFill>
+                  <a:schemeClr val="tx1"/>
+                </a:solidFill>
+                <a:latin typeface="+mn-ea"/>
+              </a:rPr>
+              <a:t>探索を用いて運搬経路を探索する</a:t>
+            </a:r>
+          </a:p>
+        </p:txBody>
+      </p:sp>
+      <p:sp>
+        <p:nvSpPr>
+          <p:cNvPr id="173" name="正方形/長方形 172">
+            <a:extLst>
+              <a:ext uri="{FF2B5EF4-FFF2-40B4-BE49-F238E27FC236}">
+                <a16:creationId xmlns:a16="http://schemas.microsoft.com/office/drawing/2014/main" id="{A7C018F6-2732-4646-B6C2-269F5CF4BBF8}"/>
+              </a:ext>
+            </a:extLst>
+          </p:cNvPr>
+          <p:cNvSpPr/>
+          <p:nvPr/>
+        </p:nvSpPr>
+        <p:spPr>
+          <a:xfrm>
+            <a:off x="10818673" y="4800600"/>
+            <a:ext cx="1873335" cy="1156100"/>
+          </a:xfrm>
+          <a:prstGeom prst="rect">
+            <a:avLst/>
+          </a:prstGeom>
+          <a:noFill/>
+          <a:ln>
+            <a:noFill/>
+          </a:ln>
+        </p:spPr>
+        <p:style>
+          <a:lnRef idx="2">
+            <a:schemeClr val="accent1">
+              <a:shade val="50000"/>
+            </a:schemeClr>
+          </a:lnRef>
+          <a:fillRef idx="1">
+            <a:schemeClr val="accent1"/>
+          </a:fillRef>
+          <a:effectRef idx="0">
+            <a:schemeClr val="accent1"/>
+          </a:effectRef>
+          <a:fontRef idx="minor">
+            <a:schemeClr val="lt1"/>
+          </a:fontRef>
+        </p:style>
+        <p:txBody>
+          <a:bodyPr rtlCol="0" anchor="t" anchorCtr="0"/>
+          <a:lstStyle/>
+          <a:p>
+            <a:r>
+              <a:rPr lang="ja-JP" altLang="en-US" sz="1100" b="1">
+                <a:solidFill>
+                  <a:srgbClr val="FF0000"/>
+                </a:solidFill>
+                <a:latin typeface="+mn-ea"/>
+              </a:rPr>
+              <a:t>⑥</a:t>
+            </a:r>
+            <a:r>
+              <a:rPr lang="ja-JP" altLang="en-US" sz="1100">
+                <a:solidFill>
+                  <a:schemeClr val="tx1"/>
+                </a:solidFill>
+                <a:latin typeface="+mn-ea"/>
+              </a:rPr>
+              <a:t>フルビンゴのみを狙うため、ブロックの並べる順番に制約を設けない。</a:t>
+            </a:r>
+            <a:endParaRPr lang="en-US" altLang="ja-JP" sz="1100" dirty="0">
+              <a:solidFill>
+                <a:schemeClr val="tx1"/>
+              </a:solidFill>
+              <a:latin typeface="+mn-ea"/>
+            </a:endParaRPr>
+          </a:p>
+          <a:p>
+            <a:r>
+              <a:rPr lang="ja-JP" altLang="en-US" sz="1100">
+                <a:solidFill>
+                  <a:schemeClr val="tx1"/>
+                </a:solidFill>
+                <a:latin typeface="+mn-ea"/>
+              </a:rPr>
+              <a:t>シーケンス図では割愛されているが、ブロックは走行体から近い順に運ぶ。</a:t>
             </a:r>
           </a:p>
         </p:txBody>
@@ -13303,7 +15487,7 @@
                 </a:solidFill>
                 <a:latin typeface="+mn-ea"/>
               </a:rPr>
-              <a:t>のブロック定義で示す。</a:t>
+              <a:t>のブロック定義図で示す。</a:t>
             </a:r>
           </a:p>
         </p:txBody>
@@ -13322,7 +15506,7 @@
         </p:nvSpPr>
         <p:spPr>
           <a:xfrm>
-            <a:off x="3060584" y="5145302"/>
+            <a:off x="3191931" y="5232648"/>
             <a:ext cx="1912725" cy="239594"/>
           </a:xfrm>
           <a:prstGeom prst="rect">
@@ -13438,7 +15622,7 @@
           <p:nvPr>
             <p:extLst>
               <p:ext uri="{D42A27DB-BD31-4B8C-83A1-F6EECF244321}">
-                <p14:modId xmlns:p14="http://schemas.microsoft.com/office/powerpoint/2010/main" val="952792769"/>
+                <p14:modId xmlns:p14="http://schemas.microsoft.com/office/powerpoint/2010/main" val="1396394100"/>
               </p:ext>
             </p:extLst>
           </p:nvPr>
@@ -13628,6 +15812,17 @@
                         </a:rPr>
                         <a:t>同じ要素・設計思想で複数の機能を実現する</a:t>
                       </a:r>
+                      <a:r>
+                        <a:rPr kumimoji="1" lang="en-US" altLang="ja-JP" sz="1000" dirty="0">
+                          <a:latin typeface="+mn-ea"/>
+                          <a:ea typeface="+mn-ea"/>
+                        </a:rPr>
+                        <a:t>(*1)</a:t>
+                      </a:r>
+                      <a:endParaRPr kumimoji="1" lang="ja-JP" altLang="en-US" sz="1000">
+                        <a:latin typeface="+mn-ea"/>
+                        <a:ea typeface="+mn-ea"/>
+                      </a:endParaRPr>
                     </a:p>
                   </a:txBody>
                   <a:tcPr/>
@@ -14009,7 +16204,7 @@
           <p:nvPr>
             <p:extLst>
               <p:ext uri="{D42A27DB-BD31-4B8C-83A1-F6EECF244321}">
-                <p14:modId xmlns:p14="http://schemas.microsoft.com/office/powerpoint/2010/main" val="2857301144"/>
+                <p14:modId xmlns:p14="http://schemas.microsoft.com/office/powerpoint/2010/main" val="3516588206"/>
               </p:ext>
             </p:extLst>
           </p:nvPr>
@@ -14130,6 +16325,17 @@
                         </a:rPr>
                         <a:t>数字の推定の前処理に画像処理を活用する</a:t>
                       </a:r>
+                      <a:r>
+                        <a:rPr kumimoji="1" lang="en-US" altLang="ja-JP" sz="1000" dirty="0">
+                          <a:latin typeface="+mn-ea"/>
+                          <a:ea typeface="+mn-ea"/>
+                        </a:rPr>
+                        <a:t>(*1)</a:t>
+                      </a:r>
+                      <a:endParaRPr kumimoji="1" lang="ja-JP" altLang="en-US" sz="1000">
+                        <a:latin typeface="+mn-ea"/>
+                        <a:ea typeface="+mn-ea"/>
+                      </a:endParaRPr>
                     </a:p>
                   </a:txBody>
                   <a:tcPr/>
@@ -14190,8 +16396,19 @@
                           <a:latin typeface="+mn-ea"/>
                           <a:ea typeface="+mn-ea"/>
                         </a:rPr>
-                        <a:t>数字推定とブロック色の推定にニューラルネットワークを活用する</a:t>
+                        <a:t>数字推定とブロック色の推定にニューラルネットワークを活用</a:t>
                       </a:r>
+                      <a:r>
+                        <a:rPr kumimoji="1" lang="en-US" altLang="ja-JP" sz="1000" dirty="0">
+                          <a:latin typeface="+mn-ea"/>
+                          <a:ea typeface="+mn-ea"/>
+                        </a:rPr>
+                        <a:t>(*1)</a:t>
+                      </a:r>
+                      <a:endParaRPr kumimoji="1" lang="ja-JP" altLang="en-US" sz="1000">
+                        <a:latin typeface="+mn-ea"/>
+                        <a:ea typeface="+mn-ea"/>
+                      </a:endParaRPr>
                     </a:p>
                   </a:txBody>
                   <a:tcPr/>
@@ -14699,7 +16916,7 @@
         </p:nvSpPr>
         <p:spPr>
           <a:xfrm>
-            <a:off x="1264702" y="4807349"/>
+            <a:off x="2128798" y="4715159"/>
             <a:ext cx="1728192" cy="304219"/>
           </a:xfrm>
           <a:prstGeom prst="rect">
@@ -14739,6 +16956,185 @@
                 <a:latin typeface="+mn-ea"/>
               </a:rPr>
               <a:t>①サブシステム化</a:t>
+            </a:r>
+          </a:p>
+        </p:txBody>
+      </p:sp>
+      <p:sp>
+        <p:nvSpPr>
+          <p:cNvPr id="2" name="正方形/長方形 1">
+            <a:extLst>
+              <a:ext uri="{FF2B5EF4-FFF2-40B4-BE49-F238E27FC236}">
+                <a16:creationId xmlns:a16="http://schemas.microsoft.com/office/drawing/2014/main" id="{FE7E881E-B2AA-E549-B1B6-0E5EB6759ACB}"/>
+              </a:ext>
+            </a:extLst>
+          </p:cNvPr>
+          <p:cNvSpPr/>
+          <p:nvPr/>
+        </p:nvSpPr>
+        <p:spPr>
+          <a:xfrm>
+            <a:off x="136104" y="5013616"/>
+            <a:ext cx="12529392" cy="4539511"/>
+          </a:xfrm>
+          <a:prstGeom prst="rect">
+            <a:avLst/>
+          </a:prstGeom>
+          <a:noFill/>
+          <a:ln w="38100">
+            <a:solidFill>
+              <a:schemeClr val="tx1">
+                <a:lumMod val="50000"/>
+                <a:lumOff val="50000"/>
+              </a:schemeClr>
+            </a:solidFill>
+          </a:ln>
+        </p:spPr>
+        <p:style>
+          <a:lnRef idx="2">
+            <a:schemeClr val="accent1">
+              <a:shade val="50000"/>
+            </a:schemeClr>
+          </a:lnRef>
+          <a:fillRef idx="1">
+            <a:schemeClr val="accent1"/>
+          </a:fillRef>
+          <a:effectRef idx="0">
+            <a:schemeClr val="accent1"/>
+          </a:effectRef>
+          <a:fontRef idx="minor">
+            <a:schemeClr val="lt1"/>
+          </a:fontRef>
+        </p:style>
+        <p:txBody>
+          <a:bodyPr rtlCol="0" anchor="ctr"/>
+          <a:lstStyle/>
+          <a:p>
+            <a:pPr algn="ctr"/>
+            <a:endParaRPr kumimoji="1" lang="ja-JP" altLang="en-US"/>
+          </a:p>
+        </p:txBody>
+      </p:sp>
+      <p:sp>
+        <p:nvSpPr>
+          <p:cNvPr id="25" name="正方形/長方形 24">
+            <a:extLst>
+              <a:ext uri="{FF2B5EF4-FFF2-40B4-BE49-F238E27FC236}">
+                <a16:creationId xmlns:a16="http://schemas.microsoft.com/office/drawing/2014/main" id="{CD8D4F03-0F04-044C-ADFA-D691DB892D33}"/>
+              </a:ext>
+            </a:extLst>
+          </p:cNvPr>
+          <p:cNvSpPr/>
+          <p:nvPr/>
+        </p:nvSpPr>
+        <p:spPr>
+          <a:xfrm>
+            <a:off x="424136" y="9187418"/>
+            <a:ext cx="1912725" cy="239594"/>
+          </a:xfrm>
+          <a:prstGeom prst="rect">
+            <a:avLst/>
+          </a:prstGeom>
+          <a:noFill/>
+          <a:ln>
+            <a:noFill/>
+          </a:ln>
+        </p:spPr>
+        <p:style>
+          <a:lnRef idx="2">
+            <a:schemeClr val="accent1">
+              <a:shade val="50000"/>
+            </a:schemeClr>
+          </a:lnRef>
+          <a:fillRef idx="1">
+            <a:schemeClr val="accent1"/>
+          </a:fillRef>
+          <a:effectRef idx="0">
+            <a:schemeClr val="accent1"/>
+          </a:effectRef>
+          <a:fontRef idx="minor">
+            <a:schemeClr val="lt1"/>
+          </a:fontRef>
+        </p:style>
+        <p:txBody>
+          <a:bodyPr rtlCol="0" anchor="ctr"/>
+          <a:lstStyle/>
+          <a:p>
+            <a:r>
+              <a:rPr lang="ja-JP" altLang="en-US" b="1">
+                <a:solidFill>
+                  <a:schemeClr val="tx1"/>
+                </a:solidFill>
+                <a:latin typeface="+mj-ea"/>
+                <a:ea typeface="+mj-ea"/>
+              </a:rPr>
+              <a:t>走行体システム</a:t>
+            </a:r>
+          </a:p>
+        </p:txBody>
+      </p:sp>
+      <p:sp>
+        <p:nvSpPr>
+          <p:cNvPr id="26" name="正方形/長方形 25">
+            <a:extLst>
+              <a:ext uri="{FF2B5EF4-FFF2-40B4-BE49-F238E27FC236}">
+                <a16:creationId xmlns:a16="http://schemas.microsoft.com/office/drawing/2014/main" id="{4D698137-7215-9745-BAB7-7C94C18AE4CE}"/>
+              </a:ext>
+            </a:extLst>
+          </p:cNvPr>
+          <p:cNvSpPr/>
+          <p:nvPr/>
+        </p:nvSpPr>
+        <p:spPr>
+          <a:xfrm>
+            <a:off x="10577264" y="1190661"/>
+            <a:ext cx="2224336" cy="235988"/>
+          </a:xfrm>
+          <a:prstGeom prst="rect">
+            <a:avLst/>
+          </a:prstGeom>
+          <a:noFill/>
+          <a:ln>
+            <a:noFill/>
+          </a:ln>
+        </p:spPr>
+        <p:style>
+          <a:lnRef idx="2">
+            <a:schemeClr val="accent1">
+              <a:shade val="50000"/>
+            </a:schemeClr>
+          </a:lnRef>
+          <a:fillRef idx="1">
+            <a:schemeClr val="accent1"/>
+          </a:fillRef>
+          <a:effectRef idx="0">
+            <a:schemeClr val="accent1"/>
+          </a:effectRef>
+          <a:fontRef idx="minor">
+            <a:schemeClr val="lt1"/>
+          </a:fontRef>
+        </p:style>
+        <p:txBody>
+          <a:bodyPr rtlCol="0" anchor="t" anchorCtr="0"/>
+          <a:lstStyle/>
+          <a:p>
+            <a:r>
+              <a:rPr lang="en-US" altLang="ja-JP" sz="1100" dirty="0">
+                <a:solidFill>
+                  <a:schemeClr val="tx1"/>
+                </a:solidFill>
+                <a:latin typeface="+mn-ea"/>
+              </a:rPr>
+              <a:t>*1:</a:t>
+            </a:r>
+            <a:r>
+              <a:rPr lang="ja-JP" altLang="en-US" sz="1100">
+                <a:solidFill>
+                  <a:schemeClr val="tx1"/>
+                </a:solidFill>
+                <a:latin typeface="+mn-ea"/>
+              </a:rPr>
+              <a:t>詳細は分析モデルを参照</a:t>
             </a:r>
           </a:p>
         </p:txBody>
@@ -14831,7 +17227,7 @@
         </p:blipFill>
         <p:spPr>
           <a:xfrm>
-            <a:off x="6105183" y="40061"/>
+            <a:off x="6113866" y="215658"/>
             <a:ext cx="6688832" cy="9544737"/>
           </a:xfrm>
           <a:prstGeom prst="rect">
@@ -14971,7 +17367,7 @@
                 </a:solidFill>
                 <a:latin typeface="+mn-ea"/>
               </a:rPr>
-              <a:t>ブロック並べの経路探索の振る舞いを</a:t>
+              <a:t>ブロック並べの経路探索の振る舞い「運搬先の決定」と「経路探索」を</a:t>
             </a:r>
             <a:r>
               <a:rPr lang="en-US" altLang="ja-JP" sz="1100" dirty="0" err="1">
@@ -15008,7 +17404,7 @@
         </p:nvSpPr>
         <p:spPr>
           <a:xfrm>
-            <a:off x="136017" y="344354"/>
+            <a:off x="-7912" y="312534"/>
             <a:ext cx="1720280" cy="239594"/>
           </a:xfrm>
           <a:prstGeom prst="rect">
@@ -20773,8 +23169,8 @@
         </p:nvSpPr>
         <p:spPr>
           <a:xfrm>
-            <a:off x="3425440" y="768152"/>
-            <a:ext cx="2759336" cy="731507"/>
+            <a:off x="3425440" y="336103"/>
+            <a:ext cx="2759336" cy="1333763"/>
           </a:xfrm>
           <a:prstGeom prst="rect">
             <a:avLst/>
@@ -20828,7 +23224,24 @@
                 </a:solidFill>
                 <a:latin typeface="+mn-ea"/>
               </a:rPr>
-              <a:t>走行体から直線距離で一番近いブロックを選択する。左図の場合はノード</a:t>
+              <a:t>分析モデルに基づき、走行体から直線距離で一番近いブロックから運搬を行う。走行体からブロックまでの距離は機能の単純化を図るために直線距離を使う。</a:t>
+            </a:r>
+            <a:endParaRPr lang="en-US" altLang="ja-JP" sz="1100" dirty="0">
+              <a:solidFill>
+                <a:schemeClr val="tx1"/>
+              </a:solidFill>
+              <a:latin typeface="+mn-ea"/>
+            </a:endParaRPr>
+          </a:p>
+          <a:p>
+            <a:r>
+              <a:rPr lang="ja-JP" altLang="en-US" sz="1100">
+                <a:solidFill>
+                  <a:schemeClr val="tx1"/>
+                </a:solidFill>
+                <a:latin typeface="+mn-ea"/>
+              </a:rPr>
+              <a:t>左図の場合はノード</a:t>
             </a:r>
             <a:r>
               <a:rPr lang="en-US" altLang="ja-JP" sz="1100" dirty="0">
@@ -20981,7 +23394,7 @@
         </p:nvSpPr>
         <p:spPr>
           <a:xfrm>
-            <a:off x="3425440" y="1701848"/>
+            <a:off x="3449877" y="1656368"/>
             <a:ext cx="2759336" cy="1149849"/>
           </a:xfrm>
           <a:prstGeom prst="rect">
@@ -21262,7 +23675,7 @@
         </p:nvSpPr>
         <p:spPr>
           <a:xfrm>
-            <a:off x="3596293" y="2928392"/>
+            <a:off x="3994181" y="2928392"/>
             <a:ext cx="1720280" cy="239594"/>
           </a:xfrm>
           <a:prstGeom prst="rect">
@@ -21334,7 +23747,7 @@
         </p:nvSpPr>
         <p:spPr>
           <a:xfrm>
-            <a:off x="1872680" y="336104"/>
+            <a:off x="1840665" y="223312"/>
             <a:ext cx="4528592" cy="239594"/>
           </a:xfrm>
           <a:prstGeom prst="rect">
@@ -21365,15 +23778,12 @@
           <a:bodyPr rtlCol="0" anchor="t" anchorCtr="0"/>
           <a:lstStyle/>
           <a:p>
-            <a:r>
-              <a:rPr lang="ja-JP" altLang="en-US" sz="1100">
-                <a:solidFill>
-                  <a:schemeClr val="tx1"/>
-                </a:solidFill>
-                <a:latin typeface="+mn-ea"/>
-              </a:rPr>
-              <a:t>左下図に運搬先の決定に関する要素とそれらの振る舞いを示す。</a:t>
-            </a:r>
+            <a:endParaRPr lang="ja-JP" altLang="en-US" sz="1100">
+              <a:solidFill>
+                <a:schemeClr val="tx1"/>
+              </a:solidFill>
+              <a:latin typeface="+mn-ea"/>
+            </a:endParaRPr>
           </a:p>
         </p:txBody>
       </p:sp>
@@ -21429,7 +23839,7 @@
                 </a:solidFill>
                 <a:latin typeface="+mn-ea"/>
               </a:rPr>
-              <a:t>左下図に経路検索に関する要素とそれらの振る舞いを示す。</a:t>
+              <a:t>右図に経路検索に関する要素とそれらの振る舞いを示す。</a:t>
             </a:r>
           </a:p>
         </p:txBody>
@@ -21505,8 +23915,8 @@
         </p:nvGrpSpPr>
         <p:grpSpPr>
           <a:xfrm>
-            <a:off x="3773714" y="3751943"/>
-            <a:ext cx="2334611" cy="2158012"/>
+            <a:off x="3994181" y="3751943"/>
+            <a:ext cx="2106559" cy="1947211"/>
             <a:chOff x="3773714" y="3751943"/>
             <a:chExt cx="2334611" cy="2158012"/>
           </a:xfrm>
@@ -23501,7 +25911,7 @@
         </p:nvSpPr>
         <p:spPr>
           <a:xfrm>
-            <a:off x="3673437" y="3768279"/>
+            <a:off x="4011374" y="3768279"/>
             <a:ext cx="805250" cy="239594"/>
           </a:xfrm>
           <a:prstGeom prst="rect">
@@ -23798,8 +26208,8 @@
         </p:nvGrpSpPr>
         <p:grpSpPr>
           <a:xfrm>
-            <a:off x="3781264" y="7671712"/>
-            <a:ext cx="2334611" cy="1629154"/>
+            <a:off x="3994182" y="7671712"/>
+            <a:ext cx="2081304" cy="1452390"/>
             <a:chOff x="3781264" y="7805723"/>
             <a:chExt cx="2334611" cy="1629154"/>
           </a:xfrm>
@@ -25443,6 +27853,2500 @@
               </a:rPr>
               <a:t>③次に進むノードの選択</a:t>
             </a:r>
+          </a:p>
+        </p:txBody>
+      </p:sp>
+      <p:grpSp>
+        <p:nvGrpSpPr>
+          <p:cNvPr id="201" name="グループ化 200">
+            <a:extLst>
+              <a:ext uri="{FF2B5EF4-FFF2-40B4-BE49-F238E27FC236}">
+                <a16:creationId xmlns:a16="http://schemas.microsoft.com/office/drawing/2014/main" id="{80B7199E-BF87-744C-A409-E245F573E2D8}"/>
+              </a:ext>
+            </a:extLst>
+          </p:cNvPr>
+          <p:cNvGrpSpPr/>
+          <p:nvPr/>
+        </p:nvGrpSpPr>
+        <p:grpSpPr>
+          <a:xfrm>
+            <a:off x="10116320" y="5345582"/>
+            <a:ext cx="2677695" cy="2475144"/>
+            <a:chOff x="3773714" y="3751943"/>
+            <a:chExt cx="2334611" cy="2158012"/>
+          </a:xfrm>
+        </p:grpSpPr>
+        <p:sp>
+          <p:nvSpPr>
+            <p:cNvPr id="202" name="正方形/長方形 201">
+              <a:extLst>
+                <a:ext uri="{FF2B5EF4-FFF2-40B4-BE49-F238E27FC236}">
+                  <a16:creationId xmlns:a16="http://schemas.microsoft.com/office/drawing/2014/main" id="{3C06207C-09FA-804D-8A1A-7D788C89AF14}"/>
+                </a:ext>
+              </a:extLst>
+            </p:cNvPr>
+            <p:cNvSpPr/>
+            <p:nvPr/>
+          </p:nvSpPr>
+          <p:spPr>
+            <a:xfrm>
+              <a:off x="3773714" y="3751943"/>
+              <a:ext cx="2334611" cy="2158012"/>
+            </a:xfrm>
+            <a:prstGeom prst="rect">
+              <a:avLst/>
+            </a:prstGeom>
+            <a:solidFill>
+              <a:schemeClr val="bg1"/>
+            </a:solidFill>
+            <a:ln w="19050">
+              <a:solidFill>
+                <a:schemeClr val="tx1">
+                  <a:lumMod val="50000"/>
+                  <a:lumOff val="50000"/>
+                </a:schemeClr>
+              </a:solidFill>
+            </a:ln>
+          </p:spPr>
+          <p:style>
+            <a:lnRef idx="2">
+              <a:schemeClr val="accent1">
+                <a:shade val="50000"/>
+              </a:schemeClr>
+            </a:lnRef>
+            <a:fillRef idx="1">
+              <a:schemeClr val="accent1"/>
+            </a:fillRef>
+            <a:effectRef idx="0">
+              <a:schemeClr val="accent1"/>
+            </a:effectRef>
+            <a:fontRef idx="minor">
+              <a:schemeClr val="lt1"/>
+            </a:fontRef>
+          </p:style>
+          <p:txBody>
+            <a:bodyPr rtlCol="0" anchor="ctr"/>
+            <a:lstStyle/>
+            <a:p>
+              <a:pPr algn="ctr"/>
+              <a:endParaRPr kumimoji="1" lang="ja-JP" altLang="en-US"/>
+            </a:p>
+          </p:txBody>
+        </p:sp>
+        <p:grpSp>
+          <p:nvGrpSpPr>
+            <p:cNvPr id="203" name="グループ化 202">
+              <a:extLst>
+                <a:ext uri="{FF2B5EF4-FFF2-40B4-BE49-F238E27FC236}">
+                  <a16:creationId xmlns:a16="http://schemas.microsoft.com/office/drawing/2014/main" id="{D10C03EF-FA88-A34A-B5C3-A888A3B38D93}"/>
+                </a:ext>
+              </a:extLst>
+            </p:cNvPr>
+            <p:cNvGrpSpPr/>
+            <p:nvPr/>
+          </p:nvGrpSpPr>
+          <p:grpSpPr>
+            <a:xfrm>
+              <a:off x="3910154" y="3811272"/>
+              <a:ext cx="2061730" cy="2039355"/>
+              <a:chOff x="623239" y="688708"/>
+              <a:chExt cx="2730192" cy="2700562"/>
+            </a:xfrm>
+          </p:grpSpPr>
+          <p:sp>
+            <p:nvSpPr>
+              <p:cNvPr id="204" name="円/楕円 203">
+                <a:extLst>
+                  <a:ext uri="{FF2B5EF4-FFF2-40B4-BE49-F238E27FC236}">
+                    <a16:creationId xmlns:a16="http://schemas.microsoft.com/office/drawing/2014/main" id="{AF261931-3DA6-1A4F-A36B-BC94F4B39FCB}"/>
+                  </a:ext>
+                </a:extLst>
+              </p:cNvPr>
+              <p:cNvSpPr/>
+              <p:nvPr/>
+            </p:nvSpPr>
+            <p:spPr>
+              <a:xfrm>
+                <a:off x="1842301" y="1103528"/>
+                <a:ext cx="262437" cy="262437"/>
+              </a:xfrm>
+              <a:prstGeom prst="ellipse">
+                <a:avLst/>
+              </a:prstGeom>
+              <a:solidFill>
+                <a:schemeClr val="accent6"/>
+              </a:solidFill>
+              <a:ln w="12700">
+                <a:solidFill>
+                  <a:schemeClr val="bg1">
+                    <a:lumMod val="65000"/>
+                  </a:schemeClr>
+                </a:solidFill>
+              </a:ln>
+            </p:spPr>
+            <p:style>
+              <a:lnRef idx="2">
+                <a:schemeClr val="accent1">
+                  <a:shade val="50000"/>
+                </a:schemeClr>
+              </a:lnRef>
+              <a:fillRef idx="1">
+                <a:schemeClr val="accent1"/>
+              </a:fillRef>
+              <a:effectRef idx="0">
+                <a:schemeClr val="accent1"/>
+              </a:effectRef>
+              <a:fontRef idx="minor">
+                <a:schemeClr val="lt1"/>
+              </a:fontRef>
+            </p:style>
+            <p:txBody>
+              <a:bodyPr rtlCol="0" anchor="ctr" anchorCtr="0"/>
+              <a:lstStyle/>
+              <a:p>
+                <a:pPr algn="ctr"/>
+                <a:r>
+                  <a:rPr lang="en-US" altLang="ja-JP" sz="1000" dirty="0">
+                    <a:solidFill>
+                      <a:schemeClr val="tx1"/>
+                    </a:solidFill>
+                    <a:latin typeface="+mn-ea"/>
+                  </a:rPr>
+                  <a:t>5</a:t>
+                </a:r>
+                <a:endParaRPr kumimoji="1" lang="ja-JP" altLang="en-US" sz="1000" dirty="0" err="1">
+                  <a:solidFill>
+                    <a:schemeClr val="tx1"/>
+                  </a:solidFill>
+                  <a:latin typeface="+mn-ea"/>
+                </a:endParaRPr>
+              </a:p>
+            </p:txBody>
+          </p:sp>
+          <p:sp>
+            <p:nvSpPr>
+              <p:cNvPr id="205" name="円/楕円 204">
+                <a:extLst>
+                  <a:ext uri="{FF2B5EF4-FFF2-40B4-BE49-F238E27FC236}">
+                    <a16:creationId xmlns:a16="http://schemas.microsoft.com/office/drawing/2014/main" id="{25AD6F32-5FEF-7D45-BF68-F7813AE405B9}"/>
+                  </a:ext>
+                </a:extLst>
+              </p:cNvPr>
+              <p:cNvSpPr/>
+              <p:nvPr/>
+            </p:nvSpPr>
+            <p:spPr>
+              <a:xfrm>
+                <a:off x="1842301" y="2728944"/>
+                <a:ext cx="262437" cy="262437"/>
+              </a:xfrm>
+              <a:prstGeom prst="ellipse">
+                <a:avLst/>
+              </a:prstGeom>
+              <a:solidFill>
+                <a:srgbClr val="FF0000"/>
+              </a:solidFill>
+              <a:ln w="12700">
+                <a:solidFill>
+                  <a:schemeClr val="tx1"/>
+                </a:solidFill>
+              </a:ln>
+            </p:spPr>
+            <p:style>
+              <a:lnRef idx="2">
+                <a:schemeClr val="accent1">
+                  <a:shade val="50000"/>
+                </a:schemeClr>
+              </a:lnRef>
+              <a:fillRef idx="1">
+                <a:schemeClr val="accent1"/>
+              </a:fillRef>
+              <a:effectRef idx="0">
+                <a:schemeClr val="accent1"/>
+              </a:effectRef>
+              <a:fontRef idx="minor">
+                <a:schemeClr val="lt1"/>
+              </a:fontRef>
+            </p:style>
+            <p:txBody>
+              <a:bodyPr rtlCol="0" anchor="ctr" anchorCtr="0"/>
+              <a:lstStyle/>
+              <a:p>
+                <a:pPr algn="ctr"/>
+                <a:r>
+                  <a:rPr kumimoji="1" lang="en-US" altLang="ja-JP" sz="1000" dirty="0">
+                    <a:solidFill>
+                      <a:schemeClr val="tx1"/>
+                    </a:solidFill>
+                    <a:latin typeface="+mn-ea"/>
+                  </a:rPr>
+                  <a:t>18</a:t>
+                </a:r>
+                <a:endParaRPr kumimoji="1" lang="ja-JP" altLang="en-US" sz="1000" dirty="0" err="1">
+                  <a:solidFill>
+                    <a:schemeClr val="tx1"/>
+                  </a:solidFill>
+                  <a:latin typeface="+mn-ea"/>
+                </a:endParaRPr>
+              </a:p>
+            </p:txBody>
+          </p:sp>
+          <p:sp>
+            <p:nvSpPr>
+              <p:cNvPr id="206" name="円/楕円 205">
+                <a:extLst>
+                  <a:ext uri="{FF2B5EF4-FFF2-40B4-BE49-F238E27FC236}">
+                    <a16:creationId xmlns:a16="http://schemas.microsoft.com/office/drawing/2014/main" id="{5B9FFDAF-093F-8D41-9BA0-BBC32F6A1250}"/>
+                  </a:ext>
+                </a:extLst>
+              </p:cNvPr>
+              <p:cNvSpPr/>
+              <p:nvPr/>
+            </p:nvSpPr>
+            <p:spPr>
+              <a:xfrm>
+                <a:off x="1435947" y="688708"/>
+                <a:ext cx="262437" cy="262437"/>
+              </a:xfrm>
+              <a:prstGeom prst="ellipse">
+                <a:avLst/>
+              </a:prstGeom>
+              <a:solidFill>
+                <a:schemeClr val="bg1"/>
+              </a:solidFill>
+              <a:ln w="12700">
+                <a:solidFill>
+                  <a:schemeClr val="bg1">
+                    <a:lumMod val="65000"/>
+                  </a:schemeClr>
+                </a:solidFill>
+              </a:ln>
+            </p:spPr>
+            <p:style>
+              <a:lnRef idx="2">
+                <a:schemeClr val="accent1">
+                  <a:shade val="50000"/>
+                </a:schemeClr>
+              </a:lnRef>
+              <a:fillRef idx="1">
+                <a:schemeClr val="accent1"/>
+              </a:fillRef>
+              <a:effectRef idx="0">
+                <a:schemeClr val="accent1"/>
+              </a:effectRef>
+              <a:fontRef idx="minor">
+                <a:schemeClr val="lt1"/>
+              </a:fontRef>
+            </p:style>
+            <p:txBody>
+              <a:bodyPr rtlCol="0" anchor="ctr" anchorCtr="0"/>
+              <a:lstStyle/>
+              <a:p>
+                <a:pPr algn="ctr"/>
+                <a:r>
+                  <a:rPr kumimoji="1" lang="en-US" altLang="ja-JP" sz="1000" dirty="0">
+                    <a:solidFill>
+                      <a:schemeClr val="tx1"/>
+                    </a:solidFill>
+                    <a:latin typeface="+mn-ea"/>
+                  </a:rPr>
+                  <a:t>1</a:t>
+                </a:r>
+                <a:endParaRPr kumimoji="1" lang="ja-JP" altLang="en-US" sz="1000" dirty="0" err="1">
+                  <a:solidFill>
+                    <a:schemeClr val="tx1"/>
+                  </a:solidFill>
+                  <a:latin typeface="+mn-ea"/>
+                </a:endParaRPr>
+              </a:p>
+            </p:txBody>
+          </p:sp>
+          <p:sp>
+            <p:nvSpPr>
+              <p:cNvPr id="207" name="円/楕円 206">
+                <a:extLst>
+                  <a:ext uri="{FF2B5EF4-FFF2-40B4-BE49-F238E27FC236}">
+                    <a16:creationId xmlns:a16="http://schemas.microsoft.com/office/drawing/2014/main" id="{1C7197CD-C070-1342-B963-63633276E6DE}"/>
+                  </a:ext>
+                </a:extLst>
+              </p:cNvPr>
+              <p:cNvSpPr/>
+              <p:nvPr/>
+            </p:nvSpPr>
+            <p:spPr>
+              <a:xfrm>
+                <a:off x="1029593" y="1103528"/>
+                <a:ext cx="262437" cy="262437"/>
+              </a:xfrm>
+              <a:prstGeom prst="ellipse">
+                <a:avLst/>
+              </a:prstGeom>
+              <a:solidFill>
+                <a:srgbClr val="FFFF00"/>
+              </a:solidFill>
+              <a:ln w="12700">
+                <a:solidFill>
+                  <a:schemeClr val="bg1">
+                    <a:lumMod val="65000"/>
+                  </a:schemeClr>
+                </a:solidFill>
+              </a:ln>
+            </p:spPr>
+            <p:style>
+              <a:lnRef idx="2">
+                <a:schemeClr val="accent1">
+                  <a:shade val="50000"/>
+                </a:schemeClr>
+              </a:lnRef>
+              <a:fillRef idx="1">
+                <a:schemeClr val="accent1"/>
+              </a:fillRef>
+              <a:effectRef idx="0">
+                <a:schemeClr val="accent1"/>
+              </a:effectRef>
+              <a:fontRef idx="minor">
+                <a:schemeClr val="lt1"/>
+              </a:fontRef>
+            </p:style>
+            <p:txBody>
+              <a:bodyPr rtlCol="0" anchor="ctr" anchorCtr="0"/>
+              <a:lstStyle/>
+              <a:p>
+                <a:pPr algn="ctr"/>
+                <a:r>
+                  <a:rPr lang="en-US" altLang="ja-JP" sz="1000" dirty="0">
+                    <a:solidFill>
+                      <a:schemeClr val="tx1"/>
+                    </a:solidFill>
+                    <a:latin typeface="+mn-ea"/>
+                  </a:rPr>
+                  <a:t>4</a:t>
+                </a:r>
+                <a:endParaRPr kumimoji="1" lang="ja-JP" altLang="en-US" sz="1000" dirty="0" err="1">
+                  <a:solidFill>
+                    <a:schemeClr val="tx1"/>
+                  </a:solidFill>
+                  <a:latin typeface="+mn-ea"/>
+                </a:endParaRPr>
+              </a:p>
+            </p:txBody>
+          </p:sp>
+          <p:sp>
+            <p:nvSpPr>
+              <p:cNvPr id="208" name="円/楕円 207">
+                <a:extLst>
+                  <a:ext uri="{FF2B5EF4-FFF2-40B4-BE49-F238E27FC236}">
+                    <a16:creationId xmlns:a16="http://schemas.microsoft.com/office/drawing/2014/main" id="{F7AA7911-65A0-DC4E-A187-42D91B6A279C}"/>
+                  </a:ext>
+                </a:extLst>
+              </p:cNvPr>
+              <p:cNvSpPr/>
+              <p:nvPr/>
+            </p:nvSpPr>
+            <p:spPr>
+              <a:xfrm>
+                <a:off x="623239" y="1509882"/>
+                <a:ext cx="262437" cy="262437"/>
+              </a:xfrm>
+              <a:prstGeom prst="ellipse">
+                <a:avLst/>
+              </a:prstGeom>
+              <a:solidFill>
+                <a:schemeClr val="bg1"/>
+              </a:solidFill>
+              <a:ln w="12700">
+                <a:solidFill>
+                  <a:schemeClr val="bg1">
+                    <a:lumMod val="65000"/>
+                  </a:schemeClr>
+                </a:solidFill>
+              </a:ln>
+            </p:spPr>
+            <p:style>
+              <a:lnRef idx="2">
+                <a:schemeClr val="accent1">
+                  <a:shade val="50000"/>
+                </a:schemeClr>
+              </a:lnRef>
+              <a:fillRef idx="1">
+                <a:schemeClr val="accent1"/>
+              </a:fillRef>
+              <a:effectRef idx="0">
+                <a:schemeClr val="accent1"/>
+              </a:effectRef>
+              <a:fontRef idx="minor">
+                <a:schemeClr val="lt1"/>
+              </a:fontRef>
+            </p:style>
+            <p:txBody>
+              <a:bodyPr rtlCol="0" anchor="ctr" anchorCtr="0"/>
+              <a:lstStyle/>
+              <a:p>
+                <a:pPr algn="ctr"/>
+                <a:r>
+                  <a:rPr kumimoji="1" lang="en-US" altLang="ja-JP" sz="1000" dirty="0">
+                    <a:solidFill>
+                      <a:schemeClr val="tx1"/>
+                    </a:solidFill>
+                    <a:latin typeface="+mn-ea"/>
+                  </a:rPr>
+                  <a:t>7</a:t>
+                </a:r>
+                <a:endParaRPr kumimoji="1" lang="ja-JP" altLang="en-US" sz="1000" dirty="0" err="1">
+                  <a:solidFill>
+                    <a:schemeClr val="tx1"/>
+                  </a:solidFill>
+                  <a:latin typeface="+mn-ea"/>
+                </a:endParaRPr>
+              </a:p>
+            </p:txBody>
+          </p:sp>
+          <p:sp>
+            <p:nvSpPr>
+              <p:cNvPr id="209" name="円/楕円 208">
+                <a:extLst>
+                  <a:ext uri="{FF2B5EF4-FFF2-40B4-BE49-F238E27FC236}">
+                    <a16:creationId xmlns:a16="http://schemas.microsoft.com/office/drawing/2014/main" id="{A9812BE5-7ED1-2C45-B9E0-062486F5C50E}"/>
+                  </a:ext>
+                </a:extLst>
+              </p:cNvPr>
+              <p:cNvSpPr/>
+              <p:nvPr/>
+            </p:nvSpPr>
+            <p:spPr>
+              <a:xfrm>
+                <a:off x="623239" y="2314125"/>
+                <a:ext cx="262437" cy="262437"/>
+              </a:xfrm>
+              <a:prstGeom prst="ellipse">
+                <a:avLst/>
+              </a:prstGeom>
+              <a:solidFill>
+                <a:schemeClr val="bg1"/>
+              </a:solidFill>
+              <a:ln w="12700">
+                <a:solidFill>
+                  <a:srgbClr val="FF0000"/>
+                </a:solidFill>
+              </a:ln>
+            </p:spPr>
+            <p:style>
+              <a:lnRef idx="2">
+                <a:schemeClr val="accent1">
+                  <a:shade val="50000"/>
+                </a:schemeClr>
+              </a:lnRef>
+              <a:fillRef idx="1">
+                <a:schemeClr val="accent1"/>
+              </a:fillRef>
+              <a:effectRef idx="0">
+                <a:schemeClr val="accent1"/>
+              </a:effectRef>
+              <a:fontRef idx="minor">
+                <a:schemeClr val="lt1"/>
+              </a:fontRef>
+            </p:style>
+            <p:txBody>
+              <a:bodyPr rtlCol="0" anchor="ctr" anchorCtr="0"/>
+              <a:lstStyle/>
+              <a:p>
+                <a:pPr algn="ctr"/>
+                <a:r>
+                  <a:rPr kumimoji="1" lang="en-US" altLang="ja-JP" sz="1000" dirty="0">
+                    <a:solidFill>
+                      <a:schemeClr val="tx1"/>
+                    </a:solidFill>
+                    <a:latin typeface="+mn-ea"/>
+                  </a:rPr>
+                  <a:t>13</a:t>
+                </a:r>
+                <a:endParaRPr kumimoji="1" lang="ja-JP" altLang="en-US" sz="1000" dirty="0" err="1">
+                  <a:solidFill>
+                    <a:schemeClr val="tx1"/>
+                  </a:solidFill>
+                  <a:latin typeface="+mn-ea"/>
+                </a:endParaRPr>
+              </a:p>
+            </p:txBody>
+          </p:sp>
+          <p:sp>
+            <p:nvSpPr>
+              <p:cNvPr id="210" name="円/楕円 209">
+                <a:extLst>
+                  <a:ext uri="{FF2B5EF4-FFF2-40B4-BE49-F238E27FC236}">
+                    <a16:creationId xmlns:a16="http://schemas.microsoft.com/office/drawing/2014/main" id="{72E56CE7-297F-904E-9709-42843C12574D}"/>
+                  </a:ext>
+                </a:extLst>
+              </p:cNvPr>
+              <p:cNvSpPr/>
+              <p:nvPr/>
+            </p:nvSpPr>
+            <p:spPr>
+              <a:xfrm>
+                <a:off x="1435947" y="2314125"/>
+                <a:ext cx="262437" cy="262437"/>
+              </a:xfrm>
+              <a:prstGeom prst="ellipse">
+                <a:avLst/>
+              </a:prstGeom>
+              <a:solidFill>
+                <a:schemeClr val="bg1"/>
+              </a:solidFill>
+              <a:ln w="12700">
+                <a:solidFill>
+                  <a:schemeClr val="bg1">
+                    <a:lumMod val="65000"/>
+                  </a:schemeClr>
+                </a:solidFill>
+              </a:ln>
+            </p:spPr>
+            <p:style>
+              <a:lnRef idx="2">
+                <a:schemeClr val="accent1">
+                  <a:shade val="50000"/>
+                </a:schemeClr>
+              </a:lnRef>
+              <a:fillRef idx="1">
+                <a:schemeClr val="accent1"/>
+              </a:fillRef>
+              <a:effectRef idx="0">
+                <a:schemeClr val="accent1"/>
+              </a:effectRef>
+              <a:fontRef idx="minor">
+                <a:schemeClr val="lt1"/>
+              </a:fontRef>
+            </p:style>
+            <p:txBody>
+              <a:bodyPr rtlCol="0" anchor="ctr" anchorCtr="0"/>
+              <a:lstStyle/>
+              <a:p>
+                <a:pPr algn="ctr"/>
+                <a:r>
+                  <a:rPr kumimoji="1" lang="en-US" altLang="ja-JP" sz="1000" dirty="0">
+                    <a:solidFill>
+                      <a:schemeClr val="tx1"/>
+                    </a:solidFill>
+                    <a:latin typeface="+mn-ea"/>
+                  </a:rPr>
+                  <a:t>14</a:t>
+                </a:r>
+                <a:endParaRPr kumimoji="1" lang="ja-JP" altLang="en-US" sz="1000" dirty="0" err="1">
+                  <a:solidFill>
+                    <a:schemeClr val="tx1"/>
+                  </a:solidFill>
+                  <a:latin typeface="+mn-ea"/>
+                </a:endParaRPr>
+              </a:p>
+            </p:txBody>
+          </p:sp>
+          <p:sp>
+            <p:nvSpPr>
+              <p:cNvPr id="211" name="円/楕円 210">
+                <a:extLst>
+                  <a:ext uri="{FF2B5EF4-FFF2-40B4-BE49-F238E27FC236}">
+                    <a16:creationId xmlns:a16="http://schemas.microsoft.com/office/drawing/2014/main" id="{24EEE024-19F5-964E-AAAD-CD3839323150}"/>
+                  </a:ext>
+                </a:extLst>
+              </p:cNvPr>
+              <p:cNvSpPr/>
+              <p:nvPr/>
+            </p:nvSpPr>
+            <p:spPr>
+              <a:xfrm>
+                <a:off x="623239" y="3126833"/>
+                <a:ext cx="262437" cy="262437"/>
+              </a:xfrm>
+              <a:prstGeom prst="ellipse">
+                <a:avLst/>
+              </a:prstGeom>
+              <a:solidFill>
+                <a:schemeClr val="bg1"/>
+              </a:solidFill>
+              <a:ln w="12700">
+                <a:solidFill>
+                  <a:schemeClr val="bg1">
+                    <a:lumMod val="65000"/>
+                  </a:schemeClr>
+                </a:solidFill>
+              </a:ln>
+            </p:spPr>
+            <p:style>
+              <a:lnRef idx="2">
+                <a:schemeClr val="accent1">
+                  <a:shade val="50000"/>
+                </a:schemeClr>
+              </a:lnRef>
+              <a:fillRef idx="1">
+                <a:schemeClr val="accent1"/>
+              </a:fillRef>
+              <a:effectRef idx="0">
+                <a:schemeClr val="accent1"/>
+              </a:effectRef>
+              <a:fontRef idx="minor">
+                <a:schemeClr val="lt1"/>
+              </a:fontRef>
+            </p:style>
+            <p:txBody>
+              <a:bodyPr rtlCol="0" anchor="ctr" anchorCtr="0"/>
+              <a:lstStyle/>
+              <a:p>
+                <a:pPr algn="ctr"/>
+                <a:r>
+                  <a:rPr kumimoji="1" lang="en-US" altLang="ja-JP" sz="1000" dirty="0">
+                    <a:solidFill>
+                      <a:schemeClr val="tx1"/>
+                    </a:solidFill>
+                    <a:latin typeface="+mn-ea"/>
+                  </a:rPr>
+                  <a:t>20</a:t>
+                </a:r>
+                <a:endParaRPr kumimoji="1" lang="ja-JP" altLang="en-US" sz="1000" dirty="0" err="1">
+                  <a:solidFill>
+                    <a:schemeClr val="tx1"/>
+                  </a:solidFill>
+                  <a:latin typeface="+mn-ea"/>
+                </a:endParaRPr>
+              </a:p>
+            </p:txBody>
+          </p:sp>
+          <p:sp>
+            <p:nvSpPr>
+              <p:cNvPr id="212" name="円/楕円 211">
+                <a:extLst>
+                  <a:ext uri="{FF2B5EF4-FFF2-40B4-BE49-F238E27FC236}">
+                    <a16:creationId xmlns:a16="http://schemas.microsoft.com/office/drawing/2014/main" id="{AAC0A0AF-942D-0F40-8D07-22B6FCDC4473}"/>
+                  </a:ext>
+                </a:extLst>
+              </p:cNvPr>
+              <p:cNvSpPr/>
+              <p:nvPr/>
+            </p:nvSpPr>
+            <p:spPr>
+              <a:xfrm>
+                <a:off x="1029593" y="1916236"/>
+                <a:ext cx="262437" cy="262437"/>
+              </a:xfrm>
+              <a:prstGeom prst="ellipse">
+                <a:avLst/>
+              </a:prstGeom>
+              <a:solidFill>
+                <a:schemeClr val="accent5"/>
+              </a:solidFill>
+              <a:ln w="12700">
+                <a:solidFill>
+                  <a:schemeClr val="bg1">
+                    <a:lumMod val="65000"/>
+                  </a:schemeClr>
+                </a:solidFill>
+              </a:ln>
+            </p:spPr>
+            <p:style>
+              <a:lnRef idx="2">
+                <a:schemeClr val="accent1">
+                  <a:shade val="50000"/>
+                </a:schemeClr>
+              </a:lnRef>
+              <a:fillRef idx="1">
+                <a:schemeClr val="accent1"/>
+              </a:fillRef>
+              <a:effectRef idx="0">
+                <a:schemeClr val="accent1"/>
+              </a:effectRef>
+              <a:fontRef idx="minor">
+                <a:schemeClr val="lt1"/>
+              </a:fontRef>
+            </p:style>
+            <p:txBody>
+              <a:bodyPr rtlCol="0" anchor="ctr" anchorCtr="0"/>
+              <a:lstStyle/>
+              <a:p>
+                <a:pPr algn="ctr"/>
+                <a:r>
+                  <a:rPr kumimoji="1" lang="en-US" altLang="ja-JP" sz="1000" dirty="0">
+                    <a:solidFill>
+                      <a:schemeClr val="tx1"/>
+                    </a:solidFill>
+                    <a:latin typeface="+mn-ea"/>
+                  </a:rPr>
+                  <a:t>11</a:t>
+                </a:r>
+                <a:endParaRPr kumimoji="1" lang="ja-JP" altLang="en-US" sz="1000" dirty="0" err="1">
+                  <a:solidFill>
+                    <a:schemeClr val="tx1"/>
+                  </a:solidFill>
+                  <a:latin typeface="+mn-ea"/>
+                </a:endParaRPr>
+              </a:p>
+            </p:txBody>
+          </p:sp>
+          <p:cxnSp>
+            <p:nvCxnSpPr>
+              <p:cNvPr id="213" name="直線コネクタ 212">
+                <a:extLst>
+                  <a:ext uri="{FF2B5EF4-FFF2-40B4-BE49-F238E27FC236}">
+                    <a16:creationId xmlns:a16="http://schemas.microsoft.com/office/drawing/2014/main" id="{82ECD50F-010D-2C46-8286-F61C89BE21F4}"/>
+                  </a:ext>
+                </a:extLst>
+              </p:cNvPr>
+              <p:cNvCxnSpPr/>
+              <p:nvPr/>
+            </p:nvCxnSpPr>
+            <p:spPr>
+              <a:xfrm flipV="1">
+                <a:off x="754457" y="1772319"/>
+                <a:ext cx="0" cy="541806"/>
+              </a:xfrm>
+              <a:prstGeom prst="line">
+                <a:avLst/>
+              </a:prstGeom>
+              <a:ln w="12700">
+                <a:solidFill>
+                  <a:schemeClr val="bg1">
+                    <a:lumMod val="65000"/>
+                  </a:schemeClr>
+                </a:solidFill>
+              </a:ln>
+            </p:spPr>
+            <p:style>
+              <a:lnRef idx="1">
+                <a:schemeClr val="accent1"/>
+              </a:lnRef>
+              <a:fillRef idx="0">
+                <a:schemeClr val="accent1"/>
+              </a:fillRef>
+              <a:effectRef idx="0">
+                <a:schemeClr val="accent1"/>
+              </a:effectRef>
+              <a:fontRef idx="minor">
+                <a:schemeClr val="tx1"/>
+              </a:fontRef>
+            </p:style>
+          </p:cxnSp>
+          <p:cxnSp>
+            <p:nvCxnSpPr>
+              <p:cNvPr id="214" name="直線コネクタ 213">
+                <a:extLst>
+                  <a:ext uri="{FF2B5EF4-FFF2-40B4-BE49-F238E27FC236}">
+                    <a16:creationId xmlns:a16="http://schemas.microsoft.com/office/drawing/2014/main" id="{9A0F18AE-AAD5-654A-A7E3-C5445A9BB898}"/>
+                  </a:ext>
+                </a:extLst>
+              </p:cNvPr>
+              <p:cNvCxnSpPr>
+                <a:cxnSpLocks/>
+                <a:stCxn id="207" idx="7"/>
+                <a:endCxn id="206" idx="3"/>
+              </p:cNvCxnSpPr>
+              <p:nvPr/>
+            </p:nvCxnSpPr>
+            <p:spPr>
+              <a:xfrm flipV="1">
+                <a:off x="1253597" y="912712"/>
+                <a:ext cx="220783" cy="229249"/>
+              </a:xfrm>
+              <a:prstGeom prst="line">
+                <a:avLst/>
+              </a:prstGeom>
+              <a:ln w="12700">
+                <a:solidFill>
+                  <a:schemeClr val="bg1">
+                    <a:lumMod val="65000"/>
+                  </a:schemeClr>
+                </a:solidFill>
+              </a:ln>
+            </p:spPr>
+            <p:style>
+              <a:lnRef idx="1">
+                <a:schemeClr val="accent1"/>
+              </a:lnRef>
+              <a:fillRef idx="0">
+                <a:schemeClr val="accent1"/>
+              </a:fillRef>
+              <a:effectRef idx="0">
+                <a:schemeClr val="accent1"/>
+              </a:effectRef>
+              <a:fontRef idx="minor">
+                <a:schemeClr val="tx1"/>
+              </a:fontRef>
+            </p:style>
+          </p:cxnSp>
+          <p:cxnSp>
+            <p:nvCxnSpPr>
+              <p:cNvPr id="215" name="直線コネクタ 214">
+                <a:extLst>
+                  <a:ext uri="{FF2B5EF4-FFF2-40B4-BE49-F238E27FC236}">
+                    <a16:creationId xmlns:a16="http://schemas.microsoft.com/office/drawing/2014/main" id="{221527B3-4584-CE4E-94B7-C83B193EE672}"/>
+                  </a:ext>
+                </a:extLst>
+              </p:cNvPr>
+              <p:cNvCxnSpPr>
+                <a:cxnSpLocks/>
+                <a:stCxn id="208" idx="7"/>
+                <a:endCxn id="207" idx="3"/>
+              </p:cNvCxnSpPr>
+              <p:nvPr/>
+            </p:nvCxnSpPr>
+            <p:spPr>
+              <a:xfrm flipV="1">
+                <a:off x="847243" y="1327532"/>
+                <a:ext cx="220783" cy="220783"/>
+              </a:xfrm>
+              <a:prstGeom prst="line">
+                <a:avLst/>
+              </a:prstGeom>
+              <a:ln w="12700">
+                <a:solidFill>
+                  <a:schemeClr val="bg1">
+                    <a:lumMod val="65000"/>
+                  </a:schemeClr>
+                </a:solidFill>
+              </a:ln>
+            </p:spPr>
+            <p:style>
+              <a:lnRef idx="1">
+                <a:schemeClr val="accent1"/>
+              </a:lnRef>
+              <a:fillRef idx="0">
+                <a:schemeClr val="accent1"/>
+              </a:fillRef>
+              <a:effectRef idx="0">
+                <a:schemeClr val="accent1"/>
+              </a:effectRef>
+              <a:fontRef idx="minor">
+                <a:schemeClr val="tx1"/>
+              </a:fontRef>
+            </p:style>
+          </p:cxnSp>
+          <p:cxnSp>
+            <p:nvCxnSpPr>
+              <p:cNvPr id="216" name="直線コネクタ 215">
+                <a:extLst>
+                  <a:ext uri="{FF2B5EF4-FFF2-40B4-BE49-F238E27FC236}">
+                    <a16:creationId xmlns:a16="http://schemas.microsoft.com/office/drawing/2014/main" id="{3DF89A4C-7C82-464C-AC27-10CC70CB881D}"/>
+                  </a:ext>
+                </a:extLst>
+              </p:cNvPr>
+              <p:cNvCxnSpPr>
+                <a:cxnSpLocks/>
+                <a:stCxn id="211" idx="0"/>
+                <a:endCxn id="209" idx="4"/>
+              </p:cNvCxnSpPr>
+              <p:nvPr/>
+            </p:nvCxnSpPr>
+            <p:spPr>
+              <a:xfrm flipV="1">
+                <a:off x="754457" y="2576562"/>
+                <a:ext cx="0" cy="550271"/>
+              </a:xfrm>
+              <a:prstGeom prst="line">
+                <a:avLst/>
+              </a:prstGeom>
+              <a:ln w="12700">
+                <a:solidFill>
+                  <a:schemeClr val="bg1">
+                    <a:lumMod val="65000"/>
+                  </a:schemeClr>
+                </a:solidFill>
+              </a:ln>
+            </p:spPr>
+            <p:style>
+              <a:lnRef idx="1">
+                <a:schemeClr val="accent1"/>
+              </a:lnRef>
+              <a:fillRef idx="0">
+                <a:schemeClr val="accent1"/>
+              </a:fillRef>
+              <a:effectRef idx="0">
+                <a:schemeClr val="accent1"/>
+              </a:effectRef>
+              <a:fontRef idx="minor">
+                <a:schemeClr val="tx1"/>
+              </a:fontRef>
+            </p:style>
+          </p:cxnSp>
+          <p:cxnSp>
+            <p:nvCxnSpPr>
+              <p:cNvPr id="217" name="直線コネクタ 216">
+                <a:extLst>
+                  <a:ext uri="{FF2B5EF4-FFF2-40B4-BE49-F238E27FC236}">
+                    <a16:creationId xmlns:a16="http://schemas.microsoft.com/office/drawing/2014/main" id="{B4238DE5-2A53-9A4B-9024-2A08BE691D0F}"/>
+                  </a:ext>
+                </a:extLst>
+              </p:cNvPr>
+              <p:cNvCxnSpPr>
+                <a:cxnSpLocks/>
+                <a:stCxn id="209" idx="7"/>
+                <a:endCxn id="212" idx="3"/>
+              </p:cNvCxnSpPr>
+              <p:nvPr/>
+            </p:nvCxnSpPr>
+            <p:spPr>
+              <a:xfrm flipV="1">
+                <a:off x="847243" y="2140240"/>
+                <a:ext cx="220783" cy="212317"/>
+              </a:xfrm>
+              <a:prstGeom prst="line">
+                <a:avLst/>
+              </a:prstGeom>
+              <a:ln w="12700">
+                <a:solidFill>
+                  <a:schemeClr val="bg1">
+                    <a:lumMod val="65000"/>
+                  </a:schemeClr>
+                </a:solidFill>
+              </a:ln>
+            </p:spPr>
+            <p:style>
+              <a:lnRef idx="1">
+                <a:schemeClr val="accent1"/>
+              </a:lnRef>
+              <a:fillRef idx="0">
+                <a:schemeClr val="accent1"/>
+              </a:fillRef>
+              <a:effectRef idx="0">
+                <a:schemeClr val="accent1"/>
+              </a:effectRef>
+              <a:fontRef idx="minor">
+                <a:schemeClr val="tx1"/>
+              </a:fontRef>
+            </p:style>
+          </p:cxnSp>
+          <p:cxnSp>
+            <p:nvCxnSpPr>
+              <p:cNvPr id="218" name="直線コネクタ 217">
+                <a:extLst>
+                  <a:ext uri="{FF2B5EF4-FFF2-40B4-BE49-F238E27FC236}">
+                    <a16:creationId xmlns:a16="http://schemas.microsoft.com/office/drawing/2014/main" id="{3234EC69-685D-FC4B-8313-B0A7697CAEB0}"/>
+                  </a:ext>
+                </a:extLst>
+              </p:cNvPr>
+              <p:cNvCxnSpPr>
+                <a:cxnSpLocks/>
+                <a:stCxn id="212" idx="1"/>
+                <a:endCxn id="208" idx="5"/>
+              </p:cNvCxnSpPr>
+              <p:nvPr/>
+            </p:nvCxnSpPr>
+            <p:spPr>
+              <a:xfrm flipH="1" flipV="1">
+                <a:off x="847243" y="1733886"/>
+                <a:ext cx="220783" cy="220783"/>
+              </a:xfrm>
+              <a:prstGeom prst="line">
+                <a:avLst/>
+              </a:prstGeom>
+              <a:ln w="12700">
+                <a:solidFill>
+                  <a:schemeClr val="bg1">
+                    <a:lumMod val="65000"/>
+                  </a:schemeClr>
+                </a:solidFill>
+              </a:ln>
+            </p:spPr>
+            <p:style>
+              <a:lnRef idx="1">
+                <a:schemeClr val="accent1"/>
+              </a:lnRef>
+              <a:fillRef idx="0">
+                <a:schemeClr val="accent1"/>
+              </a:fillRef>
+              <a:effectRef idx="0">
+                <a:schemeClr val="accent1"/>
+              </a:effectRef>
+              <a:fontRef idx="minor">
+                <a:schemeClr val="tx1"/>
+              </a:fontRef>
+            </p:style>
+          </p:cxnSp>
+          <p:cxnSp>
+            <p:nvCxnSpPr>
+              <p:cNvPr id="219" name="直線コネクタ 218">
+                <a:extLst>
+                  <a:ext uri="{FF2B5EF4-FFF2-40B4-BE49-F238E27FC236}">
+                    <a16:creationId xmlns:a16="http://schemas.microsoft.com/office/drawing/2014/main" id="{9D08D250-1823-F147-AA49-755C7AE2CBFF}"/>
+                  </a:ext>
+                </a:extLst>
+              </p:cNvPr>
+              <p:cNvCxnSpPr>
+                <a:cxnSpLocks/>
+                <a:stCxn id="209" idx="6"/>
+                <a:endCxn id="210" idx="2"/>
+              </p:cNvCxnSpPr>
+              <p:nvPr/>
+            </p:nvCxnSpPr>
+            <p:spPr>
+              <a:xfrm>
+                <a:off x="885676" y="2445343"/>
+                <a:ext cx="550271" cy="0"/>
+              </a:xfrm>
+              <a:prstGeom prst="line">
+                <a:avLst/>
+              </a:prstGeom>
+              <a:ln w="12700">
+                <a:solidFill>
+                  <a:schemeClr val="bg1">
+                    <a:lumMod val="65000"/>
+                  </a:schemeClr>
+                </a:solidFill>
+              </a:ln>
+            </p:spPr>
+            <p:style>
+              <a:lnRef idx="1">
+                <a:schemeClr val="accent1"/>
+              </a:lnRef>
+              <a:fillRef idx="0">
+                <a:schemeClr val="accent1"/>
+              </a:fillRef>
+              <a:effectRef idx="0">
+                <a:schemeClr val="accent1"/>
+              </a:effectRef>
+              <a:fontRef idx="minor">
+                <a:schemeClr val="tx1"/>
+              </a:fontRef>
+            </p:style>
+          </p:cxnSp>
+          <p:cxnSp>
+            <p:nvCxnSpPr>
+              <p:cNvPr id="220" name="直線コネクタ 219">
+                <a:extLst>
+                  <a:ext uri="{FF2B5EF4-FFF2-40B4-BE49-F238E27FC236}">
+                    <a16:creationId xmlns:a16="http://schemas.microsoft.com/office/drawing/2014/main" id="{642E1E58-9C08-3D49-9F9F-FB00858BE101}"/>
+                  </a:ext>
+                </a:extLst>
+              </p:cNvPr>
+              <p:cNvCxnSpPr>
+                <a:cxnSpLocks/>
+                <a:stCxn id="210" idx="1"/>
+                <a:endCxn id="212" idx="5"/>
+              </p:cNvCxnSpPr>
+              <p:nvPr/>
+            </p:nvCxnSpPr>
+            <p:spPr>
+              <a:xfrm flipH="1" flipV="1">
+                <a:off x="1253597" y="2140240"/>
+                <a:ext cx="220783" cy="212317"/>
+              </a:xfrm>
+              <a:prstGeom prst="line">
+                <a:avLst/>
+              </a:prstGeom>
+              <a:ln w="12700">
+                <a:solidFill>
+                  <a:schemeClr val="bg1">
+                    <a:lumMod val="65000"/>
+                  </a:schemeClr>
+                </a:solidFill>
+              </a:ln>
+            </p:spPr>
+            <p:style>
+              <a:lnRef idx="1">
+                <a:schemeClr val="accent1"/>
+              </a:lnRef>
+              <a:fillRef idx="0">
+                <a:schemeClr val="accent1"/>
+              </a:fillRef>
+              <a:effectRef idx="0">
+                <a:schemeClr val="accent1"/>
+              </a:effectRef>
+              <a:fontRef idx="minor">
+                <a:schemeClr val="tx1"/>
+              </a:fontRef>
+            </p:style>
+          </p:cxnSp>
+          <p:sp>
+            <p:nvSpPr>
+              <p:cNvPr id="221" name="円/楕円 220">
+                <a:extLst>
+                  <a:ext uri="{FF2B5EF4-FFF2-40B4-BE49-F238E27FC236}">
+                    <a16:creationId xmlns:a16="http://schemas.microsoft.com/office/drawing/2014/main" id="{2B9E3C56-D32F-BB4A-AA5A-F3E022BC5E42}"/>
+                  </a:ext>
+                </a:extLst>
+              </p:cNvPr>
+              <p:cNvSpPr/>
+              <p:nvPr/>
+            </p:nvSpPr>
+            <p:spPr>
+              <a:xfrm>
+                <a:off x="3090994" y="688708"/>
+                <a:ext cx="262437" cy="262437"/>
+              </a:xfrm>
+              <a:prstGeom prst="ellipse">
+                <a:avLst/>
+              </a:prstGeom>
+              <a:solidFill>
+                <a:schemeClr val="bg1"/>
+              </a:solidFill>
+              <a:ln w="12700">
+                <a:solidFill>
+                  <a:schemeClr val="bg1">
+                    <a:lumMod val="65000"/>
+                  </a:schemeClr>
+                </a:solidFill>
+              </a:ln>
+            </p:spPr>
+            <p:style>
+              <a:lnRef idx="2">
+                <a:schemeClr val="accent1">
+                  <a:shade val="50000"/>
+                </a:schemeClr>
+              </a:lnRef>
+              <a:fillRef idx="1">
+                <a:schemeClr val="accent1"/>
+              </a:fillRef>
+              <a:effectRef idx="0">
+                <a:schemeClr val="accent1"/>
+              </a:effectRef>
+              <a:fontRef idx="minor">
+                <a:schemeClr val="lt1"/>
+              </a:fontRef>
+            </p:style>
+            <p:txBody>
+              <a:bodyPr rtlCol="0" anchor="ctr" anchorCtr="0"/>
+              <a:lstStyle/>
+              <a:p>
+                <a:pPr algn="ctr"/>
+                <a:r>
+                  <a:rPr kumimoji="1" lang="en-US" altLang="ja-JP" sz="1000" dirty="0">
+                    <a:solidFill>
+                      <a:schemeClr val="tx1"/>
+                    </a:solidFill>
+                    <a:latin typeface="+mn-ea"/>
+                  </a:rPr>
+                  <a:t>3</a:t>
+                </a:r>
+                <a:endParaRPr kumimoji="1" lang="ja-JP" altLang="en-US" sz="1000" dirty="0" err="1">
+                  <a:solidFill>
+                    <a:schemeClr val="tx1"/>
+                  </a:solidFill>
+                  <a:latin typeface="+mn-ea"/>
+                </a:endParaRPr>
+              </a:p>
+            </p:txBody>
+          </p:sp>
+          <p:sp>
+            <p:nvSpPr>
+              <p:cNvPr id="222" name="円/楕円 221">
+                <a:extLst>
+                  <a:ext uri="{FF2B5EF4-FFF2-40B4-BE49-F238E27FC236}">
+                    <a16:creationId xmlns:a16="http://schemas.microsoft.com/office/drawing/2014/main" id="{AA09AA55-C8E0-1B4C-B403-E6988EB5F73C}"/>
+                  </a:ext>
+                </a:extLst>
+              </p:cNvPr>
+              <p:cNvSpPr/>
+              <p:nvPr/>
+            </p:nvSpPr>
+            <p:spPr>
+              <a:xfrm>
+                <a:off x="2684640" y="1103528"/>
+                <a:ext cx="262437" cy="262437"/>
+              </a:xfrm>
+              <a:prstGeom prst="ellipse">
+                <a:avLst/>
+              </a:prstGeom>
+              <a:solidFill>
+                <a:srgbClr val="FF0000"/>
+              </a:solidFill>
+              <a:ln w="12700">
+                <a:solidFill>
+                  <a:schemeClr val="tx1"/>
+                </a:solidFill>
+                <a:prstDash val="sysDash"/>
+              </a:ln>
+            </p:spPr>
+            <p:style>
+              <a:lnRef idx="2">
+                <a:schemeClr val="accent1">
+                  <a:shade val="50000"/>
+                </a:schemeClr>
+              </a:lnRef>
+              <a:fillRef idx="1">
+                <a:schemeClr val="accent1"/>
+              </a:fillRef>
+              <a:effectRef idx="0">
+                <a:schemeClr val="accent1"/>
+              </a:effectRef>
+              <a:fontRef idx="minor">
+                <a:schemeClr val="lt1"/>
+              </a:fontRef>
+            </p:style>
+            <p:txBody>
+              <a:bodyPr rtlCol="0" anchor="ctr" anchorCtr="0"/>
+              <a:lstStyle/>
+              <a:p>
+                <a:pPr algn="ctr"/>
+                <a:r>
+                  <a:rPr kumimoji="1" lang="en-US" altLang="ja-JP" sz="1000" dirty="0">
+                    <a:solidFill>
+                      <a:schemeClr val="tx1"/>
+                    </a:solidFill>
+                    <a:latin typeface="+mn-ea"/>
+                  </a:rPr>
+                  <a:t>6</a:t>
+                </a:r>
+                <a:endParaRPr kumimoji="1" lang="ja-JP" altLang="en-US" sz="1000" dirty="0" err="1">
+                  <a:solidFill>
+                    <a:schemeClr val="tx1"/>
+                  </a:solidFill>
+                  <a:latin typeface="+mn-ea"/>
+                </a:endParaRPr>
+              </a:p>
+            </p:txBody>
+          </p:sp>
+          <p:sp>
+            <p:nvSpPr>
+              <p:cNvPr id="223" name="円/楕円 222">
+                <a:extLst>
+                  <a:ext uri="{FF2B5EF4-FFF2-40B4-BE49-F238E27FC236}">
+                    <a16:creationId xmlns:a16="http://schemas.microsoft.com/office/drawing/2014/main" id="{5C3B76C8-24C3-E145-8B63-7246C87E2366}"/>
+                  </a:ext>
+                </a:extLst>
+              </p:cNvPr>
+              <p:cNvSpPr/>
+              <p:nvPr/>
+            </p:nvSpPr>
+            <p:spPr>
+              <a:xfrm>
+                <a:off x="2278286" y="1509882"/>
+                <a:ext cx="262437" cy="262437"/>
+              </a:xfrm>
+              <a:prstGeom prst="ellipse">
+                <a:avLst/>
+              </a:prstGeom>
+              <a:solidFill>
+                <a:schemeClr val="bg1"/>
+              </a:solidFill>
+              <a:ln w="12700">
+                <a:solidFill>
+                  <a:schemeClr val="bg1">
+                    <a:lumMod val="65000"/>
+                  </a:schemeClr>
+                </a:solidFill>
+              </a:ln>
+            </p:spPr>
+            <p:style>
+              <a:lnRef idx="2">
+                <a:schemeClr val="accent1">
+                  <a:shade val="50000"/>
+                </a:schemeClr>
+              </a:lnRef>
+              <a:fillRef idx="1">
+                <a:schemeClr val="accent1"/>
+              </a:fillRef>
+              <a:effectRef idx="0">
+                <a:schemeClr val="accent1"/>
+              </a:effectRef>
+              <a:fontRef idx="minor">
+                <a:schemeClr val="lt1"/>
+              </a:fontRef>
+            </p:style>
+            <p:txBody>
+              <a:bodyPr rtlCol="0" anchor="ctr" anchorCtr="0"/>
+              <a:lstStyle/>
+              <a:p>
+                <a:pPr algn="ctr"/>
+                <a:r>
+                  <a:rPr kumimoji="1" lang="en-US" altLang="ja-JP" sz="1000" dirty="0">
+                    <a:solidFill>
+                      <a:schemeClr val="tx1"/>
+                    </a:solidFill>
+                    <a:latin typeface="+mn-ea"/>
+                  </a:rPr>
+                  <a:t>9</a:t>
+                </a:r>
+                <a:endParaRPr kumimoji="1" lang="ja-JP" altLang="en-US" sz="1000" dirty="0" err="1">
+                  <a:solidFill>
+                    <a:schemeClr val="tx1"/>
+                  </a:solidFill>
+                  <a:latin typeface="+mn-ea"/>
+                </a:endParaRPr>
+              </a:p>
+            </p:txBody>
+          </p:sp>
+          <p:sp>
+            <p:nvSpPr>
+              <p:cNvPr id="224" name="円/楕円 223">
+                <a:extLst>
+                  <a:ext uri="{FF2B5EF4-FFF2-40B4-BE49-F238E27FC236}">
+                    <a16:creationId xmlns:a16="http://schemas.microsoft.com/office/drawing/2014/main" id="{15D20B64-905A-4E43-A676-0258DC8F8F00}"/>
+                  </a:ext>
+                </a:extLst>
+              </p:cNvPr>
+              <p:cNvSpPr/>
+              <p:nvPr/>
+            </p:nvSpPr>
+            <p:spPr>
+              <a:xfrm>
+                <a:off x="3090994" y="2314125"/>
+                <a:ext cx="262437" cy="262437"/>
+              </a:xfrm>
+              <a:prstGeom prst="ellipse">
+                <a:avLst/>
+              </a:prstGeom>
+              <a:solidFill>
+                <a:schemeClr val="bg1"/>
+              </a:solidFill>
+              <a:ln w="12700">
+                <a:solidFill>
+                  <a:schemeClr val="bg1">
+                    <a:lumMod val="65000"/>
+                  </a:schemeClr>
+                </a:solidFill>
+              </a:ln>
+            </p:spPr>
+            <p:style>
+              <a:lnRef idx="2">
+                <a:schemeClr val="accent1">
+                  <a:shade val="50000"/>
+                </a:schemeClr>
+              </a:lnRef>
+              <a:fillRef idx="1">
+                <a:schemeClr val="accent1"/>
+              </a:fillRef>
+              <a:effectRef idx="0">
+                <a:schemeClr val="accent1"/>
+              </a:effectRef>
+              <a:fontRef idx="minor">
+                <a:schemeClr val="lt1"/>
+              </a:fontRef>
+            </p:style>
+            <p:txBody>
+              <a:bodyPr rtlCol="0" anchor="ctr" anchorCtr="0"/>
+              <a:lstStyle/>
+              <a:p>
+                <a:pPr algn="ctr"/>
+                <a:r>
+                  <a:rPr kumimoji="1" lang="en-US" altLang="ja-JP" sz="1000" dirty="0">
+                    <a:solidFill>
+                      <a:schemeClr val="tx1"/>
+                    </a:solidFill>
+                    <a:latin typeface="+mn-ea"/>
+                  </a:rPr>
+                  <a:t>16</a:t>
+                </a:r>
+                <a:endParaRPr kumimoji="1" lang="ja-JP" altLang="en-US" sz="1000" dirty="0" err="1">
+                  <a:solidFill>
+                    <a:schemeClr val="tx1"/>
+                  </a:solidFill>
+                  <a:latin typeface="+mn-ea"/>
+                </a:endParaRPr>
+              </a:p>
+            </p:txBody>
+          </p:sp>
+          <p:sp>
+            <p:nvSpPr>
+              <p:cNvPr id="225" name="円/楕円 224">
+                <a:extLst>
+                  <a:ext uri="{FF2B5EF4-FFF2-40B4-BE49-F238E27FC236}">
+                    <a16:creationId xmlns:a16="http://schemas.microsoft.com/office/drawing/2014/main" id="{CDE53964-8660-C743-9E26-A4D27C2E8539}"/>
+                  </a:ext>
+                </a:extLst>
+              </p:cNvPr>
+              <p:cNvSpPr/>
+              <p:nvPr/>
+            </p:nvSpPr>
+            <p:spPr>
+              <a:xfrm>
+                <a:off x="2278286" y="3126833"/>
+                <a:ext cx="262437" cy="262437"/>
+              </a:xfrm>
+              <a:prstGeom prst="ellipse">
+                <a:avLst/>
+              </a:prstGeom>
+              <a:solidFill>
+                <a:schemeClr val="bg1"/>
+              </a:solidFill>
+              <a:ln w="12700">
+                <a:solidFill>
+                  <a:schemeClr val="bg1">
+                    <a:lumMod val="65000"/>
+                  </a:schemeClr>
+                </a:solidFill>
+              </a:ln>
+            </p:spPr>
+            <p:style>
+              <a:lnRef idx="2">
+                <a:schemeClr val="accent1">
+                  <a:shade val="50000"/>
+                </a:schemeClr>
+              </a:lnRef>
+              <a:fillRef idx="1">
+                <a:schemeClr val="accent1"/>
+              </a:fillRef>
+              <a:effectRef idx="0">
+                <a:schemeClr val="accent1"/>
+              </a:effectRef>
+              <a:fontRef idx="minor">
+                <a:schemeClr val="lt1"/>
+              </a:fontRef>
+            </p:style>
+            <p:txBody>
+              <a:bodyPr rtlCol="0" anchor="ctr" anchorCtr="0"/>
+              <a:lstStyle/>
+              <a:p>
+                <a:pPr algn="ctr"/>
+                <a:r>
+                  <a:rPr kumimoji="1" lang="en-US" altLang="ja-JP" sz="1000" dirty="0">
+                    <a:solidFill>
+                      <a:schemeClr val="tx1"/>
+                    </a:solidFill>
+                    <a:latin typeface="+mn-ea"/>
+                  </a:rPr>
+                  <a:t>22</a:t>
+                </a:r>
+                <a:endParaRPr kumimoji="1" lang="ja-JP" altLang="en-US" sz="1000" dirty="0" err="1">
+                  <a:solidFill>
+                    <a:schemeClr val="tx1"/>
+                  </a:solidFill>
+                  <a:latin typeface="+mn-ea"/>
+                </a:endParaRPr>
+              </a:p>
+            </p:txBody>
+          </p:sp>
+          <p:sp>
+            <p:nvSpPr>
+              <p:cNvPr id="226" name="円/楕円 225">
+                <a:extLst>
+                  <a:ext uri="{FF2B5EF4-FFF2-40B4-BE49-F238E27FC236}">
+                    <a16:creationId xmlns:a16="http://schemas.microsoft.com/office/drawing/2014/main" id="{010D53CA-C614-E045-A55C-87834F5395A9}"/>
+                  </a:ext>
+                </a:extLst>
+              </p:cNvPr>
+              <p:cNvSpPr/>
+              <p:nvPr/>
+            </p:nvSpPr>
+            <p:spPr>
+              <a:xfrm>
+                <a:off x="2684640" y="2728944"/>
+                <a:ext cx="262437" cy="262437"/>
+              </a:xfrm>
+              <a:prstGeom prst="ellipse">
+                <a:avLst/>
+              </a:prstGeom>
+              <a:solidFill>
+                <a:schemeClr val="accent5"/>
+              </a:solidFill>
+              <a:ln w="12700">
+                <a:solidFill>
+                  <a:schemeClr val="bg1">
+                    <a:lumMod val="65000"/>
+                  </a:schemeClr>
+                </a:solidFill>
+              </a:ln>
+            </p:spPr>
+            <p:style>
+              <a:lnRef idx="2">
+                <a:schemeClr val="accent1">
+                  <a:shade val="50000"/>
+                </a:schemeClr>
+              </a:lnRef>
+              <a:fillRef idx="1">
+                <a:schemeClr val="accent1"/>
+              </a:fillRef>
+              <a:effectRef idx="0">
+                <a:schemeClr val="accent1"/>
+              </a:effectRef>
+              <a:fontRef idx="minor">
+                <a:schemeClr val="lt1"/>
+              </a:fontRef>
+            </p:style>
+            <p:txBody>
+              <a:bodyPr rtlCol="0" anchor="ctr" anchorCtr="0"/>
+              <a:lstStyle/>
+              <a:p>
+                <a:pPr algn="ctr"/>
+                <a:r>
+                  <a:rPr kumimoji="1" lang="en-US" altLang="ja-JP" sz="1000" dirty="0">
+                    <a:solidFill>
+                      <a:schemeClr val="tx1"/>
+                    </a:solidFill>
+                    <a:latin typeface="+mn-ea"/>
+                  </a:rPr>
+                  <a:t>19</a:t>
+                </a:r>
+                <a:endParaRPr kumimoji="1" lang="ja-JP" altLang="en-US" sz="1000" dirty="0" err="1">
+                  <a:solidFill>
+                    <a:schemeClr val="tx1"/>
+                  </a:solidFill>
+                  <a:latin typeface="+mn-ea"/>
+                </a:endParaRPr>
+              </a:p>
+            </p:txBody>
+          </p:sp>
+          <p:cxnSp>
+            <p:nvCxnSpPr>
+              <p:cNvPr id="227" name="直線コネクタ 226">
+                <a:extLst>
+                  <a:ext uri="{FF2B5EF4-FFF2-40B4-BE49-F238E27FC236}">
+                    <a16:creationId xmlns:a16="http://schemas.microsoft.com/office/drawing/2014/main" id="{267428B4-71C6-6143-AC47-7A05EEC79F07}"/>
+                  </a:ext>
+                </a:extLst>
+              </p:cNvPr>
+              <p:cNvCxnSpPr>
+                <a:cxnSpLocks/>
+                <a:stCxn id="222" idx="7"/>
+                <a:endCxn id="221" idx="3"/>
+              </p:cNvCxnSpPr>
+              <p:nvPr/>
+            </p:nvCxnSpPr>
+            <p:spPr>
+              <a:xfrm flipV="1">
+                <a:off x="2908644" y="912712"/>
+                <a:ext cx="220783" cy="229249"/>
+              </a:xfrm>
+              <a:prstGeom prst="line">
+                <a:avLst/>
+              </a:prstGeom>
+              <a:ln w="12700">
+                <a:solidFill>
+                  <a:schemeClr val="bg1">
+                    <a:lumMod val="65000"/>
+                  </a:schemeClr>
+                </a:solidFill>
+              </a:ln>
+            </p:spPr>
+            <p:style>
+              <a:lnRef idx="1">
+                <a:schemeClr val="accent1"/>
+              </a:lnRef>
+              <a:fillRef idx="0">
+                <a:schemeClr val="accent1"/>
+              </a:fillRef>
+              <a:effectRef idx="0">
+                <a:schemeClr val="accent1"/>
+              </a:effectRef>
+              <a:fontRef idx="minor">
+                <a:schemeClr val="tx1"/>
+              </a:fontRef>
+            </p:style>
+          </p:cxnSp>
+          <p:cxnSp>
+            <p:nvCxnSpPr>
+              <p:cNvPr id="228" name="直線コネクタ 227">
+                <a:extLst>
+                  <a:ext uri="{FF2B5EF4-FFF2-40B4-BE49-F238E27FC236}">
+                    <a16:creationId xmlns:a16="http://schemas.microsoft.com/office/drawing/2014/main" id="{9D626797-DE70-B345-9530-0E4F2BDF6BF8}"/>
+                  </a:ext>
+                </a:extLst>
+              </p:cNvPr>
+              <p:cNvCxnSpPr>
+                <a:cxnSpLocks/>
+                <a:stCxn id="223" idx="7"/>
+                <a:endCxn id="222" idx="3"/>
+              </p:cNvCxnSpPr>
+              <p:nvPr/>
+            </p:nvCxnSpPr>
+            <p:spPr>
+              <a:xfrm flipV="1">
+                <a:off x="2502290" y="1327532"/>
+                <a:ext cx="220783" cy="220783"/>
+              </a:xfrm>
+              <a:prstGeom prst="line">
+                <a:avLst/>
+              </a:prstGeom>
+              <a:ln w="12700">
+                <a:solidFill>
+                  <a:schemeClr val="bg1">
+                    <a:lumMod val="65000"/>
+                  </a:schemeClr>
+                </a:solidFill>
+              </a:ln>
+            </p:spPr>
+            <p:style>
+              <a:lnRef idx="1">
+                <a:schemeClr val="accent1"/>
+              </a:lnRef>
+              <a:fillRef idx="0">
+                <a:schemeClr val="accent1"/>
+              </a:fillRef>
+              <a:effectRef idx="0">
+                <a:schemeClr val="accent1"/>
+              </a:effectRef>
+              <a:fontRef idx="minor">
+                <a:schemeClr val="tx1"/>
+              </a:fontRef>
+            </p:style>
+          </p:cxnSp>
+          <p:cxnSp>
+            <p:nvCxnSpPr>
+              <p:cNvPr id="229" name="直線コネクタ 228">
+                <a:extLst>
+                  <a:ext uri="{FF2B5EF4-FFF2-40B4-BE49-F238E27FC236}">
+                    <a16:creationId xmlns:a16="http://schemas.microsoft.com/office/drawing/2014/main" id="{F12787A5-5E10-7A48-9002-25090C6D1B33}"/>
+                  </a:ext>
+                </a:extLst>
+              </p:cNvPr>
+              <p:cNvCxnSpPr>
+                <a:cxnSpLocks/>
+                <a:stCxn id="225" idx="7"/>
+                <a:endCxn id="226" idx="3"/>
+              </p:cNvCxnSpPr>
+              <p:nvPr/>
+            </p:nvCxnSpPr>
+            <p:spPr>
+              <a:xfrm flipV="1">
+                <a:off x="2502290" y="2952949"/>
+                <a:ext cx="220783" cy="212317"/>
+              </a:xfrm>
+              <a:prstGeom prst="line">
+                <a:avLst/>
+              </a:prstGeom>
+              <a:ln w="12700">
+                <a:solidFill>
+                  <a:schemeClr val="bg1">
+                    <a:lumMod val="65000"/>
+                  </a:schemeClr>
+                </a:solidFill>
+              </a:ln>
+            </p:spPr>
+            <p:style>
+              <a:lnRef idx="1">
+                <a:schemeClr val="accent1"/>
+              </a:lnRef>
+              <a:fillRef idx="0">
+                <a:schemeClr val="accent1"/>
+              </a:fillRef>
+              <a:effectRef idx="0">
+                <a:schemeClr val="accent1"/>
+              </a:effectRef>
+              <a:fontRef idx="minor">
+                <a:schemeClr val="tx1"/>
+              </a:fontRef>
+            </p:style>
+          </p:cxnSp>
+          <p:cxnSp>
+            <p:nvCxnSpPr>
+              <p:cNvPr id="230" name="直線コネクタ 229">
+                <a:extLst>
+                  <a:ext uri="{FF2B5EF4-FFF2-40B4-BE49-F238E27FC236}">
+                    <a16:creationId xmlns:a16="http://schemas.microsoft.com/office/drawing/2014/main" id="{A748AA61-A019-2945-9E6B-550314BE2CD2}"/>
+                  </a:ext>
+                </a:extLst>
+              </p:cNvPr>
+              <p:cNvCxnSpPr>
+                <a:cxnSpLocks/>
+                <a:stCxn id="226" idx="7"/>
+                <a:endCxn id="224" idx="3"/>
+              </p:cNvCxnSpPr>
+              <p:nvPr/>
+            </p:nvCxnSpPr>
+            <p:spPr>
+              <a:xfrm flipV="1">
+                <a:off x="2908644" y="2538129"/>
+                <a:ext cx="220783" cy="229249"/>
+              </a:xfrm>
+              <a:prstGeom prst="line">
+                <a:avLst/>
+              </a:prstGeom>
+              <a:ln w="12700">
+                <a:solidFill>
+                  <a:schemeClr val="bg1">
+                    <a:lumMod val="65000"/>
+                  </a:schemeClr>
+                </a:solidFill>
+              </a:ln>
+            </p:spPr>
+            <p:style>
+              <a:lnRef idx="1">
+                <a:schemeClr val="accent1"/>
+              </a:lnRef>
+              <a:fillRef idx="0">
+                <a:schemeClr val="accent1"/>
+              </a:fillRef>
+              <a:effectRef idx="0">
+                <a:schemeClr val="accent1"/>
+              </a:effectRef>
+              <a:fontRef idx="minor">
+                <a:schemeClr val="tx1"/>
+              </a:fontRef>
+            </p:style>
+          </p:cxnSp>
+          <p:cxnSp>
+            <p:nvCxnSpPr>
+              <p:cNvPr id="231" name="直線コネクタ 230">
+                <a:extLst>
+                  <a:ext uri="{FF2B5EF4-FFF2-40B4-BE49-F238E27FC236}">
+                    <a16:creationId xmlns:a16="http://schemas.microsoft.com/office/drawing/2014/main" id="{49CC8C58-582C-5E47-8492-1DF7C7B17C57}"/>
+                  </a:ext>
+                </a:extLst>
+              </p:cNvPr>
+              <p:cNvCxnSpPr>
+                <a:cxnSpLocks/>
+                <a:stCxn id="206" idx="5"/>
+                <a:endCxn id="204" idx="1"/>
+              </p:cNvCxnSpPr>
+              <p:nvPr/>
+            </p:nvCxnSpPr>
+            <p:spPr>
+              <a:xfrm>
+                <a:off x="1659951" y="912712"/>
+                <a:ext cx="220783" cy="229249"/>
+              </a:xfrm>
+              <a:prstGeom prst="line">
+                <a:avLst/>
+              </a:prstGeom>
+              <a:ln w="12700">
+                <a:solidFill>
+                  <a:schemeClr val="bg1">
+                    <a:lumMod val="65000"/>
+                  </a:schemeClr>
+                </a:solidFill>
+              </a:ln>
+            </p:spPr>
+            <p:style>
+              <a:lnRef idx="1">
+                <a:schemeClr val="accent1"/>
+              </a:lnRef>
+              <a:fillRef idx="0">
+                <a:schemeClr val="accent1"/>
+              </a:fillRef>
+              <a:effectRef idx="0">
+                <a:schemeClr val="accent1"/>
+              </a:effectRef>
+              <a:fontRef idx="minor">
+                <a:schemeClr val="tx1"/>
+              </a:fontRef>
+            </p:style>
+          </p:cxnSp>
+          <p:cxnSp>
+            <p:nvCxnSpPr>
+              <p:cNvPr id="232" name="直線コネクタ 231">
+                <a:extLst>
+                  <a:ext uri="{FF2B5EF4-FFF2-40B4-BE49-F238E27FC236}">
+                    <a16:creationId xmlns:a16="http://schemas.microsoft.com/office/drawing/2014/main" id="{ACAFCD4D-0F97-D249-B576-A274754E35BF}"/>
+                  </a:ext>
+                </a:extLst>
+              </p:cNvPr>
+              <p:cNvCxnSpPr>
+                <a:cxnSpLocks/>
+                <a:stCxn id="204" idx="5"/>
+                <a:endCxn id="223" idx="1"/>
+              </p:cNvCxnSpPr>
+              <p:nvPr/>
+            </p:nvCxnSpPr>
+            <p:spPr>
+              <a:xfrm>
+                <a:off x="2066306" y="1327532"/>
+                <a:ext cx="250413" cy="220783"/>
+              </a:xfrm>
+              <a:prstGeom prst="line">
+                <a:avLst/>
+              </a:prstGeom>
+              <a:ln w="12700">
+                <a:solidFill>
+                  <a:schemeClr val="bg1">
+                    <a:lumMod val="65000"/>
+                  </a:schemeClr>
+                </a:solidFill>
+              </a:ln>
+            </p:spPr>
+            <p:style>
+              <a:lnRef idx="1">
+                <a:schemeClr val="accent1"/>
+              </a:lnRef>
+              <a:fillRef idx="0">
+                <a:schemeClr val="accent1"/>
+              </a:fillRef>
+              <a:effectRef idx="0">
+                <a:schemeClr val="accent1"/>
+              </a:effectRef>
+              <a:fontRef idx="minor">
+                <a:schemeClr val="tx1"/>
+              </a:fontRef>
+            </p:style>
+          </p:cxnSp>
+          <p:cxnSp>
+            <p:nvCxnSpPr>
+              <p:cNvPr id="233" name="直線コネクタ 232">
+                <a:extLst>
+                  <a:ext uri="{FF2B5EF4-FFF2-40B4-BE49-F238E27FC236}">
+                    <a16:creationId xmlns:a16="http://schemas.microsoft.com/office/drawing/2014/main" id="{9D5C823A-FB5C-4245-A757-639372B91D81}"/>
+                  </a:ext>
+                </a:extLst>
+              </p:cNvPr>
+              <p:cNvCxnSpPr>
+                <a:cxnSpLocks/>
+                <a:stCxn id="223" idx="3"/>
+                <a:endCxn id="210" idx="7"/>
+              </p:cNvCxnSpPr>
+              <p:nvPr/>
+            </p:nvCxnSpPr>
+            <p:spPr>
+              <a:xfrm flipH="1">
+                <a:off x="1659951" y="1733886"/>
+                <a:ext cx="656767" cy="618671"/>
+              </a:xfrm>
+              <a:prstGeom prst="line">
+                <a:avLst/>
+              </a:prstGeom>
+              <a:ln w="12700">
+                <a:solidFill>
+                  <a:schemeClr val="bg1">
+                    <a:lumMod val="65000"/>
+                  </a:schemeClr>
+                </a:solidFill>
+              </a:ln>
+            </p:spPr>
+            <p:style>
+              <a:lnRef idx="1">
+                <a:schemeClr val="accent1"/>
+              </a:lnRef>
+              <a:fillRef idx="0">
+                <a:schemeClr val="accent1"/>
+              </a:fillRef>
+              <a:effectRef idx="0">
+                <a:schemeClr val="accent1"/>
+              </a:effectRef>
+              <a:fontRef idx="minor">
+                <a:schemeClr val="tx1"/>
+              </a:fontRef>
+            </p:style>
+          </p:cxnSp>
+          <p:cxnSp>
+            <p:nvCxnSpPr>
+              <p:cNvPr id="234" name="直線コネクタ 233">
+                <a:extLst>
+                  <a:ext uri="{FF2B5EF4-FFF2-40B4-BE49-F238E27FC236}">
+                    <a16:creationId xmlns:a16="http://schemas.microsoft.com/office/drawing/2014/main" id="{9249565F-C59B-124C-A367-69CEC9C642BA}"/>
+                  </a:ext>
+                </a:extLst>
+              </p:cNvPr>
+              <p:cNvCxnSpPr>
+                <a:cxnSpLocks/>
+                <a:stCxn id="205" idx="1"/>
+                <a:endCxn id="210" idx="5"/>
+              </p:cNvCxnSpPr>
+              <p:nvPr/>
+            </p:nvCxnSpPr>
+            <p:spPr>
+              <a:xfrm flipH="1" flipV="1">
+                <a:off x="1659951" y="2538129"/>
+                <a:ext cx="220783" cy="229249"/>
+              </a:xfrm>
+              <a:prstGeom prst="line">
+                <a:avLst/>
+              </a:prstGeom>
+              <a:ln w="12700">
+                <a:solidFill>
+                  <a:schemeClr val="bg1">
+                    <a:lumMod val="65000"/>
+                  </a:schemeClr>
+                </a:solidFill>
+              </a:ln>
+            </p:spPr>
+            <p:style>
+              <a:lnRef idx="1">
+                <a:schemeClr val="accent1"/>
+              </a:lnRef>
+              <a:fillRef idx="0">
+                <a:schemeClr val="accent1"/>
+              </a:fillRef>
+              <a:effectRef idx="0">
+                <a:schemeClr val="accent1"/>
+              </a:effectRef>
+              <a:fontRef idx="minor">
+                <a:schemeClr val="tx1"/>
+              </a:fontRef>
+            </p:style>
+          </p:cxnSp>
+          <p:cxnSp>
+            <p:nvCxnSpPr>
+              <p:cNvPr id="235" name="直線コネクタ 234">
+                <a:extLst>
+                  <a:ext uri="{FF2B5EF4-FFF2-40B4-BE49-F238E27FC236}">
+                    <a16:creationId xmlns:a16="http://schemas.microsoft.com/office/drawing/2014/main" id="{3A96CD5D-141D-1E4F-A404-26BC426AFD36}"/>
+                  </a:ext>
+                </a:extLst>
+              </p:cNvPr>
+              <p:cNvCxnSpPr>
+                <a:cxnSpLocks/>
+                <a:stCxn id="205" idx="5"/>
+                <a:endCxn id="225" idx="1"/>
+              </p:cNvCxnSpPr>
+              <p:nvPr/>
+            </p:nvCxnSpPr>
+            <p:spPr>
+              <a:xfrm>
+                <a:off x="2066306" y="2952949"/>
+                <a:ext cx="250413" cy="212317"/>
+              </a:xfrm>
+              <a:prstGeom prst="line">
+                <a:avLst/>
+              </a:prstGeom>
+              <a:ln w="12700">
+                <a:solidFill>
+                  <a:schemeClr val="bg1">
+                    <a:lumMod val="65000"/>
+                  </a:schemeClr>
+                </a:solidFill>
+              </a:ln>
+            </p:spPr>
+            <p:style>
+              <a:lnRef idx="1">
+                <a:schemeClr val="accent1"/>
+              </a:lnRef>
+              <a:fillRef idx="0">
+                <a:schemeClr val="accent1"/>
+              </a:fillRef>
+              <a:effectRef idx="0">
+                <a:schemeClr val="accent1"/>
+              </a:effectRef>
+              <a:fontRef idx="minor">
+                <a:schemeClr val="tx1"/>
+              </a:fontRef>
+            </p:style>
+          </p:cxnSp>
+        </p:grpSp>
+      </p:grpSp>
+      <p:sp>
+        <p:nvSpPr>
+          <p:cNvPr id="4" name="フリーフォーム 3">
+            <a:extLst>
+              <a:ext uri="{FF2B5EF4-FFF2-40B4-BE49-F238E27FC236}">
+                <a16:creationId xmlns:a16="http://schemas.microsoft.com/office/drawing/2014/main" id="{985DD740-7906-7B40-9509-C47679E1F8E4}"/>
+              </a:ext>
+            </a:extLst>
+          </p:cNvPr>
+          <p:cNvSpPr/>
+          <p:nvPr/>
+        </p:nvSpPr>
+        <p:spPr>
+          <a:xfrm>
+            <a:off x="10439400" y="5350933"/>
+            <a:ext cx="2302933" cy="2463800"/>
+          </a:xfrm>
+          <a:custGeom>
+            <a:avLst/>
+            <a:gdLst>
+              <a:gd name="connsiteX0" fmla="*/ 42333 w 2302933"/>
+              <a:gd name="connsiteY0" fmla="*/ 558800 h 2463800"/>
+              <a:gd name="connsiteX1" fmla="*/ 956733 w 2302933"/>
+              <a:gd name="connsiteY1" fmla="*/ 1481667 h 2463800"/>
+              <a:gd name="connsiteX2" fmla="*/ 677333 w 2302933"/>
+              <a:gd name="connsiteY2" fmla="*/ 2065867 h 2463800"/>
+              <a:gd name="connsiteX3" fmla="*/ 1286933 w 2302933"/>
+              <a:gd name="connsiteY3" fmla="*/ 2463800 h 2463800"/>
+              <a:gd name="connsiteX4" fmla="*/ 1744133 w 2302933"/>
+              <a:gd name="connsiteY4" fmla="*/ 2421467 h 2463800"/>
+              <a:gd name="connsiteX5" fmla="*/ 2302933 w 2302933"/>
+              <a:gd name="connsiteY5" fmla="*/ 1651000 h 2463800"/>
+              <a:gd name="connsiteX6" fmla="*/ 2294467 w 2302933"/>
+              <a:gd name="connsiteY6" fmla="*/ 50800 h 2463800"/>
+              <a:gd name="connsiteX7" fmla="*/ 2108200 w 2302933"/>
+              <a:gd name="connsiteY7" fmla="*/ 8467 h 2463800"/>
+              <a:gd name="connsiteX8" fmla="*/ 457200 w 2302933"/>
+              <a:gd name="connsiteY8" fmla="*/ 0 h 2463800"/>
+              <a:gd name="connsiteX9" fmla="*/ 0 w 2302933"/>
+              <a:gd name="connsiteY9" fmla="*/ 474134 h 2463800"/>
+              <a:gd name="connsiteX10" fmla="*/ 42333 w 2302933"/>
+              <a:gd name="connsiteY10" fmla="*/ 558800 h 2463800"/>
+            </a:gdLst>
+            <a:ahLst/>
+            <a:cxnLst>
+              <a:cxn ang="0">
+                <a:pos x="connsiteX0" y="connsiteY0"/>
+              </a:cxn>
+              <a:cxn ang="0">
+                <a:pos x="connsiteX1" y="connsiteY1"/>
+              </a:cxn>
+              <a:cxn ang="0">
+                <a:pos x="connsiteX2" y="connsiteY2"/>
+              </a:cxn>
+              <a:cxn ang="0">
+                <a:pos x="connsiteX3" y="connsiteY3"/>
+              </a:cxn>
+              <a:cxn ang="0">
+                <a:pos x="connsiteX4" y="connsiteY4"/>
+              </a:cxn>
+              <a:cxn ang="0">
+                <a:pos x="connsiteX5" y="connsiteY5"/>
+              </a:cxn>
+              <a:cxn ang="0">
+                <a:pos x="connsiteX6" y="connsiteY6"/>
+              </a:cxn>
+              <a:cxn ang="0">
+                <a:pos x="connsiteX7" y="connsiteY7"/>
+              </a:cxn>
+              <a:cxn ang="0">
+                <a:pos x="connsiteX8" y="connsiteY8"/>
+              </a:cxn>
+              <a:cxn ang="0">
+                <a:pos x="connsiteX9" y="connsiteY9"/>
+              </a:cxn>
+              <a:cxn ang="0">
+                <a:pos x="connsiteX10" y="connsiteY10"/>
+              </a:cxn>
+            </a:cxnLst>
+            <a:rect l="l" t="t" r="r" b="b"/>
+            <a:pathLst>
+              <a:path w="2302933" h="2463800">
+                <a:moveTo>
+                  <a:pt x="42333" y="558800"/>
+                </a:moveTo>
+                <a:lnTo>
+                  <a:pt x="956733" y="1481667"/>
+                </a:lnTo>
+                <a:lnTo>
+                  <a:pt x="677333" y="2065867"/>
+                </a:lnTo>
+                <a:lnTo>
+                  <a:pt x="1286933" y="2463800"/>
+                </a:lnTo>
+                <a:lnTo>
+                  <a:pt x="1744133" y="2421467"/>
+                </a:lnTo>
+                <a:lnTo>
+                  <a:pt x="2302933" y="1651000"/>
+                </a:lnTo>
+                <a:lnTo>
+                  <a:pt x="2294467" y="50800"/>
+                </a:lnTo>
+                <a:lnTo>
+                  <a:pt x="2108200" y="8467"/>
+                </a:lnTo>
+                <a:lnTo>
+                  <a:pt x="457200" y="0"/>
+                </a:lnTo>
+                <a:lnTo>
+                  <a:pt x="0" y="474134"/>
+                </a:lnTo>
+                <a:lnTo>
+                  <a:pt x="42333" y="558800"/>
+                </a:lnTo>
+                <a:close/>
+              </a:path>
+            </a:pathLst>
+          </a:custGeom>
+          <a:noFill/>
+          <a:ln cap="rnd">
+            <a:prstDash val="sysDash"/>
+            <a:round/>
+          </a:ln>
+        </p:spPr>
+        <p:style>
+          <a:lnRef idx="2">
+            <a:schemeClr val="accent1">
+              <a:shade val="50000"/>
+            </a:schemeClr>
+          </a:lnRef>
+          <a:fillRef idx="1">
+            <a:schemeClr val="accent1"/>
+          </a:fillRef>
+          <a:effectRef idx="0">
+            <a:schemeClr val="accent1"/>
+          </a:effectRef>
+          <a:fontRef idx="minor">
+            <a:schemeClr val="lt1"/>
+          </a:fontRef>
+        </p:style>
+        <p:txBody>
+          <a:bodyPr rtlCol="0" anchor="ctr"/>
+          <a:lstStyle/>
+          <a:p>
+            <a:pPr algn="ctr"/>
+            <a:endParaRPr kumimoji="1" lang="ja-JP" altLang="en-US"/>
+          </a:p>
+        </p:txBody>
+      </p:sp>
+      <p:sp>
+        <p:nvSpPr>
+          <p:cNvPr id="236" name="正方形/長方形 235">
+            <a:extLst>
+              <a:ext uri="{FF2B5EF4-FFF2-40B4-BE49-F238E27FC236}">
+                <a16:creationId xmlns:a16="http://schemas.microsoft.com/office/drawing/2014/main" id="{85BA9044-985F-4045-BFFB-CBEFA1BB1AFF}"/>
+              </a:ext>
+            </a:extLst>
+          </p:cNvPr>
+          <p:cNvSpPr/>
+          <p:nvPr/>
+        </p:nvSpPr>
+        <p:spPr>
+          <a:xfrm>
+            <a:off x="10037407" y="7834630"/>
+            <a:ext cx="2759336" cy="940133"/>
+          </a:xfrm>
+          <a:prstGeom prst="rect">
+            <a:avLst/>
+          </a:prstGeom>
+          <a:noFill/>
+          <a:ln>
+            <a:noFill/>
+          </a:ln>
+        </p:spPr>
+        <p:style>
+          <a:lnRef idx="2">
+            <a:schemeClr val="accent1">
+              <a:shade val="50000"/>
+            </a:schemeClr>
+          </a:lnRef>
+          <a:fillRef idx="1">
+            <a:schemeClr val="accent1"/>
+          </a:fillRef>
+          <a:effectRef idx="0">
+            <a:schemeClr val="accent1"/>
+          </a:effectRef>
+          <a:fontRef idx="minor">
+            <a:schemeClr val="lt1"/>
+          </a:fontRef>
+        </p:style>
+        <p:txBody>
+          <a:bodyPr rtlCol="0" anchor="t" anchorCtr="0"/>
+          <a:lstStyle/>
+          <a:p>
+            <a:r>
+              <a:rPr lang="ja-JP" altLang="en-US" sz="1100" b="1">
+                <a:solidFill>
+                  <a:schemeClr val="tx1"/>
+                </a:solidFill>
+                <a:latin typeface="+mn-ea"/>
+              </a:rPr>
+              <a:t>未探索・セット：</a:t>
+            </a:r>
+            <a:endParaRPr lang="en-US" altLang="ja-JP" sz="1100" b="1" dirty="0">
+              <a:solidFill>
+                <a:schemeClr val="tx1"/>
+              </a:solidFill>
+              <a:latin typeface="+mn-ea"/>
+            </a:endParaRPr>
+          </a:p>
+          <a:p>
+            <a:r>
+              <a:rPr lang="ja-JP" altLang="en-US" sz="1100">
+                <a:solidFill>
+                  <a:schemeClr val="tx1"/>
+                </a:solidFill>
+                <a:latin typeface="+mn-ea"/>
+              </a:rPr>
+              <a:t>ノードの未探索のノードを未探索セットと定義する。上図　青点線。</a:t>
+            </a:r>
+            <a:endParaRPr lang="en-US" altLang="ja-JP" sz="1100" dirty="0">
+              <a:solidFill>
+                <a:schemeClr val="tx1"/>
+              </a:solidFill>
+              <a:latin typeface="+mn-ea"/>
+            </a:endParaRPr>
+          </a:p>
+          <a:p>
+            <a:r>
+              <a:rPr lang="ja-JP" altLang="en-US" sz="1100" b="1">
+                <a:solidFill>
+                  <a:schemeClr val="tx1"/>
+                </a:solidFill>
+                <a:latin typeface="+mn-ea"/>
+              </a:rPr>
+              <a:t>隣接ノード</a:t>
+            </a:r>
+            <a:r>
+              <a:rPr lang="ja-JP" altLang="en-US" sz="1100">
+                <a:solidFill>
+                  <a:schemeClr val="tx1"/>
+                </a:solidFill>
+                <a:latin typeface="+mn-ea"/>
+              </a:rPr>
+              <a:t>：</a:t>
+            </a:r>
+            <a:endParaRPr lang="en-US" altLang="ja-JP" sz="1100" dirty="0">
+              <a:solidFill>
+                <a:schemeClr val="tx1"/>
+              </a:solidFill>
+              <a:latin typeface="+mn-ea"/>
+            </a:endParaRPr>
+          </a:p>
+          <a:p>
+            <a:r>
+              <a:rPr lang="ja-JP" altLang="en-US" sz="1100">
+                <a:solidFill>
+                  <a:schemeClr val="tx1"/>
+                </a:solidFill>
+                <a:latin typeface="+mn-ea"/>
+              </a:rPr>
+              <a:t>現行に接続されているノード。</a:t>
+            </a:r>
+          </a:p>
+        </p:txBody>
+      </p:sp>
+      <p:sp>
+        <p:nvSpPr>
+          <p:cNvPr id="238" name="正方形/長方形 237">
+            <a:extLst>
+              <a:ext uri="{FF2B5EF4-FFF2-40B4-BE49-F238E27FC236}">
+                <a16:creationId xmlns:a16="http://schemas.microsoft.com/office/drawing/2014/main" id="{0C1FEDB9-003B-E043-B3C7-385861908909}"/>
+              </a:ext>
+            </a:extLst>
+          </p:cNvPr>
+          <p:cNvSpPr/>
+          <p:nvPr/>
+        </p:nvSpPr>
+        <p:spPr>
+          <a:xfrm>
+            <a:off x="11541902" y="6544009"/>
+            <a:ext cx="1171728" cy="280444"/>
+          </a:xfrm>
+          <a:prstGeom prst="rect">
+            <a:avLst/>
+          </a:prstGeom>
+          <a:noFill/>
+          <a:ln>
+            <a:noFill/>
+          </a:ln>
+        </p:spPr>
+        <p:style>
+          <a:lnRef idx="2">
+            <a:schemeClr val="accent1">
+              <a:shade val="50000"/>
+            </a:schemeClr>
+          </a:lnRef>
+          <a:fillRef idx="1">
+            <a:schemeClr val="accent1"/>
+          </a:fillRef>
+          <a:effectRef idx="0">
+            <a:schemeClr val="accent1"/>
+          </a:effectRef>
+          <a:fontRef idx="minor">
+            <a:schemeClr val="lt1"/>
+          </a:fontRef>
+        </p:style>
+        <p:txBody>
+          <a:bodyPr rtlCol="0" anchor="t" anchorCtr="0"/>
+          <a:lstStyle/>
+          <a:p>
+            <a:r>
+              <a:rPr lang="ja-JP" altLang="en-US" sz="1100">
+                <a:solidFill>
+                  <a:schemeClr val="tx1"/>
+                </a:solidFill>
+                <a:latin typeface="+mn-ea"/>
+              </a:rPr>
+              <a:t>未探索・セット</a:t>
+            </a:r>
+            <a:endParaRPr lang="en-US" altLang="ja-JP" sz="1100" dirty="0">
+              <a:solidFill>
+                <a:schemeClr val="tx1"/>
+              </a:solidFill>
+              <a:latin typeface="+mn-ea"/>
+            </a:endParaRPr>
+          </a:p>
+        </p:txBody>
+      </p:sp>
+      <p:sp>
+        <p:nvSpPr>
+          <p:cNvPr id="5" name="フリーフォーム 4">
+            <a:extLst>
+              <a:ext uri="{FF2B5EF4-FFF2-40B4-BE49-F238E27FC236}">
+                <a16:creationId xmlns:a16="http://schemas.microsoft.com/office/drawing/2014/main" id="{9D419D49-C309-5243-9015-5E0328D39FF5}"/>
+              </a:ext>
+            </a:extLst>
+          </p:cNvPr>
+          <p:cNvSpPr/>
+          <p:nvPr/>
+        </p:nvSpPr>
+        <p:spPr>
+          <a:xfrm>
+            <a:off x="10151533" y="5969000"/>
+            <a:ext cx="1126067" cy="1811867"/>
+          </a:xfrm>
+          <a:custGeom>
+            <a:avLst/>
+            <a:gdLst>
+              <a:gd name="connsiteX0" fmla="*/ 42334 w 1126067"/>
+              <a:gd name="connsiteY0" fmla="*/ 1811867 h 1811867"/>
+              <a:gd name="connsiteX1" fmla="*/ 508000 w 1126067"/>
+              <a:gd name="connsiteY1" fmla="*/ 1803400 h 1811867"/>
+              <a:gd name="connsiteX2" fmla="*/ 745067 w 1126067"/>
+              <a:gd name="connsiteY2" fmla="*/ 1278467 h 1811867"/>
+              <a:gd name="connsiteX3" fmla="*/ 1126067 w 1126067"/>
+              <a:gd name="connsiteY3" fmla="*/ 990600 h 1811867"/>
+              <a:gd name="connsiteX4" fmla="*/ 1109134 w 1126067"/>
+              <a:gd name="connsiteY4" fmla="*/ 838200 h 1811867"/>
+              <a:gd name="connsiteX5" fmla="*/ 237067 w 1126067"/>
+              <a:gd name="connsiteY5" fmla="*/ 0 h 1811867"/>
+              <a:gd name="connsiteX6" fmla="*/ 0 w 1126067"/>
+              <a:gd name="connsiteY6" fmla="*/ 296333 h 1811867"/>
+              <a:gd name="connsiteX7" fmla="*/ 516467 w 1126067"/>
+              <a:gd name="connsiteY7" fmla="*/ 1016000 h 1811867"/>
+              <a:gd name="connsiteX8" fmla="*/ 448734 w 1126067"/>
+              <a:gd name="connsiteY8" fmla="*/ 1202267 h 1811867"/>
+              <a:gd name="connsiteX9" fmla="*/ 101600 w 1126067"/>
+              <a:gd name="connsiteY9" fmla="*/ 1405467 h 1811867"/>
+              <a:gd name="connsiteX10" fmla="*/ 25400 w 1126067"/>
+              <a:gd name="connsiteY10" fmla="*/ 1693333 h 1811867"/>
+              <a:gd name="connsiteX11" fmla="*/ 42334 w 1126067"/>
+              <a:gd name="connsiteY11" fmla="*/ 1811867 h 1811867"/>
+            </a:gdLst>
+            <a:ahLst/>
+            <a:cxnLst>
+              <a:cxn ang="0">
+                <a:pos x="connsiteX0" y="connsiteY0"/>
+              </a:cxn>
+              <a:cxn ang="0">
+                <a:pos x="connsiteX1" y="connsiteY1"/>
+              </a:cxn>
+              <a:cxn ang="0">
+                <a:pos x="connsiteX2" y="connsiteY2"/>
+              </a:cxn>
+              <a:cxn ang="0">
+                <a:pos x="connsiteX3" y="connsiteY3"/>
+              </a:cxn>
+              <a:cxn ang="0">
+                <a:pos x="connsiteX4" y="connsiteY4"/>
+              </a:cxn>
+              <a:cxn ang="0">
+                <a:pos x="connsiteX5" y="connsiteY5"/>
+              </a:cxn>
+              <a:cxn ang="0">
+                <a:pos x="connsiteX6" y="connsiteY6"/>
+              </a:cxn>
+              <a:cxn ang="0">
+                <a:pos x="connsiteX7" y="connsiteY7"/>
+              </a:cxn>
+              <a:cxn ang="0">
+                <a:pos x="connsiteX8" y="connsiteY8"/>
+              </a:cxn>
+              <a:cxn ang="0">
+                <a:pos x="connsiteX9" y="connsiteY9"/>
+              </a:cxn>
+              <a:cxn ang="0">
+                <a:pos x="connsiteX10" y="connsiteY10"/>
+              </a:cxn>
+              <a:cxn ang="0">
+                <a:pos x="connsiteX11" y="connsiteY11"/>
+              </a:cxn>
+            </a:cxnLst>
+            <a:rect l="l" t="t" r="r" b="b"/>
+            <a:pathLst>
+              <a:path w="1126067" h="1811867">
+                <a:moveTo>
+                  <a:pt x="42334" y="1811867"/>
+                </a:moveTo>
+                <a:lnTo>
+                  <a:pt x="508000" y="1803400"/>
+                </a:lnTo>
+                <a:lnTo>
+                  <a:pt x="745067" y="1278467"/>
+                </a:lnTo>
+                <a:lnTo>
+                  <a:pt x="1126067" y="990600"/>
+                </a:lnTo>
+                <a:lnTo>
+                  <a:pt x="1109134" y="838200"/>
+                </a:lnTo>
+                <a:lnTo>
+                  <a:pt x="237067" y="0"/>
+                </a:lnTo>
+                <a:lnTo>
+                  <a:pt x="0" y="296333"/>
+                </a:lnTo>
+                <a:lnTo>
+                  <a:pt x="516467" y="1016000"/>
+                </a:lnTo>
+                <a:lnTo>
+                  <a:pt x="448734" y="1202267"/>
+                </a:lnTo>
+                <a:lnTo>
+                  <a:pt x="101600" y="1405467"/>
+                </a:lnTo>
+                <a:lnTo>
+                  <a:pt x="25400" y="1693333"/>
+                </a:lnTo>
+                <a:lnTo>
+                  <a:pt x="42334" y="1811867"/>
+                </a:lnTo>
+                <a:close/>
+              </a:path>
+            </a:pathLst>
+          </a:custGeom>
+          <a:noFill/>
+          <a:ln>
+            <a:solidFill>
+              <a:schemeClr val="accent6">
+                <a:lumMod val="50000"/>
+              </a:schemeClr>
+            </a:solidFill>
+            <a:prstDash val="dash"/>
+          </a:ln>
+        </p:spPr>
+        <p:style>
+          <a:lnRef idx="2">
+            <a:schemeClr val="accent1">
+              <a:shade val="50000"/>
+            </a:schemeClr>
+          </a:lnRef>
+          <a:fillRef idx="1">
+            <a:schemeClr val="accent1"/>
+          </a:fillRef>
+          <a:effectRef idx="0">
+            <a:schemeClr val="accent1"/>
+          </a:effectRef>
+          <a:fontRef idx="minor">
+            <a:schemeClr val="lt1"/>
+          </a:fontRef>
+        </p:style>
+        <p:txBody>
+          <a:bodyPr rtlCol="0" anchor="ctr"/>
+          <a:lstStyle/>
+          <a:p>
+            <a:pPr algn="ctr"/>
+            <a:endParaRPr kumimoji="1" lang="ja-JP" altLang="en-US"/>
+          </a:p>
+        </p:txBody>
+      </p:sp>
+      <p:sp>
+        <p:nvSpPr>
+          <p:cNvPr id="239" name="正方形/長方形 238">
+            <a:extLst>
+              <a:ext uri="{FF2B5EF4-FFF2-40B4-BE49-F238E27FC236}">
+                <a16:creationId xmlns:a16="http://schemas.microsoft.com/office/drawing/2014/main" id="{3952FFC9-1EB4-E04D-8104-3D932B72F3FF}"/>
+              </a:ext>
+            </a:extLst>
+          </p:cNvPr>
+          <p:cNvSpPr/>
+          <p:nvPr/>
+        </p:nvSpPr>
+        <p:spPr>
+          <a:xfrm>
+            <a:off x="10392647" y="7104856"/>
+            <a:ext cx="976705" cy="280444"/>
+          </a:xfrm>
+          <a:prstGeom prst="rect">
+            <a:avLst/>
+          </a:prstGeom>
+          <a:noFill/>
+          <a:ln>
+            <a:noFill/>
+          </a:ln>
+        </p:spPr>
+        <p:style>
+          <a:lnRef idx="2">
+            <a:schemeClr val="accent1">
+              <a:shade val="50000"/>
+            </a:schemeClr>
+          </a:lnRef>
+          <a:fillRef idx="1">
+            <a:schemeClr val="accent1"/>
+          </a:fillRef>
+          <a:effectRef idx="0">
+            <a:schemeClr val="accent1"/>
+          </a:effectRef>
+          <a:fontRef idx="minor">
+            <a:schemeClr val="lt1"/>
+          </a:fontRef>
+        </p:style>
+        <p:txBody>
+          <a:bodyPr rtlCol="0" anchor="t" anchorCtr="0"/>
+          <a:lstStyle/>
+          <a:p>
+            <a:r>
+              <a:rPr lang="ja-JP" altLang="en-US" sz="1100">
+                <a:solidFill>
+                  <a:schemeClr val="tx1"/>
+                </a:solidFill>
+                <a:latin typeface="+mn-ea"/>
+              </a:rPr>
+              <a:t>隣接ノード</a:t>
+            </a:r>
+            <a:endParaRPr lang="en-US" altLang="ja-JP" sz="1100" dirty="0">
+              <a:solidFill>
+                <a:schemeClr val="tx1"/>
+              </a:solidFill>
+              <a:latin typeface="+mn-ea"/>
+            </a:endParaRPr>
           </a:p>
         </p:txBody>
       </p:sp>
@@ -25741,7 +30645,7 @@
         </p:nvSpPr>
         <p:spPr>
           <a:xfrm>
-            <a:off x="32325" y="4445364"/>
+            <a:off x="32325" y="4584576"/>
             <a:ext cx="2570672" cy="230969"/>
           </a:xfrm>
           <a:prstGeom prst="rect">
@@ -25908,14 +30812,14 @@
           <p:nvPr>
             <p:extLst>
               <p:ext uri="{D42A27DB-BD31-4B8C-83A1-F6EECF244321}">
-                <p14:modId xmlns:p14="http://schemas.microsoft.com/office/powerpoint/2010/main" val="1408880018"/>
+                <p14:modId xmlns:p14="http://schemas.microsoft.com/office/powerpoint/2010/main" val="208028894"/>
               </p:ext>
             </p:extLst>
           </p:nvPr>
         </p:nvGraphicFramePr>
         <p:xfrm>
-          <a:off x="65777" y="1997585"/>
-          <a:ext cx="6107380" cy="2352040"/>
+          <a:off x="65778" y="1992289"/>
+          <a:ext cx="5785123" cy="2560320"/>
         </p:xfrm>
         <a:graphic>
           <a:graphicData uri="http://schemas.openxmlformats.org/drawingml/2006/table">
@@ -25924,21 +30828,21 @@
                 <a:tableStyleId>{5940675A-B579-460E-94D1-54222C63F5DA}</a:tableStyleId>
               </a:tblPr>
               <a:tblGrid>
-                <a:gridCol w="1743393">
+                <a:gridCol w="1658823">
                   <a:extLst>
                     <a:ext uri="{9D8B030D-6E8A-4147-A177-3AD203B41FA5}">
                       <a16:colId xmlns:a16="http://schemas.microsoft.com/office/drawing/2014/main" val="3681952398"/>
                     </a:ext>
                   </a:extLst>
                 </a:gridCol>
-                <a:gridCol w="2124393">
+                <a:gridCol w="2318068">
                   <a:extLst>
                     <a:ext uri="{9D8B030D-6E8A-4147-A177-3AD203B41FA5}">
                       <a16:colId xmlns:a16="http://schemas.microsoft.com/office/drawing/2014/main" val="1841933643"/>
                     </a:ext>
                   </a:extLst>
                 </a:gridCol>
-                <a:gridCol w="2239594">
+                <a:gridCol w="1808232">
                   <a:extLst>
                     <a:ext uri="{9D8B030D-6E8A-4147-A177-3AD203B41FA5}">
                       <a16:colId xmlns:a16="http://schemas.microsoft.com/office/drawing/2014/main" val="4067507676"/>
@@ -25946,7 +30850,7 @@
                   </a:extLst>
                 </a:gridCol>
               </a:tblGrid>
-              <a:tr h="370840">
+              <a:tr h="224629">
                 <a:tc>
                   <a:txBody>
                     <a:bodyPr/>
@@ -25954,7 +30858,7 @@
                     <a:p>
                       <a:pPr algn="ctr"/>
                       <a:r>
-                        <a:rPr kumimoji="1" lang="ja-JP" altLang="en-US" sz="1000"/>
+                        <a:rPr kumimoji="1" lang="ja-JP" altLang="en-US" sz="1100"/>
                         <a:t>上位機能</a:t>
                       </a:r>
                     </a:p>
@@ -25968,11 +30872,11 @@
                     <a:p>
                       <a:pPr algn="ctr"/>
                       <a:r>
-                        <a:rPr kumimoji="1" lang="en-US" altLang="ja-JP" sz="1000" dirty="0"/>
+                        <a:rPr kumimoji="1" lang="en-US" altLang="ja-JP" sz="1100" dirty="0"/>
                         <a:t>1</a:t>
                       </a:r>
                       <a:r>
-                        <a:rPr kumimoji="1" lang="ja-JP" altLang="en-US" sz="1000"/>
+                        <a:rPr kumimoji="1" lang="ja-JP" altLang="en-US" sz="1100"/>
                         <a:t>次機能</a:t>
                       </a:r>
                     </a:p>
@@ -25986,7 +30890,7 @@
                     <a:p>
                       <a:pPr algn="ctr"/>
                       <a:r>
-                        <a:rPr kumimoji="1" lang="ja-JP" altLang="en-US" sz="1000"/>
+                        <a:rPr kumimoji="1" lang="ja-JP" altLang="en-US" sz="1100"/>
                         <a:t>要素技術</a:t>
                       </a:r>
                     </a:p>
@@ -25999,14 +30903,14 @@
                   </a:ext>
                 </a:extLst>
               </a:tr>
-              <a:tr h="370840">
+              <a:tr h="369977">
                 <a:tc>
                   <a:txBody>
                     <a:bodyPr/>
                     <a:lstStyle/>
                     <a:p>
                       <a:r>
-                        <a:rPr kumimoji="1" lang="ja-JP" altLang="en-US" sz="1000"/>
+                        <a:rPr kumimoji="1" lang="ja-JP" altLang="en-US" sz="1100"/>
                         <a:t>ボーナスサークルの推定</a:t>
                       </a:r>
                     </a:p>
@@ -26019,7 +30923,7 @@
                     <a:lstStyle/>
                     <a:p>
                       <a:r>
-                        <a:rPr kumimoji="1" lang="ja-JP" altLang="en-US" sz="1000"/>
+                        <a:rPr kumimoji="1" lang="ja-JP" altLang="en-US" sz="1100"/>
                         <a:t>画像から数字を推定</a:t>
                       </a:r>
                     </a:p>
@@ -26032,14 +30936,14 @@
                     <a:lstStyle/>
                     <a:p>
                       <a:r>
-                        <a:rPr kumimoji="1" lang="ja-JP" altLang="en-US" sz="1000" b="1">
+                        <a:rPr kumimoji="1" lang="ja-JP" altLang="en-US" sz="1100" b="1">
                           <a:solidFill>
                             <a:srgbClr val="FF0000"/>
                           </a:solidFill>
                         </a:rPr>
                         <a:t>①画像処理</a:t>
                       </a:r>
-                      <a:endParaRPr kumimoji="1" lang="en-US" altLang="ja-JP" sz="1000" b="1" dirty="0">
+                      <a:endParaRPr kumimoji="1" lang="en-US" altLang="ja-JP" sz="1100" b="1" dirty="0">
                         <a:solidFill>
                           <a:srgbClr val="FF0000"/>
                         </a:solidFill>
@@ -26047,7 +30951,7 @@
                     </a:p>
                     <a:p>
                       <a:r>
-                        <a:rPr kumimoji="1" lang="ja-JP" altLang="en-US" sz="1000" b="1">
+                        <a:rPr kumimoji="1" lang="ja-JP" altLang="en-US" sz="1100" b="1">
                           <a:solidFill>
                             <a:srgbClr val="FF0000"/>
                           </a:solidFill>
@@ -26055,14 +30959,14 @@
                         <a:t>②</a:t>
                       </a:r>
                       <a:r>
-                        <a:rPr kumimoji="1" lang="en-US" altLang="ja-JP" sz="1000" b="1" dirty="0">
+                        <a:rPr kumimoji="1" lang="en-US" altLang="ja-JP" sz="1100" b="1" dirty="0">
                           <a:solidFill>
                             <a:srgbClr val="FF0000"/>
                           </a:solidFill>
                         </a:rPr>
                         <a:t>CNN (*1)</a:t>
                       </a:r>
-                      <a:endParaRPr kumimoji="1" lang="ja-JP" altLang="en-US" sz="1000" b="1">
+                      <a:endParaRPr kumimoji="1" lang="ja-JP" altLang="en-US" sz="1100" b="1">
                         <a:solidFill>
                           <a:srgbClr val="FF0000"/>
                         </a:solidFill>
@@ -26077,21 +30981,21 @@
                   </a:ext>
                 </a:extLst>
               </a:tr>
-              <a:tr h="370840">
+              <a:tr h="515325">
                 <a:tc>
                   <a:txBody>
                     <a:bodyPr/>
                     <a:lstStyle/>
                     <a:p>
                       <a:r>
-                        <a:rPr kumimoji="1" lang="ja-JP" altLang="en-US" sz="1000"/>
+                        <a:rPr kumimoji="1" lang="ja-JP" altLang="en-US" sz="1100"/>
                         <a:t>ブロックが置かれた</a:t>
                       </a:r>
-                      <a:endParaRPr kumimoji="1" lang="en-US" altLang="ja-JP" sz="1000" dirty="0"/>
+                      <a:endParaRPr kumimoji="1" lang="en-US" altLang="ja-JP" sz="1100" dirty="0"/>
                     </a:p>
                     <a:p>
                       <a:r>
-                        <a:rPr kumimoji="1" lang="ja-JP" altLang="en-US" sz="1000"/>
+                        <a:rPr kumimoji="1" lang="ja-JP" altLang="en-US" sz="1100"/>
                         <a:t>ブロック・サークルの推定</a:t>
                       </a:r>
                     </a:p>
@@ -26104,14 +31008,14 @@
                     <a:lstStyle/>
                     <a:p>
                       <a:r>
-                        <a:rPr kumimoji="1" lang="ja-JP" altLang="en-US" sz="1000"/>
+                        <a:rPr kumimoji="1" lang="ja-JP" altLang="en-US" sz="1100"/>
                         <a:t>画像からブロック・サークル内の</a:t>
                       </a:r>
-                      <a:endParaRPr kumimoji="1" lang="en-US" altLang="ja-JP" sz="1000" dirty="0"/>
+                      <a:endParaRPr kumimoji="1" lang="en-US" altLang="ja-JP" sz="1100" dirty="0"/>
                     </a:p>
                     <a:p>
                       <a:r>
-                        <a:rPr kumimoji="1" lang="ja-JP" altLang="en-US" sz="1000"/>
+                        <a:rPr kumimoji="1" lang="ja-JP" altLang="en-US" sz="1100"/>
                         <a:t>ブロックの有無と色の推定</a:t>
                       </a:r>
                     </a:p>
@@ -26141,14 +31045,14 @@
                         <a:defRPr/>
                       </a:pPr>
                       <a:r>
-                        <a:rPr kumimoji="1" lang="ja-JP" altLang="en-US" sz="1000" b="1">
+                        <a:rPr kumimoji="1" lang="ja-JP" altLang="en-US" sz="1100" b="1">
                           <a:solidFill>
                             <a:srgbClr val="FF0000"/>
                           </a:solidFill>
                         </a:rPr>
                         <a:t>①画像処理</a:t>
                       </a:r>
-                      <a:endParaRPr kumimoji="1" lang="en-US" altLang="ja-JP" sz="1000" b="1" dirty="0">
+                      <a:endParaRPr kumimoji="1" lang="en-US" altLang="ja-JP" sz="1100" b="1" dirty="0">
                         <a:solidFill>
                           <a:srgbClr val="FF0000"/>
                         </a:solidFill>
@@ -26173,7 +31077,7 @@
                         <a:defRPr/>
                       </a:pPr>
                       <a:r>
-                        <a:rPr kumimoji="1" lang="ja-JP" altLang="en-US" sz="1000" b="1">
+                        <a:rPr kumimoji="1" lang="ja-JP" altLang="en-US" sz="1100" b="1">
                           <a:solidFill>
                             <a:srgbClr val="FF0000"/>
                           </a:solidFill>
@@ -26181,14 +31085,14 @@
                         <a:t>②</a:t>
                       </a:r>
                       <a:r>
-                        <a:rPr kumimoji="1" lang="en-US" altLang="ja-JP" sz="1000" b="1" dirty="0">
+                        <a:rPr kumimoji="1" lang="en-US" altLang="ja-JP" sz="1100" b="1" dirty="0">
                           <a:solidFill>
                             <a:srgbClr val="FF0000"/>
                           </a:solidFill>
                         </a:rPr>
                         <a:t>CNN</a:t>
                       </a:r>
-                      <a:endParaRPr kumimoji="1" lang="ja-JP" altLang="en-US" sz="1000" b="1">
+                      <a:endParaRPr kumimoji="1" lang="ja-JP" altLang="en-US" sz="1100" b="1">
                         <a:solidFill>
                           <a:srgbClr val="FF0000"/>
                         </a:solidFill>
@@ -26203,21 +31107,21 @@
                   </a:ext>
                 </a:extLst>
               </a:tr>
-              <a:tr h="370840">
+              <a:tr h="369977">
                 <a:tc>
                   <a:txBody>
                     <a:bodyPr/>
                     <a:lstStyle/>
                     <a:p>
                       <a:r>
-                        <a:rPr kumimoji="1" lang="ja-JP" altLang="en-US" sz="1000"/>
+                        <a:rPr kumimoji="1" lang="ja-JP" altLang="en-US" sz="1100"/>
                         <a:t>交差サークルの</a:t>
                       </a:r>
-                      <a:endParaRPr kumimoji="1" lang="en-US" altLang="ja-JP" sz="1000" dirty="0"/>
+                      <a:endParaRPr kumimoji="1" lang="en-US" altLang="ja-JP" sz="1100" dirty="0"/>
                     </a:p>
                     <a:p>
                       <a:r>
-                        <a:rPr kumimoji="1" lang="ja-JP" altLang="en-US" sz="1000"/>
+                        <a:rPr kumimoji="1" lang="ja-JP" altLang="en-US" sz="1100"/>
                         <a:t>ブロックの色の推定</a:t>
                       </a:r>
                     </a:p>
@@ -26230,7 +31134,7 @@
                     <a:lstStyle/>
                     <a:p>
                       <a:r>
-                        <a:rPr kumimoji="1" lang="ja-JP" altLang="en-US" sz="1000"/>
+                        <a:rPr kumimoji="1" lang="ja-JP" altLang="en-US" sz="1100"/>
                         <a:t>画像からブロック色を推定する</a:t>
                       </a:r>
                     </a:p>
@@ -26260,14 +31164,14 @@
                         <a:defRPr/>
                       </a:pPr>
                       <a:r>
-                        <a:rPr kumimoji="1" lang="ja-JP" altLang="en-US" sz="1000" b="1">
+                        <a:rPr kumimoji="1" lang="ja-JP" altLang="en-US" sz="1100" b="1">
                           <a:solidFill>
                             <a:srgbClr val="FF0000"/>
                           </a:solidFill>
                         </a:rPr>
                         <a:t>①画像処理</a:t>
                       </a:r>
-                      <a:endParaRPr kumimoji="1" lang="en-US" altLang="ja-JP" sz="1000" b="1" dirty="0">
+                      <a:endParaRPr kumimoji="1" lang="en-US" altLang="ja-JP" sz="1100" b="1" dirty="0">
                         <a:solidFill>
                           <a:srgbClr val="FF0000"/>
                         </a:solidFill>
@@ -26292,7 +31196,7 @@
                         <a:defRPr/>
                       </a:pPr>
                       <a:r>
-                        <a:rPr kumimoji="1" lang="ja-JP" altLang="en-US" sz="1000" b="1">
+                        <a:rPr kumimoji="1" lang="ja-JP" altLang="en-US" sz="1100" b="1">
                           <a:solidFill>
                             <a:srgbClr val="FF0000"/>
                           </a:solidFill>
@@ -26300,14 +31204,14 @@
                         <a:t>②</a:t>
                       </a:r>
                       <a:r>
-                        <a:rPr kumimoji="1" lang="en-US" altLang="ja-JP" sz="1000" b="1" dirty="0">
+                        <a:rPr kumimoji="1" lang="en-US" altLang="ja-JP" sz="1100" b="1" dirty="0">
                           <a:solidFill>
                             <a:srgbClr val="FF0000"/>
                           </a:solidFill>
                         </a:rPr>
                         <a:t>CNN</a:t>
                       </a:r>
-                      <a:endParaRPr kumimoji="1" lang="ja-JP" altLang="en-US" sz="1000" b="1">
+                      <a:endParaRPr kumimoji="1" lang="ja-JP" altLang="en-US" sz="1100" b="1">
                         <a:solidFill>
                           <a:srgbClr val="FF0000"/>
                         </a:solidFill>
@@ -26322,14 +31226,14 @@
                   </a:ext>
                 </a:extLst>
               </a:tr>
-              <a:tr h="370840">
+              <a:tr h="369977">
                 <a:tc>
                   <a:txBody>
                     <a:bodyPr/>
                     <a:lstStyle/>
                     <a:p>
                       <a:r>
-                        <a:rPr kumimoji="1" lang="ja-JP" altLang="en-US" sz="1000"/>
+                        <a:rPr kumimoji="1" lang="ja-JP" altLang="en-US" sz="1100"/>
                         <a:t>ブロック運搬経路の探索</a:t>
                       </a:r>
                     </a:p>
@@ -26342,7 +31246,7 @@
                     <a:lstStyle/>
                     <a:p>
                       <a:r>
-                        <a:rPr kumimoji="1" lang="ja-JP" altLang="en-US" sz="1000"/>
+                        <a:rPr kumimoji="1" lang="ja-JP" altLang="en-US" sz="1100"/>
                         <a:t>運搬先までの最短経路を探索する</a:t>
                       </a:r>
                     </a:p>
@@ -26355,29 +31259,29 @@
                     <a:lstStyle/>
                     <a:p>
                       <a:r>
-                        <a:rPr kumimoji="1" lang="ja-JP" altLang="en-US" sz="1000"/>
+                        <a:rPr kumimoji="1" lang="ja-JP" altLang="en-US" sz="1100"/>
                         <a:t>③データ構造</a:t>
                       </a:r>
-                      <a:endParaRPr kumimoji="1" lang="en-US" altLang="ja-JP" sz="1000" dirty="0"/>
+                      <a:endParaRPr kumimoji="1" lang="en-US" altLang="ja-JP" sz="1100" dirty="0"/>
                     </a:p>
                     <a:p>
                       <a:r>
-                        <a:rPr kumimoji="1" lang="ja-JP" altLang="en-US" sz="1000"/>
+                        <a:rPr kumimoji="1" lang="ja-JP" altLang="en-US" sz="1100"/>
                         <a:t>④探索問題</a:t>
                       </a:r>
                       <a:r>
-                        <a:rPr kumimoji="1" lang="en-US" altLang="ja-JP" sz="1000" dirty="0"/>
+                        <a:rPr kumimoji="1" lang="en-US" altLang="ja-JP" sz="1100" dirty="0"/>
                         <a:t>(A*</a:t>
                       </a:r>
                       <a:r>
-                        <a:rPr kumimoji="1" lang="ja-JP" altLang="en-US" sz="1000"/>
+                        <a:rPr kumimoji="1" lang="ja-JP" altLang="en-US" sz="1100"/>
                         <a:t>探索</a:t>
                       </a:r>
                       <a:r>
-                        <a:rPr kumimoji="1" lang="en-US" altLang="ja-JP" sz="1000" dirty="0"/>
+                        <a:rPr kumimoji="1" lang="en-US" altLang="ja-JP" sz="1100" dirty="0"/>
                         <a:t>)</a:t>
                       </a:r>
-                      <a:endParaRPr kumimoji="1" lang="ja-JP" altLang="en-US" sz="1000"/>
+                      <a:endParaRPr kumimoji="1" lang="ja-JP" altLang="en-US" sz="1100"/>
                     </a:p>
                   </a:txBody>
                   <a:tcPr anchor="ctr"/>
@@ -26388,14 +31292,14 @@
                   </a:ext>
                 </a:extLst>
               </a:tr>
-              <a:tr h="370840">
+              <a:tr h="369977">
                 <a:tc>
                   <a:txBody>
                     <a:bodyPr/>
                     <a:lstStyle/>
                     <a:p>
                       <a:r>
-                        <a:rPr kumimoji="1" lang="ja-JP" altLang="en-US" sz="1000"/>
+                        <a:rPr kumimoji="1" lang="ja-JP" altLang="en-US" sz="1100"/>
                         <a:t>ブロック運搬</a:t>
                       </a:r>
                     </a:p>
@@ -26408,7 +31312,7 @@
                     <a:lstStyle/>
                     <a:p>
                       <a:r>
-                        <a:rPr kumimoji="1" lang="ja-JP" altLang="en-US" sz="1000"/>
+                        <a:rPr kumimoji="1" lang="ja-JP" altLang="en-US" sz="1100"/>
                         <a:t>目的の位置まで移動する</a:t>
                       </a:r>
                     </a:p>
@@ -26421,14 +31325,14 @@
                     <a:lstStyle/>
                     <a:p>
                       <a:r>
-                        <a:rPr kumimoji="1" lang="ja-JP" altLang="en-US" sz="1000"/>
+                        <a:rPr kumimoji="1" lang="ja-JP" altLang="en-US" sz="1100"/>
                         <a:t>⑤自己位置推定</a:t>
                       </a:r>
-                      <a:endParaRPr kumimoji="1" lang="en-US" altLang="ja-JP" sz="1000" dirty="0"/>
+                      <a:endParaRPr kumimoji="1" lang="en-US" altLang="ja-JP" sz="1100" dirty="0"/>
                     </a:p>
                     <a:p>
                       <a:r>
-                        <a:rPr kumimoji="1" lang="ja-JP" altLang="en-US" sz="1000"/>
+                        <a:rPr kumimoji="1" lang="ja-JP" altLang="en-US" sz="1100"/>
                         <a:t>⑥ロボット制御</a:t>
                       </a:r>
                     </a:p>
@@ -26719,7 +31623,7 @@
         </p:nvSpPr>
         <p:spPr>
           <a:xfrm>
-            <a:off x="0" y="4720635"/>
+            <a:off x="0" y="4743537"/>
             <a:ext cx="6284838" cy="456341"/>
           </a:xfrm>
           <a:prstGeom prst="rect">
@@ -32170,7 +37074,7 @@
         </p:blipFill>
         <p:spPr>
           <a:xfrm>
-            <a:off x="89410" y="5576605"/>
+            <a:off x="89410" y="5784486"/>
             <a:ext cx="1331280" cy="748845"/>
           </a:xfrm>
           <a:prstGeom prst="rect">
@@ -32213,7 +37117,7 @@
         </p:blipFill>
         <p:spPr>
           <a:xfrm>
-            <a:off x="89410" y="6569834"/>
+            <a:off x="89410" y="6777715"/>
             <a:ext cx="2762007" cy="1854254"/>
           </a:xfrm>
           <a:prstGeom prst="rect">
@@ -32243,7 +37147,7 @@
         </p:nvSpPr>
         <p:spPr>
           <a:xfrm>
-            <a:off x="46180" y="5203482"/>
+            <a:off x="46180" y="5247593"/>
             <a:ext cx="1148415" cy="230969"/>
           </a:xfrm>
           <a:prstGeom prst="rect">
@@ -32305,7 +37209,7 @@
         </p:nvSpPr>
         <p:spPr>
           <a:xfrm>
-            <a:off x="1537052" y="5173678"/>
+            <a:off x="1537052" y="5234227"/>
             <a:ext cx="1443093" cy="663219"/>
           </a:xfrm>
           <a:prstGeom prst="rect">
@@ -32362,7 +37266,7 @@
         </p:nvSpPr>
         <p:spPr>
           <a:xfrm>
-            <a:off x="1136845" y="6030726"/>
+            <a:off x="1136845" y="6238607"/>
             <a:ext cx="136921" cy="136921"/>
           </a:xfrm>
           <a:prstGeom prst="ellipse">
@@ -32419,7 +37323,7 @@
         </p:nvSpPr>
         <p:spPr>
           <a:xfrm>
-            <a:off x="258465" y="5716421"/>
+            <a:off x="258465" y="5924302"/>
             <a:ext cx="136921" cy="136921"/>
           </a:xfrm>
           <a:prstGeom prst="ellipse">
@@ -32476,7 +37380,7 @@
         </p:nvSpPr>
         <p:spPr>
           <a:xfrm>
-            <a:off x="732769" y="5508143"/>
+            <a:off x="732769" y="5552254"/>
             <a:ext cx="136921" cy="136921"/>
           </a:xfrm>
           <a:prstGeom prst="ellipse">
@@ -32533,7 +37437,7 @@
         </p:nvSpPr>
         <p:spPr>
           <a:xfrm>
-            <a:off x="1267557" y="5643917"/>
+            <a:off x="1267557" y="5851798"/>
             <a:ext cx="136921" cy="136921"/>
           </a:xfrm>
           <a:prstGeom prst="ellipse">
@@ -32590,7 +37494,7 @@
         </p:nvSpPr>
         <p:spPr>
           <a:xfrm>
-            <a:off x="808550" y="8179414"/>
+            <a:off x="808550" y="8387295"/>
             <a:ext cx="136921" cy="136921"/>
           </a:xfrm>
           <a:prstGeom prst="ellipse">
@@ -32650,7 +37554,7 @@
         </p:nvCxnSpPr>
         <p:spPr>
           <a:xfrm flipH="1">
-            <a:off x="808550" y="6147595"/>
+            <a:off x="808550" y="6355476"/>
             <a:ext cx="445164" cy="2100280"/>
           </a:xfrm>
           <a:prstGeom prst="straightConnector1">
@@ -32692,7 +37596,7 @@
         </p:nvSpPr>
         <p:spPr>
           <a:xfrm>
-            <a:off x="2426624" y="8179414"/>
+            <a:off x="2426624" y="8387295"/>
             <a:ext cx="136921" cy="136921"/>
           </a:xfrm>
           <a:prstGeom prst="ellipse">
@@ -32753,7 +37657,7 @@
         </p:nvCxnSpPr>
         <p:spPr>
           <a:xfrm>
-            <a:off x="1384426" y="5760786"/>
+            <a:off x="1384426" y="5968667"/>
             <a:ext cx="1062250" cy="2438680"/>
           </a:xfrm>
           <a:prstGeom prst="straightConnector1">
@@ -32799,8 +37703,8 @@
         </p:nvCxnSpPr>
         <p:spPr>
           <a:xfrm>
-            <a:off x="869690" y="5576604"/>
-            <a:ext cx="1561693" cy="1249421"/>
+            <a:off x="869690" y="5620715"/>
+            <a:ext cx="1561693" cy="1413191"/>
           </a:xfrm>
           <a:prstGeom prst="straightConnector1">
             <a:avLst/>
@@ -32841,7 +37745,7 @@
         </p:nvSpPr>
         <p:spPr>
           <a:xfrm>
-            <a:off x="2411331" y="6805973"/>
+            <a:off x="2411331" y="7013854"/>
             <a:ext cx="136921" cy="136921"/>
           </a:xfrm>
           <a:prstGeom prst="ellipse">
@@ -32898,7 +37802,7 @@
         </p:nvSpPr>
         <p:spPr>
           <a:xfrm>
-            <a:off x="780688" y="6744332"/>
+            <a:off x="780688" y="6952213"/>
             <a:ext cx="136921" cy="136921"/>
           </a:xfrm>
           <a:prstGeom prst="ellipse">
@@ -32959,7 +37863,7 @@
         </p:nvCxnSpPr>
         <p:spPr>
           <a:xfrm>
-            <a:off x="395386" y="5784882"/>
+            <a:off x="395386" y="5992763"/>
             <a:ext cx="385302" cy="1027911"/>
           </a:xfrm>
           <a:prstGeom prst="straightConnector1">
@@ -33001,7 +37905,7 @@
         </p:nvSpPr>
         <p:spPr>
           <a:xfrm>
-            <a:off x="3014770" y="5220722"/>
+            <a:off x="3014770" y="5175585"/>
             <a:ext cx="1572622" cy="140965"/>
           </a:xfrm>
           <a:prstGeom prst="rect">
@@ -33063,7 +37967,7 @@
         </p:nvSpPr>
         <p:spPr>
           <a:xfrm>
-            <a:off x="3065496" y="5374812"/>
+            <a:off x="3065496" y="5329675"/>
             <a:ext cx="2160972" cy="251972"/>
           </a:xfrm>
           <a:prstGeom prst="rect">
@@ -33120,8 +38024,8 @@
         </p:nvGrpSpPr>
         <p:grpSpPr>
           <a:xfrm>
-            <a:off x="3137175" y="5741082"/>
-            <a:ext cx="1841155" cy="594363"/>
+            <a:off x="3137175" y="5590393"/>
+            <a:ext cx="2435593" cy="786260"/>
             <a:chOff x="3091269" y="7542886"/>
             <a:chExt cx="2832795" cy="914485"/>
           </a:xfrm>
@@ -33261,7 +38165,7 @@
         </p:nvSpPr>
         <p:spPr>
           <a:xfrm>
-            <a:off x="4093552" y="6707397"/>
+            <a:off x="4093552" y="7027009"/>
             <a:ext cx="2138277" cy="986625"/>
           </a:xfrm>
           <a:prstGeom prst="rect">
@@ -33354,7 +38258,7 @@
         </p:nvSpPr>
         <p:spPr>
           <a:xfrm>
-            <a:off x="89410" y="6881253"/>
+            <a:off x="89410" y="7089134"/>
             <a:ext cx="555483" cy="703449"/>
           </a:xfrm>
           <a:prstGeom prst="rect">
@@ -33407,7 +38311,7 @@
         </p:nvSpPr>
         <p:spPr>
           <a:xfrm>
-            <a:off x="-36882" y="7626437"/>
+            <a:off x="-36882" y="7834318"/>
             <a:ext cx="1163940" cy="251972"/>
           </a:xfrm>
           <a:prstGeom prst="rect">
@@ -33464,7 +38368,7 @@
         </p:nvSpPr>
         <p:spPr>
           <a:xfrm>
-            <a:off x="3100459" y="6804568"/>
+            <a:off x="3100459" y="7124180"/>
             <a:ext cx="914485" cy="914485"/>
           </a:xfrm>
           <a:prstGeom prst="rect">
@@ -33555,7 +38459,7 @@
         </p:blipFill>
         <p:spPr>
           <a:xfrm>
-            <a:off x="3104385" y="6800685"/>
+            <a:off x="3104385" y="7120297"/>
             <a:ext cx="906632" cy="910827"/>
           </a:xfrm>
           <a:prstGeom prst="rect">
@@ -33577,7 +38481,7 @@
         </p:nvSpPr>
         <p:spPr>
           <a:xfrm>
-            <a:off x="3014770" y="6550581"/>
+            <a:off x="3014770" y="6870193"/>
             <a:ext cx="1572622" cy="140965"/>
           </a:xfrm>
           <a:prstGeom prst="rect">
@@ -33639,7 +38543,7 @@
         </p:nvSpPr>
         <p:spPr>
           <a:xfrm>
-            <a:off x="3046485" y="7732353"/>
+            <a:off x="3046485" y="8055905"/>
             <a:ext cx="3354315" cy="643856"/>
           </a:xfrm>
           <a:prstGeom prst="rect">
@@ -33732,8 +38636,8 @@
         </p:nvSpPr>
         <p:spPr>
           <a:xfrm>
-            <a:off x="4964783" y="5700081"/>
-            <a:ext cx="1448869" cy="711523"/>
+            <a:off x="3045921" y="6471729"/>
+            <a:ext cx="3367731" cy="477272"/>
           </a:xfrm>
           <a:prstGeom prst="rect">
             <a:avLst/>
@@ -33770,58 +38674,7 @@
                 </a:solidFill>
                 <a:latin typeface="+mn-ea"/>
               </a:rPr>
-              <a:t>左から数字画像、</a:t>
-            </a:r>
-            <a:endParaRPr lang="en-US" altLang="ja-JP" sz="1100" dirty="0">
-              <a:solidFill>
-                <a:schemeClr val="tx1"/>
-              </a:solidFill>
-              <a:latin typeface="+mn-ea"/>
-            </a:endParaRPr>
-          </a:p>
-          <a:p>
-            <a:r>
-              <a:rPr lang="ja-JP" altLang="en-US" sz="1100">
-                <a:solidFill>
-                  <a:schemeClr val="tx1"/>
-                </a:solidFill>
-                <a:latin typeface="+mn-ea"/>
-              </a:rPr>
-              <a:t>ブロック・</a:t>
-            </a:r>
-            <a:endParaRPr lang="en-US" altLang="ja-JP" sz="1100" dirty="0">
-              <a:solidFill>
-                <a:schemeClr val="tx1"/>
-              </a:solidFill>
-              <a:latin typeface="+mn-ea"/>
-            </a:endParaRPr>
-          </a:p>
-          <a:p>
-            <a:r>
-              <a:rPr lang="ja-JP" altLang="en-US" sz="1100">
-                <a:solidFill>
-                  <a:schemeClr val="tx1"/>
-                </a:solidFill>
-                <a:latin typeface="+mn-ea"/>
-              </a:rPr>
-              <a:t>サークル画像</a:t>
-            </a:r>
-            <a:endParaRPr lang="en-US" altLang="ja-JP" sz="1100" dirty="0">
-              <a:solidFill>
-                <a:schemeClr val="tx1"/>
-              </a:solidFill>
-              <a:latin typeface="+mn-ea"/>
-            </a:endParaRPr>
-          </a:p>
-          <a:p>
-            <a:r>
-              <a:rPr lang="ja-JP" altLang="en-US" sz="1100">
-                <a:solidFill>
-                  <a:schemeClr val="tx1"/>
-                </a:solidFill>
-                <a:latin typeface="+mn-ea"/>
-              </a:rPr>
-              <a:t>交差サークル画像</a:t>
+              <a:t>左から数字画像、ブロック・サークル画像、交差サークル画像</a:t>
             </a:r>
             <a:endParaRPr lang="en-US" altLang="ja-JP" sz="1100" dirty="0">
               <a:solidFill>
@@ -34001,7 +38854,7 @@
         </p:nvSpPr>
         <p:spPr>
           <a:xfrm>
-            <a:off x="6357488" y="5314912"/>
+            <a:off x="6357488" y="5344787"/>
             <a:ext cx="6431412" cy="1039989"/>
           </a:xfrm>
           <a:prstGeom prst="rect">
@@ -34490,6 +39343,178 @@
           </a:prstGeom>
         </p:spPr>
       </p:pic>
+      <p:sp>
+        <p:nvSpPr>
+          <p:cNvPr id="136" name="正方形/長方形 135">
+            <a:extLst>
+              <a:ext uri="{FF2B5EF4-FFF2-40B4-BE49-F238E27FC236}">
+                <a16:creationId xmlns:a16="http://schemas.microsoft.com/office/drawing/2014/main" id="{4FAE5A2E-CBDC-2F4B-AC75-1B31D9631B76}"/>
+              </a:ext>
+            </a:extLst>
+          </p:cNvPr>
+          <p:cNvSpPr/>
+          <p:nvPr/>
+        </p:nvSpPr>
+        <p:spPr>
+          <a:xfrm>
+            <a:off x="-1" y="8793789"/>
+            <a:ext cx="2570672" cy="230969"/>
+          </a:xfrm>
+          <a:prstGeom prst="rect">
+            <a:avLst/>
+          </a:prstGeom>
+          <a:solidFill>
+            <a:schemeClr val="accent6">
+              <a:lumMod val="20000"/>
+              <a:lumOff val="80000"/>
+            </a:schemeClr>
+          </a:solidFill>
+          <a:ln>
+            <a:noFill/>
+          </a:ln>
+        </p:spPr>
+        <p:style>
+          <a:lnRef idx="2">
+            <a:schemeClr val="accent1">
+              <a:shade val="50000"/>
+            </a:schemeClr>
+          </a:lnRef>
+          <a:fillRef idx="1">
+            <a:schemeClr val="accent1"/>
+          </a:fillRef>
+          <a:effectRef idx="0">
+            <a:schemeClr val="accent1"/>
+          </a:effectRef>
+          <a:fontRef idx="minor">
+            <a:schemeClr val="lt1"/>
+          </a:fontRef>
+        </p:style>
+        <p:txBody>
+          <a:bodyPr rtlCol="0" anchor="ctr"/>
+          <a:lstStyle/>
+          <a:p>
+            <a:r>
+              <a:rPr lang="en-US" altLang="ja-JP" sz="1400" b="1" dirty="0">
+                <a:solidFill>
+                  <a:schemeClr val="tx1"/>
+                </a:solidFill>
+                <a:latin typeface="+mj-ea"/>
+                <a:ea typeface="+mj-ea"/>
+              </a:rPr>
+              <a:t>4.3</a:t>
+            </a:r>
+            <a:r>
+              <a:rPr lang="ja-JP" altLang="en-US" sz="1400" b="1">
+                <a:solidFill>
+                  <a:schemeClr val="tx1"/>
+                </a:solidFill>
+                <a:latin typeface="+mj-ea"/>
+                <a:ea typeface="+mj-ea"/>
+              </a:rPr>
+              <a:t>リーン開発</a:t>
+            </a:r>
+          </a:p>
+        </p:txBody>
+      </p:sp>
+      <p:sp>
+        <p:nvSpPr>
+          <p:cNvPr id="137" name="正方形/長方形 136">
+            <a:extLst>
+              <a:ext uri="{FF2B5EF4-FFF2-40B4-BE49-F238E27FC236}">
+                <a16:creationId xmlns:a16="http://schemas.microsoft.com/office/drawing/2014/main" id="{6B11997E-247F-4A4E-93DA-90ADFDB35076}"/>
+              </a:ext>
+            </a:extLst>
+          </p:cNvPr>
+          <p:cNvSpPr/>
+          <p:nvPr/>
+        </p:nvSpPr>
+        <p:spPr>
+          <a:xfrm>
+            <a:off x="-36883" y="9044986"/>
+            <a:ext cx="6435281" cy="643856"/>
+          </a:xfrm>
+          <a:prstGeom prst="rect">
+            <a:avLst/>
+          </a:prstGeom>
+          <a:noFill/>
+          <a:ln>
+            <a:noFill/>
+          </a:ln>
+        </p:spPr>
+        <p:style>
+          <a:lnRef idx="2">
+            <a:schemeClr val="accent1">
+              <a:shade val="50000"/>
+            </a:schemeClr>
+          </a:lnRef>
+          <a:fillRef idx="1">
+            <a:schemeClr val="accent1"/>
+          </a:fillRef>
+          <a:effectRef idx="0">
+            <a:schemeClr val="accent1"/>
+          </a:effectRef>
+          <a:fontRef idx="minor">
+            <a:schemeClr val="lt1"/>
+          </a:fontRef>
+        </p:style>
+        <p:txBody>
+          <a:bodyPr rtlCol="0" anchor="t" anchorCtr="0"/>
+          <a:lstStyle/>
+          <a:p>
+            <a:r>
+              <a:rPr lang="ja-JP" altLang="en-US" sz="1100">
+                <a:solidFill>
+                  <a:schemeClr val="tx1"/>
+                </a:solidFill>
+                <a:latin typeface="+mn-ea"/>
+              </a:rPr>
+              <a:t>画像処理、</a:t>
+            </a:r>
+            <a:r>
+              <a:rPr lang="en-US" altLang="ja-JP" sz="1100" dirty="0">
+                <a:solidFill>
+                  <a:schemeClr val="tx1"/>
+                </a:solidFill>
+                <a:latin typeface="+mn-ea"/>
+              </a:rPr>
+              <a:t>CNN</a:t>
+            </a:r>
+            <a:r>
+              <a:rPr lang="ja-JP" altLang="en-US" sz="1100">
+                <a:solidFill>
+                  <a:schemeClr val="tx1"/>
+                </a:solidFill>
+                <a:latin typeface="+mn-ea"/>
+              </a:rPr>
+              <a:t>の設計とも経験が浅く、実現できる確証がなかった。そこでリーン開発の思想を採用し「素早く試し、素早く失敗する」を繰り返し機能の実現と品質の向上を図った。またプロジェクトをアトラシンアの</a:t>
+            </a:r>
+            <a:r>
+              <a:rPr lang="en-US" altLang="ja-JP" sz="1100" dirty="0">
+                <a:solidFill>
+                  <a:schemeClr val="tx1"/>
+                </a:solidFill>
+                <a:latin typeface="+mn-ea"/>
+              </a:rPr>
+              <a:t>JIRA </a:t>
+            </a:r>
+            <a:r>
+              <a:rPr lang="ja-JP" altLang="en-US" sz="1100">
+                <a:solidFill>
+                  <a:schemeClr val="tx1"/>
+                </a:solidFill>
+                <a:latin typeface="+mn-ea"/>
+              </a:rPr>
+              <a:t>で管理し、毎週スプリントを定義、設計効率の改善を図った。</a:t>
+            </a:r>
+            <a:endParaRPr lang="en-US" altLang="ja-JP" sz="1100" dirty="0">
+              <a:solidFill>
+                <a:schemeClr val="tx1"/>
+              </a:solidFill>
+              <a:latin typeface="+mn-ea"/>
+            </a:endParaRPr>
+          </a:p>
+        </p:txBody>
+      </p:sp>
     </p:spTree>
     <p:extLst>
       <p:ext uri="{BB962C8B-B14F-4D97-AF65-F5344CB8AC3E}">

--- a/Specification/hirojiren_model_file_advanced.pptx
+++ b/Specification/hirojiren_model_file_advanced.pptx
@@ -4966,6 +4966,13 @@
   <p:clrMapOvr>
     <a:masterClrMapping/>
   </p:clrMapOvr>
+  <p:timing>
+    <p:tnLst>
+      <p:par>
+        <p:cTn id="1" dur="indefinite" restart="never" nodeType="tmRoot"/>
+      </p:par>
+    </p:tnLst>
+  </p:timing>
 </p:sld>
 </file>
 
@@ -6040,6 +6047,13 @@
   <p:clrMapOvr>
     <a:masterClrMapping/>
   </p:clrMapOvr>
+  <p:timing>
+    <p:tnLst>
+      <p:par>
+        <p:cTn id="1" dur="indefinite" restart="never" nodeType="tmRoot"/>
+      </p:par>
+    </p:tnLst>
+  </p:timing>
 </p:sld>
 </file>
 
@@ -13232,6 +13246,13 @@
   <p:clrMapOvr>
     <a:masterClrMapping/>
   </p:clrMapOvr>
+  <p:timing>
+    <p:tnLst>
+      <p:par>
+        <p:cTn id="1" dur="indefinite" restart="never" nodeType="tmRoot"/>
+      </p:par>
+    </p:tnLst>
+  </p:timing>
 </p:sld>
 </file>
 
@@ -15014,6 +15035,13 @@
   <p:clrMapOvr>
     <a:masterClrMapping/>
   </p:clrMapOvr>
+  <p:timing>
+    <p:tnLst>
+      <p:par>
+        <p:cTn id="1" dur="indefinite" restart="never" nodeType="tmRoot"/>
+      </p:par>
+    </p:tnLst>
+  </p:timing>
 </p:sld>
 </file>
 
@@ -25717,6 +25745,13 @@
   <p:clrMapOvr>
     <a:masterClrMapping/>
   </p:clrMapOvr>
+  <p:timing>
+    <p:tnLst>
+      <p:par>
+        <p:cTn id="1" dur="indefinite" restart="never" nodeType="tmRoot"/>
+      </p:par>
+    </p:tnLst>
+  </p:timing>
 </p:sld>
 </file>
 
@@ -25985,316 +26020,6 @@
               </a:rPr>
               <a:t>制御モデル</a:t>
             </a:r>
-          </a:p>
-        </p:txBody>
-      </p:sp>
-      <p:sp>
-        <p:nvSpPr>
-          <p:cNvPr id="10" name="角丸四角形 9">
-            <a:extLst>
-              <a:ext uri="{FF2B5EF4-FFF2-40B4-BE49-F238E27FC236}">
-                <a16:creationId xmlns:a16="http://schemas.microsoft.com/office/drawing/2014/main" id="{EE3B402F-FB73-5744-BD9B-C9BA94E54FC7}"/>
-              </a:ext>
-            </a:extLst>
-          </p:cNvPr>
-          <p:cNvSpPr/>
-          <p:nvPr/>
-        </p:nvSpPr>
-        <p:spPr>
-          <a:xfrm>
-            <a:off x="14352244" y="644962"/>
-            <a:ext cx="6400800" cy="3465741"/>
-          </a:xfrm>
-          <a:prstGeom prst="roundRect">
-            <a:avLst>
-              <a:gd name="adj" fmla="val 6879"/>
-            </a:avLst>
-          </a:prstGeom>
-          <a:noFill/>
-          <a:ln w="38100">
-            <a:solidFill>
-              <a:srgbClr val="FF0000"/>
-            </a:solidFill>
-            <a:prstDash val="sysDash"/>
-          </a:ln>
-        </p:spPr>
-        <p:style>
-          <a:lnRef idx="2">
-            <a:schemeClr val="accent1">
-              <a:shade val="50000"/>
-            </a:schemeClr>
-          </a:lnRef>
-          <a:fillRef idx="1">
-            <a:schemeClr val="accent1"/>
-          </a:fillRef>
-          <a:effectRef idx="0">
-            <a:schemeClr val="accent1"/>
-          </a:effectRef>
-          <a:fontRef idx="minor">
-            <a:schemeClr val="lt1"/>
-          </a:fontRef>
-        </p:style>
-        <p:txBody>
-          <a:bodyPr rtlCol="0" anchor="t" anchorCtr="0"/>
-          <a:lstStyle/>
-          <a:p>
-            <a:r>
-              <a:rPr lang="ja-JP" altLang="en-US">
-                <a:solidFill>
-                  <a:schemeClr val="tx1"/>
-                </a:solidFill>
-              </a:rPr>
-              <a:t>制御技術①</a:t>
-            </a:r>
-            <a:endParaRPr lang="en-US" altLang="ja-JP" dirty="0">
-              <a:solidFill>
-                <a:schemeClr val="tx1"/>
-              </a:solidFill>
-            </a:endParaRPr>
-          </a:p>
-          <a:p>
-            <a:r>
-              <a:rPr lang="ja-JP" altLang="en-US">
-                <a:solidFill>
-                  <a:schemeClr val="tx1"/>
-                </a:solidFill>
-              </a:rPr>
-              <a:t>①</a:t>
-            </a:r>
-            <a:r>
-              <a:rPr lang="en-US" altLang="ja-JP" dirty="0">
-                <a:solidFill>
-                  <a:schemeClr val="tx1"/>
-                </a:solidFill>
-              </a:rPr>
-              <a:t>-1. </a:t>
-            </a:r>
-            <a:r>
-              <a:rPr lang="ja-JP" altLang="en-US">
-                <a:solidFill>
-                  <a:schemeClr val="tx1"/>
-                </a:solidFill>
-              </a:rPr>
-              <a:t>制御戦略</a:t>
-            </a:r>
-            <a:endParaRPr lang="en-US" altLang="ja-JP" dirty="0">
-              <a:solidFill>
-                <a:schemeClr val="tx1"/>
-              </a:solidFill>
-            </a:endParaRPr>
-          </a:p>
-          <a:p>
-            <a:r>
-              <a:rPr lang="ja-JP" altLang="en-US">
-                <a:solidFill>
-                  <a:schemeClr val="tx1"/>
-                </a:solidFill>
-              </a:rPr>
-              <a:t>①</a:t>
-            </a:r>
-            <a:r>
-              <a:rPr lang="en-US" altLang="ja-JP" dirty="0">
-                <a:solidFill>
-                  <a:schemeClr val="tx1"/>
-                </a:solidFill>
-              </a:rPr>
-              <a:t>-2</a:t>
-            </a:r>
-            <a:r>
-              <a:rPr lang="ja-JP" altLang="en-US">
-                <a:solidFill>
-                  <a:schemeClr val="tx1"/>
-                </a:solidFill>
-              </a:rPr>
-              <a:t>で定義した要素技術を使ってどのように選択した機能を実現するか</a:t>
-            </a:r>
-            <a:endParaRPr lang="en-US" altLang="ja-JP" dirty="0">
-              <a:solidFill>
-                <a:schemeClr val="tx1"/>
-              </a:solidFill>
-            </a:endParaRPr>
-          </a:p>
-          <a:p>
-            <a:endParaRPr lang="en-US" altLang="ja-JP" dirty="0">
-              <a:solidFill>
-                <a:schemeClr val="tx1"/>
-              </a:solidFill>
-            </a:endParaRPr>
-          </a:p>
-          <a:p>
-            <a:endParaRPr lang="en-US" altLang="ja-JP" dirty="0">
-              <a:solidFill>
-                <a:schemeClr val="tx1"/>
-              </a:solidFill>
-            </a:endParaRPr>
-          </a:p>
-          <a:p>
-            <a:endParaRPr lang="en-US" altLang="ja-JP" dirty="0">
-              <a:solidFill>
-                <a:schemeClr val="tx1"/>
-              </a:solidFill>
-            </a:endParaRPr>
-          </a:p>
-          <a:p>
-            <a:endParaRPr lang="en-US" altLang="ja-JP" dirty="0">
-              <a:solidFill>
-                <a:schemeClr val="tx1"/>
-              </a:solidFill>
-            </a:endParaRPr>
-          </a:p>
-          <a:p>
-            <a:endParaRPr lang="en-US" altLang="ja-JP" dirty="0">
-              <a:solidFill>
-                <a:schemeClr val="tx1"/>
-              </a:solidFill>
-            </a:endParaRPr>
-          </a:p>
-          <a:p>
-            <a:endParaRPr lang="en-US" altLang="ja-JP" dirty="0">
-              <a:solidFill>
-                <a:schemeClr val="tx1"/>
-              </a:solidFill>
-            </a:endParaRPr>
-          </a:p>
-          <a:p>
-            <a:endParaRPr lang="en-US" altLang="ja-JP" dirty="0">
-              <a:solidFill>
-                <a:schemeClr val="tx1"/>
-              </a:solidFill>
-            </a:endParaRPr>
-          </a:p>
-          <a:p>
-            <a:endParaRPr lang="en-US" altLang="ja-JP" dirty="0">
-              <a:solidFill>
-                <a:schemeClr val="tx1"/>
-              </a:solidFill>
-            </a:endParaRPr>
-          </a:p>
-          <a:p>
-            <a:endParaRPr lang="en-US" altLang="ja-JP" dirty="0">
-              <a:solidFill>
-                <a:schemeClr val="tx1"/>
-              </a:solidFill>
-            </a:endParaRPr>
-          </a:p>
-          <a:p>
-            <a:endParaRPr lang="en-US" altLang="ja-JP" dirty="0">
-              <a:solidFill>
-                <a:schemeClr val="tx1"/>
-              </a:solidFill>
-            </a:endParaRPr>
-          </a:p>
-          <a:p>
-            <a:endParaRPr lang="en-US" altLang="ja-JP" dirty="0">
-              <a:solidFill>
-                <a:schemeClr val="tx1"/>
-              </a:solidFill>
-            </a:endParaRPr>
-          </a:p>
-          <a:p>
-            <a:endParaRPr lang="en-US" altLang="ja-JP" dirty="0">
-              <a:solidFill>
-                <a:schemeClr val="tx1"/>
-              </a:solidFill>
-            </a:endParaRPr>
-          </a:p>
-          <a:p>
-            <a:endParaRPr lang="en-US" altLang="ja-JP" dirty="0">
-              <a:solidFill>
-                <a:schemeClr val="tx1"/>
-              </a:solidFill>
-            </a:endParaRPr>
-          </a:p>
-          <a:p>
-            <a:r>
-              <a:rPr lang="ja-JP" altLang="en-US">
-                <a:solidFill>
-                  <a:schemeClr val="tx1"/>
-                </a:solidFill>
-              </a:rPr>
-              <a:t>①</a:t>
-            </a:r>
-            <a:r>
-              <a:rPr lang="en-US" altLang="ja-JP" dirty="0">
-                <a:solidFill>
-                  <a:schemeClr val="tx1"/>
-                </a:solidFill>
-              </a:rPr>
-              <a:t>-2.</a:t>
-            </a:r>
-            <a:r>
-              <a:rPr lang="ja-JP" altLang="en-US">
-                <a:solidFill>
-                  <a:schemeClr val="tx1"/>
-                </a:solidFill>
-              </a:rPr>
-              <a:t>要素技術</a:t>
-            </a:r>
-            <a:endParaRPr lang="en-US" altLang="ja-JP" dirty="0">
-              <a:solidFill>
-                <a:schemeClr val="tx1"/>
-              </a:solidFill>
-            </a:endParaRPr>
-          </a:p>
-          <a:p>
-            <a:r>
-              <a:rPr lang="ja-JP" altLang="en-US">
-                <a:solidFill>
-                  <a:schemeClr val="tx1"/>
-                </a:solidFill>
-              </a:rPr>
-              <a:t>・機能実現する上での課題は何か？</a:t>
-            </a:r>
-            <a:endParaRPr lang="en-US" altLang="ja-JP" dirty="0">
-              <a:solidFill>
-                <a:schemeClr val="tx1"/>
-              </a:solidFill>
-            </a:endParaRPr>
-          </a:p>
-          <a:p>
-            <a:r>
-              <a:rPr lang="ja-JP" altLang="en-US">
-                <a:solidFill>
-                  <a:schemeClr val="tx1"/>
-                </a:solidFill>
-              </a:rPr>
-              <a:t>・どのような対策を実施したか？</a:t>
-            </a:r>
-            <a:endParaRPr lang="en-US" altLang="ja-JP" dirty="0">
-              <a:solidFill>
-                <a:schemeClr val="tx1"/>
-              </a:solidFill>
-            </a:endParaRPr>
-          </a:p>
-          <a:p>
-            <a:r>
-              <a:rPr lang="ja-JP" altLang="en-US">
-                <a:solidFill>
-                  <a:schemeClr val="tx1"/>
-                </a:solidFill>
-              </a:rPr>
-              <a:t>・どのような条件・範囲で使うのか？</a:t>
-            </a:r>
-            <a:endParaRPr lang="en-US" altLang="ja-JP" dirty="0">
-              <a:solidFill>
-                <a:schemeClr val="tx1"/>
-              </a:solidFill>
-            </a:endParaRPr>
-          </a:p>
-          <a:p>
-            <a:r>
-              <a:rPr lang="ja-JP" altLang="en-US">
-                <a:solidFill>
-                  <a:schemeClr val="tx1"/>
-                </a:solidFill>
-              </a:rPr>
-              <a:t>・性能・信頼性・安全性など機能の実現性に対して効果があるか？</a:t>
-            </a:r>
-            <a:endParaRPr lang="en-US" altLang="ja-JP" dirty="0">
-              <a:solidFill>
-                <a:schemeClr val="tx1"/>
-              </a:solidFill>
-            </a:endParaRPr>
           </a:p>
         </p:txBody>
       </p:sp>
@@ -27324,7 +27049,7 @@
           <p:nvPr/>
         </p:nvPicPr>
         <p:blipFill>
-          <a:blip r:embed="rId2">
+          <a:blip r:embed="rId2" cstate="hqprint">
             <a:extLst>
               <a:ext uri="{28A0092B-C50C-407E-A947-70E740481C1C}">
                 <a14:useLocalDpi xmlns:a14="http://schemas.microsoft.com/office/drawing/2010/main" val="0"/>
@@ -32651,7 +32376,7 @@
           <p:nvPr/>
         </p:nvPicPr>
         <p:blipFill>
-          <a:blip r:embed="rId2">
+          <a:blip r:embed="rId6" cstate="hqprint">
             <a:extLst>
               <a:ext uri="{28A0092B-C50C-407E-A947-70E740481C1C}">
                 <a14:useLocalDpi xmlns:a14="http://schemas.microsoft.com/office/drawing/2010/main" val="0"/>
@@ -32695,7 +32420,7 @@
           <p:nvPr/>
         </p:nvPicPr>
         <p:blipFill rotWithShape="1">
-          <a:blip r:embed="rId6">
+          <a:blip r:embed="rId7">
             <a:extLst>
               <a:ext uri="{28A0092B-C50C-407E-A947-70E740481C1C}">
                 <a14:useLocalDpi xmlns:a14="http://schemas.microsoft.com/office/drawing/2010/main" val="0"/>
@@ -33635,7 +33360,7 @@
             <p:nvPr/>
           </p:nvPicPr>
           <p:blipFill rotWithShape="1">
-            <a:blip r:embed="rId6">
+            <a:blip r:embed="rId7">
               <a:extLst>
                 <a:ext uri="{28A0092B-C50C-407E-A947-70E740481C1C}">
                   <a14:useLocalDpi xmlns:a14="http://schemas.microsoft.com/office/drawing/2010/main" val="0"/>
@@ -33675,7 +33400,7 @@
             <p:nvPr/>
           </p:nvPicPr>
           <p:blipFill rotWithShape="1">
-            <a:blip r:embed="rId6">
+            <a:blip r:embed="rId7">
               <a:extLst>
                 <a:ext uri="{28A0092B-C50C-407E-A947-70E740481C1C}">
                   <a14:useLocalDpi xmlns:a14="http://schemas.microsoft.com/office/drawing/2010/main" val="0"/>
@@ -33715,7 +33440,7 @@
             <p:nvPr/>
           </p:nvPicPr>
           <p:blipFill rotWithShape="1">
-            <a:blip r:embed="rId6">
+            <a:blip r:embed="rId7">
               <a:extLst>
                 <a:ext uri="{28A0092B-C50C-407E-A947-70E740481C1C}">
                   <a14:useLocalDpi xmlns:a14="http://schemas.microsoft.com/office/drawing/2010/main" val="0"/>
@@ -34409,6 +34134,13 @@
   <p:clrMapOvr>
     <a:masterClrMapping/>
   </p:clrMapOvr>
+  <p:timing>
+    <p:tnLst>
+      <p:par>
+        <p:cTn id="1" dur="indefinite" restart="never" nodeType="tmRoot"/>
+      </p:par>
+    </p:tnLst>
+  </p:timing>
 </p:sld>
 </file>
 

--- a/Specification/hirojiren_model_file_advanced.pptx
+++ b/Specification/hirojiren_model_file_advanced.pptx
@@ -4966,13 +4966,6 @@
   <p:clrMapOvr>
     <a:masterClrMapping/>
   </p:clrMapOvr>
-  <p:timing>
-    <p:tnLst>
-      <p:par>
-        <p:cTn id="1" dur="indefinite" restart="never" nodeType="tmRoot"/>
-      </p:par>
-    </p:tnLst>
-  </p:timing>
 </p:sld>
 </file>
 
@@ -6047,13 +6040,6 @@
   <p:clrMapOvr>
     <a:masterClrMapping/>
   </p:clrMapOvr>
-  <p:timing>
-    <p:tnLst>
-      <p:par>
-        <p:cTn id="1" dur="indefinite" restart="never" nodeType="tmRoot"/>
-      </p:par>
-    </p:tnLst>
-  </p:timing>
 </p:sld>
 </file>
 
@@ -13246,13 +13232,6 @@
   <p:clrMapOvr>
     <a:masterClrMapping/>
   </p:clrMapOvr>
-  <p:timing>
-    <p:tnLst>
-      <p:par>
-        <p:cTn id="1" dur="indefinite" restart="never" nodeType="tmRoot"/>
-      </p:par>
-    </p:tnLst>
-  </p:timing>
 </p:sld>
 </file>
 
@@ -15035,13 +15014,6 @@
   <p:clrMapOvr>
     <a:masterClrMapping/>
   </p:clrMapOvr>
-  <p:timing>
-    <p:tnLst>
-      <p:par>
-        <p:cTn id="1" dur="indefinite" restart="never" nodeType="tmRoot"/>
-      </p:par>
-    </p:tnLst>
-  </p:timing>
 </p:sld>
 </file>
 
@@ -25745,13 +25717,6 @@
   <p:clrMapOvr>
     <a:masterClrMapping/>
   </p:clrMapOvr>
-  <p:timing>
-    <p:tnLst>
-      <p:par>
-        <p:cTn id="1" dur="indefinite" restart="never" nodeType="tmRoot"/>
-      </p:par>
-    </p:tnLst>
-  </p:timing>
 </p:sld>
 </file>
 
@@ -26020,6 +25985,316 @@
               </a:rPr>
               <a:t>制御モデル</a:t>
             </a:r>
+          </a:p>
+        </p:txBody>
+      </p:sp>
+      <p:sp>
+        <p:nvSpPr>
+          <p:cNvPr id="10" name="角丸四角形 9">
+            <a:extLst>
+              <a:ext uri="{FF2B5EF4-FFF2-40B4-BE49-F238E27FC236}">
+                <a16:creationId xmlns:a16="http://schemas.microsoft.com/office/drawing/2014/main" id="{EE3B402F-FB73-5744-BD9B-C9BA94E54FC7}"/>
+              </a:ext>
+            </a:extLst>
+          </p:cNvPr>
+          <p:cNvSpPr/>
+          <p:nvPr/>
+        </p:nvSpPr>
+        <p:spPr>
+          <a:xfrm>
+            <a:off x="14352244" y="644962"/>
+            <a:ext cx="6400800" cy="3465741"/>
+          </a:xfrm>
+          <a:prstGeom prst="roundRect">
+            <a:avLst>
+              <a:gd name="adj" fmla="val 6879"/>
+            </a:avLst>
+          </a:prstGeom>
+          <a:noFill/>
+          <a:ln w="38100">
+            <a:solidFill>
+              <a:srgbClr val="FF0000"/>
+            </a:solidFill>
+            <a:prstDash val="sysDash"/>
+          </a:ln>
+        </p:spPr>
+        <p:style>
+          <a:lnRef idx="2">
+            <a:schemeClr val="accent1">
+              <a:shade val="50000"/>
+            </a:schemeClr>
+          </a:lnRef>
+          <a:fillRef idx="1">
+            <a:schemeClr val="accent1"/>
+          </a:fillRef>
+          <a:effectRef idx="0">
+            <a:schemeClr val="accent1"/>
+          </a:effectRef>
+          <a:fontRef idx="minor">
+            <a:schemeClr val="lt1"/>
+          </a:fontRef>
+        </p:style>
+        <p:txBody>
+          <a:bodyPr rtlCol="0" anchor="t" anchorCtr="0"/>
+          <a:lstStyle/>
+          <a:p>
+            <a:r>
+              <a:rPr lang="ja-JP" altLang="en-US">
+                <a:solidFill>
+                  <a:schemeClr val="tx1"/>
+                </a:solidFill>
+              </a:rPr>
+              <a:t>制御技術①</a:t>
+            </a:r>
+            <a:endParaRPr lang="en-US" altLang="ja-JP" dirty="0">
+              <a:solidFill>
+                <a:schemeClr val="tx1"/>
+              </a:solidFill>
+            </a:endParaRPr>
+          </a:p>
+          <a:p>
+            <a:r>
+              <a:rPr lang="ja-JP" altLang="en-US">
+                <a:solidFill>
+                  <a:schemeClr val="tx1"/>
+                </a:solidFill>
+              </a:rPr>
+              <a:t>①</a:t>
+            </a:r>
+            <a:r>
+              <a:rPr lang="en-US" altLang="ja-JP" dirty="0">
+                <a:solidFill>
+                  <a:schemeClr val="tx1"/>
+                </a:solidFill>
+              </a:rPr>
+              <a:t>-1. </a:t>
+            </a:r>
+            <a:r>
+              <a:rPr lang="ja-JP" altLang="en-US">
+                <a:solidFill>
+                  <a:schemeClr val="tx1"/>
+                </a:solidFill>
+              </a:rPr>
+              <a:t>制御戦略</a:t>
+            </a:r>
+            <a:endParaRPr lang="en-US" altLang="ja-JP" dirty="0">
+              <a:solidFill>
+                <a:schemeClr val="tx1"/>
+              </a:solidFill>
+            </a:endParaRPr>
+          </a:p>
+          <a:p>
+            <a:r>
+              <a:rPr lang="ja-JP" altLang="en-US">
+                <a:solidFill>
+                  <a:schemeClr val="tx1"/>
+                </a:solidFill>
+              </a:rPr>
+              <a:t>①</a:t>
+            </a:r>
+            <a:r>
+              <a:rPr lang="en-US" altLang="ja-JP" dirty="0">
+                <a:solidFill>
+                  <a:schemeClr val="tx1"/>
+                </a:solidFill>
+              </a:rPr>
+              <a:t>-2</a:t>
+            </a:r>
+            <a:r>
+              <a:rPr lang="ja-JP" altLang="en-US">
+                <a:solidFill>
+                  <a:schemeClr val="tx1"/>
+                </a:solidFill>
+              </a:rPr>
+              <a:t>で定義した要素技術を使ってどのように選択した機能を実現するか</a:t>
+            </a:r>
+            <a:endParaRPr lang="en-US" altLang="ja-JP" dirty="0">
+              <a:solidFill>
+                <a:schemeClr val="tx1"/>
+              </a:solidFill>
+            </a:endParaRPr>
+          </a:p>
+          <a:p>
+            <a:endParaRPr lang="en-US" altLang="ja-JP" dirty="0">
+              <a:solidFill>
+                <a:schemeClr val="tx1"/>
+              </a:solidFill>
+            </a:endParaRPr>
+          </a:p>
+          <a:p>
+            <a:endParaRPr lang="en-US" altLang="ja-JP" dirty="0">
+              <a:solidFill>
+                <a:schemeClr val="tx1"/>
+              </a:solidFill>
+            </a:endParaRPr>
+          </a:p>
+          <a:p>
+            <a:endParaRPr lang="en-US" altLang="ja-JP" dirty="0">
+              <a:solidFill>
+                <a:schemeClr val="tx1"/>
+              </a:solidFill>
+            </a:endParaRPr>
+          </a:p>
+          <a:p>
+            <a:endParaRPr lang="en-US" altLang="ja-JP" dirty="0">
+              <a:solidFill>
+                <a:schemeClr val="tx1"/>
+              </a:solidFill>
+            </a:endParaRPr>
+          </a:p>
+          <a:p>
+            <a:endParaRPr lang="en-US" altLang="ja-JP" dirty="0">
+              <a:solidFill>
+                <a:schemeClr val="tx1"/>
+              </a:solidFill>
+            </a:endParaRPr>
+          </a:p>
+          <a:p>
+            <a:endParaRPr lang="en-US" altLang="ja-JP" dirty="0">
+              <a:solidFill>
+                <a:schemeClr val="tx1"/>
+              </a:solidFill>
+            </a:endParaRPr>
+          </a:p>
+          <a:p>
+            <a:endParaRPr lang="en-US" altLang="ja-JP" dirty="0">
+              <a:solidFill>
+                <a:schemeClr val="tx1"/>
+              </a:solidFill>
+            </a:endParaRPr>
+          </a:p>
+          <a:p>
+            <a:endParaRPr lang="en-US" altLang="ja-JP" dirty="0">
+              <a:solidFill>
+                <a:schemeClr val="tx1"/>
+              </a:solidFill>
+            </a:endParaRPr>
+          </a:p>
+          <a:p>
+            <a:endParaRPr lang="en-US" altLang="ja-JP" dirty="0">
+              <a:solidFill>
+                <a:schemeClr val="tx1"/>
+              </a:solidFill>
+            </a:endParaRPr>
+          </a:p>
+          <a:p>
+            <a:endParaRPr lang="en-US" altLang="ja-JP" dirty="0">
+              <a:solidFill>
+                <a:schemeClr val="tx1"/>
+              </a:solidFill>
+            </a:endParaRPr>
+          </a:p>
+          <a:p>
+            <a:endParaRPr lang="en-US" altLang="ja-JP" dirty="0">
+              <a:solidFill>
+                <a:schemeClr val="tx1"/>
+              </a:solidFill>
+            </a:endParaRPr>
+          </a:p>
+          <a:p>
+            <a:endParaRPr lang="en-US" altLang="ja-JP" dirty="0">
+              <a:solidFill>
+                <a:schemeClr val="tx1"/>
+              </a:solidFill>
+            </a:endParaRPr>
+          </a:p>
+          <a:p>
+            <a:endParaRPr lang="en-US" altLang="ja-JP" dirty="0">
+              <a:solidFill>
+                <a:schemeClr val="tx1"/>
+              </a:solidFill>
+            </a:endParaRPr>
+          </a:p>
+          <a:p>
+            <a:r>
+              <a:rPr lang="ja-JP" altLang="en-US">
+                <a:solidFill>
+                  <a:schemeClr val="tx1"/>
+                </a:solidFill>
+              </a:rPr>
+              <a:t>①</a:t>
+            </a:r>
+            <a:r>
+              <a:rPr lang="en-US" altLang="ja-JP" dirty="0">
+                <a:solidFill>
+                  <a:schemeClr val="tx1"/>
+                </a:solidFill>
+              </a:rPr>
+              <a:t>-2.</a:t>
+            </a:r>
+            <a:r>
+              <a:rPr lang="ja-JP" altLang="en-US">
+                <a:solidFill>
+                  <a:schemeClr val="tx1"/>
+                </a:solidFill>
+              </a:rPr>
+              <a:t>要素技術</a:t>
+            </a:r>
+            <a:endParaRPr lang="en-US" altLang="ja-JP" dirty="0">
+              <a:solidFill>
+                <a:schemeClr val="tx1"/>
+              </a:solidFill>
+            </a:endParaRPr>
+          </a:p>
+          <a:p>
+            <a:r>
+              <a:rPr lang="ja-JP" altLang="en-US">
+                <a:solidFill>
+                  <a:schemeClr val="tx1"/>
+                </a:solidFill>
+              </a:rPr>
+              <a:t>・機能実現する上での課題は何か？</a:t>
+            </a:r>
+            <a:endParaRPr lang="en-US" altLang="ja-JP" dirty="0">
+              <a:solidFill>
+                <a:schemeClr val="tx1"/>
+              </a:solidFill>
+            </a:endParaRPr>
+          </a:p>
+          <a:p>
+            <a:r>
+              <a:rPr lang="ja-JP" altLang="en-US">
+                <a:solidFill>
+                  <a:schemeClr val="tx1"/>
+                </a:solidFill>
+              </a:rPr>
+              <a:t>・どのような対策を実施したか？</a:t>
+            </a:r>
+            <a:endParaRPr lang="en-US" altLang="ja-JP" dirty="0">
+              <a:solidFill>
+                <a:schemeClr val="tx1"/>
+              </a:solidFill>
+            </a:endParaRPr>
+          </a:p>
+          <a:p>
+            <a:r>
+              <a:rPr lang="ja-JP" altLang="en-US">
+                <a:solidFill>
+                  <a:schemeClr val="tx1"/>
+                </a:solidFill>
+              </a:rPr>
+              <a:t>・どのような条件・範囲で使うのか？</a:t>
+            </a:r>
+            <a:endParaRPr lang="en-US" altLang="ja-JP" dirty="0">
+              <a:solidFill>
+                <a:schemeClr val="tx1"/>
+              </a:solidFill>
+            </a:endParaRPr>
+          </a:p>
+          <a:p>
+            <a:r>
+              <a:rPr lang="ja-JP" altLang="en-US">
+                <a:solidFill>
+                  <a:schemeClr val="tx1"/>
+                </a:solidFill>
+              </a:rPr>
+              <a:t>・性能・信頼性・安全性など機能の実現性に対して効果があるか？</a:t>
+            </a:r>
+            <a:endParaRPr lang="en-US" altLang="ja-JP" dirty="0">
+              <a:solidFill>
+                <a:schemeClr val="tx1"/>
+              </a:solidFill>
+            </a:endParaRPr>
           </a:p>
         </p:txBody>
       </p:sp>
@@ -27049,7 +27324,7 @@
           <p:nvPr/>
         </p:nvPicPr>
         <p:blipFill>
-          <a:blip r:embed="rId2" cstate="hqprint">
+          <a:blip r:embed="rId2">
             <a:extLst>
               <a:ext uri="{28A0092B-C50C-407E-A947-70E740481C1C}">
                 <a14:useLocalDpi xmlns:a14="http://schemas.microsoft.com/office/drawing/2010/main" val="0"/>
@@ -32376,7 +32651,7 @@
           <p:nvPr/>
         </p:nvPicPr>
         <p:blipFill>
-          <a:blip r:embed="rId6" cstate="hqprint">
+          <a:blip r:embed="rId2">
             <a:extLst>
               <a:ext uri="{28A0092B-C50C-407E-A947-70E740481C1C}">
                 <a14:useLocalDpi xmlns:a14="http://schemas.microsoft.com/office/drawing/2010/main" val="0"/>
@@ -32420,7 +32695,7 @@
           <p:nvPr/>
         </p:nvPicPr>
         <p:blipFill rotWithShape="1">
-          <a:blip r:embed="rId7">
+          <a:blip r:embed="rId6">
             <a:extLst>
               <a:ext uri="{28A0092B-C50C-407E-A947-70E740481C1C}">
                 <a14:useLocalDpi xmlns:a14="http://schemas.microsoft.com/office/drawing/2010/main" val="0"/>
@@ -33360,7 +33635,7 @@
             <p:nvPr/>
           </p:nvPicPr>
           <p:blipFill rotWithShape="1">
-            <a:blip r:embed="rId7">
+            <a:blip r:embed="rId6">
               <a:extLst>
                 <a:ext uri="{28A0092B-C50C-407E-A947-70E740481C1C}">
                   <a14:useLocalDpi xmlns:a14="http://schemas.microsoft.com/office/drawing/2010/main" val="0"/>
@@ -33400,7 +33675,7 @@
             <p:nvPr/>
           </p:nvPicPr>
           <p:blipFill rotWithShape="1">
-            <a:blip r:embed="rId7">
+            <a:blip r:embed="rId6">
               <a:extLst>
                 <a:ext uri="{28A0092B-C50C-407E-A947-70E740481C1C}">
                   <a14:useLocalDpi xmlns:a14="http://schemas.microsoft.com/office/drawing/2010/main" val="0"/>
@@ -33440,7 +33715,7 @@
             <p:nvPr/>
           </p:nvPicPr>
           <p:blipFill rotWithShape="1">
-            <a:blip r:embed="rId7">
+            <a:blip r:embed="rId6">
               <a:extLst>
                 <a:ext uri="{28A0092B-C50C-407E-A947-70E740481C1C}">
                   <a14:useLocalDpi xmlns:a14="http://schemas.microsoft.com/office/drawing/2010/main" val="0"/>
@@ -34134,13 +34409,6 @@
   <p:clrMapOvr>
     <a:masterClrMapping/>
   </p:clrMapOvr>
-  <p:timing>
-    <p:tnLst>
-      <p:par>
-        <p:cTn id="1" dur="indefinite" restart="never" nodeType="tmRoot"/>
-      </p:par>
-    </p:tnLst>
-  </p:timing>
 </p:sld>
 </file>
 
